--- a/Rendu/Diapo_prototype_janvier.pptx
+++ b/Rendu/Diapo_prototype_janvier.pptx
@@ -240,7 +240,7 @@
           <a:p>
             <a:fld id="{59FF9AFC-EE31-4165-8F20-7F1E2683D74A}" type="datetimeFigureOut">
               <a:rPr lang="fr-FR" smtClean="0"/>
-              <a:t>28/11/2015</a:t>
+              <a:t>02/12/2015</a:t>
             </a:fld>
             <a:endParaRPr lang="fr-FR"/>
           </a:p>
@@ -410,7 +410,7 @@
           <a:p>
             <a:fld id="{59FF9AFC-EE31-4165-8F20-7F1E2683D74A}" type="datetimeFigureOut">
               <a:rPr lang="fr-FR" smtClean="0"/>
-              <a:t>28/11/2015</a:t>
+              <a:t>02/12/2015</a:t>
             </a:fld>
             <a:endParaRPr lang="fr-FR"/>
           </a:p>
@@ -590,7 +590,7 @@
           <a:p>
             <a:fld id="{59FF9AFC-EE31-4165-8F20-7F1E2683D74A}" type="datetimeFigureOut">
               <a:rPr lang="fr-FR" smtClean="0"/>
-              <a:t>28/11/2015</a:t>
+              <a:t>02/12/2015</a:t>
             </a:fld>
             <a:endParaRPr lang="fr-FR"/>
           </a:p>
@@ -760,7 +760,7 @@
           <a:p>
             <a:fld id="{59FF9AFC-EE31-4165-8F20-7F1E2683D74A}" type="datetimeFigureOut">
               <a:rPr lang="fr-FR" smtClean="0"/>
-              <a:t>28/11/2015</a:t>
+              <a:t>02/12/2015</a:t>
             </a:fld>
             <a:endParaRPr lang="fr-FR"/>
           </a:p>
@@ -1006,7 +1006,7 @@
           <a:p>
             <a:fld id="{59FF9AFC-EE31-4165-8F20-7F1E2683D74A}" type="datetimeFigureOut">
               <a:rPr lang="fr-FR" smtClean="0"/>
-              <a:t>28/11/2015</a:t>
+              <a:t>02/12/2015</a:t>
             </a:fld>
             <a:endParaRPr lang="fr-FR"/>
           </a:p>
@@ -1238,7 +1238,7 @@
           <a:p>
             <a:fld id="{59FF9AFC-EE31-4165-8F20-7F1E2683D74A}" type="datetimeFigureOut">
               <a:rPr lang="fr-FR" smtClean="0"/>
-              <a:t>28/11/2015</a:t>
+              <a:t>02/12/2015</a:t>
             </a:fld>
             <a:endParaRPr lang="fr-FR"/>
           </a:p>
@@ -1605,7 +1605,7 @@
           <a:p>
             <a:fld id="{59FF9AFC-EE31-4165-8F20-7F1E2683D74A}" type="datetimeFigureOut">
               <a:rPr lang="fr-FR" smtClean="0"/>
-              <a:t>28/11/2015</a:t>
+              <a:t>02/12/2015</a:t>
             </a:fld>
             <a:endParaRPr lang="fr-FR"/>
           </a:p>
@@ -1723,7 +1723,7 @@
           <a:p>
             <a:fld id="{59FF9AFC-EE31-4165-8F20-7F1E2683D74A}" type="datetimeFigureOut">
               <a:rPr lang="fr-FR" smtClean="0"/>
-              <a:t>28/11/2015</a:t>
+              <a:t>02/12/2015</a:t>
             </a:fld>
             <a:endParaRPr lang="fr-FR"/>
           </a:p>
@@ -1818,7 +1818,7 @@
           <a:p>
             <a:fld id="{59FF9AFC-EE31-4165-8F20-7F1E2683D74A}" type="datetimeFigureOut">
               <a:rPr lang="fr-FR" smtClean="0"/>
-              <a:t>28/11/2015</a:t>
+              <a:t>02/12/2015</a:t>
             </a:fld>
             <a:endParaRPr lang="fr-FR"/>
           </a:p>
@@ -2095,7 +2095,7 @@
           <a:p>
             <a:fld id="{59FF9AFC-EE31-4165-8F20-7F1E2683D74A}" type="datetimeFigureOut">
               <a:rPr lang="fr-FR" smtClean="0"/>
-              <a:t>28/11/2015</a:t>
+              <a:t>02/12/2015</a:t>
             </a:fld>
             <a:endParaRPr lang="fr-FR"/>
           </a:p>
@@ -2348,7 +2348,7 @@
           <a:p>
             <a:fld id="{59FF9AFC-EE31-4165-8F20-7F1E2683D74A}" type="datetimeFigureOut">
               <a:rPr lang="fr-FR" smtClean="0"/>
-              <a:t>28/11/2015</a:t>
+              <a:t>02/12/2015</a:t>
             </a:fld>
             <a:endParaRPr lang="fr-FR"/>
           </a:p>
@@ -2561,7 +2561,7 @@
           <a:p>
             <a:fld id="{59FF9AFC-EE31-4165-8F20-7F1E2683D74A}" type="datetimeFigureOut">
               <a:rPr lang="fr-FR" smtClean="0"/>
-              <a:t>28/11/2015</a:t>
+              <a:t>02/12/2015</a:t>
             </a:fld>
             <a:endParaRPr lang="fr-FR"/>
           </a:p>
@@ -3099,14 +3099,14 @@
             <p:ph idx="1"/>
             <p:extLst>
               <p:ext uri="{D42A27DB-BD31-4B8C-83A1-F6EECF244321}">
-                <p14:modId xmlns:p14="http://schemas.microsoft.com/office/powerpoint/2010/main" val="4098873199"/>
+                <p14:modId xmlns:p14="http://schemas.microsoft.com/office/powerpoint/2010/main" val="1977867489"/>
               </p:ext>
             </p:extLst>
           </p:nvPr>
         </p:nvGraphicFramePr>
         <p:xfrm>
           <a:off x="365758" y="1143002"/>
-          <a:ext cx="11407141" cy="5424801"/>
+          <a:ext cx="11407141" cy="5452143"/>
         </p:xfrm>
         <a:graphic>
           <a:graphicData uri="http://schemas.openxmlformats.org/drawingml/2006/table">
@@ -3317,16 +3317,16 @@
                         <a:t>complete</a:t>
                       </a:r>
                       <a:r>
-                        <a:rPr lang="fr-FR" sz="2400" dirty="0" smtClean="0">
+                        <a:rPr lang="fr-FR" sz="2400" smtClean="0">
                           <a:effectLst/>
                         </a:rPr>
                         <a:t> </a:t>
                       </a:r>
                       <a:r>
-                        <a:rPr lang="fr-FR" sz="2400" dirty="0">
-                          <a:effectLst/>
-                        </a:rPr>
-                        <a:t>et portable</a:t>
+                        <a:rPr lang="fr-FR" sz="2400" smtClean="0">
+                          <a:effectLst/>
+                        </a:rPr>
+                        <a:t>and portable</a:t>
                       </a:r>
                       <a:endParaRPr lang="fr-FR" sz="2400" dirty="0">
                         <a:effectLst/>
@@ -4986,7 +4986,7 @@
     </a:clrScheme>
     <a:fontScheme name="Office">
       <a:majorFont>
-        <a:latin typeface="Calibri Light" panose="020F0302020204030204"/>
+        <a:latin typeface="Calibri Light"/>
         <a:ea typeface=""/>
         <a:cs typeface=""/>
         <a:font script="Jpan" typeface="ＭＳ Ｐゴシック"/>
@@ -5021,7 +5021,7 @@
         <a:font script="Geor" typeface="Sylfaen"/>
       </a:majorFont>
       <a:minorFont>
-        <a:latin typeface="Calibri" panose="020F0502020204030204"/>
+        <a:latin typeface="Calibri"/>
         <a:ea typeface=""/>
         <a:cs typeface=""/>
         <a:font script="Jpan" typeface="ＭＳ Ｐゴシック"/>
@@ -5198,7 +5198,7 @@
   <a:extraClrSchemeLst/>
   <a:extLst>
     <a:ext uri="{05A4C25C-085E-4340-85A3-A5531E510DB2}">
-      <thm15:themeFamily xmlns:thm15="http://schemas.microsoft.com/office/thememl/2012/main" name="Office Theme" id="{62F939B6-93AF-4DB8-9C6B-D6C7DFDC589F}" vid="{4A3C46E8-61CC-4603-A589-7422A47A8E4A}"/>
+      <thm15:themeFamily xmlns:thm15="http://schemas.microsoft.com/office/thememl/2012/main" xmlns="" name="Office Theme" id="{62F939B6-93AF-4DB8-9C6B-D6C7DFDC589F}" vid="{4A3C46E8-61CC-4603-A589-7422A47A8E4A}"/>
     </a:ext>
   </a:extLst>
 </a:theme>

--- a/Rendu/Diapo_prototype_janvier.pptx
+++ b/Rendu/Diapo_prototype_janvier.pptx
@@ -240,7 +240,7 @@
           <a:p>
             <a:fld id="{59FF9AFC-EE31-4165-8F20-7F1E2683D74A}" type="datetimeFigureOut">
               <a:rPr lang="fr-FR" smtClean="0"/>
-              <a:t>02/12/2015</a:t>
+              <a:t>03/12/2015</a:t>
             </a:fld>
             <a:endParaRPr lang="fr-FR"/>
           </a:p>
@@ -410,7 +410,7 @@
           <a:p>
             <a:fld id="{59FF9AFC-EE31-4165-8F20-7F1E2683D74A}" type="datetimeFigureOut">
               <a:rPr lang="fr-FR" smtClean="0"/>
-              <a:t>02/12/2015</a:t>
+              <a:t>03/12/2015</a:t>
             </a:fld>
             <a:endParaRPr lang="fr-FR"/>
           </a:p>
@@ -590,7 +590,7 @@
           <a:p>
             <a:fld id="{59FF9AFC-EE31-4165-8F20-7F1E2683D74A}" type="datetimeFigureOut">
               <a:rPr lang="fr-FR" smtClean="0"/>
-              <a:t>02/12/2015</a:t>
+              <a:t>03/12/2015</a:t>
             </a:fld>
             <a:endParaRPr lang="fr-FR"/>
           </a:p>
@@ -760,7 +760,7 @@
           <a:p>
             <a:fld id="{59FF9AFC-EE31-4165-8F20-7F1E2683D74A}" type="datetimeFigureOut">
               <a:rPr lang="fr-FR" smtClean="0"/>
-              <a:t>02/12/2015</a:t>
+              <a:t>03/12/2015</a:t>
             </a:fld>
             <a:endParaRPr lang="fr-FR"/>
           </a:p>
@@ -1006,7 +1006,7 @@
           <a:p>
             <a:fld id="{59FF9AFC-EE31-4165-8F20-7F1E2683D74A}" type="datetimeFigureOut">
               <a:rPr lang="fr-FR" smtClean="0"/>
-              <a:t>02/12/2015</a:t>
+              <a:t>03/12/2015</a:t>
             </a:fld>
             <a:endParaRPr lang="fr-FR"/>
           </a:p>
@@ -1238,7 +1238,7 @@
           <a:p>
             <a:fld id="{59FF9AFC-EE31-4165-8F20-7F1E2683D74A}" type="datetimeFigureOut">
               <a:rPr lang="fr-FR" smtClean="0"/>
-              <a:t>02/12/2015</a:t>
+              <a:t>03/12/2015</a:t>
             </a:fld>
             <a:endParaRPr lang="fr-FR"/>
           </a:p>
@@ -1605,7 +1605,7 @@
           <a:p>
             <a:fld id="{59FF9AFC-EE31-4165-8F20-7F1E2683D74A}" type="datetimeFigureOut">
               <a:rPr lang="fr-FR" smtClean="0"/>
-              <a:t>02/12/2015</a:t>
+              <a:t>03/12/2015</a:t>
             </a:fld>
             <a:endParaRPr lang="fr-FR"/>
           </a:p>
@@ -1723,7 +1723,7 @@
           <a:p>
             <a:fld id="{59FF9AFC-EE31-4165-8F20-7F1E2683D74A}" type="datetimeFigureOut">
               <a:rPr lang="fr-FR" smtClean="0"/>
-              <a:t>02/12/2015</a:t>
+              <a:t>03/12/2015</a:t>
             </a:fld>
             <a:endParaRPr lang="fr-FR"/>
           </a:p>
@@ -1818,7 +1818,7 @@
           <a:p>
             <a:fld id="{59FF9AFC-EE31-4165-8F20-7F1E2683D74A}" type="datetimeFigureOut">
               <a:rPr lang="fr-FR" smtClean="0"/>
-              <a:t>02/12/2015</a:t>
+              <a:t>03/12/2015</a:t>
             </a:fld>
             <a:endParaRPr lang="fr-FR"/>
           </a:p>
@@ -2095,7 +2095,7 @@
           <a:p>
             <a:fld id="{59FF9AFC-EE31-4165-8F20-7F1E2683D74A}" type="datetimeFigureOut">
               <a:rPr lang="fr-FR" smtClean="0"/>
-              <a:t>02/12/2015</a:t>
+              <a:t>03/12/2015</a:t>
             </a:fld>
             <a:endParaRPr lang="fr-FR"/>
           </a:p>
@@ -2348,7 +2348,7 @@
           <a:p>
             <a:fld id="{59FF9AFC-EE31-4165-8F20-7F1E2683D74A}" type="datetimeFigureOut">
               <a:rPr lang="fr-FR" smtClean="0"/>
-              <a:t>02/12/2015</a:t>
+              <a:t>03/12/2015</a:t>
             </a:fld>
             <a:endParaRPr lang="fr-FR"/>
           </a:p>
@@ -2561,7 +2561,7 @@
           <a:p>
             <a:fld id="{59FF9AFC-EE31-4165-8F20-7F1E2683D74A}" type="datetimeFigureOut">
               <a:rPr lang="fr-FR" smtClean="0"/>
-              <a:t>02/12/2015</a:t>
+              <a:t>03/12/2015</a:t>
             </a:fld>
             <a:endParaRPr lang="fr-FR"/>
           </a:p>
@@ -3099,14 +3099,14 @@
             <p:ph idx="1"/>
             <p:extLst>
               <p:ext uri="{D42A27DB-BD31-4B8C-83A1-F6EECF244321}">
-                <p14:modId xmlns:p14="http://schemas.microsoft.com/office/powerpoint/2010/main" val="1977867489"/>
+                <p14:modId xmlns:p14="http://schemas.microsoft.com/office/powerpoint/2010/main" val="1084669368"/>
               </p:ext>
             </p:extLst>
           </p:nvPr>
         </p:nvGraphicFramePr>
         <p:xfrm>
-          <a:off x="365758" y="1143002"/>
-          <a:ext cx="11407141" cy="5452143"/>
+          <a:off x="365759" y="1143002"/>
+          <a:ext cx="11316726" cy="5053082"/>
         </p:xfrm>
         <a:graphic>
           <a:graphicData uri="http://schemas.openxmlformats.org/drawingml/2006/table">
@@ -3115,12 +3115,12 @@
                 <a:tableStyleId>{5C22544A-7EE6-4342-B048-85BDC9FD1C3A}</a:tableStyleId>
               </a:tblPr>
               <a:tblGrid>
-                <a:gridCol w="1396961"/>
-                <a:gridCol w="4057369"/>
-                <a:gridCol w="2897731"/>
-                <a:gridCol w="3055080"/>
+                <a:gridCol w="1586842"/>
+                <a:gridCol w="1568521"/>
+                <a:gridCol w="5130498"/>
+                <a:gridCol w="3030865"/>
               </a:tblGrid>
-              <a:tr h="1068243">
+              <a:tr h="1288581">
                 <a:tc>
                   <a:txBody>
                     <a:bodyPr/>
@@ -3238,7 +3238,7 @@
                   <a:tcPr marL="68580" marR="68580" marT="0" marB="0"/>
                 </a:tc>
               </a:tr>
-              <a:tr h="554815">
+              <a:tr h="944142">
                 <a:tc>
                   <a:txBody>
                     <a:bodyPr/>
@@ -3253,10 +3253,39 @@
                         </a:spcAft>
                       </a:pPr>
                       <a:r>
-                        <a:rPr lang="fr-FR" sz="2400" dirty="0" err="1">
+                        <a:rPr lang="fr-FR" sz="2400" b="0" dirty="0" err="1">
                           <a:effectLst/>
                         </a:rPr>
                         <a:t>libcurl</a:t>
+                      </a:r>
+                      <a:endParaRPr lang="fr-FR" sz="2400" b="0" dirty="0">
+                        <a:effectLst/>
+                        <a:latin typeface="Calibri" panose="020F0502020204030204" pitchFamily="34" charset="0"/>
+                        <a:ea typeface="Calibri" panose="020F0502020204030204" pitchFamily="34" charset="0"/>
+                        <a:cs typeface="Times New Roman" panose="02020603050405020304" pitchFamily="18" charset="0"/>
+                      </a:endParaRPr>
+                    </a:p>
+                  </a:txBody>
+                  <a:tcPr marL="68580" marR="68580" marT="0" marB="0"/>
+                </a:tc>
+                <a:tc>
+                  <a:txBody>
+                    <a:bodyPr/>
+                    <a:lstStyle/>
+                    <a:p>
+                      <a:pPr>
+                        <a:lnSpc>
+                          <a:spcPct val="107000"/>
+                        </a:lnSpc>
+                        <a:spcAft>
+                          <a:spcPts val="0"/>
+                        </a:spcAft>
+                      </a:pPr>
+                      <a:r>
+                        <a:rPr lang="fr-FR" sz="2400" dirty="0">
+                          <a:effectLst/>
+                        </a:rPr>
+                        <a:t>C</a:t>
                       </a:r>
                       <a:endParaRPr lang="fr-FR" sz="2400" dirty="0">
                         <a:effectLst/>
@@ -3282,10 +3311,16 @@
                         </a:spcAft>
                       </a:pPr>
                       <a:r>
-                        <a:rPr lang="fr-FR" sz="2400" dirty="0">
-                          <a:effectLst/>
-                        </a:rPr>
-                        <a:t>C</a:t>
+                        <a:rPr lang="fr-FR" sz="2400" dirty="0" err="1" smtClean="0">
+                          <a:effectLst/>
+                        </a:rPr>
+                        <a:t>complete</a:t>
+                      </a:r>
+                      <a:r>
+                        <a:rPr lang="fr-FR" sz="2400" smtClean="0">
+                          <a:effectLst/>
+                        </a:rPr>
+                        <a:t> and portable</a:t>
                       </a:r>
                       <a:endParaRPr lang="fr-FR" sz="2400" dirty="0">
                         <a:effectLst/>
@@ -3311,19 +3346,165 @@
                         </a:spcAft>
                       </a:pPr>
                       <a:r>
-                        <a:rPr lang="fr-FR" sz="2400" dirty="0" err="1" smtClean="0">
-                          <a:effectLst/>
-                        </a:rPr>
-                        <a:t>complete</a:t>
-                      </a:r>
-                      <a:r>
-                        <a:rPr lang="fr-FR" sz="2400" smtClean="0">
-                          <a:effectLst/>
+                        <a:rPr lang="fr-FR" sz="2400" dirty="0" smtClean="0">
+                          <a:effectLst/>
+                          <a:latin typeface="+mn-lt"/>
+                          <a:ea typeface="+mn-ea"/>
+                          <a:cs typeface="+mn-cs"/>
+                        </a:rPr>
+                        <a:t>Not</a:t>
+                      </a:r>
+                      <a:r>
+                        <a:rPr lang="fr-FR" sz="2400" baseline="0" dirty="0" smtClean="0">
+                          <a:effectLst/>
+                          <a:latin typeface="+mn-lt"/>
+                          <a:ea typeface="+mn-ea"/>
+                          <a:cs typeface="+mn-cs"/>
                         </a:rPr>
                         <a:t> </a:t>
                       </a:r>
                       <a:r>
-                        <a:rPr lang="fr-FR" sz="2400" smtClean="0">
+                        <a:rPr lang="fr-FR" sz="2400" baseline="0" dirty="0" err="1" smtClean="0">
+                          <a:effectLst/>
+                          <a:latin typeface="+mn-lt"/>
+                          <a:ea typeface="+mn-ea"/>
+                          <a:cs typeface="+mn-cs"/>
+                        </a:rPr>
+                        <a:t>everything</a:t>
+                      </a:r>
+                      <a:r>
+                        <a:rPr lang="fr-FR" sz="2400" baseline="0" dirty="0" smtClean="0">
+                          <a:effectLst/>
+                          <a:latin typeface="+mn-lt"/>
+                          <a:ea typeface="+mn-ea"/>
+                          <a:cs typeface="+mn-cs"/>
+                        </a:rPr>
+                        <a:t> </a:t>
+                      </a:r>
+                      <a:r>
+                        <a:rPr lang="fr-FR" sz="2400" baseline="0" dirty="0" err="1" smtClean="0">
+                          <a:effectLst/>
+                          <a:latin typeface="+mn-lt"/>
+                          <a:ea typeface="+mn-ea"/>
+                          <a:cs typeface="+mn-cs"/>
+                        </a:rPr>
+                        <a:t>is</a:t>
+                      </a:r>
+                      <a:r>
+                        <a:rPr lang="fr-FR" sz="2400" baseline="0" dirty="0" smtClean="0">
+                          <a:effectLst/>
+                          <a:latin typeface="+mn-lt"/>
+                          <a:ea typeface="+mn-ea"/>
+                          <a:cs typeface="+mn-cs"/>
+                        </a:rPr>
+                        <a:t> </a:t>
+                      </a:r>
+                      <a:r>
+                        <a:rPr lang="fr-FR" sz="2400" baseline="0" dirty="0" err="1" smtClean="0">
+                          <a:effectLst/>
+                          <a:latin typeface="+mn-lt"/>
+                          <a:ea typeface="+mn-ea"/>
+                          <a:cs typeface="+mn-cs"/>
+                        </a:rPr>
+                        <a:t>needed</a:t>
+                      </a:r>
+                      <a:endParaRPr lang="fr-FR" sz="2400" dirty="0">
+                        <a:effectLst/>
+                        <a:latin typeface="Calibri" panose="020F0502020204030204" pitchFamily="34" charset="0"/>
+                        <a:ea typeface="Calibri" panose="020F0502020204030204" pitchFamily="34" charset="0"/>
+                        <a:cs typeface="Times New Roman" panose="02020603050405020304" pitchFamily="18" charset="0"/>
+                      </a:endParaRPr>
+                    </a:p>
+                  </a:txBody>
+                  <a:tcPr marL="68580" marR="68580" marT="0" marB="0"/>
+                </a:tc>
+              </a:tr>
+              <a:tr h="472072">
+                <a:tc>
+                  <a:txBody>
+                    <a:bodyPr/>
+                    <a:lstStyle/>
+                    <a:p>
+                      <a:pPr>
+                        <a:lnSpc>
+                          <a:spcPct val="107000"/>
+                        </a:lnSpc>
+                        <a:spcAft>
+                          <a:spcPts val="0"/>
+                        </a:spcAft>
+                      </a:pPr>
+                      <a:r>
+                        <a:rPr lang="fr-FR" sz="2400" b="0" dirty="0">
+                          <a:effectLst/>
+                        </a:rPr>
+                        <a:t>http-</a:t>
+                      </a:r>
+                      <a:r>
+                        <a:rPr lang="fr-FR" sz="2400" b="0" dirty="0" err="1">
+                          <a:effectLst/>
+                        </a:rPr>
+                        <a:t>tiny</a:t>
+                      </a:r>
+                      <a:endParaRPr lang="fr-FR" sz="2400" b="0" dirty="0">
+                        <a:effectLst/>
+                        <a:latin typeface="Calibri" panose="020F0502020204030204" pitchFamily="34" charset="0"/>
+                        <a:ea typeface="Calibri" panose="020F0502020204030204" pitchFamily="34" charset="0"/>
+                        <a:cs typeface="Times New Roman" panose="02020603050405020304" pitchFamily="18" charset="0"/>
+                      </a:endParaRPr>
+                    </a:p>
+                  </a:txBody>
+                  <a:tcPr marL="68580" marR="68580" marT="0" marB="0"/>
+                </a:tc>
+                <a:tc>
+                  <a:txBody>
+                    <a:bodyPr/>
+                    <a:lstStyle/>
+                    <a:p>
+                      <a:pPr>
+                        <a:lnSpc>
+                          <a:spcPct val="107000"/>
+                        </a:lnSpc>
+                        <a:spcAft>
+                          <a:spcPts val="0"/>
+                        </a:spcAft>
+                      </a:pPr>
+                      <a:r>
+                        <a:rPr lang="fr-FR" sz="2400">
+                          <a:effectLst/>
+                        </a:rPr>
+                        <a:t>C</a:t>
+                      </a:r>
+                      <a:endParaRPr lang="fr-FR" sz="2400">
+                        <a:effectLst/>
+                        <a:latin typeface="Calibri" panose="020F0502020204030204" pitchFamily="34" charset="0"/>
+                        <a:ea typeface="Calibri" panose="020F0502020204030204" pitchFamily="34" charset="0"/>
+                        <a:cs typeface="Times New Roman" panose="02020603050405020304" pitchFamily="18" charset="0"/>
+                      </a:endParaRPr>
+                    </a:p>
+                  </a:txBody>
+                  <a:tcPr marL="68580" marR="68580" marT="0" marB="0"/>
+                </a:tc>
+                <a:tc>
+                  <a:txBody>
+                    <a:bodyPr/>
+                    <a:lstStyle/>
+                    <a:p>
+                      <a:pPr>
+                        <a:lnSpc>
+                          <a:spcPct val="107000"/>
+                        </a:lnSpc>
+                        <a:spcAft>
+                          <a:spcPts val="0"/>
+                        </a:spcAft>
+                      </a:pPr>
+                      <a:r>
+                        <a:rPr lang="fr-FR" sz="2400" dirty="0">
+                          <a:effectLst/>
+                        </a:rPr>
+                        <a:t>Concise </a:t>
+                      </a:r>
+                      <a:r>
+                        <a:rPr lang="fr-FR" sz="2400" dirty="0" smtClean="0">
                           <a:effectLst/>
                         </a:rPr>
                         <a:t>and portable</a:t>
@@ -3352,67 +3533,22 @@
                         </a:spcAft>
                       </a:pPr>
                       <a:r>
+                        <a:rPr lang="fr-FR" sz="2400" dirty="0" err="1" smtClean="0">
+                          <a:effectLst/>
+                        </a:rPr>
+                        <a:t>Only</a:t>
+                      </a:r>
+                      <a:r>
                         <a:rPr lang="fr-FR" sz="2400" dirty="0" smtClean="0">
                           <a:effectLst/>
-                          <a:latin typeface="+mn-lt"/>
-                          <a:ea typeface="+mn-ea"/>
-                          <a:cs typeface="+mn-cs"/>
-                        </a:rPr>
-                        <a:t>Not</a:t>
-                      </a:r>
-                      <a:r>
-                        <a:rPr lang="fr-FR" sz="2400" baseline="0" dirty="0" smtClean="0">
-                          <a:effectLst/>
-                          <a:latin typeface="+mn-lt"/>
-                          <a:ea typeface="+mn-ea"/>
-                          <a:cs typeface="+mn-cs"/>
                         </a:rPr>
                         <a:t> </a:t>
                       </a:r>
                       <a:r>
-                        <a:rPr lang="fr-FR" sz="2400" baseline="0" dirty="0" err="1" smtClean="0">
-                          <a:effectLst/>
-                          <a:latin typeface="+mn-lt"/>
-                          <a:ea typeface="+mn-ea"/>
-                          <a:cs typeface="+mn-cs"/>
-                        </a:rPr>
-                        <a:t>everything</a:t>
-                      </a:r>
-                      <a:r>
-                        <a:rPr lang="fr-FR" sz="2400" baseline="0" dirty="0" smtClean="0">
-                          <a:effectLst/>
-                          <a:latin typeface="+mn-lt"/>
-                          <a:ea typeface="+mn-ea"/>
-                          <a:cs typeface="+mn-cs"/>
-                        </a:rPr>
-                        <a:t> </a:t>
-                      </a:r>
-                      <a:r>
-                        <a:rPr lang="fr-FR" sz="2400" baseline="0" dirty="0" err="1" smtClean="0">
-                          <a:effectLst/>
-                          <a:latin typeface="+mn-lt"/>
-                          <a:ea typeface="+mn-ea"/>
-                          <a:cs typeface="+mn-cs"/>
-                        </a:rPr>
-                        <a:t>is</a:t>
-                      </a:r>
-                      <a:r>
-                        <a:rPr lang="fr-FR" sz="2400" baseline="0" dirty="0" smtClean="0">
-                          <a:effectLst/>
-                          <a:latin typeface="+mn-lt"/>
-                          <a:ea typeface="+mn-ea"/>
-                          <a:cs typeface="+mn-cs"/>
-                        </a:rPr>
-                        <a:t> </a:t>
-                      </a:r>
-                      <a:r>
-                        <a:rPr lang="fr-FR" sz="2400" baseline="0" dirty="0" err="1" smtClean="0">
-                          <a:effectLst/>
-                          <a:latin typeface="+mn-lt"/>
-                          <a:ea typeface="+mn-ea"/>
-                          <a:cs typeface="+mn-cs"/>
-                        </a:rPr>
-                        <a:t>needed</a:t>
+                        <a:rPr lang="fr-FR" sz="2400" dirty="0" err="1" smtClean="0">
+                          <a:effectLst/>
+                        </a:rPr>
+                        <a:t>queries</a:t>
                       </a:r>
                       <a:endParaRPr lang="fr-FR" sz="2400" dirty="0">
                         <a:effectLst/>
@@ -3425,7 +3561,7 @@
                   <a:tcPr marL="68580" marR="68580" marT="0" marB="0"/>
                 </a:tc>
               </a:tr>
-              <a:tr h="470393">
+              <a:tr h="472072">
                 <a:tc>
                   <a:txBody>
                     <a:bodyPr/>
@@ -3440,10 +3576,39 @@
                         </a:spcAft>
                       </a:pPr>
                       <a:r>
+                        <a:rPr lang="fr-FR" sz="2400" b="0">
+                          <a:effectLst/>
+                        </a:rPr>
+                        <a:t>Winhttp</a:t>
+                      </a:r>
+                      <a:endParaRPr lang="fr-FR" sz="2400" b="0">
+                        <a:effectLst/>
+                        <a:latin typeface="Calibri" panose="020F0502020204030204" pitchFamily="34" charset="0"/>
+                        <a:ea typeface="Calibri" panose="020F0502020204030204" pitchFamily="34" charset="0"/>
+                        <a:cs typeface="Times New Roman" panose="02020603050405020304" pitchFamily="18" charset="0"/>
+                      </a:endParaRPr>
+                    </a:p>
+                  </a:txBody>
+                  <a:tcPr marL="68580" marR="68580" marT="0" marB="0"/>
+                </a:tc>
+                <a:tc>
+                  <a:txBody>
+                    <a:bodyPr/>
+                    <a:lstStyle/>
+                    <a:p>
+                      <a:pPr>
+                        <a:lnSpc>
+                          <a:spcPct val="107000"/>
+                        </a:lnSpc>
+                        <a:spcAft>
+                          <a:spcPts val="0"/>
+                        </a:spcAft>
+                      </a:pPr>
+                      <a:r>
                         <a:rPr lang="fr-FR" sz="2400">
                           <a:effectLst/>
                         </a:rPr>
-                        <a:t>libwww</a:t>
+                        <a:t>C/C++</a:t>
                       </a:r>
                       <a:endParaRPr lang="fr-FR" sz="2400">
                         <a:effectLst/>
@@ -3469,10 +3634,99 @@
                         </a:spcAft>
                       </a:pPr>
                       <a:r>
+                        <a:rPr lang="fr-FR" sz="2400" dirty="0" smtClean="0">
+                          <a:effectLst/>
+                        </a:rPr>
+                        <a:t>Made for Windows</a:t>
+                      </a:r>
+                      <a:endParaRPr lang="fr-FR" sz="2400" dirty="0">
+                        <a:effectLst/>
+                        <a:latin typeface="Calibri" panose="020F0502020204030204" pitchFamily="34" charset="0"/>
+                        <a:ea typeface="Calibri" panose="020F0502020204030204" pitchFamily="34" charset="0"/>
+                        <a:cs typeface="Times New Roman" panose="02020603050405020304" pitchFamily="18" charset="0"/>
+                      </a:endParaRPr>
+                    </a:p>
+                  </a:txBody>
+                  <a:tcPr marL="68580" marR="68580" marT="0" marB="0"/>
+                </a:tc>
+                <a:tc>
+                  <a:txBody>
+                    <a:bodyPr/>
+                    <a:lstStyle/>
+                    <a:p>
+                      <a:pPr>
+                        <a:lnSpc>
+                          <a:spcPct val="107000"/>
+                        </a:lnSpc>
+                        <a:spcAft>
+                          <a:spcPts val="0"/>
+                        </a:spcAft>
+                      </a:pPr>
+                      <a:r>
+                        <a:rPr lang="fr-FR" sz="2400" dirty="0" smtClean="0">
+                          <a:effectLst/>
+                        </a:rPr>
+                        <a:t>Not portable</a:t>
+                      </a:r>
+                      <a:endParaRPr lang="fr-FR" sz="2400" dirty="0">
+                        <a:effectLst/>
+                        <a:latin typeface="Calibri" panose="020F0502020204030204" pitchFamily="34" charset="0"/>
+                        <a:ea typeface="Calibri" panose="020F0502020204030204" pitchFamily="34" charset="0"/>
+                        <a:cs typeface="Times New Roman" panose="02020603050405020304" pitchFamily="18" charset="0"/>
+                      </a:endParaRPr>
+                    </a:p>
+                  </a:txBody>
+                  <a:tcPr marL="68580" marR="68580" marT="0" marB="0"/>
+                </a:tc>
+              </a:tr>
+              <a:tr h="472072">
+                <a:tc>
+                  <a:txBody>
+                    <a:bodyPr/>
+                    <a:lstStyle/>
+                    <a:p>
+                      <a:pPr>
+                        <a:lnSpc>
+                          <a:spcPct val="107000"/>
+                        </a:lnSpc>
+                        <a:spcAft>
+                          <a:spcPts val="0"/>
+                        </a:spcAft>
+                      </a:pPr>
+                      <a:r>
+                        <a:rPr lang="fr-FR" sz="2400" b="0">
+                          <a:effectLst/>
+                        </a:rPr>
+                        <a:t>qDecoder</a:t>
+                      </a:r>
+                      <a:endParaRPr lang="fr-FR" sz="2400" b="0">
+                        <a:effectLst/>
+                        <a:latin typeface="Calibri" panose="020F0502020204030204" pitchFamily="34" charset="0"/>
+                        <a:ea typeface="Calibri" panose="020F0502020204030204" pitchFamily="34" charset="0"/>
+                        <a:cs typeface="Times New Roman" panose="02020603050405020304" pitchFamily="18" charset="0"/>
+                      </a:endParaRPr>
+                    </a:p>
+                  </a:txBody>
+                  <a:tcPr marL="68580" marR="68580" marT="0" marB="0"/>
+                </a:tc>
+                <a:tc>
+                  <a:txBody>
+                    <a:bodyPr/>
+                    <a:lstStyle/>
+                    <a:p>
+                      <a:pPr>
+                        <a:lnSpc>
+                          <a:spcPct val="107000"/>
+                        </a:lnSpc>
+                        <a:spcAft>
+                          <a:spcPts val="0"/>
+                        </a:spcAft>
+                      </a:pPr>
+                      <a:r>
                         <a:rPr lang="fr-FR" sz="2400">
                           <a:effectLst/>
                         </a:rPr>
-                        <a:t>C</a:t>
+                        <a:t>C/C++</a:t>
                       </a:r>
                       <a:endParaRPr lang="fr-FR" sz="2400">
                         <a:effectLst/>
@@ -3498,25 +3752,37 @@
                         </a:spcAft>
                       </a:pPr>
                       <a:r>
+                        <a:rPr lang="fr-FR" sz="2400" dirty="0">
+                          <a:effectLst/>
+                        </a:rPr>
+                        <a:t>C </a:t>
+                      </a:r>
+                      <a:r>
+                        <a:rPr lang="fr-FR" sz="2400" dirty="0" smtClean="0">
+                          <a:effectLst/>
+                        </a:rPr>
+                        <a:t>or C</a:t>
+                      </a:r>
+                      <a:r>
+                        <a:rPr lang="fr-FR" sz="2400" dirty="0">
+                          <a:effectLst/>
+                        </a:rPr>
+                        <a:t>++ </a:t>
+                      </a:r>
+                      <a:r>
+                        <a:rPr lang="fr-FR" sz="2400" dirty="0" smtClean="0">
+                          <a:effectLst/>
+                        </a:rPr>
+                        <a:t>(</a:t>
+                      </a:r>
+                      <a:r>
                         <a:rPr lang="fr-FR" sz="2400" dirty="0" err="1" smtClean="0">
                           <a:effectLst/>
                         </a:rPr>
-                        <a:t>complete</a:t>
+                        <a:t>choice</a:t>
                       </a:r>
                       <a:r>
                         <a:rPr lang="fr-FR" sz="2400" dirty="0" smtClean="0">
-                          <a:effectLst/>
-                        </a:rPr>
-                        <a:t>(</a:t>
-                      </a:r>
-                      <a:r>
-                        <a:rPr lang="fr-FR" sz="2400" dirty="0" err="1" smtClean="0">
-                          <a:effectLst/>
-                        </a:rPr>
-                        <a:t>caching</a:t>
-                      </a:r>
-                      <a:r>
-                        <a:rPr lang="fr-FR" sz="2400" dirty="0">
                           <a:effectLst/>
                         </a:rPr>
                         <a:t>)</a:t>
@@ -3545,13 +3811,28 @@
                         </a:spcAft>
                       </a:pPr>
                       <a:r>
+                        <a:rPr lang="fr-FR" sz="2400" dirty="0">
+                          <a:effectLst/>
+                        </a:rPr>
+                        <a:t>Unix-</a:t>
+                      </a:r>
+                      <a:r>
+                        <a:rPr lang="fr-FR" sz="2400" dirty="0" err="1">
+                          <a:effectLst/>
+                        </a:rPr>
+                        <a:t>like</a:t>
+                      </a:r>
+                      <a:r>
+                        <a:rPr lang="fr-FR" sz="2400" dirty="0">
+                          <a:effectLst/>
+                        </a:rPr>
+                        <a:t> OS </a:t>
+                      </a:r>
+                      <a:r>
                         <a:rPr lang="fr-FR" sz="2400" dirty="0" err="1" smtClean="0">
                           <a:effectLst/>
-                          <a:latin typeface="+mn-lt"/>
-                          <a:ea typeface="+mn-ea"/>
-                          <a:cs typeface="+mn-cs"/>
-                        </a:rPr>
-                        <a:t>complicated</a:t>
+                        </a:rPr>
+                        <a:t>only</a:t>
                       </a:r>
                       <a:endParaRPr lang="fr-FR" sz="2400" dirty="0">
                         <a:effectLst/>
@@ -3564,7 +3845,7 @@
                   <a:tcPr marL="68580" marR="68580" marT="0" marB="0"/>
                 </a:tc>
               </a:tr>
-              <a:tr h="376398">
+              <a:tr h="1404143">
                 <a:tc>
                   <a:txBody>
                     <a:bodyPr/>
@@ -3579,20 +3860,78 @@
                         </a:spcAft>
                       </a:pPr>
                       <a:r>
-                        <a:rPr lang="fr-FR" sz="2400">
-                          <a:effectLst/>
-                        </a:rPr>
-                        <a:t>http-tiny</a:t>
-                      </a:r>
-                      <a:endParaRPr lang="fr-FR" sz="2400">
+                        <a:rPr lang="fr-FR" sz="2400" b="0" u="none" dirty="0" err="1">
+                          <a:solidFill>
+                            <a:srgbClr val="002060"/>
+                          </a:solidFill>
+                          <a:effectLst/>
+                          <a:uFill>
+                            <a:solidFill>
+                              <a:srgbClr val="FF0000"/>
+                            </a:solidFill>
+                          </a:uFill>
+                        </a:rPr>
+                        <a:t>HappyHttp</a:t>
+                      </a:r>
+                      <a:endParaRPr lang="fr-FR" sz="2400" b="0" u="none" dirty="0">
+                        <a:solidFill>
+                          <a:srgbClr val="002060"/>
+                        </a:solidFill>
                         <a:effectLst/>
+                        <a:uFill>
+                          <a:solidFill>
+                            <a:srgbClr val="FF0000"/>
+                          </a:solidFill>
+                        </a:uFill>
                         <a:latin typeface="Calibri" panose="020F0502020204030204" pitchFamily="34" charset="0"/>
                         <a:ea typeface="Calibri" panose="020F0502020204030204" pitchFamily="34" charset="0"/>
                         <a:cs typeface="Times New Roman" panose="02020603050405020304" pitchFamily="18" charset="0"/>
                       </a:endParaRPr>
                     </a:p>
                   </a:txBody>
-                  <a:tcPr marL="68580" marR="68580" marT="0" marB="0"/>
+                  <a:tcPr marL="68580" marR="68580" marT="0" marB="0">
+                    <a:lnL w="12700" cmpd="sng">
+                      <a:noFill/>
+                    </a:lnL>
+                    <a:lnR w="12700" cmpd="sng">
+                      <a:noFill/>
+                    </a:lnR>
+                    <a:lnB w="12700" cmpd="sng">
+                      <a:noFill/>
+                    </a:lnB>
+                    <a:lnTlToBr w="12700" cmpd="sng">
+                      <a:noFill/>
+                      <a:prstDash val="solid"/>
+                    </a:lnTlToBr>
+                    <a:lnBlToTr w="12700" cmpd="sng">
+                      <a:noFill/>
+                      <a:prstDash val="solid"/>
+                    </a:lnBlToTr>
+                    <a:gradFill flip="none" rotWithShape="1">
+                      <a:gsLst>
+                        <a:gs pos="0">
+                          <a:srgbClr val="FF0000">
+                            <a:tint val="66000"/>
+                            <a:satMod val="160000"/>
+                          </a:srgbClr>
+                        </a:gs>
+                        <a:gs pos="50000">
+                          <a:srgbClr val="FF0000">
+                            <a:tint val="44500"/>
+                            <a:satMod val="160000"/>
+                          </a:srgbClr>
+                        </a:gs>
+                        <a:gs pos="100000">
+                          <a:srgbClr val="FF0000">
+                            <a:tint val="23500"/>
+                            <a:satMod val="160000"/>
+                          </a:srgbClr>
+                        </a:gs>
+                      </a:gsLst>
+                      <a:lin ang="13500000" scaled="1"/>
+                      <a:tileRect/>
+                    </a:gradFill>
+                  </a:tcPr>
                 </a:tc>
                 <a:tc>
                   <a:txBody>
@@ -3608,20 +3947,72 @@
                         </a:spcAft>
                       </a:pPr>
                       <a:r>
-                        <a:rPr lang="fr-FR" sz="2400">
-                          <a:effectLst/>
-                        </a:rPr>
-                        <a:t>C</a:t>
-                      </a:r>
-                      <a:endParaRPr lang="fr-FR" sz="2400">
+                        <a:rPr lang="fr-FR" sz="2400" u="none" dirty="0">
+                          <a:effectLst/>
+                          <a:uFill>
+                            <a:solidFill>
+                              <a:srgbClr val="FF0000"/>
+                            </a:solidFill>
+                          </a:uFill>
+                        </a:rPr>
+                        <a:t>C++</a:t>
+                      </a:r>
+                      <a:endParaRPr lang="fr-FR" sz="2400" u="none" dirty="0">
                         <a:effectLst/>
+                        <a:uFill>
+                          <a:solidFill>
+                            <a:srgbClr val="FF0000"/>
+                          </a:solidFill>
+                        </a:uFill>
                         <a:latin typeface="Calibri" panose="020F0502020204030204" pitchFamily="34" charset="0"/>
                         <a:ea typeface="Calibri" panose="020F0502020204030204" pitchFamily="34" charset="0"/>
                         <a:cs typeface="Times New Roman" panose="02020603050405020304" pitchFamily="18" charset="0"/>
                       </a:endParaRPr>
                     </a:p>
                   </a:txBody>
-                  <a:tcPr marL="68580" marR="68580" marT="0" marB="0"/>
+                  <a:tcPr marL="68580" marR="68580" marT="0" marB="0">
+                    <a:lnL w="12700" cmpd="sng">
+                      <a:noFill/>
+                    </a:lnL>
+                    <a:lnR w="12700" cmpd="sng">
+                      <a:noFill/>
+                    </a:lnR>
+                    <a:lnB w="12700" cmpd="sng">
+                      <a:noFill/>
+                    </a:lnB>
+                    <a:lnTlToBr w="12700" cmpd="sng">
+                      <a:noFill/>
+                      <a:prstDash val="solid"/>
+                    </a:lnTlToBr>
+                    <a:lnBlToTr w="12700" cmpd="sng">
+                      <a:noFill/>
+                      <a:prstDash val="solid"/>
+                    </a:lnBlToTr>
+                    <a:gradFill flip="none" rotWithShape="1">
+                      <a:gsLst>
+                        <a:gs pos="0">
+                          <a:srgbClr val="FF0000">
+                            <a:tint val="66000"/>
+                            <a:satMod val="160000"/>
+                          </a:srgbClr>
+                        </a:gs>
+                        <a:gs pos="50000">
+                          <a:srgbClr val="FF0000">
+                            <a:tint val="44500"/>
+                            <a:satMod val="160000"/>
+                          </a:srgbClr>
+                        </a:gs>
+                        <a:gs pos="100000">
+                          <a:srgbClr val="FF0000">
+                            <a:tint val="23500"/>
+                            <a:satMod val="160000"/>
+                          </a:srgbClr>
+                        </a:gs>
+                      </a:gsLst>
+                      <a:lin ang="13500000" scaled="1"/>
+                      <a:tileRect/>
+                    </a:gradFill>
+                  </a:tcPr>
                 </a:tc>
                 <a:tc>
                   <a:txBody>
@@ -3637,26 +4028,192 @@
                         </a:spcAft>
                       </a:pPr>
                       <a:r>
-                        <a:rPr lang="fr-FR" sz="2400" dirty="0">
-                          <a:effectLst/>
-                        </a:rPr>
-                        <a:t>Concise </a:t>
-                      </a:r>
-                      <a:r>
-                        <a:rPr lang="fr-FR" sz="2400" dirty="0" smtClean="0">
-                          <a:effectLst/>
-                        </a:rPr>
-                        <a:t>and portable</a:t>
-                      </a:r>
-                      <a:endParaRPr lang="fr-FR" sz="2400" dirty="0">
+                        <a:rPr lang="fr-FR" sz="2400" u="none" dirty="0">
+                          <a:effectLst/>
+                          <a:uFill>
+                            <a:solidFill>
+                              <a:srgbClr val="FF0000"/>
+                            </a:solidFill>
+                          </a:uFill>
+                        </a:rPr>
+                        <a:t>Portable </a:t>
+                      </a:r>
+                      <a:r>
+                        <a:rPr lang="fr-FR" sz="2400" u="none" dirty="0" smtClean="0">
+                          <a:effectLst/>
+                          <a:uFill>
+                            <a:solidFill>
+                              <a:srgbClr val="FF0000"/>
+                            </a:solidFill>
+                          </a:uFill>
+                        </a:rPr>
+                        <a:t>and </a:t>
+                      </a:r>
+                      <a:r>
+                        <a:rPr lang="fr-FR" sz="2400" u="none" dirty="0">
+                          <a:effectLst/>
+                          <a:uFill>
+                            <a:solidFill>
+                              <a:srgbClr val="FF0000"/>
+                            </a:solidFill>
+                          </a:uFill>
+                        </a:rPr>
+                        <a:t>simple</a:t>
+                      </a:r>
+                    </a:p>
+                    <a:p>
+                      <a:pPr>
+                        <a:lnSpc>
+                          <a:spcPct val="107000"/>
+                        </a:lnSpc>
+                        <a:spcAft>
+                          <a:spcPts val="0"/>
+                        </a:spcAft>
+                      </a:pPr>
+                      <a:r>
+                        <a:rPr lang="fr-FR" sz="2400" u="none" dirty="0" smtClean="0">
+                          <a:effectLst/>
+                          <a:uFill>
+                            <a:solidFill>
+                              <a:srgbClr val="FF0000"/>
+                            </a:solidFill>
+                          </a:uFill>
+                        </a:rPr>
+                        <a:t>No </a:t>
+                      </a:r>
+                      <a:r>
+                        <a:rPr lang="fr-FR" sz="2400" u="none" dirty="0" err="1" smtClean="0">
+                          <a:effectLst/>
+                          <a:uFill>
+                            <a:solidFill>
+                              <a:srgbClr val="FF0000"/>
+                            </a:solidFill>
+                          </a:uFill>
+                        </a:rPr>
+                        <a:t>need</a:t>
+                      </a:r>
+                      <a:r>
+                        <a:rPr lang="fr-FR" sz="2400" u="none" dirty="0" smtClean="0">
+                          <a:effectLst/>
+                          <a:uFill>
+                            <a:solidFill>
+                              <a:srgbClr val="FF0000"/>
+                            </a:solidFill>
+                          </a:uFill>
+                        </a:rPr>
+                        <a:t> to </a:t>
+                      </a:r>
+                      <a:r>
+                        <a:rPr lang="fr-FR" sz="2400" u="none" dirty="0" err="1" smtClean="0">
+                          <a:effectLst/>
+                          <a:uFill>
+                            <a:solidFill>
+                              <a:srgbClr val="FF0000"/>
+                            </a:solidFill>
+                          </a:uFill>
+                        </a:rPr>
+                        <a:t>wait</a:t>
+                      </a:r>
+                      <a:r>
+                        <a:rPr lang="fr-FR" sz="2400" u="none" dirty="0" smtClean="0">
+                          <a:effectLst/>
+                          <a:uFill>
+                            <a:solidFill>
+                              <a:srgbClr val="FF0000"/>
+                            </a:solidFill>
+                          </a:uFill>
+                        </a:rPr>
+                        <a:t> </a:t>
+                      </a:r>
+                      <a:r>
+                        <a:rPr lang="fr-FR" sz="2400" u="none" dirty="0" err="1" smtClean="0">
+                          <a:effectLst/>
+                          <a:uFill>
+                            <a:solidFill>
+                              <a:srgbClr val="FF0000"/>
+                            </a:solidFill>
+                          </a:uFill>
+                        </a:rPr>
+                        <a:t>between</a:t>
+                      </a:r>
+                      <a:r>
+                        <a:rPr lang="fr-FR" sz="2400" u="none" baseline="0" dirty="0" smtClean="0">
+                          <a:effectLst/>
+                          <a:uFill>
+                            <a:solidFill>
+                              <a:srgbClr val="FF0000"/>
+                            </a:solidFill>
+                          </a:uFill>
+                        </a:rPr>
+                        <a:t> </a:t>
+                      </a:r>
+                      <a:r>
+                        <a:rPr lang="fr-FR" sz="2400" u="none" baseline="0" dirty="0" err="1" smtClean="0">
+                          <a:effectLst/>
+                          <a:uFill>
+                            <a:solidFill>
+                              <a:srgbClr val="FF0000"/>
+                            </a:solidFill>
+                          </a:uFill>
+                        </a:rPr>
+                        <a:t>queries</a:t>
+                      </a:r>
+                      <a:endParaRPr lang="fr-FR" sz="2400" u="none" dirty="0">
                         <a:effectLst/>
+                        <a:uFill>
+                          <a:solidFill>
+                            <a:srgbClr val="FF0000"/>
+                          </a:solidFill>
+                        </a:uFill>
                         <a:latin typeface="Calibri" panose="020F0502020204030204" pitchFamily="34" charset="0"/>
                         <a:ea typeface="Calibri" panose="020F0502020204030204" pitchFamily="34" charset="0"/>
                         <a:cs typeface="Times New Roman" panose="02020603050405020304" pitchFamily="18" charset="0"/>
                       </a:endParaRPr>
                     </a:p>
                   </a:txBody>
-                  <a:tcPr marL="68580" marR="68580" marT="0" marB="0"/>
+                  <a:tcPr marL="68580" marR="68580" marT="0" marB="0">
+                    <a:lnL w="12700" cmpd="sng">
+                      <a:noFill/>
+                    </a:lnL>
+                    <a:lnR w="12700" cmpd="sng">
+                      <a:noFill/>
+                    </a:lnR>
+                    <a:lnB w="12700" cmpd="sng">
+                      <a:noFill/>
+                    </a:lnB>
+                    <a:lnTlToBr w="12700" cmpd="sng">
+                      <a:noFill/>
+                      <a:prstDash val="solid"/>
+                    </a:lnTlToBr>
+                    <a:lnBlToTr w="12700" cmpd="sng">
+                      <a:noFill/>
+                      <a:prstDash val="solid"/>
+                    </a:lnBlToTr>
+                    <a:gradFill flip="none" rotWithShape="1">
+                      <a:gsLst>
+                        <a:gs pos="0">
+                          <a:srgbClr val="FF0000">
+                            <a:tint val="66000"/>
+                            <a:satMod val="160000"/>
+                          </a:srgbClr>
+                        </a:gs>
+                        <a:gs pos="50000">
+                          <a:srgbClr val="FF0000">
+                            <a:tint val="44500"/>
+                            <a:satMod val="160000"/>
+                          </a:srgbClr>
+                        </a:gs>
+                        <a:gs pos="100000">
+                          <a:srgbClr val="FF0000">
+                            <a:tint val="23500"/>
+                            <a:satMod val="160000"/>
+                          </a:srgbClr>
+                        </a:gs>
+                      </a:gsLst>
+                      <a:lin ang="13500000" scaled="1"/>
+                      <a:tileRect/>
+                    </a:gradFill>
+                  </a:tcPr>
                 </a:tc>
                 <a:tc>
                   <a:txBody>
@@ -3672,458 +4229,7 @@
                         </a:spcAft>
                       </a:pPr>
                       <a:r>
-                        <a:rPr lang="fr-FR" sz="2400" dirty="0" err="1" smtClean="0">
-                          <a:effectLst/>
-                        </a:rPr>
-                        <a:t>Only</a:t>
-                      </a:r>
-                      <a:r>
-                        <a:rPr lang="fr-FR" sz="2400" dirty="0" smtClean="0">
-                          <a:effectLst/>
-                        </a:rPr>
-                        <a:t> </a:t>
-                      </a:r>
-                      <a:r>
-                        <a:rPr lang="fr-FR" sz="2400" dirty="0" err="1" smtClean="0">
-                          <a:effectLst/>
-                        </a:rPr>
-                        <a:t>queries</a:t>
-                      </a:r>
-                      <a:endParaRPr lang="fr-FR" sz="2400" dirty="0">
-                        <a:effectLst/>
-                        <a:latin typeface="Calibri" panose="020F0502020204030204" pitchFamily="34" charset="0"/>
-                        <a:ea typeface="Calibri" panose="020F0502020204030204" pitchFamily="34" charset="0"/>
-                        <a:cs typeface="Times New Roman" panose="02020603050405020304" pitchFamily="18" charset="0"/>
-                      </a:endParaRPr>
-                    </a:p>
-                  </a:txBody>
-                  <a:tcPr marL="68580" marR="68580" marT="0" marB="0"/>
-                </a:tc>
-              </a:tr>
-              <a:tr h="376398">
-                <a:tc>
-                  <a:txBody>
-                    <a:bodyPr/>
-                    <a:lstStyle/>
-                    <a:p>
-                      <a:pPr>
-                        <a:lnSpc>
-                          <a:spcPct val="107000"/>
-                        </a:lnSpc>
-                        <a:spcAft>
-                          <a:spcPts val="0"/>
-                        </a:spcAft>
-                      </a:pPr>
-                      <a:r>
-                        <a:rPr lang="fr-FR" sz="2400">
-                          <a:effectLst/>
-                        </a:rPr>
-                        <a:t>Winhttp</a:t>
-                      </a:r>
-                      <a:endParaRPr lang="fr-FR" sz="2400">
-                        <a:effectLst/>
-                        <a:latin typeface="Calibri" panose="020F0502020204030204" pitchFamily="34" charset="0"/>
-                        <a:ea typeface="Calibri" panose="020F0502020204030204" pitchFamily="34" charset="0"/>
-                        <a:cs typeface="Times New Roman" panose="02020603050405020304" pitchFamily="18" charset="0"/>
-                      </a:endParaRPr>
-                    </a:p>
-                  </a:txBody>
-                  <a:tcPr marL="68580" marR="68580" marT="0" marB="0"/>
-                </a:tc>
-                <a:tc>
-                  <a:txBody>
-                    <a:bodyPr/>
-                    <a:lstStyle/>
-                    <a:p>
-                      <a:pPr>
-                        <a:lnSpc>
-                          <a:spcPct val="107000"/>
-                        </a:lnSpc>
-                        <a:spcAft>
-                          <a:spcPts val="0"/>
-                        </a:spcAft>
-                      </a:pPr>
-                      <a:r>
-                        <a:rPr lang="fr-FR" sz="2400">
-                          <a:effectLst/>
-                        </a:rPr>
-                        <a:t>C/C++</a:t>
-                      </a:r>
-                      <a:endParaRPr lang="fr-FR" sz="2400">
-                        <a:effectLst/>
-                        <a:latin typeface="Calibri" panose="020F0502020204030204" pitchFamily="34" charset="0"/>
-                        <a:ea typeface="Calibri" panose="020F0502020204030204" pitchFamily="34" charset="0"/>
-                        <a:cs typeface="Times New Roman" panose="02020603050405020304" pitchFamily="18" charset="0"/>
-                      </a:endParaRPr>
-                    </a:p>
-                  </a:txBody>
-                  <a:tcPr marL="68580" marR="68580" marT="0" marB="0"/>
-                </a:tc>
-                <a:tc>
-                  <a:txBody>
-                    <a:bodyPr/>
-                    <a:lstStyle/>
-                    <a:p>
-                      <a:pPr>
-                        <a:lnSpc>
-                          <a:spcPct val="107000"/>
-                        </a:lnSpc>
-                        <a:spcAft>
-                          <a:spcPts val="0"/>
-                        </a:spcAft>
-                      </a:pPr>
-                      <a:r>
-                        <a:rPr lang="fr-FR" sz="2400" dirty="0" smtClean="0">
-                          <a:effectLst/>
-                        </a:rPr>
-                        <a:t>Made for Windows</a:t>
-                      </a:r>
-                      <a:endParaRPr lang="fr-FR" sz="2400" dirty="0">
-                        <a:effectLst/>
-                        <a:latin typeface="Calibri" panose="020F0502020204030204" pitchFamily="34" charset="0"/>
-                        <a:ea typeface="Calibri" panose="020F0502020204030204" pitchFamily="34" charset="0"/>
-                        <a:cs typeface="Times New Roman" panose="02020603050405020304" pitchFamily="18" charset="0"/>
-                      </a:endParaRPr>
-                    </a:p>
-                  </a:txBody>
-                  <a:tcPr marL="68580" marR="68580" marT="0" marB="0"/>
-                </a:tc>
-                <a:tc>
-                  <a:txBody>
-                    <a:bodyPr/>
-                    <a:lstStyle/>
-                    <a:p>
-                      <a:pPr>
-                        <a:lnSpc>
-                          <a:spcPct val="107000"/>
-                        </a:lnSpc>
-                        <a:spcAft>
-                          <a:spcPts val="0"/>
-                        </a:spcAft>
-                      </a:pPr>
-                      <a:r>
-                        <a:rPr lang="fr-FR" sz="2400" dirty="0" smtClean="0">
-                          <a:effectLst/>
-                        </a:rPr>
-                        <a:t>Not portable</a:t>
-                      </a:r>
-                      <a:endParaRPr lang="fr-FR" sz="2400" dirty="0">
-                        <a:effectLst/>
-                        <a:latin typeface="Calibri" panose="020F0502020204030204" pitchFamily="34" charset="0"/>
-                        <a:ea typeface="Calibri" panose="020F0502020204030204" pitchFamily="34" charset="0"/>
-                        <a:cs typeface="Times New Roman" panose="02020603050405020304" pitchFamily="18" charset="0"/>
-                      </a:endParaRPr>
-                    </a:p>
-                  </a:txBody>
-                  <a:tcPr marL="68580" marR="68580" marT="0" marB="0"/>
-                </a:tc>
-              </a:tr>
-              <a:tr h="376398">
-                <a:tc>
-                  <a:txBody>
-                    <a:bodyPr/>
-                    <a:lstStyle/>
-                    <a:p>
-                      <a:pPr>
-                        <a:lnSpc>
-                          <a:spcPct val="107000"/>
-                        </a:lnSpc>
-                        <a:spcAft>
-                          <a:spcPts val="0"/>
-                        </a:spcAft>
-                      </a:pPr>
-                      <a:r>
-                        <a:rPr lang="fr-FR" sz="2400">
-                          <a:effectLst/>
-                        </a:rPr>
-                        <a:t>qDecoder</a:t>
-                      </a:r>
-                      <a:endParaRPr lang="fr-FR" sz="2400">
-                        <a:effectLst/>
-                        <a:latin typeface="Calibri" panose="020F0502020204030204" pitchFamily="34" charset="0"/>
-                        <a:ea typeface="Calibri" panose="020F0502020204030204" pitchFamily="34" charset="0"/>
-                        <a:cs typeface="Times New Roman" panose="02020603050405020304" pitchFamily="18" charset="0"/>
-                      </a:endParaRPr>
-                    </a:p>
-                  </a:txBody>
-                  <a:tcPr marL="68580" marR="68580" marT="0" marB="0"/>
-                </a:tc>
-                <a:tc>
-                  <a:txBody>
-                    <a:bodyPr/>
-                    <a:lstStyle/>
-                    <a:p>
-                      <a:pPr>
-                        <a:lnSpc>
-                          <a:spcPct val="107000"/>
-                        </a:lnSpc>
-                        <a:spcAft>
-                          <a:spcPts val="0"/>
-                        </a:spcAft>
-                      </a:pPr>
-                      <a:r>
-                        <a:rPr lang="fr-FR" sz="2400">
-                          <a:effectLst/>
-                        </a:rPr>
-                        <a:t>C/C++</a:t>
-                      </a:r>
-                      <a:endParaRPr lang="fr-FR" sz="2400">
-                        <a:effectLst/>
-                        <a:latin typeface="Calibri" panose="020F0502020204030204" pitchFamily="34" charset="0"/>
-                        <a:ea typeface="Calibri" panose="020F0502020204030204" pitchFamily="34" charset="0"/>
-                        <a:cs typeface="Times New Roman" panose="02020603050405020304" pitchFamily="18" charset="0"/>
-                      </a:endParaRPr>
-                    </a:p>
-                  </a:txBody>
-                  <a:tcPr marL="68580" marR="68580" marT="0" marB="0"/>
-                </a:tc>
-                <a:tc>
-                  <a:txBody>
-                    <a:bodyPr/>
-                    <a:lstStyle/>
-                    <a:p>
-                      <a:pPr>
-                        <a:lnSpc>
-                          <a:spcPct val="107000"/>
-                        </a:lnSpc>
-                        <a:spcAft>
-                          <a:spcPts val="0"/>
-                        </a:spcAft>
-                      </a:pPr>
-                      <a:r>
-                        <a:rPr lang="fr-FR" sz="2400" dirty="0">
-                          <a:effectLst/>
-                        </a:rPr>
-                        <a:t>C </a:t>
-                      </a:r>
-                      <a:r>
-                        <a:rPr lang="fr-FR" sz="2400" dirty="0" smtClean="0">
-                          <a:effectLst/>
-                        </a:rPr>
-                        <a:t>or C</a:t>
-                      </a:r>
-                      <a:r>
-                        <a:rPr lang="fr-FR" sz="2400" dirty="0">
-                          <a:effectLst/>
-                        </a:rPr>
-                        <a:t>++ </a:t>
-                      </a:r>
-                      <a:r>
-                        <a:rPr lang="fr-FR" sz="2400" dirty="0" smtClean="0">
-                          <a:effectLst/>
-                        </a:rPr>
-                        <a:t>(</a:t>
-                      </a:r>
-                      <a:r>
-                        <a:rPr lang="fr-FR" sz="2400" dirty="0" err="1" smtClean="0">
-                          <a:effectLst/>
-                        </a:rPr>
-                        <a:t>choice</a:t>
-                      </a:r>
-                      <a:r>
-                        <a:rPr lang="fr-FR" sz="2400" dirty="0" smtClean="0">
-                          <a:effectLst/>
-                        </a:rPr>
-                        <a:t>)</a:t>
-                      </a:r>
-                      <a:endParaRPr lang="fr-FR" sz="2400" dirty="0">
-                        <a:effectLst/>
-                        <a:latin typeface="Calibri" panose="020F0502020204030204" pitchFamily="34" charset="0"/>
-                        <a:ea typeface="Calibri" panose="020F0502020204030204" pitchFamily="34" charset="0"/>
-                        <a:cs typeface="Times New Roman" panose="02020603050405020304" pitchFamily="18" charset="0"/>
-                      </a:endParaRPr>
-                    </a:p>
-                  </a:txBody>
-                  <a:tcPr marL="68580" marR="68580" marT="0" marB="0"/>
-                </a:tc>
-                <a:tc>
-                  <a:txBody>
-                    <a:bodyPr/>
-                    <a:lstStyle/>
-                    <a:p>
-                      <a:pPr>
-                        <a:lnSpc>
-                          <a:spcPct val="107000"/>
-                        </a:lnSpc>
-                        <a:spcAft>
-                          <a:spcPts val="0"/>
-                        </a:spcAft>
-                      </a:pPr>
-                      <a:r>
-                        <a:rPr lang="fr-FR" sz="2400" dirty="0">
-                          <a:effectLst/>
-                        </a:rPr>
-                        <a:t>Unix-</a:t>
-                      </a:r>
-                      <a:r>
-                        <a:rPr lang="fr-FR" sz="2400" dirty="0" err="1">
-                          <a:effectLst/>
-                        </a:rPr>
-                        <a:t>like</a:t>
-                      </a:r>
-                      <a:r>
-                        <a:rPr lang="fr-FR" sz="2400" dirty="0">
-                          <a:effectLst/>
-                        </a:rPr>
-                        <a:t> OS </a:t>
-                      </a:r>
-                      <a:r>
-                        <a:rPr lang="fr-FR" sz="2400" dirty="0" err="1" smtClean="0">
-                          <a:effectLst/>
-                        </a:rPr>
-                        <a:t>only</a:t>
-                      </a:r>
-                      <a:endParaRPr lang="fr-FR" sz="2400" dirty="0">
-                        <a:effectLst/>
-                        <a:latin typeface="Calibri" panose="020F0502020204030204" pitchFamily="34" charset="0"/>
-                        <a:ea typeface="Calibri" panose="020F0502020204030204" pitchFamily="34" charset="0"/>
-                        <a:cs typeface="Times New Roman" panose="02020603050405020304" pitchFamily="18" charset="0"/>
-                      </a:endParaRPr>
-                    </a:p>
-                  </a:txBody>
-                  <a:tcPr marL="68580" marR="68580" marT="0" marB="0"/>
-                </a:tc>
-              </a:tr>
-              <a:tr h="544442">
-                <a:tc>
-                  <a:txBody>
-                    <a:bodyPr/>
-                    <a:lstStyle/>
-                    <a:p>
-                      <a:pPr>
-                        <a:lnSpc>
-                          <a:spcPct val="107000"/>
-                        </a:lnSpc>
-                        <a:spcAft>
-                          <a:spcPts val="0"/>
-                        </a:spcAft>
-                      </a:pPr>
-                      <a:r>
-                        <a:rPr lang="fr-FR" sz="2400" dirty="0" err="1">
-                          <a:effectLst/>
-                        </a:rPr>
-                        <a:t>HTTPClient</a:t>
-                      </a:r>
-                      <a:endParaRPr lang="fr-FR" sz="2400" dirty="0">
-                        <a:effectLst/>
-                        <a:latin typeface="Calibri" panose="020F0502020204030204" pitchFamily="34" charset="0"/>
-                        <a:ea typeface="Calibri" panose="020F0502020204030204" pitchFamily="34" charset="0"/>
-                        <a:cs typeface="Times New Roman" panose="02020603050405020304" pitchFamily="18" charset="0"/>
-                      </a:endParaRPr>
-                    </a:p>
-                  </a:txBody>
-                  <a:tcPr marL="68580" marR="68580" marT="0" marB="0"/>
-                </a:tc>
-                <a:tc>
-                  <a:txBody>
-                    <a:bodyPr/>
-                    <a:lstStyle/>
-                    <a:p>
-                      <a:pPr>
-                        <a:lnSpc>
-                          <a:spcPct val="107000"/>
-                        </a:lnSpc>
-                        <a:spcAft>
-                          <a:spcPts val="0"/>
-                        </a:spcAft>
-                      </a:pPr>
-                      <a:r>
-                        <a:rPr lang="fr-FR" sz="2400">
-                          <a:effectLst/>
-                        </a:rPr>
-                        <a:t>Java</a:t>
-                      </a:r>
-                      <a:endParaRPr lang="fr-FR" sz="2400">
-                        <a:effectLst/>
-                        <a:latin typeface="Calibri" panose="020F0502020204030204" pitchFamily="34" charset="0"/>
-                        <a:ea typeface="Calibri" panose="020F0502020204030204" pitchFamily="34" charset="0"/>
-                        <a:cs typeface="Times New Roman" panose="02020603050405020304" pitchFamily="18" charset="0"/>
-                      </a:endParaRPr>
-                    </a:p>
-                  </a:txBody>
-                  <a:tcPr marL="68580" marR="68580" marT="0" marB="0"/>
-                </a:tc>
-                <a:tc>
-                  <a:txBody>
-                    <a:bodyPr/>
-                    <a:lstStyle/>
-                    <a:p>
-                      <a:pPr>
-                        <a:lnSpc>
-                          <a:spcPct val="107000"/>
-                        </a:lnSpc>
-                        <a:spcAft>
-                          <a:spcPts val="0"/>
-                        </a:spcAft>
-                      </a:pPr>
-                      <a:r>
-                        <a:rPr lang="fr-FR" sz="2400">
-                          <a:effectLst/>
-                        </a:rPr>
-                        <a:t>Portable</a:t>
-                      </a:r>
-                      <a:endParaRPr lang="fr-FR" sz="2400">
-                        <a:effectLst/>
-                        <a:latin typeface="Calibri" panose="020F0502020204030204" pitchFamily="34" charset="0"/>
-                        <a:ea typeface="Calibri" panose="020F0502020204030204" pitchFamily="34" charset="0"/>
-                        <a:cs typeface="Times New Roman" panose="02020603050405020304" pitchFamily="18" charset="0"/>
-                      </a:endParaRPr>
-                    </a:p>
-                  </a:txBody>
-                  <a:tcPr marL="68580" marR="68580" marT="0" marB="0"/>
-                </a:tc>
-                <a:tc>
-                  <a:txBody>
-                    <a:bodyPr/>
-                    <a:lstStyle/>
-                    <a:p>
-                      <a:pPr>
-                        <a:lnSpc>
-                          <a:spcPct val="107000"/>
-                        </a:lnSpc>
-                        <a:spcAft>
-                          <a:spcPts val="0"/>
-                        </a:spcAft>
-                      </a:pPr>
-                      <a:r>
-                        <a:rPr lang="fr-FR" sz="2400" dirty="0" err="1" smtClean="0">
-                          <a:effectLst/>
-                        </a:rPr>
-                        <a:t>Only</a:t>
-                      </a:r>
-                      <a:r>
-                        <a:rPr lang="fr-FR" sz="2400" dirty="0" smtClean="0">
-                          <a:effectLst/>
-                        </a:rPr>
-                        <a:t> in Java</a:t>
-                      </a:r>
-                      <a:endParaRPr lang="fr-FR" sz="2400" dirty="0">
-                        <a:effectLst/>
-                        <a:latin typeface="Calibri" panose="020F0502020204030204" pitchFamily="34" charset="0"/>
-                        <a:ea typeface="Calibri" panose="020F0502020204030204" pitchFamily="34" charset="0"/>
-                        <a:cs typeface="Times New Roman" panose="02020603050405020304" pitchFamily="18" charset="0"/>
-                      </a:endParaRPr>
-                    </a:p>
-                  </a:txBody>
-                  <a:tcPr marL="68580" marR="68580" marT="0" marB="0"/>
-                </a:tc>
-              </a:tr>
-              <a:tr h="1164045">
-                <a:tc>
-                  <a:txBody>
-                    <a:bodyPr/>
-                    <a:lstStyle/>
-                    <a:p>
-                      <a:pPr>
-                        <a:lnSpc>
-                          <a:spcPct val="107000"/>
-                        </a:lnSpc>
-                        <a:spcAft>
-                          <a:spcPts val="0"/>
-                        </a:spcAft>
-                      </a:pPr>
-                      <a:r>
-                        <a:rPr lang="fr-FR" sz="2400" u="sng" dirty="0" err="1">
+                        <a:rPr lang="fr-FR" sz="2400" u="none" dirty="0">
                           <a:effectLst/>
                           <a:uFill>
                             <a:solidFill>
@@ -4131,9 +4237,53 @@
                             </a:solidFill>
                           </a:uFill>
                         </a:rPr>
-                        <a:t>HappyHttp</a:t>
-                      </a:r>
-                      <a:endParaRPr lang="fr-FR" sz="2400" u="sng" dirty="0">
+                        <a:t>Documentation </a:t>
+                      </a:r>
+                      <a:r>
+                        <a:rPr lang="fr-FR" sz="2400" u="none" dirty="0" smtClean="0">
+                          <a:effectLst/>
+                          <a:uFill>
+                            <a:solidFill>
+                              <a:srgbClr val="FF0000"/>
+                            </a:solidFill>
+                          </a:uFill>
+                        </a:rPr>
+                        <a:t>not </a:t>
+                      </a:r>
+                      <a:r>
+                        <a:rPr lang="fr-FR" sz="2400" u="none" dirty="0" err="1" smtClean="0">
+                          <a:effectLst/>
+                          <a:uFill>
+                            <a:solidFill>
+                              <a:srgbClr val="FF0000"/>
+                            </a:solidFill>
+                          </a:uFill>
+                        </a:rPr>
+                        <a:t>very</a:t>
+                      </a:r>
+                      <a:r>
+                        <a:rPr lang="fr-FR" sz="2400" u="none" dirty="0" smtClean="0">
+                          <a:effectLst/>
+                          <a:uFill>
+                            <a:solidFill>
+                              <a:srgbClr val="FF0000"/>
+                            </a:solidFill>
+                          </a:uFill>
+                        </a:rPr>
+                        <a:t> </a:t>
+                      </a:r>
+                      <a:r>
+                        <a:rPr lang="fr-FR" sz="2400" u="none" dirty="0" err="1" smtClean="0">
+                          <a:effectLst/>
+                          <a:uFill>
+                            <a:solidFill>
+                              <a:srgbClr val="FF0000"/>
+                            </a:solidFill>
+                          </a:uFill>
+                        </a:rPr>
+                        <a:t>complete</a:t>
+                      </a:r>
+                      <a:endParaRPr lang="fr-FR" sz="2400" u="none" dirty="0">
                         <a:effectLst/>
                         <a:uFill>
                           <a:solidFill>
@@ -4146,288 +4296,49 @@
                       </a:endParaRPr>
                     </a:p>
                   </a:txBody>
-                  <a:tcPr marL="68580" marR="68580" marT="0" marB="0"/>
-                </a:tc>
-                <a:tc>
-                  <a:txBody>
-                    <a:bodyPr/>
-                    <a:lstStyle/>
-                    <a:p>
-                      <a:pPr>
-                        <a:lnSpc>
-                          <a:spcPct val="107000"/>
-                        </a:lnSpc>
-                        <a:spcAft>
-                          <a:spcPts val="0"/>
-                        </a:spcAft>
-                      </a:pPr>
-                      <a:r>
-                        <a:rPr lang="fr-FR" sz="2400" u="sng" dirty="0">
-                          <a:effectLst/>
-                          <a:uFill>
-                            <a:solidFill>
-                              <a:srgbClr val="FF0000"/>
-                            </a:solidFill>
-                          </a:uFill>
-                        </a:rPr>
-                        <a:t>C++</a:t>
-                      </a:r>
-                      <a:endParaRPr lang="fr-FR" sz="2400" u="sng" dirty="0">
-                        <a:effectLst/>
-                        <a:uFill>
-                          <a:solidFill>
-                            <a:srgbClr val="FF0000"/>
-                          </a:solidFill>
-                        </a:uFill>
-                        <a:latin typeface="Calibri" panose="020F0502020204030204" pitchFamily="34" charset="0"/>
-                        <a:ea typeface="Calibri" panose="020F0502020204030204" pitchFamily="34" charset="0"/>
-                        <a:cs typeface="Times New Roman" panose="02020603050405020304" pitchFamily="18" charset="0"/>
-                      </a:endParaRPr>
-                    </a:p>
-                  </a:txBody>
-                  <a:tcPr marL="68580" marR="68580" marT="0" marB="0"/>
-                </a:tc>
-                <a:tc>
-                  <a:txBody>
-                    <a:bodyPr/>
-                    <a:lstStyle/>
-                    <a:p>
-                      <a:pPr>
-                        <a:lnSpc>
-                          <a:spcPct val="107000"/>
-                        </a:lnSpc>
-                        <a:spcAft>
-                          <a:spcPts val="0"/>
-                        </a:spcAft>
-                      </a:pPr>
-                      <a:r>
-                        <a:rPr lang="fr-FR" sz="2400" u="sng" dirty="0">
-                          <a:effectLst/>
-                          <a:uFill>
-                            <a:solidFill>
-                              <a:srgbClr val="FF0000"/>
-                            </a:solidFill>
-                          </a:uFill>
-                        </a:rPr>
-                        <a:t>Portable </a:t>
-                      </a:r>
-                      <a:r>
-                        <a:rPr lang="fr-FR" sz="2400" u="sng" dirty="0" smtClean="0">
-                          <a:effectLst/>
-                          <a:uFill>
-                            <a:solidFill>
-                              <a:srgbClr val="FF0000"/>
-                            </a:solidFill>
-                          </a:uFill>
-                        </a:rPr>
-                        <a:t>and </a:t>
-                      </a:r>
-                      <a:r>
-                        <a:rPr lang="fr-FR" sz="2400" u="sng" dirty="0">
-                          <a:effectLst/>
-                          <a:uFill>
-                            <a:solidFill>
-                              <a:srgbClr val="FF0000"/>
-                            </a:solidFill>
-                          </a:uFill>
-                        </a:rPr>
-                        <a:t>simple</a:t>
-                      </a:r>
-                    </a:p>
-                    <a:p>
-                      <a:pPr>
-                        <a:lnSpc>
-                          <a:spcPct val="107000"/>
-                        </a:lnSpc>
-                        <a:spcAft>
-                          <a:spcPts val="0"/>
-                        </a:spcAft>
-                      </a:pPr>
-                      <a:r>
-                        <a:rPr lang="fr-FR" sz="2400" u="sng" dirty="0" smtClean="0">
-                          <a:effectLst/>
-                          <a:uFill>
-                            <a:solidFill>
-                              <a:srgbClr val="FF0000"/>
-                            </a:solidFill>
-                          </a:uFill>
-                        </a:rPr>
-                        <a:t>No </a:t>
-                      </a:r>
-                      <a:r>
-                        <a:rPr lang="fr-FR" sz="2400" u="sng" dirty="0" err="1" smtClean="0">
-                          <a:effectLst/>
-                          <a:uFill>
-                            <a:solidFill>
-                              <a:srgbClr val="FF0000"/>
-                            </a:solidFill>
-                          </a:uFill>
-                        </a:rPr>
-                        <a:t>need</a:t>
-                      </a:r>
-                      <a:r>
-                        <a:rPr lang="fr-FR" sz="2400" u="sng" dirty="0" smtClean="0">
-                          <a:effectLst/>
-                          <a:uFill>
-                            <a:solidFill>
-                              <a:srgbClr val="FF0000"/>
-                            </a:solidFill>
-                          </a:uFill>
-                        </a:rPr>
-                        <a:t> to </a:t>
-                      </a:r>
-                      <a:r>
-                        <a:rPr lang="fr-FR" sz="2400" u="sng" dirty="0" err="1" smtClean="0">
-                          <a:effectLst/>
-                          <a:uFill>
-                            <a:solidFill>
-                              <a:srgbClr val="FF0000"/>
-                            </a:solidFill>
-                          </a:uFill>
-                        </a:rPr>
-                        <a:t>wait</a:t>
-                      </a:r>
-                      <a:r>
-                        <a:rPr lang="fr-FR" sz="2400" u="sng" dirty="0" smtClean="0">
-                          <a:effectLst/>
-                          <a:uFill>
-                            <a:solidFill>
-                              <a:srgbClr val="FF0000"/>
-                            </a:solidFill>
-                          </a:uFill>
-                        </a:rPr>
-                        <a:t> </a:t>
-                      </a:r>
-                      <a:r>
-                        <a:rPr lang="fr-FR" sz="2400" u="sng" dirty="0" err="1" smtClean="0">
-                          <a:effectLst/>
-                          <a:uFill>
-                            <a:solidFill>
-                              <a:srgbClr val="FF0000"/>
-                            </a:solidFill>
-                          </a:uFill>
-                        </a:rPr>
-                        <a:t>between</a:t>
-                      </a:r>
-                      <a:r>
-                        <a:rPr lang="fr-FR" sz="2400" u="sng" baseline="0" dirty="0" smtClean="0">
-                          <a:effectLst/>
-                          <a:uFill>
-                            <a:solidFill>
-                              <a:srgbClr val="FF0000"/>
-                            </a:solidFill>
-                          </a:uFill>
-                        </a:rPr>
-                        <a:t> </a:t>
-                      </a:r>
-                      <a:r>
-                        <a:rPr lang="fr-FR" sz="2400" u="sng" baseline="0" dirty="0" err="1" smtClean="0">
-                          <a:effectLst/>
-                          <a:uFill>
-                            <a:solidFill>
-                              <a:srgbClr val="FF0000"/>
-                            </a:solidFill>
-                          </a:uFill>
-                        </a:rPr>
-                        <a:t>queries</a:t>
-                      </a:r>
-                      <a:endParaRPr lang="fr-FR" sz="2400" u="sng" dirty="0">
-                        <a:effectLst/>
-                        <a:uFill>
-                          <a:solidFill>
-                            <a:srgbClr val="FF0000"/>
-                          </a:solidFill>
-                        </a:uFill>
-                        <a:latin typeface="Calibri" panose="020F0502020204030204" pitchFamily="34" charset="0"/>
-                        <a:ea typeface="Calibri" panose="020F0502020204030204" pitchFamily="34" charset="0"/>
-                        <a:cs typeface="Times New Roman" panose="02020603050405020304" pitchFamily="18" charset="0"/>
-                      </a:endParaRPr>
-                    </a:p>
-                  </a:txBody>
-                  <a:tcPr marL="68580" marR="68580" marT="0" marB="0"/>
-                </a:tc>
-                <a:tc>
-                  <a:txBody>
-                    <a:bodyPr/>
-                    <a:lstStyle/>
-                    <a:p>
-                      <a:pPr>
-                        <a:lnSpc>
-                          <a:spcPct val="107000"/>
-                        </a:lnSpc>
-                        <a:spcAft>
-                          <a:spcPts val="0"/>
-                        </a:spcAft>
-                      </a:pPr>
-                      <a:r>
-                        <a:rPr lang="fr-FR" sz="2400" u="sng" dirty="0">
-                          <a:effectLst/>
-                          <a:uFill>
-                            <a:solidFill>
-                              <a:srgbClr val="FF0000"/>
-                            </a:solidFill>
-                          </a:uFill>
-                        </a:rPr>
-                        <a:t>Documentation </a:t>
-                      </a:r>
-                      <a:r>
-                        <a:rPr lang="fr-FR" sz="2400" u="sng" dirty="0" smtClean="0">
-                          <a:effectLst/>
-                          <a:uFill>
-                            <a:solidFill>
-                              <a:srgbClr val="FF0000"/>
-                            </a:solidFill>
-                          </a:uFill>
-                        </a:rPr>
-                        <a:t>not </a:t>
-                      </a:r>
-                      <a:r>
-                        <a:rPr lang="fr-FR" sz="2400" u="sng" dirty="0" err="1" smtClean="0">
-                          <a:effectLst/>
-                          <a:uFill>
-                            <a:solidFill>
-                              <a:srgbClr val="FF0000"/>
-                            </a:solidFill>
-                          </a:uFill>
-                        </a:rPr>
-                        <a:t>very</a:t>
-                      </a:r>
-                      <a:r>
-                        <a:rPr lang="fr-FR" sz="2400" u="sng" dirty="0" smtClean="0">
-                          <a:effectLst/>
-                          <a:uFill>
-                            <a:solidFill>
-                              <a:srgbClr val="FF0000"/>
-                            </a:solidFill>
-                          </a:uFill>
-                        </a:rPr>
-                        <a:t> </a:t>
-                      </a:r>
-                      <a:r>
-                        <a:rPr lang="fr-FR" sz="2400" u="sng" dirty="0" err="1" smtClean="0">
-                          <a:effectLst/>
-                          <a:uFill>
-                            <a:solidFill>
-                              <a:srgbClr val="FF0000"/>
-                            </a:solidFill>
-                          </a:uFill>
-                        </a:rPr>
-                        <a:t>complete</a:t>
-                      </a:r>
-                      <a:endParaRPr lang="fr-FR" sz="2400" u="sng" dirty="0">
-                        <a:effectLst/>
-                        <a:uFill>
-                          <a:solidFill>
-                            <a:srgbClr val="FF0000"/>
-                          </a:solidFill>
-                        </a:uFill>
-                        <a:latin typeface="Calibri" panose="020F0502020204030204" pitchFamily="34" charset="0"/>
-                        <a:ea typeface="Calibri" panose="020F0502020204030204" pitchFamily="34" charset="0"/>
-                        <a:cs typeface="Times New Roman" panose="02020603050405020304" pitchFamily="18" charset="0"/>
-                      </a:endParaRPr>
-                    </a:p>
-                  </a:txBody>
-                  <a:tcPr marL="68580" marR="68580" marT="0" marB="0"/>
+                  <a:tcPr marL="68580" marR="68580" marT="0" marB="0">
+                    <a:lnL w="12700" cmpd="sng">
+                      <a:noFill/>
+                    </a:lnL>
+                    <a:lnR w="12700" cmpd="sng">
+                      <a:noFill/>
+                    </a:lnR>
+                    <a:lnB w="12700" cmpd="sng">
+                      <a:noFill/>
+                    </a:lnB>
+                    <a:lnTlToBr w="12700" cmpd="sng">
+                      <a:noFill/>
+                      <a:prstDash val="solid"/>
+                    </a:lnTlToBr>
+                    <a:lnBlToTr w="12700" cmpd="sng">
+                      <a:noFill/>
+                      <a:prstDash val="solid"/>
+                    </a:lnBlToTr>
+                    <a:gradFill flip="none" rotWithShape="1">
+                      <a:gsLst>
+                        <a:gs pos="0">
+                          <a:srgbClr val="FF0000">
+                            <a:tint val="66000"/>
+                            <a:satMod val="160000"/>
+                          </a:srgbClr>
+                        </a:gs>
+                        <a:gs pos="50000">
+                          <a:srgbClr val="FF0000">
+                            <a:tint val="44500"/>
+                            <a:satMod val="160000"/>
+                          </a:srgbClr>
+                        </a:gs>
+                        <a:gs pos="100000">
+                          <a:srgbClr val="FF0000">
+                            <a:tint val="23500"/>
+                            <a:satMod val="160000"/>
+                          </a:srgbClr>
+                        </a:gs>
+                      </a:gsLst>
+                      <a:lin ang="13500000" scaled="1"/>
+                      <a:tileRect/>
+                    </a:gradFill>
+                  </a:tcPr>
                 </a:tc>
               </a:tr>
             </a:tbl>
@@ -4522,7 +4433,7 @@
         </p:nvGrpSpPr>
         <p:grpSpPr>
           <a:xfrm>
-            <a:off x="1135380" y="1690688"/>
+            <a:off x="1258210" y="1575133"/>
             <a:ext cx="9380219" cy="4799316"/>
             <a:chOff x="838200" y="1782665"/>
             <a:chExt cx="9813605" cy="5050239"/>
@@ -5198,7 +5109,7 @@
   <a:extraClrSchemeLst/>
   <a:extLst>
     <a:ext uri="{05A4C25C-085E-4340-85A3-A5531E510DB2}">
-      <thm15:themeFamily xmlns:thm15="http://schemas.microsoft.com/office/thememl/2012/main" xmlns="" name="Office Theme" id="{62F939B6-93AF-4DB8-9C6B-D6C7DFDC589F}" vid="{4A3C46E8-61CC-4603-A589-7422A47A8E4A}"/>
+      <thm15:themeFamily xmlns="" xmlns:thm15="http://schemas.microsoft.com/office/thememl/2012/main" name="Office Theme" id="{62F939B6-93AF-4DB8-9C6B-D6C7DFDC589F}" vid="{4A3C46E8-61CC-4603-A589-7422A47A8E4A}"/>
     </a:ext>
   </a:extLst>
 </a:theme>

--- a/Rendu/Diapo_prototype_janvier.pptx
+++ b/Rendu/Diapo_prototype_janvier.pptx
@@ -6,8 +6,12 @@
   </p:sldMasterIdLst>
   <p:sldIdLst>
     <p:sldId id="256" r:id="rId2"/>
-    <p:sldId id="257" r:id="rId3"/>
-    <p:sldId id="258" r:id="rId4"/>
+    <p:sldId id="259" r:id="rId3"/>
+    <p:sldId id="261" r:id="rId4"/>
+    <p:sldId id="263" r:id="rId5"/>
+    <p:sldId id="257" r:id="rId6"/>
+    <p:sldId id="258" r:id="rId7"/>
+    <p:sldId id="264" r:id="rId8"/>
   </p:sldIdLst>
   <p:sldSz cx="12192000" cy="6858000"/>
   <p:notesSz cx="6858000" cy="9144000"/>
@@ -106,6 +110,22 @@
       </a:defRPr>
     </a:lvl9pPr>
   </p:defaultTextStyle>
+  <p:extLst>
+    <p:ext uri="{EFAFB233-063F-42B5-8137-9DF3F51BA10A}">
+      <p15:sldGuideLst xmlns:p15="http://schemas.microsoft.com/office/powerpoint/2012/main">
+        <p15:guide id="1" orient="horz" pos="2160">
+          <p15:clr>
+            <a:srgbClr val="A4A3A4"/>
+          </p15:clr>
+        </p15:guide>
+        <p15:guide id="2" pos="3840">
+          <p15:clr>
+            <a:srgbClr val="A4A3A4"/>
+          </p15:clr>
+        </p15:guide>
+      </p15:sldGuideLst>
+    </p:ext>
+  </p:extLst>
 </p:presentation>
 </file>
 
@@ -240,7 +260,7 @@
           <a:p>
             <a:fld id="{59FF9AFC-EE31-4165-8F20-7F1E2683D74A}" type="datetimeFigureOut">
               <a:rPr lang="fr-FR" smtClean="0"/>
-              <a:t>03/12/2015</a:t>
+              <a:t>05/12/2015</a:t>
             </a:fld>
             <a:endParaRPr lang="fr-FR"/>
           </a:p>
@@ -410,7 +430,7 @@
           <a:p>
             <a:fld id="{59FF9AFC-EE31-4165-8F20-7F1E2683D74A}" type="datetimeFigureOut">
               <a:rPr lang="fr-FR" smtClean="0"/>
-              <a:t>03/12/2015</a:t>
+              <a:t>05/12/2015</a:t>
             </a:fld>
             <a:endParaRPr lang="fr-FR"/>
           </a:p>
@@ -590,7 +610,7 @@
           <a:p>
             <a:fld id="{59FF9AFC-EE31-4165-8F20-7F1E2683D74A}" type="datetimeFigureOut">
               <a:rPr lang="fr-FR" smtClean="0"/>
-              <a:t>03/12/2015</a:t>
+              <a:t>05/12/2015</a:t>
             </a:fld>
             <a:endParaRPr lang="fr-FR"/>
           </a:p>
@@ -760,7 +780,7 @@
           <a:p>
             <a:fld id="{59FF9AFC-EE31-4165-8F20-7F1E2683D74A}" type="datetimeFigureOut">
               <a:rPr lang="fr-FR" smtClean="0"/>
-              <a:t>03/12/2015</a:t>
+              <a:t>05/12/2015</a:t>
             </a:fld>
             <a:endParaRPr lang="fr-FR"/>
           </a:p>
@@ -1006,7 +1026,7 @@
           <a:p>
             <a:fld id="{59FF9AFC-EE31-4165-8F20-7F1E2683D74A}" type="datetimeFigureOut">
               <a:rPr lang="fr-FR" smtClean="0"/>
-              <a:t>03/12/2015</a:t>
+              <a:t>05/12/2015</a:t>
             </a:fld>
             <a:endParaRPr lang="fr-FR"/>
           </a:p>
@@ -1238,7 +1258,7 @@
           <a:p>
             <a:fld id="{59FF9AFC-EE31-4165-8F20-7F1E2683D74A}" type="datetimeFigureOut">
               <a:rPr lang="fr-FR" smtClean="0"/>
-              <a:t>03/12/2015</a:t>
+              <a:t>05/12/2015</a:t>
             </a:fld>
             <a:endParaRPr lang="fr-FR"/>
           </a:p>
@@ -1605,7 +1625,7 @@
           <a:p>
             <a:fld id="{59FF9AFC-EE31-4165-8F20-7F1E2683D74A}" type="datetimeFigureOut">
               <a:rPr lang="fr-FR" smtClean="0"/>
-              <a:t>03/12/2015</a:t>
+              <a:t>05/12/2015</a:t>
             </a:fld>
             <a:endParaRPr lang="fr-FR"/>
           </a:p>
@@ -1723,7 +1743,7 @@
           <a:p>
             <a:fld id="{59FF9AFC-EE31-4165-8F20-7F1E2683D74A}" type="datetimeFigureOut">
               <a:rPr lang="fr-FR" smtClean="0"/>
-              <a:t>03/12/2015</a:t>
+              <a:t>05/12/2015</a:t>
             </a:fld>
             <a:endParaRPr lang="fr-FR"/>
           </a:p>
@@ -1818,7 +1838,7 @@
           <a:p>
             <a:fld id="{59FF9AFC-EE31-4165-8F20-7F1E2683D74A}" type="datetimeFigureOut">
               <a:rPr lang="fr-FR" smtClean="0"/>
-              <a:t>03/12/2015</a:t>
+              <a:t>05/12/2015</a:t>
             </a:fld>
             <a:endParaRPr lang="fr-FR"/>
           </a:p>
@@ -2095,7 +2115,7 @@
           <a:p>
             <a:fld id="{59FF9AFC-EE31-4165-8F20-7F1E2683D74A}" type="datetimeFigureOut">
               <a:rPr lang="fr-FR" smtClean="0"/>
-              <a:t>03/12/2015</a:t>
+              <a:t>05/12/2015</a:t>
             </a:fld>
             <a:endParaRPr lang="fr-FR"/>
           </a:p>
@@ -2348,7 +2368,7 @@
           <a:p>
             <a:fld id="{59FF9AFC-EE31-4165-8F20-7F1E2683D74A}" type="datetimeFigureOut">
               <a:rPr lang="fr-FR" smtClean="0"/>
-              <a:t>03/12/2015</a:t>
+              <a:t>05/12/2015</a:t>
             </a:fld>
             <a:endParaRPr lang="fr-FR"/>
           </a:p>
@@ -2561,7 +2581,7 @@
           <a:p>
             <a:fld id="{59FF9AFC-EE31-4165-8F20-7F1E2683D74A}" type="datetimeFigureOut">
               <a:rPr lang="fr-FR" smtClean="0"/>
-              <a:t>03/12/2015</a:t>
+              <a:t>05/12/2015</a:t>
             </a:fld>
             <a:endParaRPr lang="fr-FR"/>
           </a:p>
@@ -2981,26 +3001,19 @@
           <a:bodyPr/>
           <a:lstStyle/>
           <a:p>
+            <a:r>
+              <a:rPr lang="fr-FR" dirty="0" err="1"/>
+              <a:t>Domotic</a:t>
+            </a:r>
+            <a:r>
+              <a:rPr lang="fr-FR" dirty="0"/>
+              <a:t> control interface on  </a:t>
+            </a:r>
+            <a:r>
+              <a:rPr lang="fr-FR" dirty="0" err="1"/>
+              <a:t>tablet</a:t>
+            </a:r>
             <a:endParaRPr lang="fr-FR" dirty="0"/>
-          </a:p>
-        </p:txBody>
-      </p:sp>
-      <p:sp>
-        <p:nvSpPr>
-          <p:cNvPr id="3" name="Sous-titre 2"/>
-          <p:cNvSpPr>
-            <a:spLocks noGrp="1"/>
-          </p:cNvSpPr>
-          <p:nvPr>
-            <p:ph type="subTitle" idx="1"/>
-          </p:nvPr>
-        </p:nvSpPr>
-        <p:spPr/>
-        <p:txBody>
-          <a:bodyPr/>
-          <a:lstStyle/>
-          <a:p>
-            <a:endParaRPr lang="fr-FR"/>
           </a:p>
         </p:txBody>
       </p:sp>
@@ -3025,6 +3038,514 @@
 </file>
 
 <file path=ppt/slides/slide2.xml><?xml version="1.0" encoding="utf-8"?>
+<p:sld xmlns:a="http://schemas.openxmlformats.org/drawingml/2006/main" xmlns:r="http://schemas.openxmlformats.org/officeDocument/2006/relationships" xmlns:p="http://schemas.openxmlformats.org/presentationml/2006/main">
+  <p:cSld>
+    <p:spTree>
+      <p:nvGrpSpPr>
+        <p:cNvPr id="1" name=""/>
+        <p:cNvGrpSpPr/>
+        <p:nvPr/>
+      </p:nvGrpSpPr>
+      <p:grpSpPr>
+        <a:xfrm>
+          <a:off x="0" y="0"/>
+          <a:ext cx="0" cy="0"/>
+          <a:chOff x="0" y="0"/>
+          <a:chExt cx="0" cy="0"/>
+        </a:xfrm>
+      </p:grpSpPr>
+      <p:sp>
+        <p:nvSpPr>
+          <p:cNvPr id="2" name="Titre 1"/>
+          <p:cNvSpPr>
+            <a:spLocks noGrp="1"/>
+          </p:cNvSpPr>
+          <p:nvPr>
+            <p:ph type="title"/>
+          </p:nvPr>
+        </p:nvSpPr>
+        <p:spPr/>
+        <p:txBody>
+          <a:bodyPr/>
+          <a:lstStyle/>
+          <a:p>
+            <a:r>
+              <a:rPr lang="fr-FR" dirty="0"/>
+              <a:t>Contents</a:t>
+            </a:r>
+          </a:p>
+        </p:txBody>
+      </p:sp>
+      <p:sp>
+        <p:nvSpPr>
+          <p:cNvPr id="3" name="Espace réservé du contenu 2"/>
+          <p:cNvSpPr>
+            <a:spLocks noGrp="1"/>
+          </p:cNvSpPr>
+          <p:nvPr>
+            <p:ph idx="1"/>
+          </p:nvPr>
+        </p:nvSpPr>
+        <p:spPr/>
+        <p:txBody>
+          <a:bodyPr/>
+          <a:lstStyle/>
+          <a:p>
+            <a:endParaRPr lang="fr-FR" dirty="0"/>
+          </a:p>
+          <a:p>
+            <a:pPr marL="0" indent="0">
+              <a:buNone/>
+            </a:pPr>
+            <a:r>
+              <a:rPr lang="fr-FR" dirty="0"/>
+              <a:t>• </a:t>
+            </a:r>
+            <a:r>
+              <a:rPr lang="fr-FR" dirty="0" err="1"/>
+              <a:t>Context</a:t>
+            </a:r>
+            <a:endParaRPr lang="fr-FR" dirty="0"/>
+          </a:p>
+          <a:p>
+            <a:pPr marL="0" indent="0">
+              <a:buNone/>
+            </a:pPr>
+            <a:r>
+              <a:rPr lang="fr-FR" dirty="0"/>
+              <a:t>• </a:t>
+            </a:r>
+            <a:r>
+              <a:rPr lang="fr-FR" dirty="0" err="1"/>
+              <a:t>Pre-study</a:t>
+            </a:r>
+            <a:endParaRPr lang="fr-FR" dirty="0"/>
+          </a:p>
+          <a:p>
+            <a:pPr marL="0" indent="0">
+              <a:buNone/>
+            </a:pPr>
+            <a:r>
+              <a:rPr lang="fr-FR" dirty="0"/>
+              <a:t>• </a:t>
+            </a:r>
+            <a:r>
+              <a:rPr lang="fr-FR" dirty="0" err="1"/>
+              <a:t>Specifications</a:t>
+            </a:r>
+            <a:endParaRPr lang="fr-FR" dirty="0"/>
+          </a:p>
+          <a:p>
+            <a:endParaRPr lang="fr-FR" dirty="0"/>
+          </a:p>
+        </p:txBody>
+      </p:sp>
+    </p:spTree>
+    <p:extLst>
+      <p:ext uri="{BB962C8B-B14F-4D97-AF65-F5344CB8AC3E}">
+        <p14:creationId xmlns:p14="http://schemas.microsoft.com/office/powerpoint/2010/main" val="2577434995"/>
+      </p:ext>
+    </p:extLst>
+  </p:cSld>
+  <p:clrMapOvr>
+    <a:masterClrMapping/>
+  </p:clrMapOvr>
+</p:sld>
+</file>
+
+<file path=ppt/slides/slide3.xml><?xml version="1.0" encoding="utf-8"?>
+<p:sld xmlns:a="http://schemas.openxmlformats.org/drawingml/2006/main" xmlns:r="http://schemas.openxmlformats.org/officeDocument/2006/relationships" xmlns:p="http://schemas.openxmlformats.org/presentationml/2006/main">
+  <p:cSld>
+    <p:spTree>
+      <p:nvGrpSpPr>
+        <p:cNvPr id="1" name=""/>
+        <p:cNvGrpSpPr/>
+        <p:nvPr/>
+      </p:nvGrpSpPr>
+      <p:grpSpPr>
+        <a:xfrm>
+          <a:off x="0" y="0"/>
+          <a:ext cx="0" cy="0"/>
+          <a:chOff x="0" y="0"/>
+          <a:chExt cx="0" cy="0"/>
+        </a:xfrm>
+      </p:grpSpPr>
+      <p:sp>
+        <p:nvSpPr>
+          <p:cNvPr id="2" name="Titre 1"/>
+          <p:cNvSpPr>
+            <a:spLocks noGrp="1"/>
+          </p:cNvSpPr>
+          <p:nvPr>
+            <p:ph type="title"/>
+          </p:nvPr>
+        </p:nvSpPr>
+        <p:spPr/>
+        <p:txBody>
+          <a:bodyPr/>
+          <a:lstStyle/>
+          <a:p>
+            <a:r>
+              <a:rPr lang="fr-FR" dirty="0" err="1" smtClean="0"/>
+              <a:t>Context</a:t>
+            </a:r>
+            <a:endParaRPr lang="fr-FR" dirty="0"/>
+          </a:p>
+        </p:txBody>
+      </p:sp>
+      <p:sp>
+        <p:nvSpPr>
+          <p:cNvPr id="3" name="Espace réservé du contenu 2"/>
+          <p:cNvSpPr>
+            <a:spLocks noGrp="1"/>
+          </p:cNvSpPr>
+          <p:nvPr>
+            <p:ph idx="1"/>
+          </p:nvPr>
+        </p:nvSpPr>
+        <p:spPr/>
+        <p:txBody>
+          <a:bodyPr/>
+          <a:lstStyle/>
+          <a:p>
+            <a:r>
+              <a:rPr lang="fr-FR" dirty="0" err="1" smtClean="0"/>
+              <a:t>Need</a:t>
+            </a:r>
+            <a:r>
+              <a:rPr lang="fr-FR" dirty="0" smtClean="0"/>
+              <a:t> of a simple interface for </a:t>
+            </a:r>
+            <a:r>
+              <a:rPr lang="fr-FR" dirty="0" err="1" smtClean="0"/>
+              <a:t>disabled</a:t>
+            </a:r>
+            <a:r>
+              <a:rPr lang="fr-FR" dirty="0" smtClean="0"/>
+              <a:t> people</a:t>
+            </a:r>
+          </a:p>
+          <a:p>
+            <a:r>
+              <a:rPr lang="fr-FR" dirty="0" err="1" smtClean="0"/>
+              <a:t>Existing</a:t>
+            </a:r>
+            <a:r>
+              <a:rPr lang="fr-FR" dirty="0" smtClean="0"/>
+              <a:t> solutions but </a:t>
+            </a:r>
+            <a:r>
+              <a:rPr lang="fr-FR" dirty="0" err="1" smtClean="0"/>
+              <a:t>too</a:t>
+            </a:r>
+            <a:r>
+              <a:rPr lang="fr-FR" dirty="0" smtClean="0"/>
+              <a:t> </a:t>
+            </a:r>
+            <a:r>
+              <a:rPr lang="fr-FR" dirty="0" err="1" smtClean="0"/>
+              <a:t>complex</a:t>
+            </a:r>
+            <a:r>
+              <a:rPr lang="fr-FR" dirty="0" smtClean="0"/>
+              <a:t> and </a:t>
+            </a:r>
+            <a:r>
+              <a:rPr lang="fr-FR" dirty="0" err="1" smtClean="0"/>
+              <a:t>inadapted</a:t>
+            </a:r>
+            <a:endParaRPr lang="fr-FR" dirty="0" smtClean="0"/>
+          </a:p>
+          <a:p>
+            <a:r>
+              <a:rPr lang="fr-FR" dirty="0" err="1" smtClean="0"/>
+              <a:t>Knowledge</a:t>
+            </a:r>
+            <a:r>
+              <a:rPr lang="fr-FR" dirty="0" smtClean="0"/>
+              <a:t> </a:t>
+            </a:r>
+            <a:r>
+              <a:rPr lang="fr-FR" dirty="0" err="1" smtClean="0"/>
+              <a:t>transfer</a:t>
+            </a:r>
+            <a:r>
+              <a:rPr lang="fr-FR" dirty="0" smtClean="0"/>
+              <a:t> </a:t>
+            </a:r>
+            <a:r>
+              <a:rPr lang="fr-FR" dirty="0" err="1" smtClean="0"/>
+              <a:t>from</a:t>
+            </a:r>
+            <a:r>
+              <a:rPr lang="fr-FR" dirty="0" smtClean="0"/>
+              <a:t> </a:t>
+            </a:r>
+            <a:r>
+              <a:rPr lang="fr-FR" dirty="0" err="1" smtClean="0"/>
+              <a:t>Insa</a:t>
+            </a:r>
+            <a:r>
+              <a:rPr lang="fr-FR" dirty="0" smtClean="0"/>
+              <a:t> to </a:t>
+            </a:r>
+            <a:r>
+              <a:rPr lang="fr-FR" dirty="0" err="1" smtClean="0"/>
+              <a:t>Ergovie</a:t>
+            </a:r>
+            <a:endParaRPr lang="fr-FR" dirty="0" smtClean="0"/>
+          </a:p>
+          <a:p>
+            <a:r>
+              <a:rPr lang="fr-FR" dirty="0" err="1" smtClean="0"/>
+              <a:t>Ergovie</a:t>
+            </a:r>
+            <a:r>
+              <a:rPr lang="fr-FR" dirty="0" smtClean="0"/>
+              <a:t> </a:t>
+            </a:r>
+            <a:r>
+              <a:rPr lang="fr-FR" dirty="0" err="1" smtClean="0"/>
+              <a:t>is</a:t>
+            </a:r>
+            <a:r>
+              <a:rPr lang="fr-FR" dirty="0" smtClean="0"/>
+              <a:t> a Breton society </a:t>
+            </a:r>
+            <a:r>
+              <a:rPr lang="fr-FR" dirty="0" err="1" smtClean="0"/>
+              <a:t>who</a:t>
+            </a:r>
+            <a:r>
+              <a:rPr lang="fr-FR" dirty="0" smtClean="0"/>
+              <a:t> </a:t>
+            </a:r>
+            <a:r>
+              <a:rPr lang="fr-FR" dirty="0" err="1" smtClean="0"/>
+              <a:t>sells</a:t>
+            </a:r>
+            <a:r>
+              <a:rPr lang="fr-FR" dirty="0" smtClean="0"/>
+              <a:t> and </a:t>
+            </a:r>
+            <a:r>
+              <a:rPr lang="fr-FR" dirty="0" err="1" smtClean="0"/>
+              <a:t>repairs</a:t>
+            </a:r>
+            <a:r>
+              <a:rPr lang="fr-FR" dirty="0" smtClean="0"/>
+              <a:t> </a:t>
+            </a:r>
+            <a:r>
+              <a:rPr lang="fr-FR" dirty="0" err="1" smtClean="0"/>
+              <a:t>wheelchairs</a:t>
+            </a:r>
+            <a:r>
+              <a:rPr lang="fr-FR" dirty="0" smtClean="0"/>
+              <a:t>. </a:t>
+            </a:r>
+            <a:r>
+              <a:rPr lang="fr-FR" dirty="0" err="1" smtClean="0"/>
+              <a:t>They</a:t>
+            </a:r>
+            <a:r>
+              <a:rPr lang="fr-FR" dirty="0" smtClean="0"/>
+              <a:t> </a:t>
+            </a:r>
+            <a:r>
+              <a:rPr lang="fr-FR" dirty="0" err="1" smtClean="0"/>
+              <a:t>recently</a:t>
+            </a:r>
+            <a:r>
+              <a:rPr lang="fr-FR" dirty="0" smtClean="0"/>
+              <a:t> </a:t>
+            </a:r>
+            <a:r>
+              <a:rPr lang="fr-FR" dirty="0" err="1" smtClean="0"/>
+              <a:t>begin</a:t>
+            </a:r>
+            <a:r>
+              <a:rPr lang="fr-FR" dirty="0" smtClean="0"/>
+              <a:t> to </a:t>
+            </a:r>
+            <a:r>
+              <a:rPr lang="fr-FR" dirty="0" err="1" smtClean="0"/>
+              <a:t>develop</a:t>
+            </a:r>
+            <a:r>
+              <a:rPr lang="fr-FR" dirty="0" smtClean="0"/>
+              <a:t> </a:t>
+            </a:r>
+            <a:r>
+              <a:rPr lang="fr-FR" dirty="0" err="1" smtClean="0"/>
+              <a:t>domotic</a:t>
+            </a:r>
+            <a:r>
+              <a:rPr lang="fr-FR" dirty="0" smtClean="0"/>
+              <a:t> solutions.</a:t>
+            </a:r>
+            <a:endParaRPr lang="fr-FR" dirty="0"/>
+          </a:p>
+        </p:txBody>
+      </p:sp>
+    </p:spTree>
+    <p:extLst>
+      <p:ext uri="{BB962C8B-B14F-4D97-AF65-F5344CB8AC3E}">
+        <p14:creationId xmlns:p14="http://schemas.microsoft.com/office/powerpoint/2010/main" val="2323938747"/>
+      </p:ext>
+    </p:extLst>
+  </p:cSld>
+  <p:clrMapOvr>
+    <a:masterClrMapping/>
+  </p:clrMapOvr>
+</p:sld>
+</file>
+
+<file path=ppt/slides/slide4.xml><?xml version="1.0" encoding="utf-8"?>
+<p:sld xmlns:a="http://schemas.openxmlformats.org/drawingml/2006/main" xmlns:r="http://schemas.openxmlformats.org/officeDocument/2006/relationships" xmlns:p="http://schemas.openxmlformats.org/presentationml/2006/main">
+  <p:cSld>
+    <p:spTree>
+      <p:nvGrpSpPr>
+        <p:cNvPr id="1" name=""/>
+        <p:cNvGrpSpPr/>
+        <p:nvPr/>
+      </p:nvGrpSpPr>
+      <p:grpSpPr>
+        <a:xfrm>
+          <a:off x="0" y="0"/>
+          <a:ext cx="0" cy="0"/>
+          <a:chOff x="0" y="0"/>
+          <a:chExt cx="0" cy="0"/>
+        </a:xfrm>
+      </p:grpSpPr>
+      <p:sp>
+        <p:nvSpPr>
+          <p:cNvPr id="2" name="Titre 1"/>
+          <p:cNvSpPr>
+            <a:spLocks noGrp="1"/>
+          </p:cNvSpPr>
+          <p:nvPr>
+            <p:ph type="title"/>
+          </p:nvPr>
+        </p:nvSpPr>
+        <p:spPr/>
+        <p:txBody>
+          <a:bodyPr/>
+          <a:lstStyle/>
+          <a:p>
+            <a:r>
+              <a:rPr lang="fr-FR" dirty="0" err="1" smtClean="0"/>
+              <a:t>Pre-study</a:t>
+            </a:r>
+            <a:endParaRPr lang="fr-FR" dirty="0"/>
+          </a:p>
+        </p:txBody>
+      </p:sp>
+      <p:sp>
+        <p:nvSpPr>
+          <p:cNvPr id="3" name="Espace réservé du contenu 2"/>
+          <p:cNvSpPr>
+            <a:spLocks noGrp="1"/>
+          </p:cNvSpPr>
+          <p:nvPr>
+            <p:ph idx="1"/>
+          </p:nvPr>
+        </p:nvSpPr>
+        <p:spPr/>
+        <p:txBody>
+          <a:bodyPr/>
+          <a:lstStyle/>
+          <a:p>
+            <a:r>
+              <a:rPr lang="fr-FR" dirty="0" smtClean="0"/>
+              <a:t>Interface in </a:t>
+            </a:r>
+            <a:r>
+              <a:rPr lang="fr-FR" dirty="0" err="1" smtClean="0"/>
+              <a:t>XaML</a:t>
+            </a:r>
+            <a:r>
+              <a:rPr lang="fr-FR" dirty="0" smtClean="0"/>
+              <a:t>, C#</a:t>
+            </a:r>
+          </a:p>
+          <a:p>
+            <a:r>
+              <a:rPr lang="fr-FR" dirty="0" err="1" smtClean="0"/>
+              <a:t>Algorithm</a:t>
+            </a:r>
+            <a:r>
+              <a:rPr lang="fr-FR" dirty="0" smtClean="0"/>
+              <a:t> in C++</a:t>
+            </a:r>
+          </a:p>
+          <a:p>
+            <a:r>
+              <a:rPr lang="fr-FR" dirty="0" smtClean="0"/>
+              <a:t>API to control </a:t>
+            </a:r>
+            <a:r>
+              <a:rPr lang="fr-FR" dirty="0" err="1" smtClean="0"/>
+              <a:t>Kira</a:t>
+            </a:r>
+            <a:r>
+              <a:rPr lang="fr-FR" dirty="0" smtClean="0"/>
+              <a:t> : (</a:t>
+            </a:r>
+            <a:r>
+              <a:rPr lang="fr-FR" dirty="0" err="1" smtClean="0"/>
+              <a:t>protocol</a:t>
+            </a:r>
+            <a:r>
+              <a:rPr lang="fr-FR" dirty="0" smtClean="0"/>
+              <a:t> HTTP)</a:t>
+            </a:r>
+          </a:p>
+          <a:p>
+            <a:r>
+              <a:rPr lang="fr-FR" dirty="0" smtClean="0"/>
+              <a:t>API to control </a:t>
+            </a:r>
+            <a:r>
+              <a:rPr lang="fr-FR" dirty="0" err="1" smtClean="0"/>
+              <a:t>Fibaro</a:t>
+            </a:r>
+            <a:r>
+              <a:rPr lang="fr-FR" dirty="0" smtClean="0"/>
+              <a:t> : (</a:t>
+            </a:r>
+            <a:r>
+              <a:rPr lang="fr-FR" dirty="0" err="1" smtClean="0"/>
+              <a:t>protocol</a:t>
+            </a:r>
+            <a:r>
+              <a:rPr lang="fr-FR" dirty="0" smtClean="0"/>
+              <a:t> HTTP)</a:t>
+            </a:r>
+          </a:p>
+          <a:p>
+            <a:r>
+              <a:rPr lang="fr-FR" smtClean="0"/>
+              <a:t>API Bluetooth :</a:t>
+            </a:r>
+            <a:endParaRPr lang="fr-FR" dirty="0"/>
+          </a:p>
+        </p:txBody>
+      </p:sp>
+    </p:spTree>
+    <p:extLst>
+      <p:ext uri="{BB962C8B-B14F-4D97-AF65-F5344CB8AC3E}">
+        <p14:creationId xmlns:p14="http://schemas.microsoft.com/office/powerpoint/2010/main" val="3878288071"/>
+      </p:ext>
+    </p:extLst>
+  </p:cSld>
+  <p:clrMapOvr>
+    <a:masterClrMapping/>
+  </p:clrMapOvr>
+</p:sld>
+</file>
+
+<file path=ppt/slides/slide5.xml><?xml version="1.0" encoding="utf-8"?>
 <p:sld xmlns:a="http://schemas.openxmlformats.org/drawingml/2006/main" xmlns:r="http://schemas.openxmlformats.org/officeDocument/2006/relationships" xmlns:p="http://schemas.openxmlformats.org/presentationml/2006/main">
   <p:cSld>
     <p:spTree>
@@ -4365,7 +4886,7 @@
 </p:sld>
 </file>
 
-<file path=ppt/slides/slide3.xml><?xml version="1.0" encoding="utf-8"?>
+<file path=ppt/slides/slide6.xml><?xml version="1.0" encoding="utf-8"?>
 <p:sld xmlns:a="http://schemas.openxmlformats.org/drawingml/2006/main" xmlns:r="http://schemas.openxmlformats.org/officeDocument/2006/relationships" xmlns:p="http://schemas.openxmlformats.org/presentationml/2006/main">
   <p:cSld>
     <p:spTree>
@@ -4854,6 +5375,155 @@
 </p:sld>
 </file>
 
+<file path=ppt/slides/slide7.xml><?xml version="1.0" encoding="utf-8"?>
+<p:sld xmlns:a="http://schemas.openxmlformats.org/drawingml/2006/main" xmlns:r="http://schemas.openxmlformats.org/officeDocument/2006/relationships" xmlns:p="http://schemas.openxmlformats.org/presentationml/2006/main">
+  <p:cSld>
+    <p:spTree>
+      <p:nvGrpSpPr>
+        <p:cNvPr id="1" name=""/>
+        <p:cNvGrpSpPr/>
+        <p:nvPr/>
+      </p:nvGrpSpPr>
+      <p:grpSpPr>
+        <a:xfrm>
+          <a:off x="0" y="0"/>
+          <a:ext cx="0" cy="0"/>
+          <a:chOff x="0" y="0"/>
+          <a:chExt cx="0" cy="0"/>
+        </a:xfrm>
+      </p:grpSpPr>
+      <p:sp>
+        <p:nvSpPr>
+          <p:cNvPr id="4" name="Titre 3"/>
+          <p:cNvSpPr>
+            <a:spLocks noGrp="1"/>
+          </p:cNvSpPr>
+          <p:nvPr>
+            <p:ph type="title"/>
+          </p:nvPr>
+        </p:nvSpPr>
+        <p:spPr/>
+        <p:txBody>
+          <a:bodyPr/>
+          <a:lstStyle/>
+          <a:p>
+            <a:r>
+              <a:rPr lang="fr-FR" dirty="0" err="1" smtClean="0"/>
+              <a:t>Specifications</a:t>
+            </a:r>
+            <a:endParaRPr lang="fr-FR" dirty="0"/>
+          </a:p>
+        </p:txBody>
+      </p:sp>
+      <p:sp>
+        <p:nvSpPr>
+          <p:cNvPr id="5" name="Espace réservé du contenu 4"/>
+          <p:cNvSpPr>
+            <a:spLocks noGrp="1"/>
+          </p:cNvSpPr>
+          <p:nvPr>
+            <p:ph idx="1"/>
+          </p:nvPr>
+        </p:nvSpPr>
+        <p:spPr/>
+        <p:txBody>
+          <a:bodyPr/>
+          <a:lstStyle/>
+          <a:p>
+            <a:r>
+              <a:rPr lang="fr-FR" dirty="0" err="1" smtClean="0"/>
+              <a:t>Enabling</a:t>
+            </a:r>
+            <a:r>
+              <a:rPr lang="fr-FR" dirty="0" smtClean="0"/>
+              <a:t> people to switch on/off machines</a:t>
+            </a:r>
+          </a:p>
+          <a:p>
+            <a:r>
+              <a:rPr lang="fr-FR" dirty="0" err="1" smtClean="0"/>
+              <a:t>Adapted</a:t>
+            </a:r>
+            <a:r>
+              <a:rPr lang="fr-FR" dirty="0" smtClean="0"/>
+              <a:t> to </a:t>
+            </a:r>
+            <a:r>
+              <a:rPr lang="fr-FR" dirty="0" err="1" smtClean="0"/>
+              <a:t>users</a:t>
+            </a:r>
+            <a:endParaRPr lang="fr-FR" dirty="0" smtClean="0"/>
+          </a:p>
+          <a:p>
+            <a:r>
+              <a:rPr lang="fr-FR" dirty="0" smtClean="0"/>
+              <a:t>A « scrolling » mode (traduction à revoir)</a:t>
+            </a:r>
+          </a:p>
+          <a:p>
+            <a:r>
+              <a:rPr lang="fr-FR" dirty="0" smtClean="0"/>
+              <a:t>Configuration </a:t>
+            </a:r>
+            <a:r>
+              <a:rPr lang="fr-FR" dirty="0" err="1" smtClean="0"/>
+              <a:t>available</a:t>
+            </a:r>
+            <a:r>
+              <a:rPr lang="fr-FR" dirty="0" smtClean="0"/>
+              <a:t>, </a:t>
+            </a:r>
+            <a:r>
+              <a:rPr lang="fr-FR" dirty="0" err="1" smtClean="0"/>
+              <a:t>only</a:t>
+            </a:r>
+            <a:r>
+              <a:rPr lang="fr-FR" dirty="0" smtClean="0"/>
+              <a:t> for </a:t>
+            </a:r>
+            <a:r>
+              <a:rPr lang="fr-FR" dirty="0" err="1" smtClean="0"/>
+              <a:t>technician</a:t>
+            </a:r>
+            <a:endParaRPr lang="fr-FR" dirty="0" smtClean="0"/>
+          </a:p>
+          <a:p>
+            <a:r>
+              <a:rPr lang="fr-FR" dirty="0" smtClean="0"/>
+              <a:t>Feedback </a:t>
+            </a:r>
+            <a:r>
+              <a:rPr lang="fr-FR" dirty="0" err="1" smtClean="0"/>
+              <a:t>from</a:t>
+            </a:r>
+            <a:r>
+              <a:rPr lang="fr-FR" dirty="0" smtClean="0"/>
+              <a:t> the </a:t>
+            </a:r>
+            <a:r>
+              <a:rPr lang="fr-FR" dirty="0" err="1" smtClean="0"/>
+              <a:t>wheelchair</a:t>
+            </a:r>
+            <a:endParaRPr lang="fr-FR" dirty="0" smtClean="0"/>
+          </a:p>
+          <a:p>
+            <a:endParaRPr lang="fr-FR" dirty="0"/>
+          </a:p>
+        </p:txBody>
+      </p:sp>
+    </p:spTree>
+    <p:extLst>
+      <p:ext uri="{BB962C8B-B14F-4D97-AF65-F5344CB8AC3E}">
+        <p14:creationId xmlns:p14="http://schemas.microsoft.com/office/powerpoint/2010/main" val="2041247489"/>
+      </p:ext>
+    </p:extLst>
+  </p:cSld>
+  <p:clrMapOvr>
+    <a:masterClrMapping/>
+  </p:clrMapOvr>
+</p:sld>
+</file>
+
 <file path=ppt/theme/theme1.xml><?xml version="1.0" encoding="utf-8"?>
 <a:theme xmlns:a="http://schemas.openxmlformats.org/drawingml/2006/main" name="Thème Office">
   <a:themeElements>
@@ -5109,7 +5779,7 @@
   <a:extraClrSchemeLst/>
   <a:extLst>
     <a:ext uri="{05A4C25C-085E-4340-85A3-A5531E510DB2}">
-      <thm15:themeFamily xmlns="" xmlns:thm15="http://schemas.microsoft.com/office/thememl/2012/main" name="Office Theme" id="{62F939B6-93AF-4DB8-9C6B-D6C7DFDC589F}" vid="{4A3C46E8-61CC-4603-A589-7422A47A8E4A}"/>
+      <thm15:themeFamily xmlns:thm15="http://schemas.microsoft.com/office/thememl/2012/main" name="Office Theme" id="{62F939B6-93AF-4DB8-9C6B-D6C7DFDC589F}" vid="{4A3C46E8-61CC-4603-A589-7422A47A8E4A}"/>
     </a:ext>
   </a:extLst>
 </a:theme>

--- a/Rendu/Diapo_prototype_janvier.pptx
+++ b/Rendu/Diapo_prototype_janvier.pptx
@@ -5,15 +5,19 @@
     <p:sldMasterId id="2147483648" r:id="rId1"/>
   </p:sldMasterIdLst>
   <p:notesMasterIdLst>
-    <p:notesMasterId r:id="rId5"/>
+    <p:notesMasterId r:id="rId9"/>
   </p:notesMasterIdLst>
   <p:handoutMasterIdLst>
-    <p:handoutMasterId r:id="rId6"/>
+    <p:handoutMasterId r:id="rId10"/>
   </p:handoutMasterIdLst>
   <p:sldIdLst>
     <p:sldId id="284" r:id="rId2"/>
-    <p:sldId id="285" r:id="rId3"/>
-    <p:sldId id="286" r:id="rId4"/>
+    <p:sldId id="287" r:id="rId3"/>
+    <p:sldId id="288" r:id="rId4"/>
+    <p:sldId id="289" r:id="rId5"/>
+    <p:sldId id="285" r:id="rId6"/>
+    <p:sldId id="286" r:id="rId7"/>
+    <p:sldId id="290" r:id="rId8"/>
   </p:sldIdLst>
   <p:sldSz cx="9144000" cy="5143500" type="screen16x9"/>
   <p:notesSz cx="6799263" cy="9929813"/>
@@ -112,6 +116,42 @@
       </a:defRPr>
     </a:lvl9pPr>
   </p:defaultTextStyle>
+  <p:extLst>
+    <p:ext uri="{EFAFB233-063F-42B5-8137-9DF3F51BA10A}">
+      <p15:sldGuideLst xmlns:p15="http://schemas.microsoft.com/office/powerpoint/2012/main">
+        <p15:guide id="1" orient="horz" pos="1620">
+          <p15:clr>
+            <a:srgbClr val="A4A3A4"/>
+          </p15:clr>
+        </p15:guide>
+        <p15:guide id="2" orient="horz" pos="108">
+          <p15:clr>
+            <a:srgbClr val="A4A3A4"/>
+          </p15:clr>
+        </p15:guide>
+        <p15:guide id="3" orient="horz" pos="501">
+          <p15:clr>
+            <a:srgbClr val="A4A3A4"/>
+          </p15:clr>
+        </p15:guide>
+        <p15:guide id="4" pos="2880">
+          <p15:clr>
+            <a:srgbClr val="A4A3A4"/>
+          </p15:clr>
+        </p15:guide>
+        <p15:guide id="5" pos="5664">
+          <p15:clr>
+            <a:srgbClr val="A4A3A4"/>
+          </p15:clr>
+        </p15:guide>
+        <p15:guide id="6" pos="3813">
+          <p15:clr>
+            <a:srgbClr val="A4A3A4"/>
+          </p15:clr>
+        </p15:guide>
+      </p15:sldGuideLst>
+    </p:ext>
+  </p:extLst>
 </p:presentation>
 </file>
 
@@ -198,7 +238,7 @@
             <a:fld id="{1FF860C4-84CC-4ED2-86B7-24C0345B37D5}" type="datetimeFigureOut">
               <a:rPr lang="fr-FR" smtClean="0"/>
               <a:pPr/>
-              <a:t>03/12/2015</a:t>
+              <a:t>08/12/2015</a:t>
             </a:fld>
             <a:endParaRPr lang="fr-FR"/>
           </a:p>
@@ -274,7 +314,7 @@
     </p:spTree>
     <p:extLst>
       <p:ext uri="{BB962C8B-B14F-4D97-AF65-F5344CB8AC3E}">
-        <p14:creationId xmlns:p14="http://schemas.microsoft.com/office/powerpoint/2010/main" xmlns="" val="2585288778"/>
+        <p14:creationId xmlns:p14="http://schemas.microsoft.com/office/powerpoint/2010/main" val="2585288778"/>
       </p:ext>
     </p:extLst>
   </p:cSld>
@@ -365,7 +405,7 @@
             <a:fld id="{C2C2714D-4FF2-4E25-9D9C-3A52AC0061D5}" type="datetimeFigureOut">
               <a:rPr lang="fr-FR" smtClean="0"/>
               <a:pPr/>
-              <a:t>03/12/2015</a:t>
+              <a:t>08/12/2015</a:t>
             </a:fld>
             <a:endParaRPr lang="fr-FR"/>
           </a:p>
@@ -534,7 +574,7 @@
     </p:spTree>
     <p:extLst>
       <p:ext uri="{BB962C8B-B14F-4D97-AF65-F5344CB8AC3E}">
-        <p14:creationId xmlns:p14="http://schemas.microsoft.com/office/powerpoint/2010/main" xmlns="" val="2415153153"/>
+        <p14:creationId xmlns:p14="http://schemas.microsoft.com/office/powerpoint/2010/main" val="2415153153"/>
       </p:ext>
     </p:extLst>
   </p:cSld>
@@ -1658,7 +1698,7 @@
           <a:blip r:embed="rId2" cstate="print">
             <a:extLst>
               <a:ext uri="{28A0092B-C50C-407E-A947-70E740481C1C}">
-                <a14:useLocalDpi xmlns:a14="http://schemas.microsoft.com/office/drawing/2010/main" xmlns="" val="0"/>
+                <a14:useLocalDpi xmlns:a14="http://schemas.microsoft.com/office/drawing/2010/main" val="0"/>
               </a:ext>
             </a:extLst>
           </a:blip>
@@ -1681,14 +1721,14 @@
           </a:ln>
           <a:extLst>
             <a:ext uri="{909E8E84-426E-40DD-AFC4-6F175D3DCCD1}">
-              <a14:hiddenFill xmlns:a14="http://schemas.microsoft.com/office/drawing/2010/main" xmlns="">
+              <a14:hiddenFill xmlns:a14="http://schemas.microsoft.com/office/drawing/2010/main">
                 <a:solidFill>
                   <a:srgbClr val="FFFFFF"/>
                 </a:solidFill>
               </a14:hiddenFill>
             </a:ext>
             <a:ext uri="{91240B29-F687-4F45-9708-019B960494DF}">
-              <a14:hiddenLine xmlns:a14="http://schemas.microsoft.com/office/drawing/2010/main" xmlns="" w="9525">
+              <a14:hiddenLine xmlns:a14="http://schemas.microsoft.com/office/drawing/2010/main" w="9525">
                 <a:solidFill>
                   <a:srgbClr val="000000"/>
                 </a:solidFill>
@@ -1712,7 +1752,7 @@
           <a:blip r:embed="rId3" cstate="screen">
             <a:extLst>
               <a:ext uri="{28A0092B-C50C-407E-A947-70E740481C1C}">
-                <a14:useLocalDpi xmlns:a14="http://schemas.microsoft.com/office/drawing/2010/main" xmlns="" val="0"/>
+                <a14:useLocalDpi xmlns:a14="http://schemas.microsoft.com/office/drawing/2010/main" val="0"/>
               </a:ext>
             </a:extLst>
           </a:blip>
@@ -1735,14 +1775,14 @@
           </a:ln>
           <a:extLst>
             <a:ext uri="{909E8E84-426E-40DD-AFC4-6F175D3DCCD1}">
-              <a14:hiddenFill xmlns:a14="http://schemas.microsoft.com/office/drawing/2010/main" xmlns="">
+              <a14:hiddenFill xmlns:a14="http://schemas.microsoft.com/office/drawing/2010/main">
                 <a:solidFill>
                   <a:srgbClr val="FFFFFF"/>
                 </a:solidFill>
               </a14:hiddenFill>
             </a:ext>
             <a:ext uri="{91240B29-F687-4F45-9708-019B960494DF}">
-              <a14:hiddenLine xmlns:a14="http://schemas.microsoft.com/office/drawing/2010/main" xmlns="" w="9525">
+              <a14:hiddenLine xmlns:a14="http://schemas.microsoft.com/office/drawing/2010/main" w="9525">
                 <a:solidFill>
                   <a:srgbClr val="000000"/>
                 </a:solidFill>
@@ -1757,20 +1797,20 @@
     </p:spTree>
     <p:extLst>
       <p:ext uri="{BB962C8B-B14F-4D97-AF65-F5344CB8AC3E}">
-        <p14:creationId xmlns:p14="http://schemas.microsoft.com/office/powerpoint/2010/main" xmlns="" val="2623255339"/>
+        <p14:creationId xmlns:p14="http://schemas.microsoft.com/office/powerpoint/2010/main" val="2623255339"/>
       </p:ext>
     </p:extLst>
   </p:cSld>
   <p:clrMapOvr>
     <a:masterClrMapping/>
   </p:clrMapOvr>
-  <mc:AlternateContent xmlns:mc="http://schemas.openxmlformats.org/markup-compatibility/2006">
-    <mc:Choice xmlns:p14="http://schemas.microsoft.com/office/powerpoint/2010/main" xmlns="" Requires="p14">
+  <mc:AlternateContent xmlns:mc="http://schemas.openxmlformats.org/markup-compatibility/2006" xmlns:p14="http://schemas.microsoft.com/office/powerpoint/2010/main">
+    <mc:Choice Requires="p14">
       <p:transition spd="med" p14:dur="700">
         <p:fade/>
       </p:transition>
     </mc:Choice>
-    <mc:Fallback>
+    <mc:Fallback xmlns="">
       <p:transition spd="med">
         <p:fade/>
       </p:transition>
@@ -2071,7 +2111,7 @@
             <a:biLevel thresh="25000"/>
             <a:extLst>
               <a:ext uri="{28A0092B-C50C-407E-A947-70E740481C1C}">
-                <a14:useLocalDpi xmlns:a14="http://schemas.microsoft.com/office/drawing/2010/main" xmlns="" val="0"/>
+                <a14:useLocalDpi xmlns:a14="http://schemas.microsoft.com/office/drawing/2010/main" val="0"/>
               </a:ext>
             </a:extLst>
           </a:blip>
@@ -2089,7 +2129,7 @@
           <a:noFill/>
           <a:extLst>
             <a:ext uri="{909E8E84-426E-40DD-AFC4-6F175D3DCCD1}">
-              <a14:hiddenFill xmlns:a14="http://schemas.microsoft.com/office/drawing/2010/main" xmlns="">
+              <a14:hiddenFill xmlns:a14="http://schemas.microsoft.com/office/drawing/2010/main">
                 <a:solidFill>
                   <a:srgbClr val="FFFFFF"/>
                 </a:solidFill>
@@ -2272,7 +2312,7 @@
           <a:blip r:embed="rId3" cstate="screen">
             <a:extLst>
               <a:ext uri="{28A0092B-C50C-407E-A947-70E740481C1C}">
-                <a14:useLocalDpi xmlns:a14="http://schemas.microsoft.com/office/drawing/2010/main" xmlns="" val="0"/>
+                <a14:useLocalDpi xmlns:a14="http://schemas.microsoft.com/office/drawing/2010/main" val="0"/>
               </a:ext>
             </a:extLst>
           </a:blip>
@@ -2292,7 +2332,7 @@
           <a:noFill/>
           <a:extLst>
             <a:ext uri="{909E8E84-426E-40DD-AFC4-6F175D3DCCD1}">
-              <a14:hiddenFill xmlns:a14="http://schemas.microsoft.com/office/drawing/2010/main" xmlns="">
+              <a14:hiddenFill xmlns:a14="http://schemas.microsoft.com/office/drawing/2010/main">
                 <a:solidFill>
                   <a:srgbClr val="FFFFFF"/>
                 </a:solidFill>
@@ -2349,20 +2389,20 @@
     </p:spTree>
     <p:extLst>
       <p:ext uri="{BB962C8B-B14F-4D97-AF65-F5344CB8AC3E}">
-        <p14:creationId xmlns:p14="http://schemas.microsoft.com/office/powerpoint/2010/main" xmlns="" val="3257556229"/>
+        <p14:creationId xmlns:p14="http://schemas.microsoft.com/office/powerpoint/2010/main" val="3257556229"/>
       </p:ext>
     </p:extLst>
   </p:cSld>
   <p:clrMapOvr>
     <a:masterClrMapping/>
   </p:clrMapOvr>
-  <mc:AlternateContent xmlns:mc="http://schemas.openxmlformats.org/markup-compatibility/2006">
-    <mc:Choice xmlns:p14="http://schemas.microsoft.com/office/powerpoint/2010/main" xmlns="" Requires="p14">
+  <mc:AlternateContent xmlns:mc="http://schemas.openxmlformats.org/markup-compatibility/2006" xmlns:p14="http://schemas.microsoft.com/office/powerpoint/2010/main">
+    <mc:Choice Requires="p14">
       <p:transition spd="med" p14:dur="700">
         <p:fade/>
       </p:transition>
     </mc:Choice>
-    <mc:Fallback>
+    <mc:Fallback xmlns="">
       <p:transition spd="med">
         <p:fade/>
       </p:transition>
@@ -2407,7 +2447,7 @@
           <a:blip r:embed="rId2" cstate="screen">
             <a:extLst>
               <a:ext uri="{28A0092B-C50C-407E-A947-70E740481C1C}">
-                <a14:useLocalDpi xmlns:a14="http://schemas.microsoft.com/office/drawing/2010/main" xmlns="" val="0"/>
+                <a14:useLocalDpi xmlns:a14="http://schemas.microsoft.com/office/drawing/2010/main" val="0"/>
               </a:ext>
             </a:extLst>
           </a:blip>
@@ -2427,7 +2467,7 @@
           <a:noFill/>
           <a:extLst>
             <a:ext uri="{909E8E84-426E-40DD-AFC4-6F175D3DCCD1}">
-              <a14:hiddenFill xmlns:a14="http://schemas.microsoft.com/office/drawing/2010/main" xmlns="">
+              <a14:hiddenFill xmlns:a14="http://schemas.microsoft.com/office/drawing/2010/main">
                 <a:solidFill>
                   <a:srgbClr val="FFFFFF"/>
                 </a:solidFill>
@@ -2631,7 +2671,7 @@
           <a:blip r:embed="rId3" cstate="screen">
             <a:extLst>
               <a:ext uri="{28A0092B-C50C-407E-A947-70E740481C1C}">
-                <a14:useLocalDpi xmlns:a14="http://schemas.microsoft.com/office/drawing/2010/main" xmlns="" val="0"/>
+                <a14:useLocalDpi xmlns:a14="http://schemas.microsoft.com/office/drawing/2010/main" val="0"/>
               </a:ext>
             </a:extLst>
           </a:blip>
@@ -2649,7 +2689,7 @@
           <a:noFill/>
           <a:extLst>
             <a:ext uri="{909E8E84-426E-40DD-AFC4-6F175D3DCCD1}">
-              <a14:hiddenFill xmlns:a14="http://schemas.microsoft.com/office/drawing/2010/main" xmlns="">
+              <a14:hiddenFill xmlns:a14="http://schemas.microsoft.com/office/drawing/2010/main">
                 <a:solidFill>
                   <a:srgbClr val="FFFFFF"/>
                 </a:solidFill>
@@ -2832,7 +2872,7 @@
           <a:blip r:embed="rId4" cstate="screen">
             <a:extLst>
               <a:ext uri="{28A0092B-C50C-407E-A947-70E740481C1C}">
-                <a14:useLocalDpi xmlns:a14="http://schemas.microsoft.com/office/drawing/2010/main" xmlns="" val="0"/>
+                <a14:useLocalDpi xmlns:a14="http://schemas.microsoft.com/office/drawing/2010/main" val="0"/>
               </a:ext>
             </a:extLst>
           </a:blip>
@@ -2852,7 +2892,7 @@
           <a:noFill/>
           <a:extLst>
             <a:ext uri="{909E8E84-426E-40DD-AFC4-6F175D3DCCD1}">
-              <a14:hiddenFill xmlns:a14="http://schemas.microsoft.com/office/drawing/2010/main" xmlns="">
+              <a14:hiddenFill xmlns:a14="http://schemas.microsoft.com/office/drawing/2010/main">
                 <a:solidFill>
                   <a:srgbClr val="FFFFFF"/>
                 </a:solidFill>
@@ -2909,20 +2949,20 @@
     </p:spTree>
     <p:extLst>
       <p:ext uri="{BB962C8B-B14F-4D97-AF65-F5344CB8AC3E}">
-        <p14:creationId xmlns:p14="http://schemas.microsoft.com/office/powerpoint/2010/main" xmlns="" val="1814534236"/>
+        <p14:creationId xmlns:p14="http://schemas.microsoft.com/office/powerpoint/2010/main" val="1814534236"/>
       </p:ext>
     </p:extLst>
   </p:cSld>
   <p:clrMapOvr>
     <a:masterClrMapping/>
   </p:clrMapOvr>
-  <mc:AlternateContent xmlns:mc="http://schemas.openxmlformats.org/markup-compatibility/2006">
-    <mc:Choice xmlns:p14="http://schemas.microsoft.com/office/powerpoint/2010/main" xmlns="" Requires="p14">
+  <mc:AlternateContent xmlns:mc="http://schemas.openxmlformats.org/markup-compatibility/2006" xmlns:p14="http://schemas.microsoft.com/office/powerpoint/2010/main">
+    <mc:Choice Requires="p14">
       <p:transition spd="med" p14:dur="700">
         <p:fade/>
       </p:transition>
     </mc:Choice>
-    <mc:Fallback>
+    <mc:Fallback xmlns="">
       <p:transition spd="med">
         <p:fade/>
       </p:transition>
@@ -3189,7 +3229,7 @@
           <a:blip r:embed="rId2" cstate="print">
             <a:extLst>
               <a:ext uri="{28A0092B-C50C-407E-A947-70E740481C1C}">
-                <a14:useLocalDpi xmlns:a14="http://schemas.microsoft.com/office/drawing/2010/main" xmlns="" val="0"/>
+                <a14:useLocalDpi xmlns:a14="http://schemas.microsoft.com/office/drawing/2010/main" val="0"/>
               </a:ext>
             </a:extLst>
           </a:blip>
@@ -3209,7 +3249,7 @@
           <a:noFill/>
           <a:extLst>
             <a:ext uri="{909E8E84-426E-40DD-AFC4-6F175D3DCCD1}">
-              <a14:hiddenFill xmlns:a14="http://schemas.microsoft.com/office/drawing/2010/main" xmlns="">
+              <a14:hiddenFill xmlns:a14="http://schemas.microsoft.com/office/drawing/2010/main">
                 <a:solidFill>
                   <a:srgbClr val="FFFFFF"/>
                 </a:solidFill>
@@ -3370,7 +3410,7 @@
             <a:biLevel thresh="25000"/>
             <a:extLst>
               <a:ext uri="{28A0092B-C50C-407E-A947-70E740481C1C}">
-                <a14:useLocalDpi xmlns:a14="http://schemas.microsoft.com/office/drawing/2010/main" xmlns="" val="0"/>
+                <a14:useLocalDpi xmlns:a14="http://schemas.microsoft.com/office/drawing/2010/main" val="0"/>
               </a:ext>
             </a:extLst>
           </a:blip>
@@ -3388,7 +3428,7 @@
           <a:noFill/>
           <a:extLst>
             <a:ext uri="{909E8E84-426E-40DD-AFC4-6F175D3DCCD1}">
-              <a14:hiddenFill xmlns:a14="http://schemas.microsoft.com/office/drawing/2010/main" xmlns="">
+              <a14:hiddenFill xmlns:a14="http://schemas.microsoft.com/office/drawing/2010/main">
                 <a:solidFill>
                   <a:srgbClr val="FFFFFF"/>
                 </a:solidFill>
@@ -3571,7 +3611,7 @@
           <a:blip r:embed="rId4" cstate="screen">
             <a:extLst>
               <a:ext uri="{28A0092B-C50C-407E-A947-70E740481C1C}">
-                <a14:useLocalDpi xmlns:a14="http://schemas.microsoft.com/office/drawing/2010/main" xmlns="" val="0"/>
+                <a14:useLocalDpi xmlns:a14="http://schemas.microsoft.com/office/drawing/2010/main" val="0"/>
               </a:ext>
             </a:extLst>
           </a:blip>
@@ -3591,7 +3631,7 @@
           <a:noFill/>
           <a:extLst>
             <a:ext uri="{909E8E84-426E-40DD-AFC4-6F175D3DCCD1}">
-              <a14:hiddenFill xmlns:a14="http://schemas.microsoft.com/office/drawing/2010/main" xmlns="">
+              <a14:hiddenFill xmlns:a14="http://schemas.microsoft.com/office/drawing/2010/main">
                 <a:solidFill>
                   <a:srgbClr val="FFFFFF"/>
                 </a:solidFill>
@@ -3648,20 +3688,20 @@
     </p:spTree>
     <p:extLst>
       <p:ext uri="{BB962C8B-B14F-4D97-AF65-F5344CB8AC3E}">
-        <p14:creationId xmlns:p14="http://schemas.microsoft.com/office/powerpoint/2010/main" xmlns="" val="989272615"/>
+        <p14:creationId xmlns:p14="http://schemas.microsoft.com/office/powerpoint/2010/main" val="989272615"/>
       </p:ext>
     </p:extLst>
   </p:cSld>
   <p:clrMapOvr>
     <a:masterClrMapping/>
   </p:clrMapOvr>
-  <mc:AlternateContent xmlns:mc="http://schemas.openxmlformats.org/markup-compatibility/2006">
-    <mc:Choice xmlns:p14="http://schemas.microsoft.com/office/powerpoint/2010/main" xmlns="" Requires="p14">
+  <mc:AlternateContent xmlns:mc="http://schemas.openxmlformats.org/markup-compatibility/2006" xmlns:p14="http://schemas.microsoft.com/office/powerpoint/2010/main">
+    <mc:Choice Requires="p14">
       <p:transition spd="med" p14:dur="700">
         <p:fade/>
       </p:transition>
     </mc:Choice>
-    <mc:Fallback>
+    <mc:Fallback xmlns="">
       <p:transition spd="med">
         <p:fade/>
       </p:transition>
@@ -3928,7 +3968,7 @@
           <a:blip r:embed="rId2" cstate="print">
             <a:extLst>
               <a:ext uri="{28A0092B-C50C-407E-A947-70E740481C1C}">
-                <a14:useLocalDpi xmlns:a14="http://schemas.microsoft.com/office/drawing/2010/main" xmlns="" val="0"/>
+                <a14:useLocalDpi xmlns:a14="http://schemas.microsoft.com/office/drawing/2010/main" val="0"/>
               </a:ext>
             </a:extLst>
           </a:blip>
@@ -3948,7 +3988,7 @@
           <a:noFill/>
           <a:extLst>
             <a:ext uri="{909E8E84-426E-40DD-AFC4-6F175D3DCCD1}">
-              <a14:hiddenFill xmlns:a14="http://schemas.microsoft.com/office/drawing/2010/main" xmlns="">
+              <a14:hiddenFill xmlns:a14="http://schemas.microsoft.com/office/drawing/2010/main">
                 <a:solidFill>
                   <a:srgbClr val="FFFFFF"/>
                 </a:solidFill>
@@ -4109,7 +4149,7 @@
             <a:biLevel thresh="25000"/>
             <a:extLst>
               <a:ext uri="{28A0092B-C50C-407E-A947-70E740481C1C}">
-                <a14:useLocalDpi xmlns:a14="http://schemas.microsoft.com/office/drawing/2010/main" xmlns="" val="0"/>
+                <a14:useLocalDpi xmlns:a14="http://schemas.microsoft.com/office/drawing/2010/main" val="0"/>
               </a:ext>
             </a:extLst>
           </a:blip>
@@ -4127,7 +4167,7 @@
           <a:noFill/>
           <a:extLst>
             <a:ext uri="{909E8E84-426E-40DD-AFC4-6F175D3DCCD1}">
-              <a14:hiddenFill xmlns:a14="http://schemas.microsoft.com/office/drawing/2010/main" xmlns="">
+              <a14:hiddenFill xmlns:a14="http://schemas.microsoft.com/office/drawing/2010/main">
                 <a:solidFill>
                   <a:srgbClr val="FFFFFF"/>
                 </a:solidFill>
@@ -4310,7 +4350,7 @@
           <a:blip r:embed="rId4" cstate="screen">
             <a:extLst>
               <a:ext uri="{28A0092B-C50C-407E-A947-70E740481C1C}">
-                <a14:useLocalDpi xmlns:a14="http://schemas.microsoft.com/office/drawing/2010/main" xmlns="" val="0"/>
+                <a14:useLocalDpi xmlns:a14="http://schemas.microsoft.com/office/drawing/2010/main" val="0"/>
               </a:ext>
             </a:extLst>
           </a:blip>
@@ -4330,7 +4370,7 @@
           <a:noFill/>
           <a:extLst>
             <a:ext uri="{909E8E84-426E-40DD-AFC4-6F175D3DCCD1}">
-              <a14:hiddenFill xmlns:a14="http://schemas.microsoft.com/office/drawing/2010/main" xmlns="">
+              <a14:hiddenFill xmlns:a14="http://schemas.microsoft.com/office/drawing/2010/main">
                 <a:solidFill>
                   <a:srgbClr val="FFFFFF"/>
                 </a:solidFill>
@@ -4387,20 +4427,20 @@
     </p:spTree>
     <p:extLst>
       <p:ext uri="{BB962C8B-B14F-4D97-AF65-F5344CB8AC3E}">
-        <p14:creationId xmlns:p14="http://schemas.microsoft.com/office/powerpoint/2010/main" xmlns="" val="2937120330"/>
+        <p14:creationId xmlns:p14="http://schemas.microsoft.com/office/powerpoint/2010/main" val="2937120330"/>
       </p:ext>
     </p:extLst>
   </p:cSld>
   <p:clrMapOvr>
     <a:masterClrMapping/>
   </p:clrMapOvr>
-  <mc:AlternateContent xmlns:mc="http://schemas.openxmlformats.org/markup-compatibility/2006">
-    <mc:Choice xmlns:p14="http://schemas.microsoft.com/office/powerpoint/2010/main" xmlns="" Requires="p14">
+  <mc:AlternateContent xmlns:mc="http://schemas.openxmlformats.org/markup-compatibility/2006" xmlns:p14="http://schemas.microsoft.com/office/powerpoint/2010/main">
+    <mc:Choice Requires="p14">
       <p:transition spd="med" p14:dur="700">
         <p:fade/>
       </p:transition>
     </mc:Choice>
-    <mc:Fallback>
+    <mc:Fallback xmlns="">
       <p:transition spd="med">
         <p:fade/>
       </p:transition>
@@ -4809,7 +4849,7 @@
           <a:blip r:embed="rId2" cstate="screen">
             <a:extLst>
               <a:ext uri="{28A0092B-C50C-407E-A947-70E740481C1C}">
-                <a14:useLocalDpi xmlns:a14="http://schemas.microsoft.com/office/drawing/2010/main" xmlns="" val="0"/>
+                <a14:useLocalDpi xmlns:a14="http://schemas.microsoft.com/office/drawing/2010/main" val="0"/>
               </a:ext>
             </a:extLst>
           </a:blip>
@@ -4827,7 +4867,7 @@
           <a:noFill/>
           <a:extLst>
             <a:ext uri="{909E8E84-426E-40DD-AFC4-6F175D3DCCD1}">
-              <a14:hiddenFill xmlns:a14="http://schemas.microsoft.com/office/drawing/2010/main" xmlns="">
+              <a14:hiddenFill xmlns:a14="http://schemas.microsoft.com/office/drawing/2010/main">
                 <a:solidFill>
                   <a:srgbClr val="FFFFFF"/>
                 </a:solidFill>
@@ -5010,7 +5050,7 @@
           <a:blip r:embed="rId3" cstate="screen">
             <a:extLst>
               <a:ext uri="{28A0092B-C50C-407E-A947-70E740481C1C}">
-                <a14:useLocalDpi xmlns:a14="http://schemas.microsoft.com/office/drawing/2010/main" xmlns="" val="0"/>
+                <a14:useLocalDpi xmlns:a14="http://schemas.microsoft.com/office/drawing/2010/main" val="0"/>
               </a:ext>
             </a:extLst>
           </a:blip>
@@ -5030,7 +5070,7 @@
           <a:noFill/>
           <a:extLst>
             <a:ext uri="{909E8E84-426E-40DD-AFC4-6F175D3DCCD1}">
-              <a14:hiddenFill xmlns:a14="http://schemas.microsoft.com/office/drawing/2010/main" xmlns="">
+              <a14:hiddenFill xmlns:a14="http://schemas.microsoft.com/office/drawing/2010/main">
                 <a:solidFill>
                   <a:srgbClr val="FFFFFF"/>
                 </a:solidFill>
@@ -5087,20 +5127,20 @@
     </p:spTree>
     <p:extLst>
       <p:ext uri="{BB962C8B-B14F-4D97-AF65-F5344CB8AC3E}">
-        <p14:creationId xmlns:p14="http://schemas.microsoft.com/office/powerpoint/2010/main" xmlns="" val="213690033"/>
+        <p14:creationId xmlns:p14="http://schemas.microsoft.com/office/powerpoint/2010/main" val="213690033"/>
       </p:ext>
     </p:extLst>
   </p:cSld>
   <p:clrMapOvr>
     <a:masterClrMapping/>
   </p:clrMapOvr>
-  <mc:AlternateContent xmlns:mc="http://schemas.openxmlformats.org/markup-compatibility/2006">
-    <mc:Choice xmlns:p14="http://schemas.microsoft.com/office/powerpoint/2010/main" xmlns="" Requires="p14">
+  <mc:AlternateContent xmlns:mc="http://schemas.openxmlformats.org/markup-compatibility/2006" xmlns:p14="http://schemas.microsoft.com/office/powerpoint/2010/main">
+    <mc:Choice Requires="p14">
       <p:transition spd="med" p14:dur="700">
         <p:fade/>
       </p:transition>
     </mc:Choice>
-    <mc:Fallback>
+    <mc:Fallback xmlns="">
       <p:transition spd="med">
         <p:fade/>
       </p:transition>
@@ -5421,20 +5461,20 @@
     </p:spTree>
     <p:extLst>
       <p:ext uri="{BB962C8B-B14F-4D97-AF65-F5344CB8AC3E}">
-        <p14:creationId xmlns:p14="http://schemas.microsoft.com/office/powerpoint/2010/main" xmlns="" val="2890452275"/>
+        <p14:creationId xmlns:p14="http://schemas.microsoft.com/office/powerpoint/2010/main" val="2890452275"/>
       </p:ext>
     </p:extLst>
   </p:cSld>
   <p:clrMapOvr>
     <a:masterClrMapping/>
   </p:clrMapOvr>
-  <mc:AlternateContent xmlns:mc="http://schemas.openxmlformats.org/markup-compatibility/2006">
-    <mc:Choice xmlns:p14="http://schemas.microsoft.com/office/powerpoint/2010/main" xmlns="" Requires="p14">
+  <mc:AlternateContent xmlns:mc="http://schemas.openxmlformats.org/markup-compatibility/2006" xmlns:p14="http://schemas.microsoft.com/office/powerpoint/2010/main">
+    <mc:Choice Requires="p14">
       <p:transition spd="med" p14:dur="700">
         <p:fade/>
       </p:transition>
     </mc:Choice>
-    <mc:Fallback>
+    <mc:Fallback xmlns="">
       <p:transition spd="med">
         <p:fade/>
       </p:transition>
@@ -5671,20 +5711,20 @@
     </p:spTree>
     <p:extLst>
       <p:ext uri="{BB962C8B-B14F-4D97-AF65-F5344CB8AC3E}">
-        <p14:creationId xmlns:p14="http://schemas.microsoft.com/office/powerpoint/2010/main" xmlns="" val="4162102571"/>
+        <p14:creationId xmlns:p14="http://schemas.microsoft.com/office/powerpoint/2010/main" val="4162102571"/>
       </p:ext>
     </p:extLst>
   </p:cSld>
   <p:clrMapOvr>
     <a:masterClrMapping/>
   </p:clrMapOvr>
-  <mc:AlternateContent xmlns:mc="http://schemas.openxmlformats.org/markup-compatibility/2006">
-    <mc:Choice xmlns:p14="http://schemas.microsoft.com/office/powerpoint/2010/main" xmlns="" Requires="p14">
+  <mc:AlternateContent xmlns:mc="http://schemas.openxmlformats.org/markup-compatibility/2006" xmlns:p14="http://schemas.microsoft.com/office/powerpoint/2010/main">
+    <mc:Choice Requires="p14">
       <p:transition spd="med" p14:dur="700">
         <p:fade/>
       </p:transition>
     </mc:Choice>
-    <mc:Fallback>
+    <mc:Fallback xmlns="">
       <p:transition spd="med">
         <p:fade/>
       </p:transition>
@@ -5890,20 +5930,20 @@
     </p:spTree>
     <p:extLst>
       <p:ext uri="{BB962C8B-B14F-4D97-AF65-F5344CB8AC3E}">
-        <p14:creationId xmlns:p14="http://schemas.microsoft.com/office/powerpoint/2010/main" xmlns="" val="4093461912"/>
+        <p14:creationId xmlns:p14="http://schemas.microsoft.com/office/powerpoint/2010/main" val="4093461912"/>
       </p:ext>
     </p:extLst>
   </p:cSld>
   <p:clrMapOvr>
     <a:masterClrMapping/>
   </p:clrMapOvr>
-  <mc:AlternateContent xmlns:mc="http://schemas.openxmlformats.org/markup-compatibility/2006">
-    <mc:Choice xmlns:p14="http://schemas.microsoft.com/office/powerpoint/2010/main" xmlns="" Requires="p14">
+  <mc:AlternateContent xmlns:mc="http://schemas.openxmlformats.org/markup-compatibility/2006" xmlns:p14="http://schemas.microsoft.com/office/powerpoint/2010/main">
+    <mc:Choice Requires="p14">
       <p:transition spd="med" p14:dur="700">
         <p:fade/>
       </p:transition>
     </mc:Choice>
-    <mc:Fallback>
+    <mc:Fallback xmlns="">
       <p:transition spd="med">
         <p:fade/>
       </p:transition>
@@ -5939,20 +5979,20 @@
     </p:spTree>
     <p:extLst>
       <p:ext uri="{BB962C8B-B14F-4D97-AF65-F5344CB8AC3E}">
-        <p14:creationId xmlns:p14="http://schemas.microsoft.com/office/powerpoint/2010/main" xmlns="" val="3649243792"/>
+        <p14:creationId xmlns:p14="http://schemas.microsoft.com/office/powerpoint/2010/main" val="3649243792"/>
       </p:ext>
     </p:extLst>
   </p:cSld>
   <p:clrMapOvr>
     <a:masterClrMapping/>
   </p:clrMapOvr>
-  <mc:AlternateContent xmlns:mc="http://schemas.openxmlformats.org/markup-compatibility/2006">
-    <mc:Choice xmlns:p14="http://schemas.microsoft.com/office/powerpoint/2010/main" xmlns="" Requires="p14">
+  <mc:AlternateContent xmlns:mc="http://schemas.openxmlformats.org/markup-compatibility/2006" xmlns:p14="http://schemas.microsoft.com/office/powerpoint/2010/main">
+    <mc:Choice Requires="p14">
       <p:transition spd="med" p14:dur="700">
         <p:fade/>
       </p:transition>
     </mc:Choice>
-    <mc:Fallback>
+    <mc:Fallback xmlns="">
       <p:transition spd="med">
         <p:fade/>
       </p:transition>
@@ -6285,7 +6325,7 @@
           <a:blip r:embed="rId12" cstate="screen">
             <a:extLst>
               <a:ext uri="{28A0092B-C50C-407E-A947-70E740481C1C}">
-                <a14:useLocalDpi xmlns:a14="http://schemas.microsoft.com/office/drawing/2010/main" xmlns="" val="0"/>
+                <a14:useLocalDpi xmlns:a14="http://schemas.microsoft.com/office/drawing/2010/main" val="0"/>
               </a:ext>
             </a:extLst>
           </a:blip>
@@ -6308,14 +6348,14 @@
           </a:ln>
           <a:extLst>
             <a:ext uri="{909E8E84-426E-40DD-AFC4-6F175D3DCCD1}">
-              <a14:hiddenFill xmlns:a14="http://schemas.microsoft.com/office/drawing/2010/main" xmlns="">
+              <a14:hiddenFill xmlns:a14="http://schemas.microsoft.com/office/drawing/2010/main">
                 <a:solidFill>
                   <a:srgbClr val="FFFFFF"/>
                 </a:solidFill>
               </a14:hiddenFill>
             </a:ext>
             <a:ext uri="{91240B29-F687-4F45-9708-019B960494DF}">
-              <a14:hiddenLine xmlns:a14="http://schemas.microsoft.com/office/drawing/2010/main" xmlns="" w="9525">
+              <a14:hiddenLine xmlns:a14="http://schemas.microsoft.com/office/drawing/2010/main" w="9525">
                 <a:solidFill>
                   <a:srgbClr val="000000"/>
                 </a:solidFill>
@@ -6339,7 +6379,7 @@
           <a:blip r:embed="rId13" cstate="print">
             <a:extLst>
               <a:ext uri="{28A0092B-C50C-407E-A947-70E740481C1C}">
-                <a14:useLocalDpi xmlns:a14="http://schemas.microsoft.com/office/drawing/2010/main" xmlns="" val="0"/>
+                <a14:useLocalDpi xmlns:a14="http://schemas.microsoft.com/office/drawing/2010/main" val="0"/>
               </a:ext>
             </a:extLst>
           </a:blip>
@@ -6362,14 +6402,14 @@
           </a:ln>
           <a:extLst>
             <a:ext uri="{909E8E84-426E-40DD-AFC4-6F175D3DCCD1}">
-              <a14:hiddenFill xmlns:a14="http://schemas.microsoft.com/office/drawing/2010/main" xmlns="">
+              <a14:hiddenFill xmlns:a14="http://schemas.microsoft.com/office/drawing/2010/main">
                 <a:solidFill>
                   <a:srgbClr val="FFFFFF"/>
                 </a:solidFill>
               </a14:hiddenFill>
             </a:ext>
             <a:ext uri="{91240B29-F687-4F45-9708-019B960494DF}">
-              <a14:hiddenLine xmlns:a14="http://schemas.microsoft.com/office/drawing/2010/main" xmlns="" w="9525">
+              <a14:hiddenLine xmlns:a14="http://schemas.microsoft.com/office/drawing/2010/main" w="9525">
                 <a:solidFill>
                   <a:srgbClr val="000000"/>
                 </a:solidFill>
@@ -6384,7 +6424,7 @@
     </p:spTree>
     <p:extLst>
       <p:ext uri="{BB962C8B-B14F-4D97-AF65-F5344CB8AC3E}">
-        <p14:creationId xmlns:p14="http://schemas.microsoft.com/office/powerpoint/2010/main" xmlns="" val="3622514377"/>
+        <p14:creationId xmlns:p14="http://schemas.microsoft.com/office/powerpoint/2010/main" val="3622514377"/>
       </p:ext>
     </p:extLst>
   </p:cSld>
@@ -6401,13 +6441,13 @@
     <p:sldLayoutId id="2147483655" r:id="rId9"/>
     <p:sldLayoutId id="2147483672" r:id="rId10"/>
   </p:sldLayoutIdLst>
-  <mc:AlternateContent xmlns:mc="http://schemas.openxmlformats.org/markup-compatibility/2006">
-    <mc:Choice xmlns:p14="http://schemas.microsoft.com/office/powerpoint/2010/main" xmlns="" Requires="p14">
+  <mc:AlternateContent xmlns:mc="http://schemas.openxmlformats.org/markup-compatibility/2006" xmlns:p14="http://schemas.microsoft.com/office/powerpoint/2010/main">
+    <mc:Choice Requires="p14">
       <p:transition spd="med" p14:dur="700">
         <p:fade/>
       </p:transition>
     </mc:Choice>
-    <mc:Fallback>
+    <mc:Fallback xmlns="">
       <p:transition spd="med">
         <p:fade/>
       </p:transition>
@@ -6738,14 +6778,14 @@
           </a:ln>
           <a:extLst>
             <a:ext uri="{909E8E84-426E-40DD-AFC4-6F175D3DCCD1}">
-              <a14:hiddenFill xmlns:a14="http://schemas.microsoft.com/office/drawing/2010/main" xmlns="">
+              <a14:hiddenFill xmlns:a14="http://schemas.microsoft.com/office/drawing/2010/main">
                 <a:solidFill>
                   <a:srgbClr val="FFFFFF"/>
                 </a:solidFill>
               </a14:hiddenFill>
             </a:ext>
             <a:ext uri="{91240B29-F687-4F45-9708-019B960494DF}">
-              <a14:hiddenLine xmlns:a14="http://schemas.microsoft.com/office/drawing/2010/main" xmlns="" w="9525">
+              <a14:hiddenLine xmlns:a14="http://schemas.microsoft.com/office/drawing/2010/main" w="9525">
                 <a:solidFill>
                   <a:srgbClr val="000000"/>
                 </a:solidFill>
@@ -6865,49 +6905,7 @@
                 <a:latin typeface="Arial Black" pitchFamily="34" charset="0"/>
                 <a:cs typeface="Arial" charset="0"/>
               </a:rPr>
-              <a:t>Home Automation </a:t>
-            </a:r>
-            <a:r>
-              <a:rPr lang="fr-FR" altLang="fr-FR" sz="2400" b="1" dirty="0" smtClean="0">
-                <a:latin typeface="Arial Black" pitchFamily="34" charset="0"/>
-                <a:cs typeface="Arial" charset="0"/>
-              </a:rPr>
-              <a:t>C</a:t>
-            </a:r>
-            <a:r>
-              <a:rPr lang="fr-FR" altLang="fr-FR" sz="2400" b="1" dirty="0" smtClean="0">
-                <a:latin typeface="Arial Black" pitchFamily="34" charset="0"/>
-                <a:cs typeface="Arial" charset="0"/>
-              </a:rPr>
-              <a:t>ontrol </a:t>
-            </a:r>
-            <a:r>
-              <a:rPr lang="fr-FR" altLang="fr-FR" sz="2400" b="1" dirty="0" smtClean="0">
-                <a:latin typeface="Arial Black" pitchFamily="34" charset="0"/>
-                <a:cs typeface="Arial" charset="0"/>
-              </a:rPr>
-              <a:t>I</a:t>
-            </a:r>
-            <a:r>
-              <a:rPr lang="fr-FR" altLang="fr-FR" sz="2400" b="1" dirty="0" smtClean="0">
-                <a:latin typeface="Arial Black" pitchFamily="34" charset="0"/>
-                <a:cs typeface="Arial" charset="0"/>
-              </a:rPr>
-              <a:t>nterface On Windows </a:t>
-            </a:r>
-            <a:r>
-              <a:rPr lang="fr-FR" altLang="fr-FR" sz="2400" b="1" dirty="0" smtClean="0">
-                <a:latin typeface="Arial Black" pitchFamily="34" charset="0"/>
-                <a:cs typeface="Arial" charset="0"/>
-              </a:rPr>
-              <a:t>T</a:t>
-            </a:r>
-            <a:r>
-              <a:rPr lang="fr-FR" altLang="fr-FR" sz="2400" b="1" dirty="0" smtClean="0">
-                <a:latin typeface="Arial Black" pitchFamily="34" charset="0"/>
-                <a:cs typeface="Arial" charset="0"/>
-              </a:rPr>
-              <a:t>ablet</a:t>
+              <a:t>Home Automation Control Interface On Windows Tablet</a:t>
             </a:r>
             <a:endParaRPr lang="fr-FR" altLang="fr-FR" sz="2000" b="1" dirty="0">
               <a:solidFill>
@@ -6921,7 +6919,7 @@
     </p:spTree>
     <p:extLst>
       <p:ext uri="{BB962C8B-B14F-4D97-AF65-F5344CB8AC3E}">
-        <p14:creationId xmlns:p14="http://schemas.microsoft.com/office/powerpoint/2010/main" xmlns="" val="3573369769"/>
+        <p14:creationId xmlns:p14="http://schemas.microsoft.com/office/powerpoint/2010/main" val="3573369769"/>
       </p:ext>
     </p:extLst>
   </p:cSld>
@@ -6968,6 +6966,575 @@
             <p:ph type="title"/>
           </p:nvPr>
         </p:nvSpPr>
+        <p:spPr/>
+        <p:txBody>
+          <a:bodyPr/>
+          <a:lstStyle/>
+          <a:p>
+            <a:pPr algn="ctr"/>
+            <a:r>
+              <a:rPr lang="fr-FR" dirty="0" smtClean="0"/>
+              <a:t>Contents</a:t>
+            </a:r>
+            <a:endParaRPr lang="fr-FR" dirty="0"/>
+          </a:p>
+        </p:txBody>
+      </p:sp>
+      <p:sp>
+        <p:nvSpPr>
+          <p:cNvPr id="3" name="Espace réservé du contenu 2"/>
+          <p:cNvSpPr>
+            <a:spLocks noGrp="1"/>
+          </p:cNvSpPr>
+          <p:nvPr>
+            <p:ph idx="4294967295"/>
+          </p:nvPr>
+        </p:nvSpPr>
+        <p:spPr>
+          <a:xfrm>
+            <a:off x="628650" y="1369219"/>
+            <a:ext cx="7886700" cy="3263504"/>
+          </a:xfrm>
+          <a:prstGeom prst="rect">
+            <a:avLst/>
+          </a:prstGeom>
+        </p:spPr>
+        <p:txBody>
+          <a:bodyPr/>
+          <a:lstStyle/>
+          <a:p>
+            <a:endParaRPr lang="fr-FR" dirty="0" smtClean="0"/>
+          </a:p>
+          <a:p>
+            <a:pPr marL="0" indent="0">
+              <a:buNone/>
+            </a:pPr>
+            <a:r>
+              <a:rPr lang="fr-FR" dirty="0" smtClean="0"/>
+              <a:t>• </a:t>
+            </a:r>
+            <a:r>
+              <a:rPr lang="fr-FR" dirty="0" err="1" smtClean="0"/>
+              <a:t>Context</a:t>
+            </a:r>
+            <a:endParaRPr lang="fr-FR" dirty="0" smtClean="0"/>
+          </a:p>
+          <a:p>
+            <a:pPr marL="0" indent="0">
+              <a:buNone/>
+            </a:pPr>
+            <a:r>
+              <a:rPr lang="fr-FR" dirty="0" smtClean="0"/>
+              <a:t>• </a:t>
+            </a:r>
+            <a:r>
+              <a:rPr lang="fr-FR" dirty="0" err="1" smtClean="0"/>
+              <a:t>Pre-study</a:t>
+            </a:r>
+            <a:endParaRPr lang="fr-FR" dirty="0" smtClean="0"/>
+          </a:p>
+          <a:p>
+            <a:pPr marL="0" indent="0">
+              <a:buNone/>
+            </a:pPr>
+            <a:r>
+              <a:rPr lang="fr-FR" dirty="0" smtClean="0"/>
+              <a:t>• </a:t>
+            </a:r>
+            <a:r>
+              <a:rPr lang="fr-FR" dirty="0" err="1" smtClean="0"/>
+              <a:t>Specifications</a:t>
+            </a:r>
+            <a:endParaRPr lang="fr-FR" dirty="0" smtClean="0"/>
+          </a:p>
+        </p:txBody>
+      </p:sp>
+    </p:spTree>
+    <p:extLst>
+      <p:ext uri="{BB962C8B-B14F-4D97-AF65-F5344CB8AC3E}">
+        <p14:creationId xmlns:p14="http://schemas.microsoft.com/office/powerpoint/2010/main" val="3396826098"/>
+      </p:ext>
+    </p:extLst>
+  </p:cSld>
+  <p:clrMapOvr>
+    <a:masterClrMapping/>
+  </p:clrMapOvr>
+  <mc:AlternateContent xmlns:mc="http://schemas.openxmlformats.org/markup-compatibility/2006" xmlns:p14="http://schemas.microsoft.com/office/powerpoint/2010/main">
+    <mc:Choice Requires="p14">
+      <p:transition spd="med" p14:dur="700">
+        <p:fade/>
+      </p:transition>
+    </mc:Choice>
+    <mc:Fallback xmlns="">
+      <p:transition spd="med">
+        <p:fade/>
+      </p:transition>
+    </mc:Fallback>
+  </mc:AlternateContent>
+</p:sld>
+</file>
+
+<file path=ppt/slides/slide3.xml><?xml version="1.0" encoding="utf-8"?>
+<p:sld xmlns:a="http://schemas.openxmlformats.org/drawingml/2006/main" xmlns:r="http://schemas.openxmlformats.org/officeDocument/2006/relationships" xmlns:p="http://schemas.openxmlformats.org/presentationml/2006/main">
+  <p:cSld>
+    <p:spTree>
+      <p:nvGrpSpPr>
+        <p:cNvPr id="1" name=""/>
+        <p:cNvGrpSpPr/>
+        <p:nvPr/>
+      </p:nvGrpSpPr>
+      <p:grpSpPr>
+        <a:xfrm>
+          <a:off x="0" y="0"/>
+          <a:ext cx="0" cy="0"/>
+          <a:chOff x="0" y="0"/>
+          <a:chExt cx="0" cy="0"/>
+        </a:xfrm>
+      </p:grpSpPr>
+      <p:sp>
+        <p:nvSpPr>
+          <p:cNvPr id="2" name="Titre 1"/>
+          <p:cNvSpPr>
+            <a:spLocks noGrp="1"/>
+          </p:cNvSpPr>
+          <p:nvPr>
+            <p:ph type="title"/>
+          </p:nvPr>
+        </p:nvSpPr>
+        <p:spPr/>
+        <p:txBody>
+          <a:bodyPr/>
+          <a:lstStyle/>
+          <a:p>
+            <a:pPr algn="ctr"/>
+            <a:r>
+              <a:rPr lang="fr-FR" dirty="0" err="1" smtClean="0"/>
+              <a:t>Context</a:t>
+            </a:r>
+            <a:endParaRPr lang="fr-FR" dirty="0"/>
+          </a:p>
+        </p:txBody>
+      </p:sp>
+      <p:sp>
+        <p:nvSpPr>
+          <p:cNvPr id="3" name="Espace réservé du contenu 2"/>
+          <p:cNvSpPr>
+            <a:spLocks noGrp="1"/>
+          </p:cNvSpPr>
+          <p:nvPr>
+            <p:ph idx="4294967295"/>
+          </p:nvPr>
+        </p:nvSpPr>
+        <p:spPr>
+          <a:xfrm>
+            <a:off x="628650" y="1369219"/>
+            <a:ext cx="7886700" cy="3263504"/>
+          </a:xfrm>
+          <a:prstGeom prst="rect">
+            <a:avLst/>
+          </a:prstGeom>
+        </p:spPr>
+        <p:txBody>
+          <a:bodyPr/>
+          <a:lstStyle/>
+          <a:p>
+            <a:r>
+              <a:rPr lang="fr-FR" dirty="0" err="1" smtClean="0"/>
+              <a:t>Need</a:t>
+            </a:r>
+            <a:r>
+              <a:rPr lang="fr-FR" dirty="0" smtClean="0"/>
+              <a:t> of a simple interface for </a:t>
+            </a:r>
+            <a:r>
+              <a:rPr lang="fr-FR" dirty="0" err="1" smtClean="0"/>
+              <a:t>disabled</a:t>
+            </a:r>
+            <a:r>
+              <a:rPr lang="fr-FR" dirty="0" smtClean="0"/>
+              <a:t> people</a:t>
+            </a:r>
+          </a:p>
+          <a:p>
+            <a:r>
+              <a:rPr lang="fr-FR" dirty="0" err="1" smtClean="0"/>
+              <a:t>Existing</a:t>
+            </a:r>
+            <a:r>
+              <a:rPr lang="fr-FR" dirty="0" smtClean="0"/>
+              <a:t> solutions but </a:t>
+            </a:r>
+            <a:r>
+              <a:rPr lang="fr-FR" dirty="0" err="1" smtClean="0"/>
+              <a:t>too</a:t>
+            </a:r>
+            <a:r>
+              <a:rPr lang="fr-FR" dirty="0" smtClean="0"/>
+              <a:t> </a:t>
+            </a:r>
+            <a:r>
+              <a:rPr lang="fr-FR" dirty="0" err="1" smtClean="0"/>
+              <a:t>complex</a:t>
+            </a:r>
+            <a:r>
+              <a:rPr lang="fr-FR" dirty="0" smtClean="0"/>
+              <a:t> and </a:t>
+            </a:r>
+            <a:r>
+              <a:rPr lang="fr-FR" dirty="0" err="1" smtClean="0"/>
+              <a:t>inadapted</a:t>
+            </a:r>
+            <a:endParaRPr lang="fr-FR" dirty="0" smtClean="0"/>
+          </a:p>
+          <a:p>
+            <a:r>
+              <a:rPr lang="fr-FR" dirty="0" err="1" smtClean="0"/>
+              <a:t>Knowledge</a:t>
+            </a:r>
+            <a:r>
+              <a:rPr lang="fr-FR" dirty="0" smtClean="0"/>
+              <a:t> </a:t>
+            </a:r>
+            <a:r>
+              <a:rPr lang="fr-FR" dirty="0" err="1" smtClean="0"/>
+              <a:t>transfer</a:t>
+            </a:r>
+            <a:r>
+              <a:rPr lang="fr-FR" dirty="0" smtClean="0"/>
+              <a:t> </a:t>
+            </a:r>
+            <a:r>
+              <a:rPr lang="fr-FR" dirty="0" err="1" smtClean="0"/>
+              <a:t>from</a:t>
+            </a:r>
+            <a:r>
+              <a:rPr lang="fr-FR" dirty="0" smtClean="0"/>
+              <a:t> </a:t>
+            </a:r>
+            <a:r>
+              <a:rPr lang="fr-FR" dirty="0" err="1" smtClean="0"/>
+              <a:t>Insa</a:t>
+            </a:r>
+            <a:r>
+              <a:rPr lang="fr-FR" dirty="0" smtClean="0"/>
+              <a:t> to </a:t>
+            </a:r>
+            <a:r>
+              <a:rPr lang="fr-FR" dirty="0" err="1" smtClean="0"/>
+              <a:t>Ergovie</a:t>
+            </a:r>
+            <a:endParaRPr lang="fr-FR" dirty="0" smtClean="0"/>
+          </a:p>
+          <a:p>
+            <a:r>
+              <a:rPr lang="fr-FR" dirty="0" err="1" smtClean="0"/>
+              <a:t>Ergovie</a:t>
+            </a:r>
+            <a:r>
+              <a:rPr lang="fr-FR" dirty="0" smtClean="0"/>
+              <a:t> </a:t>
+            </a:r>
+            <a:r>
+              <a:rPr lang="fr-FR" dirty="0" err="1" smtClean="0"/>
+              <a:t>is</a:t>
+            </a:r>
+            <a:r>
+              <a:rPr lang="fr-FR" dirty="0" smtClean="0"/>
+              <a:t> a Breton society </a:t>
+            </a:r>
+            <a:r>
+              <a:rPr lang="fr-FR" dirty="0" err="1" smtClean="0"/>
+              <a:t>who</a:t>
+            </a:r>
+            <a:r>
+              <a:rPr lang="fr-FR" dirty="0" smtClean="0"/>
+              <a:t> </a:t>
+            </a:r>
+            <a:r>
+              <a:rPr lang="fr-FR" dirty="0" err="1" smtClean="0"/>
+              <a:t>sells</a:t>
+            </a:r>
+            <a:r>
+              <a:rPr lang="fr-FR" dirty="0" smtClean="0"/>
+              <a:t> and </a:t>
+            </a:r>
+            <a:r>
+              <a:rPr lang="fr-FR" dirty="0" err="1" smtClean="0"/>
+              <a:t>repairs</a:t>
+            </a:r>
+            <a:r>
+              <a:rPr lang="fr-FR" dirty="0" smtClean="0"/>
+              <a:t> </a:t>
+            </a:r>
+            <a:r>
+              <a:rPr lang="fr-FR" dirty="0" err="1" smtClean="0"/>
+              <a:t>wheelchairs</a:t>
+            </a:r>
+            <a:r>
+              <a:rPr lang="fr-FR" dirty="0" smtClean="0"/>
+              <a:t>. </a:t>
+            </a:r>
+            <a:r>
+              <a:rPr lang="fr-FR" dirty="0" err="1" smtClean="0"/>
+              <a:t>They</a:t>
+            </a:r>
+            <a:r>
+              <a:rPr lang="fr-FR" dirty="0" smtClean="0"/>
+              <a:t> </a:t>
+            </a:r>
+            <a:r>
+              <a:rPr lang="fr-FR" dirty="0" err="1" smtClean="0"/>
+              <a:t>recently</a:t>
+            </a:r>
+            <a:r>
+              <a:rPr lang="fr-FR" dirty="0" smtClean="0"/>
+              <a:t> </a:t>
+            </a:r>
+            <a:r>
+              <a:rPr lang="fr-FR" dirty="0" err="1" smtClean="0"/>
+              <a:t>begin</a:t>
+            </a:r>
+            <a:r>
+              <a:rPr lang="fr-FR" dirty="0" smtClean="0"/>
+              <a:t> to </a:t>
+            </a:r>
+            <a:r>
+              <a:rPr lang="fr-FR" dirty="0" err="1" smtClean="0"/>
+              <a:t>develop</a:t>
+            </a:r>
+            <a:r>
+              <a:rPr lang="fr-FR" dirty="0" smtClean="0"/>
+              <a:t> </a:t>
+            </a:r>
+            <a:r>
+              <a:rPr lang="fr-FR" dirty="0" err="1" smtClean="0"/>
+              <a:t>domotic</a:t>
+            </a:r>
+            <a:r>
+              <a:rPr lang="fr-FR" dirty="0" smtClean="0"/>
+              <a:t> solutions.</a:t>
+            </a:r>
+            <a:endParaRPr lang="fr-FR" dirty="0"/>
+          </a:p>
+        </p:txBody>
+      </p:sp>
+    </p:spTree>
+    <p:extLst>
+      <p:ext uri="{BB962C8B-B14F-4D97-AF65-F5344CB8AC3E}">
+        <p14:creationId xmlns:p14="http://schemas.microsoft.com/office/powerpoint/2010/main" val="3570722297"/>
+      </p:ext>
+    </p:extLst>
+  </p:cSld>
+  <p:clrMapOvr>
+    <a:masterClrMapping/>
+  </p:clrMapOvr>
+  <mc:AlternateContent xmlns:mc="http://schemas.openxmlformats.org/markup-compatibility/2006" xmlns:p14="http://schemas.microsoft.com/office/powerpoint/2010/main">
+    <mc:Choice Requires="p14">
+      <p:transition spd="med" p14:dur="700">
+        <p:fade/>
+      </p:transition>
+    </mc:Choice>
+    <mc:Fallback xmlns="">
+      <p:transition spd="med">
+        <p:fade/>
+      </p:transition>
+    </mc:Fallback>
+  </mc:AlternateContent>
+</p:sld>
+</file>
+
+<file path=ppt/slides/slide4.xml><?xml version="1.0" encoding="utf-8"?>
+<p:sld xmlns:a="http://schemas.openxmlformats.org/drawingml/2006/main" xmlns:r="http://schemas.openxmlformats.org/officeDocument/2006/relationships" xmlns:p="http://schemas.openxmlformats.org/presentationml/2006/main">
+  <p:cSld>
+    <p:spTree>
+      <p:nvGrpSpPr>
+        <p:cNvPr id="1" name=""/>
+        <p:cNvGrpSpPr/>
+        <p:nvPr/>
+      </p:nvGrpSpPr>
+      <p:grpSpPr>
+        <a:xfrm>
+          <a:off x="0" y="0"/>
+          <a:ext cx="0" cy="0"/>
+          <a:chOff x="0" y="0"/>
+          <a:chExt cx="0" cy="0"/>
+        </a:xfrm>
+      </p:grpSpPr>
+      <p:sp>
+        <p:nvSpPr>
+          <p:cNvPr id="2" name="Titre 1"/>
+          <p:cNvSpPr>
+            <a:spLocks noGrp="1"/>
+          </p:cNvSpPr>
+          <p:nvPr>
+            <p:ph type="title"/>
+          </p:nvPr>
+        </p:nvSpPr>
+        <p:spPr/>
+        <p:txBody>
+          <a:bodyPr/>
+          <a:lstStyle/>
+          <a:p>
+            <a:pPr algn="ctr"/>
+            <a:r>
+              <a:rPr lang="fr-FR" dirty="0" err="1" smtClean="0"/>
+              <a:t>Pre-study</a:t>
+            </a:r>
+            <a:endParaRPr lang="fr-FR" dirty="0"/>
+          </a:p>
+        </p:txBody>
+      </p:sp>
+      <p:sp>
+        <p:nvSpPr>
+          <p:cNvPr id="3" name="Espace réservé du contenu 2"/>
+          <p:cNvSpPr>
+            <a:spLocks noGrp="1"/>
+          </p:cNvSpPr>
+          <p:nvPr>
+            <p:ph idx="4294967295"/>
+          </p:nvPr>
+        </p:nvSpPr>
+        <p:spPr>
+          <a:xfrm>
+            <a:off x="628650" y="1369219"/>
+            <a:ext cx="7886700" cy="3263504"/>
+          </a:xfrm>
+          <a:prstGeom prst="rect">
+            <a:avLst/>
+          </a:prstGeom>
+        </p:spPr>
+        <p:txBody>
+          <a:bodyPr/>
+          <a:lstStyle/>
+          <a:p>
+            <a:r>
+              <a:rPr lang="fr-FR" dirty="0" smtClean="0"/>
+              <a:t>Interface in </a:t>
+            </a:r>
+            <a:r>
+              <a:rPr lang="fr-FR" dirty="0" err="1" smtClean="0"/>
+              <a:t>XaML</a:t>
+            </a:r>
+            <a:r>
+              <a:rPr lang="fr-FR" dirty="0" smtClean="0"/>
+              <a:t>, C#</a:t>
+            </a:r>
+          </a:p>
+          <a:p>
+            <a:r>
+              <a:rPr lang="fr-FR" dirty="0" err="1" smtClean="0"/>
+              <a:t>Algorithm</a:t>
+            </a:r>
+            <a:r>
+              <a:rPr lang="fr-FR" dirty="0" smtClean="0"/>
+              <a:t> in C++</a:t>
+            </a:r>
+          </a:p>
+          <a:p>
+            <a:r>
+              <a:rPr lang="fr-FR" dirty="0" smtClean="0"/>
+              <a:t>API to control </a:t>
+            </a:r>
+            <a:r>
+              <a:rPr lang="fr-FR" dirty="0" err="1" smtClean="0"/>
+              <a:t>Kira</a:t>
+            </a:r>
+            <a:r>
+              <a:rPr lang="fr-FR" dirty="0" smtClean="0"/>
+              <a:t> : (</a:t>
+            </a:r>
+            <a:r>
+              <a:rPr lang="fr-FR" dirty="0" err="1" smtClean="0"/>
+              <a:t>protocol</a:t>
+            </a:r>
+            <a:r>
+              <a:rPr lang="fr-FR" dirty="0" smtClean="0"/>
+              <a:t> HTTP)</a:t>
+            </a:r>
+          </a:p>
+          <a:p>
+            <a:r>
+              <a:rPr lang="fr-FR" dirty="0" smtClean="0"/>
+              <a:t>API to control </a:t>
+            </a:r>
+            <a:r>
+              <a:rPr lang="fr-FR" dirty="0" err="1" smtClean="0"/>
+              <a:t>Fibaro</a:t>
+            </a:r>
+            <a:r>
+              <a:rPr lang="fr-FR" dirty="0" smtClean="0"/>
+              <a:t> : (</a:t>
+            </a:r>
+            <a:r>
+              <a:rPr lang="fr-FR" dirty="0" err="1" smtClean="0"/>
+              <a:t>protocol</a:t>
+            </a:r>
+            <a:r>
+              <a:rPr lang="fr-FR" dirty="0" smtClean="0"/>
+              <a:t> HTTP)</a:t>
+            </a:r>
+          </a:p>
+          <a:p>
+            <a:r>
+              <a:rPr lang="fr-FR" smtClean="0"/>
+              <a:t>API Bluetooth :</a:t>
+            </a:r>
+            <a:endParaRPr lang="fr-FR" dirty="0"/>
+          </a:p>
+        </p:txBody>
+      </p:sp>
+    </p:spTree>
+    <p:extLst>
+      <p:ext uri="{BB962C8B-B14F-4D97-AF65-F5344CB8AC3E}">
+        <p14:creationId xmlns:p14="http://schemas.microsoft.com/office/powerpoint/2010/main" val="557608675"/>
+      </p:ext>
+    </p:extLst>
+  </p:cSld>
+  <p:clrMapOvr>
+    <a:masterClrMapping/>
+  </p:clrMapOvr>
+  <mc:AlternateContent xmlns:mc="http://schemas.openxmlformats.org/markup-compatibility/2006" xmlns:p14="http://schemas.microsoft.com/office/powerpoint/2010/main">
+    <mc:Choice Requires="p14">
+      <p:transition spd="med" p14:dur="700">
+        <p:fade/>
+      </p:transition>
+    </mc:Choice>
+    <mc:Fallback xmlns="">
+      <p:transition spd="med">
+        <p:fade/>
+      </p:transition>
+    </mc:Fallback>
+  </mc:AlternateContent>
+</p:sld>
+</file>
+
+<file path=ppt/slides/slide5.xml><?xml version="1.0" encoding="utf-8"?>
+<p:sld xmlns:a="http://schemas.openxmlformats.org/drawingml/2006/main" xmlns:r="http://schemas.openxmlformats.org/officeDocument/2006/relationships" xmlns:p="http://schemas.openxmlformats.org/presentationml/2006/main">
+  <p:cSld>
+    <p:spTree>
+      <p:nvGrpSpPr>
+        <p:cNvPr id="1" name=""/>
+        <p:cNvGrpSpPr/>
+        <p:nvPr/>
+      </p:nvGrpSpPr>
+      <p:grpSpPr>
+        <a:xfrm>
+          <a:off x="0" y="0"/>
+          <a:ext cx="0" cy="0"/>
+          <a:chOff x="0" y="0"/>
+          <a:chExt cx="0" cy="0"/>
+        </a:xfrm>
+      </p:grpSpPr>
+      <p:sp>
+        <p:nvSpPr>
+          <p:cNvPr id="2" name="Titre 1"/>
+          <p:cNvSpPr>
+            <a:spLocks noGrp="1"/>
+          </p:cNvSpPr>
+          <p:nvPr>
+            <p:ph type="title"/>
+          </p:nvPr>
+        </p:nvSpPr>
         <p:spPr>
           <a:xfrm>
             <a:off x="1647753" y="150829"/>
@@ -7016,14 +7583,14 @@
             <p:ph idx="4294967295"/>
             <p:extLst>
               <p:ext uri="{D42A27DB-BD31-4B8C-83A1-F6EECF244321}">
-                <p14:modId xmlns:p14="http://schemas.microsoft.com/office/powerpoint/2010/main" xmlns="" val="1084669368"/>
+                <p14:modId xmlns:p14="http://schemas.microsoft.com/office/powerpoint/2010/main" val="1084669368"/>
               </p:ext>
             </p:extLst>
           </p:nvPr>
         </p:nvGraphicFramePr>
         <p:xfrm>
           <a:off x="301658" y="954370"/>
-          <a:ext cx="7744798" cy="3323840"/>
+          <a:ext cx="7744798" cy="3389626"/>
         </p:xfrm>
         <a:graphic>
           <a:graphicData uri="http://schemas.openxmlformats.org/drawingml/2006/table">
@@ -8329,7 +8896,7 @@
     </p:spTree>
     <p:extLst>
       <p:ext uri="{BB962C8B-B14F-4D97-AF65-F5344CB8AC3E}">
-        <p14:creationId xmlns:p14="http://schemas.microsoft.com/office/powerpoint/2010/main" xmlns="" val="1423668841"/>
+        <p14:creationId xmlns:p14="http://schemas.microsoft.com/office/powerpoint/2010/main" val="1423668841"/>
       </p:ext>
     </p:extLst>
   </p:cSld>
@@ -8349,7 +8916,7 @@
 </p:sld>
 </file>
 
-<file path=ppt/slides/slide3.xml><?xml version="1.0" encoding="utf-8"?>
+<file path=ppt/slides/slide6.xml><?xml version="1.0" encoding="utf-8"?>
 <p:sld xmlns:a="http://schemas.openxmlformats.org/drawingml/2006/main" xmlns:r="http://schemas.openxmlformats.org/officeDocument/2006/relationships" xmlns:p="http://schemas.openxmlformats.org/presentationml/2006/main">
   <p:cSld>
     <p:spTree>
@@ -8839,7 +9406,7 @@
     </p:spTree>
     <p:extLst>
       <p:ext uri="{BB962C8B-B14F-4D97-AF65-F5344CB8AC3E}">
-        <p14:creationId xmlns:p14="http://schemas.microsoft.com/office/powerpoint/2010/main" xmlns="" val="3784822421"/>
+        <p14:creationId xmlns:p14="http://schemas.microsoft.com/office/powerpoint/2010/main" val="3784822421"/>
       </p:ext>
     </p:extLst>
   </p:cSld>
@@ -8856,6 +9423,176 @@
       </p:par>
     </p:tnLst>
   </p:timing>
+</p:sld>
+</file>
+
+<file path=ppt/slides/slide7.xml><?xml version="1.0" encoding="utf-8"?>
+<p:sld xmlns:a="http://schemas.openxmlformats.org/drawingml/2006/main" xmlns:r="http://schemas.openxmlformats.org/officeDocument/2006/relationships" xmlns:p="http://schemas.openxmlformats.org/presentationml/2006/main">
+  <p:cSld>
+    <p:spTree>
+      <p:nvGrpSpPr>
+        <p:cNvPr id="1" name=""/>
+        <p:cNvGrpSpPr/>
+        <p:nvPr/>
+      </p:nvGrpSpPr>
+      <p:grpSpPr>
+        <a:xfrm>
+          <a:off x="0" y="0"/>
+          <a:ext cx="0" cy="0"/>
+          <a:chOff x="0" y="0"/>
+          <a:chExt cx="0" cy="0"/>
+        </a:xfrm>
+      </p:grpSpPr>
+      <p:sp>
+        <p:nvSpPr>
+          <p:cNvPr id="4" name="Titre 3"/>
+          <p:cNvSpPr>
+            <a:spLocks noGrp="1"/>
+          </p:cNvSpPr>
+          <p:nvPr>
+            <p:ph type="title"/>
+          </p:nvPr>
+        </p:nvSpPr>
+        <p:spPr/>
+        <p:txBody>
+          <a:bodyPr/>
+          <a:lstStyle/>
+          <a:p>
+            <a:pPr algn="ctr"/>
+            <a:r>
+              <a:rPr lang="fr-FR" dirty="0" err="1" smtClean="0"/>
+              <a:t>Specifications</a:t>
+            </a:r>
+            <a:endParaRPr lang="fr-FR" dirty="0"/>
+          </a:p>
+        </p:txBody>
+      </p:sp>
+      <p:sp>
+        <p:nvSpPr>
+          <p:cNvPr id="5" name="Espace réservé du contenu 4"/>
+          <p:cNvSpPr>
+            <a:spLocks noGrp="1"/>
+          </p:cNvSpPr>
+          <p:nvPr>
+            <p:ph idx="4294967295"/>
+          </p:nvPr>
+        </p:nvSpPr>
+        <p:spPr>
+          <a:xfrm>
+            <a:off x="628650" y="1369219"/>
+            <a:ext cx="7886700" cy="3263504"/>
+          </a:xfrm>
+          <a:prstGeom prst="rect">
+            <a:avLst/>
+          </a:prstGeom>
+        </p:spPr>
+        <p:txBody>
+          <a:bodyPr/>
+          <a:lstStyle/>
+          <a:p>
+            <a:r>
+              <a:rPr lang="fr-FR" dirty="0" err="1" smtClean="0"/>
+              <a:t>Enabling</a:t>
+            </a:r>
+            <a:r>
+              <a:rPr lang="fr-FR" dirty="0" smtClean="0"/>
+              <a:t> people to switch on/off machines</a:t>
+            </a:r>
+          </a:p>
+          <a:p>
+            <a:r>
+              <a:rPr lang="fr-FR" dirty="0" err="1" smtClean="0"/>
+              <a:t>Adapted</a:t>
+            </a:r>
+            <a:r>
+              <a:rPr lang="fr-FR" dirty="0" smtClean="0"/>
+              <a:t> to </a:t>
+            </a:r>
+            <a:r>
+              <a:rPr lang="fr-FR" dirty="0" err="1" smtClean="0"/>
+              <a:t>users</a:t>
+            </a:r>
+            <a:endParaRPr lang="fr-FR" dirty="0" smtClean="0"/>
+          </a:p>
+          <a:p>
+            <a:r>
+              <a:rPr lang="fr-FR" dirty="0" smtClean="0"/>
+              <a:t>A « scrolling » mode (traduction à revoir)</a:t>
+            </a:r>
+          </a:p>
+          <a:p>
+            <a:r>
+              <a:rPr lang="fr-FR" dirty="0" smtClean="0"/>
+              <a:t>Configuration </a:t>
+            </a:r>
+            <a:r>
+              <a:rPr lang="fr-FR" dirty="0" err="1" smtClean="0"/>
+              <a:t>available</a:t>
+            </a:r>
+            <a:r>
+              <a:rPr lang="fr-FR" dirty="0" smtClean="0"/>
+              <a:t>, </a:t>
+            </a:r>
+            <a:r>
+              <a:rPr lang="fr-FR" dirty="0" err="1" smtClean="0"/>
+              <a:t>only</a:t>
+            </a:r>
+            <a:r>
+              <a:rPr lang="fr-FR" dirty="0" smtClean="0"/>
+              <a:t> for </a:t>
+            </a:r>
+            <a:r>
+              <a:rPr lang="fr-FR" dirty="0" err="1" smtClean="0"/>
+              <a:t>technician</a:t>
+            </a:r>
+            <a:endParaRPr lang="fr-FR" dirty="0" smtClean="0"/>
+          </a:p>
+          <a:p>
+            <a:r>
+              <a:rPr lang="fr-FR" dirty="0" smtClean="0"/>
+              <a:t>Feedback </a:t>
+            </a:r>
+            <a:r>
+              <a:rPr lang="fr-FR" dirty="0" err="1" smtClean="0"/>
+              <a:t>from</a:t>
+            </a:r>
+            <a:r>
+              <a:rPr lang="fr-FR" dirty="0" smtClean="0"/>
+              <a:t> the </a:t>
+            </a:r>
+            <a:r>
+              <a:rPr lang="fr-FR" dirty="0" err="1" smtClean="0"/>
+              <a:t>wheelchair</a:t>
+            </a:r>
+            <a:endParaRPr lang="fr-FR" dirty="0" smtClean="0"/>
+          </a:p>
+          <a:p>
+            <a:endParaRPr lang="fr-FR" dirty="0"/>
+          </a:p>
+        </p:txBody>
+      </p:sp>
+    </p:spTree>
+    <p:extLst>
+      <p:ext uri="{BB962C8B-B14F-4D97-AF65-F5344CB8AC3E}">
+        <p14:creationId xmlns:p14="http://schemas.microsoft.com/office/powerpoint/2010/main" val="3387256829"/>
+      </p:ext>
+    </p:extLst>
+  </p:cSld>
+  <p:clrMapOvr>
+    <a:masterClrMapping/>
+  </p:clrMapOvr>
+  <mc:AlternateContent xmlns:mc="http://schemas.openxmlformats.org/markup-compatibility/2006" xmlns:p14="http://schemas.microsoft.com/office/powerpoint/2010/main">
+    <mc:Choice Requires="p14">
+      <p:transition spd="med" p14:dur="700">
+        <p:fade/>
+      </p:transition>
+    </mc:Choice>
+    <mc:Fallback xmlns="">
+      <p:transition spd="med">
+        <p:fade/>
+      </p:transition>
+    </mc:Fallback>
+  </mc:AlternateContent>
 </p:sld>
 </file>
 

--- a/Rendu/Diapo_prototype_janvier.pptx
+++ b/Rendu/Diapo_prototype_janvier.pptx
@@ -5,19 +5,28 @@
     <p:sldMasterId id="2147483648" r:id="rId1"/>
   </p:sldMasterIdLst>
   <p:notesMasterIdLst>
-    <p:notesMasterId r:id="rId9"/>
+    <p:notesMasterId r:id="rId18"/>
   </p:notesMasterIdLst>
   <p:handoutMasterIdLst>
-    <p:handoutMasterId r:id="rId10"/>
+    <p:handoutMasterId r:id="rId19"/>
   </p:handoutMasterIdLst>
   <p:sldIdLst>
     <p:sldId id="284" r:id="rId2"/>
     <p:sldId id="287" r:id="rId3"/>
     <p:sldId id="288" r:id="rId4"/>
-    <p:sldId id="289" r:id="rId5"/>
-    <p:sldId id="285" r:id="rId6"/>
-    <p:sldId id="286" r:id="rId7"/>
-    <p:sldId id="290" r:id="rId8"/>
+    <p:sldId id="291" r:id="rId5"/>
+    <p:sldId id="292" r:id="rId6"/>
+    <p:sldId id="293" r:id="rId7"/>
+    <p:sldId id="295" r:id="rId8"/>
+    <p:sldId id="290" r:id="rId9"/>
+    <p:sldId id="294" r:id="rId10"/>
+    <p:sldId id="289" r:id="rId11"/>
+    <p:sldId id="296" r:id="rId12"/>
+    <p:sldId id="285" r:id="rId13"/>
+    <p:sldId id="286" r:id="rId14"/>
+    <p:sldId id="298" r:id="rId15"/>
+    <p:sldId id="297" r:id="rId16"/>
+    <p:sldId id="299" r:id="rId17"/>
   </p:sldIdLst>
   <p:sldSz cx="9144000" cy="5143500" type="screen16x9"/>
   <p:notesSz cx="6799263" cy="9929813"/>
@@ -6939,7 +6948,7 @@
 </p:sld>
 </file>
 
-<file path=ppt/slides/slide2.xml><?xml version="1.0" encoding="utf-8"?>
+<file path=ppt/slides/slide10.xml><?xml version="1.0" encoding="utf-8"?>
 <p:sld xmlns:a="http://schemas.openxmlformats.org/drawingml/2006/main" xmlns:r="http://schemas.openxmlformats.org/officeDocument/2006/relationships" xmlns:p="http://schemas.openxmlformats.org/presentationml/2006/main">
   <p:cSld>
     <p:spTree>
@@ -6973,8 +6982,8 @@
           <a:p>
             <a:pPr algn="ctr"/>
             <a:r>
-              <a:rPr lang="fr-FR" dirty="0" smtClean="0"/>
-              <a:t>Contents</a:t>
+              <a:rPr lang="fr-FR" dirty="0" err="1" smtClean="0"/>
+              <a:t>Pre-study</a:t>
             </a:r>
             <a:endParaRPr lang="fr-FR" dirty="0"/>
           </a:p>
@@ -7003,56 +7012,97 @@
           <a:bodyPr/>
           <a:lstStyle/>
           <a:p>
+            <a:r>
+              <a:rPr lang="fr-FR" dirty="0" smtClean="0"/>
+              <a:t>Interface in </a:t>
+            </a:r>
+            <a:r>
+              <a:rPr lang="fr-FR" dirty="0" err="1" smtClean="0"/>
+              <a:t>XaML</a:t>
+            </a:r>
+            <a:r>
+              <a:rPr lang="fr-FR" dirty="0" smtClean="0"/>
+              <a:t>, C#</a:t>
+            </a:r>
+          </a:p>
+          <a:p>
+            <a:r>
+              <a:rPr lang="fr-FR" dirty="0" smtClean="0"/>
+              <a:t>Model made</a:t>
+            </a:r>
+            <a:r>
+              <a:rPr lang="fr-FR" dirty="0" smtClean="0"/>
+              <a:t> </a:t>
+            </a:r>
+            <a:r>
+              <a:rPr lang="fr-FR" dirty="0" smtClean="0"/>
+              <a:t>in C++</a:t>
+            </a:r>
+          </a:p>
+          <a:p>
+            <a:r>
+              <a:rPr lang="fr-FR" dirty="0" smtClean="0"/>
+              <a:t>API to control </a:t>
+            </a:r>
+            <a:r>
+              <a:rPr lang="fr-FR" dirty="0" err="1" smtClean="0"/>
+              <a:t>Kira</a:t>
+            </a:r>
+            <a:r>
+              <a:rPr lang="fr-FR" dirty="0" smtClean="0"/>
+              <a:t> : </a:t>
+            </a:r>
+            <a:r>
+              <a:rPr lang="fr-FR" dirty="0" err="1" smtClean="0"/>
+              <a:t>HappyHttp</a:t>
+            </a:r>
+            <a:r>
+              <a:rPr lang="fr-FR" dirty="0" smtClean="0"/>
+              <a:t> (HTTP </a:t>
+            </a:r>
+            <a:r>
+              <a:rPr lang="fr-FR" dirty="0" err="1" smtClean="0"/>
+              <a:t>protocol</a:t>
+            </a:r>
+            <a:r>
+              <a:rPr lang="fr-FR" dirty="0" smtClean="0"/>
+              <a:t>)</a:t>
+            </a:r>
             <a:endParaRPr lang="fr-FR" dirty="0" smtClean="0"/>
           </a:p>
           <a:p>
-            <a:pPr marL="0" indent="0">
-              <a:buNone/>
-            </a:pPr>
             <a:r>
               <a:rPr lang="fr-FR" dirty="0" smtClean="0"/>
-              <a:t>• </a:t>
+              <a:t>API to control </a:t>
             </a:r>
             <a:r>
               <a:rPr lang="fr-FR" dirty="0" err="1" smtClean="0"/>
-              <a:t>Context</a:t>
-            </a:r>
-            <a:endParaRPr lang="fr-FR" dirty="0" smtClean="0"/>
-          </a:p>
-          <a:p>
-            <a:pPr marL="0" indent="0">
-              <a:buNone/>
-            </a:pPr>
+              <a:t>Fibaro</a:t>
+            </a:r>
             <a:r>
               <a:rPr lang="fr-FR" dirty="0" smtClean="0"/>
-              <a:t>• </a:t>
+              <a:t> : </a:t>
+            </a:r>
+            <a:r>
+              <a:rPr lang="fr-FR" dirty="0" smtClean="0"/>
+              <a:t>(HTTP </a:t>
             </a:r>
             <a:r>
               <a:rPr lang="fr-FR" dirty="0" err="1" smtClean="0"/>
-              <a:t>Pre-study</a:t>
-            </a:r>
-            <a:endParaRPr lang="fr-FR" dirty="0" smtClean="0"/>
-          </a:p>
-          <a:p>
-            <a:pPr marL="0" indent="0">
-              <a:buNone/>
-            </a:pPr>
+              <a:t>protocol</a:t>
+            </a:r>
             <a:r>
               <a:rPr lang="fr-FR" dirty="0" smtClean="0"/>
-              <a:t>• </a:t>
-            </a:r>
-            <a:r>
-              <a:rPr lang="fr-FR" dirty="0" err="1" smtClean="0"/>
-              <a:t>Specifications</a:t>
-            </a:r>
-            <a:endParaRPr lang="fr-FR" dirty="0" smtClean="0"/>
+              <a:t>)</a:t>
+            </a:r>
+            <a:endParaRPr lang="fr-FR" dirty="0"/>
           </a:p>
         </p:txBody>
       </p:sp>
     </p:spTree>
     <p:extLst>
       <p:ext uri="{BB962C8B-B14F-4D97-AF65-F5344CB8AC3E}">
-        <p14:creationId xmlns:p14="http://schemas.microsoft.com/office/powerpoint/2010/main" val="3396826098"/>
+        <p14:creationId xmlns:p14="http://schemas.microsoft.com/office/powerpoint/2010/main" val="557608675"/>
       </p:ext>
     </p:extLst>
   </p:cSld>
@@ -7074,7 +7124,7 @@
 </p:sld>
 </file>
 
-<file path=ppt/slides/slide3.xml><?xml version="1.0" encoding="utf-8"?>
+<file path=ppt/slides/slide11.xml><?xml version="1.0" encoding="utf-8"?>
 <p:sld xmlns:a="http://schemas.openxmlformats.org/drawingml/2006/main" xmlns:r="http://schemas.openxmlformats.org/officeDocument/2006/relationships" xmlns:p="http://schemas.openxmlformats.org/presentationml/2006/main">
   <p:cSld>
     <p:spTree>
@@ -7109,7 +7159,7 @@
             <a:pPr algn="ctr"/>
             <a:r>
               <a:rPr lang="fr-FR" dirty="0" err="1" smtClean="0"/>
-              <a:t>Context</a:t>
+              <a:t>Pre-study</a:t>
             </a:r>
             <a:endParaRPr lang="fr-FR" dirty="0"/>
           </a:p>
@@ -7117,224 +7167,93 @@
       </p:sp>
       <p:sp>
         <p:nvSpPr>
-          <p:cNvPr id="3" name="Espace réservé du contenu 2"/>
+          <p:cNvPr id="3" name="Espace réservé du texte 2"/>
           <p:cNvSpPr>
             <a:spLocks noGrp="1"/>
           </p:cNvSpPr>
           <p:nvPr>
-            <p:ph idx="4294967295"/>
+            <p:ph type="body" sz="quarter" idx="10"/>
           </p:nvPr>
         </p:nvSpPr>
-        <p:spPr>
-          <a:xfrm>
-            <a:off x="628650" y="1369219"/>
-            <a:ext cx="7886700" cy="3263504"/>
-          </a:xfrm>
-          <a:prstGeom prst="rect">
-            <a:avLst/>
-          </a:prstGeom>
-        </p:spPr>
+        <p:spPr/>
         <p:txBody>
           <a:bodyPr/>
           <a:lstStyle/>
           <a:p>
             <a:r>
               <a:rPr lang="fr-FR" dirty="0" err="1" smtClean="0"/>
-              <a:t>Need</a:t>
+              <a:t>Programming</a:t>
+            </a:r>
+            <a:endParaRPr lang="fr-FR" dirty="0" smtClean="0"/>
+          </a:p>
+          <a:p>
+            <a:pPr marL="0" indent="0">
+              <a:buNone/>
+            </a:pPr>
+            <a:r>
+              <a:rPr lang="fr-FR" dirty="0"/>
+              <a:t>	</a:t>
             </a:r>
             <a:r>
               <a:rPr lang="fr-FR" dirty="0" smtClean="0"/>
-              <a:t> of a simple interface for </a:t>
-            </a:r>
+              <a:t>Visual </a:t>
+            </a:r>
+            <a:r>
+              <a:rPr lang="fr-FR" dirty="0"/>
+              <a:t>Studio</a:t>
+            </a:r>
+          </a:p>
+          <a:p>
+            <a:endParaRPr lang="fr-FR" dirty="0" smtClean="0"/>
+          </a:p>
+          <a:p>
             <a:r>
               <a:rPr lang="fr-FR" dirty="0" err="1" smtClean="0"/>
-              <a:t>disabled</a:t>
+              <a:t>Versioning</a:t>
+            </a:r>
+            <a:endParaRPr lang="fr-FR" dirty="0" smtClean="0"/>
+          </a:p>
+          <a:p>
+            <a:pPr marL="0" indent="0">
+              <a:buNone/>
+            </a:pPr>
+            <a:r>
+              <a:rPr lang="fr-FR" dirty="0"/>
+              <a:t>	</a:t>
             </a:r>
             <a:r>
               <a:rPr lang="fr-FR" dirty="0" smtClean="0"/>
-              <a:t> people</a:t>
-            </a:r>
-          </a:p>
-          <a:p>
-            <a:r>
-              <a:rPr lang="fr-FR" dirty="0" err="1" smtClean="0"/>
-              <a:t>Existing</a:t>
-            </a:r>
-            <a:r>
-              <a:rPr lang="fr-FR" dirty="0" smtClean="0"/>
-              <a:t> solutions but </a:t>
-            </a:r>
-            <a:r>
-              <a:rPr lang="fr-FR" dirty="0" err="1" smtClean="0"/>
-              <a:t>too</a:t>
-            </a:r>
-            <a:r>
-              <a:rPr lang="fr-FR" dirty="0" smtClean="0"/>
-              <a:t> </a:t>
-            </a:r>
-            <a:r>
-              <a:rPr lang="fr-FR" dirty="0" err="1" smtClean="0"/>
-              <a:t>complex</a:t>
-            </a:r>
-            <a:r>
-              <a:rPr lang="fr-FR" dirty="0" smtClean="0"/>
-              <a:t> and </a:t>
-            </a:r>
-            <a:r>
-              <a:rPr lang="fr-FR" dirty="0" err="1" smtClean="0"/>
-              <a:t>inadapted</a:t>
-            </a:r>
-            <a:endParaRPr lang="fr-FR" dirty="0" smtClean="0"/>
-          </a:p>
-          <a:p>
-            <a:r>
-              <a:rPr lang="fr-FR" dirty="0" err="1" smtClean="0"/>
-              <a:t>Knowledge</a:t>
-            </a:r>
-            <a:r>
-              <a:rPr lang="fr-FR" dirty="0" smtClean="0"/>
-              <a:t> </a:t>
-            </a:r>
-            <a:r>
-              <a:rPr lang="fr-FR" dirty="0" err="1" smtClean="0"/>
-              <a:t>transfer</a:t>
-            </a:r>
-            <a:r>
-              <a:rPr lang="fr-FR" dirty="0" smtClean="0"/>
-              <a:t> </a:t>
-            </a:r>
-            <a:r>
-              <a:rPr lang="fr-FR" dirty="0" err="1" smtClean="0"/>
-              <a:t>from</a:t>
-            </a:r>
-            <a:r>
-              <a:rPr lang="fr-FR" dirty="0" smtClean="0"/>
-              <a:t> </a:t>
-            </a:r>
-            <a:r>
-              <a:rPr lang="fr-FR" dirty="0" err="1" smtClean="0"/>
-              <a:t>Insa</a:t>
-            </a:r>
-            <a:r>
-              <a:rPr lang="fr-FR" dirty="0" smtClean="0"/>
-              <a:t> to </a:t>
-            </a:r>
-            <a:r>
-              <a:rPr lang="fr-FR" dirty="0" err="1" smtClean="0"/>
-              <a:t>Ergovie</a:t>
-            </a:r>
-            <a:endParaRPr lang="fr-FR" dirty="0" smtClean="0"/>
-          </a:p>
-          <a:p>
-            <a:r>
-              <a:rPr lang="fr-FR" dirty="0" err="1" smtClean="0"/>
-              <a:t>Ergovie</a:t>
-            </a:r>
-            <a:r>
-              <a:rPr lang="fr-FR" dirty="0" smtClean="0"/>
-              <a:t> </a:t>
-            </a:r>
-            <a:r>
-              <a:rPr lang="fr-FR" dirty="0" err="1" smtClean="0"/>
-              <a:t>is</a:t>
-            </a:r>
-            <a:r>
-              <a:rPr lang="fr-FR" dirty="0" smtClean="0"/>
-              <a:t> a Breton society </a:t>
-            </a:r>
-            <a:r>
-              <a:rPr lang="fr-FR" dirty="0" err="1" smtClean="0"/>
-              <a:t>who</a:t>
-            </a:r>
-            <a:r>
-              <a:rPr lang="fr-FR" dirty="0" smtClean="0"/>
-              <a:t> </a:t>
-            </a:r>
-            <a:r>
-              <a:rPr lang="fr-FR" dirty="0" err="1" smtClean="0"/>
-              <a:t>sells</a:t>
-            </a:r>
-            <a:r>
-              <a:rPr lang="fr-FR" dirty="0" smtClean="0"/>
-              <a:t> and </a:t>
-            </a:r>
-            <a:r>
-              <a:rPr lang="fr-FR" dirty="0" err="1" smtClean="0"/>
-              <a:t>repairs</a:t>
-            </a:r>
-            <a:r>
-              <a:rPr lang="fr-FR" dirty="0" smtClean="0"/>
-              <a:t> </a:t>
-            </a:r>
-            <a:r>
-              <a:rPr lang="fr-FR" dirty="0" err="1" smtClean="0"/>
-              <a:t>wheelchairs</a:t>
-            </a:r>
-            <a:r>
-              <a:rPr lang="fr-FR" dirty="0" smtClean="0"/>
-              <a:t>. </a:t>
-            </a:r>
-            <a:r>
-              <a:rPr lang="fr-FR" dirty="0" err="1" smtClean="0"/>
-              <a:t>They</a:t>
-            </a:r>
-            <a:r>
-              <a:rPr lang="fr-FR" dirty="0" smtClean="0"/>
-              <a:t> </a:t>
-            </a:r>
-            <a:r>
-              <a:rPr lang="fr-FR" dirty="0" err="1" smtClean="0"/>
-              <a:t>recently</a:t>
-            </a:r>
-            <a:r>
-              <a:rPr lang="fr-FR" dirty="0" smtClean="0"/>
-              <a:t> </a:t>
-            </a:r>
-            <a:r>
-              <a:rPr lang="fr-FR" dirty="0" err="1" smtClean="0"/>
-              <a:t>begin</a:t>
-            </a:r>
-            <a:r>
-              <a:rPr lang="fr-FR" dirty="0" smtClean="0"/>
-              <a:t> to </a:t>
-            </a:r>
-            <a:r>
-              <a:rPr lang="fr-FR" dirty="0" err="1" smtClean="0"/>
-              <a:t>develop</a:t>
-            </a:r>
-            <a:r>
-              <a:rPr lang="fr-FR" dirty="0" smtClean="0"/>
-              <a:t> </a:t>
-            </a:r>
-            <a:r>
-              <a:rPr lang="fr-FR" dirty="0" err="1" smtClean="0"/>
-              <a:t>domotic</a:t>
-            </a:r>
-            <a:r>
-              <a:rPr lang="fr-FR" dirty="0" smtClean="0"/>
-              <a:t> solutions.</a:t>
-            </a:r>
-            <a:endParaRPr lang="fr-FR" dirty="0"/>
+              <a:t>Git</a:t>
+            </a:r>
+          </a:p>
+          <a:p>
+            <a:pPr marL="0" indent="0">
+              <a:buNone/>
+            </a:pPr>
+            <a:r>
+              <a:rPr lang="fr-FR" dirty="0"/>
+              <a:t>	</a:t>
+            </a:r>
           </a:p>
         </p:txBody>
       </p:sp>
     </p:spTree>
     <p:extLst>
       <p:ext uri="{BB962C8B-B14F-4D97-AF65-F5344CB8AC3E}">
-        <p14:creationId xmlns:p14="http://schemas.microsoft.com/office/powerpoint/2010/main" val="3570722297"/>
+        <p14:creationId xmlns:p14="http://schemas.microsoft.com/office/powerpoint/2010/main" val="423255876"/>
       </p:ext>
     </p:extLst>
   </p:cSld>
   <p:clrMapOvr>
     <a:masterClrMapping/>
   </p:clrMapOvr>
-  <mc:AlternateContent xmlns:mc="http://schemas.openxmlformats.org/markup-compatibility/2006" xmlns:p14="http://schemas.microsoft.com/office/powerpoint/2010/main">
-    <mc:Choice Requires="p14">
+  <mc:AlternateContent xmlns:mc="http://schemas.openxmlformats.org/markup-compatibility/2006">
+    <mc:Choice xmlns:p14="http://schemas.microsoft.com/office/powerpoint/2010/main" Requires="p14">
       <p:transition spd="med" p14:dur="700">
         <p:fade/>
       </p:transition>
     </mc:Choice>
-    <mc:Fallback xmlns="">
+    <mc:Fallback>
       <p:transition spd="med">
         <p:fade/>
       </p:transition>
@@ -7343,172 +7262,7 @@
 </p:sld>
 </file>
 
-<file path=ppt/slides/slide4.xml><?xml version="1.0" encoding="utf-8"?>
-<p:sld xmlns:a="http://schemas.openxmlformats.org/drawingml/2006/main" xmlns:r="http://schemas.openxmlformats.org/officeDocument/2006/relationships" xmlns:p="http://schemas.openxmlformats.org/presentationml/2006/main">
-  <p:cSld>
-    <p:spTree>
-      <p:nvGrpSpPr>
-        <p:cNvPr id="1" name=""/>
-        <p:cNvGrpSpPr/>
-        <p:nvPr/>
-      </p:nvGrpSpPr>
-      <p:grpSpPr>
-        <a:xfrm>
-          <a:off x="0" y="0"/>
-          <a:ext cx="0" cy="0"/>
-          <a:chOff x="0" y="0"/>
-          <a:chExt cx="0" cy="0"/>
-        </a:xfrm>
-      </p:grpSpPr>
-      <p:sp>
-        <p:nvSpPr>
-          <p:cNvPr id="2" name="Titre 1"/>
-          <p:cNvSpPr>
-            <a:spLocks noGrp="1"/>
-          </p:cNvSpPr>
-          <p:nvPr>
-            <p:ph type="title"/>
-          </p:nvPr>
-        </p:nvSpPr>
-        <p:spPr/>
-        <p:txBody>
-          <a:bodyPr/>
-          <a:lstStyle/>
-          <a:p>
-            <a:pPr algn="ctr"/>
-            <a:r>
-              <a:rPr lang="fr-FR" dirty="0" err="1" smtClean="0"/>
-              <a:t>Pre-study</a:t>
-            </a:r>
-            <a:endParaRPr lang="fr-FR" dirty="0"/>
-          </a:p>
-        </p:txBody>
-      </p:sp>
-      <p:sp>
-        <p:nvSpPr>
-          <p:cNvPr id="3" name="Espace réservé du contenu 2"/>
-          <p:cNvSpPr>
-            <a:spLocks noGrp="1"/>
-          </p:cNvSpPr>
-          <p:nvPr>
-            <p:ph idx="4294967295"/>
-          </p:nvPr>
-        </p:nvSpPr>
-        <p:spPr>
-          <a:xfrm>
-            <a:off x="628650" y="1369219"/>
-            <a:ext cx="7886700" cy="3263504"/>
-          </a:xfrm>
-          <a:prstGeom prst="rect">
-            <a:avLst/>
-          </a:prstGeom>
-        </p:spPr>
-        <p:txBody>
-          <a:bodyPr/>
-          <a:lstStyle/>
-          <a:p>
-            <a:r>
-              <a:rPr lang="fr-FR" dirty="0" smtClean="0"/>
-              <a:t>Interface in </a:t>
-            </a:r>
-            <a:r>
-              <a:rPr lang="fr-FR" dirty="0" err="1" smtClean="0"/>
-              <a:t>XaML</a:t>
-            </a:r>
-            <a:r>
-              <a:rPr lang="fr-FR" dirty="0" smtClean="0"/>
-              <a:t>, C#</a:t>
-            </a:r>
-          </a:p>
-          <a:p>
-            <a:r>
-              <a:rPr lang="fr-FR" dirty="0" err="1" smtClean="0"/>
-              <a:t>Algorithm</a:t>
-            </a:r>
-            <a:r>
-              <a:rPr lang="fr-FR" dirty="0" smtClean="0"/>
-              <a:t> in C++</a:t>
-            </a:r>
-          </a:p>
-          <a:p>
-            <a:r>
-              <a:rPr lang="fr-FR" dirty="0" smtClean="0"/>
-              <a:t>API to control </a:t>
-            </a:r>
-            <a:r>
-              <a:rPr lang="fr-FR" dirty="0" err="1" smtClean="0"/>
-              <a:t>Kira</a:t>
-            </a:r>
-            <a:r>
-              <a:rPr lang="fr-FR" dirty="0" smtClean="0"/>
-              <a:t> : (</a:t>
-            </a:r>
-            <a:r>
-              <a:rPr lang="fr-FR" dirty="0" err="1" smtClean="0"/>
-              <a:t>protocol</a:t>
-            </a:r>
-            <a:r>
-              <a:rPr lang="fr-FR" dirty="0" smtClean="0"/>
-              <a:t> HTTP)</a:t>
-            </a:r>
-          </a:p>
-          <a:p>
-            <a:r>
-              <a:rPr lang="fr-FR" dirty="0" smtClean="0"/>
-              <a:t>API to control </a:t>
-            </a:r>
-            <a:r>
-              <a:rPr lang="fr-FR" dirty="0" err="1" smtClean="0"/>
-              <a:t>Fibaro</a:t>
-            </a:r>
-            <a:r>
-              <a:rPr lang="fr-FR" dirty="0" smtClean="0"/>
-              <a:t> : (</a:t>
-            </a:r>
-            <a:r>
-              <a:rPr lang="fr-FR" dirty="0" err="1" smtClean="0"/>
-              <a:t>protocol</a:t>
-            </a:r>
-            <a:r>
-              <a:rPr lang="fr-FR" dirty="0" smtClean="0"/>
-              <a:t> HTTP)</a:t>
-            </a:r>
-          </a:p>
-          <a:p>
-            <a:r>
-              <a:rPr lang="fr-FR" smtClean="0"/>
-              <a:t>API Bluetooth :</a:t>
-            </a:r>
-            <a:endParaRPr lang="fr-FR" dirty="0"/>
-          </a:p>
-        </p:txBody>
-      </p:sp>
-    </p:spTree>
-    <p:extLst>
-      <p:ext uri="{BB962C8B-B14F-4D97-AF65-F5344CB8AC3E}">
-        <p14:creationId xmlns:p14="http://schemas.microsoft.com/office/powerpoint/2010/main" val="557608675"/>
-      </p:ext>
-    </p:extLst>
-  </p:cSld>
-  <p:clrMapOvr>
-    <a:masterClrMapping/>
-  </p:clrMapOvr>
-  <mc:AlternateContent xmlns:mc="http://schemas.openxmlformats.org/markup-compatibility/2006" xmlns:p14="http://schemas.microsoft.com/office/powerpoint/2010/main">
-    <mc:Choice Requires="p14">
-      <p:transition spd="med" p14:dur="700">
-        <p:fade/>
-      </p:transition>
-    </mc:Choice>
-    <mc:Fallback xmlns="">
-      <p:transition spd="med">
-        <p:fade/>
-      </p:transition>
-    </mc:Fallback>
-  </mc:AlternateContent>
-</p:sld>
-</file>
-
-<file path=ppt/slides/slide5.xml><?xml version="1.0" encoding="utf-8"?>
+<file path=ppt/slides/slide12.xml><?xml version="1.0" encoding="utf-8"?>
 <p:sld xmlns:a="http://schemas.openxmlformats.org/drawingml/2006/main" xmlns:r="http://schemas.openxmlformats.org/officeDocument/2006/relationships" xmlns:p="http://schemas.openxmlformats.org/presentationml/2006/main">
   <p:cSld>
     <p:spTree>
@@ -7583,7 +7337,7 @@
             <p:ph idx="4294967295"/>
             <p:extLst>
               <p:ext uri="{D42A27DB-BD31-4B8C-83A1-F6EECF244321}">
-                <p14:modId xmlns:p14="http://schemas.microsoft.com/office/powerpoint/2010/main" val="1084669368"/>
+                <p14:modId xmlns:p14="http://schemas.microsoft.com/office/powerpoint/2010/main" val="3807263653"/>
               </p:ext>
             </p:extLst>
           </p:nvPr>
@@ -7905,11 +7659,17 @@
                       </a:pPr>
                       <a:r>
                         <a:rPr lang="fr-FR" sz="1800" dirty="0">
+                          <a:solidFill>
+                            <a:srgbClr val="FF0000"/>
+                          </a:solidFill>
                           <a:effectLst/>
                         </a:rPr>
                         <a:t>C</a:t>
                       </a:r>
                       <a:endParaRPr lang="fr-FR" sz="1800" dirty="0">
+                        <a:solidFill>
+                          <a:srgbClr val="FF0000"/>
+                        </a:solidFill>
                         <a:effectLst/>
                         <a:latin typeface="Calibri" panose="020F0502020204030204" pitchFamily="34" charset="0"/>
                         <a:ea typeface="Calibri" panose="020F0502020204030204" pitchFamily="34" charset="0"/>
@@ -8128,12 +7888,18 @@
                         </a:spcAft>
                       </a:pPr>
                       <a:r>
-                        <a:rPr lang="fr-FR" sz="1800">
+                        <a:rPr lang="fr-FR" sz="1800" dirty="0">
+                          <a:solidFill>
+                            <a:srgbClr val="FF0000"/>
+                          </a:solidFill>
                           <a:effectLst/>
                         </a:rPr>
                         <a:t>C</a:t>
                       </a:r>
-                      <a:endParaRPr lang="fr-FR" sz="1800">
+                      <a:endParaRPr lang="fr-FR" sz="1800" dirty="0">
+                        <a:solidFill>
+                          <a:srgbClr val="FF0000"/>
+                        </a:solidFill>
                         <a:effectLst/>
                         <a:latin typeface="Calibri" panose="020F0502020204030204" pitchFamily="34" charset="0"/>
                         <a:ea typeface="Calibri" panose="020F0502020204030204" pitchFamily="34" charset="0"/>
@@ -8390,12 +8156,33 @@
                         </a:spcAft>
                       </a:pPr>
                       <a:r>
-                        <a:rPr lang="fr-FR" sz="1800">
+                        <a:rPr lang="fr-FR" sz="1800" dirty="0">
+                          <a:solidFill>
+                            <a:srgbClr val="FF0000"/>
+                          </a:solidFill>
                           <a:effectLst/>
                         </a:rPr>
-                        <a:t>C/C++</a:t>
+                        <a:t>C</a:t>
                       </a:r>
-                      <a:endParaRPr lang="fr-FR" sz="1800">
+                      <a:r>
+                        <a:rPr lang="fr-FR" sz="1800" dirty="0">
+                          <a:effectLst/>
+                        </a:rPr>
+                        <a:t>/</a:t>
+                      </a:r>
+                      <a:r>
+                        <a:rPr lang="fr-FR" sz="1800" dirty="0">
+                          <a:solidFill>
+                            <a:srgbClr val="00B050"/>
+                          </a:solidFill>
+                          <a:effectLst/>
+                        </a:rPr>
+                        <a:t>C++</a:t>
+                      </a:r>
+                      <a:endParaRPr lang="fr-FR" sz="1800" dirty="0">
+                        <a:solidFill>
+                          <a:srgbClr val="00B050"/>
+                        </a:solidFill>
                         <a:effectLst/>
                         <a:latin typeface="Calibri" panose="020F0502020204030204" pitchFamily="34" charset="0"/>
                         <a:ea typeface="Calibri" panose="020F0502020204030204" pitchFamily="34" charset="0"/>
@@ -8640,6 +8427,9 @@
                       </a:pPr>
                       <a:r>
                         <a:rPr lang="fr-FR" sz="1800" dirty="0" smtClean="0">
+                          <a:solidFill>
+                            <a:srgbClr val="00B050"/>
+                          </a:solidFill>
                           <a:effectLst/>
                           <a:latin typeface="Calibri" panose="020F0502020204030204" pitchFamily="34" charset="0"/>
                           <a:ea typeface="Calibri" panose="020F0502020204030204" pitchFamily="34" charset="0"/>
@@ -8648,6 +8438,9 @@
                         <a:t>C++</a:t>
                       </a:r>
                       <a:endParaRPr lang="fr-FR" sz="1800" dirty="0">
+                        <a:solidFill>
+                          <a:srgbClr val="00B050"/>
+                        </a:solidFill>
                         <a:effectLst/>
                         <a:latin typeface="Calibri" panose="020F0502020204030204" pitchFamily="34" charset="0"/>
                         <a:ea typeface="Calibri" panose="020F0502020204030204" pitchFamily="34" charset="0"/>
@@ -8916,7 +8709,7 @@
 </p:sld>
 </file>
 
-<file path=ppt/slides/slide6.xml><?xml version="1.0" encoding="utf-8"?>
+<file path=ppt/slides/slide13.xml><?xml version="1.0" encoding="utf-8"?>
 <p:sld xmlns:a="http://schemas.openxmlformats.org/drawingml/2006/main" xmlns:r="http://schemas.openxmlformats.org/officeDocument/2006/relationships" xmlns:p="http://schemas.openxmlformats.org/presentationml/2006/main">
   <p:cSld>
     <p:spTree>
@@ -9426,7 +9219,1024 @@
 </p:sld>
 </file>
 
+<file path=ppt/slides/slide14.xml><?xml version="1.0" encoding="utf-8"?>
+<p:sld xmlns:a="http://schemas.openxmlformats.org/drawingml/2006/main" xmlns:r="http://schemas.openxmlformats.org/officeDocument/2006/relationships" xmlns:p="http://schemas.openxmlformats.org/presentationml/2006/main">
+  <p:cSld>
+    <p:spTree>
+      <p:nvGrpSpPr>
+        <p:cNvPr id="1" name=""/>
+        <p:cNvGrpSpPr/>
+        <p:nvPr/>
+      </p:nvGrpSpPr>
+      <p:grpSpPr>
+        <a:xfrm>
+          <a:off x="0" y="0"/>
+          <a:ext cx="0" cy="0"/>
+          <a:chOff x="0" y="0"/>
+          <a:chExt cx="0" cy="0"/>
+        </a:xfrm>
+      </p:grpSpPr>
+      <p:sp>
+        <p:nvSpPr>
+          <p:cNvPr id="4" name="Titre 3"/>
+          <p:cNvSpPr>
+            <a:spLocks noGrp="1"/>
+          </p:cNvSpPr>
+          <p:nvPr>
+            <p:ph type="ctrTitle"/>
+          </p:nvPr>
+        </p:nvSpPr>
+        <p:spPr/>
+        <p:txBody>
+          <a:bodyPr/>
+          <a:lstStyle/>
+          <a:p>
+            <a:r>
+              <a:rPr lang="fr-FR" dirty="0" err="1" smtClean="0"/>
+              <a:t>What’s</a:t>
+            </a:r>
+            <a:r>
+              <a:rPr lang="fr-FR" dirty="0" smtClean="0"/>
+              <a:t> </a:t>
+            </a:r>
+            <a:r>
+              <a:rPr lang="fr-FR" dirty="0" err="1" smtClean="0"/>
+              <a:t>next</a:t>
+            </a:r>
+            <a:r>
+              <a:rPr lang="fr-FR" dirty="0" smtClean="0"/>
+              <a:t> ?</a:t>
+            </a:r>
+            <a:endParaRPr lang="fr-FR" dirty="0"/>
+          </a:p>
+        </p:txBody>
+      </p:sp>
+    </p:spTree>
+    <p:extLst>
+      <p:ext uri="{BB962C8B-B14F-4D97-AF65-F5344CB8AC3E}">
+        <p14:creationId xmlns:p14="http://schemas.microsoft.com/office/powerpoint/2010/main" val="3164336437"/>
+      </p:ext>
+    </p:extLst>
+  </p:cSld>
+  <p:clrMapOvr>
+    <a:masterClrMapping/>
+  </p:clrMapOvr>
+  <mc:AlternateContent xmlns:mc="http://schemas.openxmlformats.org/markup-compatibility/2006">
+    <mc:Choice xmlns:p14="http://schemas.microsoft.com/office/powerpoint/2010/main" Requires="p14">
+      <p:transition spd="med" p14:dur="700">
+        <p:fade/>
+      </p:transition>
+    </mc:Choice>
+    <mc:Fallback>
+      <p:transition spd="med">
+        <p:fade/>
+      </p:transition>
+    </mc:Fallback>
+  </mc:AlternateContent>
+</p:sld>
+</file>
+
+<file path=ppt/slides/slide15.xml><?xml version="1.0" encoding="utf-8"?>
+<p:sld xmlns:a="http://schemas.openxmlformats.org/drawingml/2006/main" xmlns:r="http://schemas.openxmlformats.org/officeDocument/2006/relationships" xmlns:p="http://schemas.openxmlformats.org/presentationml/2006/main">
+  <p:cSld>
+    <p:spTree>
+      <p:nvGrpSpPr>
+        <p:cNvPr id="1" name=""/>
+        <p:cNvGrpSpPr/>
+        <p:nvPr/>
+      </p:nvGrpSpPr>
+      <p:grpSpPr>
+        <a:xfrm>
+          <a:off x="0" y="0"/>
+          <a:ext cx="0" cy="0"/>
+          <a:chOff x="0" y="0"/>
+          <a:chExt cx="0" cy="0"/>
+        </a:xfrm>
+      </p:grpSpPr>
+      <p:sp>
+        <p:nvSpPr>
+          <p:cNvPr id="2" name="Titre 1"/>
+          <p:cNvSpPr>
+            <a:spLocks noGrp="1"/>
+          </p:cNvSpPr>
+          <p:nvPr>
+            <p:ph type="title"/>
+          </p:nvPr>
+        </p:nvSpPr>
+        <p:spPr/>
+        <p:txBody>
+          <a:bodyPr/>
+          <a:lstStyle/>
+          <a:p>
+            <a:pPr algn="ctr"/>
+            <a:r>
+              <a:rPr lang="fr-FR" dirty="0" err="1" smtClean="0"/>
+              <a:t>What’s</a:t>
+            </a:r>
+            <a:r>
+              <a:rPr lang="fr-FR" dirty="0" smtClean="0"/>
+              <a:t> </a:t>
+            </a:r>
+            <a:r>
+              <a:rPr lang="fr-FR" dirty="0" err="1" smtClean="0"/>
+              <a:t>next</a:t>
+            </a:r>
+            <a:endParaRPr lang="fr-FR" dirty="0"/>
+          </a:p>
+        </p:txBody>
+      </p:sp>
+      <p:sp>
+        <p:nvSpPr>
+          <p:cNvPr id="3" name="Espace réservé du texte 2"/>
+          <p:cNvSpPr>
+            <a:spLocks noGrp="1"/>
+          </p:cNvSpPr>
+          <p:nvPr>
+            <p:ph type="body" sz="quarter" idx="10"/>
+          </p:nvPr>
+        </p:nvSpPr>
+        <p:spPr/>
+        <p:txBody>
+          <a:bodyPr/>
+          <a:lstStyle/>
+          <a:p>
+            <a:r>
+              <a:rPr lang="fr-FR" dirty="0" smtClean="0"/>
+              <a:t>Communication </a:t>
+            </a:r>
+            <a:r>
+              <a:rPr lang="fr-FR" dirty="0" err="1" smtClean="0"/>
+              <a:t>with</a:t>
+            </a:r>
+            <a:r>
+              <a:rPr lang="fr-FR" dirty="0" smtClean="0"/>
+              <a:t> the </a:t>
+            </a:r>
+            <a:r>
+              <a:rPr lang="fr-FR" dirty="0" err="1" smtClean="0"/>
+              <a:t>wheelchair</a:t>
+            </a:r>
+            <a:endParaRPr lang="fr-FR" dirty="0" smtClean="0"/>
+          </a:p>
+          <a:p>
+            <a:r>
+              <a:rPr lang="fr-FR" dirty="0" smtClean="0"/>
+              <a:t>Communication </a:t>
+            </a:r>
+            <a:r>
+              <a:rPr lang="fr-FR" dirty="0" err="1" smtClean="0"/>
+              <a:t>with</a:t>
+            </a:r>
+            <a:r>
+              <a:rPr lang="fr-FR" dirty="0" smtClean="0"/>
+              <a:t> </a:t>
+            </a:r>
+            <a:r>
+              <a:rPr lang="fr-FR" dirty="0" err="1" smtClean="0"/>
+              <a:t>Fibaro</a:t>
+            </a:r>
+            <a:endParaRPr lang="fr-FR" dirty="0" smtClean="0"/>
+          </a:p>
+          <a:p>
+            <a:endParaRPr lang="fr-FR" dirty="0"/>
+          </a:p>
+        </p:txBody>
+      </p:sp>
+    </p:spTree>
+    <p:extLst>
+      <p:ext uri="{BB962C8B-B14F-4D97-AF65-F5344CB8AC3E}">
+        <p14:creationId xmlns:p14="http://schemas.microsoft.com/office/powerpoint/2010/main" val="1644440659"/>
+      </p:ext>
+    </p:extLst>
+  </p:cSld>
+  <p:clrMapOvr>
+    <a:masterClrMapping/>
+  </p:clrMapOvr>
+  <mc:AlternateContent xmlns:mc="http://schemas.openxmlformats.org/markup-compatibility/2006">
+    <mc:Choice xmlns:p14="http://schemas.microsoft.com/office/powerpoint/2010/main" Requires="p14">
+      <p:transition spd="med" p14:dur="700">
+        <p:fade/>
+      </p:transition>
+    </mc:Choice>
+    <mc:Fallback>
+      <p:transition spd="med">
+        <p:fade/>
+      </p:transition>
+    </mc:Fallback>
+  </mc:AlternateContent>
+</p:sld>
+</file>
+
+<file path=ppt/slides/slide16.xml><?xml version="1.0" encoding="utf-8"?>
+<p:sld xmlns:a="http://schemas.openxmlformats.org/drawingml/2006/main" xmlns:r="http://schemas.openxmlformats.org/officeDocument/2006/relationships" xmlns:p="http://schemas.openxmlformats.org/presentationml/2006/main">
+  <p:cSld>
+    <p:spTree>
+      <p:nvGrpSpPr>
+        <p:cNvPr id="1" name=""/>
+        <p:cNvGrpSpPr/>
+        <p:nvPr/>
+      </p:nvGrpSpPr>
+      <p:grpSpPr>
+        <a:xfrm>
+          <a:off x="0" y="0"/>
+          <a:ext cx="0" cy="0"/>
+          <a:chOff x="0" y="0"/>
+          <a:chExt cx="0" cy="0"/>
+        </a:xfrm>
+      </p:grpSpPr>
+      <p:sp>
+        <p:nvSpPr>
+          <p:cNvPr id="2" name="Titre 1"/>
+          <p:cNvSpPr>
+            <a:spLocks noGrp="1"/>
+          </p:cNvSpPr>
+          <p:nvPr>
+            <p:ph type="title"/>
+          </p:nvPr>
+        </p:nvSpPr>
+        <p:spPr/>
+        <p:txBody>
+          <a:bodyPr/>
+          <a:lstStyle/>
+          <a:p>
+            <a:pPr algn="ctr"/>
+            <a:r>
+              <a:rPr lang="fr-FR" dirty="0" err="1" smtClean="0"/>
+              <a:t>what’s</a:t>
+            </a:r>
+            <a:r>
+              <a:rPr lang="fr-FR" dirty="0" smtClean="0"/>
+              <a:t> </a:t>
+            </a:r>
+            <a:r>
+              <a:rPr lang="fr-FR" dirty="0" err="1" smtClean="0"/>
+              <a:t>next</a:t>
+            </a:r>
+            <a:r>
+              <a:rPr lang="fr-FR" dirty="0" smtClean="0"/>
+              <a:t> ?</a:t>
+            </a:r>
+            <a:endParaRPr lang="fr-FR" dirty="0"/>
+          </a:p>
+        </p:txBody>
+      </p:sp>
+      <p:sp>
+        <p:nvSpPr>
+          <p:cNvPr id="3" name="Espace réservé du texte 2"/>
+          <p:cNvSpPr>
+            <a:spLocks noGrp="1"/>
+          </p:cNvSpPr>
+          <p:nvPr>
+            <p:ph type="body" sz="quarter" idx="10"/>
+          </p:nvPr>
+        </p:nvSpPr>
+        <p:spPr/>
+        <p:txBody>
+          <a:bodyPr/>
+          <a:lstStyle/>
+          <a:p>
+            <a:r>
+              <a:rPr lang="fr-FR" dirty="0" smtClean="0"/>
+              <a:t>C++</a:t>
+            </a:r>
+          </a:p>
+          <a:p>
+            <a:r>
+              <a:rPr lang="fr-FR" dirty="0" smtClean="0"/>
+              <a:t>C#</a:t>
+            </a:r>
+          </a:p>
+          <a:p>
+            <a:r>
+              <a:rPr lang="fr-FR" dirty="0" smtClean="0"/>
+              <a:t>master </a:t>
+            </a:r>
+            <a:r>
+              <a:rPr lang="fr-FR" dirty="0" err="1" smtClean="0"/>
+              <a:t>versioning</a:t>
+            </a:r>
+            <a:endParaRPr lang="fr-FR" dirty="0" smtClean="0"/>
+          </a:p>
+        </p:txBody>
+      </p:sp>
+    </p:spTree>
+    <p:extLst>
+      <p:ext uri="{BB962C8B-B14F-4D97-AF65-F5344CB8AC3E}">
+        <p14:creationId xmlns:p14="http://schemas.microsoft.com/office/powerpoint/2010/main" val="2169738315"/>
+      </p:ext>
+    </p:extLst>
+  </p:cSld>
+  <p:clrMapOvr>
+    <a:masterClrMapping/>
+  </p:clrMapOvr>
+  <mc:AlternateContent xmlns:mc="http://schemas.openxmlformats.org/markup-compatibility/2006">
+    <mc:Choice xmlns:p14="http://schemas.microsoft.com/office/powerpoint/2010/main" Requires="p14">
+      <p:transition spd="med" p14:dur="700">
+        <p:fade/>
+      </p:transition>
+    </mc:Choice>
+    <mc:Fallback>
+      <p:transition spd="med">
+        <p:fade/>
+      </p:transition>
+    </mc:Fallback>
+  </mc:AlternateContent>
+</p:sld>
+</file>
+
+<file path=ppt/slides/slide2.xml><?xml version="1.0" encoding="utf-8"?>
+<p:sld xmlns:a="http://schemas.openxmlformats.org/drawingml/2006/main" xmlns:r="http://schemas.openxmlformats.org/officeDocument/2006/relationships" xmlns:p="http://schemas.openxmlformats.org/presentationml/2006/main">
+  <p:cSld>
+    <p:spTree>
+      <p:nvGrpSpPr>
+        <p:cNvPr id="1" name=""/>
+        <p:cNvGrpSpPr/>
+        <p:nvPr/>
+      </p:nvGrpSpPr>
+      <p:grpSpPr>
+        <a:xfrm>
+          <a:off x="0" y="0"/>
+          <a:ext cx="0" cy="0"/>
+          <a:chOff x="0" y="0"/>
+          <a:chExt cx="0" cy="0"/>
+        </a:xfrm>
+      </p:grpSpPr>
+      <p:sp>
+        <p:nvSpPr>
+          <p:cNvPr id="2" name="Titre 1"/>
+          <p:cNvSpPr>
+            <a:spLocks noGrp="1"/>
+          </p:cNvSpPr>
+          <p:nvPr>
+            <p:ph type="title"/>
+          </p:nvPr>
+        </p:nvSpPr>
+        <p:spPr/>
+        <p:txBody>
+          <a:bodyPr/>
+          <a:lstStyle/>
+          <a:p>
+            <a:pPr algn="ctr"/>
+            <a:r>
+              <a:rPr lang="fr-FR" dirty="0" smtClean="0"/>
+              <a:t>Contents</a:t>
+            </a:r>
+            <a:endParaRPr lang="fr-FR" dirty="0"/>
+          </a:p>
+        </p:txBody>
+      </p:sp>
+      <p:sp>
+        <p:nvSpPr>
+          <p:cNvPr id="3" name="Espace réservé du contenu 2"/>
+          <p:cNvSpPr>
+            <a:spLocks noGrp="1"/>
+          </p:cNvSpPr>
+          <p:nvPr>
+            <p:ph idx="4294967295"/>
+          </p:nvPr>
+        </p:nvSpPr>
+        <p:spPr>
+          <a:xfrm>
+            <a:off x="628650" y="1369219"/>
+            <a:ext cx="7886700" cy="3263504"/>
+          </a:xfrm>
+          <a:prstGeom prst="rect">
+            <a:avLst/>
+          </a:prstGeom>
+        </p:spPr>
+        <p:txBody>
+          <a:bodyPr/>
+          <a:lstStyle/>
+          <a:p>
+            <a:endParaRPr lang="fr-FR" dirty="0" smtClean="0"/>
+          </a:p>
+          <a:p>
+            <a:pPr marL="0" indent="0">
+              <a:buNone/>
+            </a:pPr>
+            <a:r>
+              <a:rPr lang="fr-FR" dirty="0" smtClean="0"/>
+              <a:t>• </a:t>
+            </a:r>
+            <a:r>
+              <a:rPr lang="fr-FR" dirty="0" err="1" smtClean="0"/>
+              <a:t>Context</a:t>
+            </a:r>
+            <a:endParaRPr lang="fr-FR" dirty="0" smtClean="0"/>
+          </a:p>
+          <a:p>
+            <a:pPr marL="0" indent="0">
+              <a:buNone/>
+            </a:pPr>
+            <a:r>
+              <a:rPr lang="fr-FR" dirty="0" smtClean="0"/>
+              <a:t>• </a:t>
+            </a:r>
+            <a:r>
+              <a:rPr lang="fr-FR" dirty="0" err="1" smtClean="0"/>
+              <a:t>Pre-study</a:t>
+            </a:r>
+            <a:endParaRPr lang="fr-FR" dirty="0" smtClean="0"/>
+          </a:p>
+          <a:p>
+            <a:pPr marL="0" indent="0">
+              <a:buNone/>
+            </a:pPr>
+            <a:r>
+              <a:rPr lang="fr-FR" dirty="0" smtClean="0"/>
+              <a:t>• </a:t>
+            </a:r>
+            <a:r>
+              <a:rPr lang="fr-FR" dirty="0" err="1" smtClean="0"/>
+              <a:t>Specifications</a:t>
+            </a:r>
+            <a:endParaRPr lang="fr-FR" dirty="0" smtClean="0"/>
+          </a:p>
+        </p:txBody>
+      </p:sp>
+    </p:spTree>
+    <p:extLst>
+      <p:ext uri="{BB962C8B-B14F-4D97-AF65-F5344CB8AC3E}">
+        <p14:creationId xmlns:p14="http://schemas.microsoft.com/office/powerpoint/2010/main" val="3396826098"/>
+      </p:ext>
+    </p:extLst>
+  </p:cSld>
+  <p:clrMapOvr>
+    <a:masterClrMapping/>
+  </p:clrMapOvr>
+  <mc:AlternateContent xmlns:mc="http://schemas.openxmlformats.org/markup-compatibility/2006" xmlns:p14="http://schemas.microsoft.com/office/powerpoint/2010/main">
+    <mc:Choice Requires="p14">
+      <p:transition spd="med" p14:dur="700">
+        <p:fade/>
+      </p:transition>
+    </mc:Choice>
+    <mc:Fallback xmlns="">
+      <p:transition spd="med">
+        <p:fade/>
+      </p:transition>
+    </mc:Fallback>
+  </mc:AlternateContent>
+</p:sld>
+</file>
+
+<file path=ppt/slides/slide3.xml><?xml version="1.0" encoding="utf-8"?>
+<p:sld xmlns:a="http://schemas.openxmlformats.org/drawingml/2006/main" xmlns:r="http://schemas.openxmlformats.org/officeDocument/2006/relationships" xmlns:p="http://schemas.openxmlformats.org/presentationml/2006/main">
+  <p:cSld>
+    <p:spTree>
+      <p:nvGrpSpPr>
+        <p:cNvPr id="1" name=""/>
+        <p:cNvGrpSpPr/>
+        <p:nvPr/>
+      </p:nvGrpSpPr>
+      <p:grpSpPr>
+        <a:xfrm>
+          <a:off x="0" y="0"/>
+          <a:ext cx="0" cy="0"/>
+          <a:chOff x="0" y="0"/>
+          <a:chExt cx="0" cy="0"/>
+        </a:xfrm>
+      </p:grpSpPr>
+      <p:sp>
+        <p:nvSpPr>
+          <p:cNvPr id="2" name="Titre 1"/>
+          <p:cNvSpPr>
+            <a:spLocks noGrp="1"/>
+          </p:cNvSpPr>
+          <p:nvPr>
+            <p:ph type="ctrTitle"/>
+          </p:nvPr>
+        </p:nvSpPr>
+        <p:spPr/>
+        <p:txBody>
+          <a:bodyPr/>
+          <a:lstStyle/>
+          <a:p>
+            <a:pPr algn="ctr"/>
+            <a:r>
+              <a:rPr lang="fr-FR" dirty="0" err="1" smtClean="0"/>
+              <a:t>Context</a:t>
+            </a:r>
+            <a:endParaRPr lang="fr-FR" dirty="0"/>
+          </a:p>
+        </p:txBody>
+      </p:sp>
+    </p:spTree>
+    <p:extLst>
+      <p:ext uri="{BB962C8B-B14F-4D97-AF65-F5344CB8AC3E}">
+        <p14:creationId xmlns:p14="http://schemas.microsoft.com/office/powerpoint/2010/main" val="3570722297"/>
+      </p:ext>
+    </p:extLst>
+  </p:cSld>
+  <p:clrMapOvr>
+    <a:masterClrMapping/>
+  </p:clrMapOvr>
+  <mc:AlternateContent xmlns:mc="http://schemas.openxmlformats.org/markup-compatibility/2006" xmlns:p14="http://schemas.microsoft.com/office/powerpoint/2010/main">
+    <mc:Choice Requires="p14">
+      <p:transition spd="med" p14:dur="700">
+        <p:fade/>
+      </p:transition>
+    </mc:Choice>
+    <mc:Fallback xmlns="">
+      <p:transition spd="med">
+        <p:fade/>
+      </p:transition>
+    </mc:Fallback>
+  </mc:AlternateContent>
+</p:sld>
+</file>
+
+<file path=ppt/slides/slide4.xml><?xml version="1.0" encoding="utf-8"?>
+<p:sld xmlns:a="http://schemas.openxmlformats.org/drawingml/2006/main" xmlns:r="http://schemas.openxmlformats.org/officeDocument/2006/relationships" xmlns:p="http://schemas.openxmlformats.org/presentationml/2006/main">
+  <p:cSld>
+    <p:spTree>
+      <p:nvGrpSpPr>
+        <p:cNvPr id="1" name=""/>
+        <p:cNvGrpSpPr/>
+        <p:nvPr/>
+      </p:nvGrpSpPr>
+      <p:grpSpPr>
+        <a:xfrm>
+          <a:off x="0" y="0"/>
+          <a:ext cx="0" cy="0"/>
+          <a:chOff x="0" y="0"/>
+          <a:chExt cx="0" cy="0"/>
+        </a:xfrm>
+      </p:grpSpPr>
+      <p:sp>
+        <p:nvSpPr>
+          <p:cNvPr id="2" name="Titre 1"/>
+          <p:cNvSpPr>
+            <a:spLocks noGrp="1"/>
+          </p:cNvSpPr>
+          <p:nvPr>
+            <p:ph type="title"/>
+          </p:nvPr>
+        </p:nvSpPr>
+        <p:spPr/>
+        <p:txBody>
+          <a:bodyPr/>
+          <a:lstStyle/>
+          <a:p>
+            <a:pPr algn="ctr"/>
+            <a:r>
+              <a:rPr lang="fr-FR" dirty="0" err="1" smtClean="0"/>
+              <a:t>Context</a:t>
+            </a:r>
+            <a:endParaRPr lang="fr-FR" dirty="0"/>
+          </a:p>
+        </p:txBody>
+      </p:sp>
+      <p:sp>
+        <p:nvSpPr>
+          <p:cNvPr id="3" name="Espace réservé du texte 2"/>
+          <p:cNvSpPr>
+            <a:spLocks noGrp="1"/>
+          </p:cNvSpPr>
+          <p:nvPr>
+            <p:ph type="body" sz="quarter" idx="10"/>
+          </p:nvPr>
+        </p:nvSpPr>
+        <p:spPr/>
+        <p:txBody>
+          <a:bodyPr/>
+          <a:lstStyle/>
+          <a:p>
+            <a:r>
+              <a:rPr lang="fr-FR" dirty="0" err="1" smtClean="0"/>
+              <a:t>Ergovie</a:t>
+            </a:r>
+            <a:r>
+              <a:rPr lang="fr-FR" dirty="0" smtClean="0"/>
+              <a:t> </a:t>
+            </a:r>
+            <a:r>
+              <a:rPr lang="fr-FR" dirty="0" err="1"/>
+              <a:t>is</a:t>
+            </a:r>
+            <a:r>
+              <a:rPr lang="fr-FR" dirty="0"/>
+              <a:t> a Breton society </a:t>
+            </a:r>
+            <a:r>
+              <a:rPr lang="fr-FR" dirty="0" err="1"/>
+              <a:t>who</a:t>
+            </a:r>
+            <a:r>
+              <a:rPr lang="fr-FR" dirty="0"/>
+              <a:t> </a:t>
+            </a:r>
+            <a:r>
+              <a:rPr lang="fr-FR" dirty="0" err="1"/>
+              <a:t>sells</a:t>
+            </a:r>
+            <a:r>
+              <a:rPr lang="fr-FR" dirty="0"/>
+              <a:t> and </a:t>
+            </a:r>
+            <a:r>
+              <a:rPr lang="fr-FR" dirty="0" err="1"/>
+              <a:t>repairs</a:t>
+            </a:r>
+            <a:r>
+              <a:rPr lang="fr-FR" dirty="0"/>
+              <a:t> </a:t>
+            </a:r>
+            <a:r>
+              <a:rPr lang="fr-FR" dirty="0" err="1"/>
+              <a:t>wheelchairs</a:t>
+            </a:r>
+            <a:r>
+              <a:rPr lang="fr-FR" dirty="0"/>
+              <a:t>. </a:t>
+            </a:r>
+            <a:r>
+              <a:rPr lang="fr-FR" dirty="0" err="1"/>
+              <a:t>They</a:t>
+            </a:r>
+            <a:r>
+              <a:rPr lang="fr-FR" dirty="0"/>
+              <a:t> </a:t>
+            </a:r>
+            <a:r>
+              <a:rPr lang="fr-FR" dirty="0" err="1"/>
+              <a:t>recently</a:t>
+            </a:r>
+            <a:r>
+              <a:rPr lang="fr-FR" dirty="0"/>
+              <a:t> </a:t>
+            </a:r>
+            <a:r>
+              <a:rPr lang="fr-FR" dirty="0" err="1"/>
+              <a:t>begin</a:t>
+            </a:r>
+            <a:r>
+              <a:rPr lang="fr-FR" dirty="0"/>
+              <a:t> to </a:t>
+            </a:r>
+            <a:r>
+              <a:rPr lang="fr-FR" dirty="0" err="1"/>
+              <a:t>develop</a:t>
+            </a:r>
+            <a:r>
+              <a:rPr lang="fr-FR" dirty="0"/>
+              <a:t> </a:t>
+            </a:r>
+            <a:r>
+              <a:rPr lang="fr-FR" dirty="0" err="1"/>
+              <a:t>domotic</a:t>
+            </a:r>
+            <a:r>
+              <a:rPr lang="fr-FR" dirty="0"/>
+              <a:t> solutions.</a:t>
+            </a:r>
+            <a:endParaRPr lang="fr-FR" dirty="0"/>
+          </a:p>
+        </p:txBody>
+      </p:sp>
+    </p:spTree>
+    <p:extLst>
+      <p:ext uri="{BB962C8B-B14F-4D97-AF65-F5344CB8AC3E}">
+        <p14:creationId xmlns:p14="http://schemas.microsoft.com/office/powerpoint/2010/main" val="3696323016"/>
+      </p:ext>
+    </p:extLst>
+  </p:cSld>
+  <p:clrMapOvr>
+    <a:masterClrMapping/>
+  </p:clrMapOvr>
+  <mc:AlternateContent xmlns:mc="http://schemas.openxmlformats.org/markup-compatibility/2006">
+    <mc:Choice xmlns:p14="http://schemas.microsoft.com/office/powerpoint/2010/main" Requires="p14">
+      <p:transition spd="med" p14:dur="700">
+        <p:fade/>
+      </p:transition>
+    </mc:Choice>
+    <mc:Fallback>
+      <p:transition spd="med">
+        <p:fade/>
+      </p:transition>
+    </mc:Fallback>
+  </mc:AlternateContent>
+</p:sld>
+</file>
+
+<file path=ppt/slides/slide5.xml><?xml version="1.0" encoding="utf-8"?>
+<p:sld xmlns:a="http://schemas.openxmlformats.org/drawingml/2006/main" xmlns:r="http://schemas.openxmlformats.org/officeDocument/2006/relationships" xmlns:p="http://schemas.openxmlformats.org/presentationml/2006/main">
+  <p:cSld>
+    <p:spTree>
+      <p:nvGrpSpPr>
+        <p:cNvPr id="1" name=""/>
+        <p:cNvGrpSpPr/>
+        <p:nvPr/>
+      </p:nvGrpSpPr>
+      <p:grpSpPr>
+        <a:xfrm>
+          <a:off x="0" y="0"/>
+          <a:ext cx="0" cy="0"/>
+          <a:chOff x="0" y="0"/>
+          <a:chExt cx="0" cy="0"/>
+        </a:xfrm>
+      </p:grpSpPr>
+      <p:sp>
+        <p:nvSpPr>
+          <p:cNvPr id="3" name="Espace réservé du texte 2"/>
+          <p:cNvSpPr>
+            <a:spLocks noGrp="1"/>
+          </p:cNvSpPr>
+          <p:nvPr>
+            <p:ph type="body" sz="quarter" idx="10"/>
+          </p:nvPr>
+        </p:nvSpPr>
+        <p:spPr>
+          <a:xfrm>
+            <a:off x="1606887" y="1073098"/>
+            <a:ext cx="5930226" cy="3521525"/>
+          </a:xfrm>
+        </p:spPr>
+        <p:txBody>
+          <a:bodyPr/>
+          <a:lstStyle/>
+          <a:p>
+            <a:r>
+              <a:rPr lang="fr-FR" dirty="0" err="1"/>
+              <a:t>Need</a:t>
+            </a:r>
+            <a:r>
+              <a:rPr lang="fr-FR" dirty="0"/>
+              <a:t> of a simple interface for </a:t>
+            </a:r>
+            <a:r>
+              <a:rPr lang="fr-FR" dirty="0" err="1"/>
+              <a:t>disabled</a:t>
+            </a:r>
+            <a:r>
+              <a:rPr lang="fr-FR" dirty="0"/>
+              <a:t> people</a:t>
+            </a:r>
+          </a:p>
+          <a:p>
+            <a:r>
+              <a:rPr lang="fr-FR" dirty="0" err="1"/>
+              <a:t>Existing</a:t>
+            </a:r>
+            <a:r>
+              <a:rPr lang="fr-FR" dirty="0"/>
+              <a:t> solutions but </a:t>
+            </a:r>
+            <a:r>
+              <a:rPr lang="fr-FR" dirty="0" err="1"/>
+              <a:t>too</a:t>
+            </a:r>
+            <a:r>
+              <a:rPr lang="fr-FR" dirty="0"/>
+              <a:t> </a:t>
+            </a:r>
+            <a:r>
+              <a:rPr lang="fr-FR" dirty="0" err="1"/>
+              <a:t>complex</a:t>
+            </a:r>
+            <a:r>
+              <a:rPr lang="fr-FR" dirty="0"/>
+              <a:t> and </a:t>
+            </a:r>
+            <a:r>
+              <a:rPr lang="fr-FR" dirty="0" err="1"/>
+              <a:t>inadapted</a:t>
+            </a:r>
+            <a:endParaRPr lang="fr-FR" dirty="0"/>
+          </a:p>
+          <a:p>
+            <a:endParaRPr lang="fr-FR" dirty="0"/>
+          </a:p>
+        </p:txBody>
+      </p:sp>
+      <p:sp>
+        <p:nvSpPr>
+          <p:cNvPr id="4" name="Titre 3"/>
+          <p:cNvSpPr>
+            <a:spLocks noGrp="1"/>
+          </p:cNvSpPr>
+          <p:nvPr>
+            <p:ph type="title"/>
+          </p:nvPr>
+        </p:nvSpPr>
+        <p:spPr>
+          <a:xfrm>
+            <a:off x="1497310" y="80948"/>
+            <a:ext cx="6149380" cy="857250"/>
+          </a:xfrm>
+        </p:spPr>
+        <p:txBody>
+          <a:bodyPr/>
+          <a:lstStyle/>
+          <a:p>
+            <a:pPr algn="ctr"/>
+            <a:r>
+              <a:rPr lang="fr-FR" dirty="0" err="1" smtClean="0"/>
+              <a:t>context</a:t>
+            </a:r>
+            <a:endParaRPr lang="fr-FR" dirty="0"/>
+          </a:p>
+        </p:txBody>
+      </p:sp>
+    </p:spTree>
+    <p:extLst>
+      <p:ext uri="{BB962C8B-B14F-4D97-AF65-F5344CB8AC3E}">
+        <p14:creationId xmlns:p14="http://schemas.microsoft.com/office/powerpoint/2010/main" val="2526572623"/>
+      </p:ext>
+    </p:extLst>
+  </p:cSld>
+  <p:clrMapOvr>
+    <a:masterClrMapping/>
+  </p:clrMapOvr>
+  <mc:AlternateContent xmlns:mc="http://schemas.openxmlformats.org/markup-compatibility/2006">
+    <mc:Choice xmlns:p14="http://schemas.microsoft.com/office/powerpoint/2010/main" Requires="p14">
+      <p:transition spd="med" p14:dur="700">
+        <p:fade/>
+      </p:transition>
+    </mc:Choice>
+    <mc:Fallback>
+      <p:transition spd="med">
+        <p:fade/>
+      </p:transition>
+    </mc:Fallback>
+  </mc:AlternateContent>
+</p:sld>
+</file>
+
+<file path=ppt/slides/slide6.xml><?xml version="1.0" encoding="utf-8"?>
+<p:sld xmlns:a="http://schemas.openxmlformats.org/drawingml/2006/main" xmlns:r="http://schemas.openxmlformats.org/officeDocument/2006/relationships" xmlns:p="http://schemas.openxmlformats.org/presentationml/2006/main">
+  <p:cSld>
+    <p:spTree>
+      <p:nvGrpSpPr>
+        <p:cNvPr id="1" name=""/>
+        <p:cNvGrpSpPr/>
+        <p:nvPr/>
+      </p:nvGrpSpPr>
+      <p:grpSpPr>
+        <a:xfrm>
+          <a:off x="0" y="0"/>
+          <a:ext cx="0" cy="0"/>
+          <a:chOff x="0" y="0"/>
+          <a:chExt cx="0" cy="0"/>
+        </a:xfrm>
+      </p:grpSpPr>
+      <p:sp>
+        <p:nvSpPr>
+          <p:cNvPr id="2" name="Titre 1"/>
+          <p:cNvSpPr>
+            <a:spLocks noGrp="1"/>
+          </p:cNvSpPr>
+          <p:nvPr>
+            <p:ph type="title"/>
+          </p:nvPr>
+        </p:nvSpPr>
+        <p:spPr/>
+        <p:txBody>
+          <a:bodyPr/>
+          <a:lstStyle/>
+          <a:p>
+            <a:pPr algn="ctr"/>
+            <a:r>
+              <a:rPr lang="fr-FR" dirty="0" err="1" smtClean="0"/>
+              <a:t>context</a:t>
+            </a:r>
+            <a:endParaRPr lang="fr-FR" dirty="0"/>
+          </a:p>
+        </p:txBody>
+      </p:sp>
+      <p:sp>
+        <p:nvSpPr>
+          <p:cNvPr id="3" name="Espace réservé du texte 2"/>
+          <p:cNvSpPr>
+            <a:spLocks noGrp="1"/>
+          </p:cNvSpPr>
+          <p:nvPr>
+            <p:ph type="body" sz="quarter" idx="10"/>
+          </p:nvPr>
+        </p:nvSpPr>
+        <p:spPr/>
+        <p:txBody>
+          <a:bodyPr/>
+          <a:lstStyle/>
+          <a:p>
+            <a:r>
+              <a:rPr lang="fr-FR" dirty="0" err="1" smtClean="0"/>
+              <a:t>What</a:t>
+            </a:r>
+            <a:r>
+              <a:rPr lang="fr-FR" dirty="0" smtClean="0"/>
+              <a:t> has been </a:t>
+            </a:r>
+            <a:r>
+              <a:rPr lang="fr-FR" dirty="0" err="1" smtClean="0"/>
+              <a:t>done</a:t>
+            </a:r>
+            <a:r>
+              <a:rPr lang="fr-FR" dirty="0" smtClean="0"/>
+              <a:t> by the </a:t>
+            </a:r>
+            <a:r>
+              <a:rPr lang="fr-FR" dirty="0" err="1" smtClean="0"/>
+              <a:t>previous</a:t>
+            </a:r>
+            <a:r>
+              <a:rPr lang="fr-FR" dirty="0" smtClean="0"/>
+              <a:t> team</a:t>
+            </a:r>
+            <a:endParaRPr lang="fr-FR" dirty="0"/>
+          </a:p>
+        </p:txBody>
+      </p:sp>
+    </p:spTree>
+    <p:extLst>
+      <p:ext uri="{BB962C8B-B14F-4D97-AF65-F5344CB8AC3E}">
+        <p14:creationId xmlns:p14="http://schemas.microsoft.com/office/powerpoint/2010/main" val="434014414"/>
+      </p:ext>
+    </p:extLst>
+  </p:cSld>
+  <p:clrMapOvr>
+    <a:masterClrMapping/>
+  </p:clrMapOvr>
+  <mc:AlternateContent xmlns:mc="http://schemas.openxmlformats.org/markup-compatibility/2006">
+    <mc:Choice xmlns:p14="http://schemas.microsoft.com/office/powerpoint/2010/main" Requires="p14">
+      <p:transition spd="med" p14:dur="700">
+        <p:fade/>
+      </p:transition>
+    </mc:Choice>
+    <mc:Fallback>
+      <p:transition spd="med">
+        <p:fade/>
+      </p:transition>
+    </mc:Fallback>
+  </mc:AlternateContent>
+</p:sld>
+</file>
+
 <file path=ppt/slides/slide7.xml><?xml version="1.0" encoding="utf-8"?>
+<p:sld xmlns:a="http://schemas.openxmlformats.org/drawingml/2006/main" xmlns:r="http://schemas.openxmlformats.org/officeDocument/2006/relationships" xmlns:p="http://schemas.openxmlformats.org/presentationml/2006/main">
+  <p:cSld>
+    <p:spTree>
+      <p:nvGrpSpPr>
+        <p:cNvPr id="1" name=""/>
+        <p:cNvGrpSpPr/>
+        <p:nvPr/>
+      </p:nvGrpSpPr>
+      <p:grpSpPr>
+        <a:xfrm>
+          <a:off x="0" y="0"/>
+          <a:ext cx="0" cy="0"/>
+          <a:chOff x="0" y="0"/>
+          <a:chExt cx="0" cy="0"/>
+        </a:xfrm>
+      </p:grpSpPr>
+      <p:sp>
+        <p:nvSpPr>
+          <p:cNvPr id="4" name="Titre 3"/>
+          <p:cNvSpPr>
+            <a:spLocks noGrp="1"/>
+          </p:cNvSpPr>
+          <p:nvPr>
+            <p:ph type="ctrTitle"/>
+          </p:nvPr>
+        </p:nvSpPr>
+        <p:spPr/>
+        <p:txBody>
+          <a:bodyPr/>
+          <a:lstStyle/>
+          <a:p>
+            <a:r>
+              <a:rPr lang="fr-FR" dirty="0" err="1" smtClean="0"/>
+              <a:t>specifications</a:t>
+            </a:r>
+            <a:endParaRPr lang="fr-FR" dirty="0"/>
+          </a:p>
+        </p:txBody>
+      </p:sp>
+    </p:spTree>
+    <p:extLst>
+      <p:ext uri="{BB962C8B-B14F-4D97-AF65-F5344CB8AC3E}">
+        <p14:creationId xmlns:p14="http://schemas.microsoft.com/office/powerpoint/2010/main" val="624776729"/>
+      </p:ext>
+    </p:extLst>
+  </p:cSld>
+  <p:clrMapOvr>
+    <a:masterClrMapping/>
+  </p:clrMapOvr>
+  <mc:AlternateContent xmlns:mc="http://schemas.openxmlformats.org/markup-compatibility/2006">
+    <mc:Choice xmlns:p14="http://schemas.microsoft.com/office/powerpoint/2010/main" Requires="p14">
+      <p:transition spd="med" p14:dur="700">
+        <p:fade/>
+      </p:transition>
+    </mc:Choice>
+    <mc:Fallback>
+      <p:transition spd="med">
+        <p:fade/>
+      </p:transition>
+    </mc:Fallback>
+  </mc:AlternateContent>
+</p:sld>
+</file>
+
+<file path=ppt/slides/slide8.xml><?xml version="1.0" encoding="utf-8"?>
 <p:sld xmlns:a="http://schemas.openxmlformats.org/drawingml/2006/main" xmlns:r="http://schemas.openxmlformats.org/officeDocument/2006/relationships" xmlns:p="http://schemas.openxmlformats.org/presentationml/2006/main">
   <p:cSld>
     <p:spTree>
@@ -9467,110 +10277,368 @@
           </a:p>
         </p:txBody>
       </p:sp>
-      <p:sp>
-        <p:nvSpPr>
-          <p:cNvPr id="5" name="Espace réservé du contenu 4"/>
-          <p:cNvSpPr>
-            <a:spLocks noGrp="1"/>
-          </p:cNvSpPr>
+      <p:graphicFrame>
+        <p:nvGraphicFramePr>
+          <p:cNvPr id="2" name="Tableau 1"/>
+          <p:cNvGraphicFramePr>
+            <a:graphicFrameLocks noGrp="1"/>
+          </p:cNvGraphicFramePr>
           <p:nvPr>
-            <p:ph idx="4294967295"/>
+            <p:extLst>
+              <p:ext uri="{D42A27DB-BD31-4B8C-83A1-F6EECF244321}">
+                <p14:modId xmlns:p14="http://schemas.microsoft.com/office/powerpoint/2010/main" val="4087735776"/>
+              </p:ext>
+            </p:extLst>
           </p:nvPr>
-        </p:nvSpPr>
-        <p:spPr>
-          <a:xfrm>
-            <a:off x="628650" y="1369219"/>
-            <a:ext cx="7886700" cy="3263504"/>
-          </a:xfrm>
-          <a:prstGeom prst="rect">
-            <a:avLst/>
-          </a:prstGeom>
-        </p:spPr>
-        <p:txBody>
-          <a:bodyPr/>
-          <a:lstStyle/>
-          <a:p>
-            <a:r>
-              <a:rPr lang="fr-FR" dirty="0" err="1" smtClean="0"/>
-              <a:t>Enabling</a:t>
-            </a:r>
-            <a:r>
-              <a:rPr lang="fr-FR" dirty="0" smtClean="0"/>
-              <a:t> people to switch on/off machines</a:t>
-            </a:r>
-          </a:p>
-          <a:p>
-            <a:r>
-              <a:rPr lang="fr-FR" dirty="0" err="1" smtClean="0"/>
-              <a:t>Adapted</a:t>
-            </a:r>
-            <a:r>
-              <a:rPr lang="fr-FR" dirty="0" smtClean="0"/>
-              <a:t> to </a:t>
-            </a:r>
-            <a:r>
-              <a:rPr lang="fr-FR" dirty="0" err="1" smtClean="0"/>
-              <a:t>users</a:t>
-            </a:r>
-            <a:endParaRPr lang="fr-FR" dirty="0" smtClean="0"/>
-          </a:p>
-          <a:p>
-            <a:r>
-              <a:rPr lang="fr-FR" dirty="0" smtClean="0"/>
-              <a:t>A « scrolling » mode (traduction à revoir)</a:t>
-            </a:r>
-          </a:p>
-          <a:p>
-            <a:r>
-              <a:rPr lang="fr-FR" dirty="0" smtClean="0"/>
-              <a:t>Configuration </a:t>
-            </a:r>
-            <a:r>
-              <a:rPr lang="fr-FR" dirty="0" err="1" smtClean="0"/>
-              <a:t>available</a:t>
-            </a:r>
-            <a:r>
-              <a:rPr lang="fr-FR" dirty="0" smtClean="0"/>
-              <a:t>, </a:t>
-            </a:r>
-            <a:r>
-              <a:rPr lang="fr-FR" dirty="0" err="1" smtClean="0"/>
-              <a:t>only</a:t>
-            </a:r>
-            <a:r>
-              <a:rPr lang="fr-FR" dirty="0" smtClean="0"/>
-              <a:t> for </a:t>
-            </a:r>
-            <a:r>
-              <a:rPr lang="fr-FR" dirty="0" err="1" smtClean="0"/>
-              <a:t>technician</a:t>
-            </a:r>
-            <a:endParaRPr lang="fr-FR" dirty="0" smtClean="0"/>
-          </a:p>
-          <a:p>
-            <a:r>
-              <a:rPr lang="fr-FR" dirty="0" smtClean="0"/>
-              <a:t>Feedback </a:t>
-            </a:r>
-            <a:r>
-              <a:rPr lang="fr-FR" dirty="0" err="1" smtClean="0"/>
-              <a:t>from</a:t>
-            </a:r>
-            <a:r>
-              <a:rPr lang="fr-FR" dirty="0" smtClean="0"/>
-              <a:t> the </a:t>
-            </a:r>
-            <a:r>
-              <a:rPr lang="fr-FR" dirty="0" err="1" smtClean="0"/>
-              <a:t>wheelchair</a:t>
-            </a:r>
-            <a:endParaRPr lang="fr-FR" dirty="0" smtClean="0"/>
-          </a:p>
-          <a:p>
-            <a:endParaRPr lang="fr-FR" dirty="0"/>
-          </a:p>
-        </p:txBody>
-      </p:sp>
+        </p:nvGraphicFramePr>
+        <p:xfrm>
+          <a:off x="631983" y="938198"/>
+          <a:ext cx="7337898" cy="2695946"/>
+        </p:xfrm>
+        <a:graphic>
+          <a:graphicData uri="http://schemas.openxmlformats.org/drawingml/2006/table">
+            <a:tbl>
+              <a:tblPr firstRow="1" bandRow="1">
+                <a:tableStyleId>{5C22544A-7EE6-4342-B048-85BDC9FD1C3A}</a:tableStyleId>
+              </a:tblPr>
+              <a:tblGrid>
+                <a:gridCol w="3668949"/>
+                <a:gridCol w="3668949"/>
+              </a:tblGrid>
+              <a:tr h="319410">
+                <a:tc>
+                  <a:txBody>
+                    <a:bodyPr/>
+                    <a:lstStyle/>
+                    <a:p>
+                      <a:pPr algn="ctr"/>
+                      <a:endParaRPr lang="fr-FR" dirty="0"/>
+                    </a:p>
+                  </a:txBody>
+                  <a:tcPr/>
+                </a:tc>
+                <a:tc>
+                  <a:txBody>
+                    <a:bodyPr/>
+                    <a:lstStyle/>
+                    <a:p>
+                      <a:pPr algn="ctr"/>
+                      <a:endParaRPr lang="fr-FR"/>
+                    </a:p>
+                  </a:txBody>
+                  <a:tcPr/>
+                </a:tc>
+              </a:tr>
+              <a:tr h="399262">
+                <a:tc>
+                  <a:txBody>
+                    <a:bodyPr/>
+                    <a:lstStyle/>
+                    <a:p>
+                      <a:pPr marL="0" marR="0" indent="0" algn="ctr" defTabSz="457200" rtl="0" eaLnBrk="1" fontAlgn="auto" latinLnBrk="0" hangingPunct="1">
+                        <a:lnSpc>
+                          <a:spcPct val="100000"/>
+                        </a:lnSpc>
+                        <a:spcBef>
+                          <a:spcPts val="0"/>
+                        </a:spcBef>
+                        <a:spcAft>
+                          <a:spcPts val="0"/>
+                        </a:spcAft>
+                        <a:buClrTx/>
+                        <a:buSzTx/>
+                        <a:buFontTx/>
+                        <a:buNone/>
+                        <a:tabLst/>
+                        <a:defRPr/>
+                      </a:pPr>
+                      <a:r>
+                        <a:rPr lang="fr-FR" sz="1200" dirty="0" err="1" smtClean="0"/>
+                        <a:t>Enabling</a:t>
+                      </a:r>
+                      <a:r>
+                        <a:rPr lang="fr-FR" sz="1200" dirty="0" smtClean="0"/>
+                        <a:t> people to switch on/off machines</a:t>
+                      </a:r>
+                    </a:p>
+                    <a:p>
+                      <a:pPr algn="ctr"/>
+                      <a:endParaRPr lang="fr-FR" sz="1200" dirty="0"/>
+                    </a:p>
+                  </a:txBody>
+                  <a:tcPr/>
+                </a:tc>
+                <a:tc>
+                  <a:txBody>
+                    <a:bodyPr/>
+                    <a:lstStyle/>
+                    <a:p>
+                      <a:pPr algn="ctr"/>
+                      <a:endParaRPr lang="fr-FR" dirty="0"/>
+                    </a:p>
+                  </a:txBody>
+                  <a:tcPr/>
+                </a:tc>
+              </a:tr>
+              <a:tr h="399262">
+                <a:tc>
+                  <a:txBody>
+                    <a:bodyPr/>
+                    <a:lstStyle/>
+                    <a:p>
+                      <a:pPr marL="0" marR="0" indent="0" algn="ctr" defTabSz="457200" rtl="0" eaLnBrk="1" fontAlgn="auto" latinLnBrk="0" hangingPunct="1">
+                        <a:lnSpc>
+                          <a:spcPct val="100000"/>
+                        </a:lnSpc>
+                        <a:spcBef>
+                          <a:spcPts val="0"/>
+                        </a:spcBef>
+                        <a:spcAft>
+                          <a:spcPts val="0"/>
+                        </a:spcAft>
+                        <a:buClrTx/>
+                        <a:buSzTx/>
+                        <a:buFontTx/>
+                        <a:buNone/>
+                        <a:tabLst/>
+                        <a:defRPr/>
+                      </a:pPr>
+                      <a:r>
+                        <a:rPr lang="fr-FR" sz="1200" dirty="0" err="1" smtClean="0"/>
+                        <a:t>Adapted</a:t>
+                      </a:r>
+                      <a:r>
+                        <a:rPr lang="fr-FR" sz="1200" dirty="0" smtClean="0"/>
+                        <a:t> to </a:t>
+                      </a:r>
+                      <a:r>
+                        <a:rPr lang="fr-FR" sz="1200" dirty="0" err="1" smtClean="0"/>
+                        <a:t>every</a:t>
+                      </a:r>
+                      <a:r>
+                        <a:rPr lang="fr-FR" sz="1200" dirty="0" smtClean="0"/>
+                        <a:t> </a:t>
+                      </a:r>
+                      <a:r>
+                        <a:rPr lang="fr-FR" sz="1200" dirty="0" err="1" smtClean="0"/>
+                        <a:t>disabled</a:t>
+                      </a:r>
+                      <a:r>
+                        <a:rPr lang="fr-FR" sz="1200" baseline="0" dirty="0" smtClean="0"/>
+                        <a:t> </a:t>
+                      </a:r>
+                      <a:r>
+                        <a:rPr lang="fr-FR" sz="1200" dirty="0" err="1" smtClean="0"/>
+                        <a:t>users</a:t>
+                      </a:r>
+                      <a:endParaRPr lang="fr-FR" sz="1200" dirty="0" smtClean="0"/>
+                    </a:p>
+                    <a:p>
+                      <a:pPr algn="ctr"/>
+                      <a:endParaRPr lang="fr-FR" sz="1200" dirty="0"/>
+                    </a:p>
+                  </a:txBody>
+                  <a:tcPr/>
+                </a:tc>
+                <a:tc>
+                  <a:txBody>
+                    <a:bodyPr/>
+                    <a:lstStyle/>
+                    <a:p>
+                      <a:pPr algn="ctr"/>
+                      <a:endParaRPr lang="fr-FR"/>
+                    </a:p>
+                  </a:txBody>
+                  <a:tcPr/>
+                </a:tc>
+              </a:tr>
+              <a:tr h="399262">
+                <a:tc>
+                  <a:txBody>
+                    <a:bodyPr/>
+                    <a:lstStyle/>
+                    <a:p>
+                      <a:pPr marL="0" marR="0" indent="0" algn="ctr" defTabSz="457200" rtl="0" eaLnBrk="1" fontAlgn="auto" latinLnBrk="0" hangingPunct="1">
+                        <a:lnSpc>
+                          <a:spcPct val="100000"/>
+                        </a:lnSpc>
+                        <a:spcBef>
+                          <a:spcPts val="0"/>
+                        </a:spcBef>
+                        <a:spcAft>
+                          <a:spcPts val="0"/>
+                        </a:spcAft>
+                        <a:buClrTx/>
+                        <a:buSzTx/>
+                        <a:buFontTx/>
+                        <a:buNone/>
+                        <a:tabLst/>
+                        <a:defRPr/>
+                      </a:pPr>
+                      <a:r>
+                        <a:rPr lang="fr-FR" sz="1200" dirty="0" smtClean="0"/>
+                        <a:t>A « scrolling » mode (traduction à revoir)</a:t>
+                      </a:r>
+                    </a:p>
+                    <a:p>
+                      <a:pPr algn="ctr"/>
+                      <a:endParaRPr lang="fr-FR" sz="1200" dirty="0"/>
+                    </a:p>
+                  </a:txBody>
+                  <a:tcPr/>
+                </a:tc>
+                <a:tc>
+                  <a:txBody>
+                    <a:bodyPr/>
+                    <a:lstStyle/>
+                    <a:p>
+                      <a:pPr algn="ctr"/>
+                      <a:endParaRPr lang="fr-FR"/>
+                    </a:p>
+                  </a:txBody>
+                  <a:tcPr/>
+                </a:tc>
+              </a:tr>
+              <a:tr h="399262">
+                <a:tc>
+                  <a:txBody>
+                    <a:bodyPr/>
+                    <a:lstStyle/>
+                    <a:p>
+                      <a:pPr marL="0" marR="0" indent="0" algn="ctr" defTabSz="457200" rtl="0" eaLnBrk="1" fontAlgn="auto" latinLnBrk="0" hangingPunct="1">
+                        <a:lnSpc>
+                          <a:spcPct val="100000"/>
+                        </a:lnSpc>
+                        <a:spcBef>
+                          <a:spcPts val="0"/>
+                        </a:spcBef>
+                        <a:spcAft>
+                          <a:spcPts val="0"/>
+                        </a:spcAft>
+                        <a:buClrTx/>
+                        <a:buSzTx/>
+                        <a:buFontTx/>
+                        <a:buNone/>
+                        <a:tabLst/>
+                        <a:defRPr/>
+                      </a:pPr>
+                      <a:r>
+                        <a:rPr lang="fr-FR" sz="1200" dirty="0" smtClean="0"/>
+                        <a:t>Configuration </a:t>
+                      </a:r>
+                      <a:r>
+                        <a:rPr lang="fr-FR" sz="1200" dirty="0" err="1" smtClean="0"/>
+                        <a:t>available</a:t>
+                      </a:r>
+                      <a:r>
+                        <a:rPr lang="fr-FR" sz="1200" dirty="0" smtClean="0"/>
+                        <a:t> </a:t>
+                      </a:r>
+                      <a:r>
+                        <a:rPr lang="fr-FR" sz="1200" dirty="0" err="1" smtClean="0"/>
+                        <a:t>only</a:t>
+                      </a:r>
+                      <a:r>
+                        <a:rPr lang="fr-FR" sz="1200" dirty="0" smtClean="0"/>
+                        <a:t> for</a:t>
+                      </a:r>
+                      <a:r>
+                        <a:rPr lang="fr-FR" sz="1200" baseline="0" dirty="0" smtClean="0"/>
+                        <a:t> the</a:t>
+                      </a:r>
+                      <a:r>
+                        <a:rPr lang="fr-FR" sz="1200" dirty="0" smtClean="0"/>
+                        <a:t> </a:t>
+                      </a:r>
+                      <a:r>
+                        <a:rPr lang="fr-FR" sz="1200" dirty="0" err="1" smtClean="0"/>
+                        <a:t>technician</a:t>
+                      </a:r>
+                      <a:endParaRPr lang="fr-FR" sz="1200" dirty="0" smtClean="0"/>
+                    </a:p>
+                    <a:p>
+                      <a:pPr algn="ctr"/>
+                      <a:endParaRPr lang="fr-FR" sz="1200" dirty="0"/>
+                    </a:p>
+                  </a:txBody>
+                  <a:tcPr/>
+                </a:tc>
+                <a:tc>
+                  <a:txBody>
+                    <a:bodyPr/>
+                    <a:lstStyle/>
+                    <a:p>
+                      <a:pPr algn="ctr"/>
+                      <a:endParaRPr lang="fr-FR"/>
+                    </a:p>
+                  </a:txBody>
+                  <a:tcPr/>
+                </a:tc>
+              </a:tr>
+              <a:tr h="501386">
+                <a:tc>
+                  <a:txBody>
+                    <a:bodyPr/>
+                    <a:lstStyle/>
+                    <a:p>
+                      <a:pPr marL="0" marR="0" indent="0" algn="ctr" defTabSz="457200" rtl="0" eaLnBrk="1" fontAlgn="auto" latinLnBrk="0" hangingPunct="1">
+                        <a:lnSpc>
+                          <a:spcPct val="100000"/>
+                        </a:lnSpc>
+                        <a:spcBef>
+                          <a:spcPts val="0"/>
+                        </a:spcBef>
+                        <a:spcAft>
+                          <a:spcPts val="0"/>
+                        </a:spcAft>
+                        <a:buClrTx/>
+                        <a:buSzTx/>
+                        <a:buFontTx/>
+                        <a:buNone/>
+                        <a:tabLst/>
+                        <a:defRPr/>
+                      </a:pPr>
+                      <a:r>
+                        <a:rPr lang="fr-FR" sz="1200" dirty="0" smtClean="0"/>
+                        <a:t>Feedback </a:t>
+                      </a:r>
+                      <a:r>
+                        <a:rPr lang="fr-FR" sz="1200" dirty="0" err="1" smtClean="0"/>
+                        <a:t>from</a:t>
+                      </a:r>
+                      <a:r>
+                        <a:rPr lang="fr-FR" sz="1200" dirty="0" smtClean="0"/>
+                        <a:t> the </a:t>
+                      </a:r>
+                      <a:r>
+                        <a:rPr lang="fr-FR" sz="1200" dirty="0" err="1" smtClean="0"/>
+                        <a:t>wheelchair</a:t>
+                      </a:r>
+                      <a:endParaRPr lang="fr-FR" sz="1200" dirty="0" smtClean="0"/>
+                    </a:p>
+                    <a:p>
+                      <a:pPr algn="ctr"/>
+                      <a:endParaRPr lang="fr-FR" sz="1200" dirty="0"/>
+                    </a:p>
+                  </a:txBody>
+                  <a:tcPr/>
+                </a:tc>
+                <a:tc>
+                  <a:txBody>
+                    <a:bodyPr/>
+                    <a:lstStyle/>
+                    <a:p>
+                      <a:pPr algn="ctr"/>
+                      <a:endParaRPr lang="fr-FR" dirty="0"/>
+                    </a:p>
+                  </a:txBody>
+                  <a:tcPr/>
+                </a:tc>
+              </a:tr>
+            </a:tbl>
+          </a:graphicData>
+        </a:graphic>
+      </p:graphicFrame>
     </p:spTree>
     <p:extLst>
       <p:ext uri="{BB962C8B-B14F-4D97-AF65-F5344CB8AC3E}">
@@ -9588,6 +10656,75 @@
       </p:transition>
     </mc:Choice>
     <mc:Fallback xmlns="">
+      <p:transition spd="med">
+        <p:fade/>
+      </p:transition>
+    </mc:Fallback>
+  </mc:AlternateContent>
+</p:sld>
+</file>
+
+<file path=ppt/slides/slide9.xml><?xml version="1.0" encoding="utf-8"?>
+<p:sld xmlns:a="http://schemas.openxmlformats.org/drawingml/2006/main" xmlns:r="http://schemas.openxmlformats.org/officeDocument/2006/relationships" xmlns:p="http://schemas.openxmlformats.org/presentationml/2006/main">
+  <p:cSld>
+    <p:spTree>
+      <p:nvGrpSpPr>
+        <p:cNvPr id="1" name=""/>
+        <p:cNvGrpSpPr/>
+        <p:nvPr/>
+      </p:nvGrpSpPr>
+      <p:grpSpPr>
+        <a:xfrm>
+          <a:off x="0" y="0"/>
+          <a:ext cx="0" cy="0"/>
+          <a:chOff x="0" y="0"/>
+          <a:chExt cx="0" cy="0"/>
+        </a:xfrm>
+      </p:grpSpPr>
+      <p:sp>
+        <p:nvSpPr>
+          <p:cNvPr id="4" name="Titre 3"/>
+          <p:cNvSpPr>
+            <a:spLocks noGrp="1"/>
+          </p:cNvSpPr>
+          <p:nvPr>
+            <p:ph type="ctrTitle"/>
+          </p:nvPr>
+        </p:nvSpPr>
+        <p:spPr/>
+        <p:txBody>
+          <a:bodyPr/>
+          <a:lstStyle/>
+          <a:p>
+            <a:r>
+              <a:rPr lang="fr-FR" dirty="0" err="1" smtClean="0"/>
+              <a:t>Pre</a:t>
+            </a:r>
+            <a:r>
+              <a:rPr lang="fr-FR" dirty="0" smtClean="0"/>
+              <a:t>-STUDY</a:t>
+            </a:r>
+            <a:endParaRPr lang="fr-FR" dirty="0"/>
+          </a:p>
+        </p:txBody>
+      </p:sp>
+    </p:spTree>
+    <p:extLst>
+      <p:ext uri="{BB962C8B-B14F-4D97-AF65-F5344CB8AC3E}">
+        <p14:creationId xmlns:p14="http://schemas.microsoft.com/office/powerpoint/2010/main" val="1383375859"/>
+      </p:ext>
+    </p:extLst>
+  </p:cSld>
+  <p:clrMapOvr>
+    <a:masterClrMapping/>
+  </p:clrMapOvr>
+  <mc:AlternateContent xmlns:mc="http://schemas.openxmlformats.org/markup-compatibility/2006">
+    <mc:Choice xmlns:p14="http://schemas.microsoft.com/office/powerpoint/2010/main" Requires="p14">
+      <p:transition spd="med" p14:dur="700">
+        <p:fade/>
+      </p:transition>
+    </mc:Choice>
+    <mc:Fallback>
       <p:transition spd="med">
         <p:fade/>
       </p:transition>

--- a/Rendu/Diapo_prototype_janvier.pptx
+++ b/Rendu/Diapo_prototype_janvier.pptx
@@ -1,14 +1,14 @@
 
 <file path=ppt/presentation.xml><?xml version="1.0" encoding="utf-8"?>
-<p:presentation xmlns:a="http://schemas.openxmlformats.org/drawingml/2006/main" xmlns:r="http://schemas.openxmlformats.org/officeDocument/2006/relationships" xmlns:p="http://schemas.openxmlformats.org/presentationml/2006/main" saveSubsetFonts="1">
+<p:presentation xmlns:a="http://schemas.openxmlformats.org/drawingml/2006/main" xmlns:r="http://schemas.openxmlformats.org/officeDocument/2006/relationships" xmlns:p="http://schemas.openxmlformats.org/presentationml/2006/main" showSpecialPlsOnTitleSld="0" saveSubsetFonts="1">
   <p:sldMasterIdLst>
     <p:sldMasterId id="2147483648" r:id="rId1"/>
   </p:sldMasterIdLst>
   <p:notesMasterIdLst>
-    <p:notesMasterId r:id="rId18"/>
+    <p:notesMasterId r:id="rId20"/>
   </p:notesMasterIdLst>
   <p:handoutMasterIdLst>
-    <p:handoutMasterId r:id="rId19"/>
+    <p:handoutMasterId r:id="rId21"/>
   </p:handoutMasterIdLst>
   <p:sldIdLst>
     <p:sldId id="284" r:id="rId2"/>
@@ -20,15 +20,17 @@
     <p:sldId id="295" r:id="rId8"/>
     <p:sldId id="290" r:id="rId9"/>
     <p:sldId id="294" r:id="rId10"/>
-    <p:sldId id="289" r:id="rId11"/>
-    <p:sldId id="296" r:id="rId12"/>
+    <p:sldId id="300" r:id="rId11"/>
+    <p:sldId id="301" r:id="rId12"/>
     <p:sldId id="285" r:id="rId13"/>
-    <p:sldId id="286" r:id="rId14"/>
-    <p:sldId id="298" r:id="rId15"/>
-    <p:sldId id="297" r:id="rId16"/>
-    <p:sldId id="299" r:id="rId17"/>
+    <p:sldId id="289" r:id="rId14"/>
+    <p:sldId id="296" r:id="rId15"/>
+    <p:sldId id="286" r:id="rId16"/>
+    <p:sldId id="298" r:id="rId17"/>
+    <p:sldId id="297" r:id="rId18"/>
+    <p:sldId id="299" r:id="rId19"/>
   </p:sldIdLst>
-  <p:sldSz cx="9144000" cy="5143500" type="screen16x9"/>
+  <p:sldSz cx="9144000" cy="6858000" type="screen4x3"/>
   <p:notesSz cx="6799263" cy="9929813"/>
   <p:defaultTextStyle>
     <a:defPPr>
@@ -127,7 +129,7 @@
   </p:defaultTextStyle>
   <p:extLst>
     <p:ext uri="{EFAFB233-063F-42B5-8137-9DF3F51BA10A}">
-      <p15:sldGuideLst xmlns:p15="http://schemas.microsoft.com/office/powerpoint/2012/main">
+      <p15:sldGuideLst xmlns:p15="http://schemas.microsoft.com/office/powerpoint/2012/main" xmlns="">
         <p15:guide id="1" orient="horz" pos="1620">
           <p15:clr>
             <a:srgbClr val="A4A3A4"/>
@@ -432,8 +434,8 @@
         </p:nvSpPr>
         <p:spPr>
           <a:xfrm>
-            <a:off x="90488" y="744538"/>
-            <a:ext cx="6618287" cy="3724275"/>
+            <a:off x="915988" y="744538"/>
+            <a:ext cx="4967287" cy="3724275"/>
           </a:xfrm>
           <a:prstGeom prst="rect">
             <a:avLst/>
@@ -683,6 +685,96 @@
 </p:notesMaster>
 </file>
 
+<file path=ppt/notesSlides/notesSlide1.xml><?xml version="1.0" encoding="utf-8"?>
+<p:notes xmlns:a="http://schemas.openxmlformats.org/drawingml/2006/main" xmlns:r="http://schemas.openxmlformats.org/officeDocument/2006/relationships" xmlns:p="http://schemas.openxmlformats.org/presentationml/2006/main">
+  <p:cSld>
+    <p:spTree>
+      <p:nvGrpSpPr>
+        <p:cNvPr id="1" name=""/>
+        <p:cNvGrpSpPr/>
+        <p:nvPr/>
+      </p:nvGrpSpPr>
+      <p:grpSpPr>
+        <a:xfrm>
+          <a:off x="0" y="0"/>
+          <a:ext cx="0" cy="0"/>
+          <a:chOff x="0" y="0"/>
+          <a:chExt cx="0" cy="0"/>
+        </a:xfrm>
+      </p:grpSpPr>
+      <p:sp>
+        <p:nvSpPr>
+          <p:cNvPr id="2" name="Espace réservé de l'image des diapositives 1"/>
+          <p:cNvSpPr>
+            <a:spLocks noGrp="1" noRot="1" noChangeAspect="1"/>
+          </p:cNvSpPr>
+          <p:nvPr>
+            <p:ph type="sldImg"/>
+          </p:nvPr>
+        </p:nvSpPr>
+        <p:spPr>
+          <a:xfrm>
+            <a:off x="915988" y="744538"/>
+            <a:ext cx="4967287" cy="3724275"/>
+          </a:xfrm>
+        </p:spPr>
+      </p:sp>
+      <p:sp>
+        <p:nvSpPr>
+          <p:cNvPr id="3" name="Espace réservé des commentaires 2"/>
+          <p:cNvSpPr>
+            <a:spLocks noGrp="1"/>
+          </p:cNvSpPr>
+          <p:nvPr>
+            <p:ph type="body" idx="1"/>
+          </p:nvPr>
+        </p:nvSpPr>
+        <p:spPr/>
+        <p:txBody>
+          <a:bodyPr/>
+          <a:lstStyle/>
+          <a:p>
+            <a:endParaRPr lang="fr-FR"/>
+          </a:p>
+        </p:txBody>
+      </p:sp>
+      <p:sp>
+        <p:nvSpPr>
+          <p:cNvPr id="4" name="Espace réservé du numéro de diapositive 3"/>
+          <p:cNvSpPr>
+            <a:spLocks noGrp="1"/>
+          </p:cNvSpPr>
+          <p:nvPr>
+            <p:ph type="sldNum" sz="quarter" idx="10"/>
+          </p:nvPr>
+        </p:nvSpPr>
+        <p:spPr/>
+        <p:txBody>
+          <a:bodyPr/>
+          <a:lstStyle/>
+          <a:p>
+            <a:fld id="{39168679-7C28-4FFB-8A08-9AACB039AAD4}" type="slidenum">
+              <a:rPr lang="fr-FR" smtClean="0"/>
+              <a:pPr/>
+              <a:t>1</a:t>
+            </a:fld>
+            <a:endParaRPr lang="fr-FR"/>
+          </a:p>
+        </p:txBody>
+      </p:sp>
+    </p:spTree>
+    <p:extLst>
+      <p:ext uri="{BB962C8B-B14F-4D97-AF65-F5344CB8AC3E}">
+        <p14:creationId xmlns:p14="http://schemas.microsoft.com/office/powerpoint/2010/main" val="1106084811"/>
+      </p:ext>
+    </p:extLst>
+  </p:cSld>
+  <p:clrMapOvr>
+    <a:masterClrMapping/>
+  </p:clrMapOvr>
+</p:notes>
+</file>
+
 <file path=ppt/slideLayouts/slideLayout1.xml><?xml version="1.0" encoding="utf-8"?>
 <p:sldLayout xmlns:a="http://schemas.openxmlformats.org/drawingml/2006/main" xmlns:r="http://schemas.openxmlformats.org/officeDocument/2006/relationships" xmlns:p="http://schemas.openxmlformats.org/presentationml/2006/main" preserve="1" userDrawn="1">
   <p:cSld name="Couverture">
@@ -717,7 +809,7 @@
         <p:spPr>
           <a:xfrm>
             <a:off x="8184258" y="0"/>
-            <a:ext cx="959742" cy="1065540"/>
+            <a:ext cx="959742" cy="1420720"/>
           </a:xfrm>
           <a:prstGeom prst="rect">
             <a:avLst/>
@@ -765,7 +857,7 @@
         <p:spPr>
           <a:xfrm>
             <a:off x="-1" y="0"/>
-            <a:ext cx="9144001" cy="5156699"/>
+            <a:ext cx="9144001" cy="6875599"/>
           </a:xfrm>
           <a:prstGeom prst="rect">
             <a:avLst/>
@@ -814,8 +906,8 @@
         </p:nvGrpSpPr>
         <p:grpSpPr bwMode="auto">
           <a:xfrm>
-            <a:off x="0" y="868363"/>
-            <a:ext cx="4013947" cy="4269938"/>
+            <a:off x="1" y="1157817"/>
+            <a:ext cx="4013947" cy="5693251"/>
             <a:chOff x="-1" y="868398"/>
             <a:chExt cx="4355976" cy="4633217"/>
           </a:xfrm>
@@ -953,8 +1045,8 @@
         </p:nvSpPr>
         <p:spPr>
           <a:xfrm rot="16200000">
-            <a:off x="4399012" y="-842760"/>
-            <a:ext cx="3923411" cy="5593663"/>
+            <a:off x="3745111" y="-191402"/>
+            <a:ext cx="5231215" cy="5593663"/>
           </a:xfrm>
           <a:custGeom>
             <a:avLst/>
@@ -1482,8 +1574,8 @@
         </p:nvSpPr>
         <p:spPr>
           <a:xfrm rot="16200000">
-            <a:off x="6825055" y="-469057"/>
-            <a:ext cx="1874105" cy="2802782"/>
+            <a:off x="6512705" y="-158279"/>
+            <a:ext cx="2498807" cy="2802782"/>
           </a:xfrm>
           <a:custGeom>
             <a:avLst/>
@@ -1639,8 +1731,8 @@
         </p:nvSpPr>
         <p:spPr>
           <a:xfrm rot="16200000">
-            <a:off x="7319312" y="360679"/>
-            <a:ext cx="1872209" cy="1816159"/>
+            <a:off x="7007278" y="783599"/>
+            <a:ext cx="2496279" cy="1816159"/>
           </a:xfrm>
           <a:prstGeom prst="triangle">
             <a:avLst/>
@@ -1718,8 +1810,8 @@
         </p:blipFill>
         <p:spPr bwMode="auto">
           <a:xfrm>
-            <a:off x="3419475" y="4651874"/>
-            <a:ext cx="2089150" cy="504825"/>
+            <a:off x="3419475" y="6202499"/>
+            <a:ext cx="2089150" cy="673100"/>
           </a:xfrm>
           <a:prstGeom prst="rect">
             <a:avLst/>
@@ -1772,8 +1864,8 @@
         </p:blipFill>
         <p:spPr bwMode="auto">
           <a:xfrm>
-            <a:off x="539750" y="344488"/>
-            <a:ext cx="2797175" cy="606425"/>
+            <a:off x="539751" y="459318"/>
+            <a:ext cx="2797175" cy="808567"/>
           </a:xfrm>
           <a:prstGeom prst="rect">
             <a:avLst/>
@@ -1869,7 +1961,7 @@
         <p:spPr>
           <a:xfrm>
             <a:off x="8184258" y="0"/>
-            <a:ext cx="959742" cy="1065540"/>
+            <a:ext cx="959742" cy="1420720"/>
           </a:xfrm>
           <a:prstGeom prst="rect">
             <a:avLst/>
@@ -1915,8 +2007,8 @@
         </p:nvSpPr>
         <p:spPr>
           <a:xfrm>
-            <a:off x="0" y="0"/>
-            <a:ext cx="1257281" cy="5143500"/>
+            <a:off x="1" y="0"/>
+            <a:ext cx="1257281" cy="6858000"/>
           </a:xfrm>
           <a:prstGeom prst="rtTriangle">
             <a:avLst/>
@@ -1966,8 +2058,8 @@
         </p:nvSpPr>
         <p:spPr>
           <a:xfrm>
-            <a:off x="362738" y="87823"/>
-            <a:ext cx="7876388" cy="857250"/>
+            <a:off x="362738" y="117097"/>
+            <a:ext cx="7876388" cy="1143000"/>
           </a:xfrm>
           <a:prstGeom prst="rect">
             <a:avLst/>
@@ -2008,8 +2100,8 @@
         </p:nvSpPr>
         <p:spPr>
           <a:xfrm>
-            <a:off x="581892" y="1073098"/>
-            <a:ext cx="8409708" cy="3521525"/>
+            <a:off x="581892" y="1430798"/>
+            <a:ext cx="8409708" cy="4695367"/>
           </a:xfrm>
         </p:spPr>
         <p:txBody>
@@ -2129,8 +2221,8 @@
         </p:blipFill>
         <p:spPr bwMode="auto">
           <a:xfrm>
-            <a:off x="7995333" y="168082"/>
-            <a:ext cx="1265612" cy="309283"/>
+            <a:off x="7995333" y="224110"/>
+            <a:ext cx="1265612" cy="412377"/>
           </a:xfrm>
           <a:prstGeom prst="rect">
             <a:avLst/>
@@ -2155,8 +2247,8 @@
         </p:nvSpPr>
         <p:spPr>
           <a:xfrm>
-            <a:off x="0" y="4108076"/>
-            <a:ext cx="9144001" cy="528494"/>
+            <a:off x="1" y="5477435"/>
+            <a:ext cx="9144001" cy="704659"/>
           </a:xfrm>
           <a:prstGeom prst="rect">
             <a:avLst/>
@@ -2203,7 +2295,7 @@
         </p:nvSpPr>
         <p:spPr>
           <a:xfrm>
-            <a:off x="99414" y="4240408"/>
+            <a:off x="99414" y="5692349"/>
             <a:ext cx="5044084" cy="230832"/>
           </a:xfrm>
           <a:prstGeom prst="rect">
@@ -2269,8 +2361,8 @@
         </p:nvSpPr>
         <p:spPr>
           <a:xfrm>
-            <a:off x="-1" y="4636570"/>
-            <a:ext cx="9144001" cy="520129"/>
+            <a:off x="-1" y="6182094"/>
+            <a:ext cx="9144001" cy="693505"/>
           </a:xfrm>
           <a:prstGeom prst="rect">
             <a:avLst/>
@@ -2332,8 +2424,8 @@
         </p:blipFill>
         <p:spPr bwMode="auto">
           <a:xfrm>
-            <a:off x="178924" y="4731010"/>
-            <a:ext cx="1723836" cy="321099"/>
+            <a:off x="178924" y="6308014"/>
+            <a:ext cx="1723836" cy="428132"/>
           </a:xfrm>
           <a:prstGeom prst="rect">
             <a:avLst/>
@@ -2358,7 +2450,7 @@
         </p:nvSpPr>
         <p:spPr>
           <a:xfrm>
-            <a:off x="7413441" y="4240407"/>
+            <a:off x="7413441" y="5692348"/>
             <a:ext cx="1647432" cy="230832"/>
           </a:xfrm>
           <a:prstGeom prst="rect">
@@ -2466,7 +2558,7 @@
         <p:spPr bwMode="auto">
           <a:xfrm>
             <a:off x="0" y="0"/>
-            <a:ext cx="3924719" cy="5143500"/>
+            <a:ext cx="3924719" cy="6858000"/>
           </a:xfrm>
           <a:prstGeom prst="parallelogram">
             <a:avLst>
@@ -2494,7 +2586,7 @@
         <p:spPr>
           <a:xfrm flipH="1" flipV="1">
             <a:off x="2667438" y="0"/>
-            <a:ext cx="1257281" cy="5143500"/>
+            <a:ext cx="1257281" cy="6858000"/>
           </a:xfrm>
           <a:prstGeom prst="rtTriangle">
             <a:avLst/>
@@ -2540,8 +2632,8 @@
         </p:nvSpPr>
         <p:spPr>
           <a:xfrm>
-            <a:off x="0" y="0"/>
-            <a:ext cx="1257281" cy="5143500"/>
+            <a:off x="1" y="0"/>
+            <a:ext cx="1257281" cy="6858000"/>
           </a:xfrm>
           <a:prstGeom prst="rtTriangle">
             <a:avLst/>
@@ -2588,7 +2680,7 @@
         <p:spPr>
           <a:xfrm>
             <a:off x="8184258" y="0"/>
-            <a:ext cx="959742" cy="1065540"/>
+            <a:ext cx="959742" cy="1420720"/>
           </a:xfrm>
           <a:prstGeom prst="rect">
             <a:avLst/>
@@ -2638,8 +2730,8 @@
         </p:nvSpPr>
         <p:spPr>
           <a:xfrm>
-            <a:off x="3924719" y="1488608"/>
-            <a:ext cx="4862820" cy="1102519"/>
+            <a:off x="3924719" y="1984812"/>
+            <a:ext cx="4862820" cy="1470025"/>
           </a:xfrm>
           <a:prstGeom prst="rect">
             <a:avLst/>
@@ -2689,8 +2781,8 @@
         </p:blipFill>
         <p:spPr bwMode="auto">
           <a:xfrm>
-            <a:off x="7995333" y="168082"/>
-            <a:ext cx="1265612" cy="309283"/>
+            <a:off x="7995333" y="224110"/>
+            <a:ext cx="1265612" cy="412377"/>
           </a:xfrm>
           <a:prstGeom prst="rect">
             <a:avLst/>
@@ -2715,8 +2807,8 @@
         </p:nvSpPr>
         <p:spPr>
           <a:xfrm>
-            <a:off x="0" y="4108076"/>
-            <a:ext cx="9144001" cy="528494"/>
+            <a:off x="1" y="5477435"/>
+            <a:ext cx="9144001" cy="704659"/>
           </a:xfrm>
           <a:prstGeom prst="rect">
             <a:avLst/>
@@ -2763,7 +2855,7 @@
         </p:nvSpPr>
         <p:spPr>
           <a:xfrm>
-            <a:off x="99414" y="4240408"/>
+            <a:off x="99414" y="5692349"/>
             <a:ext cx="5044084" cy="230832"/>
           </a:xfrm>
           <a:prstGeom prst="rect">
@@ -2829,8 +2921,8 @@
         </p:nvSpPr>
         <p:spPr>
           <a:xfrm>
-            <a:off x="-1" y="4636570"/>
-            <a:ext cx="9144001" cy="520129"/>
+            <a:off x="-1" y="6182094"/>
+            <a:ext cx="9144001" cy="693505"/>
           </a:xfrm>
           <a:prstGeom prst="rect">
             <a:avLst/>
@@ -2892,8 +2984,8 @@
         </p:blipFill>
         <p:spPr bwMode="auto">
           <a:xfrm>
-            <a:off x="178924" y="4731010"/>
-            <a:ext cx="1723836" cy="321099"/>
+            <a:off x="178924" y="6308014"/>
+            <a:ext cx="1723836" cy="428132"/>
           </a:xfrm>
           <a:prstGeom prst="rect">
             <a:avLst/>
@@ -2918,7 +3010,7 @@
         </p:nvSpPr>
         <p:spPr>
           <a:xfrm>
-            <a:off x="7413441" y="4240407"/>
+            <a:off x="7413441" y="5692348"/>
             <a:ext cx="1647432" cy="230832"/>
           </a:xfrm>
           <a:prstGeom prst="rect">
@@ -3185,7 +3277,7 @@
         <p:spPr>
           <a:xfrm>
             <a:off x="0" y="0"/>
-            <a:ext cx="9144000" cy="5143500"/>
+            <a:ext cx="9144000" cy="6858000"/>
           </a:xfrm>
           <a:prstGeom prst="rect">
             <a:avLst/>
@@ -3247,8 +3339,8 @@
         </p:blipFill>
         <p:spPr bwMode="auto">
           <a:xfrm>
-            <a:off x="0" y="0"/>
-            <a:ext cx="3073381" cy="5143500"/>
+            <a:off x="1" y="0"/>
+            <a:ext cx="3073381" cy="6858000"/>
           </a:xfrm>
           <a:prstGeom prst="parallelogram">
             <a:avLst>
@@ -3275,8 +3367,8 @@
         </p:nvSpPr>
         <p:spPr>
           <a:xfrm flipH="1" flipV="1">
-            <a:off x="1816100" y="0"/>
-            <a:ext cx="1257281" cy="5143500"/>
+            <a:off x="1816101" y="0"/>
+            <a:ext cx="1257281" cy="6858000"/>
           </a:xfrm>
           <a:prstGeom prst="rtTriangle">
             <a:avLst/>
@@ -3329,8 +3421,8 @@
         </p:nvSpPr>
         <p:spPr>
           <a:xfrm>
-            <a:off x="2975675" y="1606144"/>
-            <a:ext cx="5811864" cy="1102519"/>
+            <a:off x="2975675" y="2141526"/>
+            <a:ext cx="5811864" cy="1470025"/>
           </a:xfrm>
           <a:prstGeom prst="rect">
             <a:avLst/>
@@ -3367,8 +3459,8 @@
         </p:nvSpPr>
         <p:spPr>
           <a:xfrm>
-            <a:off x="0" y="0"/>
-            <a:ext cx="1257281" cy="5143500"/>
+            <a:off x="1" y="0"/>
+            <a:ext cx="1257281" cy="6858000"/>
           </a:xfrm>
           <a:prstGeom prst="rtTriangle">
             <a:avLst/>
@@ -3428,8 +3520,8 @@
         </p:blipFill>
         <p:spPr bwMode="auto">
           <a:xfrm>
-            <a:off x="7995333" y="168082"/>
-            <a:ext cx="1265612" cy="309283"/>
+            <a:off x="7995333" y="224110"/>
+            <a:ext cx="1265612" cy="412377"/>
           </a:xfrm>
           <a:prstGeom prst="rect">
             <a:avLst/>
@@ -3454,8 +3546,8 @@
         </p:nvSpPr>
         <p:spPr>
           <a:xfrm>
-            <a:off x="0" y="4108076"/>
-            <a:ext cx="9144001" cy="528494"/>
+            <a:off x="1" y="5477435"/>
+            <a:ext cx="9144001" cy="704659"/>
           </a:xfrm>
           <a:prstGeom prst="rect">
             <a:avLst/>
@@ -3502,7 +3594,7 @@
         </p:nvSpPr>
         <p:spPr>
           <a:xfrm>
-            <a:off x="99414" y="4240408"/>
+            <a:off x="99414" y="5692349"/>
             <a:ext cx="5044084" cy="230832"/>
           </a:xfrm>
           <a:prstGeom prst="rect">
@@ -3568,8 +3660,8 @@
         </p:nvSpPr>
         <p:spPr>
           <a:xfrm>
-            <a:off x="-1" y="4636570"/>
-            <a:ext cx="9144001" cy="520129"/>
+            <a:off x="-1" y="6182094"/>
+            <a:ext cx="9144001" cy="693505"/>
           </a:xfrm>
           <a:prstGeom prst="rect">
             <a:avLst/>
@@ -3631,8 +3723,8 @@
         </p:blipFill>
         <p:spPr bwMode="auto">
           <a:xfrm>
-            <a:off x="178924" y="4731010"/>
-            <a:ext cx="1723836" cy="321099"/>
+            <a:off x="178924" y="6308014"/>
+            <a:ext cx="1723836" cy="428132"/>
           </a:xfrm>
           <a:prstGeom prst="rect">
             <a:avLst/>
@@ -3657,7 +3749,7 @@
         </p:nvSpPr>
         <p:spPr>
           <a:xfrm>
-            <a:off x="7413441" y="4240407"/>
+            <a:off x="7413441" y="5692348"/>
             <a:ext cx="1647432" cy="230832"/>
           </a:xfrm>
           <a:prstGeom prst="rect">
@@ -3924,7 +4016,7 @@
         <p:spPr>
           <a:xfrm>
             <a:off x="0" y="0"/>
-            <a:ext cx="9144000" cy="5143500"/>
+            <a:ext cx="9144000" cy="6858000"/>
           </a:xfrm>
           <a:prstGeom prst="rect">
             <a:avLst/>
@@ -3986,8 +4078,8 @@
         </p:blipFill>
         <p:spPr bwMode="auto">
           <a:xfrm flipH="1">
-            <a:off x="0" y="0"/>
-            <a:ext cx="3073381" cy="5143500"/>
+            <a:off x="1" y="0"/>
+            <a:ext cx="3073381" cy="6858000"/>
           </a:xfrm>
           <a:prstGeom prst="parallelogram">
             <a:avLst>
@@ -4014,8 +4106,8 @@
         </p:nvSpPr>
         <p:spPr>
           <a:xfrm flipH="1" flipV="1">
-            <a:off x="1816100" y="0"/>
-            <a:ext cx="1257281" cy="5143500"/>
+            <a:off x="1816101" y="0"/>
+            <a:ext cx="1257281" cy="6858000"/>
           </a:xfrm>
           <a:prstGeom prst="rtTriangle">
             <a:avLst/>
@@ -4068,8 +4160,8 @@
         </p:nvSpPr>
         <p:spPr>
           <a:xfrm>
-            <a:off x="2975675" y="1606128"/>
-            <a:ext cx="5811864" cy="1102519"/>
+            <a:off x="2975675" y="2141505"/>
+            <a:ext cx="5811864" cy="1470025"/>
           </a:xfrm>
           <a:prstGeom prst="rect">
             <a:avLst/>
@@ -4106,8 +4198,8 @@
         </p:nvSpPr>
         <p:spPr>
           <a:xfrm>
-            <a:off x="0" y="0"/>
-            <a:ext cx="1257281" cy="5143500"/>
+            <a:off x="1" y="0"/>
+            <a:ext cx="1257281" cy="6858000"/>
           </a:xfrm>
           <a:prstGeom prst="rtTriangle">
             <a:avLst/>
@@ -4167,8 +4259,8 @@
         </p:blipFill>
         <p:spPr bwMode="auto">
           <a:xfrm>
-            <a:off x="7995333" y="168082"/>
-            <a:ext cx="1265612" cy="309283"/>
+            <a:off x="7995333" y="224110"/>
+            <a:ext cx="1265612" cy="412377"/>
           </a:xfrm>
           <a:prstGeom prst="rect">
             <a:avLst/>
@@ -4193,8 +4285,8 @@
         </p:nvSpPr>
         <p:spPr>
           <a:xfrm>
-            <a:off x="0" y="4108076"/>
-            <a:ext cx="9144001" cy="528494"/>
+            <a:off x="1" y="5477435"/>
+            <a:ext cx="9144001" cy="704659"/>
           </a:xfrm>
           <a:prstGeom prst="rect">
             <a:avLst/>
@@ -4241,7 +4333,7 @@
         </p:nvSpPr>
         <p:spPr>
           <a:xfrm>
-            <a:off x="99414" y="4240408"/>
+            <a:off x="99414" y="5692349"/>
             <a:ext cx="5044084" cy="230832"/>
           </a:xfrm>
           <a:prstGeom prst="rect">
@@ -4307,8 +4399,8 @@
         </p:nvSpPr>
         <p:spPr>
           <a:xfrm>
-            <a:off x="-1" y="4636570"/>
-            <a:ext cx="9144001" cy="520129"/>
+            <a:off x="-1" y="6182094"/>
+            <a:ext cx="9144001" cy="693505"/>
           </a:xfrm>
           <a:prstGeom prst="rect">
             <a:avLst/>
@@ -4370,8 +4462,8 @@
         </p:blipFill>
         <p:spPr bwMode="auto">
           <a:xfrm>
-            <a:off x="178924" y="4731010"/>
-            <a:ext cx="1723836" cy="321099"/>
+            <a:off x="178924" y="6308014"/>
+            <a:ext cx="1723836" cy="428132"/>
           </a:xfrm>
           <a:prstGeom prst="rect">
             <a:avLst/>
@@ -4396,7 +4488,7 @@
         </p:nvSpPr>
         <p:spPr>
           <a:xfrm>
-            <a:off x="7413441" y="4240407"/>
+            <a:off x="7413441" y="5692348"/>
             <a:ext cx="1647432" cy="230832"/>
           </a:xfrm>
           <a:prstGeom prst="rect">
@@ -4663,7 +4755,7 @@
         <p:spPr>
           <a:xfrm>
             <a:off x="0" y="0"/>
-            <a:ext cx="9144000" cy="5143500"/>
+            <a:ext cx="9144000" cy="6858000"/>
           </a:xfrm>
           <a:prstGeom prst="rect">
             <a:avLst/>
@@ -4713,8 +4805,8 @@
         </p:nvSpPr>
         <p:spPr>
           <a:xfrm>
-            <a:off x="929514" y="1679380"/>
-            <a:ext cx="7858025" cy="1102519"/>
+            <a:off x="929515" y="2239174"/>
+            <a:ext cx="7858025" cy="1470025"/>
           </a:xfrm>
           <a:prstGeom prst="rect">
             <a:avLst/>
@@ -4755,7 +4847,7 @@
         <p:spPr>
           <a:xfrm>
             <a:off x="-1" y="0"/>
-            <a:ext cx="1215523" cy="5143500"/>
+            <a:ext cx="1215523" cy="6858000"/>
           </a:xfrm>
           <a:prstGeom prst="rtTriangle">
             <a:avLst/>
@@ -4805,7 +4897,7 @@
         <p:spPr>
           <a:xfrm>
             <a:off x="0" y="0"/>
-            <a:ext cx="929514" cy="5143500"/>
+            <a:ext cx="929514" cy="6858000"/>
           </a:xfrm>
           <a:prstGeom prst="rtTriangle">
             <a:avLst/>
@@ -4867,8 +4959,8 @@
         </p:blipFill>
         <p:spPr bwMode="auto">
           <a:xfrm>
-            <a:off x="7995333" y="168082"/>
-            <a:ext cx="1265612" cy="309283"/>
+            <a:off x="7995333" y="224110"/>
+            <a:ext cx="1265612" cy="412377"/>
           </a:xfrm>
           <a:prstGeom prst="rect">
             <a:avLst/>
@@ -4893,8 +4985,8 @@
         </p:nvSpPr>
         <p:spPr>
           <a:xfrm>
-            <a:off x="0" y="4108076"/>
-            <a:ext cx="9144001" cy="528494"/>
+            <a:off x="1" y="5477435"/>
+            <a:ext cx="9144001" cy="704659"/>
           </a:xfrm>
           <a:prstGeom prst="rect">
             <a:avLst/>
@@ -4941,7 +5033,7 @@
         </p:nvSpPr>
         <p:spPr>
           <a:xfrm>
-            <a:off x="99414" y="4240408"/>
+            <a:off x="99414" y="5692349"/>
             <a:ext cx="5044084" cy="230832"/>
           </a:xfrm>
           <a:prstGeom prst="rect">
@@ -5007,8 +5099,8 @@
         </p:nvSpPr>
         <p:spPr>
           <a:xfrm>
-            <a:off x="-1" y="4636570"/>
-            <a:ext cx="9144001" cy="520129"/>
+            <a:off x="-1" y="6182094"/>
+            <a:ext cx="9144001" cy="693505"/>
           </a:xfrm>
           <a:prstGeom prst="rect">
             <a:avLst/>
@@ -5070,8 +5162,8 @@
         </p:blipFill>
         <p:spPr bwMode="auto">
           <a:xfrm>
-            <a:off x="178924" y="4731010"/>
-            <a:ext cx="1723836" cy="321099"/>
+            <a:off x="178924" y="6308014"/>
+            <a:ext cx="1723836" cy="428132"/>
           </a:xfrm>
           <a:prstGeom prst="rect">
             <a:avLst/>
@@ -5096,7 +5188,7 @@
         </p:nvSpPr>
         <p:spPr>
           <a:xfrm>
-            <a:off x="7413441" y="4240407"/>
+            <a:off x="7413441" y="5692348"/>
             <a:ext cx="1647432" cy="230832"/>
           </a:xfrm>
           <a:prstGeom prst="rect">
@@ -5367,8 +5459,8 @@
         </p:nvSpPr>
         <p:spPr>
           <a:xfrm>
-            <a:off x="362738" y="80948"/>
-            <a:ext cx="7876388" cy="857250"/>
+            <a:off x="362738" y="107931"/>
+            <a:ext cx="7876388" cy="1143000"/>
           </a:xfrm>
           <a:prstGeom prst="rect">
             <a:avLst/>
@@ -5404,8 +5496,8 @@
         </p:nvSpPr>
         <p:spPr>
           <a:xfrm>
-            <a:off x="581892" y="1073098"/>
-            <a:ext cx="8409708" cy="3521525"/>
+            <a:off x="581892" y="1430798"/>
+            <a:ext cx="8409708" cy="4695367"/>
           </a:xfrm>
         </p:spPr>
         <p:txBody>
@@ -5525,7 +5617,7 @@
         <p:spPr>
           <a:xfrm>
             <a:off x="8070902" y="0"/>
-            <a:ext cx="1073098" cy="1005084"/>
+            <a:ext cx="1073098" cy="1340112"/>
           </a:xfrm>
           <a:prstGeom prst="rect">
             <a:avLst/>
@@ -5576,7 +5668,7 @@
         <p:spPr>
           <a:xfrm>
             <a:off x="6599238" y="0"/>
-            <a:ext cx="2544762" cy="5143500"/>
+            <a:ext cx="2544762" cy="6858000"/>
           </a:xfrm>
         </p:spPr>
         <p:txBody>
@@ -5605,8 +5697,8 @@
         </p:nvSpPr>
         <p:spPr>
           <a:xfrm>
-            <a:off x="581892" y="1073098"/>
-            <a:ext cx="5930226" cy="3521525"/>
+            <a:off x="581892" y="1430798"/>
+            <a:ext cx="5930226" cy="4695367"/>
           </a:xfrm>
         </p:spPr>
         <p:txBody>
@@ -5690,8 +5782,8 @@
         </p:nvSpPr>
         <p:spPr>
           <a:xfrm>
-            <a:off x="362738" y="80948"/>
-            <a:ext cx="6149380" cy="857250"/>
+            <a:off x="362738" y="107931"/>
+            <a:ext cx="6149380" cy="1143000"/>
           </a:xfrm>
           <a:prstGeom prst="rect">
             <a:avLst/>
@@ -5911,8 +6003,8 @@
         </p:nvSpPr>
         <p:spPr>
           <a:xfrm>
-            <a:off x="362738" y="80948"/>
-            <a:ext cx="7876388" cy="857250"/>
+            <a:off x="362738" y="107931"/>
+            <a:ext cx="7876388" cy="1143000"/>
           </a:xfrm>
           <a:prstGeom prst="rect">
             <a:avLst/>
@@ -6051,8 +6143,8 @@
         </p:nvSpPr>
         <p:spPr>
           <a:xfrm>
-            <a:off x="695246" y="1063229"/>
-            <a:ext cx="7962979" cy="3531394"/>
+            <a:off x="695247" y="1417639"/>
+            <a:ext cx="7962979" cy="4708525"/>
           </a:xfrm>
           <a:prstGeom prst="rect">
             <a:avLst/>
@@ -6109,8 +6201,8 @@
         </p:nvSpPr>
         <p:spPr>
           <a:xfrm rot="16200000">
-            <a:off x="8415064" y="-184611"/>
-            <a:ext cx="542117" cy="917174"/>
+            <a:off x="8324712" y="-93286"/>
+            <a:ext cx="722823" cy="917174"/>
           </a:xfrm>
           <a:custGeom>
             <a:avLst/>
@@ -6266,8 +6358,8 @@
         </p:nvSpPr>
         <p:spPr>
           <a:xfrm rot="16200000">
-            <a:off x="8490797" y="9746"/>
-            <a:ext cx="623545" cy="684275"/>
+            <a:off x="8386874" y="127041"/>
+            <a:ext cx="831393" cy="684275"/>
           </a:xfrm>
           <a:prstGeom prst="triangle">
             <a:avLst/>
@@ -6345,8 +6437,8 @@
         </p:blipFill>
         <p:spPr bwMode="auto">
           <a:xfrm>
-            <a:off x="220663" y="193675"/>
-            <a:ext cx="1398587" cy="303213"/>
+            <a:off x="220664" y="258234"/>
+            <a:ext cx="1398587" cy="404284"/>
           </a:xfrm>
           <a:prstGeom prst="rect">
             <a:avLst/>
@@ -6399,8 +6491,8 @@
         </p:blipFill>
         <p:spPr bwMode="auto">
           <a:xfrm>
-            <a:off x="1047748" y="4900612"/>
-            <a:ext cx="1008063" cy="242887"/>
+            <a:off x="1047749" y="6534150"/>
+            <a:ext cx="1008063" cy="323849"/>
           </a:xfrm>
           <a:prstGeom prst="rect">
             <a:avLst/>
@@ -6469,7 +6561,7 @@
       </p:par>
     </p:tnLst>
   </p:timing>
-  <p:hf sldNum="0" hdr="0" ftr="0" dt="0"/>
+  <p:hf hdr="0" ftr="0" dt="0"/>
   <p:txStyles>
     <p:titleStyle>
       <a:lvl1pPr algn="l" defTabSz="457200" rtl="0" eaLnBrk="1" latinLnBrk="0" hangingPunct="1">
@@ -6775,7 +6867,7 @@
         </p:nvSpPr>
         <p:spPr bwMode="auto">
           <a:xfrm>
-            <a:off x="2763737" y="3601758"/>
+            <a:off x="2763738" y="4802345"/>
             <a:ext cx="6122873" cy="830997"/>
           </a:xfrm>
           <a:prstGeom prst="rect">
@@ -6967,20 +7059,50 @@
       </p:grpSpPr>
       <p:sp>
         <p:nvSpPr>
-          <p:cNvPr id="2" name="Titre 1"/>
-          <p:cNvSpPr>
-            <a:spLocks noGrp="1"/>
+          <p:cNvPr id="5" name="Titre 1"/>
+          <p:cNvSpPr txBox="1">
+            <a:spLocks/>
           </p:cNvSpPr>
-          <p:nvPr>
-            <p:ph type="title"/>
-          </p:nvPr>
+          <p:nvPr/>
         </p:nvSpPr>
-        <p:spPr/>
+        <p:spPr>
+          <a:xfrm>
+            <a:off x="628650" y="240792"/>
+            <a:ext cx="7876388" cy="1143000"/>
+          </a:xfrm>
+          <a:prstGeom prst="rect">
+            <a:avLst/>
+          </a:prstGeom>
+        </p:spPr>
         <p:txBody>
-          <a:bodyPr/>
-          <a:lstStyle/>
+          <a:bodyPr anchor="t">
+            <a:normAutofit/>
+          </a:bodyPr>
+          <a:lstStyle>
+            <a:lvl1pPr algn="l" defTabSz="457200" rtl="0" eaLnBrk="1" latinLnBrk="0" hangingPunct="1">
+              <a:lnSpc>
+                <a:spcPct val="90000"/>
+              </a:lnSpc>
+              <a:spcBef>
+                <a:spcPct val="0"/>
+              </a:spcBef>
+              <a:buNone/>
+              <a:defRPr sz="2700" b="1" i="0" kern="1200" cap="all" baseline="0">
+                <a:solidFill>
+                  <a:schemeClr val="bg2"/>
+                </a:solidFill>
+                <a:latin typeface="+mj-lt"/>
+                <a:ea typeface="+mj-ea"/>
+                <a:cs typeface="HelveticaNeueLT Com 57 Cn" panose="020B0506030502030204" pitchFamily="34" charset="0"/>
+              </a:defRPr>
+            </a:lvl1pPr>
+          </a:lstStyle>
           <a:p>
             <a:pPr algn="ctr"/>
+            <a:r>
+              <a:rPr lang="fr-FR" dirty="0" smtClean="0"/>
+              <a:t>III. </a:t>
+            </a:r>
             <a:r>
               <a:rPr lang="fr-FR" dirty="0" err="1" smtClean="0"/>
               <a:t>Pre-study</a:t>
@@ -6991,109 +7113,80 @@
       </p:sp>
       <p:sp>
         <p:nvSpPr>
-          <p:cNvPr id="3" name="Espace réservé du contenu 2"/>
-          <p:cNvSpPr>
-            <a:spLocks noGrp="1"/>
-          </p:cNvSpPr>
-          <p:nvPr>
-            <p:ph idx="4294967295"/>
-          </p:nvPr>
+          <p:cNvPr id="6" name="ZoneTexte 5"/>
+          <p:cNvSpPr txBox="1"/>
+          <p:nvPr/>
+        </p:nvSpPr>
+        <p:spPr>
+          <a:xfrm rot="18758071">
+            <a:off x="1548130" y="2283053"/>
+            <a:ext cx="6146800" cy="1323439"/>
+          </a:xfrm>
+          <a:prstGeom prst="rect">
+            <a:avLst/>
+          </a:prstGeom>
+          <a:noFill/>
+        </p:spPr>
+        <p:txBody>
+          <a:bodyPr wrap="square" rtlCol="0">
+            <a:spAutoFit/>
+          </a:bodyPr>
+          <a:lstStyle/>
+          <a:p>
+            <a:r>
+              <a:rPr lang="fr-FR" sz="8000" b="1" dirty="0" smtClean="0">
+                <a:ln w="12700">
+                  <a:solidFill>
+                    <a:schemeClr val="tx2">
+                      <a:satMod val="155000"/>
+                    </a:schemeClr>
+                  </a:solidFill>
+                  <a:prstDash val="solid"/>
+                </a:ln>
+                <a:solidFill>
+                  <a:schemeClr val="bg2">
+                    <a:tint val="85000"/>
+                    <a:satMod val="155000"/>
+                  </a:schemeClr>
+                </a:solidFill>
+                <a:effectLst>
+                  <a:outerShdw blurRad="41275" dist="20320" dir="1800000" algn="tl" rotWithShape="0">
+                    <a:srgbClr val="000000">
+                      <a:alpha val="40000"/>
+                    </a:srgbClr>
+                  </a:outerShdw>
+                </a:effectLst>
+              </a:rPr>
+              <a:t>BLOCS</a:t>
+            </a:r>
+          </a:p>
+        </p:txBody>
+      </p:sp>
+      <p:sp>
+        <p:nvSpPr>
+          <p:cNvPr id="7" name="ZoneTexte 6"/>
+          <p:cNvSpPr txBox="1"/>
+          <p:nvPr/>
         </p:nvSpPr>
         <p:spPr>
           <a:xfrm>
-            <a:off x="628650" y="1369219"/>
-            <a:ext cx="7886700" cy="3263504"/>
+            <a:off x="8496300" y="6296025"/>
+            <a:ext cx="495300" cy="369332"/>
           </a:xfrm>
           <a:prstGeom prst="rect">
             <a:avLst/>
           </a:prstGeom>
+          <a:noFill/>
         </p:spPr>
         <p:txBody>
-          <a:bodyPr/>
+          <a:bodyPr wrap="square" rtlCol="0">
+            <a:spAutoFit/>
+          </a:bodyPr>
           <a:lstStyle/>
           <a:p>
             <a:r>
               <a:rPr lang="fr-FR" dirty="0" smtClean="0"/>
-              <a:t>Interface in </a:t>
-            </a:r>
-            <a:r>
-              <a:rPr lang="fr-FR" dirty="0" err="1" smtClean="0"/>
-              <a:t>XaML</a:t>
-            </a:r>
-            <a:r>
-              <a:rPr lang="fr-FR" dirty="0" smtClean="0"/>
-              <a:t>, C#</a:t>
-            </a:r>
-          </a:p>
-          <a:p>
-            <a:r>
-              <a:rPr lang="fr-FR" dirty="0" smtClean="0"/>
-              <a:t>Model made</a:t>
-            </a:r>
-            <a:r>
-              <a:rPr lang="fr-FR" dirty="0" smtClean="0"/>
-              <a:t> </a:t>
-            </a:r>
-            <a:r>
-              <a:rPr lang="fr-FR" dirty="0" smtClean="0"/>
-              <a:t>in C++</a:t>
-            </a:r>
-          </a:p>
-          <a:p>
-            <a:r>
-              <a:rPr lang="fr-FR" dirty="0" smtClean="0"/>
-              <a:t>API to control </a:t>
-            </a:r>
-            <a:r>
-              <a:rPr lang="fr-FR" dirty="0" err="1" smtClean="0"/>
-              <a:t>Kira</a:t>
-            </a:r>
-            <a:r>
-              <a:rPr lang="fr-FR" dirty="0" smtClean="0"/>
-              <a:t> : </a:t>
-            </a:r>
-            <a:r>
-              <a:rPr lang="fr-FR" dirty="0" err="1" smtClean="0"/>
-              <a:t>HappyHttp</a:t>
-            </a:r>
-            <a:r>
-              <a:rPr lang="fr-FR" dirty="0" smtClean="0"/>
-              <a:t> (HTTP </a:t>
-            </a:r>
-            <a:r>
-              <a:rPr lang="fr-FR" dirty="0" err="1" smtClean="0"/>
-              <a:t>protocol</a:t>
-            </a:r>
-            <a:r>
-              <a:rPr lang="fr-FR" dirty="0" smtClean="0"/>
-              <a:t>)</a:t>
-            </a:r>
-            <a:endParaRPr lang="fr-FR" dirty="0" smtClean="0"/>
-          </a:p>
-          <a:p>
-            <a:r>
-              <a:rPr lang="fr-FR" dirty="0" smtClean="0"/>
-              <a:t>API to control </a:t>
-            </a:r>
-            <a:r>
-              <a:rPr lang="fr-FR" dirty="0" err="1" smtClean="0"/>
-              <a:t>Fibaro</a:t>
-            </a:r>
-            <a:r>
-              <a:rPr lang="fr-FR" dirty="0" smtClean="0"/>
-              <a:t> : </a:t>
-            </a:r>
-            <a:r>
-              <a:rPr lang="fr-FR" dirty="0" smtClean="0"/>
-              <a:t>(HTTP </a:t>
-            </a:r>
-            <a:r>
-              <a:rPr lang="fr-FR" dirty="0" err="1" smtClean="0"/>
-              <a:t>protocol</a:t>
-            </a:r>
-            <a:r>
-              <a:rPr lang="fr-FR" dirty="0" smtClean="0"/>
-              <a:t>)</a:t>
+              <a:t>10</a:t>
             </a:r>
             <a:endParaRPr lang="fr-FR" dirty="0"/>
           </a:p>
@@ -7102,7 +7195,7 @@
     </p:spTree>
     <p:extLst>
       <p:ext uri="{BB962C8B-B14F-4D97-AF65-F5344CB8AC3E}">
-        <p14:creationId xmlns:p14="http://schemas.microsoft.com/office/powerpoint/2010/main" val="557608675"/>
+        <p14:creationId xmlns:p14="http://schemas.microsoft.com/office/powerpoint/2010/main" val="1017531347"/>
       </p:ext>
     </p:extLst>
   </p:cSld>
@@ -7121,6 +7214,13 @@
       </p:transition>
     </mc:Fallback>
   </mc:AlternateContent>
+  <p:timing>
+    <p:tnLst>
+      <p:par>
+        <p:cTn id="1" dur="indefinite" restart="never" nodeType="tmRoot"/>
+      </p:par>
+    </p:tnLst>
+  </p:timing>
 </p:sld>
 </file>
 
@@ -7143,30 +7243,6 @@
       </p:grpSpPr>
       <p:sp>
         <p:nvSpPr>
-          <p:cNvPr id="2" name="Titre 1"/>
-          <p:cNvSpPr>
-            <a:spLocks noGrp="1"/>
-          </p:cNvSpPr>
-          <p:nvPr>
-            <p:ph type="title"/>
-          </p:nvPr>
-        </p:nvSpPr>
-        <p:spPr/>
-        <p:txBody>
-          <a:bodyPr/>
-          <a:lstStyle/>
-          <a:p>
-            <a:pPr algn="ctr"/>
-            <a:r>
-              <a:rPr lang="fr-FR" dirty="0" err="1" smtClean="0"/>
-              <a:t>Pre-study</a:t>
-            </a:r>
-            <a:endParaRPr lang="fr-FR" dirty="0"/>
-          </a:p>
-        </p:txBody>
-      </p:sp>
-      <p:sp>
-        <p:nvSpPr>
           <p:cNvPr id="3" name="Espace réservé du texte 2"/>
           <p:cNvSpPr>
             <a:spLocks noGrp="1"/>
@@ -7181,84 +7257,130 @@
           <a:lstStyle/>
           <a:p>
             <a:r>
+              <a:rPr lang="fr-FR" dirty="0" smtClean="0"/>
+              <a:t>Language </a:t>
+            </a:r>
+            <a:r>
               <a:rPr lang="fr-FR" dirty="0" err="1" smtClean="0"/>
-              <a:t>Programming</a:t>
-            </a:r>
-            <a:endParaRPr lang="fr-FR" dirty="0" smtClean="0"/>
-          </a:p>
-          <a:p>
-            <a:pPr marL="0" indent="0">
+              <a:t>choices</a:t>
+            </a:r>
+            <a:endParaRPr lang="fr-FR" dirty="0"/>
+          </a:p>
+        </p:txBody>
+      </p:sp>
+      <p:sp>
+        <p:nvSpPr>
+          <p:cNvPr id="4" name="Titre 1"/>
+          <p:cNvSpPr txBox="1">
+            <a:spLocks/>
+          </p:cNvSpPr>
+          <p:nvPr/>
+        </p:nvSpPr>
+        <p:spPr>
+          <a:xfrm>
+            <a:off x="628650" y="240792"/>
+            <a:ext cx="7876388" cy="1143000"/>
+          </a:xfrm>
+          <a:prstGeom prst="rect">
+            <a:avLst/>
+          </a:prstGeom>
+        </p:spPr>
+        <p:txBody>
+          <a:bodyPr anchor="t">
+            <a:normAutofit/>
+          </a:bodyPr>
+          <a:lstStyle>
+            <a:lvl1pPr algn="l" defTabSz="457200" rtl="0" eaLnBrk="1" latinLnBrk="0" hangingPunct="1">
+              <a:lnSpc>
+                <a:spcPct val="90000"/>
+              </a:lnSpc>
+              <a:spcBef>
+                <a:spcPct val="0"/>
+              </a:spcBef>
               <a:buNone/>
-            </a:pPr>
-            <a:r>
-              <a:rPr lang="fr-FR" dirty="0"/>
-              <a:t>	</a:t>
-            </a:r>
+              <a:defRPr sz="2700" b="1" i="0" kern="1200" cap="all" baseline="0">
+                <a:solidFill>
+                  <a:schemeClr val="bg2"/>
+                </a:solidFill>
+                <a:latin typeface="+mj-lt"/>
+                <a:ea typeface="+mj-ea"/>
+                <a:cs typeface="HelveticaNeueLT Com 57 Cn" panose="020B0506030502030204" pitchFamily="34" charset="0"/>
+              </a:defRPr>
+            </a:lvl1pPr>
+          </a:lstStyle>
+          <a:p>
+            <a:pPr algn="ctr"/>
             <a:r>
               <a:rPr lang="fr-FR" dirty="0" smtClean="0"/>
-              <a:t>Visual </a:t>
-            </a:r>
-            <a:r>
-              <a:rPr lang="fr-FR" dirty="0"/>
-              <a:t>Studio</a:t>
-            </a:r>
-          </a:p>
-          <a:p>
-            <a:endParaRPr lang="fr-FR" dirty="0" smtClean="0"/>
-          </a:p>
-          <a:p>
+              <a:t>III. </a:t>
+            </a:r>
             <a:r>
               <a:rPr lang="fr-FR" dirty="0" err="1" smtClean="0"/>
-              <a:t>Versioning</a:t>
-            </a:r>
-            <a:endParaRPr lang="fr-FR" dirty="0" smtClean="0"/>
-          </a:p>
-          <a:p>
-            <a:pPr marL="0" indent="0">
-              <a:buNone/>
-            </a:pPr>
-            <a:r>
-              <a:rPr lang="fr-FR" dirty="0"/>
-              <a:t>	</a:t>
-            </a:r>
+              <a:t>Pre-study</a:t>
+            </a:r>
+            <a:endParaRPr lang="fr-FR" dirty="0"/>
+          </a:p>
+        </p:txBody>
+      </p:sp>
+      <p:sp>
+        <p:nvSpPr>
+          <p:cNvPr id="5" name="ZoneTexte 4"/>
+          <p:cNvSpPr txBox="1"/>
+          <p:nvPr/>
+        </p:nvSpPr>
+        <p:spPr>
+          <a:xfrm>
+            <a:off x="8496300" y="6296025"/>
+            <a:ext cx="495300" cy="369332"/>
+          </a:xfrm>
+          <a:prstGeom prst="rect">
+            <a:avLst/>
+          </a:prstGeom>
+          <a:noFill/>
+        </p:spPr>
+        <p:txBody>
+          <a:bodyPr wrap="square" rtlCol="0">
+            <a:spAutoFit/>
+          </a:bodyPr>
+          <a:lstStyle/>
+          <a:p>
             <a:r>
               <a:rPr lang="fr-FR" dirty="0" smtClean="0"/>
-              <a:t>Git</a:t>
-            </a:r>
-          </a:p>
-          <a:p>
-            <a:pPr marL="0" indent="0">
-              <a:buNone/>
-            </a:pPr>
-            <a:r>
-              <a:rPr lang="fr-FR" dirty="0"/>
-              <a:t>	</a:t>
-            </a:r>
+              <a:t>11</a:t>
+            </a:r>
+            <a:endParaRPr lang="fr-FR" dirty="0"/>
           </a:p>
         </p:txBody>
       </p:sp>
     </p:spTree>
     <p:extLst>
       <p:ext uri="{BB962C8B-B14F-4D97-AF65-F5344CB8AC3E}">
-        <p14:creationId xmlns:p14="http://schemas.microsoft.com/office/powerpoint/2010/main" val="423255876"/>
+        <p14:creationId xmlns:p14="http://schemas.microsoft.com/office/powerpoint/2010/main" val="4288352340"/>
       </p:ext>
     </p:extLst>
   </p:cSld>
   <p:clrMapOvr>
     <a:masterClrMapping/>
   </p:clrMapOvr>
-  <mc:AlternateContent xmlns:mc="http://schemas.openxmlformats.org/markup-compatibility/2006">
-    <mc:Choice xmlns:p14="http://schemas.microsoft.com/office/powerpoint/2010/main" Requires="p14">
+  <mc:AlternateContent xmlns:mc="http://schemas.openxmlformats.org/markup-compatibility/2006" xmlns:p14="http://schemas.microsoft.com/office/powerpoint/2010/main">
+    <mc:Choice Requires="p14">
       <p:transition spd="med" p14:dur="700">
         <p:fade/>
       </p:transition>
     </mc:Choice>
-    <mc:Fallback>
+    <mc:Fallback xmlns="">
       <p:transition spd="med">
         <p:fade/>
       </p:transition>
     </mc:Fallback>
   </mc:AlternateContent>
+  <p:timing>
+    <p:tnLst>
+      <p:par>
+        <p:cTn id="1" dur="indefinite" restart="never" nodeType="tmRoot"/>
+      </p:par>
+    </p:tnLst>
+  </p:timing>
 </p:sld>
 </file>
 
@@ -7291,8 +7413,8 @@
         </p:nvSpPr>
         <p:spPr>
           <a:xfrm>
-            <a:off x="1647753" y="150829"/>
-            <a:ext cx="7886700" cy="994172"/>
+            <a:off x="1647753" y="201105"/>
+            <a:ext cx="7886700" cy="1325563"/>
           </a:xfrm>
         </p:spPr>
         <p:txBody>
@@ -7337,14 +7459,14 @@
             <p:ph idx="4294967295"/>
             <p:extLst>
               <p:ext uri="{D42A27DB-BD31-4B8C-83A1-F6EECF244321}">
-                <p14:modId xmlns:p14="http://schemas.microsoft.com/office/powerpoint/2010/main" val="3807263653"/>
+                <p14:modId xmlns:p14="http://schemas.microsoft.com/office/powerpoint/2010/main" val="760872683"/>
               </p:ext>
             </p:extLst>
           </p:nvPr>
         </p:nvGraphicFramePr>
         <p:xfrm>
-          <a:off x="301658" y="954370"/>
-          <a:ext cx="7744798" cy="3389626"/>
+          <a:off x="301658" y="1272494"/>
+          <a:ext cx="8316562" cy="4519543"/>
         </p:xfrm>
         <a:graphic>
           <a:graphicData uri="http://schemas.openxmlformats.org/drawingml/2006/table">
@@ -7353,14 +7475,14 @@
                 <a:tableStyleId>{5C22544A-7EE6-4342-B048-85BDC9FD1C3A}</a:tableStyleId>
               </a:tblPr>
               <a:tblGrid>
-                <a:gridCol w="763571"/>
-                <a:gridCol w="1234911"/>
-                <a:gridCol w="905105"/>
-                <a:gridCol w="1209165"/>
-                <a:gridCol w="1766018"/>
-                <a:gridCol w="1866028"/>
+                <a:gridCol w="1123282"/>
+                <a:gridCol w="1379220"/>
+                <a:gridCol w="1036320"/>
+                <a:gridCol w="1226820"/>
+                <a:gridCol w="1547131"/>
+                <a:gridCol w="2003789"/>
               </a:tblGrid>
-              <a:tr h="751045">
+              <a:tr h="1001393">
                 <a:tc>
                   <a:txBody>
                     <a:bodyPr/>
@@ -7375,12 +7497,12 @@
                         </a:spcAft>
                       </a:pPr>
                       <a:r>
-                        <a:rPr lang="fr-FR" sz="1800" dirty="0" smtClean="0">
+                        <a:rPr lang="fr-FR" sz="2000" dirty="0" smtClean="0">
                           <a:effectLst/>
                         </a:rPr>
                         <a:t>Name</a:t>
                       </a:r>
-                      <a:endParaRPr lang="fr-FR" sz="1800" dirty="0">
+                      <a:endParaRPr lang="fr-FR" sz="2000" dirty="0">
                         <a:effectLst/>
                         <a:latin typeface="Calibri" panose="020F0502020204030204" pitchFamily="34" charset="0"/>
                         <a:ea typeface="Calibri" panose="020F0502020204030204" pitchFamily="34" charset="0"/>
@@ -7404,12 +7526,12 @@
                         </a:spcAft>
                       </a:pPr>
                       <a:r>
-                        <a:rPr lang="fr-FR" sz="1800" dirty="0" err="1" smtClean="0">
+                        <a:rPr lang="fr-FR" sz="2000" dirty="0" err="1" smtClean="0">
                           <a:effectLst/>
                         </a:rPr>
                         <a:t>Language</a:t>
                       </a:r>
-                      <a:endParaRPr lang="fr-FR" sz="1800" dirty="0">
+                      <a:endParaRPr lang="fr-FR" sz="2000" dirty="0">
                         <a:effectLst/>
                         <a:latin typeface="Calibri" panose="020F0502020204030204" pitchFamily="34" charset="0"/>
                         <a:ea typeface="Calibri" panose="020F0502020204030204" pitchFamily="34" charset="0"/>
@@ -7433,7 +7555,7 @@
                         </a:spcAft>
                       </a:pPr>
                       <a:r>
-                        <a:rPr lang="fr-FR" sz="1800" dirty="0" smtClean="0">
+                        <a:rPr lang="fr-FR" sz="2000" dirty="0" smtClean="0">
                           <a:solidFill>
                             <a:schemeClr val="lt1"/>
                           </a:solidFill>
@@ -7444,7 +7566,7 @@
                         </a:rPr>
                         <a:t>Simple</a:t>
                       </a:r>
-                      <a:endParaRPr lang="fr-FR" sz="1800" dirty="0">
+                      <a:endParaRPr lang="fr-FR" sz="2000" dirty="0">
                         <a:solidFill>
                           <a:srgbClr val="00B050"/>
                         </a:solidFill>
@@ -7471,7 +7593,7 @@
                         </a:spcAft>
                       </a:pPr>
                       <a:r>
-                        <a:rPr lang="fr-FR" sz="1800" dirty="0" smtClean="0">
+                        <a:rPr lang="fr-FR" sz="2000" dirty="0" smtClean="0">
                           <a:solidFill>
                             <a:schemeClr val="bg1"/>
                           </a:solidFill>
@@ -7482,7 +7604,7 @@
                         </a:rPr>
                         <a:t>Complete</a:t>
                       </a:r>
-                      <a:endParaRPr lang="fr-FR" sz="1800" dirty="0">
+                      <a:endParaRPr lang="fr-FR" sz="2000" dirty="0">
                         <a:solidFill>
                           <a:schemeClr val="bg1"/>
                         </a:solidFill>
@@ -7518,7 +7640,7 @@
                         <a:defRPr/>
                       </a:pPr>
                       <a:r>
-                        <a:rPr lang="fr-FR" sz="1800" dirty="0" smtClean="0">
+                        <a:rPr lang="fr-FR" sz="2400" dirty="0" smtClean="0">
                           <a:solidFill>
                             <a:schemeClr val="lt1"/>
                           </a:solidFill>
@@ -7529,7 +7651,7 @@
                         </a:rPr>
                         <a:t>Multi-OS</a:t>
                       </a:r>
-                      <a:endParaRPr lang="fr-FR" sz="1800" dirty="0" smtClean="0">
+                      <a:endParaRPr lang="fr-FR" sz="2400" dirty="0" smtClean="0">
                         <a:solidFill>
                           <a:srgbClr val="00B050"/>
                         </a:solidFill>
@@ -7565,7 +7687,7 @@
                         <a:defRPr/>
                       </a:pPr>
                       <a:r>
-                        <a:rPr lang="fr-FR" sz="1800" dirty="0" smtClean="0">
+                        <a:rPr lang="fr-FR" sz="2000" dirty="0" smtClean="0">
                           <a:solidFill>
                             <a:schemeClr val="lt1"/>
                           </a:solidFill>
@@ -7577,7 +7699,7 @@
                         <a:t>Complete</a:t>
                       </a:r>
                       <a:r>
-                        <a:rPr lang="fr-FR" sz="1800" baseline="0" dirty="0" smtClean="0">
+                        <a:rPr lang="fr-FR" sz="2000" baseline="0" dirty="0" smtClean="0">
                           <a:solidFill>
                             <a:schemeClr val="lt1"/>
                           </a:solidFill>
@@ -7589,7 +7711,7 @@
                         <a:t> </a:t>
                       </a:r>
                       <a:r>
-                        <a:rPr lang="fr-FR" sz="1800" baseline="0" dirty="0" err="1" smtClean="0">
+                        <a:rPr lang="fr-FR" sz="2000" baseline="0" dirty="0" err="1" smtClean="0">
                           <a:solidFill>
                             <a:schemeClr val="lt1"/>
                           </a:solidFill>
@@ -7600,7 +7722,7 @@
                         </a:rPr>
                         <a:t>documetation</a:t>
                       </a:r>
-                      <a:endParaRPr lang="fr-FR" sz="1800" dirty="0" smtClean="0">
+                      <a:endParaRPr lang="fr-FR" sz="2000" dirty="0" smtClean="0">
                         <a:solidFill>
                           <a:srgbClr val="00B050"/>
                         </a:solidFill>
@@ -7614,7 +7736,7 @@
                   <a:tcPr marL="51435" marR="51435" marT="0" marB="0"/>
                 </a:tc>
               </a:tr>
-              <a:tr h="747043">
+              <a:tr h="996057">
                 <a:tc>
                   <a:txBody>
                     <a:bodyPr/>
@@ -7629,12 +7751,12 @@
                         </a:spcAft>
                       </a:pPr>
                       <a:r>
-                        <a:rPr lang="fr-FR" sz="1800" b="0" dirty="0" err="1">
+                        <a:rPr lang="fr-FR" sz="2400" b="0" dirty="0" err="1">
                           <a:effectLst/>
                         </a:rPr>
                         <a:t>libcurl</a:t>
                       </a:r>
-                      <a:endParaRPr lang="fr-FR" sz="1800" b="0" dirty="0">
+                      <a:endParaRPr lang="fr-FR" sz="2400" b="0" dirty="0">
                         <a:effectLst/>
                         <a:latin typeface="Calibri" panose="020F0502020204030204" pitchFamily="34" charset="0"/>
                         <a:ea typeface="Calibri" panose="020F0502020204030204" pitchFamily="34" charset="0"/>
@@ -7658,7 +7780,7 @@
                         </a:spcAft>
                       </a:pPr>
                       <a:r>
-                        <a:rPr lang="fr-FR" sz="1800" dirty="0">
+                        <a:rPr lang="fr-FR" sz="2400" dirty="0">
                           <a:solidFill>
                             <a:srgbClr val="FF0000"/>
                           </a:solidFill>
@@ -7666,7 +7788,7 @@
                         </a:rPr>
                         <a:t>C</a:t>
                       </a:r>
-                      <a:endParaRPr lang="fr-FR" sz="1800" dirty="0">
+                      <a:endParaRPr lang="fr-FR" sz="2400" dirty="0">
                         <a:solidFill>
                           <a:srgbClr val="FF0000"/>
                         </a:solidFill>
@@ -7693,7 +7815,7 @@
                         </a:spcAft>
                       </a:pPr>
                       <a:r>
-                        <a:rPr lang="fr-FR" sz="4000" dirty="0" smtClean="0">
+                        <a:rPr lang="fr-FR" sz="5300" dirty="0" smtClean="0">
                           <a:solidFill>
                             <a:srgbClr val="ED271A"/>
                           </a:solidFill>
@@ -7701,7 +7823,7 @@
                         </a:rPr>
                         <a:t>-</a:t>
                       </a:r>
-                      <a:endParaRPr lang="fr-FR" sz="4000" dirty="0">
+                      <a:endParaRPr lang="fr-FR" sz="5300" dirty="0">
                         <a:solidFill>
                           <a:srgbClr val="ED271A"/>
                         </a:solidFill>
@@ -7737,7 +7859,7 @@
                         <a:defRPr/>
                       </a:pPr>
                       <a:r>
-                        <a:rPr lang="fr-FR" sz="4000" dirty="0" smtClean="0">
+                        <a:rPr lang="fr-FR" sz="5300" dirty="0" smtClean="0">
                           <a:solidFill>
                             <a:srgbClr val="00B050"/>
                           </a:solidFill>
@@ -7745,7 +7867,7 @@
                         </a:rPr>
                         <a:t>+</a:t>
                       </a:r>
-                      <a:endParaRPr lang="fr-FR" sz="4000" dirty="0" smtClean="0">
+                      <a:endParaRPr lang="fr-FR" sz="5300" dirty="0" smtClean="0">
                         <a:effectLst/>
                         <a:latin typeface="Calibri" panose="020F0502020204030204" pitchFamily="34" charset="0"/>
                         <a:ea typeface="Calibri" panose="020F0502020204030204" pitchFamily="34" charset="0"/>
@@ -7778,7 +7900,7 @@
                         <a:defRPr/>
                       </a:pPr>
                       <a:r>
-                        <a:rPr lang="fr-FR" sz="4000" dirty="0" smtClean="0">
+                        <a:rPr lang="fr-FR" sz="5300" dirty="0" smtClean="0">
                           <a:solidFill>
                             <a:srgbClr val="00B050"/>
                           </a:solidFill>
@@ -7786,7 +7908,7 @@
                         </a:rPr>
                         <a:t>+</a:t>
                       </a:r>
-                      <a:endParaRPr lang="fr-FR" sz="4000" dirty="0" smtClean="0">
+                      <a:endParaRPr lang="fr-FR" sz="5300" dirty="0" smtClean="0">
                         <a:effectLst/>
                         <a:latin typeface="Calibri" panose="020F0502020204030204" pitchFamily="34" charset="0"/>
                         <a:ea typeface="Calibri" panose="020F0502020204030204" pitchFamily="34" charset="0"/>
@@ -7819,7 +7941,7 @@
                         <a:defRPr/>
                       </a:pPr>
                       <a:r>
-                        <a:rPr lang="fr-FR" sz="4000" dirty="0" smtClean="0">
+                        <a:rPr lang="fr-FR" sz="5300" dirty="0" smtClean="0">
                           <a:solidFill>
                             <a:srgbClr val="00B050"/>
                           </a:solidFill>
@@ -7827,7 +7949,7 @@
                         </a:rPr>
                         <a:t>+</a:t>
                       </a:r>
-                      <a:endParaRPr lang="fr-FR" sz="4000" dirty="0" smtClean="0">
+                      <a:endParaRPr lang="fr-FR" sz="5300" dirty="0" smtClean="0">
                         <a:effectLst/>
                         <a:latin typeface="Calibri" panose="020F0502020204030204" pitchFamily="34" charset="0"/>
                         <a:ea typeface="Calibri" panose="020F0502020204030204" pitchFamily="34" charset="0"/>
@@ -7838,7 +7960,7 @@
                   <a:tcPr marL="51435" marR="51435" marT="0" marB="0"/>
                 </a:tc>
               </a:tr>
-              <a:tr h="509253">
+              <a:tr h="869696">
                 <a:tc>
                   <a:txBody>
                     <a:bodyPr/>
@@ -7853,18 +7975,18 @@
                         </a:spcAft>
                       </a:pPr>
                       <a:r>
-                        <a:rPr lang="fr-FR" sz="1800" b="0" dirty="0">
+                        <a:rPr lang="fr-FR" sz="2400" b="0" dirty="0">
                           <a:effectLst/>
                         </a:rPr>
                         <a:t>http-</a:t>
                       </a:r>
                       <a:r>
-                        <a:rPr lang="fr-FR" sz="1800" b="0" dirty="0" err="1">
+                        <a:rPr lang="fr-FR" sz="2400" b="0" dirty="0" err="1">
                           <a:effectLst/>
                         </a:rPr>
                         <a:t>tiny</a:t>
                       </a:r>
-                      <a:endParaRPr lang="fr-FR" sz="1800" b="0" dirty="0">
+                      <a:endParaRPr lang="fr-FR" sz="2400" b="0" dirty="0">
                         <a:effectLst/>
                         <a:latin typeface="Calibri" panose="020F0502020204030204" pitchFamily="34" charset="0"/>
                         <a:ea typeface="Calibri" panose="020F0502020204030204" pitchFamily="34" charset="0"/>
@@ -7888,7 +8010,7 @@
                         </a:spcAft>
                       </a:pPr>
                       <a:r>
-                        <a:rPr lang="fr-FR" sz="1800" dirty="0">
+                        <a:rPr lang="fr-FR" sz="2400" dirty="0">
                           <a:solidFill>
                             <a:srgbClr val="FF0000"/>
                           </a:solidFill>
@@ -7896,7 +8018,7 @@
                         </a:rPr>
                         <a:t>C</a:t>
                       </a:r>
-                      <a:endParaRPr lang="fr-FR" sz="1800" dirty="0">
+                      <a:endParaRPr lang="fr-FR" sz="2400" dirty="0">
                         <a:solidFill>
                           <a:srgbClr val="FF0000"/>
                         </a:solidFill>
@@ -7932,7 +8054,7 @@
                         <a:defRPr/>
                       </a:pPr>
                       <a:r>
-                        <a:rPr lang="fr-FR" sz="4000" dirty="0" smtClean="0">
+                        <a:rPr lang="fr-FR" sz="5300" dirty="0" smtClean="0">
                           <a:solidFill>
                             <a:srgbClr val="00B050"/>
                           </a:solidFill>
@@ -7940,7 +8062,7 @@
                         </a:rPr>
                         <a:t>+</a:t>
                       </a:r>
-                      <a:endParaRPr lang="fr-FR" sz="4000" dirty="0" smtClean="0">
+                      <a:endParaRPr lang="fr-FR" sz="5300" dirty="0" smtClean="0">
                         <a:effectLst/>
                         <a:latin typeface="Calibri" panose="020F0502020204030204" pitchFamily="34" charset="0"/>
                         <a:ea typeface="Calibri" panose="020F0502020204030204" pitchFamily="34" charset="0"/>
@@ -7973,7 +8095,7 @@
                         <a:defRPr/>
                       </a:pPr>
                       <a:r>
-                        <a:rPr lang="fr-FR" sz="1800" dirty="0" smtClean="0">
+                        <a:rPr lang="fr-FR" sz="2400" dirty="0" smtClean="0">
                           <a:solidFill>
                             <a:srgbClr val="ED271A"/>
                           </a:solidFill>
@@ -7981,7 +8103,7 @@
                         </a:rPr>
                         <a:t>-</a:t>
                       </a:r>
-                      <a:endParaRPr lang="fr-FR" sz="4000" dirty="0" smtClean="0">
+                      <a:endParaRPr lang="fr-FR" sz="5300" dirty="0" smtClean="0">
                         <a:solidFill>
                           <a:srgbClr val="ED271A"/>
                         </a:solidFill>
@@ -8017,7 +8139,7 @@
                         <a:defRPr/>
                       </a:pPr>
                       <a:r>
-                        <a:rPr lang="fr-FR" sz="1800" dirty="0" smtClean="0">
+                        <a:rPr lang="fr-FR" sz="2400" dirty="0" smtClean="0">
                           <a:solidFill>
                             <a:srgbClr val="00B050"/>
                           </a:solidFill>
@@ -8025,7 +8147,7 @@
                         </a:rPr>
                         <a:t>+</a:t>
                       </a:r>
-                      <a:endParaRPr lang="fr-FR" sz="1800" dirty="0" smtClean="0">
+                      <a:endParaRPr lang="fr-FR" sz="2400" dirty="0" smtClean="0">
                         <a:effectLst/>
                         <a:latin typeface="Calibri" panose="020F0502020204030204" pitchFamily="34" charset="0"/>
                         <a:ea typeface="Calibri" panose="020F0502020204030204" pitchFamily="34" charset="0"/>
@@ -8041,7 +8163,7 @@
                           <a:spcPts val="0"/>
                         </a:spcAft>
                       </a:pPr>
-                      <a:endParaRPr lang="fr-FR" sz="1800" dirty="0">
+                      <a:endParaRPr lang="fr-FR" sz="2400" dirty="0">
                         <a:effectLst/>
                         <a:latin typeface="Calibri" panose="020F0502020204030204" pitchFamily="34" charset="0"/>
                         <a:ea typeface="Calibri" panose="020F0502020204030204" pitchFamily="34" charset="0"/>
@@ -8074,7 +8196,7 @@
                         <a:defRPr/>
                       </a:pPr>
                       <a:r>
-                        <a:rPr lang="fr-FR" sz="1800" dirty="0" smtClean="0">
+                        <a:rPr lang="fr-FR" sz="2400" dirty="0" smtClean="0">
                           <a:solidFill>
                             <a:srgbClr val="ED271A"/>
                           </a:solidFill>
@@ -8082,7 +8204,7 @@
                         </a:rPr>
                         <a:t>-</a:t>
                       </a:r>
-                      <a:endParaRPr lang="fr-FR" sz="4000" dirty="0" smtClean="0">
+                      <a:endParaRPr lang="fr-FR" sz="5300" dirty="0" smtClean="0">
                         <a:solidFill>
                           <a:srgbClr val="ED271A"/>
                         </a:solidFill>
@@ -8101,7 +8223,7 @@
                           <a:spcPts val="0"/>
                         </a:spcAft>
                       </a:pPr>
-                      <a:endParaRPr lang="fr-FR" sz="1800" dirty="0">
+                      <a:endParaRPr lang="fr-FR" sz="2400" dirty="0">
                         <a:effectLst/>
                         <a:latin typeface="Calibri" panose="020F0502020204030204" pitchFamily="34" charset="0"/>
                         <a:ea typeface="Calibri" panose="020F0502020204030204" pitchFamily="34" charset="0"/>
@@ -8112,7 +8234,7 @@
                   <a:tcPr marL="51435" marR="51435" marT="0" marB="0"/>
                 </a:tc>
               </a:tr>
-              <a:tr h="509253">
+              <a:tr h="869696">
                 <a:tc>
                   <a:txBody>
                     <a:bodyPr/>
@@ -8127,12 +8249,12 @@
                         </a:spcAft>
                       </a:pPr>
                       <a:r>
-                        <a:rPr lang="fr-FR" sz="1800" b="0">
+                        <a:rPr lang="fr-FR" sz="2000" b="0" dirty="0" err="1" smtClean="0">
                           <a:effectLst/>
                         </a:rPr>
                         <a:t>Winhttp</a:t>
                       </a:r>
-                      <a:endParaRPr lang="fr-FR" sz="1800" b="0">
+                      <a:endParaRPr lang="fr-FR" sz="2000" b="0" dirty="0">
                         <a:effectLst/>
                         <a:latin typeface="Calibri" panose="020F0502020204030204" pitchFamily="34" charset="0"/>
                         <a:ea typeface="Calibri" panose="020F0502020204030204" pitchFamily="34" charset="0"/>
@@ -8156,7 +8278,7 @@
                         </a:spcAft>
                       </a:pPr>
                       <a:r>
-                        <a:rPr lang="fr-FR" sz="1800" dirty="0">
+                        <a:rPr lang="fr-FR" sz="2400" dirty="0">
                           <a:solidFill>
                             <a:srgbClr val="FF0000"/>
                           </a:solidFill>
@@ -8165,13 +8287,13 @@
                         <a:t>C</a:t>
                       </a:r>
                       <a:r>
-                        <a:rPr lang="fr-FR" sz="1800" dirty="0">
+                        <a:rPr lang="fr-FR" sz="2400" dirty="0">
                           <a:effectLst/>
                         </a:rPr>
                         <a:t>/</a:t>
                       </a:r>
                       <a:r>
-                        <a:rPr lang="fr-FR" sz="1800" dirty="0">
+                        <a:rPr lang="fr-FR" sz="2400" dirty="0">
                           <a:solidFill>
                             <a:srgbClr val="00B050"/>
                           </a:solidFill>
@@ -8179,7 +8301,7 @@
                         </a:rPr>
                         <a:t>C++</a:t>
                       </a:r>
-                      <a:endParaRPr lang="fr-FR" sz="1800" dirty="0">
+                      <a:endParaRPr lang="fr-FR" sz="2400" dirty="0">
                         <a:solidFill>
                           <a:srgbClr val="00B050"/>
                         </a:solidFill>
@@ -8215,7 +8337,7 @@
                         <a:defRPr/>
                       </a:pPr>
                       <a:r>
-                        <a:rPr lang="fr-FR" sz="1800" dirty="0" smtClean="0">
+                        <a:rPr lang="fr-FR" sz="2400" dirty="0" smtClean="0">
                           <a:solidFill>
                             <a:srgbClr val="ED271A"/>
                           </a:solidFill>
@@ -8223,7 +8345,7 @@
                         </a:rPr>
                         <a:t>-</a:t>
                       </a:r>
-                      <a:endParaRPr lang="fr-FR" sz="4000" dirty="0" smtClean="0">
+                      <a:endParaRPr lang="fr-FR" sz="5300" dirty="0" smtClean="0">
                         <a:solidFill>
                           <a:srgbClr val="ED271A"/>
                         </a:solidFill>
@@ -8259,7 +8381,7 @@
                         <a:defRPr/>
                       </a:pPr>
                       <a:r>
-                        <a:rPr lang="fr-FR" sz="4000" dirty="0" smtClean="0">
+                        <a:rPr lang="fr-FR" sz="5300" dirty="0" smtClean="0">
                           <a:solidFill>
                             <a:srgbClr val="00B050"/>
                           </a:solidFill>
@@ -8267,7 +8389,7 @@
                         </a:rPr>
                         <a:t>+</a:t>
                       </a:r>
-                      <a:endParaRPr lang="fr-FR" sz="4000" dirty="0" smtClean="0">
+                      <a:endParaRPr lang="fr-FR" sz="5300" dirty="0" smtClean="0">
                         <a:effectLst/>
                         <a:latin typeface="Calibri" panose="020F0502020204030204" pitchFamily="34" charset="0"/>
                         <a:ea typeface="Calibri" panose="020F0502020204030204" pitchFamily="34" charset="0"/>
@@ -8300,7 +8422,7 @@
                         <a:defRPr/>
                       </a:pPr>
                       <a:r>
-                        <a:rPr lang="fr-FR" sz="1800" dirty="0" smtClean="0">
+                        <a:rPr lang="fr-FR" sz="2400" dirty="0" smtClean="0">
                           <a:solidFill>
                             <a:srgbClr val="ED271A"/>
                           </a:solidFill>
@@ -8308,7 +8430,7 @@
                         </a:rPr>
                         <a:t>-</a:t>
                       </a:r>
-                      <a:endParaRPr lang="fr-FR" sz="4000" dirty="0" smtClean="0">
+                      <a:endParaRPr lang="fr-FR" sz="5300" dirty="0" smtClean="0">
                         <a:solidFill>
                           <a:srgbClr val="ED271A"/>
                         </a:solidFill>
@@ -8344,7 +8466,7 @@
                         <a:defRPr/>
                       </a:pPr>
                       <a:r>
-                        <a:rPr lang="fr-FR" sz="1800" dirty="0" smtClean="0">
+                        <a:rPr lang="fr-FR" sz="2400" dirty="0" smtClean="0">
                           <a:solidFill>
                             <a:srgbClr val="00B050"/>
                           </a:solidFill>
@@ -8352,7 +8474,7 @@
                         </a:rPr>
                         <a:t>+</a:t>
                       </a:r>
-                      <a:endParaRPr lang="fr-FR" sz="1800" dirty="0" smtClean="0">
+                      <a:endParaRPr lang="fr-FR" sz="2400" dirty="0" smtClean="0">
                         <a:effectLst/>
                         <a:latin typeface="Calibri" panose="020F0502020204030204" pitchFamily="34" charset="0"/>
                         <a:ea typeface="Calibri" panose="020F0502020204030204" pitchFamily="34" charset="0"/>
@@ -8368,7 +8490,7 @@
                           <a:spcPts val="0"/>
                         </a:spcAft>
                       </a:pPr>
-                      <a:endParaRPr lang="fr-FR" sz="1800" dirty="0">
+                      <a:endParaRPr lang="fr-FR" sz="2400" dirty="0">
                         <a:effectLst/>
                         <a:latin typeface="Calibri" panose="020F0502020204030204" pitchFamily="34" charset="0"/>
                         <a:ea typeface="Calibri" panose="020F0502020204030204" pitchFamily="34" charset="0"/>
@@ -8379,7 +8501,7 @@
                   <a:tcPr marL="51435" marR="51435" marT="0" marB="0"/>
                 </a:tc>
               </a:tr>
-              <a:tr h="509253">
+              <a:tr h="782659">
                 <a:tc>
                   <a:txBody>
                     <a:bodyPr/>
@@ -8394,7 +8516,7 @@
                         </a:spcAft>
                       </a:pPr>
                       <a:r>
-                        <a:rPr lang="fr-FR" sz="1800" b="0" dirty="0" err="1" smtClean="0">
+                        <a:rPr lang="fr-FR" sz="1600" b="0" dirty="0" err="1" smtClean="0">
                           <a:effectLst/>
                           <a:latin typeface="Calibri" panose="020F0502020204030204" pitchFamily="34" charset="0"/>
                           <a:ea typeface="Calibri" panose="020F0502020204030204" pitchFamily="34" charset="0"/>
@@ -8402,7 +8524,7 @@
                         </a:rPr>
                         <a:t>HappyHtpp</a:t>
                       </a:r>
-                      <a:endParaRPr lang="fr-FR" sz="1800" b="0" dirty="0">
+                      <a:endParaRPr lang="fr-FR" sz="1600" b="0" dirty="0">
                         <a:effectLst/>
                         <a:latin typeface="Calibri" panose="020F0502020204030204" pitchFamily="34" charset="0"/>
                         <a:ea typeface="Calibri" panose="020F0502020204030204" pitchFamily="34" charset="0"/>
@@ -8426,7 +8548,7 @@
                         </a:spcAft>
                       </a:pPr>
                       <a:r>
-                        <a:rPr lang="fr-FR" sz="1800" dirty="0" smtClean="0">
+                        <a:rPr lang="fr-FR" sz="2400" dirty="0" smtClean="0">
                           <a:solidFill>
                             <a:srgbClr val="00B050"/>
                           </a:solidFill>
@@ -8437,7 +8559,7 @@
                         </a:rPr>
                         <a:t>C++</a:t>
                       </a:r>
-                      <a:endParaRPr lang="fr-FR" sz="1800" dirty="0">
+                      <a:endParaRPr lang="fr-FR" sz="2400" dirty="0">
                         <a:solidFill>
                           <a:srgbClr val="00B050"/>
                         </a:solidFill>
@@ -8473,7 +8595,7 @@
                         <a:defRPr/>
                       </a:pPr>
                       <a:r>
-                        <a:rPr lang="fr-FR" sz="1800" dirty="0" smtClean="0">
+                        <a:rPr lang="fr-FR" sz="2400" dirty="0" smtClean="0">
                           <a:solidFill>
                             <a:srgbClr val="00B050"/>
                           </a:solidFill>
@@ -8481,7 +8603,7 @@
                         </a:rPr>
                         <a:t>+</a:t>
                       </a:r>
-                      <a:endParaRPr lang="fr-FR" sz="1800" dirty="0" smtClean="0">
+                      <a:endParaRPr lang="fr-FR" sz="2400" dirty="0" smtClean="0">
                         <a:effectLst/>
                         <a:latin typeface="Calibri" panose="020F0502020204030204" pitchFamily="34" charset="0"/>
                         <a:ea typeface="Calibri" panose="020F0502020204030204" pitchFamily="34" charset="0"/>
@@ -8497,7 +8619,7 @@
                           <a:spcPts val="0"/>
                         </a:spcAft>
                       </a:pPr>
-                      <a:endParaRPr lang="fr-FR" sz="1800" dirty="0">
+                      <a:endParaRPr lang="fr-FR" sz="2400" dirty="0">
                         <a:effectLst/>
                         <a:latin typeface="Calibri" panose="020F0502020204030204" pitchFamily="34" charset="0"/>
                         <a:ea typeface="Calibri" panose="020F0502020204030204" pitchFamily="34" charset="0"/>
@@ -8530,7 +8652,7 @@
                         <a:defRPr/>
                       </a:pPr>
                       <a:r>
-                        <a:rPr lang="fr-FR" sz="1800" dirty="0" smtClean="0">
+                        <a:rPr lang="fr-FR" sz="2400" dirty="0" smtClean="0">
                           <a:solidFill>
                             <a:srgbClr val="00B050"/>
                           </a:solidFill>
@@ -8538,7 +8660,7 @@
                         </a:rPr>
                         <a:t>+</a:t>
                       </a:r>
-                      <a:endParaRPr lang="fr-FR" sz="1800" dirty="0" smtClean="0">
+                      <a:endParaRPr lang="fr-FR" sz="2400" dirty="0" smtClean="0">
                         <a:effectLst/>
                         <a:latin typeface="Calibri" panose="020F0502020204030204" pitchFamily="34" charset="0"/>
                         <a:ea typeface="Calibri" panose="020F0502020204030204" pitchFamily="34" charset="0"/>
@@ -8554,7 +8676,7 @@
                           <a:spcPts val="0"/>
                         </a:spcAft>
                       </a:pPr>
-                      <a:endParaRPr lang="fr-FR" sz="1800" dirty="0">
+                      <a:endParaRPr lang="fr-FR" sz="2400" dirty="0">
                         <a:effectLst/>
                         <a:latin typeface="Calibri" panose="020F0502020204030204" pitchFamily="34" charset="0"/>
                         <a:ea typeface="Calibri" panose="020F0502020204030204" pitchFamily="34" charset="0"/>
@@ -8587,7 +8709,7 @@
                         <a:defRPr/>
                       </a:pPr>
                       <a:r>
-                        <a:rPr lang="fr-FR" sz="1800" dirty="0" smtClean="0">
+                        <a:rPr lang="fr-FR" sz="2400" dirty="0" smtClean="0">
                           <a:solidFill>
                             <a:srgbClr val="00B050"/>
                           </a:solidFill>
@@ -8595,7 +8717,7 @@
                         </a:rPr>
                         <a:t>+</a:t>
                       </a:r>
-                      <a:endParaRPr lang="fr-FR" sz="1800" dirty="0" smtClean="0">
+                      <a:endParaRPr lang="fr-FR" sz="2400" dirty="0" smtClean="0">
                         <a:effectLst/>
                         <a:latin typeface="Calibri" panose="020F0502020204030204" pitchFamily="34" charset="0"/>
                         <a:ea typeface="Calibri" panose="020F0502020204030204" pitchFamily="34" charset="0"/>
@@ -8611,7 +8733,7 @@
                           <a:spcPts val="0"/>
                         </a:spcAft>
                       </a:pPr>
-                      <a:endParaRPr lang="fr-FR" sz="1800" dirty="0">
+                      <a:endParaRPr lang="fr-FR" sz="2400" dirty="0">
                         <a:effectLst/>
                         <a:latin typeface="Calibri" panose="020F0502020204030204" pitchFamily="34" charset="0"/>
                         <a:ea typeface="Calibri" panose="020F0502020204030204" pitchFamily="34" charset="0"/>
@@ -8644,7 +8766,7 @@
                         <a:defRPr/>
                       </a:pPr>
                       <a:r>
-                        <a:rPr lang="fr-FR" sz="1800" dirty="0" smtClean="0">
+                        <a:rPr lang="fr-FR" sz="2400" dirty="0" smtClean="0">
                           <a:solidFill>
                             <a:srgbClr val="ED271A"/>
                           </a:solidFill>
@@ -8652,7 +8774,7 @@
                         </a:rPr>
                         <a:t>-</a:t>
                       </a:r>
-                      <a:endParaRPr lang="fr-FR" sz="4000" dirty="0" smtClean="0">
+                      <a:endParaRPr lang="fr-FR" sz="5300" dirty="0" smtClean="0">
                         <a:solidFill>
                           <a:srgbClr val="ED271A"/>
                         </a:solidFill>
@@ -8671,7 +8793,7 @@
                           <a:spcPts val="0"/>
                         </a:spcAft>
                       </a:pPr>
-                      <a:endParaRPr lang="fr-FR" sz="1800" dirty="0">
+                      <a:endParaRPr lang="fr-FR" sz="2400" dirty="0">
                         <a:effectLst/>
                         <a:latin typeface="Calibri" panose="020F0502020204030204" pitchFamily="34" charset="0"/>
                         <a:ea typeface="Calibri" panose="020F0502020204030204" pitchFamily="34" charset="0"/>
@@ -8686,6 +8808,36 @@
           </a:graphicData>
         </a:graphic>
       </p:graphicFrame>
+      <p:sp>
+        <p:nvSpPr>
+          <p:cNvPr id="5" name="ZoneTexte 4"/>
+          <p:cNvSpPr txBox="1"/>
+          <p:nvPr/>
+        </p:nvSpPr>
+        <p:spPr>
+          <a:xfrm>
+            <a:off x="8496300" y="6296025"/>
+            <a:ext cx="495300" cy="369332"/>
+          </a:xfrm>
+          <a:prstGeom prst="rect">
+            <a:avLst/>
+          </a:prstGeom>
+          <a:noFill/>
+        </p:spPr>
+        <p:txBody>
+          <a:bodyPr wrap="square" rtlCol="0">
+            <a:spAutoFit/>
+          </a:bodyPr>
+          <a:lstStyle/>
+          <a:p>
+            <a:r>
+              <a:rPr lang="fr-FR" dirty="0" smtClean="0"/>
+              <a:t>12</a:t>
+            </a:r>
+            <a:endParaRPr lang="fr-FR" dirty="0"/>
+          </a:p>
+        </p:txBody>
+      </p:sp>
     </p:spTree>
     <p:extLst>
       <p:ext uri="{BB962C8B-B14F-4D97-AF65-F5344CB8AC3E}">
@@ -8738,8 +8890,582 @@
         </p:nvSpPr>
         <p:spPr>
           <a:xfrm>
-            <a:off x="1678303" y="113122"/>
-            <a:ext cx="7876388" cy="857250"/>
+            <a:off x="628650" y="240792"/>
+            <a:ext cx="7876388" cy="1143000"/>
+          </a:xfrm>
+        </p:spPr>
+        <p:txBody>
+          <a:bodyPr/>
+          <a:lstStyle/>
+          <a:p>
+            <a:pPr algn="ctr"/>
+            <a:r>
+              <a:rPr lang="fr-FR" dirty="0" smtClean="0"/>
+              <a:t>III. </a:t>
+            </a:r>
+            <a:r>
+              <a:rPr lang="fr-FR" dirty="0" err="1" smtClean="0"/>
+              <a:t>Pre-study</a:t>
+            </a:r>
+            <a:endParaRPr lang="fr-FR" dirty="0"/>
+          </a:p>
+        </p:txBody>
+      </p:sp>
+      <p:graphicFrame>
+        <p:nvGraphicFramePr>
+          <p:cNvPr id="4" name="Tableau 3"/>
+          <p:cNvGraphicFramePr>
+            <a:graphicFrameLocks noGrp="1"/>
+          </p:cNvGraphicFramePr>
+          <p:nvPr>
+            <p:extLst>
+              <p:ext uri="{D42A27DB-BD31-4B8C-83A1-F6EECF244321}">
+                <p14:modId xmlns:p14="http://schemas.microsoft.com/office/powerpoint/2010/main" val="312720713"/>
+              </p:ext>
+            </p:extLst>
+          </p:nvPr>
+        </p:nvGraphicFramePr>
+        <p:xfrm>
+          <a:off x="628648" y="1788160"/>
+          <a:ext cx="7745732" cy="3810000"/>
+        </p:xfrm>
+        <a:graphic>
+          <a:graphicData uri="http://schemas.openxmlformats.org/drawingml/2006/table">
+            <a:tbl>
+              <a:tblPr firstRow="1" bandRow="1">
+                <a:tableStyleId>{5C22544A-7EE6-4342-B048-85BDC9FD1C3A}</a:tableStyleId>
+              </a:tblPr>
+              <a:tblGrid>
+                <a:gridCol w="1936433"/>
+                <a:gridCol w="1936433"/>
+                <a:gridCol w="1937386"/>
+                <a:gridCol w="1935480"/>
+              </a:tblGrid>
+              <a:tr h="1473200">
+                <a:tc>
+                  <a:txBody>
+                    <a:bodyPr/>
+                    <a:lstStyle/>
+                    <a:p>
+                      <a:pPr algn="ctr"/>
+                      <a:r>
+                        <a:rPr lang="fr-FR" sz="2400" dirty="0" smtClean="0"/>
+                        <a:t>Interface</a:t>
+                      </a:r>
+                      <a:endParaRPr lang="fr-FR" sz="2400" dirty="0"/>
+                    </a:p>
+                  </a:txBody>
+                  <a:tcPr marT="60960" marB="60960"/>
+                </a:tc>
+                <a:tc>
+                  <a:txBody>
+                    <a:bodyPr/>
+                    <a:lstStyle/>
+                    <a:p>
+                      <a:pPr algn="ctr"/>
+                      <a:r>
+                        <a:rPr lang="fr-FR" sz="2400" dirty="0" smtClean="0"/>
+                        <a:t>Model</a:t>
+                      </a:r>
+                      <a:endParaRPr lang="fr-FR" sz="2400" dirty="0"/>
+                    </a:p>
+                  </a:txBody>
+                  <a:tcPr marT="60960" marB="60960"/>
+                </a:tc>
+                <a:tc>
+                  <a:txBody>
+                    <a:bodyPr/>
+                    <a:lstStyle/>
+                    <a:p>
+                      <a:pPr algn="ctr"/>
+                      <a:r>
+                        <a:rPr lang="fr-FR" sz="1800" dirty="0" smtClean="0"/>
+                        <a:t>Communication </a:t>
+                      </a:r>
+                    </a:p>
+                    <a:p>
+                      <a:pPr algn="ctr"/>
+                      <a:endParaRPr lang="fr-FR" sz="1800" dirty="0" smtClean="0"/>
+                    </a:p>
+                    <a:p>
+                      <a:pPr algn="ctr"/>
+                      <a:r>
+                        <a:rPr lang="fr-FR" sz="1800" dirty="0" err="1" smtClean="0"/>
+                        <a:t>with</a:t>
+                      </a:r>
+                      <a:r>
+                        <a:rPr lang="fr-FR" sz="1800" dirty="0" smtClean="0"/>
+                        <a:t> </a:t>
+                      </a:r>
+                      <a:r>
+                        <a:rPr lang="fr-FR" sz="1800" dirty="0" err="1" smtClean="0"/>
+                        <a:t>Kira</a:t>
+                      </a:r>
+                      <a:endParaRPr lang="fr-FR" sz="1800" dirty="0"/>
+                    </a:p>
+                  </a:txBody>
+                  <a:tcPr marT="60960" marB="60960"/>
+                </a:tc>
+                <a:tc>
+                  <a:txBody>
+                    <a:bodyPr/>
+                    <a:lstStyle/>
+                    <a:p>
+                      <a:pPr algn="ctr"/>
+                      <a:r>
+                        <a:rPr lang="fr-FR" sz="1800" dirty="0" smtClean="0"/>
+                        <a:t>Communication </a:t>
+                      </a:r>
+                    </a:p>
+                    <a:p>
+                      <a:pPr algn="ctr"/>
+                      <a:endParaRPr lang="fr-FR" sz="1800" dirty="0" smtClean="0"/>
+                    </a:p>
+                    <a:p>
+                      <a:pPr algn="ctr"/>
+                      <a:r>
+                        <a:rPr lang="fr-FR" sz="1800" dirty="0" err="1" smtClean="0"/>
+                        <a:t>with</a:t>
+                      </a:r>
+                      <a:r>
+                        <a:rPr lang="fr-FR" sz="1800" dirty="0" smtClean="0"/>
+                        <a:t> </a:t>
+                      </a:r>
+                      <a:r>
+                        <a:rPr lang="fr-FR" sz="1800" dirty="0" err="1" smtClean="0"/>
+                        <a:t>Fibaro</a:t>
+                      </a:r>
+                      <a:endParaRPr lang="fr-FR" sz="1800" dirty="0"/>
+                    </a:p>
+                  </a:txBody>
+                  <a:tcPr marT="60960" marB="60960"/>
+                </a:tc>
+              </a:tr>
+              <a:tr h="2336800">
+                <a:tc>
+                  <a:txBody>
+                    <a:bodyPr/>
+                    <a:lstStyle/>
+                    <a:p>
+                      <a:endParaRPr lang="fr-FR" sz="2400" dirty="0"/>
+                    </a:p>
+                  </a:txBody>
+                  <a:tcPr marT="60960" marB="60960"/>
+                </a:tc>
+                <a:tc>
+                  <a:txBody>
+                    <a:bodyPr/>
+                    <a:lstStyle/>
+                    <a:p>
+                      <a:endParaRPr lang="fr-FR" sz="2400" dirty="0"/>
+                    </a:p>
+                  </a:txBody>
+                  <a:tcPr marT="60960" marB="60960"/>
+                </a:tc>
+                <a:tc gridSpan="2">
+                  <a:txBody>
+                    <a:bodyPr/>
+                    <a:lstStyle/>
+                    <a:p>
+                      <a:pPr algn="ctr"/>
+                      <a:endParaRPr lang="fr-FR" sz="2400" dirty="0" smtClean="0"/>
+                    </a:p>
+                    <a:p>
+                      <a:pPr algn="ctr"/>
+                      <a:endParaRPr lang="fr-FR" sz="2400" dirty="0" smtClean="0"/>
+                    </a:p>
+                    <a:p>
+                      <a:pPr algn="ctr"/>
+                      <a:r>
+                        <a:rPr lang="fr-FR" sz="2400" dirty="0" err="1" smtClean="0"/>
+                        <a:t>HappyHttp</a:t>
+                      </a:r>
+                      <a:r>
+                        <a:rPr lang="fr-FR" sz="2400" dirty="0" smtClean="0"/>
+                        <a:t> : C++</a:t>
+                      </a:r>
+                      <a:r>
+                        <a:rPr lang="fr-FR" sz="2400" baseline="0" dirty="0" smtClean="0"/>
+                        <a:t> </a:t>
+                      </a:r>
+                      <a:r>
+                        <a:rPr lang="fr-FR" sz="2400" baseline="0" dirty="0" err="1" smtClean="0"/>
+                        <a:t>library</a:t>
+                      </a:r>
+                      <a:endParaRPr lang="fr-FR" sz="2400" dirty="0" smtClean="0"/>
+                    </a:p>
+                  </a:txBody>
+                  <a:tcPr marT="60960" marB="60960"/>
+                </a:tc>
+                <a:tc hMerge="1">
+                  <a:txBody>
+                    <a:bodyPr/>
+                    <a:lstStyle/>
+                    <a:p>
+                      <a:endParaRPr lang="fr-FR" dirty="0"/>
+                    </a:p>
+                  </a:txBody>
+                  <a:tcPr/>
+                </a:tc>
+              </a:tr>
+            </a:tbl>
+          </a:graphicData>
+        </a:graphic>
+      </p:graphicFrame>
+      <p:pic>
+        <p:nvPicPr>
+          <p:cNvPr id="5" name="Image 4"/>
+          <p:cNvPicPr>
+            <a:picLocks noChangeAspect="1"/>
+          </p:cNvPicPr>
+          <p:nvPr/>
+        </p:nvPicPr>
+        <p:blipFill>
+          <a:blip r:embed="rId2" cstate="screen">
+            <a:extLst>
+              <a:ext uri="{28A0092B-C50C-407E-A947-70E740481C1C}">
+                <a14:useLocalDpi xmlns:a14="http://schemas.microsoft.com/office/drawing/2010/main" val="0"/>
+              </a:ext>
+            </a:extLst>
+          </a:blip>
+          <a:stretch>
+            <a:fillRect/>
+          </a:stretch>
+        </p:blipFill>
+        <p:spPr>
+          <a:xfrm>
+            <a:off x="846767" y="3597515"/>
+            <a:ext cx="1603375" cy="1534553"/>
+          </a:xfrm>
+          <a:prstGeom prst="rect">
+            <a:avLst/>
+          </a:prstGeom>
+        </p:spPr>
+      </p:pic>
+      <p:pic>
+        <p:nvPicPr>
+          <p:cNvPr id="9" name="Image 8"/>
+          <p:cNvPicPr>
+            <a:picLocks noChangeAspect="1"/>
+          </p:cNvPicPr>
+          <p:nvPr/>
+        </p:nvPicPr>
+        <p:blipFill>
+          <a:blip r:embed="rId3">
+            <a:extLst>
+              <a:ext uri="{28A0092B-C50C-407E-A947-70E740481C1C}">
+                <a14:useLocalDpi xmlns:a14="http://schemas.microsoft.com/office/drawing/2010/main" val="0"/>
+              </a:ext>
+            </a:extLst>
+          </a:blip>
+          <a:stretch>
+            <a:fillRect/>
+          </a:stretch>
+        </p:blipFill>
+        <p:spPr>
+          <a:xfrm>
+            <a:off x="2785264" y="3632173"/>
+            <a:ext cx="1504795" cy="1465236"/>
+          </a:xfrm>
+          <a:prstGeom prst="rect">
+            <a:avLst/>
+          </a:prstGeom>
+        </p:spPr>
+      </p:pic>
+      <p:sp>
+        <p:nvSpPr>
+          <p:cNvPr id="10" name="ZoneTexte 9"/>
+          <p:cNvSpPr txBox="1"/>
+          <p:nvPr/>
+        </p:nvSpPr>
+        <p:spPr>
+          <a:xfrm>
+            <a:off x="8496300" y="6296025"/>
+            <a:ext cx="495300" cy="369332"/>
+          </a:xfrm>
+          <a:prstGeom prst="rect">
+            <a:avLst/>
+          </a:prstGeom>
+          <a:noFill/>
+        </p:spPr>
+        <p:txBody>
+          <a:bodyPr wrap="square" rtlCol="0">
+            <a:spAutoFit/>
+          </a:bodyPr>
+          <a:lstStyle/>
+          <a:p>
+            <a:r>
+              <a:rPr lang="fr-FR" dirty="0" smtClean="0"/>
+              <a:t>13</a:t>
+            </a:r>
+            <a:endParaRPr lang="fr-FR" dirty="0"/>
+          </a:p>
+        </p:txBody>
+      </p:sp>
+    </p:spTree>
+    <p:extLst>
+      <p:ext uri="{BB962C8B-B14F-4D97-AF65-F5344CB8AC3E}">
+        <p14:creationId xmlns:p14="http://schemas.microsoft.com/office/powerpoint/2010/main" val="557608675"/>
+      </p:ext>
+    </p:extLst>
+  </p:cSld>
+  <p:clrMapOvr>
+    <a:masterClrMapping/>
+  </p:clrMapOvr>
+  <mc:AlternateContent xmlns:mc="http://schemas.openxmlformats.org/markup-compatibility/2006" xmlns:p14="http://schemas.microsoft.com/office/powerpoint/2010/main">
+    <mc:Choice Requires="p14">
+      <p:transition spd="med" p14:dur="700">
+        <p:fade/>
+      </p:transition>
+    </mc:Choice>
+    <mc:Fallback xmlns="">
+      <p:transition spd="med">
+        <p:fade/>
+      </p:transition>
+    </mc:Fallback>
+  </mc:AlternateContent>
+  <p:timing>
+    <p:tnLst>
+      <p:par>
+        <p:cTn id="1" dur="indefinite" restart="never" nodeType="tmRoot"/>
+      </p:par>
+    </p:tnLst>
+  </p:timing>
+</p:sld>
+</file>
+
+<file path=ppt/slides/slide14.xml><?xml version="1.0" encoding="utf-8"?>
+<p:sld xmlns:a="http://schemas.openxmlformats.org/drawingml/2006/main" xmlns:r="http://schemas.openxmlformats.org/officeDocument/2006/relationships" xmlns:p="http://schemas.openxmlformats.org/presentationml/2006/main">
+  <p:cSld>
+    <p:spTree>
+      <p:nvGrpSpPr>
+        <p:cNvPr id="1" name=""/>
+        <p:cNvGrpSpPr/>
+        <p:nvPr/>
+      </p:nvGrpSpPr>
+      <p:grpSpPr>
+        <a:xfrm>
+          <a:off x="0" y="0"/>
+          <a:ext cx="0" cy="0"/>
+          <a:chOff x="0" y="0"/>
+          <a:chExt cx="0" cy="0"/>
+        </a:xfrm>
+      </p:grpSpPr>
+      <p:sp>
+        <p:nvSpPr>
+          <p:cNvPr id="3" name="Espace réservé du texte 2"/>
+          <p:cNvSpPr>
+            <a:spLocks noGrp="1"/>
+          </p:cNvSpPr>
+          <p:nvPr>
+            <p:ph type="body" sz="quarter" idx="10"/>
+          </p:nvPr>
+        </p:nvSpPr>
+        <p:spPr/>
+        <p:txBody>
+          <a:bodyPr/>
+          <a:lstStyle/>
+          <a:p>
+            <a:r>
+              <a:rPr lang="fr-FR" dirty="0" err="1" smtClean="0"/>
+              <a:t>Programming</a:t>
+            </a:r>
+            <a:endParaRPr lang="fr-FR" dirty="0" smtClean="0"/>
+          </a:p>
+          <a:p>
+            <a:pPr marL="0" indent="0">
+              <a:buNone/>
+            </a:pPr>
+            <a:r>
+              <a:rPr lang="fr-FR" dirty="0"/>
+              <a:t>	</a:t>
+            </a:r>
+            <a:r>
+              <a:rPr lang="fr-FR" dirty="0" smtClean="0"/>
+              <a:t>Visual </a:t>
+            </a:r>
+            <a:r>
+              <a:rPr lang="fr-FR" dirty="0"/>
+              <a:t>Studio</a:t>
+            </a:r>
+          </a:p>
+          <a:p>
+            <a:endParaRPr lang="fr-FR" dirty="0" smtClean="0"/>
+          </a:p>
+          <a:p>
+            <a:r>
+              <a:rPr lang="fr-FR" dirty="0" err="1" smtClean="0"/>
+              <a:t>Versioning</a:t>
+            </a:r>
+            <a:endParaRPr lang="fr-FR" dirty="0" smtClean="0"/>
+          </a:p>
+          <a:p>
+            <a:pPr marL="0" indent="0">
+              <a:buNone/>
+            </a:pPr>
+            <a:r>
+              <a:rPr lang="fr-FR" dirty="0"/>
+              <a:t>	</a:t>
+            </a:r>
+            <a:r>
+              <a:rPr lang="fr-FR" dirty="0" smtClean="0"/>
+              <a:t>Git</a:t>
+            </a:r>
+          </a:p>
+          <a:p>
+            <a:pPr marL="0" indent="0">
+              <a:buNone/>
+            </a:pPr>
+            <a:r>
+              <a:rPr lang="fr-FR" dirty="0"/>
+              <a:t>	</a:t>
+            </a:r>
+          </a:p>
+        </p:txBody>
+      </p:sp>
+      <p:sp>
+        <p:nvSpPr>
+          <p:cNvPr id="5" name="Titre 1"/>
+          <p:cNvSpPr txBox="1">
+            <a:spLocks/>
+          </p:cNvSpPr>
+          <p:nvPr/>
+        </p:nvSpPr>
+        <p:spPr>
+          <a:xfrm>
+            <a:off x="628650" y="240792"/>
+            <a:ext cx="7876388" cy="1143000"/>
+          </a:xfrm>
+          <a:prstGeom prst="rect">
+            <a:avLst/>
+          </a:prstGeom>
+        </p:spPr>
+        <p:txBody>
+          <a:bodyPr anchor="t">
+            <a:normAutofit/>
+          </a:bodyPr>
+          <a:lstStyle>
+            <a:lvl1pPr algn="l" defTabSz="457200" rtl="0" eaLnBrk="1" latinLnBrk="0" hangingPunct="1">
+              <a:lnSpc>
+                <a:spcPct val="90000"/>
+              </a:lnSpc>
+              <a:spcBef>
+                <a:spcPct val="0"/>
+              </a:spcBef>
+              <a:buNone/>
+              <a:defRPr sz="2700" b="1" i="0" kern="1200" cap="all" baseline="0">
+                <a:solidFill>
+                  <a:schemeClr val="bg2"/>
+                </a:solidFill>
+                <a:latin typeface="+mj-lt"/>
+                <a:ea typeface="+mj-ea"/>
+                <a:cs typeface="HelveticaNeueLT Com 57 Cn" panose="020B0506030502030204" pitchFamily="34" charset="0"/>
+              </a:defRPr>
+            </a:lvl1pPr>
+          </a:lstStyle>
+          <a:p>
+            <a:pPr algn="ctr"/>
+            <a:r>
+              <a:rPr lang="fr-FR" smtClean="0"/>
+              <a:t>III. Pre-study</a:t>
+            </a:r>
+            <a:endParaRPr lang="fr-FR" dirty="0"/>
+          </a:p>
+        </p:txBody>
+      </p:sp>
+      <p:sp>
+        <p:nvSpPr>
+          <p:cNvPr id="6" name="ZoneTexte 5"/>
+          <p:cNvSpPr txBox="1"/>
+          <p:nvPr/>
+        </p:nvSpPr>
+        <p:spPr>
+          <a:xfrm>
+            <a:off x="8496300" y="6296025"/>
+            <a:ext cx="495300" cy="369332"/>
+          </a:xfrm>
+          <a:prstGeom prst="rect">
+            <a:avLst/>
+          </a:prstGeom>
+          <a:noFill/>
+        </p:spPr>
+        <p:txBody>
+          <a:bodyPr wrap="square" rtlCol="0">
+            <a:spAutoFit/>
+          </a:bodyPr>
+          <a:lstStyle/>
+          <a:p>
+            <a:r>
+              <a:rPr lang="fr-FR" dirty="0" smtClean="0"/>
+              <a:t>14</a:t>
+            </a:r>
+            <a:endParaRPr lang="fr-FR" dirty="0"/>
+          </a:p>
+        </p:txBody>
+      </p:sp>
+    </p:spTree>
+    <p:extLst>
+      <p:ext uri="{BB962C8B-B14F-4D97-AF65-F5344CB8AC3E}">
+        <p14:creationId xmlns:p14="http://schemas.microsoft.com/office/powerpoint/2010/main" val="423255876"/>
+      </p:ext>
+    </p:extLst>
+  </p:cSld>
+  <p:clrMapOvr>
+    <a:masterClrMapping/>
+  </p:clrMapOvr>
+  <mc:AlternateContent xmlns:mc="http://schemas.openxmlformats.org/markup-compatibility/2006" xmlns:p14="http://schemas.microsoft.com/office/powerpoint/2010/main">
+    <mc:Choice Requires="p14">
+      <p:transition spd="med" p14:dur="700">
+        <p:fade/>
+      </p:transition>
+    </mc:Choice>
+    <mc:Fallback xmlns="">
+      <p:transition spd="med">
+        <p:fade/>
+      </p:transition>
+    </mc:Fallback>
+  </mc:AlternateContent>
+  <p:timing>
+    <p:tnLst>
+      <p:par>
+        <p:cTn id="1" dur="indefinite" restart="never" nodeType="tmRoot"/>
+      </p:par>
+    </p:tnLst>
+  </p:timing>
+</p:sld>
+</file>
+
+<file path=ppt/slides/slide15.xml><?xml version="1.0" encoding="utf-8"?>
+<p:sld xmlns:a="http://schemas.openxmlformats.org/drawingml/2006/main" xmlns:r="http://schemas.openxmlformats.org/officeDocument/2006/relationships" xmlns:p="http://schemas.openxmlformats.org/presentationml/2006/main">
+  <p:cSld>
+    <p:spTree>
+      <p:nvGrpSpPr>
+        <p:cNvPr id="1" name=""/>
+        <p:cNvGrpSpPr/>
+        <p:nvPr/>
+      </p:nvGrpSpPr>
+      <p:grpSpPr>
+        <a:xfrm>
+          <a:off x="0" y="0"/>
+          <a:ext cx="0" cy="0"/>
+          <a:chOff x="0" y="0"/>
+          <a:chExt cx="0" cy="0"/>
+        </a:xfrm>
+      </p:grpSpPr>
+      <p:sp>
+        <p:nvSpPr>
+          <p:cNvPr id="2" name="Titre 1"/>
+          <p:cNvSpPr>
+            <a:spLocks noGrp="1"/>
+          </p:cNvSpPr>
+          <p:nvPr>
+            <p:ph type="title"/>
+          </p:nvPr>
+        </p:nvSpPr>
+        <p:spPr>
+          <a:xfrm>
+            <a:off x="1678303" y="150829"/>
+            <a:ext cx="7876388" cy="1143000"/>
           </a:xfrm>
         </p:spPr>
         <p:txBody>
@@ -8790,8 +9516,8 @@
         </p:blipFill>
         <p:spPr>
           <a:xfrm rot="539182">
-            <a:off x="6429400" y="1181350"/>
-            <a:ext cx="1207416" cy="1092476"/>
+            <a:off x="6429400" y="1575133"/>
+            <a:ext cx="1207416" cy="1456635"/>
           </a:xfrm>
           <a:prstGeom prst="rect">
             <a:avLst/>
@@ -8814,8 +9540,8 @@
         </p:blipFill>
         <p:spPr>
           <a:xfrm>
-            <a:off x="943658" y="1329642"/>
-            <a:ext cx="1536361" cy="1025110"/>
+            <a:off x="943659" y="1772856"/>
+            <a:ext cx="1536361" cy="1366813"/>
           </a:xfrm>
           <a:prstGeom prst="rect">
             <a:avLst/>
@@ -8838,8 +9564,8 @@
         </p:blipFill>
         <p:spPr>
           <a:xfrm>
-            <a:off x="6087391" y="3054618"/>
-            <a:ext cx="1891431" cy="1480335"/>
+            <a:off x="6087392" y="4072825"/>
+            <a:ext cx="1891431" cy="1973780"/>
           </a:xfrm>
           <a:prstGeom prst="rect">
             <a:avLst/>
@@ -8862,8 +9588,8 @@
         </p:blipFill>
         <p:spPr>
           <a:xfrm>
-            <a:off x="3527311" y="1198957"/>
-            <a:ext cx="1650037" cy="1095035"/>
+            <a:off x="3527312" y="1598610"/>
+            <a:ext cx="1650037" cy="1460047"/>
           </a:xfrm>
           <a:prstGeom prst="rect">
             <a:avLst/>
@@ -8878,7 +9604,7 @@
         </p:nvSpPr>
         <p:spPr>
           <a:xfrm>
-            <a:off x="1302370" y="2387338"/>
+            <a:off x="1302371" y="3183118"/>
             <a:ext cx="1031051" cy="323165"/>
           </a:xfrm>
           <a:prstGeom prst="rect">
@@ -8920,8 +9646,8 @@
         </p:blipFill>
         <p:spPr>
           <a:xfrm rot="5400000">
-            <a:off x="2764019" y="1598782"/>
-            <a:ext cx="479290" cy="482076"/>
+            <a:off x="2684138" y="2212055"/>
+            <a:ext cx="639053" cy="482076"/>
           </a:xfrm>
           <a:prstGeom prst="rect">
             <a:avLst/>
@@ -8944,8 +9670,8 @@
         </p:blipFill>
         <p:spPr>
           <a:xfrm rot="16200000">
-            <a:off x="6787145" y="2533456"/>
-            <a:ext cx="583980" cy="587374"/>
+            <a:off x="6689815" y="3475837"/>
+            <a:ext cx="778640" cy="587374"/>
           </a:xfrm>
           <a:prstGeom prst="rect">
             <a:avLst/>
@@ -8960,7 +9686,7 @@
         </p:nvSpPr>
         <p:spPr>
           <a:xfrm>
-            <a:off x="6693393" y="2147473"/>
+            <a:off x="6693393" y="2863297"/>
             <a:ext cx="1043876" cy="369332"/>
           </a:xfrm>
           <a:prstGeom prst="rect">
@@ -8994,7 +9720,7 @@
         </p:nvSpPr>
         <p:spPr>
           <a:xfrm>
-            <a:off x="4074623" y="2354752"/>
+            <a:off x="4074624" y="3139670"/>
             <a:ext cx="763351" cy="323165"/>
           </a:xfrm>
           <a:prstGeom prst="rect">
@@ -9023,7 +9749,7 @@
         </p:nvSpPr>
         <p:spPr>
           <a:xfrm>
-            <a:off x="2800723" y="2304600"/>
+            <a:off x="2800724" y="3072801"/>
             <a:ext cx="505267" cy="323165"/>
           </a:xfrm>
           <a:prstGeom prst="rect">
@@ -9055,7 +9781,7 @@
         </p:nvCxnSpPr>
         <p:spPr>
           <a:xfrm>
-            <a:off x="5177348" y="1746475"/>
+            <a:off x="5177349" y="2328633"/>
             <a:ext cx="1211741" cy="0"/>
           </a:xfrm>
           <a:prstGeom prst="line">
@@ -9085,7 +9811,7 @@
         </p:nvSpPr>
         <p:spPr>
           <a:xfrm>
-            <a:off x="5424456" y="1884237"/>
+            <a:off x="5424456" y="2512317"/>
             <a:ext cx="506870" cy="323165"/>
           </a:xfrm>
           <a:prstGeom prst="rect">
@@ -9115,7 +9841,7 @@
         </p:nvSpPr>
         <p:spPr>
           <a:xfrm>
-            <a:off x="7526215" y="2627765"/>
+            <a:off x="7526215" y="3503687"/>
             <a:ext cx="377026" cy="323165"/>
           </a:xfrm>
           <a:prstGeom prst="rect">
@@ -9145,7 +9871,7 @@
         </p:nvSpPr>
         <p:spPr>
           <a:xfrm>
-            <a:off x="6901413" y="4495664"/>
+            <a:off x="6901413" y="5994219"/>
             <a:ext cx="429926" cy="323165"/>
           </a:xfrm>
           <a:prstGeom prst="rect">
@@ -9175,7 +9901,7 @@
         </p:nvSpPr>
         <p:spPr>
           <a:xfrm>
-            <a:off x="4074623" y="808789"/>
+            <a:off x="4074623" y="1078386"/>
             <a:ext cx="506870" cy="323165"/>
           </a:xfrm>
           <a:prstGeom prst="rect">
@@ -9193,6 +9919,36 @@
               <a:rPr lang="fr-FR" sz="1500" dirty="0" smtClean="0"/>
               <a:t>192</a:t>
             </a:r>
+          </a:p>
+        </p:txBody>
+      </p:sp>
+      <p:sp>
+        <p:nvSpPr>
+          <p:cNvPr id="22" name="ZoneTexte 21"/>
+          <p:cNvSpPr txBox="1"/>
+          <p:nvPr/>
+        </p:nvSpPr>
+        <p:spPr>
+          <a:xfrm>
+            <a:off x="8496300" y="6296025"/>
+            <a:ext cx="495300" cy="369332"/>
+          </a:xfrm>
+          <a:prstGeom prst="rect">
+            <a:avLst/>
+          </a:prstGeom>
+          <a:noFill/>
+        </p:spPr>
+        <p:txBody>
+          <a:bodyPr wrap="square" rtlCol="0">
+            <a:spAutoFit/>
+          </a:bodyPr>
+          <a:lstStyle/>
+          <a:p>
+            <a:r>
+              <a:rPr lang="fr-FR" dirty="0" smtClean="0"/>
+              <a:t>15</a:t>
+            </a:r>
+            <a:endParaRPr lang="fr-FR" dirty="0"/>
           </a:p>
         </p:txBody>
       </p:sp>
@@ -9219,7 +9975,7 @@
 </p:sld>
 </file>
 
-<file path=ppt/slides/slide14.xml><?xml version="1.0" encoding="utf-8"?>
+<file path=ppt/slides/slide16.xml><?xml version="1.0" encoding="utf-8"?>
 <p:sld xmlns:a="http://schemas.openxmlformats.org/drawingml/2006/main" xmlns:r="http://schemas.openxmlformats.org/officeDocument/2006/relationships" xmlns:p="http://schemas.openxmlformats.org/presentationml/2006/main">
   <p:cSld>
     <p:spTree>
@@ -9252,6 +10008,10 @@
           <a:lstStyle/>
           <a:p>
             <a:r>
+              <a:rPr lang="fr-FR" dirty="0" smtClean="0"/>
+              <a:t>IV. </a:t>
+            </a:r>
+            <a:r>
               <a:rPr lang="fr-FR" dirty="0" err="1" smtClean="0"/>
               <a:t>What’s</a:t>
             </a:r>
@@ -9262,10 +10022,6 @@
             <a:r>
               <a:rPr lang="fr-FR" dirty="0" err="1" smtClean="0"/>
               <a:t>next</a:t>
-            </a:r>
-            <a:r>
-              <a:rPr lang="fr-FR" dirty="0" smtClean="0"/>
-              <a:t> ?</a:t>
             </a:r>
             <a:endParaRPr lang="fr-FR" dirty="0"/>
           </a:p>
@@ -9281,13 +10037,13 @@
   <p:clrMapOvr>
     <a:masterClrMapping/>
   </p:clrMapOvr>
-  <mc:AlternateContent xmlns:mc="http://schemas.openxmlformats.org/markup-compatibility/2006">
-    <mc:Choice xmlns:p14="http://schemas.microsoft.com/office/powerpoint/2010/main" Requires="p14">
+  <mc:AlternateContent xmlns:mc="http://schemas.openxmlformats.org/markup-compatibility/2006" xmlns:p14="http://schemas.microsoft.com/office/powerpoint/2010/main">
+    <mc:Choice Requires="p14">
       <p:transition spd="med" p14:dur="700">
         <p:fade/>
       </p:transition>
     </mc:Choice>
-    <mc:Fallback>
+    <mc:Fallback xmlns="">
       <p:transition spd="med">
         <p:fade/>
       </p:transition>
@@ -9296,7 +10052,7 @@
 </p:sld>
 </file>
 
-<file path=ppt/slides/slide15.xml><?xml version="1.0" encoding="utf-8"?>
+<file path=ppt/slides/slide17.xml><?xml version="1.0" encoding="utf-8"?>
 <p:sld xmlns:a="http://schemas.openxmlformats.org/drawingml/2006/main" xmlns:r="http://schemas.openxmlformats.org/officeDocument/2006/relationships" xmlns:p="http://schemas.openxmlformats.org/presentationml/2006/main">
   <p:cSld>
     <p:spTree>
@@ -9323,12 +10079,21 @@
             <p:ph type="title"/>
           </p:nvPr>
         </p:nvSpPr>
-        <p:spPr/>
+        <p:spPr>
+          <a:xfrm>
+            <a:off x="633806" y="270681"/>
+            <a:ext cx="7876388" cy="1143000"/>
+          </a:xfrm>
+        </p:spPr>
         <p:txBody>
           <a:bodyPr/>
           <a:lstStyle/>
           <a:p>
             <a:pPr algn="ctr"/>
+            <a:r>
+              <a:rPr lang="fr-FR" dirty="0" smtClean="0"/>
+              <a:t>IV. </a:t>
+            </a:r>
             <a:r>
               <a:rPr lang="fr-FR" dirty="0" err="1" smtClean="0"/>
               <a:t>What’s</a:t>
@@ -9402,6 +10167,36 @@
           </a:p>
         </p:txBody>
       </p:sp>
+      <p:sp>
+        <p:nvSpPr>
+          <p:cNvPr id="4" name="ZoneTexte 3"/>
+          <p:cNvSpPr txBox="1"/>
+          <p:nvPr/>
+        </p:nvSpPr>
+        <p:spPr>
+          <a:xfrm>
+            <a:off x="8496300" y="6296025"/>
+            <a:ext cx="495300" cy="369332"/>
+          </a:xfrm>
+          <a:prstGeom prst="rect">
+            <a:avLst/>
+          </a:prstGeom>
+          <a:noFill/>
+        </p:spPr>
+        <p:txBody>
+          <a:bodyPr wrap="square" rtlCol="0">
+            <a:spAutoFit/>
+          </a:bodyPr>
+          <a:lstStyle/>
+          <a:p>
+            <a:r>
+              <a:rPr lang="fr-FR" dirty="0" smtClean="0"/>
+              <a:t>17</a:t>
+            </a:r>
+            <a:endParaRPr lang="fr-FR" dirty="0"/>
+          </a:p>
+        </p:txBody>
+      </p:sp>
     </p:spTree>
     <p:extLst>
       <p:ext uri="{BB962C8B-B14F-4D97-AF65-F5344CB8AC3E}">
@@ -9412,22 +10207,29 @@
   <p:clrMapOvr>
     <a:masterClrMapping/>
   </p:clrMapOvr>
-  <mc:AlternateContent xmlns:mc="http://schemas.openxmlformats.org/markup-compatibility/2006">
-    <mc:Choice xmlns:p14="http://schemas.microsoft.com/office/powerpoint/2010/main" Requires="p14">
+  <mc:AlternateContent xmlns:mc="http://schemas.openxmlformats.org/markup-compatibility/2006" xmlns:p14="http://schemas.microsoft.com/office/powerpoint/2010/main">
+    <mc:Choice Requires="p14">
       <p:transition spd="med" p14:dur="700">
         <p:fade/>
       </p:transition>
     </mc:Choice>
-    <mc:Fallback>
+    <mc:Fallback xmlns="">
       <p:transition spd="med">
         <p:fade/>
       </p:transition>
     </mc:Fallback>
   </mc:AlternateContent>
+  <p:timing>
+    <p:tnLst>
+      <p:par>
+        <p:cTn id="1" dur="indefinite" restart="never" nodeType="tmRoot"/>
+      </p:par>
+    </p:tnLst>
+  </p:timing>
 </p:sld>
 </file>
 
-<file path=ppt/slides/slide16.xml><?xml version="1.0" encoding="utf-8"?>
+<file path=ppt/slides/slide18.xml><?xml version="1.0" encoding="utf-8"?>
 <p:sld xmlns:a="http://schemas.openxmlformats.org/drawingml/2006/main" xmlns:r="http://schemas.openxmlformats.org/officeDocument/2006/relationships" xmlns:p="http://schemas.openxmlformats.org/presentationml/2006/main">
   <p:cSld>
     <p:spTree>
@@ -9446,42 +10248,6 @@
       </p:grpSpPr>
       <p:sp>
         <p:nvSpPr>
-          <p:cNvPr id="2" name="Titre 1"/>
-          <p:cNvSpPr>
-            <a:spLocks noGrp="1"/>
-          </p:cNvSpPr>
-          <p:nvPr>
-            <p:ph type="title"/>
-          </p:nvPr>
-        </p:nvSpPr>
-        <p:spPr/>
-        <p:txBody>
-          <a:bodyPr/>
-          <a:lstStyle/>
-          <a:p>
-            <a:pPr algn="ctr"/>
-            <a:r>
-              <a:rPr lang="fr-FR" dirty="0" err="1" smtClean="0"/>
-              <a:t>what’s</a:t>
-            </a:r>
-            <a:r>
-              <a:rPr lang="fr-FR" dirty="0" smtClean="0"/>
-              <a:t> </a:t>
-            </a:r>
-            <a:r>
-              <a:rPr lang="fr-FR" dirty="0" err="1" smtClean="0"/>
-              <a:t>next</a:t>
-            </a:r>
-            <a:r>
-              <a:rPr lang="fr-FR" dirty="0" smtClean="0"/>
-              <a:t> ?</a:t>
-            </a:r>
-            <a:endParaRPr lang="fr-FR" dirty="0"/>
-          </a:p>
-        </p:txBody>
-      </p:sp>
-      <p:sp>
-        <p:nvSpPr>
           <p:cNvPr id="3" name="Espace réservé du texte 2"/>
           <p:cNvSpPr>
             <a:spLocks noGrp="1"/>
@@ -9519,6 +10285,86 @@
           </a:p>
         </p:txBody>
       </p:sp>
+      <p:sp>
+        <p:nvSpPr>
+          <p:cNvPr id="6" name="Titre 1"/>
+          <p:cNvSpPr txBox="1">
+            <a:spLocks/>
+          </p:cNvSpPr>
+          <p:nvPr/>
+        </p:nvSpPr>
+        <p:spPr>
+          <a:xfrm>
+            <a:off x="633806" y="270681"/>
+            <a:ext cx="7876388" cy="1143000"/>
+          </a:xfrm>
+          <a:prstGeom prst="rect">
+            <a:avLst/>
+          </a:prstGeom>
+        </p:spPr>
+        <p:txBody>
+          <a:bodyPr anchor="t">
+            <a:normAutofit/>
+          </a:bodyPr>
+          <a:lstStyle>
+            <a:lvl1pPr algn="l" defTabSz="457200" rtl="0" eaLnBrk="1" latinLnBrk="0" hangingPunct="1">
+              <a:lnSpc>
+                <a:spcPct val="90000"/>
+              </a:lnSpc>
+              <a:spcBef>
+                <a:spcPct val="0"/>
+              </a:spcBef>
+              <a:buNone/>
+              <a:defRPr sz="2700" b="1" i="0" kern="1200" cap="all" baseline="0">
+                <a:solidFill>
+                  <a:schemeClr val="bg2"/>
+                </a:solidFill>
+                <a:latin typeface="+mj-lt"/>
+                <a:ea typeface="+mj-ea"/>
+                <a:cs typeface="HelveticaNeueLT Com 57 Cn" panose="020B0506030502030204" pitchFamily="34" charset="0"/>
+              </a:defRPr>
+            </a:lvl1pPr>
+          </a:lstStyle>
+          <a:p>
+            <a:pPr algn="ctr"/>
+            <a:r>
+              <a:rPr lang="fr-FR" smtClean="0"/>
+              <a:t>IV. What’s next</a:t>
+            </a:r>
+            <a:endParaRPr lang="fr-FR" dirty="0"/>
+          </a:p>
+        </p:txBody>
+      </p:sp>
+      <p:sp>
+        <p:nvSpPr>
+          <p:cNvPr id="7" name="ZoneTexte 6"/>
+          <p:cNvSpPr txBox="1"/>
+          <p:nvPr/>
+        </p:nvSpPr>
+        <p:spPr>
+          <a:xfrm>
+            <a:off x="8496300" y="6296025"/>
+            <a:ext cx="495300" cy="369332"/>
+          </a:xfrm>
+          <a:prstGeom prst="rect">
+            <a:avLst/>
+          </a:prstGeom>
+          <a:noFill/>
+        </p:spPr>
+        <p:txBody>
+          <a:bodyPr wrap="square" rtlCol="0">
+            <a:spAutoFit/>
+          </a:bodyPr>
+          <a:lstStyle/>
+          <a:p>
+            <a:r>
+              <a:rPr lang="fr-FR" smtClean="0"/>
+              <a:t>18</a:t>
+            </a:r>
+            <a:endParaRPr lang="fr-FR" dirty="0"/>
+          </a:p>
+        </p:txBody>
+      </p:sp>
     </p:spTree>
     <p:extLst>
       <p:ext uri="{BB962C8B-B14F-4D97-AF65-F5344CB8AC3E}">
@@ -9529,18 +10375,25 @@
   <p:clrMapOvr>
     <a:masterClrMapping/>
   </p:clrMapOvr>
-  <mc:AlternateContent xmlns:mc="http://schemas.openxmlformats.org/markup-compatibility/2006">
-    <mc:Choice xmlns:p14="http://schemas.microsoft.com/office/powerpoint/2010/main" Requires="p14">
+  <mc:AlternateContent xmlns:mc="http://schemas.openxmlformats.org/markup-compatibility/2006" xmlns:p14="http://schemas.microsoft.com/office/powerpoint/2010/main">
+    <mc:Choice Requires="p14">
       <p:transition spd="med" p14:dur="700">
         <p:fade/>
       </p:transition>
     </mc:Choice>
-    <mc:Fallback>
+    <mc:Fallback xmlns="">
       <p:transition spd="med">
         <p:fade/>
       </p:transition>
     </mc:Fallback>
   </mc:AlternateContent>
+  <p:timing>
+    <p:tnLst>
+      <p:par>
+        <p:cTn id="1" dur="indefinite" restart="never" nodeType="tmRoot"/>
+      </p:par>
+    </p:tnLst>
+  </p:timing>
 </p:sld>
 </file>
 
@@ -9597,8 +10450,8 @@
         </p:nvSpPr>
         <p:spPr>
           <a:xfrm>
-            <a:off x="628650" y="1369219"/>
-            <a:ext cx="7886700" cy="3263504"/>
+            <a:off x="362738" y="1632585"/>
+            <a:ext cx="7886700" cy="4351339"/>
           </a:xfrm>
           <a:prstGeom prst="rect">
             <a:avLst/>
@@ -9608,49 +10461,92 @@
           <a:bodyPr/>
           <a:lstStyle/>
           <a:p>
+            <a:pPr marL="514350" indent="-514350">
+              <a:buAutoNum type="romanUcPeriod"/>
+            </a:pPr>
+            <a:r>
+              <a:rPr lang="fr-FR" dirty="0" smtClean="0"/>
+              <a:t>Context</a:t>
+            </a:r>
+            <a:endParaRPr lang="fr-FR" dirty="0"/>
+          </a:p>
+          <a:p>
+            <a:pPr marL="514350" indent="-514350">
+              <a:buAutoNum type="romanUcPeriod"/>
+            </a:pPr>
+            <a:r>
+              <a:rPr lang="fr-FR" dirty="0" err="1" smtClean="0"/>
+              <a:t>Specifications</a:t>
+            </a:r>
             <a:endParaRPr lang="fr-FR" dirty="0" smtClean="0"/>
           </a:p>
           <a:p>
-            <a:pPr marL="0" indent="0">
-              <a:buNone/>
+            <a:pPr marL="514350" indent="-514350">
+              <a:buAutoNum type="romanUcPeriod"/>
             </a:pPr>
-            <a:r>
-              <a:rPr lang="fr-FR" dirty="0" smtClean="0"/>
-              <a:t>• </a:t>
-            </a:r>
-            <a:r>
-              <a:rPr lang="fr-FR" dirty="0" err="1" smtClean="0"/>
-              <a:t>Context</a:t>
-            </a:r>
-            <a:endParaRPr lang="fr-FR" dirty="0" smtClean="0"/>
-          </a:p>
-          <a:p>
-            <a:pPr marL="0" indent="0">
-              <a:buNone/>
-            </a:pPr>
-            <a:r>
-              <a:rPr lang="fr-FR" dirty="0" smtClean="0"/>
-              <a:t>• </a:t>
-            </a:r>
             <a:r>
               <a:rPr lang="fr-FR" dirty="0" err="1" smtClean="0"/>
               <a:t>Pre-study</a:t>
             </a:r>
+            <a:endParaRPr lang="fr-FR" dirty="0"/>
+          </a:p>
+          <a:p>
+            <a:pPr marL="514350" indent="-514350">
+              <a:buAutoNum type="romanUcPeriod"/>
+            </a:pPr>
+            <a:r>
+              <a:rPr lang="fr-FR" dirty="0" err="1" smtClean="0"/>
+              <a:t>What’s</a:t>
+            </a:r>
+            <a:r>
+              <a:rPr lang="fr-FR" dirty="0" smtClean="0"/>
+              <a:t> </a:t>
+            </a:r>
+            <a:r>
+              <a:rPr lang="fr-FR" dirty="0" err="1" smtClean="0"/>
+              <a:t>next</a:t>
+            </a:r>
+            <a:endParaRPr lang="fr-FR" dirty="0"/>
+          </a:p>
+          <a:p>
+            <a:pPr marL="514350" indent="-514350">
+              <a:buAutoNum type="romanUcPeriod"/>
+            </a:pPr>
+            <a:r>
+              <a:rPr lang="fr-FR" dirty="0" smtClean="0"/>
+              <a:t>Conclusion</a:t>
+            </a:r>
             <a:endParaRPr lang="fr-FR" dirty="0" smtClean="0"/>
           </a:p>
-          <a:p>
-            <a:pPr marL="0" indent="0">
-              <a:buNone/>
-            </a:pPr>
+        </p:txBody>
+      </p:sp>
+      <p:sp>
+        <p:nvSpPr>
+          <p:cNvPr id="4" name="ZoneTexte 3"/>
+          <p:cNvSpPr txBox="1"/>
+          <p:nvPr/>
+        </p:nvSpPr>
+        <p:spPr>
+          <a:xfrm>
+            <a:off x="8496300" y="6296025"/>
+            <a:ext cx="495300" cy="369332"/>
+          </a:xfrm>
+          <a:prstGeom prst="rect">
+            <a:avLst/>
+          </a:prstGeom>
+          <a:noFill/>
+        </p:spPr>
+        <p:txBody>
+          <a:bodyPr wrap="square" rtlCol="0">
+            <a:spAutoFit/>
+          </a:bodyPr>
+          <a:lstStyle/>
+          <a:p>
             <a:r>
               <a:rPr lang="fr-FR" dirty="0" smtClean="0"/>
-              <a:t>• </a:t>
-            </a:r>
-            <a:r>
-              <a:rPr lang="fr-FR" dirty="0" err="1" smtClean="0"/>
-              <a:t>Specifications</a:t>
-            </a:r>
-            <a:endParaRPr lang="fr-FR" dirty="0" smtClean="0"/>
+              <a:t>2</a:t>
+            </a:r>
+            <a:endParaRPr lang="fr-FR" dirty="0"/>
           </a:p>
         </p:txBody>
       </p:sp>
@@ -9676,6 +10572,13 @@
       </p:transition>
     </mc:Fallback>
   </mc:AlternateContent>
+  <p:timing>
+    <p:tnLst>
+      <p:par>
+        <p:cTn id="1" dur="indefinite" restart="never" nodeType="tmRoot"/>
+      </p:par>
+    </p:tnLst>
+  </p:timing>
 </p:sld>
 </file>
 
@@ -9713,8 +10616,8 @@
           <a:p>
             <a:pPr algn="ctr"/>
             <a:r>
-              <a:rPr lang="fr-FR" dirty="0" err="1" smtClean="0"/>
-              <a:t>Context</a:t>
+              <a:rPr lang="fr-FR" dirty="0" smtClean="0"/>
+              <a:t>I. Context</a:t>
             </a:r>
             <a:endParaRPr lang="fr-FR" dirty="0"/>
           </a:p>
@@ -9742,6 +10645,13 @@
       </p:transition>
     </mc:Fallback>
   </mc:AlternateContent>
+  <p:timing>
+    <p:tnLst>
+      <p:par>
+        <p:cTn id="1" dur="indefinite" restart="never" nodeType="tmRoot"/>
+      </p:par>
+    </p:tnLst>
+  </p:timing>
 </p:sld>
 </file>
 
@@ -9772,15 +10682,20 @@
             <p:ph type="title"/>
           </p:nvPr>
         </p:nvSpPr>
-        <p:spPr/>
+        <p:spPr>
+          <a:xfrm>
+            <a:off x="633806" y="304800"/>
+            <a:ext cx="7876388" cy="946131"/>
+          </a:xfrm>
+        </p:spPr>
         <p:txBody>
           <a:bodyPr/>
           <a:lstStyle/>
           <a:p>
             <a:pPr algn="ctr"/>
             <a:r>
-              <a:rPr lang="fr-FR" dirty="0" err="1" smtClean="0"/>
-              <a:t>Context</a:t>
+              <a:rPr lang="fr-FR" dirty="0" smtClean="0"/>
+              <a:t>I. Context</a:t>
             </a:r>
             <a:endParaRPr lang="fr-FR" dirty="0"/>
           </a:p>
@@ -9796,7 +10711,12 @@
             <p:ph type="body" sz="quarter" idx="10"/>
           </p:nvPr>
         </p:nvSpPr>
-        <p:spPr/>
+        <p:spPr>
+          <a:xfrm>
+            <a:off x="581892" y="1430798"/>
+            <a:ext cx="7365768" cy="4695367"/>
+          </a:xfrm>
+        </p:spPr>
         <p:txBody>
           <a:bodyPr/>
           <a:lstStyle/>
@@ -9888,6 +10808,35 @@
             <a:r>
               <a:rPr lang="fr-FR" dirty="0"/>
               <a:t> solutions.</a:t>
+            </a:r>
+          </a:p>
+        </p:txBody>
+      </p:sp>
+      <p:sp>
+        <p:nvSpPr>
+          <p:cNvPr id="4" name="ZoneTexte 3"/>
+          <p:cNvSpPr txBox="1"/>
+          <p:nvPr/>
+        </p:nvSpPr>
+        <p:spPr>
+          <a:xfrm>
+            <a:off x="8496300" y="6296025"/>
+            <a:ext cx="495300" cy="369332"/>
+          </a:xfrm>
+          <a:prstGeom prst="rect">
+            <a:avLst/>
+          </a:prstGeom>
+          <a:noFill/>
+        </p:spPr>
+        <p:txBody>
+          <a:bodyPr wrap="square" rtlCol="0">
+            <a:spAutoFit/>
+          </a:bodyPr>
+          <a:lstStyle/>
+          <a:p>
+            <a:r>
+              <a:rPr lang="fr-FR" dirty="0" smtClean="0"/>
+              <a:t>4</a:t>
             </a:r>
             <a:endParaRPr lang="fr-FR" dirty="0"/>
           </a:p>
@@ -9903,18 +10852,25 @@
   <p:clrMapOvr>
     <a:masterClrMapping/>
   </p:clrMapOvr>
-  <mc:AlternateContent xmlns:mc="http://schemas.openxmlformats.org/markup-compatibility/2006">
-    <mc:Choice xmlns:p14="http://schemas.microsoft.com/office/powerpoint/2010/main" Requires="p14">
+  <mc:AlternateContent xmlns:mc="http://schemas.openxmlformats.org/markup-compatibility/2006" xmlns:p14="http://schemas.microsoft.com/office/powerpoint/2010/main">
+    <mc:Choice Requires="p14">
       <p:transition spd="med" p14:dur="700">
         <p:fade/>
       </p:transition>
     </mc:Choice>
-    <mc:Fallback>
+    <mc:Fallback xmlns="">
       <p:transition spd="med">
         <p:fade/>
       </p:transition>
     </mc:Fallback>
   </mc:AlternateContent>
+  <p:timing>
+    <p:tnLst>
+      <p:par>
+        <p:cTn id="1" dur="indefinite" restart="never" nodeType="tmRoot"/>
+      </p:par>
+    </p:tnLst>
+  </p:timing>
 </p:sld>
 </file>
 
@@ -9947,8 +10903,8 @@
         </p:nvSpPr>
         <p:spPr>
           <a:xfrm>
-            <a:off x="1606887" y="1073098"/>
-            <a:ext cx="5930226" cy="3521525"/>
+            <a:off x="633806" y="1430798"/>
+            <a:ext cx="7694854" cy="4695367"/>
           </a:xfrm>
         </p:spPr>
         <p:txBody>
@@ -10010,28 +10966,79 @@
       </p:sp>
       <p:sp>
         <p:nvSpPr>
-          <p:cNvPr id="4" name="Titre 3"/>
-          <p:cNvSpPr>
-            <a:spLocks noGrp="1"/>
+          <p:cNvPr id="5" name="Titre 1"/>
+          <p:cNvSpPr txBox="1">
+            <a:spLocks/>
           </p:cNvSpPr>
-          <p:nvPr>
-            <p:ph type="title"/>
-          </p:nvPr>
+          <p:nvPr/>
         </p:nvSpPr>
         <p:spPr>
           <a:xfrm>
-            <a:off x="1497310" y="80948"/>
-            <a:ext cx="6149380" cy="857250"/>
-          </a:xfrm>
+            <a:off x="633806" y="304800"/>
+            <a:ext cx="7876388" cy="946131"/>
+          </a:xfrm>
+          <a:prstGeom prst="rect">
+            <a:avLst/>
+          </a:prstGeom>
         </p:spPr>
         <p:txBody>
-          <a:bodyPr/>
+          <a:bodyPr anchor="t">
+            <a:normAutofit/>
+          </a:bodyPr>
+          <a:lstStyle>
+            <a:lvl1pPr algn="l" defTabSz="457200" rtl="0" eaLnBrk="1" latinLnBrk="0" hangingPunct="1">
+              <a:lnSpc>
+                <a:spcPct val="90000"/>
+              </a:lnSpc>
+              <a:spcBef>
+                <a:spcPct val="0"/>
+              </a:spcBef>
+              <a:buNone/>
+              <a:defRPr sz="2700" b="1" i="0" kern="1200" cap="all" baseline="0">
+                <a:solidFill>
+                  <a:schemeClr val="bg2"/>
+                </a:solidFill>
+                <a:latin typeface="+mj-lt"/>
+                <a:ea typeface="+mj-ea"/>
+                <a:cs typeface="HelveticaNeueLT Com 57 Cn" panose="020B0506030502030204" pitchFamily="34" charset="0"/>
+              </a:defRPr>
+            </a:lvl1pPr>
+          </a:lstStyle>
+          <a:p>
+            <a:pPr algn="ctr"/>
+            <a:r>
+              <a:rPr lang="fr-FR" smtClean="0"/>
+              <a:t>I. Context</a:t>
+            </a:r>
+            <a:endParaRPr lang="fr-FR" dirty="0"/>
+          </a:p>
+        </p:txBody>
+      </p:sp>
+      <p:sp>
+        <p:nvSpPr>
+          <p:cNvPr id="6" name="ZoneTexte 5"/>
+          <p:cNvSpPr txBox="1"/>
+          <p:nvPr/>
+        </p:nvSpPr>
+        <p:spPr>
+          <a:xfrm>
+            <a:off x="8496300" y="6296025"/>
+            <a:ext cx="495300" cy="369332"/>
+          </a:xfrm>
+          <a:prstGeom prst="rect">
+            <a:avLst/>
+          </a:prstGeom>
+          <a:noFill/>
+        </p:spPr>
+        <p:txBody>
+          <a:bodyPr wrap="square" rtlCol="0">
+            <a:spAutoFit/>
+          </a:bodyPr>
           <a:lstStyle/>
           <a:p>
-            <a:pPr algn="ctr"/>
-            <a:r>
-              <a:rPr lang="fr-FR" dirty="0" err="1" smtClean="0"/>
-              <a:t>context</a:t>
+            <a:r>
+              <a:rPr lang="fr-FR" dirty="0" smtClean="0"/>
+              <a:t>5</a:t>
             </a:r>
             <a:endParaRPr lang="fr-FR" dirty="0"/>
           </a:p>
@@ -10047,18 +11054,25 @@
   <p:clrMapOvr>
     <a:masterClrMapping/>
   </p:clrMapOvr>
-  <mc:AlternateContent xmlns:mc="http://schemas.openxmlformats.org/markup-compatibility/2006">
-    <mc:Choice xmlns:p14="http://schemas.microsoft.com/office/powerpoint/2010/main" Requires="p14">
+  <mc:AlternateContent xmlns:mc="http://schemas.openxmlformats.org/markup-compatibility/2006" xmlns:p14="http://schemas.microsoft.com/office/powerpoint/2010/main">
+    <mc:Choice Requires="p14">
       <p:transition spd="med" p14:dur="700">
         <p:fade/>
       </p:transition>
     </mc:Choice>
-    <mc:Fallback>
+    <mc:Fallback xmlns="">
       <p:transition spd="med">
         <p:fade/>
       </p:transition>
     </mc:Fallback>
   </mc:AlternateContent>
+  <p:timing>
+    <p:tnLst>
+      <p:par>
+        <p:cTn id="1" dur="indefinite" restart="never" nodeType="tmRoot"/>
+      </p:par>
+    </p:tnLst>
+  </p:timing>
 </p:sld>
 </file>
 
@@ -10081,30 +11095,6 @@
       </p:grpSpPr>
       <p:sp>
         <p:nvSpPr>
-          <p:cNvPr id="2" name="Titre 1"/>
-          <p:cNvSpPr>
-            <a:spLocks noGrp="1"/>
-          </p:cNvSpPr>
-          <p:nvPr>
-            <p:ph type="title"/>
-          </p:nvPr>
-        </p:nvSpPr>
-        <p:spPr/>
-        <p:txBody>
-          <a:bodyPr/>
-          <a:lstStyle/>
-          <a:p>
-            <a:pPr algn="ctr"/>
-            <a:r>
-              <a:rPr lang="fr-FR" dirty="0" err="1" smtClean="0"/>
-              <a:t>context</a:t>
-            </a:r>
-            <a:endParaRPr lang="fr-FR" dirty="0"/>
-          </a:p>
-        </p:txBody>
-      </p:sp>
-      <p:sp>
-        <p:nvSpPr>
           <p:cNvPr id="3" name="Espace réservé du texte 2"/>
           <p:cNvSpPr>
             <a:spLocks noGrp="1"/>
@@ -10146,6 +11136,86 @@
           </a:p>
         </p:txBody>
       </p:sp>
+      <p:sp>
+        <p:nvSpPr>
+          <p:cNvPr id="4" name="Titre 1"/>
+          <p:cNvSpPr txBox="1">
+            <a:spLocks/>
+          </p:cNvSpPr>
+          <p:nvPr/>
+        </p:nvSpPr>
+        <p:spPr>
+          <a:xfrm>
+            <a:off x="633806" y="304800"/>
+            <a:ext cx="7876388" cy="946131"/>
+          </a:xfrm>
+          <a:prstGeom prst="rect">
+            <a:avLst/>
+          </a:prstGeom>
+        </p:spPr>
+        <p:txBody>
+          <a:bodyPr anchor="t">
+            <a:normAutofit/>
+          </a:bodyPr>
+          <a:lstStyle>
+            <a:lvl1pPr algn="l" defTabSz="457200" rtl="0" eaLnBrk="1" latinLnBrk="0" hangingPunct="1">
+              <a:lnSpc>
+                <a:spcPct val="90000"/>
+              </a:lnSpc>
+              <a:spcBef>
+                <a:spcPct val="0"/>
+              </a:spcBef>
+              <a:buNone/>
+              <a:defRPr sz="2700" b="1" i="0" kern="1200" cap="all" baseline="0">
+                <a:solidFill>
+                  <a:schemeClr val="bg2"/>
+                </a:solidFill>
+                <a:latin typeface="+mj-lt"/>
+                <a:ea typeface="+mj-ea"/>
+                <a:cs typeface="HelveticaNeueLT Com 57 Cn" panose="020B0506030502030204" pitchFamily="34" charset="0"/>
+              </a:defRPr>
+            </a:lvl1pPr>
+          </a:lstStyle>
+          <a:p>
+            <a:pPr algn="ctr"/>
+            <a:r>
+              <a:rPr lang="fr-FR" smtClean="0"/>
+              <a:t>I. Context</a:t>
+            </a:r>
+            <a:endParaRPr lang="fr-FR" dirty="0"/>
+          </a:p>
+        </p:txBody>
+      </p:sp>
+      <p:sp>
+        <p:nvSpPr>
+          <p:cNvPr id="6" name="ZoneTexte 5"/>
+          <p:cNvSpPr txBox="1"/>
+          <p:nvPr/>
+        </p:nvSpPr>
+        <p:spPr>
+          <a:xfrm>
+            <a:off x="8496300" y="6296025"/>
+            <a:ext cx="495300" cy="369332"/>
+          </a:xfrm>
+          <a:prstGeom prst="rect">
+            <a:avLst/>
+          </a:prstGeom>
+          <a:noFill/>
+        </p:spPr>
+        <p:txBody>
+          <a:bodyPr wrap="square" rtlCol="0">
+            <a:spAutoFit/>
+          </a:bodyPr>
+          <a:lstStyle/>
+          <a:p>
+            <a:r>
+              <a:rPr lang="fr-FR" dirty="0" smtClean="0"/>
+              <a:t>6</a:t>
+            </a:r>
+            <a:endParaRPr lang="fr-FR" dirty="0"/>
+          </a:p>
+        </p:txBody>
+      </p:sp>
     </p:spTree>
     <p:extLst>
       <p:ext uri="{BB962C8B-B14F-4D97-AF65-F5344CB8AC3E}">
@@ -10156,18 +11226,25 @@
   <p:clrMapOvr>
     <a:masterClrMapping/>
   </p:clrMapOvr>
-  <mc:AlternateContent xmlns:mc="http://schemas.openxmlformats.org/markup-compatibility/2006">
-    <mc:Choice xmlns:p14="http://schemas.microsoft.com/office/powerpoint/2010/main" Requires="p14">
+  <mc:AlternateContent xmlns:mc="http://schemas.openxmlformats.org/markup-compatibility/2006" xmlns:p14="http://schemas.microsoft.com/office/powerpoint/2010/main">
+    <mc:Choice Requires="p14">
       <p:transition spd="med" p14:dur="700">
         <p:fade/>
       </p:transition>
     </mc:Choice>
-    <mc:Fallback>
+    <mc:Fallback xmlns="">
       <p:transition spd="med">
         <p:fade/>
       </p:transition>
     </mc:Fallback>
   </mc:AlternateContent>
+  <p:timing>
+    <p:tnLst>
+      <p:par>
+        <p:cTn id="1" dur="indefinite" restart="never" nodeType="tmRoot"/>
+      </p:par>
+    </p:tnLst>
+  </p:timing>
 </p:sld>
 </file>
 
@@ -10204,6 +11281,10 @@
           <a:lstStyle/>
           <a:p>
             <a:r>
+              <a:rPr lang="fr-FR" dirty="0" smtClean="0"/>
+              <a:t>II. </a:t>
+            </a:r>
+            <a:r>
               <a:rPr lang="fr-FR" dirty="0" err="1" smtClean="0"/>
               <a:t>specifications</a:t>
             </a:r>
@@ -10221,18 +11302,25 @@
   <p:clrMapOvr>
     <a:masterClrMapping/>
   </p:clrMapOvr>
-  <mc:AlternateContent xmlns:mc="http://schemas.openxmlformats.org/markup-compatibility/2006">
-    <mc:Choice xmlns:p14="http://schemas.microsoft.com/office/powerpoint/2010/main" Requires="p14">
+  <mc:AlternateContent xmlns:mc="http://schemas.openxmlformats.org/markup-compatibility/2006" xmlns:p14="http://schemas.microsoft.com/office/powerpoint/2010/main">
+    <mc:Choice Requires="p14">
       <p:transition spd="med" p14:dur="700">
         <p:fade/>
       </p:transition>
     </mc:Choice>
-    <mc:Fallback>
+    <mc:Fallback xmlns="">
       <p:transition spd="med">
         <p:fade/>
       </p:transition>
     </mc:Fallback>
   </mc:AlternateContent>
+  <p:timing>
+    <p:tnLst>
+      <p:par>
+        <p:cTn id="1" dur="indefinite" restart="never" nodeType="tmRoot"/>
+      </p:par>
+    </p:tnLst>
+  </p:timing>
 </p:sld>
 </file>
 
@@ -10263,12 +11351,21 @@
             <p:ph type="title"/>
           </p:nvPr>
         </p:nvSpPr>
-        <p:spPr/>
+        <p:spPr>
+          <a:xfrm>
+            <a:off x="633806" y="203200"/>
+            <a:ext cx="7876388" cy="1047731"/>
+          </a:xfrm>
+        </p:spPr>
         <p:txBody>
           <a:bodyPr/>
           <a:lstStyle/>
           <a:p>
             <a:pPr algn="ctr"/>
+            <a:r>
+              <a:rPr lang="fr-FR" dirty="0" smtClean="0"/>
+              <a:t>II. </a:t>
+            </a:r>
             <a:r>
               <a:rPr lang="fr-FR" dirty="0" err="1" smtClean="0"/>
               <a:t>Specifications</a:t>
@@ -10292,8 +11389,8 @@
           </p:nvPr>
         </p:nvGraphicFramePr>
         <p:xfrm>
-          <a:off x="631983" y="938198"/>
-          <a:ext cx="7337898" cy="2695946"/>
+          <a:off x="631983" y="1250931"/>
+          <a:ext cx="7337898" cy="4326115"/>
         </p:xfrm>
         <a:graphic>
           <a:graphicData uri="http://schemas.openxmlformats.org/drawingml/2006/table">
@@ -10305,17 +11402,17 @@
                 <a:gridCol w="3668949"/>
                 <a:gridCol w="3668949"/>
               </a:tblGrid>
-              <a:tr h="319410">
+              <a:tr h="487680">
                 <a:tc>
                   <a:txBody>
                     <a:bodyPr/>
                     <a:lstStyle/>
                     <a:p>
                       <a:pPr algn="ctr"/>
-                      <a:endParaRPr lang="fr-FR" dirty="0"/>
+                      <a:endParaRPr lang="fr-FR" sz="2400" dirty="0"/>
                     </a:p>
                   </a:txBody>
-                  <a:tcPr/>
+                  <a:tcPr marT="60960" marB="60960"/>
                 </a:tc>
                 <a:tc>
                   <a:txBody>
@@ -10323,13 +11420,13 @@
                     <a:lstStyle/>
                     <a:p>
                       <a:pPr algn="ctr"/>
-                      <a:endParaRPr lang="fr-FR"/>
+                      <a:endParaRPr lang="fr-FR" sz="2400"/>
                     </a:p>
                   </a:txBody>
-                  <a:tcPr/>
+                  <a:tcPr marT="60960" marB="60960"/>
                 </a:tc>
               </a:tr>
-              <a:tr h="399262">
+              <a:tr h="609600">
                 <a:tc>
                   <a:txBody>
                     <a:bodyPr/>
@@ -10353,20 +11450,20 @@
                         <a:defRPr/>
                       </a:pPr>
                       <a:r>
-                        <a:rPr lang="fr-FR" sz="1200" dirty="0" err="1" smtClean="0"/>
+                        <a:rPr lang="fr-FR" sz="1600" dirty="0" err="1" smtClean="0"/>
                         <a:t>Enabling</a:t>
                       </a:r>
                       <a:r>
-                        <a:rPr lang="fr-FR" sz="1200" dirty="0" smtClean="0"/>
+                        <a:rPr lang="fr-FR" sz="1600" dirty="0" smtClean="0"/>
                         <a:t> people to switch on/off machines</a:t>
                       </a:r>
                     </a:p>
                     <a:p>
                       <a:pPr algn="ctr"/>
-                      <a:endParaRPr lang="fr-FR" sz="1200" dirty="0"/>
+                      <a:endParaRPr lang="fr-FR" sz="1600" dirty="0"/>
                     </a:p>
                   </a:txBody>
-                  <a:tcPr/>
+                  <a:tcPr marT="60960" marB="60960"/>
                 </a:tc>
                 <a:tc>
                   <a:txBody>
@@ -10374,13 +11471,13 @@
                     <a:lstStyle/>
                     <a:p>
                       <a:pPr algn="ctr"/>
-                      <a:endParaRPr lang="fr-FR" dirty="0"/>
+                      <a:endParaRPr lang="fr-FR" sz="2400" dirty="0"/>
                     </a:p>
                   </a:txBody>
-                  <a:tcPr/>
+                  <a:tcPr marT="60960" marB="60960"/>
                 </a:tc>
               </a:tr>
-              <a:tr h="399262">
+              <a:tr h="609600">
                 <a:tc>
                   <a:txBody>
                     <a:bodyPr/>
@@ -10404,41 +11501,41 @@
                         <a:defRPr/>
                       </a:pPr>
                       <a:r>
-                        <a:rPr lang="fr-FR" sz="1200" dirty="0" err="1" smtClean="0"/>
+                        <a:rPr lang="fr-FR" sz="1600" dirty="0" err="1" smtClean="0"/>
                         <a:t>Adapted</a:t>
                       </a:r>
                       <a:r>
-                        <a:rPr lang="fr-FR" sz="1200" dirty="0" smtClean="0"/>
+                        <a:rPr lang="fr-FR" sz="1600" dirty="0" smtClean="0"/>
                         <a:t> to </a:t>
                       </a:r>
                       <a:r>
-                        <a:rPr lang="fr-FR" sz="1200" dirty="0" err="1" smtClean="0"/>
+                        <a:rPr lang="fr-FR" sz="1600" dirty="0" err="1" smtClean="0"/>
                         <a:t>every</a:t>
                       </a:r>
                       <a:r>
-                        <a:rPr lang="fr-FR" sz="1200" dirty="0" smtClean="0"/>
+                        <a:rPr lang="fr-FR" sz="1600" dirty="0" smtClean="0"/>
                         <a:t> </a:t>
                       </a:r>
                       <a:r>
-                        <a:rPr lang="fr-FR" sz="1200" dirty="0" err="1" smtClean="0"/>
+                        <a:rPr lang="fr-FR" sz="1600" dirty="0" err="1" smtClean="0"/>
                         <a:t>disabled</a:t>
                       </a:r>
                       <a:r>
-                        <a:rPr lang="fr-FR" sz="1200" baseline="0" dirty="0" smtClean="0"/>
+                        <a:rPr lang="fr-FR" sz="1600" baseline="0" dirty="0" smtClean="0"/>
                         <a:t> </a:t>
                       </a:r>
                       <a:r>
-                        <a:rPr lang="fr-FR" sz="1200" dirty="0" err="1" smtClean="0"/>
+                        <a:rPr lang="fr-FR" sz="1600" dirty="0" err="1" smtClean="0"/>
                         <a:t>users</a:t>
                       </a:r>
-                      <a:endParaRPr lang="fr-FR" sz="1200" dirty="0" smtClean="0"/>
+                      <a:endParaRPr lang="fr-FR" sz="1600" dirty="0" smtClean="0"/>
                     </a:p>
                     <a:p>
                       <a:pPr algn="ctr"/>
-                      <a:endParaRPr lang="fr-FR" sz="1200" dirty="0"/>
+                      <a:endParaRPr lang="fr-FR" sz="1600" dirty="0"/>
                     </a:p>
                   </a:txBody>
-                  <a:tcPr/>
+                  <a:tcPr marT="60960" marB="60960"/>
                 </a:tc>
                 <a:tc>
                   <a:txBody>
@@ -10446,13 +11543,13 @@
                     <a:lstStyle/>
                     <a:p>
                       <a:pPr algn="ctr"/>
-                      <a:endParaRPr lang="fr-FR"/>
+                      <a:endParaRPr lang="fr-FR" sz="2400"/>
                     </a:p>
                   </a:txBody>
-                  <a:tcPr/>
+                  <a:tcPr marT="60960" marB="60960"/>
                 </a:tc>
               </a:tr>
-              <a:tr h="399262">
+              <a:tr h="609600">
                 <a:tc>
                   <a:txBody>
                     <a:bodyPr/>
@@ -10476,16 +11573,16 @@
                         <a:defRPr/>
                       </a:pPr>
                       <a:r>
-                        <a:rPr lang="fr-FR" sz="1200" dirty="0" smtClean="0"/>
+                        <a:rPr lang="fr-FR" sz="1600" dirty="0" smtClean="0"/>
                         <a:t>A « scrolling » mode (traduction à revoir)</a:t>
                       </a:r>
                     </a:p>
                     <a:p>
                       <a:pPr algn="ctr"/>
-                      <a:endParaRPr lang="fr-FR" sz="1200" dirty="0"/>
+                      <a:endParaRPr lang="fr-FR" sz="1600" dirty="0"/>
                     </a:p>
                   </a:txBody>
-                  <a:tcPr/>
+                  <a:tcPr marT="60960" marB="60960"/>
                 </a:tc>
                 <a:tc>
                   <a:txBody>
@@ -10493,13 +11590,13 @@
                     <a:lstStyle/>
                     <a:p>
                       <a:pPr algn="ctr"/>
-                      <a:endParaRPr lang="fr-FR"/>
+                      <a:endParaRPr lang="fr-FR" sz="2400"/>
                     </a:p>
                   </a:txBody>
-                  <a:tcPr/>
+                  <a:tcPr marT="60960" marB="60960"/>
                 </a:tc>
               </a:tr>
-              <a:tr h="399262">
+              <a:tr h="609600">
                 <a:tc>
                   <a:txBody>
                     <a:bodyPr/>
@@ -10523,45 +11620,45 @@
                         <a:defRPr/>
                       </a:pPr>
                       <a:r>
-                        <a:rPr lang="fr-FR" sz="1200" dirty="0" smtClean="0"/>
+                        <a:rPr lang="fr-FR" sz="1600" dirty="0" smtClean="0"/>
                         <a:t>Configuration </a:t>
                       </a:r>
                       <a:r>
-                        <a:rPr lang="fr-FR" sz="1200" dirty="0" err="1" smtClean="0"/>
+                        <a:rPr lang="fr-FR" sz="1600" dirty="0" err="1" smtClean="0"/>
                         <a:t>available</a:t>
                       </a:r>
                       <a:r>
-                        <a:rPr lang="fr-FR" sz="1200" dirty="0" smtClean="0"/>
+                        <a:rPr lang="fr-FR" sz="1600" dirty="0" smtClean="0"/>
                         <a:t> </a:t>
                       </a:r>
                       <a:r>
-                        <a:rPr lang="fr-FR" sz="1200" dirty="0" err="1" smtClean="0"/>
+                        <a:rPr lang="fr-FR" sz="1600" dirty="0" err="1" smtClean="0"/>
                         <a:t>only</a:t>
                       </a:r>
                       <a:r>
-                        <a:rPr lang="fr-FR" sz="1200" dirty="0" smtClean="0"/>
+                        <a:rPr lang="fr-FR" sz="1600" dirty="0" smtClean="0"/>
                         <a:t> for</a:t>
                       </a:r>
                       <a:r>
-                        <a:rPr lang="fr-FR" sz="1200" baseline="0" dirty="0" smtClean="0"/>
+                        <a:rPr lang="fr-FR" sz="1600" baseline="0" dirty="0" smtClean="0"/>
                         <a:t> the</a:t>
                       </a:r>
                       <a:r>
-                        <a:rPr lang="fr-FR" sz="1200" dirty="0" smtClean="0"/>
+                        <a:rPr lang="fr-FR" sz="1600" dirty="0" smtClean="0"/>
                         <a:t> </a:t>
                       </a:r>
                       <a:r>
-                        <a:rPr lang="fr-FR" sz="1200" dirty="0" err="1" smtClean="0"/>
+                        <a:rPr lang="fr-FR" sz="1600" dirty="0" err="1" smtClean="0"/>
                         <a:t>technician</a:t>
                       </a:r>
-                      <a:endParaRPr lang="fr-FR" sz="1200" dirty="0" smtClean="0"/>
+                      <a:endParaRPr lang="fr-FR" sz="1600" dirty="0" smtClean="0"/>
                     </a:p>
                     <a:p>
                       <a:pPr algn="ctr"/>
-                      <a:endParaRPr lang="fr-FR" sz="1200" dirty="0"/>
+                      <a:endParaRPr lang="fr-FR" sz="1600" dirty="0"/>
                     </a:p>
                   </a:txBody>
-                  <a:tcPr/>
+                  <a:tcPr marT="60960" marB="60960"/>
                 </a:tc>
                 <a:tc>
                   <a:txBody>
@@ -10569,13 +11666,13 @@
                     <a:lstStyle/>
                     <a:p>
                       <a:pPr algn="ctr"/>
-                      <a:endParaRPr lang="fr-FR"/>
+                      <a:endParaRPr lang="fr-FR" sz="2400"/>
                     </a:p>
                   </a:txBody>
-                  <a:tcPr/>
+                  <a:tcPr marT="60960" marB="60960"/>
                 </a:tc>
               </a:tr>
-              <a:tr h="501386">
+              <a:tr h="668515">
                 <a:tc>
                   <a:txBody>
                     <a:bodyPr/>
@@ -10599,29 +11696,29 @@
                         <a:defRPr/>
                       </a:pPr>
                       <a:r>
-                        <a:rPr lang="fr-FR" sz="1200" dirty="0" smtClean="0"/>
+                        <a:rPr lang="fr-FR" sz="1600" dirty="0" smtClean="0"/>
                         <a:t>Feedback </a:t>
                       </a:r>
                       <a:r>
-                        <a:rPr lang="fr-FR" sz="1200" dirty="0" err="1" smtClean="0"/>
+                        <a:rPr lang="fr-FR" sz="1600" dirty="0" err="1" smtClean="0"/>
                         <a:t>from</a:t>
                       </a:r>
                       <a:r>
-                        <a:rPr lang="fr-FR" sz="1200" dirty="0" smtClean="0"/>
+                        <a:rPr lang="fr-FR" sz="1600" dirty="0" smtClean="0"/>
                         <a:t> the </a:t>
                       </a:r>
                       <a:r>
-                        <a:rPr lang="fr-FR" sz="1200" dirty="0" err="1" smtClean="0"/>
+                        <a:rPr lang="fr-FR" sz="1600" dirty="0" err="1" smtClean="0"/>
                         <a:t>wheelchair</a:t>
                       </a:r>
-                      <a:endParaRPr lang="fr-FR" sz="1200" dirty="0" smtClean="0"/>
+                      <a:endParaRPr lang="fr-FR" sz="1600" dirty="0" smtClean="0"/>
                     </a:p>
                     <a:p>
                       <a:pPr algn="ctr"/>
-                      <a:endParaRPr lang="fr-FR" sz="1200" dirty="0"/>
+                      <a:endParaRPr lang="fr-FR" sz="1600" dirty="0"/>
                     </a:p>
                   </a:txBody>
-                  <a:tcPr/>
+                  <a:tcPr marT="60960" marB="60960"/>
                 </a:tc>
                 <a:tc>
                   <a:txBody>
@@ -10629,16 +11726,46 @@
                     <a:lstStyle/>
                     <a:p>
                       <a:pPr algn="ctr"/>
-                      <a:endParaRPr lang="fr-FR" dirty="0"/>
+                      <a:endParaRPr lang="fr-FR" sz="2400" dirty="0"/>
                     </a:p>
                   </a:txBody>
-                  <a:tcPr/>
+                  <a:tcPr marT="60960" marB="60960"/>
                 </a:tc>
               </a:tr>
             </a:tbl>
           </a:graphicData>
         </a:graphic>
       </p:graphicFrame>
+      <p:sp>
+        <p:nvSpPr>
+          <p:cNvPr id="5" name="ZoneTexte 4"/>
+          <p:cNvSpPr txBox="1"/>
+          <p:nvPr/>
+        </p:nvSpPr>
+        <p:spPr>
+          <a:xfrm>
+            <a:off x="8496300" y="6296025"/>
+            <a:ext cx="495300" cy="369332"/>
+          </a:xfrm>
+          <a:prstGeom prst="rect">
+            <a:avLst/>
+          </a:prstGeom>
+          <a:noFill/>
+        </p:spPr>
+        <p:txBody>
+          <a:bodyPr wrap="square" rtlCol="0">
+            <a:spAutoFit/>
+          </a:bodyPr>
+          <a:lstStyle/>
+          <a:p>
+            <a:r>
+              <a:rPr lang="fr-FR" dirty="0" smtClean="0"/>
+              <a:t>8</a:t>
+            </a:r>
+            <a:endParaRPr lang="fr-FR" dirty="0"/>
+          </a:p>
+        </p:txBody>
+      </p:sp>
     </p:spTree>
     <p:extLst>
       <p:ext uri="{BB962C8B-B14F-4D97-AF65-F5344CB8AC3E}">
@@ -10661,6 +11788,13 @@
       </p:transition>
     </mc:Fallback>
   </mc:AlternateContent>
+  <p:timing>
+    <p:tnLst>
+      <p:par>
+        <p:cTn id="1" dur="indefinite" restart="never" nodeType="tmRoot"/>
+      </p:par>
+    </p:tnLst>
+  </p:timing>
 </p:sld>
 </file>
 
@@ -10691,11 +11825,20 @@
             <p:ph type="ctrTitle"/>
           </p:nvPr>
         </p:nvSpPr>
-        <p:spPr/>
+        <p:spPr>
+          <a:xfrm>
+            <a:off x="4186177" y="1985748"/>
+            <a:ext cx="4862820" cy="1470025"/>
+          </a:xfrm>
+        </p:spPr>
         <p:txBody>
           <a:bodyPr/>
           <a:lstStyle/>
           <a:p>
+            <a:r>
+              <a:rPr lang="fr-FR" dirty="0" smtClean="0"/>
+              <a:t>III. </a:t>
+            </a:r>
             <a:r>
               <a:rPr lang="fr-FR" dirty="0" err="1" smtClean="0"/>
               <a:t>Pre</a:t>
@@ -10718,18 +11861,25 @@
   <p:clrMapOvr>
     <a:masterClrMapping/>
   </p:clrMapOvr>
-  <mc:AlternateContent xmlns:mc="http://schemas.openxmlformats.org/markup-compatibility/2006">
-    <mc:Choice xmlns:p14="http://schemas.microsoft.com/office/powerpoint/2010/main" Requires="p14">
+  <mc:AlternateContent xmlns:mc="http://schemas.openxmlformats.org/markup-compatibility/2006" xmlns:p14="http://schemas.microsoft.com/office/powerpoint/2010/main">
+    <mc:Choice Requires="p14">
       <p:transition spd="med" p14:dur="700">
         <p:fade/>
       </p:transition>
     </mc:Choice>
-    <mc:Fallback>
+    <mc:Fallback xmlns="">
       <p:transition spd="med">
         <p:fade/>
       </p:transition>
     </mc:Fallback>
   </mc:AlternateContent>
+  <p:timing>
+    <p:tnLst>
+      <p:par>
+        <p:cTn id="1" dur="indefinite" restart="never" nodeType="tmRoot"/>
+      </p:par>
+    </p:tnLst>
+  </p:timing>
 </p:sld>
 </file>
 

--- a/Rendu/Diapo_prototype_janvier.pptx
+++ b/Rendu/Diapo_prototype_janvier.pptx
@@ -129,7 +129,7 @@
   </p:defaultTextStyle>
   <p:extLst>
     <p:ext uri="{EFAFB233-063F-42B5-8137-9DF3F51BA10A}">
-      <p15:sldGuideLst xmlns:p15="http://schemas.microsoft.com/office/powerpoint/2012/main" xmlns="">
+      <p15:sldGuideLst xmlns="" xmlns:p15="http://schemas.microsoft.com/office/powerpoint/2012/main">
         <p15:guide id="1" orient="horz" pos="1620">
           <p15:clr>
             <a:srgbClr val="A4A3A4"/>
@@ -249,7 +249,7 @@
             <a:fld id="{1FF860C4-84CC-4ED2-86B7-24C0345B37D5}" type="datetimeFigureOut">
               <a:rPr lang="fr-FR" smtClean="0"/>
               <a:pPr/>
-              <a:t>08/12/2015</a:t>
+              <a:t>10/12/2015</a:t>
             </a:fld>
             <a:endParaRPr lang="fr-FR"/>
           </a:p>
@@ -416,7 +416,7 @@
             <a:fld id="{C2C2714D-4FF2-4E25-9D9C-3A52AC0061D5}" type="datetimeFigureOut">
               <a:rPr lang="fr-FR" smtClean="0"/>
               <a:pPr/>
-              <a:t>08/12/2015</a:t>
+              <a:t>10/12/2015</a:t>
             </a:fld>
             <a:endParaRPr lang="fr-FR"/>
           </a:p>
@@ -7017,6 +7017,47 @@
           </a:p>
         </p:txBody>
       </p:sp>
+      <p:pic>
+        <p:nvPicPr>
+          <p:cNvPr id="1026" name="Picture 2" descr="Z:\home\maki\Dropbox\3e_annee\Projet\git\EP_Domotique_Tablette\Rendu\logo_ergovie.jpg"/>
+          <p:cNvPicPr>
+            <a:picLocks noChangeAspect="1" noChangeArrowheads="1"/>
+          </p:cNvPicPr>
+          <p:nvPr/>
+        </p:nvPicPr>
+        <p:blipFill>
+          <a:blip r:embed="rId3">
+            <a:extLst>
+              <a:ext uri="{28A0092B-C50C-407E-A947-70E740481C1C}">
+                <a14:useLocalDpi xmlns:a14="http://schemas.microsoft.com/office/drawing/2010/main" val="0"/>
+              </a:ext>
+            </a:extLst>
+          </a:blip>
+          <a:srcRect/>
+          <a:stretch>
+            <a:fillRect/>
+          </a:stretch>
+        </p:blipFill>
+        <p:spPr bwMode="auto">
+          <a:xfrm>
+            <a:off x="3933825" y="3202145"/>
+            <a:ext cx="2169763" cy="1600200"/>
+          </a:xfrm>
+          <a:prstGeom prst="rect">
+            <a:avLst/>
+          </a:prstGeom>
+          <a:noFill/>
+          <a:extLst>
+            <a:ext uri="{909E8E84-426E-40DD-AFC4-6F175D3DCCD1}">
+              <a14:hiddenFill xmlns:a14="http://schemas.microsoft.com/office/drawing/2010/main">
+                <a:solidFill>
+                  <a:srgbClr val="FFFFFF"/>
+                </a:solidFill>
+              </a14:hiddenFill>
+            </a:ext>
+          </a:extLst>
+        </p:spPr>
+      </p:pic>
     </p:spTree>
     <p:extLst>
       <p:ext uri="{BB962C8B-B14F-4D97-AF65-F5344CB8AC3E}">
@@ -10516,7 +10557,6 @@
               <a:rPr lang="fr-FR" dirty="0" smtClean="0"/>
               <a:t>Conclusion</a:t>
             </a:r>
-            <a:endParaRPr lang="fr-FR" dirty="0" smtClean="0"/>
           </a:p>
         </p:txBody>
       </p:sp>

--- a/Rendu/Diapo_prototype_janvier.pptx
+++ b/Rendu/Diapo_prototype_janvier.pptx
@@ -5,30 +5,27 @@
     <p:sldMasterId id="2147483648" r:id="rId1"/>
   </p:sldMasterIdLst>
   <p:notesMasterIdLst>
-    <p:notesMasterId r:id="rId20"/>
+    <p:notesMasterId r:id="rId17"/>
   </p:notesMasterIdLst>
   <p:handoutMasterIdLst>
-    <p:handoutMasterId r:id="rId21"/>
+    <p:handoutMasterId r:id="rId18"/>
   </p:handoutMasterIdLst>
   <p:sldIdLst>
-    <p:sldId id="284" r:id="rId2"/>
+    <p:sldId id="303" r:id="rId2"/>
     <p:sldId id="287" r:id="rId3"/>
-    <p:sldId id="288" r:id="rId4"/>
-    <p:sldId id="291" r:id="rId5"/>
-    <p:sldId id="292" r:id="rId6"/>
-    <p:sldId id="293" r:id="rId7"/>
-    <p:sldId id="295" r:id="rId8"/>
-    <p:sldId id="290" r:id="rId9"/>
-    <p:sldId id="294" r:id="rId10"/>
-    <p:sldId id="300" r:id="rId11"/>
-    <p:sldId id="301" r:id="rId12"/>
-    <p:sldId id="285" r:id="rId13"/>
-    <p:sldId id="289" r:id="rId14"/>
-    <p:sldId id="296" r:id="rId15"/>
-    <p:sldId id="286" r:id="rId16"/>
-    <p:sldId id="298" r:id="rId17"/>
-    <p:sldId id="297" r:id="rId18"/>
-    <p:sldId id="299" r:id="rId19"/>
+    <p:sldId id="291" r:id="rId4"/>
+    <p:sldId id="292" r:id="rId5"/>
+    <p:sldId id="293" r:id="rId6"/>
+    <p:sldId id="290" r:id="rId7"/>
+    <p:sldId id="300" r:id="rId8"/>
+    <p:sldId id="301" r:id="rId9"/>
+    <p:sldId id="285" r:id="rId10"/>
+    <p:sldId id="289" r:id="rId11"/>
+    <p:sldId id="296" r:id="rId12"/>
+    <p:sldId id="286" r:id="rId13"/>
+    <p:sldId id="302" r:id="rId14"/>
+    <p:sldId id="297" r:id="rId15"/>
+    <p:sldId id="299" r:id="rId16"/>
   </p:sldIdLst>
   <p:sldSz cx="9144000" cy="6858000" type="screen4x3"/>
   <p:notesSz cx="6799263" cy="9929813"/>
@@ -683,96 +680,6 @@
     </a:lvl9pPr>
   </p:notesStyle>
 </p:notesMaster>
-</file>
-
-<file path=ppt/notesSlides/notesSlide1.xml><?xml version="1.0" encoding="utf-8"?>
-<p:notes xmlns:a="http://schemas.openxmlformats.org/drawingml/2006/main" xmlns:r="http://schemas.openxmlformats.org/officeDocument/2006/relationships" xmlns:p="http://schemas.openxmlformats.org/presentationml/2006/main">
-  <p:cSld>
-    <p:spTree>
-      <p:nvGrpSpPr>
-        <p:cNvPr id="1" name=""/>
-        <p:cNvGrpSpPr/>
-        <p:nvPr/>
-      </p:nvGrpSpPr>
-      <p:grpSpPr>
-        <a:xfrm>
-          <a:off x="0" y="0"/>
-          <a:ext cx="0" cy="0"/>
-          <a:chOff x="0" y="0"/>
-          <a:chExt cx="0" cy="0"/>
-        </a:xfrm>
-      </p:grpSpPr>
-      <p:sp>
-        <p:nvSpPr>
-          <p:cNvPr id="2" name="Espace réservé de l'image des diapositives 1"/>
-          <p:cNvSpPr>
-            <a:spLocks noGrp="1" noRot="1" noChangeAspect="1"/>
-          </p:cNvSpPr>
-          <p:nvPr>
-            <p:ph type="sldImg"/>
-          </p:nvPr>
-        </p:nvSpPr>
-        <p:spPr>
-          <a:xfrm>
-            <a:off x="915988" y="744538"/>
-            <a:ext cx="4967287" cy="3724275"/>
-          </a:xfrm>
-        </p:spPr>
-      </p:sp>
-      <p:sp>
-        <p:nvSpPr>
-          <p:cNvPr id="3" name="Espace réservé des commentaires 2"/>
-          <p:cNvSpPr>
-            <a:spLocks noGrp="1"/>
-          </p:cNvSpPr>
-          <p:nvPr>
-            <p:ph type="body" idx="1"/>
-          </p:nvPr>
-        </p:nvSpPr>
-        <p:spPr/>
-        <p:txBody>
-          <a:bodyPr/>
-          <a:lstStyle/>
-          <a:p>
-            <a:endParaRPr lang="fr-FR"/>
-          </a:p>
-        </p:txBody>
-      </p:sp>
-      <p:sp>
-        <p:nvSpPr>
-          <p:cNvPr id="4" name="Espace réservé du numéro de diapositive 3"/>
-          <p:cNvSpPr>
-            <a:spLocks noGrp="1"/>
-          </p:cNvSpPr>
-          <p:nvPr>
-            <p:ph type="sldNum" sz="quarter" idx="10"/>
-          </p:nvPr>
-        </p:nvSpPr>
-        <p:spPr/>
-        <p:txBody>
-          <a:bodyPr/>
-          <a:lstStyle/>
-          <a:p>
-            <a:fld id="{39168679-7C28-4FFB-8A08-9AACB039AAD4}" type="slidenum">
-              <a:rPr lang="fr-FR" smtClean="0"/>
-              <a:pPr/>
-              <a:t>1</a:t>
-            </a:fld>
-            <a:endParaRPr lang="fr-FR"/>
-          </a:p>
-        </p:txBody>
-      </p:sp>
-    </p:spTree>
-    <p:extLst>
-      <p:ext uri="{BB962C8B-B14F-4D97-AF65-F5344CB8AC3E}">
-        <p14:creationId xmlns:p14="http://schemas.microsoft.com/office/powerpoint/2010/main" val="1106084811"/>
-      </p:ext>
-    </p:extLst>
-  </p:cSld>
-  <p:clrMapOvr>
-    <a:masterClrMapping/>
-  </p:clrMapOvr>
-</p:notes>
 </file>
 
 <file path=ppt/slideLayouts/slideLayout1.xml><?xml version="1.0" encoding="utf-8"?>
@@ -6859,156 +6766,66 @@
       </p:grpSpPr>
       <p:sp>
         <p:nvSpPr>
-          <p:cNvPr id="2" name="ZoneTexte 1"/>
-          <p:cNvSpPr txBox="1">
-            <a:spLocks noChangeArrowheads="1"/>
-          </p:cNvSpPr>
+          <p:cNvPr id="4" name="Rectangle 3"/>
+          <p:cNvSpPr/>
           <p:nvPr/>
         </p:nvSpPr>
-        <p:spPr bwMode="auto">
-          <a:xfrm>
-            <a:off x="2763738" y="4802345"/>
-            <a:ext cx="6122873" cy="830997"/>
+        <p:spPr>
+          <a:xfrm>
+            <a:off x="1971675" y="2473817"/>
+            <a:ext cx="5638800" cy="954107"/>
           </a:xfrm>
           <a:prstGeom prst="rect">
             <a:avLst/>
           </a:prstGeom>
-          <a:noFill/>
+          <a:solidFill>
+            <a:schemeClr val="bg1">
+              <a:lumMod val="95000"/>
+            </a:schemeClr>
+          </a:solidFill>
           <a:ln>
-            <a:noFill/>
+            <a:solidFill>
+              <a:srgbClr val="ABD3C9"/>
+            </a:solidFill>
           </a:ln>
-          <a:extLst>
-            <a:ext uri="{909E8E84-426E-40DD-AFC4-6F175D3DCCD1}">
-              <a14:hiddenFill xmlns:a14="http://schemas.microsoft.com/office/drawing/2010/main">
-                <a:solidFill>
-                  <a:srgbClr val="FFFFFF"/>
-                </a:solidFill>
-              </a14:hiddenFill>
-            </a:ext>
-            <a:ext uri="{91240B29-F687-4F45-9708-019B960494DF}">
-              <a14:hiddenLine xmlns:a14="http://schemas.microsoft.com/office/drawing/2010/main" w="9525">
-                <a:solidFill>
-                  <a:srgbClr val="000000"/>
-                </a:solidFill>
-                <a:miter lim="800000"/>
-                <a:headEnd/>
-                <a:tailEnd/>
-              </a14:hiddenLine>
-            </a:ext>
-          </a:extLst>
-        </p:spPr>
+          <a:effectLst>
+            <a:outerShdw blurRad="50800" dist="38100" dir="8100000" algn="tr" rotWithShape="0">
+              <a:prstClr val="black">
+                <a:alpha val="40000"/>
+              </a:prstClr>
+            </a:outerShdw>
+            <a:softEdge rad="31750"/>
+          </a:effectLst>
+        </p:spPr>
+        <p:style>
+          <a:lnRef idx="1">
+            <a:schemeClr val="dk1"/>
+          </a:lnRef>
+          <a:fillRef idx="2">
+            <a:schemeClr val="dk1"/>
+          </a:fillRef>
+          <a:effectRef idx="1">
+            <a:schemeClr val="dk1"/>
+          </a:effectRef>
+          <a:fontRef idx="minor">
+            <a:schemeClr val="dk1"/>
+          </a:fontRef>
+        </p:style>
         <p:txBody>
           <a:bodyPr wrap="square">
             <a:spAutoFit/>
           </a:bodyPr>
-          <a:lstStyle>
-            <a:lvl1pPr eaLnBrk="0" hangingPunct="0">
-              <a:defRPr>
-                <a:solidFill>
-                  <a:schemeClr val="tx1"/>
-                </a:solidFill>
-                <a:latin typeface="Arial" charset="0"/>
-              </a:defRPr>
-            </a:lvl1pPr>
-            <a:lvl2pPr marL="742950" indent="-285750" eaLnBrk="0" hangingPunct="0">
-              <a:defRPr>
-                <a:solidFill>
-                  <a:schemeClr val="tx1"/>
-                </a:solidFill>
-                <a:latin typeface="Arial" charset="0"/>
-              </a:defRPr>
-            </a:lvl2pPr>
-            <a:lvl3pPr marL="1143000" indent="-228600" eaLnBrk="0" hangingPunct="0">
-              <a:defRPr>
-                <a:solidFill>
-                  <a:schemeClr val="tx1"/>
-                </a:solidFill>
-                <a:latin typeface="Arial" charset="0"/>
-              </a:defRPr>
-            </a:lvl3pPr>
-            <a:lvl4pPr marL="1600200" indent="-228600" eaLnBrk="0" hangingPunct="0">
-              <a:defRPr>
-                <a:solidFill>
-                  <a:schemeClr val="tx1"/>
-                </a:solidFill>
-                <a:latin typeface="Arial" charset="0"/>
-              </a:defRPr>
-            </a:lvl4pPr>
-            <a:lvl5pPr marL="2057400" indent="-228600" eaLnBrk="0" hangingPunct="0">
-              <a:defRPr>
-                <a:solidFill>
-                  <a:schemeClr val="tx1"/>
-                </a:solidFill>
-                <a:latin typeface="Arial" charset="0"/>
-              </a:defRPr>
-            </a:lvl5pPr>
-            <a:lvl6pPr marL="2514600" indent="-228600" eaLnBrk="0" fontAlgn="base" hangingPunct="0">
-              <a:spcBef>
-                <a:spcPct val="0"/>
-              </a:spcBef>
-              <a:spcAft>
-                <a:spcPct val="0"/>
-              </a:spcAft>
-              <a:defRPr>
-                <a:solidFill>
-                  <a:schemeClr val="tx1"/>
-                </a:solidFill>
-                <a:latin typeface="Arial" charset="0"/>
-              </a:defRPr>
-            </a:lvl6pPr>
-            <a:lvl7pPr marL="2971800" indent="-228600" eaLnBrk="0" fontAlgn="base" hangingPunct="0">
-              <a:spcBef>
-                <a:spcPct val="0"/>
-              </a:spcBef>
-              <a:spcAft>
-                <a:spcPct val="0"/>
-              </a:spcAft>
-              <a:defRPr>
-                <a:solidFill>
-                  <a:schemeClr val="tx1"/>
-                </a:solidFill>
-                <a:latin typeface="Arial" charset="0"/>
-              </a:defRPr>
-            </a:lvl7pPr>
-            <a:lvl8pPr marL="3429000" indent="-228600" eaLnBrk="0" fontAlgn="base" hangingPunct="0">
-              <a:spcBef>
-                <a:spcPct val="0"/>
-              </a:spcBef>
-              <a:spcAft>
-                <a:spcPct val="0"/>
-              </a:spcAft>
-              <a:defRPr>
-                <a:solidFill>
-                  <a:schemeClr val="tx1"/>
-                </a:solidFill>
-                <a:latin typeface="Arial" charset="0"/>
-              </a:defRPr>
-            </a:lvl8pPr>
-            <a:lvl9pPr marL="3886200" indent="-228600" eaLnBrk="0" fontAlgn="base" hangingPunct="0">
-              <a:spcBef>
-                <a:spcPct val="0"/>
-              </a:spcBef>
-              <a:spcAft>
-                <a:spcPct val="0"/>
-              </a:spcAft>
-              <a:defRPr>
-                <a:solidFill>
-                  <a:schemeClr val="tx1"/>
-                </a:solidFill>
-                <a:latin typeface="Arial" charset="0"/>
-              </a:defRPr>
-            </a:lvl9pPr>
-          </a:lstStyle>
-          <a:p>
-            <a:pPr eaLnBrk="1" hangingPunct="1"/>
-            <a:r>
-              <a:rPr lang="fr-FR" altLang="fr-FR" sz="2400" b="1" dirty="0" smtClean="0">
+          <a:lstStyle/>
+          <a:p>
+            <a:pPr algn="ctr"/>
+            <a:r>
+              <a:rPr lang="fr-FR" altLang="fr-FR" sz="2800" b="1" dirty="0">
                 <a:latin typeface="Arial Black" pitchFamily="34" charset="0"/>
                 <a:cs typeface="Arial" charset="0"/>
               </a:rPr>
               <a:t>Home Automation Control Interface On Windows Tablet</a:t>
             </a:r>
-            <a:endParaRPr lang="fr-FR" altLang="fr-FR" sz="2000" b="1" dirty="0">
+            <a:endParaRPr lang="fr-FR" altLang="fr-FR" sz="2800" b="1" dirty="0">
               <a:solidFill>
                 <a:schemeClr val="tx2"/>
               </a:solidFill>
@@ -7017,151 +6834,176 @@
           </a:p>
         </p:txBody>
       </p:sp>
-      <p:pic>
-        <p:nvPicPr>
-          <p:cNvPr id="1026" name="Picture 2" descr="Z:\home\maki\Dropbox\3e_annee\Projet\git\EP_Domotique_Tablette\Rendu\logo_ergovie.jpg"/>
-          <p:cNvPicPr>
-            <a:picLocks noChangeAspect="1" noChangeArrowheads="1"/>
-          </p:cNvPicPr>
-          <p:nvPr/>
-        </p:nvPicPr>
-        <p:blipFill>
-          <a:blip r:embed="rId3">
-            <a:extLst>
-              <a:ext uri="{28A0092B-C50C-407E-A947-70E740481C1C}">
-                <a14:useLocalDpi xmlns:a14="http://schemas.microsoft.com/office/drawing/2010/main" val="0"/>
-              </a:ext>
-            </a:extLst>
-          </a:blip>
-          <a:srcRect/>
-          <a:stretch>
-            <a:fillRect/>
-          </a:stretch>
-        </p:blipFill>
-        <p:spPr bwMode="auto">
-          <a:xfrm>
-            <a:off x="3933825" y="3202145"/>
-            <a:ext cx="2169763" cy="1600200"/>
-          </a:xfrm>
-          <a:prstGeom prst="rect">
-            <a:avLst/>
-          </a:prstGeom>
-          <a:noFill/>
-          <a:extLst>
-            <a:ext uri="{909E8E84-426E-40DD-AFC4-6F175D3DCCD1}">
-              <a14:hiddenFill xmlns:a14="http://schemas.microsoft.com/office/drawing/2010/main">
-                <a:solidFill>
-                  <a:srgbClr val="FFFFFF"/>
-                </a:solidFill>
-              </a14:hiddenFill>
-            </a:ext>
-          </a:extLst>
-        </p:spPr>
-      </p:pic>
-    </p:spTree>
-    <p:extLst>
-      <p:ext uri="{BB962C8B-B14F-4D97-AF65-F5344CB8AC3E}">
-        <p14:creationId xmlns:p14="http://schemas.microsoft.com/office/powerpoint/2010/main" val="3573369769"/>
-      </p:ext>
-    </p:extLst>
-  </p:cSld>
-  <p:clrMapOvr>
-    <a:masterClrMapping/>
-  </p:clrMapOvr>
-  <p:transition spd="slow">
-    <p:fade/>
-  </p:transition>
-  <p:timing>
-    <p:tnLst>
-      <p:par>
-        <p:cTn id="1" dur="indefinite" restart="never" nodeType="tmRoot"/>
-      </p:par>
-    </p:tnLst>
-  </p:timing>
-</p:sld>
-</file>
-
-<file path=ppt/slides/slide10.xml><?xml version="1.0" encoding="utf-8"?>
-<p:sld xmlns:a="http://schemas.openxmlformats.org/drawingml/2006/main" xmlns:r="http://schemas.openxmlformats.org/officeDocument/2006/relationships" xmlns:p="http://schemas.openxmlformats.org/presentationml/2006/main">
-  <p:cSld>
-    <p:spTree>
-      <p:nvGrpSpPr>
-        <p:cNvPr id="1" name=""/>
-        <p:cNvGrpSpPr/>
-        <p:nvPr/>
-      </p:nvGrpSpPr>
-      <p:grpSpPr>
-        <a:xfrm>
-          <a:off x="0" y="0"/>
-          <a:ext cx="0" cy="0"/>
-          <a:chOff x="0" y="0"/>
-          <a:chExt cx="0" cy="0"/>
-        </a:xfrm>
-      </p:grpSpPr>
+      <p:graphicFrame>
+        <p:nvGraphicFramePr>
+          <p:cNvPr id="7" name="Tableau 6"/>
+          <p:cNvGraphicFramePr>
+            <a:graphicFrameLocks noGrp="1"/>
+          </p:cNvGraphicFramePr>
+          <p:nvPr>
+            <p:extLst>
+              <p:ext uri="{D42A27DB-BD31-4B8C-83A1-F6EECF244321}">
+                <p14:modId xmlns:p14="http://schemas.microsoft.com/office/powerpoint/2010/main" val="3031675393"/>
+              </p:ext>
+            </p:extLst>
+          </p:nvPr>
+        </p:nvGraphicFramePr>
+        <p:xfrm>
+          <a:off x="3693226" y="4409043"/>
+          <a:ext cx="4643252" cy="2011680"/>
+        </p:xfrm>
+        <a:graphic>
+          <a:graphicData uri="http://schemas.openxmlformats.org/drawingml/2006/table">
+            <a:tbl>
+              <a:tblPr firstRow="1" bandRow="1">
+                <a:tableStyleId>{2D5ABB26-0587-4C30-8999-92F81FD0307C}</a:tableStyleId>
+              </a:tblPr>
+              <a:tblGrid>
+                <a:gridCol w="2113808"/>
+                <a:gridCol w="2529444"/>
+              </a:tblGrid>
+              <a:tr h="370840">
+                <a:tc>
+                  <a:txBody>
+                    <a:bodyPr/>
+                    <a:lstStyle/>
+                    <a:p>
+                      <a:pPr marL="0" indent="0">
+                        <a:buFont typeface="Arial"/>
+                        <a:buNone/>
+                      </a:pPr>
+                      <a:r>
+                        <a:rPr lang="en-US" dirty="0" smtClean="0"/>
+                        <a:t>Tutors</a:t>
+                      </a:r>
+                      <a:r>
+                        <a:rPr lang="en-US" baseline="0" dirty="0" smtClean="0"/>
+                        <a:t> </a:t>
+                      </a:r>
+                    </a:p>
+                    <a:p>
+                      <a:endParaRPr lang="en-US" baseline="0" dirty="0" smtClean="0"/>
+                    </a:p>
+                    <a:p>
+                      <a:r>
+                        <a:rPr lang="en-US" baseline="0" dirty="0" smtClean="0"/>
+                        <a:t>François </a:t>
+                      </a:r>
+                      <a:r>
+                        <a:rPr lang="en-US" baseline="0" dirty="0" err="1" smtClean="0"/>
+                        <a:t>Pasteau</a:t>
+                      </a:r>
+                      <a:endParaRPr lang="en-US" baseline="0" dirty="0" smtClean="0"/>
+                    </a:p>
+                    <a:p>
+                      <a:r>
+                        <a:rPr lang="en-US" baseline="0" dirty="0" smtClean="0"/>
+                        <a:t>Marie Babel</a:t>
+                      </a:r>
+                    </a:p>
+                  </a:txBody>
+                  <a:tcPr/>
+                </a:tc>
+                <a:tc>
+                  <a:txBody>
+                    <a:bodyPr/>
+                    <a:lstStyle/>
+                    <a:p>
+                      <a:pPr marL="0" indent="0">
+                        <a:buFont typeface="Arial"/>
+                        <a:buNone/>
+                      </a:pPr>
+                      <a:r>
+                        <a:rPr lang="en-US" dirty="0" smtClean="0"/>
+                        <a:t>Team members</a:t>
+                      </a:r>
+                      <a:r>
+                        <a:rPr lang="en-US" baseline="0" dirty="0" smtClean="0"/>
+                        <a:t> </a:t>
+                      </a:r>
+                    </a:p>
+                    <a:p>
+                      <a:endParaRPr lang="en-US" baseline="0" dirty="0" smtClean="0"/>
+                    </a:p>
+                    <a:p>
+                      <a:r>
+                        <a:rPr lang="en-US" baseline="0" dirty="0" err="1" smtClean="0"/>
+                        <a:t>Iman</a:t>
+                      </a:r>
+                      <a:r>
+                        <a:rPr lang="en-US" baseline="0" dirty="0" smtClean="0"/>
+                        <a:t> </a:t>
+                      </a:r>
+                      <a:r>
+                        <a:rPr lang="en-US" baseline="0" dirty="0" err="1" smtClean="0"/>
+                        <a:t>Akabi</a:t>
+                      </a:r>
+                      <a:endParaRPr lang="en-US" baseline="0" dirty="0" smtClean="0"/>
+                    </a:p>
+                    <a:p>
+                      <a:r>
+                        <a:rPr lang="en-US" baseline="0" dirty="0" smtClean="0"/>
+                        <a:t>Diane </a:t>
+                      </a:r>
+                      <a:r>
+                        <a:rPr lang="en-US" baseline="0" dirty="0" err="1" smtClean="0"/>
+                        <a:t>Dewez</a:t>
+                      </a:r>
+                      <a:endParaRPr lang="en-US" baseline="0" dirty="0" smtClean="0"/>
+                    </a:p>
+                    <a:p>
+                      <a:r>
+                        <a:rPr lang="en-US" baseline="0" dirty="0" err="1" smtClean="0"/>
+                        <a:t>Enora</a:t>
+                      </a:r>
+                      <a:r>
+                        <a:rPr lang="en-US" baseline="0" dirty="0" smtClean="0"/>
+                        <a:t> Lucas</a:t>
+                      </a:r>
+                    </a:p>
+                    <a:p>
+                      <a:r>
+                        <a:rPr lang="en-US" baseline="0" dirty="0" err="1" smtClean="0"/>
+                        <a:t>Meven</a:t>
+                      </a:r>
+                      <a:r>
+                        <a:rPr lang="en-US" baseline="0" dirty="0" smtClean="0"/>
+                        <a:t> Moser</a:t>
+                      </a:r>
+                    </a:p>
+                    <a:p>
+                      <a:r>
+                        <a:rPr lang="en-US" baseline="0" dirty="0" err="1" smtClean="0"/>
+                        <a:t>Corentin</a:t>
+                      </a:r>
+                      <a:r>
+                        <a:rPr lang="en-US" baseline="0" dirty="0" smtClean="0"/>
+                        <a:t> </a:t>
+                      </a:r>
+                      <a:r>
+                        <a:rPr lang="en-US" baseline="0" dirty="0" err="1" smtClean="0"/>
+                        <a:t>Chatellier</a:t>
+                      </a:r>
+                      <a:endParaRPr lang="fr-FR" dirty="0"/>
+                    </a:p>
+                  </a:txBody>
+                  <a:tcPr/>
+                </a:tc>
+              </a:tr>
+            </a:tbl>
+          </a:graphicData>
+        </a:graphic>
+      </p:graphicFrame>
       <p:sp>
         <p:nvSpPr>
-          <p:cNvPr id="5" name="Titre 1"/>
-          <p:cNvSpPr txBox="1">
-            <a:spLocks/>
-          </p:cNvSpPr>
-          <p:nvPr/>
-        </p:nvSpPr>
-        <p:spPr>
-          <a:xfrm>
-            <a:off x="628650" y="240792"/>
-            <a:ext cx="7876388" cy="1143000"/>
-          </a:xfrm>
-          <a:prstGeom prst="rect">
-            <a:avLst/>
-          </a:prstGeom>
-        </p:spPr>
-        <p:txBody>
-          <a:bodyPr anchor="t">
-            <a:normAutofit/>
-          </a:bodyPr>
-          <a:lstStyle>
-            <a:lvl1pPr algn="l" defTabSz="457200" rtl="0" eaLnBrk="1" latinLnBrk="0" hangingPunct="1">
-              <a:lnSpc>
-                <a:spcPct val="90000"/>
-              </a:lnSpc>
-              <a:spcBef>
-                <a:spcPct val="0"/>
-              </a:spcBef>
-              <a:buNone/>
-              <a:defRPr sz="2700" b="1" i="0" kern="1200" cap="all" baseline="0">
-                <a:solidFill>
-                  <a:schemeClr val="bg2"/>
-                </a:solidFill>
-                <a:latin typeface="+mj-lt"/>
-                <a:ea typeface="+mj-ea"/>
-                <a:cs typeface="HelveticaNeueLT Com 57 Cn" panose="020B0506030502030204" pitchFamily="34" charset="0"/>
-              </a:defRPr>
-            </a:lvl1pPr>
-          </a:lstStyle>
-          <a:p>
-            <a:pPr algn="ctr"/>
-            <a:r>
-              <a:rPr lang="fr-FR" dirty="0" smtClean="0"/>
-              <a:t>III. </a:t>
-            </a:r>
-            <a:r>
-              <a:rPr lang="fr-FR" dirty="0" err="1" smtClean="0"/>
-              <a:t>Pre-study</a:t>
-            </a:r>
-            <a:endParaRPr lang="fr-FR" dirty="0"/>
-          </a:p>
-        </p:txBody>
-      </p:sp>
-      <p:sp>
-        <p:nvSpPr>
-          <p:cNvPr id="6" name="ZoneTexte 5"/>
+          <p:cNvPr id="11" name="ZoneTexte 10"/>
           <p:cNvSpPr txBox="1"/>
           <p:nvPr/>
         </p:nvSpPr>
         <p:spPr>
-          <a:xfrm rot="18758071">
-            <a:off x="1548130" y="2283053"/>
-            <a:ext cx="6146800" cy="1323439"/>
+          <a:xfrm>
+            <a:off x="3883231" y="3645725"/>
+            <a:ext cx="2903359" cy="369332"/>
           </a:xfrm>
           <a:prstGeom prst="rect">
             <a:avLst/>
@@ -7169,65 +7011,14 @@
           <a:noFill/>
         </p:spPr>
         <p:txBody>
-          <a:bodyPr wrap="square" rtlCol="0">
+          <a:bodyPr wrap="none" rtlCol="0">
             <a:spAutoFit/>
           </a:bodyPr>
           <a:lstStyle/>
           <a:p>
             <a:r>
-              <a:rPr lang="fr-FR" sz="8000" b="1" dirty="0" smtClean="0">
-                <a:ln w="12700">
-                  <a:solidFill>
-                    <a:schemeClr val="tx2">
-                      <a:satMod val="155000"/>
-                    </a:schemeClr>
-                  </a:solidFill>
-                  <a:prstDash val="solid"/>
-                </a:ln>
-                <a:solidFill>
-                  <a:schemeClr val="bg2">
-                    <a:tint val="85000"/>
-                    <a:satMod val="155000"/>
-                  </a:schemeClr>
-                </a:solidFill>
-                <a:effectLst>
-                  <a:outerShdw blurRad="41275" dist="20320" dir="1800000" algn="tl" rotWithShape="0">
-                    <a:srgbClr val="000000">
-                      <a:alpha val="40000"/>
-                    </a:srgbClr>
-                  </a:outerShdw>
-                </a:effectLst>
-              </a:rPr>
-              <a:t>BLOCS</a:t>
-            </a:r>
-          </a:p>
-        </p:txBody>
-      </p:sp>
-      <p:sp>
-        <p:nvSpPr>
-          <p:cNvPr id="7" name="ZoneTexte 6"/>
-          <p:cNvSpPr txBox="1"/>
-          <p:nvPr/>
-        </p:nvSpPr>
-        <p:spPr>
-          <a:xfrm>
-            <a:off x="8496300" y="6296025"/>
-            <a:ext cx="495300" cy="369332"/>
-          </a:xfrm>
-          <a:prstGeom prst="rect">
-            <a:avLst/>
-          </a:prstGeom>
-          <a:noFill/>
-        </p:spPr>
-        <p:txBody>
-          <a:bodyPr wrap="square" rtlCol="0">
-            <a:spAutoFit/>
-          </a:bodyPr>
-          <a:lstStyle/>
-          <a:p>
-            <a:r>
-              <a:rPr lang="fr-FR" dirty="0" smtClean="0"/>
-              <a:t>10</a:t>
+              <a:rPr lang="en-US" dirty="0" smtClean="0"/>
+              <a:t>Practical study 06/01/2016</a:t>
             </a:r>
             <a:endParaRPr lang="fr-FR" dirty="0"/>
           </a:p>
@@ -7236,7 +7027,7 @@
     </p:spTree>
     <p:extLst>
       <p:ext uri="{BB962C8B-B14F-4D97-AF65-F5344CB8AC3E}">
-        <p14:creationId xmlns:p14="http://schemas.microsoft.com/office/powerpoint/2010/main" val="1017531347"/>
+        <p14:creationId xmlns:p14="http://schemas.microsoft.com/office/powerpoint/2010/main" val="2842421381"/>
       </p:ext>
     </p:extLst>
   </p:cSld>
@@ -7255,1654 +7046,10 @@
       </p:transition>
     </mc:Fallback>
   </mc:AlternateContent>
-  <p:timing>
-    <p:tnLst>
-      <p:par>
-        <p:cTn id="1" dur="indefinite" restart="never" nodeType="tmRoot"/>
-      </p:par>
-    </p:tnLst>
-  </p:timing>
 </p:sld>
 </file>
 
-<file path=ppt/slides/slide11.xml><?xml version="1.0" encoding="utf-8"?>
-<p:sld xmlns:a="http://schemas.openxmlformats.org/drawingml/2006/main" xmlns:r="http://schemas.openxmlformats.org/officeDocument/2006/relationships" xmlns:p="http://schemas.openxmlformats.org/presentationml/2006/main">
-  <p:cSld>
-    <p:spTree>
-      <p:nvGrpSpPr>
-        <p:cNvPr id="1" name=""/>
-        <p:cNvGrpSpPr/>
-        <p:nvPr/>
-      </p:nvGrpSpPr>
-      <p:grpSpPr>
-        <a:xfrm>
-          <a:off x="0" y="0"/>
-          <a:ext cx="0" cy="0"/>
-          <a:chOff x="0" y="0"/>
-          <a:chExt cx="0" cy="0"/>
-        </a:xfrm>
-      </p:grpSpPr>
-      <p:sp>
-        <p:nvSpPr>
-          <p:cNvPr id="3" name="Espace réservé du texte 2"/>
-          <p:cNvSpPr>
-            <a:spLocks noGrp="1"/>
-          </p:cNvSpPr>
-          <p:nvPr>
-            <p:ph type="body" sz="quarter" idx="10"/>
-          </p:nvPr>
-        </p:nvSpPr>
-        <p:spPr/>
-        <p:txBody>
-          <a:bodyPr/>
-          <a:lstStyle/>
-          <a:p>
-            <a:r>
-              <a:rPr lang="fr-FR" dirty="0" smtClean="0"/>
-              <a:t>Language </a:t>
-            </a:r>
-            <a:r>
-              <a:rPr lang="fr-FR" dirty="0" err="1" smtClean="0"/>
-              <a:t>choices</a:t>
-            </a:r>
-            <a:endParaRPr lang="fr-FR" dirty="0"/>
-          </a:p>
-        </p:txBody>
-      </p:sp>
-      <p:sp>
-        <p:nvSpPr>
-          <p:cNvPr id="4" name="Titre 1"/>
-          <p:cNvSpPr txBox="1">
-            <a:spLocks/>
-          </p:cNvSpPr>
-          <p:nvPr/>
-        </p:nvSpPr>
-        <p:spPr>
-          <a:xfrm>
-            <a:off x="628650" y="240792"/>
-            <a:ext cx="7876388" cy="1143000"/>
-          </a:xfrm>
-          <a:prstGeom prst="rect">
-            <a:avLst/>
-          </a:prstGeom>
-        </p:spPr>
-        <p:txBody>
-          <a:bodyPr anchor="t">
-            <a:normAutofit/>
-          </a:bodyPr>
-          <a:lstStyle>
-            <a:lvl1pPr algn="l" defTabSz="457200" rtl="0" eaLnBrk="1" latinLnBrk="0" hangingPunct="1">
-              <a:lnSpc>
-                <a:spcPct val="90000"/>
-              </a:lnSpc>
-              <a:spcBef>
-                <a:spcPct val="0"/>
-              </a:spcBef>
-              <a:buNone/>
-              <a:defRPr sz="2700" b="1" i="0" kern="1200" cap="all" baseline="0">
-                <a:solidFill>
-                  <a:schemeClr val="bg2"/>
-                </a:solidFill>
-                <a:latin typeface="+mj-lt"/>
-                <a:ea typeface="+mj-ea"/>
-                <a:cs typeface="HelveticaNeueLT Com 57 Cn" panose="020B0506030502030204" pitchFamily="34" charset="0"/>
-              </a:defRPr>
-            </a:lvl1pPr>
-          </a:lstStyle>
-          <a:p>
-            <a:pPr algn="ctr"/>
-            <a:r>
-              <a:rPr lang="fr-FR" dirty="0" smtClean="0"/>
-              <a:t>III. </a:t>
-            </a:r>
-            <a:r>
-              <a:rPr lang="fr-FR" dirty="0" err="1" smtClean="0"/>
-              <a:t>Pre-study</a:t>
-            </a:r>
-            <a:endParaRPr lang="fr-FR" dirty="0"/>
-          </a:p>
-        </p:txBody>
-      </p:sp>
-      <p:sp>
-        <p:nvSpPr>
-          <p:cNvPr id="5" name="ZoneTexte 4"/>
-          <p:cNvSpPr txBox="1"/>
-          <p:nvPr/>
-        </p:nvSpPr>
-        <p:spPr>
-          <a:xfrm>
-            <a:off x="8496300" y="6296025"/>
-            <a:ext cx="495300" cy="369332"/>
-          </a:xfrm>
-          <a:prstGeom prst="rect">
-            <a:avLst/>
-          </a:prstGeom>
-          <a:noFill/>
-        </p:spPr>
-        <p:txBody>
-          <a:bodyPr wrap="square" rtlCol="0">
-            <a:spAutoFit/>
-          </a:bodyPr>
-          <a:lstStyle/>
-          <a:p>
-            <a:r>
-              <a:rPr lang="fr-FR" dirty="0" smtClean="0"/>
-              <a:t>11</a:t>
-            </a:r>
-            <a:endParaRPr lang="fr-FR" dirty="0"/>
-          </a:p>
-        </p:txBody>
-      </p:sp>
-    </p:spTree>
-    <p:extLst>
-      <p:ext uri="{BB962C8B-B14F-4D97-AF65-F5344CB8AC3E}">
-        <p14:creationId xmlns:p14="http://schemas.microsoft.com/office/powerpoint/2010/main" val="4288352340"/>
-      </p:ext>
-    </p:extLst>
-  </p:cSld>
-  <p:clrMapOvr>
-    <a:masterClrMapping/>
-  </p:clrMapOvr>
-  <mc:AlternateContent xmlns:mc="http://schemas.openxmlformats.org/markup-compatibility/2006" xmlns:p14="http://schemas.microsoft.com/office/powerpoint/2010/main">
-    <mc:Choice Requires="p14">
-      <p:transition spd="med" p14:dur="700">
-        <p:fade/>
-      </p:transition>
-    </mc:Choice>
-    <mc:Fallback xmlns="">
-      <p:transition spd="med">
-        <p:fade/>
-      </p:transition>
-    </mc:Fallback>
-  </mc:AlternateContent>
-  <p:timing>
-    <p:tnLst>
-      <p:par>
-        <p:cTn id="1" dur="indefinite" restart="never" nodeType="tmRoot"/>
-      </p:par>
-    </p:tnLst>
-  </p:timing>
-</p:sld>
-</file>
-
-<file path=ppt/slides/slide12.xml><?xml version="1.0" encoding="utf-8"?>
-<p:sld xmlns:a="http://schemas.openxmlformats.org/drawingml/2006/main" xmlns:r="http://schemas.openxmlformats.org/officeDocument/2006/relationships" xmlns:p="http://schemas.openxmlformats.org/presentationml/2006/main">
-  <p:cSld>
-    <p:spTree>
-      <p:nvGrpSpPr>
-        <p:cNvPr id="1" name=""/>
-        <p:cNvGrpSpPr/>
-        <p:nvPr/>
-      </p:nvGrpSpPr>
-      <p:grpSpPr>
-        <a:xfrm>
-          <a:off x="0" y="0"/>
-          <a:ext cx="0" cy="0"/>
-          <a:chOff x="0" y="0"/>
-          <a:chExt cx="0" cy="0"/>
-        </a:xfrm>
-      </p:grpSpPr>
-      <p:sp>
-        <p:nvSpPr>
-          <p:cNvPr id="2" name="Titre 1"/>
-          <p:cNvSpPr>
-            <a:spLocks noGrp="1"/>
-          </p:cNvSpPr>
-          <p:nvPr>
-            <p:ph type="title"/>
-          </p:nvPr>
-        </p:nvSpPr>
-        <p:spPr>
-          <a:xfrm>
-            <a:off x="1647753" y="201105"/>
-            <a:ext cx="7886700" cy="1325563"/>
-          </a:xfrm>
-        </p:spPr>
-        <p:txBody>
-          <a:bodyPr lIns="68580" tIns="34290" rIns="68580" bIns="34290"/>
-          <a:lstStyle/>
-          <a:p>
-            <a:r>
-              <a:rPr lang="fr-FR" dirty="0" smtClean="0"/>
-              <a:t>HTTP </a:t>
-            </a:r>
-            <a:r>
-              <a:rPr lang="fr-FR" dirty="0" err="1" smtClean="0"/>
-              <a:t>requests</a:t>
-            </a:r>
-            <a:r>
-              <a:rPr lang="fr-FR" dirty="0" smtClean="0"/>
-              <a:t>, </a:t>
-            </a:r>
-            <a:r>
-              <a:rPr lang="fr-FR" dirty="0" err="1" smtClean="0"/>
-              <a:t>library</a:t>
-            </a:r>
-            <a:r>
-              <a:rPr lang="fr-FR" dirty="0" smtClean="0"/>
-              <a:t> </a:t>
-            </a:r>
-            <a:r>
-              <a:rPr lang="fr-FR" dirty="0" err="1" smtClean="0"/>
-              <a:t>choice</a:t>
-            </a:r>
-            <a:endParaRPr lang="fr-FR" dirty="0"/>
-          </a:p>
-        </p:txBody>
-      </p:sp>
-      <p:graphicFrame>
-        <p:nvGraphicFramePr>
-          <p:cNvPr id="4" name="Espace réservé du contenu 3"/>
-          <p:cNvGraphicFramePr>
-            <a:graphicFrameLocks noGrp="1"/>
-          </p:cNvGraphicFramePr>
-          <p:nvPr>
-            <p:ph idx="4294967295"/>
-            <p:extLst>
-              <p:ext uri="{D42A27DB-BD31-4B8C-83A1-F6EECF244321}">
-                <p14:modId xmlns:p14="http://schemas.microsoft.com/office/powerpoint/2010/main" val="760872683"/>
-              </p:ext>
-            </p:extLst>
-          </p:nvPr>
-        </p:nvGraphicFramePr>
-        <p:xfrm>
-          <a:off x="301658" y="1272494"/>
-          <a:ext cx="8316562" cy="4519543"/>
-        </p:xfrm>
-        <a:graphic>
-          <a:graphicData uri="http://schemas.openxmlformats.org/drawingml/2006/table">
-            <a:tbl>
-              <a:tblPr firstRow="1" firstCol="1" bandRow="1">
-                <a:tableStyleId>{5C22544A-7EE6-4342-B048-85BDC9FD1C3A}</a:tableStyleId>
-              </a:tblPr>
-              <a:tblGrid>
-                <a:gridCol w="1123282"/>
-                <a:gridCol w="1379220"/>
-                <a:gridCol w="1036320"/>
-                <a:gridCol w="1226820"/>
-                <a:gridCol w="1547131"/>
-                <a:gridCol w="2003789"/>
-              </a:tblGrid>
-              <a:tr h="1001393">
-                <a:tc>
-                  <a:txBody>
-                    <a:bodyPr/>
-                    <a:lstStyle/>
-                    <a:p>
-                      <a:pPr>
-                        <a:lnSpc>
-                          <a:spcPct val="107000"/>
-                        </a:lnSpc>
-                        <a:spcAft>
-                          <a:spcPts val="0"/>
-                        </a:spcAft>
-                      </a:pPr>
-                      <a:r>
-                        <a:rPr lang="fr-FR" sz="2000" dirty="0" smtClean="0">
-                          <a:effectLst/>
-                        </a:rPr>
-                        <a:t>Name</a:t>
-                      </a:r>
-                      <a:endParaRPr lang="fr-FR" sz="2000" dirty="0">
-                        <a:effectLst/>
-                        <a:latin typeface="Calibri" panose="020F0502020204030204" pitchFamily="34" charset="0"/>
-                        <a:ea typeface="Calibri" panose="020F0502020204030204" pitchFamily="34" charset="0"/>
-                        <a:cs typeface="Times New Roman" panose="02020603050405020304" pitchFamily="18" charset="0"/>
-                      </a:endParaRPr>
-                    </a:p>
-                  </a:txBody>
-                  <a:tcPr marL="51435" marR="51435" marT="0" marB="0"/>
-                </a:tc>
-                <a:tc>
-                  <a:txBody>
-                    <a:bodyPr/>
-                    <a:lstStyle/>
-                    <a:p>
-                      <a:pPr>
-                        <a:lnSpc>
-                          <a:spcPct val="107000"/>
-                        </a:lnSpc>
-                        <a:spcAft>
-                          <a:spcPts val="0"/>
-                        </a:spcAft>
-                      </a:pPr>
-                      <a:r>
-                        <a:rPr lang="fr-FR" sz="2000" dirty="0" err="1" smtClean="0">
-                          <a:effectLst/>
-                        </a:rPr>
-                        <a:t>Language</a:t>
-                      </a:r>
-                      <a:endParaRPr lang="fr-FR" sz="2000" dirty="0">
-                        <a:effectLst/>
-                        <a:latin typeface="Calibri" panose="020F0502020204030204" pitchFamily="34" charset="0"/>
-                        <a:ea typeface="Calibri" panose="020F0502020204030204" pitchFamily="34" charset="0"/>
-                        <a:cs typeface="Times New Roman" panose="02020603050405020304" pitchFamily="18" charset="0"/>
-                      </a:endParaRPr>
-                    </a:p>
-                  </a:txBody>
-                  <a:tcPr marL="51435" marR="51435" marT="0" marB="0"/>
-                </a:tc>
-                <a:tc>
-                  <a:txBody>
-                    <a:bodyPr/>
-                    <a:lstStyle/>
-                    <a:p>
-                      <a:pPr algn="ctr">
-                        <a:lnSpc>
-                          <a:spcPct val="107000"/>
-                        </a:lnSpc>
-                        <a:spcAft>
-                          <a:spcPts val="0"/>
-                        </a:spcAft>
-                      </a:pPr>
-                      <a:r>
-                        <a:rPr lang="fr-FR" sz="2000" dirty="0" smtClean="0">
-                          <a:solidFill>
-                            <a:schemeClr val="lt1"/>
-                          </a:solidFill>
-                          <a:effectLst/>
-                          <a:latin typeface="+mn-lt"/>
-                          <a:ea typeface="+mn-ea"/>
-                          <a:cs typeface="+mn-cs"/>
-                        </a:rPr>
-                        <a:t>Simple</a:t>
-                      </a:r>
-                      <a:endParaRPr lang="fr-FR" sz="2000" dirty="0">
-                        <a:solidFill>
-                          <a:srgbClr val="00B050"/>
-                        </a:solidFill>
-                        <a:effectLst/>
-                        <a:latin typeface="Calibri" panose="020F0502020204030204" pitchFamily="34" charset="0"/>
-                        <a:ea typeface="Calibri" panose="020F0502020204030204" pitchFamily="34" charset="0"/>
-                        <a:cs typeface="Times New Roman" panose="02020603050405020304" pitchFamily="18" charset="0"/>
-                      </a:endParaRPr>
-                    </a:p>
-                  </a:txBody>
-                  <a:tcPr marL="51435" marR="51435" marT="0" marB="0"/>
-                </a:tc>
-                <a:tc>
-                  <a:txBody>
-                    <a:bodyPr/>
-                    <a:lstStyle/>
-                    <a:p>
-                      <a:pPr algn="ctr">
-                        <a:lnSpc>
-                          <a:spcPct val="107000"/>
-                        </a:lnSpc>
-                        <a:spcAft>
-                          <a:spcPts val="0"/>
-                        </a:spcAft>
-                      </a:pPr>
-                      <a:r>
-                        <a:rPr lang="fr-FR" sz="2000" dirty="0" smtClean="0">
-                          <a:solidFill>
-                            <a:schemeClr val="bg1"/>
-                          </a:solidFill>
-                          <a:effectLst/>
-                          <a:latin typeface="Calibri" panose="020F0502020204030204" pitchFamily="34" charset="0"/>
-                          <a:ea typeface="Calibri" panose="020F0502020204030204" pitchFamily="34" charset="0"/>
-                          <a:cs typeface="Times New Roman" panose="02020603050405020304" pitchFamily="18" charset="0"/>
-                        </a:rPr>
-                        <a:t>Complete</a:t>
-                      </a:r>
-                      <a:endParaRPr lang="fr-FR" sz="2000" dirty="0">
-                        <a:solidFill>
-                          <a:schemeClr val="bg1"/>
-                        </a:solidFill>
-                        <a:effectLst/>
-                        <a:latin typeface="Calibri" panose="020F0502020204030204" pitchFamily="34" charset="0"/>
-                        <a:ea typeface="Calibri" panose="020F0502020204030204" pitchFamily="34" charset="0"/>
-                        <a:cs typeface="Times New Roman" panose="02020603050405020304" pitchFamily="18" charset="0"/>
-                      </a:endParaRPr>
-                    </a:p>
-                  </a:txBody>
-                  <a:tcPr marL="51435" marR="51435" marT="0" marB="0"/>
-                </a:tc>
-                <a:tc>
-                  <a:txBody>
-                    <a:bodyPr/>
-                    <a:lstStyle/>
-                    <a:p>
-                      <a:pPr marL="0" marR="0" indent="0" algn="ctr" defTabSz="457200" rtl="0" eaLnBrk="1" fontAlgn="auto" latinLnBrk="0" hangingPunct="1">
-                        <a:lnSpc>
-                          <a:spcPct val="107000"/>
-                        </a:lnSpc>
-                        <a:spcBef>
-                          <a:spcPts val="0"/>
-                        </a:spcBef>
-                        <a:spcAft>
-                          <a:spcPts val="0"/>
-                        </a:spcAft>
-                        <a:buClrTx/>
-                        <a:buSzTx/>
-                        <a:buFontTx/>
-                        <a:buNone/>
-                        <a:tabLst/>
-                        <a:defRPr/>
-                      </a:pPr>
-                      <a:r>
-                        <a:rPr lang="fr-FR" sz="2400" dirty="0" smtClean="0">
-                          <a:solidFill>
-                            <a:schemeClr val="lt1"/>
-                          </a:solidFill>
-                          <a:effectLst/>
-                          <a:latin typeface="+mn-lt"/>
-                          <a:ea typeface="+mn-ea"/>
-                          <a:cs typeface="+mn-cs"/>
-                        </a:rPr>
-                        <a:t>Multi-OS</a:t>
-                      </a:r>
-                      <a:endParaRPr lang="fr-FR" sz="2400" dirty="0" smtClean="0">
-                        <a:solidFill>
-                          <a:srgbClr val="00B050"/>
-                        </a:solidFill>
-                        <a:effectLst/>
-                        <a:latin typeface="Calibri" panose="020F0502020204030204" pitchFamily="34" charset="0"/>
-                        <a:ea typeface="Calibri" panose="020F0502020204030204" pitchFamily="34" charset="0"/>
-                        <a:cs typeface="Times New Roman" panose="02020603050405020304" pitchFamily="18" charset="0"/>
-                      </a:endParaRPr>
-                    </a:p>
-                  </a:txBody>
-                  <a:tcPr marL="51435" marR="51435" marT="0" marB="0"/>
-                </a:tc>
-                <a:tc>
-                  <a:txBody>
-                    <a:bodyPr/>
-                    <a:lstStyle/>
-                    <a:p>
-                      <a:pPr marL="0" marR="0" indent="0" algn="ctr" defTabSz="457200" rtl="0" eaLnBrk="1" fontAlgn="auto" latinLnBrk="0" hangingPunct="1">
-                        <a:lnSpc>
-                          <a:spcPct val="107000"/>
-                        </a:lnSpc>
-                        <a:spcBef>
-                          <a:spcPts val="0"/>
-                        </a:spcBef>
-                        <a:spcAft>
-                          <a:spcPts val="0"/>
-                        </a:spcAft>
-                        <a:buClrTx/>
-                        <a:buSzTx/>
-                        <a:buFontTx/>
-                        <a:buNone/>
-                        <a:tabLst/>
-                        <a:defRPr/>
-                      </a:pPr>
-                      <a:r>
-                        <a:rPr lang="fr-FR" sz="2000" dirty="0" smtClean="0">
-                          <a:solidFill>
-                            <a:schemeClr val="lt1"/>
-                          </a:solidFill>
-                          <a:effectLst/>
-                          <a:latin typeface="+mn-lt"/>
-                          <a:ea typeface="+mn-ea"/>
-                          <a:cs typeface="+mn-cs"/>
-                        </a:rPr>
-                        <a:t>Complete</a:t>
-                      </a:r>
-                      <a:r>
-                        <a:rPr lang="fr-FR" sz="2000" baseline="0" dirty="0" smtClean="0">
-                          <a:solidFill>
-                            <a:schemeClr val="lt1"/>
-                          </a:solidFill>
-                          <a:effectLst/>
-                          <a:latin typeface="+mn-lt"/>
-                          <a:ea typeface="+mn-ea"/>
-                          <a:cs typeface="+mn-cs"/>
-                        </a:rPr>
-                        <a:t> </a:t>
-                      </a:r>
-                      <a:r>
-                        <a:rPr lang="fr-FR" sz="2000" baseline="0" dirty="0" err="1" smtClean="0">
-                          <a:solidFill>
-                            <a:schemeClr val="lt1"/>
-                          </a:solidFill>
-                          <a:effectLst/>
-                          <a:latin typeface="+mn-lt"/>
-                          <a:ea typeface="+mn-ea"/>
-                          <a:cs typeface="+mn-cs"/>
-                        </a:rPr>
-                        <a:t>documetation</a:t>
-                      </a:r>
-                      <a:endParaRPr lang="fr-FR" sz="2000" dirty="0" smtClean="0">
-                        <a:solidFill>
-                          <a:srgbClr val="00B050"/>
-                        </a:solidFill>
-                        <a:effectLst/>
-                        <a:latin typeface="Calibri" panose="020F0502020204030204" pitchFamily="34" charset="0"/>
-                        <a:ea typeface="Calibri" panose="020F0502020204030204" pitchFamily="34" charset="0"/>
-                        <a:cs typeface="Times New Roman" panose="02020603050405020304" pitchFamily="18" charset="0"/>
-                      </a:endParaRPr>
-                    </a:p>
-                  </a:txBody>
-                  <a:tcPr marL="51435" marR="51435" marT="0" marB="0"/>
-                </a:tc>
-              </a:tr>
-              <a:tr h="996057">
-                <a:tc>
-                  <a:txBody>
-                    <a:bodyPr/>
-                    <a:lstStyle/>
-                    <a:p>
-                      <a:pPr>
-                        <a:lnSpc>
-                          <a:spcPct val="107000"/>
-                        </a:lnSpc>
-                        <a:spcAft>
-                          <a:spcPts val="0"/>
-                        </a:spcAft>
-                      </a:pPr>
-                      <a:r>
-                        <a:rPr lang="fr-FR" sz="2400" b="0" dirty="0" err="1">
-                          <a:effectLst/>
-                        </a:rPr>
-                        <a:t>libcurl</a:t>
-                      </a:r>
-                      <a:endParaRPr lang="fr-FR" sz="2400" b="0" dirty="0">
-                        <a:effectLst/>
-                        <a:latin typeface="Calibri" panose="020F0502020204030204" pitchFamily="34" charset="0"/>
-                        <a:ea typeface="Calibri" panose="020F0502020204030204" pitchFamily="34" charset="0"/>
-                        <a:cs typeface="Times New Roman" panose="02020603050405020304" pitchFamily="18" charset="0"/>
-                      </a:endParaRPr>
-                    </a:p>
-                  </a:txBody>
-                  <a:tcPr marL="51435" marR="51435" marT="0" marB="0"/>
-                </a:tc>
-                <a:tc>
-                  <a:txBody>
-                    <a:bodyPr/>
-                    <a:lstStyle/>
-                    <a:p>
-                      <a:pPr>
-                        <a:lnSpc>
-                          <a:spcPct val="107000"/>
-                        </a:lnSpc>
-                        <a:spcAft>
-                          <a:spcPts val="0"/>
-                        </a:spcAft>
-                      </a:pPr>
-                      <a:r>
-                        <a:rPr lang="fr-FR" sz="2400" dirty="0">
-                          <a:solidFill>
-                            <a:srgbClr val="FF0000"/>
-                          </a:solidFill>
-                          <a:effectLst/>
-                        </a:rPr>
-                        <a:t>C</a:t>
-                      </a:r>
-                      <a:endParaRPr lang="fr-FR" sz="2400" dirty="0">
-                        <a:solidFill>
-                          <a:srgbClr val="FF0000"/>
-                        </a:solidFill>
-                        <a:effectLst/>
-                        <a:latin typeface="Calibri" panose="020F0502020204030204" pitchFamily="34" charset="0"/>
-                        <a:ea typeface="Calibri" panose="020F0502020204030204" pitchFamily="34" charset="0"/>
-                        <a:cs typeface="Times New Roman" panose="02020603050405020304" pitchFamily="18" charset="0"/>
-                      </a:endParaRPr>
-                    </a:p>
-                  </a:txBody>
-                  <a:tcPr marL="51435" marR="51435" marT="0" marB="0"/>
-                </a:tc>
-                <a:tc>
-                  <a:txBody>
-                    <a:bodyPr/>
-                    <a:lstStyle/>
-                    <a:p>
-                      <a:pPr algn="ctr">
-                        <a:lnSpc>
-                          <a:spcPct val="107000"/>
-                        </a:lnSpc>
-                        <a:spcAft>
-                          <a:spcPts val="0"/>
-                        </a:spcAft>
-                      </a:pPr>
-                      <a:r>
-                        <a:rPr lang="fr-FR" sz="5300" dirty="0" smtClean="0">
-                          <a:solidFill>
-                            <a:srgbClr val="ED271A"/>
-                          </a:solidFill>
-                          <a:effectLst/>
-                        </a:rPr>
-                        <a:t>-</a:t>
-                      </a:r>
-                      <a:endParaRPr lang="fr-FR" sz="5300" dirty="0">
-                        <a:solidFill>
-                          <a:srgbClr val="ED271A"/>
-                        </a:solidFill>
-                        <a:effectLst/>
-                        <a:latin typeface="Calibri" panose="020F0502020204030204" pitchFamily="34" charset="0"/>
-                        <a:ea typeface="Calibri" panose="020F0502020204030204" pitchFamily="34" charset="0"/>
-                        <a:cs typeface="Times New Roman" panose="02020603050405020304" pitchFamily="18" charset="0"/>
-                      </a:endParaRPr>
-                    </a:p>
-                  </a:txBody>
-                  <a:tcPr marL="51435" marR="51435" marT="0" marB="0"/>
-                </a:tc>
-                <a:tc>
-                  <a:txBody>
-                    <a:bodyPr/>
-                    <a:lstStyle/>
-                    <a:p>
-                      <a:pPr marL="0" marR="0" indent="0" algn="ctr" defTabSz="457200" rtl="0" eaLnBrk="1" fontAlgn="auto" latinLnBrk="0" hangingPunct="1">
-                        <a:lnSpc>
-                          <a:spcPct val="107000"/>
-                        </a:lnSpc>
-                        <a:spcBef>
-                          <a:spcPts val="0"/>
-                        </a:spcBef>
-                        <a:spcAft>
-                          <a:spcPts val="0"/>
-                        </a:spcAft>
-                        <a:buClrTx/>
-                        <a:buSzTx/>
-                        <a:buFontTx/>
-                        <a:buNone/>
-                        <a:tabLst/>
-                        <a:defRPr/>
-                      </a:pPr>
-                      <a:r>
-                        <a:rPr lang="fr-FR" sz="5300" dirty="0" smtClean="0">
-                          <a:solidFill>
-                            <a:srgbClr val="00B050"/>
-                          </a:solidFill>
-                          <a:effectLst/>
-                        </a:rPr>
-                        <a:t>+</a:t>
-                      </a:r>
-                      <a:endParaRPr lang="fr-FR" sz="5300" dirty="0" smtClean="0">
-                        <a:effectLst/>
-                        <a:latin typeface="Calibri" panose="020F0502020204030204" pitchFamily="34" charset="0"/>
-                        <a:ea typeface="Calibri" panose="020F0502020204030204" pitchFamily="34" charset="0"/>
-                        <a:cs typeface="Times New Roman" panose="02020603050405020304" pitchFamily="18" charset="0"/>
-                      </a:endParaRPr>
-                    </a:p>
-                  </a:txBody>
-                  <a:tcPr marL="51435" marR="51435" marT="0" marB="0"/>
-                </a:tc>
-                <a:tc>
-                  <a:txBody>
-                    <a:bodyPr/>
-                    <a:lstStyle/>
-                    <a:p>
-                      <a:pPr marL="0" marR="0" indent="0" algn="ctr" defTabSz="457200" rtl="0" eaLnBrk="1" fontAlgn="auto" latinLnBrk="0" hangingPunct="1">
-                        <a:lnSpc>
-                          <a:spcPct val="107000"/>
-                        </a:lnSpc>
-                        <a:spcBef>
-                          <a:spcPts val="0"/>
-                        </a:spcBef>
-                        <a:spcAft>
-                          <a:spcPts val="0"/>
-                        </a:spcAft>
-                        <a:buClrTx/>
-                        <a:buSzTx/>
-                        <a:buFontTx/>
-                        <a:buNone/>
-                        <a:tabLst/>
-                        <a:defRPr/>
-                      </a:pPr>
-                      <a:r>
-                        <a:rPr lang="fr-FR" sz="5300" dirty="0" smtClean="0">
-                          <a:solidFill>
-                            <a:srgbClr val="00B050"/>
-                          </a:solidFill>
-                          <a:effectLst/>
-                        </a:rPr>
-                        <a:t>+</a:t>
-                      </a:r>
-                      <a:endParaRPr lang="fr-FR" sz="5300" dirty="0" smtClean="0">
-                        <a:effectLst/>
-                        <a:latin typeface="Calibri" panose="020F0502020204030204" pitchFamily="34" charset="0"/>
-                        <a:ea typeface="Calibri" panose="020F0502020204030204" pitchFamily="34" charset="0"/>
-                        <a:cs typeface="Times New Roman" panose="02020603050405020304" pitchFamily="18" charset="0"/>
-                      </a:endParaRPr>
-                    </a:p>
-                  </a:txBody>
-                  <a:tcPr marL="51435" marR="51435" marT="0" marB="0"/>
-                </a:tc>
-                <a:tc>
-                  <a:txBody>
-                    <a:bodyPr/>
-                    <a:lstStyle/>
-                    <a:p>
-                      <a:pPr marL="0" marR="0" indent="0" algn="ctr" defTabSz="457200" rtl="0" eaLnBrk="1" fontAlgn="auto" latinLnBrk="0" hangingPunct="1">
-                        <a:lnSpc>
-                          <a:spcPct val="107000"/>
-                        </a:lnSpc>
-                        <a:spcBef>
-                          <a:spcPts val="0"/>
-                        </a:spcBef>
-                        <a:spcAft>
-                          <a:spcPts val="0"/>
-                        </a:spcAft>
-                        <a:buClrTx/>
-                        <a:buSzTx/>
-                        <a:buFontTx/>
-                        <a:buNone/>
-                        <a:tabLst/>
-                        <a:defRPr/>
-                      </a:pPr>
-                      <a:r>
-                        <a:rPr lang="fr-FR" sz="5300" dirty="0" smtClean="0">
-                          <a:solidFill>
-                            <a:srgbClr val="00B050"/>
-                          </a:solidFill>
-                          <a:effectLst/>
-                        </a:rPr>
-                        <a:t>+</a:t>
-                      </a:r>
-                      <a:endParaRPr lang="fr-FR" sz="5300" dirty="0" smtClean="0">
-                        <a:effectLst/>
-                        <a:latin typeface="Calibri" panose="020F0502020204030204" pitchFamily="34" charset="0"/>
-                        <a:ea typeface="Calibri" panose="020F0502020204030204" pitchFamily="34" charset="0"/>
-                        <a:cs typeface="Times New Roman" panose="02020603050405020304" pitchFamily="18" charset="0"/>
-                      </a:endParaRPr>
-                    </a:p>
-                  </a:txBody>
-                  <a:tcPr marL="51435" marR="51435" marT="0" marB="0"/>
-                </a:tc>
-              </a:tr>
-              <a:tr h="869696">
-                <a:tc>
-                  <a:txBody>
-                    <a:bodyPr/>
-                    <a:lstStyle/>
-                    <a:p>
-                      <a:pPr>
-                        <a:lnSpc>
-                          <a:spcPct val="107000"/>
-                        </a:lnSpc>
-                        <a:spcAft>
-                          <a:spcPts val="0"/>
-                        </a:spcAft>
-                      </a:pPr>
-                      <a:r>
-                        <a:rPr lang="fr-FR" sz="2400" b="0" dirty="0">
-                          <a:effectLst/>
-                        </a:rPr>
-                        <a:t>http-</a:t>
-                      </a:r>
-                      <a:r>
-                        <a:rPr lang="fr-FR" sz="2400" b="0" dirty="0" err="1">
-                          <a:effectLst/>
-                        </a:rPr>
-                        <a:t>tiny</a:t>
-                      </a:r>
-                      <a:endParaRPr lang="fr-FR" sz="2400" b="0" dirty="0">
-                        <a:effectLst/>
-                        <a:latin typeface="Calibri" panose="020F0502020204030204" pitchFamily="34" charset="0"/>
-                        <a:ea typeface="Calibri" panose="020F0502020204030204" pitchFamily="34" charset="0"/>
-                        <a:cs typeface="Times New Roman" panose="02020603050405020304" pitchFamily="18" charset="0"/>
-                      </a:endParaRPr>
-                    </a:p>
-                  </a:txBody>
-                  <a:tcPr marL="51435" marR="51435" marT="0" marB="0"/>
-                </a:tc>
-                <a:tc>
-                  <a:txBody>
-                    <a:bodyPr/>
-                    <a:lstStyle/>
-                    <a:p>
-                      <a:pPr>
-                        <a:lnSpc>
-                          <a:spcPct val="107000"/>
-                        </a:lnSpc>
-                        <a:spcAft>
-                          <a:spcPts val="0"/>
-                        </a:spcAft>
-                      </a:pPr>
-                      <a:r>
-                        <a:rPr lang="fr-FR" sz="2400" dirty="0">
-                          <a:solidFill>
-                            <a:srgbClr val="FF0000"/>
-                          </a:solidFill>
-                          <a:effectLst/>
-                        </a:rPr>
-                        <a:t>C</a:t>
-                      </a:r>
-                      <a:endParaRPr lang="fr-FR" sz="2400" dirty="0">
-                        <a:solidFill>
-                          <a:srgbClr val="FF0000"/>
-                        </a:solidFill>
-                        <a:effectLst/>
-                        <a:latin typeface="Calibri" panose="020F0502020204030204" pitchFamily="34" charset="0"/>
-                        <a:ea typeface="Calibri" panose="020F0502020204030204" pitchFamily="34" charset="0"/>
-                        <a:cs typeface="Times New Roman" panose="02020603050405020304" pitchFamily="18" charset="0"/>
-                      </a:endParaRPr>
-                    </a:p>
-                  </a:txBody>
-                  <a:tcPr marL="51435" marR="51435" marT="0" marB="0"/>
-                </a:tc>
-                <a:tc>
-                  <a:txBody>
-                    <a:bodyPr/>
-                    <a:lstStyle/>
-                    <a:p>
-                      <a:pPr marL="0" marR="0" indent="0" algn="ctr" defTabSz="457200" rtl="0" eaLnBrk="1" fontAlgn="auto" latinLnBrk="0" hangingPunct="1">
-                        <a:lnSpc>
-                          <a:spcPct val="107000"/>
-                        </a:lnSpc>
-                        <a:spcBef>
-                          <a:spcPts val="0"/>
-                        </a:spcBef>
-                        <a:spcAft>
-                          <a:spcPts val="0"/>
-                        </a:spcAft>
-                        <a:buClrTx/>
-                        <a:buSzTx/>
-                        <a:buFontTx/>
-                        <a:buNone/>
-                        <a:tabLst/>
-                        <a:defRPr/>
-                      </a:pPr>
-                      <a:r>
-                        <a:rPr lang="fr-FR" sz="5300" dirty="0" smtClean="0">
-                          <a:solidFill>
-                            <a:srgbClr val="00B050"/>
-                          </a:solidFill>
-                          <a:effectLst/>
-                        </a:rPr>
-                        <a:t>+</a:t>
-                      </a:r>
-                      <a:endParaRPr lang="fr-FR" sz="5300" dirty="0" smtClean="0">
-                        <a:effectLst/>
-                        <a:latin typeface="Calibri" panose="020F0502020204030204" pitchFamily="34" charset="0"/>
-                        <a:ea typeface="Calibri" panose="020F0502020204030204" pitchFamily="34" charset="0"/>
-                        <a:cs typeface="Times New Roman" panose="02020603050405020304" pitchFamily="18" charset="0"/>
-                      </a:endParaRPr>
-                    </a:p>
-                  </a:txBody>
-                  <a:tcPr marL="51435" marR="51435" marT="0" marB="0"/>
-                </a:tc>
-                <a:tc>
-                  <a:txBody>
-                    <a:bodyPr/>
-                    <a:lstStyle/>
-                    <a:p>
-                      <a:pPr marL="0" marR="0" indent="0" algn="l" defTabSz="457200" rtl="0" eaLnBrk="1" fontAlgn="auto" latinLnBrk="0" hangingPunct="1">
-                        <a:lnSpc>
-                          <a:spcPct val="107000"/>
-                        </a:lnSpc>
-                        <a:spcBef>
-                          <a:spcPts val="0"/>
-                        </a:spcBef>
-                        <a:spcAft>
-                          <a:spcPts val="0"/>
-                        </a:spcAft>
-                        <a:buClrTx/>
-                        <a:buSzTx/>
-                        <a:buFontTx/>
-                        <a:buNone/>
-                        <a:tabLst/>
-                        <a:defRPr/>
-                      </a:pPr>
-                      <a:r>
-                        <a:rPr lang="fr-FR" sz="2400" dirty="0" smtClean="0">
-                          <a:solidFill>
-                            <a:srgbClr val="ED271A"/>
-                          </a:solidFill>
-                          <a:effectLst/>
-                        </a:rPr>
-                        <a:t>-</a:t>
-                      </a:r>
-                      <a:endParaRPr lang="fr-FR" sz="5300" dirty="0" smtClean="0">
-                        <a:solidFill>
-                          <a:srgbClr val="ED271A"/>
-                        </a:solidFill>
-                        <a:effectLst/>
-                        <a:latin typeface="Calibri" panose="020F0502020204030204" pitchFamily="34" charset="0"/>
-                        <a:ea typeface="Calibri" panose="020F0502020204030204" pitchFamily="34" charset="0"/>
-                        <a:cs typeface="Times New Roman" panose="02020603050405020304" pitchFamily="18" charset="0"/>
-                      </a:endParaRPr>
-                    </a:p>
-                  </a:txBody>
-                  <a:tcPr marL="51435" marR="51435" marT="0" marB="0"/>
-                </a:tc>
-                <a:tc>
-                  <a:txBody>
-                    <a:bodyPr/>
-                    <a:lstStyle/>
-                    <a:p>
-                      <a:pPr marL="0" marR="0" indent="0" algn="l" defTabSz="457200" rtl="0" eaLnBrk="1" fontAlgn="auto" latinLnBrk="0" hangingPunct="1">
-                        <a:lnSpc>
-                          <a:spcPct val="107000"/>
-                        </a:lnSpc>
-                        <a:spcBef>
-                          <a:spcPts val="0"/>
-                        </a:spcBef>
-                        <a:spcAft>
-                          <a:spcPts val="0"/>
-                        </a:spcAft>
-                        <a:buClrTx/>
-                        <a:buSzTx/>
-                        <a:buFontTx/>
-                        <a:buNone/>
-                        <a:tabLst/>
-                        <a:defRPr/>
-                      </a:pPr>
-                      <a:r>
-                        <a:rPr lang="fr-FR" sz="2400" dirty="0" smtClean="0">
-                          <a:solidFill>
-                            <a:srgbClr val="00B050"/>
-                          </a:solidFill>
-                          <a:effectLst/>
-                        </a:rPr>
-                        <a:t>+</a:t>
-                      </a:r>
-                      <a:endParaRPr lang="fr-FR" sz="2400" dirty="0" smtClean="0">
-                        <a:effectLst/>
-                        <a:latin typeface="Calibri" panose="020F0502020204030204" pitchFamily="34" charset="0"/>
-                        <a:ea typeface="Calibri" panose="020F0502020204030204" pitchFamily="34" charset="0"/>
-                        <a:cs typeface="Times New Roman" panose="02020603050405020304" pitchFamily="18" charset="0"/>
-                      </a:endParaRPr>
-                    </a:p>
-                    <a:p>
-                      <a:pPr>
-                        <a:lnSpc>
-                          <a:spcPct val="107000"/>
-                        </a:lnSpc>
-                        <a:spcAft>
-                          <a:spcPts val="0"/>
-                        </a:spcAft>
-                      </a:pPr>
-                      <a:endParaRPr lang="fr-FR" sz="2400" dirty="0">
-                        <a:effectLst/>
-                        <a:latin typeface="Calibri" panose="020F0502020204030204" pitchFamily="34" charset="0"/>
-                        <a:ea typeface="Calibri" panose="020F0502020204030204" pitchFamily="34" charset="0"/>
-                        <a:cs typeface="Times New Roman" panose="02020603050405020304" pitchFamily="18" charset="0"/>
-                      </a:endParaRPr>
-                    </a:p>
-                  </a:txBody>
-                  <a:tcPr marL="51435" marR="51435" marT="0" marB="0"/>
-                </a:tc>
-                <a:tc>
-                  <a:txBody>
-                    <a:bodyPr/>
-                    <a:lstStyle/>
-                    <a:p>
-                      <a:pPr marL="0" marR="0" indent="0" algn="l" defTabSz="457200" rtl="0" eaLnBrk="1" fontAlgn="auto" latinLnBrk="0" hangingPunct="1">
-                        <a:lnSpc>
-                          <a:spcPct val="107000"/>
-                        </a:lnSpc>
-                        <a:spcBef>
-                          <a:spcPts val="0"/>
-                        </a:spcBef>
-                        <a:spcAft>
-                          <a:spcPts val="0"/>
-                        </a:spcAft>
-                        <a:buClrTx/>
-                        <a:buSzTx/>
-                        <a:buFontTx/>
-                        <a:buNone/>
-                        <a:tabLst/>
-                        <a:defRPr/>
-                      </a:pPr>
-                      <a:r>
-                        <a:rPr lang="fr-FR" sz="2400" dirty="0" smtClean="0">
-                          <a:solidFill>
-                            <a:srgbClr val="ED271A"/>
-                          </a:solidFill>
-                          <a:effectLst/>
-                        </a:rPr>
-                        <a:t>-</a:t>
-                      </a:r>
-                      <a:endParaRPr lang="fr-FR" sz="5300" dirty="0" smtClean="0">
-                        <a:solidFill>
-                          <a:srgbClr val="ED271A"/>
-                        </a:solidFill>
-                        <a:effectLst/>
-                        <a:latin typeface="Calibri" panose="020F0502020204030204" pitchFamily="34" charset="0"/>
-                        <a:ea typeface="Calibri" panose="020F0502020204030204" pitchFamily="34" charset="0"/>
-                        <a:cs typeface="Times New Roman" panose="02020603050405020304" pitchFamily="18" charset="0"/>
-                      </a:endParaRPr>
-                    </a:p>
-                    <a:p>
-                      <a:pPr>
-                        <a:lnSpc>
-                          <a:spcPct val="107000"/>
-                        </a:lnSpc>
-                        <a:spcAft>
-                          <a:spcPts val="0"/>
-                        </a:spcAft>
-                      </a:pPr>
-                      <a:endParaRPr lang="fr-FR" sz="2400" dirty="0">
-                        <a:effectLst/>
-                        <a:latin typeface="Calibri" panose="020F0502020204030204" pitchFamily="34" charset="0"/>
-                        <a:ea typeface="Calibri" panose="020F0502020204030204" pitchFamily="34" charset="0"/>
-                        <a:cs typeface="Times New Roman" panose="02020603050405020304" pitchFamily="18" charset="0"/>
-                      </a:endParaRPr>
-                    </a:p>
-                  </a:txBody>
-                  <a:tcPr marL="51435" marR="51435" marT="0" marB="0"/>
-                </a:tc>
-              </a:tr>
-              <a:tr h="869696">
-                <a:tc>
-                  <a:txBody>
-                    <a:bodyPr/>
-                    <a:lstStyle/>
-                    <a:p>
-                      <a:pPr>
-                        <a:lnSpc>
-                          <a:spcPct val="107000"/>
-                        </a:lnSpc>
-                        <a:spcAft>
-                          <a:spcPts val="0"/>
-                        </a:spcAft>
-                      </a:pPr>
-                      <a:r>
-                        <a:rPr lang="fr-FR" sz="2000" b="0" dirty="0" err="1" smtClean="0">
-                          <a:effectLst/>
-                        </a:rPr>
-                        <a:t>Winhttp</a:t>
-                      </a:r>
-                      <a:endParaRPr lang="fr-FR" sz="2000" b="0" dirty="0">
-                        <a:effectLst/>
-                        <a:latin typeface="Calibri" panose="020F0502020204030204" pitchFamily="34" charset="0"/>
-                        <a:ea typeface="Calibri" panose="020F0502020204030204" pitchFamily="34" charset="0"/>
-                        <a:cs typeface="Times New Roman" panose="02020603050405020304" pitchFamily="18" charset="0"/>
-                      </a:endParaRPr>
-                    </a:p>
-                  </a:txBody>
-                  <a:tcPr marL="51435" marR="51435" marT="0" marB="0"/>
-                </a:tc>
-                <a:tc>
-                  <a:txBody>
-                    <a:bodyPr/>
-                    <a:lstStyle/>
-                    <a:p>
-                      <a:pPr>
-                        <a:lnSpc>
-                          <a:spcPct val="107000"/>
-                        </a:lnSpc>
-                        <a:spcAft>
-                          <a:spcPts val="0"/>
-                        </a:spcAft>
-                      </a:pPr>
-                      <a:r>
-                        <a:rPr lang="fr-FR" sz="2400" dirty="0">
-                          <a:solidFill>
-                            <a:srgbClr val="FF0000"/>
-                          </a:solidFill>
-                          <a:effectLst/>
-                        </a:rPr>
-                        <a:t>C</a:t>
-                      </a:r>
-                      <a:r>
-                        <a:rPr lang="fr-FR" sz="2400" dirty="0">
-                          <a:effectLst/>
-                        </a:rPr>
-                        <a:t>/</a:t>
-                      </a:r>
-                      <a:r>
-                        <a:rPr lang="fr-FR" sz="2400" dirty="0">
-                          <a:solidFill>
-                            <a:srgbClr val="00B050"/>
-                          </a:solidFill>
-                          <a:effectLst/>
-                        </a:rPr>
-                        <a:t>C++</a:t>
-                      </a:r>
-                      <a:endParaRPr lang="fr-FR" sz="2400" dirty="0">
-                        <a:solidFill>
-                          <a:srgbClr val="00B050"/>
-                        </a:solidFill>
-                        <a:effectLst/>
-                        <a:latin typeface="Calibri" panose="020F0502020204030204" pitchFamily="34" charset="0"/>
-                        <a:ea typeface="Calibri" panose="020F0502020204030204" pitchFamily="34" charset="0"/>
-                        <a:cs typeface="Times New Roman" panose="02020603050405020304" pitchFamily="18" charset="0"/>
-                      </a:endParaRPr>
-                    </a:p>
-                  </a:txBody>
-                  <a:tcPr marL="51435" marR="51435" marT="0" marB="0"/>
-                </a:tc>
-                <a:tc>
-                  <a:txBody>
-                    <a:bodyPr/>
-                    <a:lstStyle/>
-                    <a:p>
-                      <a:pPr marL="0" marR="0" indent="0" algn="l" defTabSz="457200" rtl="0" eaLnBrk="1" fontAlgn="auto" latinLnBrk="0" hangingPunct="1">
-                        <a:lnSpc>
-                          <a:spcPct val="107000"/>
-                        </a:lnSpc>
-                        <a:spcBef>
-                          <a:spcPts val="0"/>
-                        </a:spcBef>
-                        <a:spcAft>
-                          <a:spcPts val="0"/>
-                        </a:spcAft>
-                        <a:buClrTx/>
-                        <a:buSzTx/>
-                        <a:buFontTx/>
-                        <a:buNone/>
-                        <a:tabLst/>
-                        <a:defRPr/>
-                      </a:pPr>
-                      <a:r>
-                        <a:rPr lang="fr-FR" sz="2400" dirty="0" smtClean="0">
-                          <a:solidFill>
-                            <a:srgbClr val="ED271A"/>
-                          </a:solidFill>
-                          <a:effectLst/>
-                        </a:rPr>
-                        <a:t>-</a:t>
-                      </a:r>
-                      <a:endParaRPr lang="fr-FR" sz="5300" dirty="0" smtClean="0">
-                        <a:solidFill>
-                          <a:srgbClr val="ED271A"/>
-                        </a:solidFill>
-                        <a:effectLst/>
-                        <a:latin typeface="Calibri" panose="020F0502020204030204" pitchFamily="34" charset="0"/>
-                        <a:ea typeface="Calibri" panose="020F0502020204030204" pitchFamily="34" charset="0"/>
-                        <a:cs typeface="Times New Roman" panose="02020603050405020304" pitchFamily="18" charset="0"/>
-                      </a:endParaRPr>
-                    </a:p>
-                  </a:txBody>
-                  <a:tcPr marL="51435" marR="51435" marT="0" marB="0"/>
-                </a:tc>
-                <a:tc>
-                  <a:txBody>
-                    <a:bodyPr/>
-                    <a:lstStyle/>
-                    <a:p>
-                      <a:pPr marL="0" marR="0" indent="0" algn="l" defTabSz="457200" rtl="0" eaLnBrk="1" fontAlgn="auto" latinLnBrk="0" hangingPunct="1">
-                        <a:lnSpc>
-                          <a:spcPct val="107000"/>
-                        </a:lnSpc>
-                        <a:spcBef>
-                          <a:spcPts val="0"/>
-                        </a:spcBef>
-                        <a:spcAft>
-                          <a:spcPts val="0"/>
-                        </a:spcAft>
-                        <a:buClrTx/>
-                        <a:buSzTx/>
-                        <a:buFontTx/>
-                        <a:buNone/>
-                        <a:tabLst/>
-                        <a:defRPr/>
-                      </a:pPr>
-                      <a:r>
-                        <a:rPr lang="fr-FR" sz="5300" dirty="0" smtClean="0">
-                          <a:solidFill>
-                            <a:srgbClr val="00B050"/>
-                          </a:solidFill>
-                          <a:effectLst/>
-                        </a:rPr>
-                        <a:t>+</a:t>
-                      </a:r>
-                      <a:endParaRPr lang="fr-FR" sz="5300" dirty="0" smtClean="0">
-                        <a:effectLst/>
-                        <a:latin typeface="Calibri" panose="020F0502020204030204" pitchFamily="34" charset="0"/>
-                        <a:ea typeface="Calibri" panose="020F0502020204030204" pitchFamily="34" charset="0"/>
-                        <a:cs typeface="Times New Roman" panose="02020603050405020304" pitchFamily="18" charset="0"/>
-                      </a:endParaRPr>
-                    </a:p>
-                  </a:txBody>
-                  <a:tcPr marL="51435" marR="51435" marT="0" marB="0"/>
-                </a:tc>
-                <a:tc>
-                  <a:txBody>
-                    <a:bodyPr/>
-                    <a:lstStyle/>
-                    <a:p>
-                      <a:pPr marL="0" marR="0" indent="0" algn="l" defTabSz="457200" rtl="0" eaLnBrk="1" fontAlgn="auto" latinLnBrk="0" hangingPunct="1">
-                        <a:lnSpc>
-                          <a:spcPct val="107000"/>
-                        </a:lnSpc>
-                        <a:spcBef>
-                          <a:spcPts val="0"/>
-                        </a:spcBef>
-                        <a:spcAft>
-                          <a:spcPts val="0"/>
-                        </a:spcAft>
-                        <a:buClrTx/>
-                        <a:buSzTx/>
-                        <a:buFontTx/>
-                        <a:buNone/>
-                        <a:tabLst/>
-                        <a:defRPr/>
-                      </a:pPr>
-                      <a:r>
-                        <a:rPr lang="fr-FR" sz="2400" dirty="0" smtClean="0">
-                          <a:solidFill>
-                            <a:srgbClr val="ED271A"/>
-                          </a:solidFill>
-                          <a:effectLst/>
-                        </a:rPr>
-                        <a:t>-</a:t>
-                      </a:r>
-                      <a:endParaRPr lang="fr-FR" sz="5300" dirty="0" smtClean="0">
-                        <a:solidFill>
-                          <a:srgbClr val="ED271A"/>
-                        </a:solidFill>
-                        <a:effectLst/>
-                        <a:latin typeface="Calibri" panose="020F0502020204030204" pitchFamily="34" charset="0"/>
-                        <a:ea typeface="Calibri" panose="020F0502020204030204" pitchFamily="34" charset="0"/>
-                        <a:cs typeface="Times New Roman" panose="02020603050405020304" pitchFamily="18" charset="0"/>
-                      </a:endParaRPr>
-                    </a:p>
-                  </a:txBody>
-                  <a:tcPr marL="51435" marR="51435" marT="0" marB="0"/>
-                </a:tc>
-                <a:tc>
-                  <a:txBody>
-                    <a:bodyPr/>
-                    <a:lstStyle/>
-                    <a:p>
-                      <a:pPr marL="0" marR="0" indent="0" algn="l" defTabSz="457200" rtl="0" eaLnBrk="1" fontAlgn="auto" latinLnBrk="0" hangingPunct="1">
-                        <a:lnSpc>
-                          <a:spcPct val="107000"/>
-                        </a:lnSpc>
-                        <a:spcBef>
-                          <a:spcPts val="0"/>
-                        </a:spcBef>
-                        <a:spcAft>
-                          <a:spcPts val="0"/>
-                        </a:spcAft>
-                        <a:buClrTx/>
-                        <a:buSzTx/>
-                        <a:buFontTx/>
-                        <a:buNone/>
-                        <a:tabLst/>
-                        <a:defRPr/>
-                      </a:pPr>
-                      <a:r>
-                        <a:rPr lang="fr-FR" sz="2400" dirty="0" smtClean="0">
-                          <a:solidFill>
-                            <a:srgbClr val="00B050"/>
-                          </a:solidFill>
-                          <a:effectLst/>
-                        </a:rPr>
-                        <a:t>+</a:t>
-                      </a:r>
-                      <a:endParaRPr lang="fr-FR" sz="2400" dirty="0" smtClean="0">
-                        <a:effectLst/>
-                        <a:latin typeface="Calibri" panose="020F0502020204030204" pitchFamily="34" charset="0"/>
-                        <a:ea typeface="Calibri" panose="020F0502020204030204" pitchFamily="34" charset="0"/>
-                        <a:cs typeface="Times New Roman" panose="02020603050405020304" pitchFamily="18" charset="0"/>
-                      </a:endParaRPr>
-                    </a:p>
-                    <a:p>
-                      <a:pPr>
-                        <a:lnSpc>
-                          <a:spcPct val="107000"/>
-                        </a:lnSpc>
-                        <a:spcAft>
-                          <a:spcPts val="0"/>
-                        </a:spcAft>
-                      </a:pPr>
-                      <a:endParaRPr lang="fr-FR" sz="2400" dirty="0">
-                        <a:effectLst/>
-                        <a:latin typeface="Calibri" panose="020F0502020204030204" pitchFamily="34" charset="0"/>
-                        <a:ea typeface="Calibri" panose="020F0502020204030204" pitchFamily="34" charset="0"/>
-                        <a:cs typeface="Times New Roman" panose="02020603050405020304" pitchFamily="18" charset="0"/>
-                      </a:endParaRPr>
-                    </a:p>
-                  </a:txBody>
-                  <a:tcPr marL="51435" marR="51435" marT="0" marB="0"/>
-                </a:tc>
-              </a:tr>
-              <a:tr h="782659">
-                <a:tc>
-                  <a:txBody>
-                    <a:bodyPr/>
-                    <a:lstStyle/>
-                    <a:p>
-                      <a:pPr>
-                        <a:lnSpc>
-                          <a:spcPct val="107000"/>
-                        </a:lnSpc>
-                        <a:spcAft>
-                          <a:spcPts val="0"/>
-                        </a:spcAft>
-                      </a:pPr>
-                      <a:r>
-                        <a:rPr lang="fr-FR" sz="1600" b="0" dirty="0" err="1" smtClean="0">
-                          <a:effectLst/>
-                          <a:latin typeface="Calibri" panose="020F0502020204030204" pitchFamily="34" charset="0"/>
-                          <a:ea typeface="Calibri" panose="020F0502020204030204" pitchFamily="34" charset="0"/>
-                          <a:cs typeface="Times New Roman" panose="02020603050405020304" pitchFamily="18" charset="0"/>
-                        </a:rPr>
-                        <a:t>HappyHtpp</a:t>
-                      </a:r>
-                      <a:endParaRPr lang="fr-FR" sz="1600" b="0" dirty="0">
-                        <a:effectLst/>
-                        <a:latin typeface="Calibri" panose="020F0502020204030204" pitchFamily="34" charset="0"/>
-                        <a:ea typeface="Calibri" panose="020F0502020204030204" pitchFamily="34" charset="0"/>
-                        <a:cs typeface="Times New Roman" panose="02020603050405020304" pitchFamily="18" charset="0"/>
-                      </a:endParaRPr>
-                    </a:p>
-                  </a:txBody>
-                  <a:tcPr marL="51435" marR="51435" marT="0" marB="0"/>
-                </a:tc>
-                <a:tc>
-                  <a:txBody>
-                    <a:bodyPr/>
-                    <a:lstStyle/>
-                    <a:p>
-                      <a:pPr>
-                        <a:lnSpc>
-                          <a:spcPct val="107000"/>
-                        </a:lnSpc>
-                        <a:spcAft>
-                          <a:spcPts val="0"/>
-                        </a:spcAft>
-                      </a:pPr>
-                      <a:r>
-                        <a:rPr lang="fr-FR" sz="2400" dirty="0" smtClean="0">
-                          <a:solidFill>
-                            <a:srgbClr val="00B050"/>
-                          </a:solidFill>
-                          <a:effectLst/>
-                          <a:latin typeface="Calibri" panose="020F0502020204030204" pitchFamily="34" charset="0"/>
-                          <a:ea typeface="Calibri" panose="020F0502020204030204" pitchFamily="34" charset="0"/>
-                          <a:cs typeface="Times New Roman" panose="02020603050405020304" pitchFamily="18" charset="0"/>
-                        </a:rPr>
-                        <a:t>C++</a:t>
-                      </a:r>
-                      <a:endParaRPr lang="fr-FR" sz="2400" dirty="0">
-                        <a:solidFill>
-                          <a:srgbClr val="00B050"/>
-                        </a:solidFill>
-                        <a:effectLst/>
-                        <a:latin typeface="Calibri" panose="020F0502020204030204" pitchFamily="34" charset="0"/>
-                        <a:ea typeface="Calibri" panose="020F0502020204030204" pitchFamily="34" charset="0"/>
-                        <a:cs typeface="Times New Roman" panose="02020603050405020304" pitchFamily="18" charset="0"/>
-                      </a:endParaRPr>
-                    </a:p>
-                  </a:txBody>
-                  <a:tcPr marL="51435" marR="51435" marT="0" marB="0"/>
-                </a:tc>
-                <a:tc>
-                  <a:txBody>
-                    <a:bodyPr/>
-                    <a:lstStyle/>
-                    <a:p>
-                      <a:pPr marL="0" marR="0" indent="0" algn="l" defTabSz="457200" rtl="0" eaLnBrk="1" fontAlgn="auto" latinLnBrk="0" hangingPunct="1">
-                        <a:lnSpc>
-                          <a:spcPct val="107000"/>
-                        </a:lnSpc>
-                        <a:spcBef>
-                          <a:spcPts val="0"/>
-                        </a:spcBef>
-                        <a:spcAft>
-                          <a:spcPts val="0"/>
-                        </a:spcAft>
-                        <a:buClrTx/>
-                        <a:buSzTx/>
-                        <a:buFontTx/>
-                        <a:buNone/>
-                        <a:tabLst/>
-                        <a:defRPr/>
-                      </a:pPr>
-                      <a:r>
-                        <a:rPr lang="fr-FR" sz="2400" dirty="0" smtClean="0">
-                          <a:solidFill>
-                            <a:srgbClr val="00B050"/>
-                          </a:solidFill>
-                          <a:effectLst/>
-                        </a:rPr>
-                        <a:t>+</a:t>
-                      </a:r>
-                      <a:endParaRPr lang="fr-FR" sz="2400" dirty="0" smtClean="0">
-                        <a:effectLst/>
-                        <a:latin typeface="Calibri" panose="020F0502020204030204" pitchFamily="34" charset="0"/>
-                        <a:ea typeface="Calibri" panose="020F0502020204030204" pitchFamily="34" charset="0"/>
-                        <a:cs typeface="Times New Roman" panose="02020603050405020304" pitchFamily="18" charset="0"/>
-                      </a:endParaRPr>
-                    </a:p>
-                    <a:p>
-                      <a:pPr>
-                        <a:lnSpc>
-                          <a:spcPct val="107000"/>
-                        </a:lnSpc>
-                        <a:spcAft>
-                          <a:spcPts val="0"/>
-                        </a:spcAft>
-                      </a:pPr>
-                      <a:endParaRPr lang="fr-FR" sz="2400" dirty="0">
-                        <a:effectLst/>
-                        <a:latin typeface="Calibri" panose="020F0502020204030204" pitchFamily="34" charset="0"/>
-                        <a:ea typeface="Calibri" panose="020F0502020204030204" pitchFamily="34" charset="0"/>
-                        <a:cs typeface="Times New Roman" panose="02020603050405020304" pitchFamily="18" charset="0"/>
-                      </a:endParaRPr>
-                    </a:p>
-                  </a:txBody>
-                  <a:tcPr marL="51435" marR="51435" marT="0" marB="0"/>
-                </a:tc>
-                <a:tc>
-                  <a:txBody>
-                    <a:bodyPr/>
-                    <a:lstStyle/>
-                    <a:p>
-                      <a:pPr marL="0" marR="0" indent="0" algn="l" defTabSz="457200" rtl="0" eaLnBrk="1" fontAlgn="auto" latinLnBrk="0" hangingPunct="1">
-                        <a:lnSpc>
-                          <a:spcPct val="107000"/>
-                        </a:lnSpc>
-                        <a:spcBef>
-                          <a:spcPts val="0"/>
-                        </a:spcBef>
-                        <a:spcAft>
-                          <a:spcPts val="0"/>
-                        </a:spcAft>
-                        <a:buClrTx/>
-                        <a:buSzTx/>
-                        <a:buFontTx/>
-                        <a:buNone/>
-                        <a:tabLst/>
-                        <a:defRPr/>
-                      </a:pPr>
-                      <a:r>
-                        <a:rPr lang="fr-FR" sz="2400" dirty="0" smtClean="0">
-                          <a:solidFill>
-                            <a:srgbClr val="00B050"/>
-                          </a:solidFill>
-                          <a:effectLst/>
-                        </a:rPr>
-                        <a:t>+</a:t>
-                      </a:r>
-                      <a:endParaRPr lang="fr-FR" sz="2400" dirty="0" smtClean="0">
-                        <a:effectLst/>
-                        <a:latin typeface="Calibri" panose="020F0502020204030204" pitchFamily="34" charset="0"/>
-                        <a:ea typeface="Calibri" panose="020F0502020204030204" pitchFamily="34" charset="0"/>
-                        <a:cs typeface="Times New Roman" panose="02020603050405020304" pitchFamily="18" charset="0"/>
-                      </a:endParaRPr>
-                    </a:p>
-                    <a:p>
-                      <a:pPr>
-                        <a:lnSpc>
-                          <a:spcPct val="107000"/>
-                        </a:lnSpc>
-                        <a:spcAft>
-                          <a:spcPts val="0"/>
-                        </a:spcAft>
-                      </a:pPr>
-                      <a:endParaRPr lang="fr-FR" sz="2400" dirty="0">
-                        <a:effectLst/>
-                        <a:latin typeface="Calibri" panose="020F0502020204030204" pitchFamily="34" charset="0"/>
-                        <a:ea typeface="Calibri" panose="020F0502020204030204" pitchFamily="34" charset="0"/>
-                        <a:cs typeface="Times New Roman" panose="02020603050405020304" pitchFamily="18" charset="0"/>
-                      </a:endParaRPr>
-                    </a:p>
-                  </a:txBody>
-                  <a:tcPr marL="51435" marR="51435" marT="0" marB="0"/>
-                </a:tc>
-                <a:tc>
-                  <a:txBody>
-                    <a:bodyPr/>
-                    <a:lstStyle/>
-                    <a:p>
-                      <a:pPr marL="0" marR="0" indent="0" algn="l" defTabSz="457200" rtl="0" eaLnBrk="1" fontAlgn="auto" latinLnBrk="0" hangingPunct="1">
-                        <a:lnSpc>
-                          <a:spcPct val="107000"/>
-                        </a:lnSpc>
-                        <a:spcBef>
-                          <a:spcPts val="0"/>
-                        </a:spcBef>
-                        <a:spcAft>
-                          <a:spcPts val="0"/>
-                        </a:spcAft>
-                        <a:buClrTx/>
-                        <a:buSzTx/>
-                        <a:buFontTx/>
-                        <a:buNone/>
-                        <a:tabLst/>
-                        <a:defRPr/>
-                      </a:pPr>
-                      <a:r>
-                        <a:rPr lang="fr-FR" sz="2400" dirty="0" smtClean="0">
-                          <a:solidFill>
-                            <a:srgbClr val="00B050"/>
-                          </a:solidFill>
-                          <a:effectLst/>
-                        </a:rPr>
-                        <a:t>+</a:t>
-                      </a:r>
-                      <a:endParaRPr lang="fr-FR" sz="2400" dirty="0" smtClean="0">
-                        <a:effectLst/>
-                        <a:latin typeface="Calibri" panose="020F0502020204030204" pitchFamily="34" charset="0"/>
-                        <a:ea typeface="Calibri" panose="020F0502020204030204" pitchFamily="34" charset="0"/>
-                        <a:cs typeface="Times New Roman" panose="02020603050405020304" pitchFamily="18" charset="0"/>
-                      </a:endParaRPr>
-                    </a:p>
-                    <a:p>
-                      <a:pPr>
-                        <a:lnSpc>
-                          <a:spcPct val="107000"/>
-                        </a:lnSpc>
-                        <a:spcAft>
-                          <a:spcPts val="0"/>
-                        </a:spcAft>
-                      </a:pPr>
-                      <a:endParaRPr lang="fr-FR" sz="2400" dirty="0">
-                        <a:effectLst/>
-                        <a:latin typeface="Calibri" panose="020F0502020204030204" pitchFamily="34" charset="0"/>
-                        <a:ea typeface="Calibri" panose="020F0502020204030204" pitchFamily="34" charset="0"/>
-                        <a:cs typeface="Times New Roman" panose="02020603050405020304" pitchFamily="18" charset="0"/>
-                      </a:endParaRPr>
-                    </a:p>
-                  </a:txBody>
-                  <a:tcPr marL="51435" marR="51435" marT="0" marB="0"/>
-                </a:tc>
-                <a:tc>
-                  <a:txBody>
-                    <a:bodyPr/>
-                    <a:lstStyle/>
-                    <a:p>
-                      <a:pPr marL="0" marR="0" indent="0" algn="l" defTabSz="457200" rtl="0" eaLnBrk="1" fontAlgn="auto" latinLnBrk="0" hangingPunct="1">
-                        <a:lnSpc>
-                          <a:spcPct val="107000"/>
-                        </a:lnSpc>
-                        <a:spcBef>
-                          <a:spcPts val="0"/>
-                        </a:spcBef>
-                        <a:spcAft>
-                          <a:spcPts val="0"/>
-                        </a:spcAft>
-                        <a:buClrTx/>
-                        <a:buSzTx/>
-                        <a:buFontTx/>
-                        <a:buNone/>
-                        <a:tabLst/>
-                        <a:defRPr/>
-                      </a:pPr>
-                      <a:r>
-                        <a:rPr lang="fr-FR" sz="2400" dirty="0" smtClean="0">
-                          <a:solidFill>
-                            <a:srgbClr val="ED271A"/>
-                          </a:solidFill>
-                          <a:effectLst/>
-                        </a:rPr>
-                        <a:t>-</a:t>
-                      </a:r>
-                      <a:endParaRPr lang="fr-FR" sz="5300" dirty="0" smtClean="0">
-                        <a:solidFill>
-                          <a:srgbClr val="ED271A"/>
-                        </a:solidFill>
-                        <a:effectLst/>
-                        <a:latin typeface="Calibri" panose="020F0502020204030204" pitchFamily="34" charset="0"/>
-                        <a:ea typeface="Calibri" panose="020F0502020204030204" pitchFamily="34" charset="0"/>
-                        <a:cs typeface="Times New Roman" panose="02020603050405020304" pitchFamily="18" charset="0"/>
-                      </a:endParaRPr>
-                    </a:p>
-                    <a:p>
-                      <a:pPr>
-                        <a:lnSpc>
-                          <a:spcPct val="107000"/>
-                        </a:lnSpc>
-                        <a:spcAft>
-                          <a:spcPts val="0"/>
-                        </a:spcAft>
-                      </a:pPr>
-                      <a:endParaRPr lang="fr-FR" sz="2400" dirty="0">
-                        <a:effectLst/>
-                        <a:latin typeface="Calibri" panose="020F0502020204030204" pitchFamily="34" charset="0"/>
-                        <a:ea typeface="Calibri" panose="020F0502020204030204" pitchFamily="34" charset="0"/>
-                        <a:cs typeface="Times New Roman" panose="02020603050405020304" pitchFamily="18" charset="0"/>
-                      </a:endParaRPr>
-                    </a:p>
-                  </a:txBody>
-                  <a:tcPr marL="51435" marR="51435" marT="0" marB="0"/>
-                </a:tc>
-              </a:tr>
-            </a:tbl>
-          </a:graphicData>
-        </a:graphic>
-      </p:graphicFrame>
-      <p:sp>
-        <p:nvSpPr>
-          <p:cNvPr id="5" name="ZoneTexte 4"/>
-          <p:cNvSpPr txBox="1"/>
-          <p:nvPr/>
-        </p:nvSpPr>
-        <p:spPr>
-          <a:xfrm>
-            <a:off x="8496300" y="6296025"/>
-            <a:ext cx="495300" cy="369332"/>
-          </a:xfrm>
-          <a:prstGeom prst="rect">
-            <a:avLst/>
-          </a:prstGeom>
-          <a:noFill/>
-        </p:spPr>
-        <p:txBody>
-          <a:bodyPr wrap="square" rtlCol="0">
-            <a:spAutoFit/>
-          </a:bodyPr>
-          <a:lstStyle/>
-          <a:p>
-            <a:r>
-              <a:rPr lang="fr-FR" dirty="0" smtClean="0"/>
-              <a:t>12</a:t>
-            </a:r>
-            <a:endParaRPr lang="fr-FR" dirty="0"/>
-          </a:p>
-        </p:txBody>
-      </p:sp>
-    </p:spTree>
-    <p:extLst>
-      <p:ext uri="{BB962C8B-B14F-4D97-AF65-F5344CB8AC3E}">
-        <p14:creationId xmlns:p14="http://schemas.microsoft.com/office/powerpoint/2010/main" val="1423668841"/>
-      </p:ext>
-    </p:extLst>
-  </p:cSld>
-  <p:clrMapOvr>
-    <a:masterClrMapping/>
-  </p:clrMapOvr>
-  <p:transition spd="med">
-    <p:fade/>
-  </p:transition>
-  <p:timing>
-    <p:tnLst>
-      <p:par>
-        <p:cTn id="1" dur="indefinite" restart="never" nodeType="tmRoot"/>
-      </p:par>
-    </p:tnLst>
-  </p:timing>
-</p:sld>
-</file>
-
-<file path=ppt/slides/slide13.xml><?xml version="1.0" encoding="utf-8"?>
+<file path=ppt/slides/slide10.xml><?xml version="1.0" encoding="utf-8"?>
 <p:sld xmlns:a="http://schemas.openxmlformats.org/drawingml/2006/main" xmlns:r="http://schemas.openxmlformats.org/officeDocument/2006/relationships" xmlns:p="http://schemas.openxmlformats.org/presentationml/2006/main">
   <p:cSld>
     <p:spTree>
@@ -9275,7 +7422,7 @@
 </p:sld>
 </file>
 
-<file path=ppt/slides/slide14.xml><?xml version="1.0" encoding="utf-8"?>
+<file path=ppt/slides/slide11.xml><?xml version="1.0" encoding="utf-8"?>
 <p:sld xmlns:a="http://schemas.openxmlformats.org/drawingml/2006/main" xmlns:r="http://schemas.openxmlformats.org/officeDocument/2006/relationships" xmlns:p="http://schemas.openxmlformats.org/presentationml/2006/main">
   <p:cSld>
     <p:spTree>
@@ -9448,6 +7595,813 @@
     <p:extLst>
       <p:ext uri="{BB962C8B-B14F-4D97-AF65-F5344CB8AC3E}">
         <p14:creationId xmlns:p14="http://schemas.microsoft.com/office/powerpoint/2010/main" val="423255876"/>
+      </p:ext>
+    </p:extLst>
+  </p:cSld>
+  <p:clrMapOvr>
+    <a:masterClrMapping/>
+  </p:clrMapOvr>
+  <mc:AlternateContent xmlns:mc="http://schemas.openxmlformats.org/markup-compatibility/2006" xmlns:p14="http://schemas.microsoft.com/office/powerpoint/2010/main">
+    <mc:Choice Requires="p14">
+      <p:transition spd="med" p14:dur="700">
+        <p:fade/>
+      </p:transition>
+    </mc:Choice>
+    <mc:Fallback xmlns="">
+      <p:transition spd="med">
+        <p:fade/>
+      </p:transition>
+    </mc:Fallback>
+  </mc:AlternateContent>
+  <p:timing>
+    <p:tnLst>
+      <p:par>
+        <p:cTn id="1" dur="indefinite" restart="never" nodeType="tmRoot"/>
+      </p:par>
+    </p:tnLst>
+  </p:timing>
+</p:sld>
+</file>
+
+<file path=ppt/slides/slide12.xml><?xml version="1.0" encoding="utf-8"?>
+<p:sld xmlns:a="http://schemas.openxmlformats.org/drawingml/2006/main" xmlns:r="http://schemas.openxmlformats.org/officeDocument/2006/relationships" xmlns:p="http://schemas.openxmlformats.org/presentationml/2006/main">
+  <p:cSld>
+    <p:spTree>
+      <p:nvGrpSpPr>
+        <p:cNvPr id="1" name=""/>
+        <p:cNvGrpSpPr/>
+        <p:nvPr/>
+      </p:nvGrpSpPr>
+      <p:grpSpPr>
+        <a:xfrm>
+          <a:off x="0" y="0"/>
+          <a:ext cx="0" cy="0"/>
+          <a:chOff x="0" y="0"/>
+          <a:chExt cx="0" cy="0"/>
+        </a:xfrm>
+      </p:grpSpPr>
+      <p:sp>
+        <p:nvSpPr>
+          <p:cNvPr id="2" name="Titre 1"/>
+          <p:cNvSpPr>
+            <a:spLocks noGrp="1"/>
+          </p:cNvSpPr>
+          <p:nvPr>
+            <p:ph type="title"/>
+          </p:nvPr>
+        </p:nvSpPr>
+        <p:spPr>
+          <a:xfrm>
+            <a:off x="1678303" y="150829"/>
+            <a:ext cx="7876388" cy="1143000"/>
+          </a:xfrm>
+        </p:spPr>
+        <p:txBody>
+          <a:bodyPr lIns="68580" tIns="34290" rIns="68580" bIns="34290"/>
+          <a:lstStyle/>
+          <a:p>
+            <a:r>
+              <a:rPr lang="fr-FR" dirty="0"/>
+              <a:t> </a:t>
+            </a:r>
+            <a:r>
+              <a:rPr lang="fr-FR" dirty="0" err="1" smtClean="0"/>
+              <a:t>Queries</a:t>
+            </a:r>
+            <a:r>
+              <a:rPr lang="fr-FR" dirty="0" smtClean="0"/>
+              <a:t> </a:t>
+            </a:r>
+            <a:r>
+              <a:rPr lang="fr-FR" dirty="0" err="1" smtClean="0"/>
+              <a:t>with</a:t>
+            </a:r>
+            <a:r>
+              <a:rPr lang="fr-FR" dirty="0" smtClean="0"/>
+              <a:t> </a:t>
+            </a:r>
+            <a:r>
+              <a:rPr lang="fr-FR" dirty="0" err="1" smtClean="0"/>
+              <a:t>Kira</a:t>
+            </a:r>
+            <a:endParaRPr lang="fr-FR" dirty="0"/>
+          </a:p>
+        </p:txBody>
+      </p:sp>
+      <p:pic>
+        <p:nvPicPr>
+          <p:cNvPr id="4" name="Image 3"/>
+          <p:cNvPicPr>
+            <a:picLocks noChangeAspect="1"/>
+          </p:cNvPicPr>
+          <p:nvPr/>
+        </p:nvPicPr>
+        <p:blipFill>
+          <a:blip r:embed="rId2" cstate="print"/>
+          <a:stretch>
+            <a:fillRect/>
+          </a:stretch>
+        </p:blipFill>
+        <p:spPr>
+          <a:xfrm rot="539182">
+            <a:off x="6429400" y="1575133"/>
+            <a:ext cx="1207416" cy="1456635"/>
+          </a:xfrm>
+          <a:prstGeom prst="rect">
+            <a:avLst/>
+          </a:prstGeom>
+        </p:spPr>
+      </p:pic>
+      <p:pic>
+        <p:nvPicPr>
+          <p:cNvPr id="6" name="Image 5"/>
+          <p:cNvPicPr>
+            <a:picLocks noChangeAspect="1"/>
+          </p:cNvPicPr>
+          <p:nvPr/>
+        </p:nvPicPr>
+        <p:blipFill>
+          <a:blip r:embed="rId3" cstate="print"/>
+          <a:stretch>
+            <a:fillRect/>
+          </a:stretch>
+        </p:blipFill>
+        <p:spPr>
+          <a:xfrm>
+            <a:off x="943659" y="1772856"/>
+            <a:ext cx="1536361" cy="1366813"/>
+          </a:xfrm>
+          <a:prstGeom prst="rect">
+            <a:avLst/>
+          </a:prstGeom>
+        </p:spPr>
+      </p:pic>
+      <p:pic>
+        <p:nvPicPr>
+          <p:cNvPr id="7" name="Image 6"/>
+          <p:cNvPicPr>
+            <a:picLocks noChangeAspect="1"/>
+          </p:cNvPicPr>
+          <p:nvPr/>
+        </p:nvPicPr>
+        <p:blipFill>
+          <a:blip r:embed="rId4" cstate="print"/>
+          <a:stretch>
+            <a:fillRect/>
+          </a:stretch>
+        </p:blipFill>
+        <p:spPr>
+          <a:xfrm>
+            <a:off x="6087392" y="4072825"/>
+            <a:ext cx="1891431" cy="1973780"/>
+          </a:xfrm>
+          <a:prstGeom prst="rect">
+            <a:avLst/>
+          </a:prstGeom>
+        </p:spPr>
+      </p:pic>
+      <p:pic>
+        <p:nvPicPr>
+          <p:cNvPr id="10" name="Image 9"/>
+          <p:cNvPicPr>
+            <a:picLocks noChangeAspect="1"/>
+          </p:cNvPicPr>
+          <p:nvPr/>
+        </p:nvPicPr>
+        <p:blipFill>
+          <a:blip r:embed="rId5" cstate="print"/>
+          <a:stretch>
+            <a:fillRect/>
+          </a:stretch>
+        </p:blipFill>
+        <p:spPr>
+          <a:xfrm>
+            <a:off x="3527312" y="1598610"/>
+            <a:ext cx="1650037" cy="1460047"/>
+          </a:xfrm>
+          <a:prstGeom prst="rect">
+            <a:avLst/>
+          </a:prstGeom>
+        </p:spPr>
+      </p:pic>
+      <p:sp>
+        <p:nvSpPr>
+          <p:cNvPr id="11" name="ZoneTexte 10"/>
+          <p:cNvSpPr txBox="1"/>
+          <p:nvPr/>
+        </p:nvSpPr>
+        <p:spPr>
+          <a:xfrm>
+            <a:off x="1302371" y="3183118"/>
+            <a:ext cx="1031051" cy="323165"/>
+          </a:xfrm>
+          <a:prstGeom prst="rect">
+            <a:avLst/>
+          </a:prstGeom>
+          <a:noFill/>
+        </p:spPr>
+        <p:txBody>
+          <a:bodyPr wrap="none" rtlCol="0">
+            <a:spAutoFit/>
+          </a:bodyPr>
+          <a:lstStyle/>
+          <a:p>
+            <a:r>
+              <a:rPr lang="fr-FR" sz="1500" dirty="0" err="1" smtClean="0"/>
+              <a:t>Window</a:t>
+            </a:r>
+            <a:r>
+              <a:rPr lang="fr-FR" sz="1500" dirty="0" smtClean="0"/>
+              <a:t> 8</a:t>
+            </a:r>
+            <a:endParaRPr lang="fr-FR" sz="1500" dirty="0"/>
+          </a:p>
+        </p:txBody>
+      </p:sp>
+      <p:pic>
+        <p:nvPicPr>
+          <p:cNvPr id="14" name="Image 13"/>
+          <p:cNvPicPr>
+            <a:picLocks noChangeAspect="1"/>
+          </p:cNvPicPr>
+          <p:nvPr/>
+        </p:nvPicPr>
+        <p:blipFill>
+          <a:blip r:embed="rId6" cstate="print"/>
+          <a:stretch>
+            <a:fillRect/>
+          </a:stretch>
+        </p:blipFill>
+        <p:spPr>
+          <a:xfrm rot="5400000">
+            <a:off x="2684138" y="2212055"/>
+            <a:ext cx="639053" cy="482076"/>
+          </a:xfrm>
+          <a:prstGeom prst="rect">
+            <a:avLst/>
+          </a:prstGeom>
+        </p:spPr>
+      </p:pic>
+      <p:pic>
+        <p:nvPicPr>
+          <p:cNvPr id="17" name="Image 16"/>
+          <p:cNvPicPr>
+            <a:picLocks noChangeAspect="1"/>
+          </p:cNvPicPr>
+          <p:nvPr/>
+        </p:nvPicPr>
+        <p:blipFill>
+          <a:blip r:embed="rId7" cstate="print"/>
+          <a:stretch>
+            <a:fillRect/>
+          </a:stretch>
+        </p:blipFill>
+        <p:spPr>
+          <a:xfrm rot="16200000">
+            <a:off x="6689815" y="3475837"/>
+            <a:ext cx="778640" cy="587374"/>
+          </a:xfrm>
+          <a:prstGeom prst="rect">
+            <a:avLst/>
+          </a:prstGeom>
+        </p:spPr>
+      </p:pic>
+      <p:sp>
+        <p:nvSpPr>
+          <p:cNvPr id="18" name="ZoneTexte 17"/>
+          <p:cNvSpPr txBox="1"/>
+          <p:nvPr/>
+        </p:nvSpPr>
+        <p:spPr>
+          <a:xfrm>
+            <a:off x="6693393" y="2863297"/>
+            <a:ext cx="1043876" cy="369332"/>
+          </a:xfrm>
+          <a:prstGeom prst="rect">
+            <a:avLst/>
+          </a:prstGeom>
+          <a:noFill/>
+        </p:spPr>
+        <p:txBody>
+          <a:bodyPr wrap="none" rtlCol="0">
+            <a:spAutoFit/>
+          </a:bodyPr>
+          <a:lstStyle/>
+          <a:p>
+            <a:r>
+              <a:rPr lang="fr-FR" dirty="0" err="1" smtClean="0"/>
+              <a:t>Kira</a:t>
+            </a:r>
+            <a:r>
+              <a:rPr lang="fr-FR" dirty="0" smtClean="0"/>
+              <a:t> 128</a:t>
+            </a:r>
+            <a:endParaRPr lang="fr-FR" dirty="0"/>
+          </a:p>
+        </p:txBody>
+      </p:sp>
+      <p:sp>
+        <p:nvSpPr>
+          <p:cNvPr id="19" name="ZoneTexte 18"/>
+          <p:cNvSpPr txBox="1"/>
+          <p:nvPr/>
+        </p:nvSpPr>
+        <p:spPr>
+          <a:xfrm>
+            <a:off x="4074624" y="3139670"/>
+            <a:ext cx="763351" cy="323165"/>
+          </a:xfrm>
+          <a:prstGeom prst="rect">
+            <a:avLst/>
+          </a:prstGeom>
+          <a:noFill/>
+        </p:spPr>
+        <p:txBody>
+          <a:bodyPr wrap="none" rtlCol="0">
+            <a:spAutoFit/>
+          </a:bodyPr>
+          <a:lstStyle/>
+          <a:p>
+            <a:r>
+              <a:rPr lang="fr-FR" sz="1500" dirty="0" smtClean="0"/>
+              <a:t>Router</a:t>
+            </a:r>
+          </a:p>
+        </p:txBody>
+      </p:sp>
+      <p:sp>
+        <p:nvSpPr>
+          <p:cNvPr id="20" name="ZoneTexte 19"/>
+          <p:cNvSpPr txBox="1"/>
+          <p:nvPr/>
+        </p:nvSpPr>
+        <p:spPr>
+          <a:xfrm>
+            <a:off x="2800724" y="3072801"/>
+            <a:ext cx="505267" cy="323165"/>
+          </a:xfrm>
+          <a:prstGeom prst="rect">
+            <a:avLst/>
+          </a:prstGeom>
+          <a:noFill/>
+        </p:spPr>
+        <p:txBody>
+          <a:bodyPr wrap="none" rtlCol="0">
+            <a:spAutoFit/>
+          </a:bodyPr>
+          <a:lstStyle/>
+          <a:p>
+            <a:r>
+              <a:rPr lang="fr-FR" sz="1500" dirty="0" smtClean="0"/>
+              <a:t>Wifi</a:t>
+            </a:r>
+            <a:endParaRPr lang="fr-FR" sz="1500" dirty="0"/>
+          </a:p>
+        </p:txBody>
+      </p:sp>
+      <p:cxnSp>
+        <p:nvCxnSpPr>
+          <p:cNvPr id="24" name="Connecteur droit 23"/>
+          <p:cNvCxnSpPr>
+            <a:stCxn id="10" idx="3"/>
+          </p:cNvCxnSpPr>
+          <p:nvPr/>
+        </p:nvCxnSpPr>
+        <p:spPr>
+          <a:xfrm>
+            <a:off x="5177349" y="2328633"/>
+            <a:ext cx="1211741" cy="0"/>
+          </a:xfrm>
+          <a:prstGeom prst="line">
+            <a:avLst/>
+          </a:prstGeom>
+        </p:spPr>
+        <p:style>
+          <a:lnRef idx="3">
+            <a:schemeClr val="dk1"/>
+          </a:lnRef>
+          <a:fillRef idx="0">
+            <a:schemeClr val="dk1"/>
+          </a:fillRef>
+          <a:effectRef idx="2">
+            <a:schemeClr val="dk1"/>
+          </a:effectRef>
+          <a:fontRef idx="minor">
+            <a:schemeClr val="tx1"/>
+          </a:fontRef>
+        </p:style>
+      </p:cxnSp>
+      <p:sp>
+        <p:nvSpPr>
+          <p:cNvPr id="30" name="ZoneTexte 29"/>
+          <p:cNvSpPr txBox="1"/>
+          <p:nvPr/>
+        </p:nvSpPr>
+        <p:spPr>
+          <a:xfrm>
+            <a:off x="5424456" y="2512317"/>
+            <a:ext cx="506870" cy="323165"/>
+          </a:xfrm>
+          <a:prstGeom prst="rect">
+            <a:avLst/>
+          </a:prstGeom>
+          <a:noFill/>
+        </p:spPr>
+        <p:txBody>
+          <a:bodyPr wrap="none" rtlCol="0">
+            <a:spAutoFit/>
+          </a:bodyPr>
+          <a:lstStyle/>
+          <a:p>
+            <a:r>
+              <a:rPr lang="fr-FR" sz="1500" dirty="0" smtClean="0"/>
+              <a:t>rj45</a:t>
+            </a:r>
+            <a:endParaRPr lang="fr-FR" sz="1500" dirty="0"/>
+          </a:p>
+        </p:txBody>
+      </p:sp>
+      <p:sp>
+        <p:nvSpPr>
+          <p:cNvPr id="31" name="ZoneTexte 30"/>
+          <p:cNvSpPr txBox="1"/>
+          <p:nvPr/>
+        </p:nvSpPr>
+        <p:spPr>
+          <a:xfrm>
+            <a:off x="7526215" y="3503687"/>
+            <a:ext cx="377026" cy="323165"/>
+          </a:xfrm>
+          <a:prstGeom prst="rect">
+            <a:avLst/>
+          </a:prstGeom>
+          <a:noFill/>
+        </p:spPr>
+        <p:txBody>
+          <a:bodyPr wrap="none" rtlCol="0">
+            <a:spAutoFit/>
+          </a:bodyPr>
+          <a:lstStyle/>
+          <a:p>
+            <a:r>
+              <a:rPr lang="fr-FR" sz="1500" dirty="0" smtClean="0"/>
+              <a:t>IR</a:t>
+            </a:r>
+            <a:endParaRPr lang="fr-FR" sz="1500" dirty="0"/>
+          </a:p>
+        </p:txBody>
+      </p:sp>
+      <p:sp>
+        <p:nvSpPr>
+          <p:cNvPr id="32" name="ZoneTexte 31"/>
+          <p:cNvSpPr txBox="1"/>
+          <p:nvPr/>
+        </p:nvSpPr>
+        <p:spPr>
+          <a:xfrm>
+            <a:off x="6901413" y="5994219"/>
+            <a:ext cx="429926" cy="323165"/>
+          </a:xfrm>
+          <a:prstGeom prst="rect">
+            <a:avLst/>
+          </a:prstGeom>
+          <a:noFill/>
+        </p:spPr>
+        <p:txBody>
+          <a:bodyPr wrap="none" rtlCol="0">
+            <a:spAutoFit/>
+          </a:bodyPr>
+          <a:lstStyle/>
+          <a:p>
+            <a:r>
+              <a:rPr lang="fr-FR" sz="1500" dirty="0" smtClean="0"/>
+              <a:t>TV</a:t>
+            </a:r>
+            <a:endParaRPr lang="fr-FR" sz="1500" dirty="0"/>
+          </a:p>
+        </p:txBody>
+      </p:sp>
+      <p:sp>
+        <p:nvSpPr>
+          <p:cNvPr id="21" name="ZoneTexte 20"/>
+          <p:cNvSpPr txBox="1"/>
+          <p:nvPr/>
+        </p:nvSpPr>
+        <p:spPr>
+          <a:xfrm>
+            <a:off x="4074623" y="1078386"/>
+            <a:ext cx="506870" cy="323165"/>
+          </a:xfrm>
+          <a:prstGeom prst="rect">
+            <a:avLst/>
+          </a:prstGeom>
+          <a:noFill/>
+        </p:spPr>
+        <p:txBody>
+          <a:bodyPr wrap="none" rtlCol="0">
+            <a:spAutoFit/>
+          </a:bodyPr>
+          <a:lstStyle/>
+          <a:p>
+            <a:r>
+              <a:rPr lang="fr-FR" sz="1500" dirty="0" smtClean="0"/>
+              <a:t>192</a:t>
+            </a:r>
+          </a:p>
+        </p:txBody>
+      </p:sp>
+      <p:sp>
+        <p:nvSpPr>
+          <p:cNvPr id="22" name="ZoneTexte 21"/>
+          <p:cNvSpPr txBox="1"/>
+          <p:nvPr/>
+        </p:nvSpPr>
+        <p:spPr>
+          <a:xfrm>
+            <a:off x="8496300" y="6296025"/>
+            <a:ext cx="495300" cy="369332"/>
+          </a:xfrm>
+          <a:prstGeom prst="rect">
+            <a:avLst/>
+          </a:prstGeom>
+          <a:noFill/>
+        </p:spPr>
+        <p:txBody>
+          <a:bodyPr wrap="square" rtlCol="0">
+            <a:spAutoFit/>
+          </a:bodyPr>
+          <a:lstStyle/>
+          <a:p>
+            <a:r>
+              <a:rPr lang="fr-FR" dirty="0" smtClean="0"/>
+              <a:t>15</a:t>
+            </a:r>
+            <a:endParaRPr lang="fr-FR" dirty="0"/>
+          </a:p>
+        </p:txBody>
+      </p:sp>
+    </p:spTree>
+    <p:extLst>
+      <p:ext uri="{BB962C8B-B14F-4D97-AF65-F5344CB8AC3E}">
+        <p14:creationId xmlns:p14="http://schemas.microsoft.com/office/powerpoint/2010/main" val="3784822421"/>
+      </p:ext>
+    </p:extLst>
+  </p:cSld>
+  <p:clrMapOvr>
+    <a:masterClrMapping/>
+  </p:clrMapOvr>
+  <p:transition spd="med">
+    <p:fade/>
+  </p:transition>
+  <p:timing>
+    <p:tnLst>
+      <p:par>
+        <p:cTn id="1" dur="indefinite" restart="never" nodeType="tmRoot"/>
+      </p:par>
+    </p:tnLst>
+  </p:timing>
+</p:sld>
+</file>
+
+<file path=ppt/slides/slide13.xml><?xml version="1.0" encoding="utf-8"?>
+<p:sld xmlns:a="http://schemas.openxmlformats.org/drawingml/2006/main" xmlns:r="http://schemas.openxmlformats.org/officeDocument/2006/relationships" xmlns:p="http://schemas.openxmlformats.org/presentationml/2006/main">
+  <p:cSld>
+    <p:spTree>
+      <p:nvGrpSpPr>
+        <p:cNvPr id="1" name=""/>
+        <p:cNvGrpSpPr/>
+        <p:nvPr/>
+      </p:nvGrpSpPr>
+      <p:grpSpPr>
+        <a:xfrm>
+          <a:off x="0" y="0"/>
+          <a:ext cx="0" cy="0"/>
+          <a:chOff x="0" y="0"/>
+          <a:chExt cx="0" cy="0"/>
+        </a:xfrm>
+      </p:grpSpPr>
+      <p:sp>
+        <p:nvSpPr>
+          <p:cNvPr id="2" name="Titre 1"/>
+          <p:cNvSpPr>
+            <a:spLocks noGrp="1"/>
+          </p:cNvSpPr>
+          <p:nvPr>
+            <p:ph type="title"/>
+          </p:nvPr>
+        </p:nvSpPr>
+        <p:spPr>
+          <a:xfrm>
+            <a:off x="1288453" y="384156"/>
+            <a:ext cx="6567094" cy="844569"/>
+          </a:xfrm>
+        </p:spPr>
+        <p:txBody>
+          <a:bodyPr/>
+          <a:lstStyle/>
+          <a:p>
+            <a:pPr algn="ctr"/>
+            <a:r>
+              <a:rPr lang="en-US" dirty="0" smtClean="0"/>
+              <a:t>IV. What we have done</a:t>
+            </a:r>
+            <a:endParaRPr lang="fr-FR" dirty="0"/>
+          </a:p>
+        </p:txBody>
+      </p:sp>
+      <p:sp>
+        <p:nvSpPr>
+          <p:cNvPr id="3" name="Espace réservé du texte 2"/>
+          <p:cNvSpPr>
+            <a:spLocks noGrp="1"/>
+          </p:cNvSpPr>
+          <p:nvPr>
+            <p:ph type="body" sz="quarter" idx="10"/>
+          </p:nvPr>
+        </p:nvSpPr>
+        <p:spPr/>
+        <p:txBody>
+          <a:bodyPr/>
+          <a:lstStyle/>
+          <a:p>
+            <a:endParaRPr lang="fr-FR" dirty="0"/>
+          </a:p>
+        </p:txBody>
+      </p:sp>
+    </p:spTree>
+    <p:extLst>
+      <p:ext uri="{BB962C8B-B14F-4D97-AF65-F5344CB8AC3E}">
+        <p14:creationId xmlns:p14="http://schemas.microsoft.com/office/powerpoint/2010/main" val="1063828340"/>
+      </p:ext>
+    </p:extLst>
+  </p:cSld>
+  <p:clrMapOvr>
+    <a:masterClrMapping/>
+  </p:clrMapOvr>
+  <mc:AlternateContent xmlns:mc="http://schemas.openxmlformats.org/markup-compatibility/2006" xmlns:p14="http://schemas.microsoft.com/office/powerpoint/2010/main">
+    <mc:Choice Requires="p14">
+      <p:transition spd="med" p14:dur="700">
+        <p:fade/>
+      </p:transition>
+    </mc:Choice>
+    <mc:Fallback xmlns="">
+      <p:transition spd="med">
+        <p:fade/>
+      </p:transition>
+    </mc:Fallback>
+  </mc:AlternateContent>
+</p:sld>
+</file>
+
+<file path=ppt/slides/slide14.xml><?xml version="1.0" encoding="utf-8"?>
+<p:sld xmlns:a="http://schemas.openxmlformats.org/drawingml/2006/main" xmlns:r="http://schemas.openxmlformats.org/officeDocument/2006/relationships" xmlns:p="http://schemas.openxmlformats.org/presentationml/2006/main">
+  <p:cSld>
+    <p:spTree>
+      <p:nvGrpSpPr>
+        <p:cNvPr id="1" name=""/>
+        <p:cNvGrpSpPr/>
+        <p:nvPr/>
+      </p:nvGrpSpPr>
+      <p:grpSpPr>
+        <a:xfrm>
+          <a:off x="0" y="0"/>
+          <a:ext cx="0" cy="0"/>
+          <a:chOff x="0" y="0"/>
+          <a:chExt cx="0" cy="0"/>
+        </a:xfrm>
+      </p:grpSpPr>
+      <p:sp>
+        <p:nvSpPr>
+          <p:cNvPr id="2" name="Titre 1"/>
+          <p:cNvSpPr>
+            <a:spLocks noGrp="1"/>
+          </p:cNvSpPr>
+          <p:nvPr>
+            <p:ph type="title"/>
+          </p:nvPr>
+        </p:nvSpPr>
+        <p:spPr>
+          <a:xfrm>
+            <a:off x="633806" y="270681"/>
+            <a:ext cx="7876388" cy="1143000"/>
+          </a:xfrm>
+        </p:spPr>
+        <p:txBody>
+          <a:bodyPr/>
+          <a:lstStyle/>
+          <a:p>
+            <a:pPr algn="ctr"/>
+            <a:r>
+              <a:rPr lang="fr-FR" dirty="0" smtClean="0"/>
+              <a:t>V. </a:t>
+            </a:r>
+            <a:r>
+              <a:rPr lang="en-US" dirty="0" smtClean="0"/>
+              <a:t>What’s</a:t>
+            </a:r>
+            <a:r>
+              <a:rPr lang="fr-FR" dirty="0" smtClean="0"/>
+              <a:t> </a:t>
+            </a:r>
+            <a:r>
+              <a:rPr lang="fr-FR" dirty="0" err="1" smtClean="0"/>
+              <a:t>next</a:t>
+            </a:r>
+            <a:endParaRPr lang="fr-FR" dirty="0"/>
+          </a:p>
+        </p:txBody>
+      </p:sp>
+      <p:sp>
+        <p:nvSpPr>
+          <p:cNvPr id="3" name="Espace réservé du texte 2"/>
+          <p:cNvSpPr>
+            <a:spLocks noGrp="1"/>
+          </p:cNvSpPr>
+          <p:nvPr>
+            <p:ph type="body" sz="quarter" idx="10"/>
+          </p:nvPr>
+        </p:nvSpPr>
+        <p:spPr/>
+        <p:txBody>
+          <a:bodyPr/>
+          <a:lstStyle/>
+          <a:p>
+            <a:r>
+              <a:rPr lang="fr-FR" dirty="0" smtClean="0"/>
+              <a:t>Communication </a:t>
+            </a:r>
+            <a:r>
+              <a:rPr lang="fr-FR" dirty="0" err="1" smtClean="0"/>
+              <a:t>with</a:t>
+            </a:r>
+            <a:r>
+              <a:rPr lang="fr-FR" dirty="0" smtClean="0"/>
+              <a:t> the </a:t>
+            </a:r>
+            <a:r>
+              <a:rPr lang="fr-FR" dirty="0" err="1" smtClean="0"/>
+              <a:t>wheelchair</a:t>
+            </a:r>
+            <a:endParaRPr lang="fr-FR" dirty="0" smtClean="0"/>
+          </a:p>
+          <a:p>
+            <a:r>
+              <a:rPr lang="fr-FR" dirty="0" smtClean="0"/>
+              <a:t>Communication </a:t>
+            </a:r>
+            <a:r>
+              <a:rPr lang="fr-FR" dirty="0" err="1" smtClean="0"/>
+              <a:t>with</a:t>
+            </a:r>
+            <a:r>
+              <a:rPr lang="fr-FR" dirty="0" smtClean="0"/>
+              <a:t> </a:t>
+            </a:r>
+            <a:r>
+              <a:rPr lang="fr-FR" dirty="0" err="1" smtClean="0"/>
+              <a:t>Fibaro</a:t>
+            </a:r>
+            <a:endParaRPr lang="fr-FR" dirty="0" smtClean="0"/>
+          </a:p>
+          <a:p>
+            <a:endParaRPr lang="fr-FR" dirty="0"/>
+          </a:p>
+        </p:txBody>
+      </p:sp>
+      <p:sp>
+        <p:nvSpPr>
+          <p:cNvPr id="4" name="ZoneTexte 3"/>
+          <p:cNvSpPr txBox="1"/>
+          <p:nvPr/>
+        </p:nvSpPr>
+        <p:spPr>
+          <a:xfrm>
+            <a:off x="8496300" y="6296025"/>
+            <a:ext cx="495300" cy="369332"/>
+          </a:xfrm>
+          <a:prstGeom prst="rect">
+            <a:avLst/>
+          </a:prstGeom>
+          <a:noFill/>
+        </p:spPr>
+        <p:txBody>
+          <a:bodyPr wrap="square" rtlCol="0">
+            <a:spAutoFit/>
+          </a:bodyPr>
+          <a:lstStyle/>
+          <a:p>
+            <a:r>
+              <a:rPr lang="fr-FR" dirty="0" smtClean="0"/>
+              <a:t>17</a:t>
+            </a:r>
+            <a:endParaRPr lang="fr-FR" dirty="0"/>
+          </a:p>
+        </p:txBody>
+      </p:sp>
+    </p:spTree>
+    <p:extLst>
+      <p:ext uri="{BB962C8B-B14F-4D97-AF65-F5344CB8AC3E}">
+        <p14:creationId xmlns:p14="http://schemas.microsoft.com/office/powerpoint/2010/main" val="1644440659"/>
       </p:ext>
     </p:extLst>
   </p:cSld>
@@ -9495,800 +8449,6 @@
       </p:grpSpPr>
       <p:sp>
         <p:nvSpPr>
-          <p:cNvPr id="2" name="Titre 1"/>
-          <p:cNvSpPr>
-            <a:spLocks noGrp="1"/>
-          </p:cNvSpPr>
-          <p:nvPr>
-            <p:ph type="title"/>
-          </p:nvPr>
-        </p:nvSpPr>
-        <p:spPr>
-          <a:xfrm>
-            <a:off x="1678303" y="150829"/>
-            <a:ext cx="7876388" cy="1143000"/>
-          </a:xfrm>
-        </p:spPr>
-        <p:txBody>
-          <a:bodyPr lIns="68580" tIns="34290" rIns="68580" bIns="34290"/>
-          <a:lstStyle/>
-          <a:p>
-            <a:r>
-              <a:rPr lang="fr-FR" dirty="0"/>
-              <a:t> </a:t>
-            </a:r>
-            <a:r>
-              <a:rPr lang="fr-FR" dirty="0" err="1" smtClean="0"/>
-              <a:t>Queries</a:t>
-            </a:r>
-            <a:r>
-              <a:rPr lang="fr-FR" dirty="0" smtClean="0"/>
-              <a:t> </a:t>
-            </a:r>
-            <a:r>
-              <a:rPr lang="fr-FR" dirty="0" err="1" smtClean="0"/>
-              <a:t>with</a:t>
-            </a:r>
-            <a:r>
-              <a:rPr lang="fr-FR" dirty="0" smtClean="0"/>
-              <a:t> </a:t>
-            </a:r>
-            <a:r>
-              <a:rPr lang="fr-FR" dirty="0" err="1" smtClean="0"/>
-              <a:t>Kira</a:t>
-            </a:r>
-            <a:endParaRPr lang="fr-FR" dirty="0"/>
-          </a:p>
-        </p:txBody>
-      </p:sp>
-      <p:pic>
-        <p:nvPicPr>
-          <p:cNvPr id="4" name="Image 3"/>
-          <p:cNvPicPr>
-            <a:picLocks noChangeAspect="1"/>
-          </p:cNvPicPr>
-          <p:nvPr/>
-        </p:nvPicPr>
-        <p:blipFill>
-          <a:blip r:embed="rId2" cstate="print"/>
-          <a:stretch>
-            <a:fillRect/>
-          </a:stretch>
-        </p:blipFill>
-        <p:spPr>
-          <a:xfrm rot="539182">
-            <a:off x="6429400" y="1575133"/>
-            <a:ext cx="1207416" cy="1456635"/>
-          </a:xfrm>
-          <a:prstGeom prst="rect">
-            <a:avLst/>
-          </a:prstGeom>
-        </p:spPr>
-      </p:pic>
-      <p:pic>
-        <p:nvPicPr>
-          <p:cNvPr id="6" name="Image 5"/>
-          <p:cNvPicPr>
-            <a:picLocks noChangeAspect="1"/>
-          </p:cNvPicPr>
-          <p:nvPr/>
-        </p:nvPicPr>
-        <p:blipFill>
-          <a:blip r:embed="rId3" cstate="print"/>
-          <a:stretch>
-            <a:fillRect/>
-          </a:stretch>
-        </p:blipFill>
-        <p:spPr>
-          <a:xfrm>
-            <a:off x="943659" y="1772856"/>
-            <a:ext cx="1536361" cy="1366813"/>
-          </a:xfrm>
-          <a:prstGeom prst="rect">
-            <a:avLst/>
-          </a:prstGeom>
-        </p:spPr>
-      </p:pic>
-      <p:pic>
-        <p:nvPicPr>
-          <p:cNvPr id="7" name="Image 6"/>
-          <p:cNvPicPr>
-            <a:picLocks noChangeAspect="1"/>
-          </p:cNvPicPr>
-          <p:nvPr/>
-        </p:nvPicPr>
-        <p:blipFill>
-          <a:blip r:embed="rId4" cstate="print"/>
-          <a:stretch>
-            <a:fillRect/>
-          </a:stretch>
-        </p:blipFill>
-        <p:spPr>
-          <a:xfrm>
-            <a:off x="6087392" y="4072825"/>
-            <a:ext cx="1891431" cy="1973780"/>
-          </a:xfrm>
-          <a:prstGeom prst="rect">
-            <a:avLst/>
-          </a:prstGeom>
-        </p:spPr>
-      </p:pic>
-      <p:pic>
-        <p:nvPicPr>
-          <p:cNvPr id="10" name="Image 9"/>
-          <p:cNvPicPr>
-            <a:picLocks noChangeAspect="1"/>
-          </p:cNvPicPr>
-          <p:nvPr/>
-        </p:nvPicPr>
-        <p:blipFill>
-          <a:blip r:embed="rId5" cstate="print"/>
-          <a:stretch>
-            <a:fillRect/>
-          </a:stretch>
-        </p:blipFill>
-        <p:spPr>
-          <a:xfrm>
-            <a:off x="3527312" y="1598610"/>
-            <a:ext cx="1650037" cy="1460047"/>
-          </a:xfrm>
-          <a:prstGeom prst="rect">
-            <a:avLst/>
-          </a:prstGeom>
-        </p:spPr>
-      </p:pic>
-      <p:sp>
-        <p:nvSpPr>
-          <p:cNvPr id="11" name="ZoneTexte 10"/>
-          <p:cNvSpPr txBox="1"/>
-          <p:nvPr/>
-        </p:nvSpPr>
-        <p:spPr>
-          <a:xfrm>
-            <a:off x="1302371" y="3183118"/>
-            <a:ext cx="1031051" cy="323165"/>
-          </a:xfrm>
-          <a:prstGeom prst="rect">
-            <a:avLst/>
-          </a:prstGeom>
-          <a:noFill/>
-        </p:spPr>
-        <p:txBody>
-          <a:bodyPr wrap="none" rtlCol="0">
-            <a:spAutoFit/>
-          </a:bodyPr>
-          <a:lstStyle/>
-          <a:p>
-            <a:r>
-              <a:rPr lang="fr-FR" sz="1500" dirty="0" err="1" smtClean="0"/>
-              <a:t>Window</a:t>
-            </a:r>
-            <a:r>
-              <a:rPr lang="fr-FR" sz="1500" dirty="0" smtClean="0"/>
-              <a:t> 8</a:t>
-            </a:r>
-            <a:endParaRPr lang="fr-FR" sz="1500" dirty="0"/>
-          </a:p>
-        </p:txBody>
-      </p:sp>
-      <p:pic>
-        <p:nvPicPr>
-          <p:cNvPr id="14" name="Image 13"/>
-          <p:cNvPicPr>
-            <a:picLocks noChangeAspect="1"/>
-          </p:cNvPicPr>
-          <p:nvPr/>
-        </p:nvPicPr>
-        <p:blipFill>
-          <a:blip r:embed="rId6" cstate="print"/>
-          <a:stretch>
-            <a:fillRect/>
-          </a:stretch>
-        </p:blipFill>
-        <p:spPr>
-          <a:xfrm rot="5400000">
-            <a:off x="2684138" y="2212055"/>
-            <a:ext cx="639053" cy="482076"/>
-          </a:xfrm>
-          <a:prstGeom prst="rect">
-            <a:avLst/>
-          </a:prstGeom>
-        </p:spPr>
-      </p:pic>
-      <p:pic>
-        <p:nvPicPr>
-          <p:cNvPr id="17" name="Image 16"/>
-          <p:cNvPicPr>
-            <a:picLocks noChangeAspect="1"/>
-          </p:cNvPicPr>
-          <p:nvPr/>
-        </p:nvPicPr>
-        <p:blipFill>
-          <a:blip r:embed="rId7" cstate="print"/>
-          <a:stretch>
-            <a:fillRect/>
-          </a:stretch>
-        </p:blipFill>
-        <p:spPr>
-          <a:xfrm rot="16200000">
-            <a:off x="6689815" y="3475837"/>
-            <a:ext cx="778640" cy="587374"/>
-          </a:xfrm>
-          <a:prstGeom prst="rect">
-            <a:avLst/>
-          </a:prstGeom>
-        </p:spPr>
-      </p:pic>
-      <p:sp>
-        <p:nvSpPr>
-          <p:cNvPr id="18" name="ZoneTexte 17"/>
-          <p:cNvSpPr txBox="1"/>
-          <p:nvPr/>
-        </p:nvSpPr>
-        <p:spPr>
-          <a:xfrm>
-            <a:off x="6693393" y="2863297"/>
-            <a:ext cx="1043876" cy="369332"/>
-          </a:xfrm>
-          <a:prstGeom prst="rect">
-            <a:avLst/>
-          </a:prstGeom>
-          <a:noFill/>
-        </p:spPr>
-        <p:txBody>
-          <a:bodyPr wrap="none" rtlCol="0">
-            <a:spAutoFit/>
-          </a:bodyPr>
-          <a:lstStyle/>
-          <a:p>
-            <a:r>
-              <a:rPr lang="fr-FR" dirty="0" err="1" smtClean="0"/>
-              <a:t>Kira</a:t>
-            </a:r>
-            <a:r>
-              <a:rPr lang="fr-FR" dirty="0" smtClean="0"/>
-              <a:t> 128</a:t>
-            </a:r>
-            <a:endParaRPr lang="fr-FR" dirty="0"/>
-          </a:p>
-        </p:txBody>
-      </p:sp>
-      <p:sp>
-        <p:nvSpPr>
-          <p:cNvPr id="19" name="ZoneTexte 18"/>
-          <p:cNvSpPr txBox="1"/>
-          <p:nvPr/>
-        </p:nvSpPr>
-        <p:spPr>
-          <a:xfrm>
-            <a:off x="4074624" y="3139670"/>
-            <a:ext cx="763351" cy="323165"/>
-          </a:xfrm>
-          <a:prstGeom prst="rect">
-            <a:avLst/>
-          </a:prstGeom>
-          <a:noFill/>
-        </p:spPr>
-        <p:txBody>
-          <a:bodyPr wrap="none" rtlCol="0">
-            <a:spAutoFit/>
-          </a:bodyPr>
-          <a:lstStyle/>
-          <a:p>
-            <a:r>
-              <a:rPr lang="fr-FR" sz="1500" dirty="0" smtClean="0"/>
-              <a:t>Router</a:t>
-            </a:r>
-          </a:p>
-        </p:txBody>
-      </p:sp>
-      <p:sp>
-        <p:nvSpPr>
-          <p:cNvPr id="20" name="ZoneTexte 19"/>
-          <p:cNvSpPr txBox="1"/>
-          <p:nvPr/>
-        </p:nvSpPr>
-        <p:spPr>
-          <a:xfrm>
-            <a:off x="2800724" y="3072801"/>
-            <a:ext cx="505267" cy="323165"/>
-          </a:xfrm>
-          <a:prstGeom prst="rect">
-            <a:avLst/>
-          </a:prstGeom>
-          <a:noFill/>
-        </p:spPr>
-        <p:txBody>
-          <a:bodyPr wrap="none" rtlCol="0">
-            <a:spAutoFit/>
-          </a:bodyPr>
-          <a:lstStyle/>
-          <a:p>
-            <a:r>
-              <a:rPr lang="fr-FR" sz="1500" dirty="0" smtClean="0"/>
-              <a:t>Wifi</a:t>
-            </a:r>
-            <a:endParaRPr lang="fr-FR" sz="1500" dirty="0"/>
-          </a:p>
-        </p:txBody>
-      </p:sp>
-      <p:cxnSp>
-        <p:nvCxnSpPr>
-          <p:cNvPr id="24" name="Connecteur droit 23"/>
-          <p:cNvCxnSpPr>
-            <a:stCxn id="10" idx="3"/>
-          </p:cNvCxnSpPr>
-          <p:nvPr/>
-        </p:nvCxnSpPr>
-        <p:spPr>
-          <a:xfrm>
-            <a:off x="5177349" y="2328633"/>
-            <a:ext cx="1211741" cy="0"/>
-          </a:xfrm>
-          <a:prstGeom prst="line">
-            <a:avLst/>
-          </a:prstGeom>
-        </p:spPr>
-        <p:style>
-          <a:lnRef idx="3">
-            <a:schemeClr val="dk1"/>
-          </a:lnRef>
-          <a:fillRef idx="0">
-            <a:schemeClr val="dk1"/>
-          </a:fillRef>
-          <a:effectRef idx="2">
-            <a:schemeClr val="dk1"/>
-          </a:effectRef>
-          <a:fontRef idx="minor">
-            <a:schemeClr val="tx1"/>
-          </a:fontRef>
-        </p:style>
-      </p:cxnSp>
-      <p:sp>
-        <p:nvSpPr>
-          <p:cNvPr id="30" name="ZoneTexte 29"/>
-          <p:cNvSpPr txBox="1"/>
-          <p:nvPr/>
-        </p:nvSpPr>
-        <p:spPr>
-          <a:xfrm>
-            <a:off x="5424456" y="2512317"/>
-            <a:ext cx="506870" cy="323165"/>
-          </a:xfrm>
-          <a:prstGeom prst="rect">
-            <a:avLst/>
-          </a:prstGeom>
-          <a:noFill/>
-        </p:spPr>
-        <p:txBody>
-          <a:bodyPr wrap="none" rtlCol="0">
-            <a:spAutoFit/>
-          </a:bodyPr>
-          <a:lstStyle/>
-          <a:p>
-            <a:r>
-              <a:rPr lang="fr-FR" sz="1500" dirty="0" smtClean="0"/>
-              <a:t>rj45</a:t>
-            </a:r>
-            <a:endParaRPr lang="fr-FR" sz="1500" dirty="0"/>
-          </a:p>
-        </p:txBody>
-      </p:sp>
-      <p:sp>
-        <p:nvSpPr>
-          <p:cNvPr id="31" name="ZoneTexte 30"/>
-          <p:cNvSpPr txBox="1"/>
-          <p:nvPr/>
-        </p:nvSpPr>
-        <p:spPr>
-          <a:xfrm>
-            <a:off x="7526215" y="3503687"/>
-            <a:ext cx="377026" cy="323165"/>
-          </a:xfrm>
-          <a:prstGeom prst="rect">
-            <a:avLst/>
-          </a:prstGeom>
-          <a:noFill/>
-        </p:spPr>
-        <p:txBody>
-          <a:bodyPr wrap="none" rtlCol="0">
-            <a:spAutoFit/>
-          </a:bodyPr>
-          <a:lstStyle/>
-          <a:p>
-            <a:r>
-              <a:rPr lang="fr-FR" sz="1500" dirty="0" smtClean="0"/>
-              <a:t>IR</a:t>
-            </a:r>
-            <a:endParaRPr lang="fr-FR" sz="1500" dirty="0"/>
-          </a:p>
-        </p:txBody>
-      </p:sp>
-      <p:sp>
-        <p:nvSpPr>
-          <p:cNvPr id="32" name="ZoneTexte 31"/>
-          <p:cNvSpPr txBox="1"/>
-          <p:nvPr/>
-        </p:nvSpPr>
-        <p:spPr>
-          <a:xfrm>
-            <a:off x="6901413" y="5994219"/>
-            <a:ext cx="429926" cy="323165"/>
-          </a:xfrm>
-          <a:prstGeom prst="rect">
-            <a:avLst/>
-          </a:prstGeom>
-          <a:noFill/>
-        </p:spPr>
-        <p:txBody>
-          <a:bodyPr wrap="none" rtlCol="0">
-            <a:spAutoFit/>
-          </a:bodyPr>
-          <a:lstStyle/>
-          <a:p>
-            <a:r>
-              <a:rPr lang="fr-FR" sz="1500" dirty="0" smtClean="0"/>
-              <a:t>TV</a:t>
-            </a:r>
-            <a:endParaRPr lang="fr-FR" sz="1500" dirty="0"/>
-          </a:p>
-        </p:txBody>
-      </p:sp>
-      <p:sp>
-        <p:nvSpPr>
-          <p:cNvPr id="21" name="ZoneTexte 20"/>
-          <p:cNvSpPr txBox="1"/>
-          <p:nvPr/>
-        </p:nvSpPr>
-        <p:spPr>
-          <a:xfrm>
-            <a:off x="4074623" y="1078386"/>
-            <a:ext cx="506870" cy="323165"/>
-          </a:xfrm>
-          <a:prstGeom prst="rect">
-            <a:avLst/>
-          </a:prstGeom>
-          <a:noFill/>
-        </p:spPr>
-        <p:txBody>
-          <a:bodyPr wrap="none" rtlCol="0">
-            <a:spAutoFit/>
-          </a:bodyPr>
-          <a:lstStyle/>
-          <a:p>
-            <a:r>
-              <a:rPr lang="fr-FR" sz="1500" dirty="0" smtClean="0"/>
-              <a:t>192</a:t>
-            </a:r>
-          </a:p>
-        </p:txBody>
-      </p:sp>
-      <p:sp>
-        <p:nvSpPr>
-          <p:cNvPr id="22" name="ZoneTexte 21"/>
-          <p:cNvSpPr txBox="1"/>
-          <p:nvPr/>
-        </p:nvSpPr>
-        <p:spPr>
-          <a:xfrm>
-            <a:off x="8496300" y="6296025"/>
-            <a:ext cx="495300" cy="369332"/>
-          </a:xfrm>
-          <a:prstGeom prst="rect">
-            <a:avLst/>
-          </a:prstGeom>
-          <a:noFill/>
-        </p:spPr>
-        <p:txBody>
-          <a:bodyPr wrap="square" rtlCol="0">
-            <a:spAutoFit/>
-          </a:bodyPr>
-          <a:lstStyle/>
-          <a:p>
-            <a:r>
-              <a:rPr lang="fr-FR" dirty="0" smtClean="0"/>
-              <a:t>15</a:t>
-            </a:r>
-            <a:endParaRPr lang="fr-FR" dirty="0"/>
-          </a:p>
-        </p:txBody>
-      </p:sp>
-    </p:spTree>
-    <p:extLst>
-      <p:ext uri="{BB962C8B-B14F-4D97-AF65-F5344CB8AC3E}">
-        <p14:creationId xmlns:p14="http://schemas.microsoft.com/office/powerpoint/2010/main" val="3784822421"/>
-      </p:ext>
-    </p:extLst>
-  </p:cSld>
-  <p:clrMapOvr>
-    <a:masterClrMapping/>
-  </p:clrMapOvr>
-  <p:transition spd="med">
-    <p:fade/>
-  </p:transition>
-  <p:timing>
-    <p:tnLst>
-      <p:par>
-        <p:cTn id="1" dur="indefinite" restart="never" nodeType="tmRoot"/>
-      </p:par>
-    </p:tnLst>
-  </p:timing>
-</p:sld>
-</file>
-
-<file path=ppt/slides/slide16.xml><?xml version="1.0" encoding="utf-8"?>
-<p:sld xmlns:a="http://schemas.openxmlformats.org/drawingml/2006/main" xmlns:r="http://schemas.openxmlformats.org/officeDocument/2006/relationships" xmlns:p="http://schemas.openxmlformats.org/presentationml/2006/main">
-  <p:cSld>
-    <p:spTree>
-      <p:nvGrpSpPr>
-        <p:cNvPr id="1" name=""/>
-        <p:cNvGrpSpPr/>
-        <p:nvPr/>
-      </p:nvGrpSpPr>
-      <p:grpSpPr>
-        <a:xfrm>
-          <a:off x="0" y="0"/>
-          <a:ext cx="0" cy="0"/>
-          <a:chOff x="0" y="0"/>
-          <a:chExt cx="0" cy="0"/>
-        </a:xfrm>
-      </p:grpSpPr>
-      <p:sp>
-        <p:nvSpPr>
-          <p:cNvPr id="4" name="Titre 3"/>
-          <p:cNvSpPr>
-            <a:spLocks noGrp="1"/>
-          </p:cNvSpPr>
-          <p:nvPr>
-            <p:ph type="ctrTitle"/>
-          </p:nvPr>
-        </p:nvSpPr>
-        <p:spPr/>
-        <p:txBody>
-          <a:bodyPr/>
-          <a:lstStyle/>
-          <a:p>
-            <a:r>
-              <a:rPr lang="fr-FR" dirty="0" smtClean="0"/>
-              <a:t>IV. </a:t>
-            </a:r>
-            <a:r>
-              <a:rPr lang="fr-FR" dirty="0" err="1" smtClean="0"/>
-              <a:t>What’s</a:t>
-            </a:r>
-            <a:r>
-              <a:rPr lang="fr-FR" dirty="0" smtClean="0"/>
-              <a:t> </a:t>
-            </a:r>
-            <a:r>
-              <a:rPr lang="fr-FR" dirty="0" err="1" smtClean="0"/>
-              <a:t>next</a:t>
-            </a:r>
-            <a:endParaRPr lang="fr-FR" dirty="0"/>
-          </a:p>
-        </p:txBody>
-      </p:sp>
-    </p:spTree>
-    <p:extLst>
-      <p:ext uri="{BB962C8B-B14F-4D97-AF65-F5344CB8AC3E}">
-        <p14:creationId xmlns:p14="http://schemas.microsoft.com/office/powerpoint/2010/main" val="3164336437"/>
-      </p:ext>
-    </p:extLst>
-  </p:cSld>
-  <p:clrMapOvr>
-    <a:masterClrMapping/>
-  </p:clrMapOvr>
-  <mc:AlternateContent xmlns:mc="http://schemas.openxmlformats.org/markup-compatibility/2006" xmlns:p14="http://schemas.microsoft.com/office/powerpoint/2010/main">
-    <mc:Choice Requires="p14">
-      <p:transition spd="med" p14:dur="700">
-        <p:fade/>
-      </p:transition>
-    </mc:Choice>
-    <mc:Fallback xmlns="">
-      <p:transition spd="med">
-        <p:fade/>
-      </p:transition>
-    </mc:Fallback>
-  </mc:AlternateContent>
-</p:sld>
-</file>
-
-<file path=ppt/slides/slide17.xml><?xml version="1.0" encoding="utf-8"?>
-<p:sld xmlns:a="http://schemas.openxmlformats.org/drawingml/2006/main" xmlns:r="http://schemas.openxmlformats.org/officeDocument/2006/relationships" xmlns:p="http://schemas.openxmlformats.org/presentationml/2006/main">
-  <p:cSld>
-    <p:spTree>
-      <p:nvGrpSpPr>
-        <p:cNvPr id="1" name=""/>
-        <p:cNvGrpSpPr/>
-        <p:nvPr/>
-      </p:nvGrpSpPr>
-      <p:grpSpPr>
-        <a:xfrm>
-          <a:off x="0" y="0"/>
-          <a:ext cx="0" cy="0"/>
-          <a:chOff x="0" y="0"/>
-          <a:chExt cx="0" cy="0"/>
-        </a:xfrm>
-      </p:grpSpPr>
-      <p:sp>
-        <p:nvSpPr>
-          <p:cNvPr id="2" name="Titre 1"/>
-          <p:cNvSpPr>
-            <a:spLocks noGrp="1"/>
-          </p:cNvSpPr>
-          <p:nvPr>
-            <p:ph type="title"/>
-          </p:nvPr>
-        </p:nvSpPr>
-        <p:spPr>
-          <a:xfrm>
-            <a:off x="633806" y="270681"/>
-            <a:ext cx="7876388" cy="1143000"/>
-          </a:xfrm>
-        </p:spPr>
-        <p:txBody>
-          <a:bodyPr/>
-          <a:lstStyle/>
-          <a:p>
-            <a:pPr algn="ctr"/>
-            <a:r>
-              <a:rPr lang="fr-FR" dirty="0" smtClean="0"/>
-              <a:t>IV. </a:t>
-            </a:r>
-            <a:r>
-              <a:rPr lang="fr-FR" dirty="0" err="1" smtClean="0"/>
-              <a:t>What’s</a:t>
-            </a:r>
-            <a:r>
-              <a:rPr lang="fr-FR" dirty="0" smtClean="0"/>
-              <a:t> </a:t>
-            </a:r>
-            <a:r>
-              <a:rPr lang="fr-FR" dirty="0" err="1" smtClean="0"/>
-              <a:t>next</a:t>
-            </a:r>
-            <a:endParaRPr lang="fr-FR" dirty="0"/>
-          </a:p>
-        </p:txBody>
-      </p:sp>
-      <p:sp>
-        <p:nvSpPr>
-          <p:cNvPr id="3" name="Espace réservé du texte 2"/>
-          <p:cNvSpPr>
-            <a:spLocks noGrp="1"/>
-          </p:cNvSpPr>
-          <p:nvPr>
-            <p:ph type="body" sz="quarter" idx="10"/>
-          </p:nvPr>
-        </p:nvSpPr>
-        <p:spPr/>
-        <p:txBody>
-          <a:bodyPr/>
-          <a:lstStyle/>
-          <a:p>
-            <a:r>
-              <a:rPr lang="fr-FR" dirty="0" smtClean="0"/>
-              <a:t>Communication </a:t>
-            </a:r>
-            <a:r>
-              <a:rPr lang="fr-FR" dirty="0" err="1" smtClean="0"/>
-              <a:t>with</a:t>
-            </a:r>
-            <a:r>
-              <a:rPr lang="fr-FR" dirty="0" smtClean="0"/>
-              <a:t> the </a:t>
-            </a:r>
-            <a:r>
-              <a:rPr lang="fr-FR" dirty="0" err="1" smtClean="0"/>
-              <a:t>wheelchair</a:t>
-            </a:r>
-            <a:endParaRPr lang="fr-FR" dirty="0" smtClean="0"/>
-          </a:p>
-          <a:p>
-            <a:r>
-              <a:rPr lang="fr-FR" dirty="0" smtClean="0"/>
-              <a:t>Communication </a:t>
-            </a:r>
-            <a:r>
-              <a:rPr lang="fr-FR" dirty="0" err="1" smtClean="0"/>
-              <a:t>with</a:t>
-            </a:r>
-            <a:r>
-              <a:rPr lang="fr-FR" dirty="0" smtClean="0"/>
-              <a:t> </a:t>
-            </a:r>
-            <a:r>
-              <a:rPr lang="fr-FR" dirty="0" err="1" smtClean="0"/>
-              <a:t>Fibaro</a:t>
-            </a:r>
-            <a:endParaRPr lang="fr-FR" dirty="0" smtClean="0"/>
-          </a:p>
-          <a:p>
-            <a:endParaRPr lang="fr-FR" dirty="0"/>
-          </a:p>
-        </p:txBody>
-      </p:sp>
-      <p:sp>
-        <p:nvSpPr>
-          <p:cNvPr id="4" name="ZoneTexte 3"/>
-          <p:cNvSpPr txBox="1"/>
-          <p:nvPr/>
-        </p:nvSpPr>
-        <p:spPr>
-          <a:xfrm>
-            <a:off x="8496300" y="6296025"/>
-            <a:ext cx="495300" cy="369332"/>
-          </a:xfrm>
-          <a:prstGeom prst="rect">
-            <a:avLst/>
-          </a:prstGeom>
-          <a:noFill/>
-        </p:spPr>
-        <p:txBody>
-          <a:bodyPr wrap="square" rtlCol="0">
-            <a:spAutoFit/>
-          </a:bodyPr>
-          <a:lstStyle/>
-          <a:p>
-            <a:r>
-              <a:rPr lang="fr-FR" dirty="0" smtClean="0"/>
-              <a:t>17</a:t>
-            </a:r>
-            <a:endParaRPr lang="fr-FR" dirty="0"/>
-          </a:p>
-        </p:txBody>
-      </p:sp>
-    </p:spTree>
-    <p:extLst>
-      <p:ext uri="{BB962C8B-B14F-4D97-AF65-F5344CB8AC3E}">
-        <p14:creationId xmlns:p14="http://schemas.microsoft.com/office/powerpoint/2010/main" val="1644440659"/>
-      </p:ext>
-    </p:extLst>
-  </p:cSld>
-  <p:clrMapOvr>
-    <a:masterClrMapping/>
-  </p:clrMapOvr>
-  <mc:AlternateContent xmlns:mc="http://schemas.openxmlformats.org/markup-compatibility/2006" xmlns:p14="http://schemas.microsoft.com/office/powerpoint/2010/main">
-    <mc:Choice Requires="p14">
-      <p:transition spd="med" p14:dur="700">
-        <p:fade/>
-      </p:transition>
-    </mc:Choice>
-    <mc:Fallback xmlns="">
-      <p:transition spd="med">
-        <p:fade/>
-      </p:transition>
-    </mc:Fallback>
-  </mc:AlternateContent>
-  <p:timing>
-    <p:tnLst>
-      <p:par>
-        <p:cTn id="1" dur="indefinite" restart="never" nodeType="tmRoot"/>
-      </p:par>
-    </p:tnLst>
-  </p:timing>
-</p:sld>
-</file>
-
-<file path=ppt/slides/slide18.xml><?xml version="1.0" encoding="utf-8"?>
-<p:sld xmlns:a="http://schemas.openxmlformats.org/drawingml/2006/main" xmlns:r="http://schemas.openxmlformats.org/officeDocument/2006/relationships" xmlns:p="http://schemas.openxmlformats.org/presentationml/2006/main">
-  <p:cSld>
-    <p:spTree>
-      <p:nvGrpSpPr>
-        <p:cNvPr id="1" name=""/>
-        <p:cNvGrpSpPr/>
-        <p:nvPr/>
-      </p:nvGrpSpPr>
-      <p:grpSpPr>
-        <a:xfrm>
-          <a:off x="0" y="0"/>
-          <a:ext cx="0" cy="0"/>
-          <a:chOff x="0" y="0"/>
-          <a:chExt cx="0" cy="0"/>
-        </a:xfrm>
-      </p:grpSpPr>
-      <p:sp>
-        <p:nvSpPr>
           <p:cNvPr id="3" name="Espace réservé du texte 2"/>
           <p:cNvSpPr>
             <a:spLocks noGrp="1"/>
@@ -10369,8 +8529,20 @@
           <a:p>
             <a:pPr algn="ctr"/>
             <a:r>
-              <a:rPr lang="fr-FR" smtClean="0"/>
-              <a:t>IV. What’s next</a:t>
+              <a:rPr lang="fr-FR" dirty="0" smtClean="0"/>
+              <a:t>V. </a:t>
+            </a:r>
+            <a:r>
+              <a:rPr lang="fr-FR" dirty="0" err="1" smtClean="0"/>
+              <a:t>What’s</a:t>
+            </a:r>
+            <a:r>
+              <a:rPr lang="fr-FR" dirty="0" smtClean="0"/>
+              <a:t> </a:t>
+            </a:r>
+            <a:r>
+              <a:rPr lang="fr-FR" dirty="0" err="1" smtClean="0"/>
+              <a:t>next</a:t>
             </a:r>
             <a:endParaRPr lang="fr-FR" dirty="0"/>
           </a:p>
@@ -10465,7 +8637,12 @@
             <p:ph type="title"/>
           </p:nvPr>
         </p:nvSpPr>
-        <p:spPr/>
+        <p:spPr>
+          <a:xfrm>
+            <a:off x="362738" y="478763"/>
+            <a:ext cx="7876388" cy="1143000"/>
+          </a:xfrm>
+        </p:spPr>
         <p:txBody>
           <a:bodyPr/>
           <a:lstStyle/>
@@ -10491,70 +8668,82 @@
         </p:nvSpPr>
         <p:spPr>
           <a:xfrm>
-            <a:off x="362738" y="1632585"/>
-            <a:ext cx="7886700" cy="4351339"/>
+            <a:off x="2529444" y="1632585"/>
+            <a:ext cx="5719994" cy="4351339"/>
           </a:xfrm>
           <a:prstGeom prst="rect">
             <a:avLst/>
           </a:prstGeom>
         </p:spPr>
         <p:txBody>
-          <a:bodyPr/>
+          <a:bodyPr>
+            <a:normAutofit/>
+          </a:bodyPr>
           <a:lstStyle/>
           <a:p>
             <a:pPr marL="514350" indent="-514350">
               <a:buAutoNum type="romanUcPeriod"/>
             </a:pPr>
             <a:r>
-              <a:rPr lang="fr-FR" dirty="0" smtClean="0"/>
+              <a:rPr lang="fr-FR" sz="3000" dirty="0" err="1" smtClean="0"/>
               <a:t>Context</a:t>
             </a:r>
-            <a:endParaRPr lang="fr-FR" dirty="0"/>
+            <a:endParaRPr lang="fr-FR" sz="3000" dirty="0"/>
           </a:p>
           <a:p>
             <a:pPr marL="514350" indent="-514350">
               <a:buAutoNum type="romanUcPeriod"/>
             </a:pPr>
             <a:r>
-              <a:rPr lang="fr-FR" dirty="0" err="1" smtClean="0"/>
+              <a:rPr lang="fr-FR" sz="3000" dirty="0" err="1" smtClean="0"/>
               <a:t>Specifications</a:t>
             </a:r>
-            <a:endParaRPr lang="fr-FR" dirty="0" smtClean="0"/>
+            <a:endParaRPr lang="fr-FR" sz="3000" dirty="0" smtClean="0"/>
           </a:p>
           <a:p>
             <a:pPr marL="514350" indent="-514350">
               <a:buAutoNum type="romanUcPeriod"/>
             </a:pPr>
             <a:r>
-              <a:rPr lang="fr-FR" dirty="0" err="1" smtClean="0"/>
+              <a:rPr lang="fr-FR" sz="3000" dirty="0" err="1" smtClean="0"/>
               <a:t>Pre-study</a:t>
             </a:r>
-            <a:endParaRPr lang="fr-FR" dirty="0"/>
+            <a:endParaRPr lang="fr-FR" sz="3000" dirty="0" smtClean="0"/>
           </a:p>
           <a:p>
             <a:pPr marL="514350" indent="-514350">
               <a:buAutoNum type="romanUcPeriod"/>
             </a:pPr>
             <a:r>
-              <a:rPr lang="fr-FR" dirty="0" err="1" smtClean="0"/>
-              <a:t>What’s</a:t>
-            </a:r>
-            <a:r>
-              <a:rPr lang="fr-FR" dirty="0" smtClean="0"/>
-              <a:t> </a:t>
-            </a:r>
-            <a:r>
-              <a:rPr lang="fr-FR" dirty="0" err="1" smtClean="0"/>
-              <a:t>next</a:t>
-            </a:r>
-            <a:endParaRPr lang="fr-FR" dirty="0"/>
+              <a:rPr lang="en-US" sz="3000" dirty="0" smtClean="0"/>
+              <a:t>What we have done</a:t>
+            </a:r>
+            <a:endParaRPr lang="fr-FR" sz="3000" dirty="0"/>
           </a:p>
           <a:p>
             <a:pPr marL="514350" indent="-514350">
               <a:buAutoNum type="romanUcPeriod"/>
             </a:pPr>
             <a:r>
-              <a:rPr lang="fr-FR" dirty="0" smtClean="0"/>
+              <a:rPr lang="fr-FR" sz="3000" dirty="0" err="1" smtClean="0"/>
+              <a:t>What’s</a:t>
+            </a:r>
+            <a:r>
+              <a:rPr lang="fr-FR" sz="3000" dirty="0" smtClean="0"/>
+              <a:t> </a:t>
+            </a:r>
+            <a:r>
+              <a:rPr lang="fr-FR" sz="3000" dirty="0" err="1" smtClean="0"/>
+              <a:t>next</a:t>
+            </a:r>
+            <a:endParaRPr lang="fr-FR" sz="3000" dirty="0"/>
+          </a:p>
+          <a:p>
+            <a:pPr marL="514350" indent="-514350">
+              <a:buAutoNum type="romanUcPeriod"/>
+            </a:pPr>
+            <a:r>
+              <a:rPr lang="fr-FR" sz="3000" dirty="0" smtClean="0"/>
               <a:t>Conclusion</a:t>
             </a:r>
           </a:p>
@@ -10646,10 +8835,15 @@
             <a:spLocks noGrp="1"/>
           </p:cNvSpPr>
           <p:nvPr>
-            <p:ph type="ctrTitle"/>
+            <p:ph type="title"/>
           </p:nvPr>
         </p:nvSpPr>
-        <p:spPr/>
+        <p:spPr>
+          <a:xfrm>
+            <a:off x="633806" y="304800"/>
+            <a:ext cx="7876388" cy="946131"/>
+          </a:xfrm>
+        </p:spPr>
         <p:txBody>
           <a:bodyPr/>
           <a:lstStyle/>
@@ -10663,10 +8857,205 @@
           </a:p>
         </p:txBody>
       </p:sp>
+      <p:sp>
+        <p:nvSpPr>
+          <p:cNvPr id="3" name="Espace réservé du texte 2"/>
+          <p:cNvSpPr>
+            <a:spLocks noGrp="1"/>
+          </p:cNvSpPr>
+          <p:nvPr>
+            <p:ph type="body" sz="quarter" idx="10"/>
+          </p:nvPr>
+        </p:nvSpPr>
+        <p:spPr>
+          <a:xfrm>
+            <a:off x="581892" y="1430798"/>
+            <a:ext cx="7365768" cy="4695367"/>
+          </a:xfrm>
+        </p:spPr>
+        <p:txBody>
+          <a:bodyPr/>
+          <a:lstStyle/>
+          <a:p>
+            <a:endParaRPr lang="fr-FR" dirty="0" smtClean="0"/>
+          </a:p>
+          <a:p>
+            <a:endParaRPr lang="fr-FR" dirty="0"/>
+          </a:p>
+          <a:p>
+            <a:endParaRPr lang="fr-FR" dirty="0" smtClean="0"/>
+          </a:p>
+          <a:p>
+            <a:endParaRPr lang="fr-FR" dirty="0"/>
+          </a:p>
+          <a:p>
+            <a:endParaRPr lang="fr-FR" dirty="0" smtClean="0"/>
+          </a:p>
+          <a:p>
+            <a:endParaRPr lang="fr-FR" dirty="0"/>
+          </a:p>
+          <a:p>
+            <a:endParaRPr lang="fr-FR" dirty="0" smtClean="0"/>
+          </a:p>
+          <a:p>
+            <a:r>
+              <a:rPr lang="fr-FR" sz="2000" dirty="0" err="1" smtClean="0"/>
+              <a:t>sells</a:t>
+            </a:r>
+            <a:r>
+              <a:rPr lang="fr-FR" sz="2000" dirty="0" smtClean="0"/>
+              <a:t> </a:t>
+            </a:r>
+            <a:r>
+              <a:rPr lang="fr-FR" sz="2000" dirty="0"/>
+              <a:t>and </a:t>
+            </a:r>
+            <a:r>
+              <a:rPr lang="fr-FR" sz="2000" dirty="0" err="1"/>
+              <a:t>repairs</a:t>
+            </a:r>
+            <a:r>
+              <a:rPr lang="fr-FR" sz="2000" dirty="0"/>
+              <a:t> </a:t>
+            </a:r>
+            <a:r>
+              <a:rPr lang="fr-FR" sz="2000" dirty="0" err="1" smtClean="0"/>
+              <a:t>wheelchairs</a:t>
+            </a:r>
+            <a:endParaRPr lang="fr-FR" sz="2000" dirty="0" smtClean="0"/>
+          </a:p>
+          <a:p>
+            <a:pPr marL="0" indent="0">
+              <a:buNone/>
+            </a:pPr>
+            <a:endParaRPr lang="fr-FR" sz="2000" dirty="0" smtClean="0"/>
+          </a:p>
+          <a:p>
+            <a:r>
+              <a:rPr lang="fr-FR" sz="2000" dirty="0" err="1" smtClean="0"/>
+              <a:t>develop</a:t>
+            </a:r>
+            <a:r>
+              <a:rPr lang="fr-FR" sz="2000" dirty="0" smtClean="0"/>
+              <a:t> </a:t>
+            </a:r>
+            <a:r>
+              <a:rPr lang="fr-FR" sz="2000" dirty="0" smtClean="0"/>
+              <a:t>home automation </a:t>
+            </a:r>
+            <a:r>
+              <a:rPr lang="fr-FR" sz="2000" dirty="0" smtClean="0"/>
+              <a:t>solutions</a:t>
+            </a:r>
+            <a:endParaRPr lang="fr-FR" sz="2000" dirty="0"/>
+          </a:p>
+        </p:txBody>
+      </p:sp>
+      <p:sp>
+        <p:nvSpPr>
+          <p:cNvPr id="4" name="ZoneTexte 3"/>
+          <p:cNvSpPr txBox="1"/>
+          <p:nvPr/>
+        </p:nvSpPr>
+        <p:spPr>
+          <a:xfrm>
+            <a:off x="8496300" y="6296025"/>
+            <a:ext cx="495300" cy="369332"/>
+          </a:xfrm>
+          <a:prstGeom prst="rect">
+            <a:avLst/>
+          </a:prstGeom>
+          <a:noFill/>
+        </p:spPr>
+        <p:txBody>
+          <a:bodyPr wrap="square" rtlCol="0">
+            <a:spAutoFit/>
+          </a:bodyPr>
+          <a:lstStyle/>
+          <a:p>
+            <a:r>
+              <a:rPr lang="fr-FR" dirty="0" smtClean="0"/>
+              <a:t>4</a:t>
+            </a:r>
+            <a:endParaRPr lang="fr-FR" dirty="0"/>
+          </a:p>
+        </p:txBody>
+      </p:sp>
+      <p:pic>
+        <p:nvPicPr>
+          <p:cNvPr id="5" name="Image 4"/>
+          <p:cNvPicPr>
+            <a:picLocks noChangeAspect="1"/>
+          </p:cNvPicPr>
+          <p:nvPr/>
+        </p:nvPicPr>
+        <p:blipFill>
+          <a:blip r:embed="rId2">
+            <a:extLst>
+              <a:ext uri="{28A0092B-C50C-407E-A947-70E740481C1C}">
+                <a14:useLocalDpi xmlns:a14="http://schemas.microsoft.com/office/drawing/2010/main" val="0"/>
+              </a:ext>
+            </a:extLst>
+          </a:blip>
+          <a:stretch>
+            <a:fillRect/>
+          </a:stretch>
+        </p:blipFill>
+        <p:spPr>
+          <a:xfrm>
+            <a:off x="1171699" y="1430798"/>
+            <a:ext cx="2414649" cy="1780804"/>
+          </a:xfrm>
+          <a:prstGeom prst="rect">
+            <a:avLst/>
+          </a:prstGeom>
+        </p:spPr>
+      </p:pic>
+      <p:pic>
+        <p:nvPicPr>
+          <p:cNvPr id="1026" name="Picture 2" descr="Z:\home\maki\Desktop\5c6e7e9a-24bf-4b1e-9e34-0cd8061ae507.jpg"/>
+          <p:cNvPicPr>
+            <a:picLocks noChangeAspect="1" noChangeArrowheads="1"/>
+          </p:cNvPicPr>
+          <p:nvPr/>
+        </p:nvPicPr>
+        <p:blipFill>
+          <a:blip r:embed="rId3">
+            <a:extLst>
+              <a:ext uri="{28A0092B-C50C-407E-A947-70E740481C1C}">
+                <a14:useLocalDpi xmlns:a14="http://schemas.microsoft.com/office/drawing/2010/main" val="0"/>
+              </a:ext>
+            </a:extLst>
+          </a:blip>
+          <a:srcRect/>
+          <a:stretch>
+            <a:fillRect/>
+          </a:stretch>
+        </p:blipFill>
+        <p:spPr bwMode="auto">
+          <a:xfrm>
+            <a:off x="5148880" y="2083941"/>
+            <a:ext cx="2926341" cy="3251490"/>
+          </a:xfrm>
+          <a:prstGeom prst="rect">
+            <a:avLst/>
+          </a:prstGeom>
+          <a:noFill/>
+          <a:extLst>
+            <a:ext uri="{909E8E84-426E-40DD-AFC4-6F175D3DCCD1}">
+              <a14:hiddenFill xmlns:a14="http://schemas.microsoft.com/office/drawing/2010/main">
+                <a:solidFill>
+                  <a:srgbClr val="FFFFFF"/>
+                </a:solidFill>
+              </a14:hiddenFill>
+            </a:ext>
+          </a:extLst>
+        </p:spPr>
+      </p:pic>
     </p:spTree>
     <p:extLst>
       <p:ext uri="{BB962C8B-B14F-4D97-AF65-F5344CB8AC3E}">
-        <p14:creationId xmlns:p14="http://schemas.microsoft.com/office/powerpoint/2010/main" val="3570722297"/>
+        <p14:creationId xmlns:p14="http://schemas.microsoft.com/office/powerpoint/2010/main" val="3696323016"/>
       </p:ext>
     </p:extLst>
   </p:cSld>
@@ -10714,35 +9103,6 @@
       </p:grpSpPr>
       <p:sp>
         <p:nvSpPr>
-          <p:cNvPr id="2" name="Titre 1"/>
-          <p:cNvSpPr>
-            <a:spLocks noGrp="1"/>
-          </p:cNvSpPr>
-          <p:nvPr>
-            <p:ph type="title"/>
-          </p:nvPr>
-        </p:nvSpPr>
-        <p:spPr>
-          <a:xfrm>
-            <a:off x="633806" y="304800"/>
-            <a:ext cx="7876388" cy="946131"/>
-          </a:xfrm>
-        </p:spPr>
-        <p:txBody>
-          <a:bodyPr/>
-          <a:lstStyle/>
-          <a:p>
-            <a:pPr algn="ctr"/>
-            <a:r>
-              <a:rPr lang="fr-FR" dirty="0" smtClean="0"/>
-              <a:t>I. Context</a:t>
-            </a:r>
-            <a:endParaRPr lang="fr-FR" dirty="0"/>
-          </a:p>
-        </p:txBody>
-      </p:sp>
-      <p:sp>
-        <p:nvSpPr>
           <p:cNvPr id="3" name="Espace réservé du texte 2"/>
           <p:cNvSpPr>
             <a:spLocks noGrp="1"/>
@@ -10753,8 +9113,8 @@
         </p:nvSpPr>
         <p:spPr>
           <a:xfrm>
-            <a:off x="581892" y="1430798"/>
-            <a:ext cx="7365768" cy="4695367"/>
+            <a:off x="633806" y="1430798"/>
+            <a:ext cx="7694854" cy="4695367"/>
           </a:xfrm>
         </p:spPr>
         <p:txBody>
@@ -10762,24 +9122,76 @@
           <a:lstStyle/>
           <a:p>
             <a:r>
+              <a:rPr lang="en-US" dirty="0" smtClean="0"/>
+              <a:t>WHY did we choose this subject ?</a:t>
+            </a:r>
+            <a:endParaRPr lang="fr-FR" dirty="0" smtClean="0"/>
+          </a:p>
+          <a:p>
+            <a:pPr marL="0" indent="0">
+              <a:buNone/>
+            </a:pPr>
+            <a:r>
+              <a:rPr lang="en-US" dirty="0" smtClean="0"/>
+              <a:t>	Technical challenge</a:t>
+            </a:r>
+          </a:p>
+          <a:p>
+            <a:pPr marL="0" indent="0">
+              <a:buNone/>
+            </a:pPr>
+            <a:r>
+              <a:rPr lang="en-US" dirty="0" smtClean="0"/>
+              <a:t>	Human values</a:t>
+            </a:r>
+          </a:p>
+          <a:p>
+            <a:pPr marL="0" indent="0">
+              <a:buNone/>
+            </a:pPr>
+            <a:endParaRPr lang="en-US" dirty="0" smtClean="0"/>
+          </a:p>
+          <a:p>
+            <a:r>
+              <a:rPr lang="en-US" dirty="0" smtClean="0"/>
+              <a:t>WHAT IS THE AIM?</a:t>
+            </a:r>
+            <a:endParaRPr lang="fr-FR" dirty="0"/>
+          </a:p>
+          <a:p>
+            <a:r>
               <a:rPr lang="fr-FR" dirty="0" err="1" smtClean="0"/>
-              <a:t>Ergovie</a:t>
+              <a:t>Need</a:t>
             </a:r>
             <a:r>
               <a:rPr lang="fr-FR" dirty="0" smtClean="0"/>
               <a:t> </a:t>
             </a:r>
             <a:r>
+              <a:rPr lang="fr-FR" dirty="0"/>
+              <a:t>of a simple interface for </a:t>
+            </a:r>
+            <a:r>
               <a:rPr lang="fr-FR" dirty="0" err="1"/>
-              <a:t>is</a:t>
+              <a:t>disabled</a:t>
             </a:r>
             <a:r>
               <a:rPr lang="fr-FR" dirty="0"/>
-              <a:t> a Breton society </a:t>
-            </a:r>
+              <a:t> people</a:t>
+            </a:r>
+          </a:p>
+          <a:p>
             <a:r>
               <a:rPr lang="fr-FR" dirty="0" err="1"/>
-              <a:t>who</a:t>
+              <a:t>Existing</a:t>
+            </a:r>
+            <a:r>
+              <a:rPr lang="fr-FR" dirty="0"/>
+              <a:t> solutions but </a:t>
+            </a:r>
+            <a:r>
+              <a:rPr lang="fr-FR" dirty="0" err="1"/>
+              <a:t>too</a:t>
             </a:r>
             <a:r>
               <a:rPr lang="fr-FR" dirty="0"/>
@@ -10787,7 +9199,7 @@
             </a:r>
             <a:r>
               <a:rPr lang="fr-FR" dirty="0" err="1"/>
-              <a:t>sells</a:t>
+              <a:t>complex</a:t>
             </a:r>
             <a:r>
               <a:rPr lang="fr-FR" dirty="0"/>
@@ -10795,66 +9207,68 @@
             </a:r>
             <a:r>
               <a:rPr lang="fr-FR" dirty="0" err="1"/>
-              <a:t>repairs</a:t>
-            </a:r>
-            <a:r>
-              <a:rPr lang="fr-FR" dirty="0"/>
-              <a:t> </a:t>
-            </a:r>
-            <a:r>
-              <a:rPr lang="fr-FR" dirty="0" err="1"/>
-              <a:t>wheelchairs</a:t>
-            </a:r>
-            <a:r>
-              <a:rPr lang="fr-FR" dirty="0"/>
-              <a:t>. </a:t>
-            </a:r>
-            <a:r>
-              <a:rPr lang="fr-FR" dirty="0" err="1"/>
-              <a:t>They</a:t>
-            </a:r>
-            <a:r>
-              <a:rPr lang="fr-FR" dirty="0"/>
-              <a:t> </a:t>
-            </a:r>
-            <a:r>
-              <a:rPr lang="fr-FR" dirty="0" err="1"/>
-              <a:t>recently</a:t>
-            </a:r>
-            <a:r>
-              <a:rPr lang="fr-FR" dirty="0"/>
-              <a:t> </a:t>
-            </a:r>
-            <a:r>
-              <a:rPr lang="fr-FR" dirty="0" err="1"/>
-              <a:t>begin</a:t>
-            </a:r>
-            <a:r>
-              <a:rPr lang="fr-FR" dirty="0"/>
-              <a:t> to </a:t>
-            </a:r>
-            <a:r>
-              <a:rPr lang="fr-FR" dirty="0" err="1"/>
-              <a:t>develop</a:t>
-            </a:r>
-            <a:r>
-              <a:rPr lang="fr-FR" dirty="0"/>
-              <a:t> </a:t>
-            </a:r>
-            <a:r>
-              <a:rPr lang="fr-FR" dirty="0" err="1"/>
-              <a:t>domotic</a:t>
-            </a:r>
-            <a:r>
-              <a:rPr lang="fr-FR" dirty="0"/>
-              <a:t> solutions.</a:t>
-            </a:r>
+              <a:t>inadapted</a:t>
+            </a:r>
+            <a:endParaRPr lang="fr-FR" dirty="0"/>
+          </a:p>
+          <a:p>
+            <a:endParaRPr lang="fr-FR" dirty="0"/>
           </a:p>
         </p:txBody>
       </p:sp>
       <p:sp>
         <p:nvSpPr>
-          <p:cNvPr id="4" name="ZoneTexte 3"/>
+          <p:cNvPr id="5" name="Titre 1"/>
+          <p:cNvSpPr txBox="1">
+            <a:spLocks/>
+          </p:cNvSpPr>
+          <p:nvPr/>
+        </p:nvSpPr>
+        <p:spPr>
+          <a:xfrm>
+            <a:off x="633806" y="304800"/>
+            <a:ext cx="7876388" cy="946131"/>
+          </a:xfrm>
+          <a:prstGeom prst="rect">
+            <a:avLst/>
+          </a:prstGeom>
+        </p:spPr>
+        <p:txBody>
+          <a:bodyPr anchor="t">
+            <a:normAutofit/>
+          </a:bodyPr>
+          <a:lstStyle>
+            <a:lvl1pPr algn="l" defTabSz="457200" rtl="0" eaLnBrk="1" latinLnBrk="0" hangingPunct="1">
+              <a:lnSpc>
+                <a:spcPct val="90000"/>
+              </a:lnSpc>
+              <a:spcBef>
+                <a:spcPct val="0"/>
+              </a:spcBef>
+              <a:buNone/>
+              <a:defRPr sz="2700" b="1" i="0" kern="1200" cap="all" baseline="0">
+                <a:solidFill>
+                  <a:schemeClr val="bg2"/>
+                </a:solidFill>
+                <a:latin typeface="+mj-lt"/>
+                <a:ea typeface="+mj-ea"/>
+                <a:cs typeface="HelveticaNeueLT Com 57 Cn" panose="020B0506030502030204" pitchFamily="34" charset="0"/>
+              </a:defRPr>
+            </a:lvl1pPr>
+          </a:lstStyle>
+          <a:p>
+            <a:pPr algn="ctr"/>
+            <a:r>
+              <a:rPr lang="fr-FR" smtClean="0"/>
+              <a:t>I. Context</a:t>
+            </a:r>
+            <a:endParaRPr lang="fr-FR" dirty="0"/>
+          </a:p>
+        </p:txBody>
+      </p:sp>
+      <p:sp>
+        <p:nvSpPr>
+          <p:cNvPr id="6" name="ZoneTexte 5"/>
           <p:cNvSpPr txBox="1"/>
           <p:nvPr/>
         </p:nvSpPr>
@@ -10876,7 +9290,7 @@
           <a:p>
             <a:r>
               <a:rPr lang="fr-FR" dirty="0" smtClean="0"/>
-              <a:t>4</a:t>
+              <a:t>5</a:t>
             </a:r>
             <a:endParaRPr lang="fr-FR" dirty="0"/>
           </a:p>
@@ -10885,7 +9299,7 @@
     </p:spTree>
     <p:extLst>
       <p:ext uri="{BB962C8B-B14F-4D97-AF65-F5344CB8AC3E}">
-        <p14:creationId xmlns:p14="http://schemas.microsoft.com/office/powerpoint/2010/main" val="3696323016"/>
+        <p14:creationId xmlns:p14="http://schemas.microsoft.com/office/powerpoint/2010/main" val="2526572623"/>
       </p:ext>
     </p:extLst>
   </p:cSld>
@@ -10941,63 +9355,51 @@
             <p:ph type="body" sz="quarter" idx="10"/>
           </p:nvPr>
         </p:nvSpPr>
-        <p:spPr>
-          <a:xfrm>
-            <a:off x="633806" y="1430798"/>
-            <a:ext cx="7694854" cy="4695367"/>
-          </a:xfrm>
-        </p:spPr>
+        <p:spPr/>
         <p:txBody>
           <a:bodyPr/>
           <a:lstStyle/>
           <a:p>
             <a:r>
-              <a:rPr lang="fr-FR" dirty="0" err="1"/>
-              <a:t>Need</a:t>
-            </a:r>
-            <a:r>
-              <a:rPr lang="fr-FR" dirty="0"/>
-              <a:t> of a simple interface for </a:t>
-            </a:r>
-            <a:r>
-              <a:rPr lang="fr-FR" dirty="0" err="1"/>
-              <a:t>disabled</a:t>
-            </a:r>
-            <a:r>
-              <a:rPr lang="fr-FR" dirty="0"/>
-              <a:t> people</a:t>
-            </a:r>
-          </a:p>
-          <a:p>
-            <a:r>
-              <a:rPr lang="fr-FR" dirty="0" err="1"/>
-              <a:t>Existing</a:t>
-            </a:r>
-            <a:r>
-              <a:rPr lang="fr-FR" dirty="0"/>
-              <a:t> solutions but </a:t>
-            </a:r>
-            <a:r>
-              <a:rPr lang="fr-FR" dirty="0" err="1"/>
-              <a:t>too</a:t>
-            </a:r>
-            <a:r>
-              <a:rPr lang="fr-FR" dirty="0"/>
+              <a:rPr lang="fr-FR" dirty="0" err="1" smtClean="0"/>
+              <a:t>What</a:t>
+            </a:r>
+            <a:r>
+              <a:rPr lang="fr-FR" dirty="0" smtClean="0"/>
+              <a:t> has been </a:t>
+            </a:r>
+            <a:r>
+              <a:rPr lang="fr-FR" dirty="0" err="1" smtClean="0"/>
+              <a:t>done</a:t>
+            </a:r>
+            <a:r>
+              <a:rPr lang="fr-FR" dirty="0" smtClean="0"/>
+              <a:t> by the </a:t>
+            </a:r>
+            <a:r>
+              <a:rPr lang="fr-FR" dirty="0" err="1" smtClean="0"/>
+              <a:t>previous</a:t>
+            </a:r>
+            <a:r>
+              <a:rPr lang="fr-FR" dirty="0" smtClean="0"/>
               <a:t> </a:t>
             </a:r>
             <a:r>
-              <a:rPr lang="fr-FR" dirty="0" err="1"/>
-              <a:t>complex</a:t>
-            </a:r>
-            <a:r>
-              <a:rPr lang="fr-FR" dirty="0"/>
-              <a:t> and </a:t>
-            </a:r>
-            <a:r>
-              <a:rPr lang="fr-FR" dirty="0" err="1"/>
-              <a:t>inadapted</a:t>
-            </a:r>
-            <a:endParaRPr lang="fr-FR" dirty="0"/>
+              <a:rPr lang="fr-FR" dirty="0" smtClean="0"/>
+              <a:t>team ?</a:t>
+            </a:r>
+          </a:p>
+          <a:p>
+            <a:endParaRPr lang="en-US" dirty="0"/>
+          </a:p>
+          <a:p>
+            <a:pPr marL="0" indent="0">
+              <a:buNone/>
+            </a:pPr>
+            <a:endParaRPr lang="fr-FR" dirty="0" smtClean="0"/>
+          </a:p>
+          <a:p>
+            <a:endParaRPr lang="en-US" dirty="0"/>
           </a:p>
           <a:p>
             <a:endParaRPr lang="fr-FR" dirty="0"/>
@@ -11006,7 +9408,7 @@
       </p:sp>
       <p:sp>
         <p:nvSpPr>
-          <p:cNvPr id="5" name="Titre 1"/>
+          <p:cNvPr id="4" name="Titre 1"/>
           <p:cNvSpPr txBox="1">
             <a:spLocks/>
           </p:cNvSpPr>
@@ -11078,7 +9480,7 @@
           <a:p>
             <a:r>
               <a:rPr lang="fr-FR" dirty="0" smtClean="0"/>
-              <a:t>5</a:t>
+              <a:t>6</a:t>
             </a:r>
             <a:endParaRPr lang="fr-FR" dirty="0"/>
           </a:p>
@@ -11087,7 +9489,7 @@
     </p:spTree>
     <p:extLst>
       <p:ext uri="{BB962C8B-B14F-4D97-AF65-F5344CB8AC3E}">
-        <p14:creationId xmlns:p14="http://schemas.microsoft.com/office/powerpoint/2010/main" val="2526572623"/>
+        <p14:creationId xmlns:p14="http://schemas.microsoft.com/office/powerpoint/2010/main" val="434014414"/>
       </p:ext>
     </p:extLst>
   </p:cSld>
@@ -11135,42 +9537,32 @@
       </p:grpSpPr>
       <p:sp>
         <p:nvSpPr>
-          <p:cNvPr id="3" name="Espace réservé du texte 2"/>
+          <p:cNvPr id="4" name="Titre 3"/>
           <p:cNvSpPr>
             <a:spLocks noGrp="1"/>
           </p:cNvSpPr>
           <p:nvPr>
-            <p:ph type="body" sz="quarter" idx="10"/>
+            <p:ph type="title"/>
           </p:nvPr>
         </p:nvSpPr>
-        <p:spPr/>
+        <p:spPr>
+          <a:xfrm>
+            <a:off x="633806" y="203200"/>
+            <a:ext cx="7876388" cy="1047731"/>
+          </a:xfrm>
+        </p:spPr>
         <p:txBody>
           <a:bodyPr/>
           <a:lstStyle/>
           <a:p>
+            <a:pPr algn="ctr"/>
+            <a:r>
+              <a:rPr lang="fr-FR" dirty="0" smtClean="0"/>
+              <a:t>II. </a:t>
+            </a:r>
             <a:r>
               <a:rPr lang="fr-FR" dirty="0" err="1" smtClean="0"/>
-              <a:t>What</a:t>
-            </a:r>
-            <a:r>
-              <a:rPr lang="fr-FR" dirty="0" smtClean="0"/>
-              <a:t> has been </a:t>
-            </a:r>
-            <a:r>
-              <a:rPr lang="fr-FR" dirty="0" err="1" smtClean="0"/>
-              <a:t>done</a:t>
-            </a:r>
-            <a:r>
-              <a:rPr lang="fr-FR" dirty="0" smtClean="0"/>
-              <a:t> by the </a:t>
-            </a:r>
-            <a:r>
-              <a:rPr lang="fr-FR" dirty="0" err="1" smtClean="0"/>
-              <a:t>previous</a:t>
-            </a:r>
-            <a:r>
-              <a:rPr lang="fr-FR" dirty="0" smtClean="0"/>
-              <a:t> team</a:t>
+              <a:t>Specifications</a:t>
             </a:r>
             <a:endParaRPr lang="fr-FR" dirty="0"/>
           </a:p>
@@ -11178,57 +9570,7 @@
       </p:sp>
       <p:sp>
         <p:nvSpPr>
-          <p:cNvPr id="4" name="Titre 1"/>
-          <p:cNvSpPr txBox="1">
-            <a:spLocks/>
-          </p:cNvSpPr>
-          <p:nvPr/>
-        </p:nvSpPr>
-        <p:spPr>
-          <a:xfrm>
-            <a:off x="633806" y="304800"/>
-            <a:ext cx="7876388" cy="946131"/>
-          </a:xfrm>
-          <a:prstGeom prst="rect">
-            <a:avLst/>
-          </a:prstGeom>
-        </p:spPr>
-        <p:txBody>
-          <a:bodyPr anchor="t">
-            <a:normAutofit/>
-          </a:bodyPr>
-          <a:lstStyle>
-            <a:lvl1pPr algn="l" defTabSz="457200" rtl="0" eaLnBrk="1" latinLnBrk="0" hangingPunct="1">
-              <a:lnSpc>
-                <a:spcPct val="90000"/>
-              </a:lnSpc>
-              <a:spcBef>
-                <a:spcPct val="0"/>
-              </a:spcBef>
-              <a:buNone/>
-              <a:defRPr sz="2700" b="1" i="0" kern="1200" cap="all" baseline="0">
-                <a:solidFill>
-                  <a:schemeClr val="bg2"/>
-                </a:solidFill>
-                <a:latin typeface="+mj-lt"/>
-                <a:ea typeface="+mj-ea"/>
-                <a:cs typeface="HelveticaNeueLT Com 57 Cn" panose="020B0506030502030204" pitchFamily="34" charset="0"/>
-              </a:defRPr>
-            </a:lvl1pPr>
-          </a:lstStyle>
-          <a:p>
-            <a:pPr algn="ctr"/>
-            <a:r>
-              <a:rPr lang="fr-FR" smtClean="0"/>
-              <a:t>I. Context</a:t>
-            </a:r>
-            <a:endParaRPr lang="fr-FR" dirty="0"/>
-          </a:p>
-        </p:txBody>
-      </p:sp>
-      <p:sp>
-        <p:nvSpPr>
-          <p:cNvPr id="6" name="ZoneTexte 5"/>
+          <p:cNvPr id="5" name="ZoneTexte 4"/>
           <p:cNvSpPr txBox="1"/>
           <p:nvPr/>
         </p:nvSpPr>
@@ -11250,7 +9592,7 @@
           <a:p>
             <a:r>
               <a:rPr lang="fr-FR" dirty="0" smtClean="0"/>
-              <a:t>6</a:t>
+              <a:t>8</a:t>
             </a:r>
             <a:endParaRPr lang="fr-FR" dirty="0"/>
           </a:p>
@@ -11259,7 +9601,7 @@
     </p:spTree>
     <p:extLst>
       <p:ext uri="{BB962C8B-B14F-4D97-AF65-F5344CB8AC3E}">
-        <p14:creationId xmlns:p14="http://schemas.microsoft.com/office/powerpoint/2010/main" val="434014414"/>
+        <p14:creationId xmlns:p14="http://schemas.microsoft.com/office/powerpoint/2010/main" val="3387256829"/>
       </p:ext>
     </p:extLst>
   </p:cSld>
@@ -11307,26 +9649,134 @@
       </p:grpSpPr>
       <p:sp>
         <p:nvSpPr>
-          <p:cNvPr id="4" name="Titre 3"/>
-          <p:cNvSpPr>
-            <a:spLocks noGrp="1"/>
+          <p:cNvPr id="5" name="Titre 1"/>
+          <p:cNvSpPr txBox="1">
+            <a:spLocks/>
           </p:cNvSpPr>
-          <p:nvPr>
-            <p:ph type="ctrTitle"/>
-          </p:nvPr>
+          <p:nvPr/>
         </p:nvSpPr>
-        <p:spPr/>
+        <p:spPr>
+          <a:xfrm>
+            <a:off x="628650" y="240792"/>
+            <a:ext cx="7876388" cy="1143000"/>
+          </a:xfrm>
+          <a:prstGeom prst="rect">
+            <a:avLst/>
+          </a:prstGeom>
+        </p:spPr>
         <p:txBody>
-          <a:bodyPr/>
+          <a:bodyPr anchor="t">
+            <a:normAutofit/>
+          </a:bodyPr>
+          <a:lstStyle>
+            <a:lvl1pPr algn="l" defTabSz="457200" rtl="0" eaLnBrk="1" latinLnBrk="0" hangingPunct="1">
+              <a:lnSpc>
+                <a:spcPct val="90000"/>
+              </a:lnSpc>
+              <a:spcBef>
+                <a:spcPct val="0"/>
+              </a:spcBef>
+              <a:buNone/>
+              <a:defRPr sz="2700" b="1" i="0" kern="1200" cap="all" baseline="0">
+                <a:solidFill>
+                  <a:schemeClr val="bg2"/>
+                </a:solidFill>
+                <a:latin typeface="+mj-lt"/>
+                <a:ea typeface="+mj-ea"/>
+                <a:cs typeface="HelveticaNeueLT Com 57 Cn" panose="020B0506030502030204" pitchFamily="34" charset="0"/>
+              </a:defRPr>
+            </a:lvl1pPr>
+          </a:lstStyle>
+          <a:p>
+            <a:pPr algn="ctr"/>
+            <a:r>
+              <a:rPr lang="fr-FR" dirty="0" smtClean="0"/>
+              <a:t>III. </a:t>
+            </a:r>
+            <a:r>
+              <a:rPr lang="fr-FR" dirty="0" err="1" smtClean="0"/>
+              <a:t>Pre-study</a:t>
+            </a:r>
+            <a:endParaRPr lang="fr-FR" dirty="0"/>
+          </a:p>
+        </p:txBody>
+      </p:sp>
+      <p:sp>
+        <p:nvSpPr>
+          <p:cNvPr id="6" name="ZoneTexte 5"/>
+          <p:cNvSpPr txBox="1"/>
+          <p:nvPr/>
+        </p:nvSpPr>
+        <p:spPr>
+          <a:xfrm rot="18758071">
+            <a:off x="1548130" y="2283053"/>
+            <a:ext cx="6146800" cy="1323439"/>
+          </a:xfrm>
+          <a:prstGeom prst="rect">
+            <a:avLst/>
+          </a:prstGeom>
+          <a:noFill/>
+        </p:spPr>
+        <p:txBody>
+          <a:bodyPr wrap="square" rtlCol="0">
+            <a:spAutoFit/>
+          </a:bodyPr>
           <a:lstStyle/>
           <a:p>
             <a:r>
+              <a:rPr lang="fr-FR" sz="8000" b="1" dirty="0" smtClean="0">
+                <a:ln w="12700">
+                  <a:solidFill>
+                    <a:schemeClr val="tx2">
+                      <a:satMod val="155000"/>
+                    </a:schemeClr>
+                  </a:solidFill>
+                  <a:prstDash val="solid"/>
+                </a:ln>
+                <a:solidFill>
+                  <a:schemeClr val="bg2">
+                    <a:tint val="85000"/>
+                    <a:satMod val="155000"/>
+                  </a:schemeClr>
+                </a:solidFill>
+                <a:effectLst>
+                  <a:outerShdw blurRad="41275" dist="20320" dir="1800000" algn="tl" rotWithShape="0">
+                    <a:srgbClr val="000000">
+                      <a:alpha val="40000"/>
+                    </a:srgbClr>
+                  </a:outerShdw>
+                </a:effectLst>
+              </a:rPr>
+              <a:t>BLOCS</a:t>
+            </a:r>
+          </a:p>
+        </p:txBody>
+      </p:sp>
+      <p:sp>
+        <p:nvSpPr>
+          <p:cNvPr id="7" name="ZoneTexte 6"/>
+          <p:cNvSpPr txBox="1"/>
+          <p:nvPr/>
+        </p:nvSpPr>
+        <p:spPr>
+          <a:xfrm>
+            <a:off x="8496300" y="6296025"/>
+            <a:ext cx="495300" cy="369332"/>
+          </a:xfrm>
+          <a:prstGeom prst="rect">
+            <a:avLst/>
+          </a:prstGeom>
+          <a:noFill/>
+        </p:spPr>
+        <p:txBody>
+          <a:bodyPr wrap="square" rtlCol="0">
+            <a:spAutoFit/>
+          </a:bodyPr>
+          <a:lstStyle/>
+          <a:p>
+            <a:r>
               <a:rPr lang="fr-FR" dirty="0" smtClean="0"/>
-              <a:t>II. </a:t>
-            </a:r>
-            <a:r>
-              <a:rPr lang="fr-FR" dirty="0" err="1" smtClean="0"/>
-              <a:t>specifications</a:t>
+              <a:t>10</a:t>
             </a:r>
             <a:endParaRPr lang="fr-FR" dirty="0"/>
           </a:p>
@@ -11335,7 +9785,7 @@
     </p:spTree>
     <p:extLst>
       <p:ext uri="{BB962C8B-B14F-4D97-AF65-F5344CB8AC3E}">
-        <p14:creationId xmlns:p14="http://schemas.microsoft.com/office/powerpoint/2010/main" val="624776729"/>
+        <p14:creationId xmlns:p14="http://schemas.microsoft.com/office/powerpoint/2010/main" val="1017531347"/>
       </p:ext>
     </p:extLst>
   </p:cSld>
@@ -11383,399 +9833,85 @@
       </p:grpSpPr>
       <p:sp>
         <p:nvSpPr>
-          <p:cNvPr id="4" name="Titre 3"/>
+          <p:cNvPr id="3" name="Espace réservé du texte 2"/>
           <p:cNvSpPr>
             <a:spLocks noGrp="1"/>
           </p:cNvSpPr>
           <p:nvPr>
-            <p:ph type="title"/>
+            <p:ph type="body" sz="quarter" idx="10"/>
           </p:nvPr>
         </p:nvSpPr>
-        <p:spPr>
-          <a:xfrm>
-            <a:off x="633806" y="203200"/>
-            <a:ext cx="7876388" cy="1047731"/>
-          </a:xfrm>
-        </p:spPr>
+        <p:spPr/>
         <p:txBody>
           <a:bodyPr/>
           <a:lstStyle/>
           <a:p>
-            <a:pPr algn="ctr"/>
             <a:r>
               <a:rPr lang="fr-FR" dirty="0" smtClean="0"/>
-              <a:t>II. </a:t>
+              <a:t>Language </a:t>
             </a:r>
             <a:r>
               <a:rPr lang="fr-FR" dirty="0" err="1" smtClean="0"/>
-              <a:t>Specifications</a:t>
+              <a:t>choices</a:t>
             </a:r>
             <a:endParaRPr lang="fr-FR" dirty="0"/>
           </a:p>
         </p:txBody>
       </p:sp>
-      <p:graphicFrame>
-        <p:nvGraphicFramePr>
-          <p:cNvPr id="2" name="Tableau 1"/>
-          <p:cNvGraphicFramePr>
-            <a:graphicFrameLocks noGrp="1"/>
-          </p:cNvGraphicFramePr>
-          <p:nvPr>
-            <p:extLst>
-              <p:ext uri="{D42A27DB-BD31-4B8C-83A1-F6EECF244321}">
-                <p14:modId xmlns:p14="http://schemas.microsoft.com/office/powerpoint/2010/main" val="4087735776"/>
-              </p:ext>
-            </p:extLst>
-          </p:nvPr>
-        </p:nvGraphicFramePr>
-        <p:xfrm>
-          <a:off x="631983" y="1250931"/>
-          <a:ext cx="7337898" cy="4326115"/>
-        </p:xfrm>
-        <a:graphic>
-          <a:graphicData uri="http://schemas.openxmlformats.org/drawingml/2006/table">
-            <a:tbl>
-              <a:tblPr firstRow="1" bandRow="1">
-                <a:tableStyleId>{5C22544A-7EE6-4342-B048-85BDC9FD1C3A}</a:tableStyleId>
-              </a:tblPr>
-              <a:tblGrid>
-                <a:gridCol w="3668949"/>
-                <a:gridCol w="3668949"/>
-              </a:tblGrid>
-              <a:tr h="487680">
-                <a:tc>
-                  <a:txBody>
-                    <a:bodyPr/>
-                    <a:lstStyle/>
-                    <a:p>
-                      <a:pPr algn="ctr"/>
-                      <a:endParaRPr lang="fr-FR" sz="2400" dirty="0"/>
-                    </a:p>
-                  </a:txBody>
-                  <a:tcPr marT="60960" marB="60960"/>
-                </a:tc>
-                <a:tc>
-                  <a:txBody>
-                    <a:bodyPr/>
-                    <a:lstStyle/>
-                    <a:p>
-                      <a:pPr algn="ctr"/>
-                      <a:endParaRPr lang="fr-FR" sz="2400"/>
-                    </a:p>
-                  </a:txBody>
-                  <a:tcPr marT="60960" marB="60960"/>
-                </a:tc>
-              </a:tr>
-              <a:tr h="609600">
-                <a:tc>
-                  <a:txBody>
-                    <a:bodyPr/>
-                    <a:lstStyle/>
-                    <a:p>
-                      <a:pPr marL="0" marR="0" indent="0" algn="ctr" defTabSz="457200" rtl="0" eaLnBrk="1" fontAlgn="auto" latinLnBrk="0" hangingPunct="1">
-                        <a:lnSpc>
-                          <a:spcPct val="100000"/>
-                        </a:lnSpc>
-                        <a:spcBef>
-                          <a:spcPts val="0"/>
-                        </a:spcBef>
-                        <a:spcAft>
-                          <a:spcPts val="0"/>
-                        </a:spcAft>
-                        <a:buClrTx/>
-                        <a:buSzTx/>
-                        <a:buFontTx/>
-                        <a:buNone/>
-                        <a:tabLst/>
-                        <a:defRPr/>
-                      </a:pPr>
-                      <a:r>
-                        <a:rPr lang="fr-FR" sz="1600" dirty="0" err="1" smtClean="0"/>
-                        <a:t>Enabling</a:t>
-                      </a:r>
-                      <a:r>
-                        <a:rPr lang="fr-FR" sz="1600" dirty="0" smtClean="0"/>
-                        <a:t> people to switch on/off machines</a:t>
-                      </a:r>
-                    </a:p>
-                    <a:p>
-                      <a:pPr algn="ctr"/>
-                      <a:endParaRPr lang="fr-FR" sz="1600" dirty="0"/>
-                    </a:p>
-                  </a:txBody>
-                  <a:tcPr marT="60960" marB="60960"/>
-                </a:tc>
-                <a:tc>
-                  <a:txBody>
-                    <a:bodyPr/>
-                    <a:lstStyle/>
-                    <a:p>
-                      <a:pPr algn="ctr"/>
-                      <a:endParaRPr lang="fr-FR" sz="2400" dirty="0"/>
-                    </a:p>
-                  </a:txBody>
-                  <a:tcPr marT="60960" marB="60960"/>
-                </a:tc>
-              </a:tr>
-              <a:tr h="609600">
-                <a:tc>
-                  <a:txBody>
-                    <a:bodyPr/>
-                    <a:lstStyle/>
-                    <a:p>
-                      <a:pPr marL="0" marR="0" indent="0" algn="ctr" defTabSz="457200" rtl="0" eaLnBrk="1" fontAlgn="auto" latinLnBrk="0" hangingPunct="1">
-                        <a:lnSpc>
-                          <a:spcPct val="100000"/>
-                        </a:lnSpc>
-                        <a:spcBef>
-                          <a:spcPts val="0"/>
-                        </a:spcBef>
-                        <a:spcAft>
-                          <a:spcPts val="0"/>
-                        </a:spcAft>
-                        <a:buClrTx/>
-                        <a:buSzTx/>
-                        <a:buFontTx/>
-                        <a:buNone/>
-                        <a:tabLst/>
-                        <a:defRPr/>
-                      </a:pPr>
-                      <a:r>
-                        <a:rPr lang="fr-FR" sz="1600" dirty="0" err="1" smtClean="0"/>
-                        <a:t>Adapted</a:t>
-                      </a:r>
-                      <a:r>
-                        <a:rPr lang="fr-FR" sz="1600" dirty="0" smtClean="0"/>
-                        <a:t> to </a:t>
-                      </a:r>
-                      <a:r>
-                        <a:rPr lang="fr-FR" sz="1600" dirty="0" err="1" smtClean="0"/>
-                        <a:t>every</a:t>
-                      </a:r>
-                      <a:r>
-                        <a:rPr lang="fr-FR" sz="1600" dirty="0" smtClean="0"/>
-                        <a:t> </a:t>
-                      </a:r>
-                      <a:r>
-                        <a:rPr lang="fr-FR" sz="1600" dirty="0" err="1" smtClean="0"/>
-                        <a:t>disabled</a:t>
-                      </a:r>
-                      <a:r>
-                        <a:rPr lang="fr-FR" sz="1600" baseline="0" dirty="0" smtClean="0"/>
-                        <a:t> </a:t>
-                      </a:r>
-                      <a:r>
-                        <a:rPr lang="fr-FR" sz="1600" dirty="0" err="1" smtClean="0"/>
-                        <a:t>users</a:t>
-                      </a:r>
-                      <a:endParaRPr lang="fr-FR" sz="1600" dirty="0" smtClean="0"/>
-                    </a:p>
-                    <a:p>
-                      <a:pPr algn="ctr"/>
-                      <a:endParaRPr lang="fr-FR" sz="1600" dirty="0"/>
-                    </a:p>
-                  </a:txBody>
-                  <a:tcPr marT="60960" marB="60960"/>
-                </a:tc>
-                <a:tc>
-                  <a:txBody>
-                    <a:bodyPr/>
-                    <a:lstStyle/>
-                    <a:p>
-                      <a:pPr algn="ctr"/>
-                      <a:endParaRPr lang="fr-FR" sz="2400"/>
-                    </a:p>
-                  </a:txBody>
-                  <a:tcPr marT="60960" marB="60960"/>
-                </a:tc>
-              </a:tr>
-              <a:tr h="609600">
-                <a:tc>
-                  <a:txBody>
-                    <a:bodyPr/>
-                    <a:lstStyle/>
-                    <a:p>
-                      <a:pPr marL="0" marR="0" indent="0" algn="ctr" defTabSz="457200" rtl="0" eaLnBrk="1" fontAlgn="auto" latinLnBrk="0" hangingPunct="1">
-                        <a:lnSpc>
-                          <a:spcPct val="100000"/>
-                        </a:lnSpc>
-                        <a:spcBef>
-                          <a:spcPts val="0"/>
-                        </a:spcBef>
-                        <a:spcAft>
-                          <a:spcPts val="0"/>
-                        </a:spcAft>
-                        <a:buClrTx/>
-                        <a:buSzTx/>
-                        <a:buFontTx/>
-                        <a:buNone/>
-                        <a:tabLst/>
-                        <a:defRPr/>
-                      </a:pPr>
-                      <a:r>
-                        <a:rPr lang="fr-FR" sz="1600" dirty="0" smtClean="0"/>
-                        <a:t>A « scrolling » mode (traduction à revoir)</a:t>
-                      </a:r>
-                    </a:p>
-                    <a:p>
-                      <a:pPr algn="ctr"/>
-                      <a:endParaRPr lang="fr-FR" sz="1600" dirty="0"/>
-                    </a:p>
-                  </a:txBody>
-                  <a:tcPr marT="60960" marB="60960"/>
-                </a:tc>
-                <a:tc>
-                  <a:txBody>
-                    <a:bodyPr/>
-                    <a:lstStyle/>
-                    <a:p>
-                      <a:pPr algn="ctr"/>
-                      <a:endParaRPr lang="fr-FR" sz="2400"/>
-                    </a:p>
-                  </a:txBody>
-                  <a:tcPr marT="60960" marB="60960"/>
-                </a:tc>
-              </a:tr>
-              <a:tr h="609600">
-                <a:tc>
-                  <a:txBody>
-                    <a:bodyPr/>
-                    <a:lstStyle/>
-                    <a:p>
-                      <a:pPr marL="0" marR="0" indent="0" algn="ctr" defTabSz="457200" rtl="0" eaLnBrk="1" fontAlgn="auto" latinLnBrk="0" hangingPunct="1">
-                        <a:lnSpc>
-                          <a:spcPct val="100000"/>
-                        </a:lnSpc>
-                        <a:spcBef>
-                          <a:spcPts val="0"/>
-                        </a:spcBef>
-                        <a:spcAft>
-                          <a:spcPts val="0"/>
-                        </a:spcAft>
-                        <a:buClrTx/>
-                        <a:buSzTx/>
-                        <a:buFontTx/>
-                        <a:buNone/>
-                        <a:tabLst/>
-                        <a:defRPr/>
-                      </a:pPr>
-                      <a:r>
-                        <a:rPr lang="fr-FR" sz="1600" dirty="0" smtClean="0"/>
-                        <a:t>Configuration </a:t>
-                      </a:r>
-                      <a:r>
-                        <a:rPr lang="fr-FR" sz="1600" dirty="0" err="1" smtClean="0"/>
-                        <a:t>available</a:t>
-                      </a:r>
-                      <a:r>
-                        <a:rPr lang="fr-FR" sz="1600" dirty="0" smtClean="0"/>
-                        <a:t> </a:t>
-                      </a:r>
-                      <a:r>
-                        <a:rPr lang="fr-FR" sz="1600" dirty="0" err="1" smtClean="0"/>
-                        <a:t>only</a:t>
-                      </a:r>
-                      <a:r>
-                        <a:rPr lang="fr-FR" sz="1600" dirty="0" smtClean="0"/>
-                        <a:t> for</a:t>
-                      </a:r>
-                      <a:r>
-                        <a:rPr lang="fr-FR" sz="1600" baseline="0" dirty="0" smtClean="0"/>
-                        <a:t> the</a:t>
-                      </a:r>
-                      <a:r>
-                        <a:rPr lang="fr-FR" sz="1600" dirty="0" smtClean="0"/>
-                        <a:t> </a:t>
-                      </a:r>
-                      <a:r>
-                        <a:rPr lang="fr-FR" sz="1600" dirty="0" err="1" smtClean="0"/>
-                        <a:t>technician</a:t>
-                      </a:r>
-                      <a:endParaRPr lang="fr-FR" sz="1600" dirty="0" smtClean="0"/>
-                    </a:p>
-                    <a:p>
-                      <a:pPr algn="ctr"/>
-                      <a:endParaRPr lang="fr-FR" sz="1600" dirty="0"/>
-                    </a:p>
-                  </a:txBody>
-                  <a:tcPr marT="60960" marB="60960"/>
-                </a:tc>
-                <a:tc>
-                  <a:txBody>
-                    <a:bodyPr/>
-                    <a:lstStyle/>
-                    <a:p>
-                      <a:pPr algn="ctr"/>
-                      <a:endParaRPr lang="fr-FR" sz="2400"/>
-                    </a:p>
-                  </a:txBody>
-                  <a:tcPr marT="60960" marB="60960"/>
-                </a:tc>
-              </a:tr>
-              <a:tr h="668515">
-                <a:tc>
-                  <a:txBody>
-                    <a:bodyPr/>
-                    <a:lstStyle/>
-                    <a:p>
-                      <a:pPr marL="0" marR="0" indent="0" algn="ctr" defTabSz="457200" rtl="0" eaLnBrk="1" fontAlgn="auto" latinLnBrk="0" hangingPunct="1">
-                        <a:lnSpc>
-                          <a:spcPct val="100000"/>
-                        </a:lnSpc>
-                        <a:spcBef>
-                          <a:spcPts val="0"/>
-                        </a:spcBef>
-                        <a:spcAft>
-                          <a:spcPts val="0"/>
-                        </a:spcAft>
-                        <a:buClrTx/>
-                        <a:buSzTx/>
-                        <a:buFontTx/>
-                        <a:buNone/>
-                        <a:tabLst/>
-                        <a:defRPr/>
-                      </a:pPr>
-                      <a:r>
-                        <a:rPr lang="fr-FR" sz="1600" dirty="0" smtClean="0"/>
-                        <a:t>Feedback </a:t>
-                      </a:r>
-                      <a:r>
-                        <a:rPr lang="fr-FR" sz="1600" dirty="0" err="1" smtClean="0"/>
-                        <a:t>from</a:t>
-                      </a:r>
-                      <a:r>
-                        <a:rPr lang="fr-FR" sz="1600" dirty="0" smtClean="0"/>
-                        <a:t> the </a:t>
-                      </a:r>
-                      <a:r>
-                        <a:rPr lang="fr-FR" sz="1600" dirty="0" err="1" smtClean="0"/>
-                        <a:t>wheelchair</a:t>
-                      </a:r>
-                      <a:endParaRPr lang="fr-FR" sz="1600" dirty="0" smtClean="0"/>
-                    </a:p>
-                    <a:p>
-                      <a:pPr algn="ctr"/>
-                      <a:endParaRPr lang="fr-FR" sz="1600" dirty="0"/>
-                    </a:p>
-                  </a:txBody>
-                  <a:tcPr marT="60960" marB="60960"/>
-                </a:tc>
-                <a:tc>
-                  <a:txBody>
-                    <a:bodyPr/>
-                    <a:lstStyle/>
-                    <a:p>
-                      <a:pPr algn="ctr"/>
-                      <a:endParaRPr lang="fr-FR" sz="2400" dirty="0"/>
-                    </a:p>
-                  </a:txBody>
-                  <a:tcPr marT="60960" marB="60960"/>
-                </a:tc>
-              </a:tr>
-            </a:tbl>
-          </a:graphicData>
-        </a:graphic>
-      </p:graphicFrame>
+      <p:sp>
+        <p:nvSpPr>
+          <p:cNvPr id="4" name="Titre 1"/>
+          <p:cNvSpPr txBox="1">
+            <a:spLocks/>
+          </p:cNvSpPr>
+          <p:nvPr/>
+        </p:nvSpPr>
+        <p:spPr>
+          <a:xfrm>
+            <a:off x="628650" y="240792"/>
+            <a:ext cx="7876388" cy="1143000"/>
+          </a:xfrm>
+          <a:prstGeom prst="rect">
+            <a:avLst/>
+          </a:prstGeom>
+        </p:spPr>
+        <p:txBody>
+          <a:bodyPr anchor="t">
+            <a:normAutofit/>
+          </a:bodyPr>
+          <a:lstStyle>
+            <a:lvl1pPr algn="l" defTabSz="457200" rtl="0" eaLnBrk="1" latinLnBrk="0" hangingPunct="1">
+              <a:lnSpc>
+                <a:spcPct val="90000"/>
+              </a:lnSpc>
+              <a:spcBef>
+                <a:spcPct val="0"/>
+              </a:spcBef>
+              <a:buNone/>
+              <a:defRPr sz="2700" b="1" i="0" kern="1200" cap="all" baseline="0">
+                <a:solidFill>
+                  <a:schemeClr val="bg2"/>
+                </a:solidFill>
+                <a:latin typeface="+mj-lt"/>
+                <a:ea typeface="+mj-ea"/>
+                <a:cs typeface="HelveticaNeueLT Com 57 Cn" panose="020B0506030502030204" pitchFamily="34" charset="0"/>
+              </a:defRPr>
+            </a:lvl1pPr>
+          </a:lstStyle>
+          <a:p>
+            <a:pPr algn="ctr"/>
+            <a:r>
+              <a:rPr lang="fr-FR" dirty="0" smtClean="0"/>
+              <a:t>III. </a:t>
+            </a:r>
+            <a:r>
+              <a:rPr lang="fr-FR" dirty="0" err="1" smtClean="0"/>
+              <a:t>Pre-study</a:t>
+            </a:r>
+            <a:endParaRPr lang="fr-FR" dirty="0"/>
+          </a:p>
+        </p:txBody>
+      </p:sp>
       <p:sp>
         <p:nvSpPr>
           <p:cNvPr id="5" name="ZoneTexte 4"/>
@@ -11800,7 +9936,7 @@
           <a:p>
             <a:r>
               <a:rPr lang="fr-FR" dirty="0" smtClean="0"/>
-              <a:t>8</a:t>
+              <a:t>11</a:t>
             </a:r>
             <a:endParaRPr lang="fr-FR" dirty="0"/>
           </a:p>
@@ -11809,7 +9945,7 @@
     </p:spTree>
     <p:extLst>
       <p:ext uri="{BB962C8B-B14F-4D97-AF65-F5344CB8AC3E}">
-        <p14:creationId xmlns:p14="http://schemas.microsoft.com/office/powerpoint/2010/main" val="3387256829"/>
+        <p14:creationId xmlns:p14="http://schemas.microsoft.com/office/powerpoint/2010/main" val="4288352340"/>
       </p:ext>
     </p:extLst>
   </p:cSld>
@@ -11857,62 +9993,486 @@
       </p:grpSpPr>
       <p:sp>
         <p:nvSpPr>
-          <p:cNvPr id="4" name="Titre 3"/>
+          <p:cNvPr id="2" name="Titre 1"/>
           <p:cNvSpPr>
             <a:spLocks noGrp="1"/>
           </p:cNvSpPr>
           <p:nvPr>
-            <p:ph type="ctrTitle"/>
+            <p:ph type="title"/>
           </p:nvPr>
         </p:nvSpPr>
         <p:spPr>
           <a:xfrm>
-            <a:off x="4186177" y="1985748"/>
-            <a:ext cx="4862820" cy="1470025"/>
+            <a:off x="1647753" y="201105"/>
+            <a:ext cx="7886700" cy="1325563"/>
           </a:xfrm>
         </p:spPr>
         <p:txBody>
-          <a:bodyPr/>
+          <a:bodyPr lIns="68580" tIns="34290" rIns="68580" bIns="34290"/>
           <a:lstStyle/>
           <a:p>
             <a:r>
               <a:rPr lang="fr-FR" dirty="0" smtClean="0"/>
-              <a:t>III. </a:t>
+              <a:t>HTTP </a:t>
             </a:r>
             <a:r>
               <a:rPr lang="fr-FR" dirty="0" err="1" smtClean="0"/>
-              <a:t>Pre</a:t>
+              <a:t>requests</a:t>
             </a:r>
             <a:r>
               <a:rPr lang="fr-FR" dirty="0" smtClean="0"/>
-              <a:t>-STUDY</a:t>
+              <a:t>, </a:t>
+            </a:r>
+            <a:r>
+              <a:rPr lang="fr-FR" dirty="0" err="1" smtClean="0"/>
+              <a:t>library</a:t>
+            </a:r>
+            <a:r>
+              <a:rPr lang="fr-FR" dirty="0" smtClean="0"/>
+              <a:t> </a:t>
+            </a:r>
+            <a:r>
+              <a:rPr lang="fr-FR" dirty="0" err="1" smtClean="0"/>
+              <a:t>choice</a:t>
             </a:r>
             <a:endParaRPr lang="fr-FR" dirty="0"/>
           </a:p>
         </p:txBody>
       </p:sp>
+      <p:sp>
+        <p:nvSpPr>
+          <p:cNvPr id="5" name="ZoneTexte 4"/>
+          <p:cNvSpPr txBox="1"/>
+          <p:nvPr/>
+        </p:nvSpPr>
+        <p:spPr>
+          <a:xfrm>
+            <a:off x="8496300" y="6296025"/>
+            <a:ext cx="495300" cy="369332"/>
+          </a:xfrm>
+          <a:prstGeom prst="rect">
+            <a:avLst/>
+          </a:prstGeom>
+          <a:noFill/>
+        </p:spPr>
+        <p:txBody>
+          <a:bodyPr wrap="square" rtlCol="0">
+            <a:spAutoFit/>
+          </a:bodyPr>
+          <a:lstStyle/>
+          <a:p>
+            <a:r>
+              <a:rPr lang="fr-FR" dirty="0" smtClean="0"/>
+              <a:t>12</a:t>
+            </a:r>
+            <a:endParaRPr lang="fr-FR" dirty="0"/>
+          </a:p>
+        </p:txBody>
+      </p:sp>
+      <p:graphicFrame>
+        <p:nvGraphicFramePr>
+          <p:cNvPr id="6" name="Tableau 5"/>
+          <p:cNvGraphicFramePr>
+            <a:graphicFrameLocks noGrp="1"/>
+          </p:cNvGraphicFramePr>
+          <p:nvPr>
+            <p:extLst>
+              <p:ext uri="{D42A27DB-BD31-4B8C-83A1-F6EECF244321}">
+                <p14:modId xmlns:p14="http://schemas.microsoft.com/office/powerpoint/2010/main" val="4124681093"/>
+              </p:ext>
+            </p:extLst>
+          </p:nvPr>
+        </p:nvGraphicFramePr>
+        <p:xfrm>
+          <a:off x="358239" y="1140028"/>
+          <a:ext cx="8585860" cy="4928262"/>
+        </p:xfrm>
+        <a:graphic>
+          <a:graphicData uri="http://schemas.openxmlformats.org/drawingml/2006/table">
+            <a:tbl>
+              <a:tblPr firstRow="1" bandRow="1">
+                <a:tableStyleId>{5C22544A-7EE6-4342-B048-85BDC9FD1C3A}</a:tableStyleId>
+              </a:tblPr>
+              <a:tblGrid>
+                <a:gridCol w="1525319"/>
+                <a:gridCol w="1714555"/>
+                <a:gridCol w="1806171"/>
+                <a:gridCol w="1766908"/>
+                <a:gridCol w="1772907"/>
+              </a:tblGrid>
+              <a:tr h="1185040">
+                <a:tc>
+                  <a:txBody>
+                    <a:bodyPr/>
+                    <a:lstStyle/>
+                    <a:p>
+                      <a:endParaRPr lang="fr-FR" dirty="0"/>
+                    </a:p>
+                  </a:txBody>
+                  <a:tcPr/>
+                </a:tc>
+                <a:tc>
+                  <a:txBody>
+                    <a:bodyPr/>
+                    <a:lstStyle/>
+                    <a:p>
+                      <a:r>
+                        <a:rPr lang="en-US" dirty="0" err="1" smtClean="0"/>
+                        <a:t>libcurl</a:t>
+                      </a:r>
+                      <a:endParaRPr lang="fr-FR" dirty="0"/>
+                    </a:p>
+                  </a:txBody>
+                  <a:tcPr/>
+                </a:tc>
+                <a:tc>
+                  <a:txBody>
+                    <a:bodyPr/>
+                    <a:lstStyle/>
+                    <a:p>
+                      <a:r>
+                        <a:rPr lang="en-US" dirty="0" smtClean="0"/>
+                        <a:t>http-tiny</a:t>
+                      </a:r>
+                      <a:endParaRPr lang="fr-FR" dirty="0"/>
+                    </a:p>
+                  </a:txBody>
+                  <a:tcPr/>
+                </a:tc>
+                <a:tc>
+                  <a:txBody>
+                    <a:bodyPr/>
+                    <a:lstStyle/>
+                    <a:p>
+                      <a:r>
+                        <a:rPr lang="en-US" dirty="0" err="1" smtClean="0"/>
+                        <a:t>Winhttp</a:t>
+                      </a:r>
+                      <a:endParaRPr lang="fr-FR" dirty="0"/>
+                    </a:p>
+                  </a:txBody>
+                  <a:tcPr/>
+                </a:tc>
+                <a:tc>
+                  <a:txBody>
+                    <a:bodyPr/>
+                    <a:lstStyle/>
+                    <a:p>
+                      <a:r>
+                        <a:rPr lang="en-US" dirty="0" err="1" smtClean="0"/>
+                        <a:t>HappyHttp</a:t>
+                      </a:r>
+                      <a:endParaRPr lang="fr-FR" dirty="0"/>
+                    </a:p>
+                  </a:txBody>
+                  <a:tcPr/>
+                </a:tc>
+              </a:tr>
+              <a:tr h="686571">
+                <a:tc>
+                  <a:txBody>
+                    <a:bodyPr/>
+                    <a:lstStyle/>
+                    <a:p>
+                      <a:r>
+                        <a:rPr lang="en-US" dirty="0" smtClean="0"/>
+                        <a:t>Language</a:t>
+                      </a:r>
+                      <a:endParaRPr lang="fr-FR" dirty="0"/>
+                    </a:p>
+                  </a:txBody>
+                  <a:tcPr/>
+                </a:tc>
+                <a:tc>
+                  <a:txBody>
+                    <a:bodyPr/>
+                    <a:lstStyle/>
+                    <a:p>
+                      <a:r>
+                        <a:rPr lang="en-US" dirty="0" smtClean="0"/>
+                        <a:t>C</a:t>
+                      </a:r>
+                      <a:endParaRPr lang="fr-FR" dirty="0"/>
+                    </a:p>
+                  </a:txBody>
+                  <a:tcPr/>
+                </a:tc>
+                <a:tc>
+                  <a:txBody>
+                    <a:bodyPr/>
+                    <a:lstStyle/>
+                    <a:p>
+                      <a:r>
+                        <a:rPr lang="en-US" dirty="0" smtClean="0"/>
+                        <a:t>C</a:t>
+                      </a:r>
+                      <a:endParaRPr lang="fr-FR" dirty="0"/>
+                    </a:p>
+                  </a:txBody>
+                  <a:tcPr/>
+                </a:tc>
+                <a:tc>
+                  <a:txBody>
+                    <a:bodyPr/>
+                    <a:lstStyle/>
+                    <a:p>
+                      <a:r>
+                        <a:rPr lang="en-US" dirty="0" smtClean="0"/>
+                        <a:t>C/C++</a:t>
+                      </a:r>
+                      <a:endParaRPr lang="fr-FR" dirty="0"/>
+                    </a:p>
+                  </a:txBody>
+                  <a:tcPr/>
+                </a:tc>
+                <a:tc>
+                  <a:txBody>
+                    <a:bodyPr/>
+                    <a:lstStyle/>
+                    <a:p>
+                      <a:r>
+                        <a:rPr lang="en-US" dirty="0" smtClean="0"/>
+                        <a:t>C++</a:t>
+                      </a:r>
+                      <a:endParaRPr lang="fr-FR" dirty="0"/>
+                    </a:p>
+                  </a:txBody>
+                  <a:tcPr/>
+                </a:tc>
+              </a:tr>
+              <a:tr h="686571">
+                <a:tc>
+                  <a:txBody>
+                    <a:bodyPr/>
+                    <a:lstStyle/>
+                    <a:p>
+                      <a:r>
+                        <a:rPr lang="en-US" dirty="0" smtClean="0"/>
+                        <a:t>Multi-OS</a:t>
+                      </a:r>
+                      <a:endParaRPr lang="fr-FR" dirty="0"/>
+                    </a:p>
+                  </a:txBody>
+                  <a:tcPr/>
+                </a:tc>
+                <a:tc>
+                  <a:txBody>
+                    <a:bodyPr/>
+                    <a:lstStyle/>
+                    <a:p>
+                      <a:r>
+                        <a:rPr lang="en-US" dirty="0" smtClean="0"/>
+                        <a:t>+</a:t>
+                      </a:r>
+                      <a:endParaRPr lang="fr-FR" dirty="0"/>
+                    </a:p>
+                  </a:txBody>
+                  <a:tcPr/>
+                </a:tc>
+                <a:tc>
+                  <a:txBody>
+                    <a:bodyPr/>
+                    <a:lstStyle/>
+                    <a:p>
+                      <a:r>
+                        <a:rPr lang="en-US" dirty="0" smtClean="0"/>
+                        <a:t>+</a:t>
+                      </a:r>
+                      <a:endParaRPr lang="fr-FR" dirty="0"/>
+                    </a:p>
+                  </a:txBody>
+                  <a:tcPr/>
+                </a:tc>
+                <a:tc>
+                  <a:txBody>
+                    <a:bodyPr/>
+                    <a:lstStyle/>
+                    <a:p>
+                      <a:r>
+                        <a:rPr lang="en-US" dirty="0" smtClean="0"/>
+                        <a:t>-</a:t>
+                      </a:r>
+                      <a:endParaRPr lang="fr-FR" dirty="0"/>
+                    </a:p>
+                  </a:txBody>
+                  <a:tcPr/>
+                </a:tc>
+                <a:tc>
+                  <a:txBody>
+                    <a:bodyPr/>
+                    <a:lstStyle/>
+                    <a:p>
+                      <a:r>
+                        <a:rPr lang="en-US" dirty="0" smtClean="0"/>
+                        <a:t>+</a:t>
+                      </a:r>
+                      <a:endParaRPr lang="fr-FR" dirty="0"/>
+                    </a:p>
+                  </a:txBody>
+                  <a:tcPr/>
+                </a:tc>
+              </a:tr>
+              <a:tr h="1185040">
+                <a:tc>
+                  <a:txBody>
+                    <a:bodyPr/>
+                    <a:lstStyle/>
+                    <a:p>
+                      <a:r>
+                        <a:rPr lang="en-US" dirty="0" smtClean="0"/>
+                        <a:t>Easy-to-use</a:t>
+                      </a:r>
+                      <a:endParaRPr lang="fr-FR" dirty="0"/>
+                    </a:p>
+                  </a:txBody>
+                  <a:tcPr/>
+                </a:tc>
+                <a:tc>
+                  <a:txBody>
+                    <a:bodyPr/>
+                    <a:lstStyle/>
+                    <a:p>
+                      <a:r>
+                        <a:rPr lang="en-US" dirty="0" smtClean="0"/>
+                        <a:t>-</a:t>
+                      </a:r>
+                      <a:endParaRPr lang="fr-FR" dirty="0"/>
+                    </a:p>
+                  </a:txBody>
+                  <a:tcPr/>
+                </a:tc>
+                <a:tc>
+                  <a:txBody>
+                    <a:bodyPr/>
+                    <a:lstStyle/>
+                    <a:p>
+                      <a:r>
+                        <a:rPr lang="en-US" dirty="0" smtClean="0"/>
+                        <a:t>+</a:t>
+                      </a:r>
+                      <a:endParaRPr lang="fr-FR" dirty="0"/>
+                    </a:p>
+                  </a:txBody>
+                  <a:tcPr/>
+                </a:tc>
+                <a:tc>
+                  <a:txBody>
+                    <a:bodyPr/>
+                    <a:lstStyle/>
+                    <a:p>
+                      <a:r>
+                        <a:rPr lang="en-US" dirty="0" smtClean="0"/>
+                        <a:t>-</a:t>
+                      </a:r>
+                      <a:endParaRPr lang="fr-FR" dirty="0"/>
+                    </a:p>
+                  </a:txBody>
+                  <a:tcPr/>
+                </a:tc>
+                <a:tc>
+                  <a:txBody>
+                    <a:bodyPr/>
+                    <a:lstStyle/>
+                    <a:p>
+                      <a:r>
+                        <a:rPr lang="en-US" dirty="0" smtClean="0"/>
+                        <a:t>+</a:t>
+                      </a:r>
+                      <a:endParaRPr lang="fr-FR" dirty="0"/>
+                    </a:p>
+                  </a:txBody>
+                  <a:tcPr/>
+                </a:tc>
+              </a:tr>
+              <a:tr h="1185040">
+                <a:tc>
+                  <a:txBody>
+                    <a:bodyPr/>
+                    <a:lstStyle/>
+                    <a:p>
+                      <a:r>
+                        <a:rPr lang="en-US" dirty="0" smtClean="0"/>
+                        <a:t>Documentation</a:t>
+                      </a:r>
+                      <a:endParaRPr lang="fr-FR" dirty="0"/>
+                    </a:p>
+                  </a:txBody>
+                  <a:tcPr/>
+                </a:tc>
+                <a:tc>
+                  <a:txBody>
+                    <a:bodyPr/>
+                    <a:lstStyle/>
+                    <a:p>
+                      <a:r>
+                        <a:rPr lang="en-US" dirty="0" smtClean="0"/>
+                        <a:t>+</a:t>
+                      </a:r>
+                      <a:endParaRPr lang="fr-FR" dirty="0"/>
+                    </a:p>
+                  </a:txBody>
+                  <a:tcPr/>
+                </a:tc>
+                <a:tc>
+                  <a:txBody>
+                    <a:bodyPr/>
+                    <a:lstStyle/>
+                    <a:p>
+                      <a:r>
+                        <a:rPr lang="en-US" dirty="0" smtClean="0"/>
+                        <a:t>-</a:t>
+                      </a:r>
+                      <a:endParaRPr lang="fr-FR" dirty="0"/>
+                    </a:p>
+                  </a:txBody>
+                  <a:tcPr/>
+                </a:tc>
+                <a:tc>
+                  <a:txBody>
+                    <a:bodyPr/>
+                    <a:lstStyle/>
+                    <a:p>
+                      <a:r>
+                        <a:rPr lang="en-US" dirty="0" smtClean="0"/>
+                        <a:t>+</a:t>
+                      </a:r>
+                      <a:endParaRPr lang="fr-FR" dirty="0"/>
+                    </a:p>
+                  </a:txBody>
+                  <a:tcPr/>
+                </a:tc>
+                <a:tc>
+                  <a:txBody>
+                    <a:bodyPr/>
+                    <a:lstStyle/>
+                    <a:p>
+                      <a:r>
+                        <a:rPr lang="en-US" dirty="0" smtClean="0"/>
+                        <a:t>+</a:t>
+                      </a:r>
+                      <a:endParaRPr lang="fr-FR" dirty="0"/>
+                    </a:p>
+                  </a:txBody>
+                  <a:tcPr/>
+                </a:tc>
+              </a:tr>
+            </a:tbl>
+          </a:graphicData>
+        </a:graphic>
+      </p:graphicFrame>
     </p:spTree>
     <p:extLst>
       <p:ext uri="{BB962C8B-B14F-4D97-AF65-F5344CB8AC3E}">
-        <p14:creationId xmlns:p14="http://schemas.microsoft.com/office/powerpoint/2010/main" val="1383375859"/>
+        <p14:creationId xmlns:p14="http://schemas.microsoft.com/office/powerpoint/2010/main" val="1423668841"/>
       </p:ext>
     </p:extLst>
   </p:cSld>
   <p:clrMapOvr>
     <a:masterClrMapping/>
   </p:clrMapOvr>
-  <mc:AlternateContent xmlns:mc="http://schemas.openxmlformats.org/markup-compatibility/2006" xmlns:p14="http://schemas.microsoft.com/office/powerpoint/2010/main">
-    <mc:Choice Requires="p14">
-      <p:transition spd="med" p14:dur="700">
-        <p:fade/>
-      </p:transition>
-    </mc:Choice>
-    <mc:Fallback xmlns="">
-      <p:transition spd="med">
-        <p:fade/>
-      </p:transition>
-    </mc:Fallback>
-  </mc:AlternateContent>
+  <p:transition spd="med">
+    <p:fade/>
+  </p:transition>
   <p:timing>
     <p:tnLst>
       <p:par>

--- a/Rendu/Diapo_prototype_janvier.pptx
+++ b/Rendu/Diapo_prototype_janvier.pptx
@@ -126,7 +126,7 @@
   </p:defaultTextStyle>
   <p:extLst>
     <p:ext uri="{EFAFB233-063F-42B5-8137-9DF3F51BA10A}">
-      <p15:sldGuideLst xmlns="" xmlns:p15="http://schemas.microsoft.com/office/powerpoint/2012/main">
+      <p15:sldGuideLst xmlns:p15="http://schemas.microsoft.com/office/powerpoint/2012/main">
         <p15:guide id="1" orient="horz" pos="1620">
           <p15:clr>
             <a:srgbClr val="A4A3A4"/>
@@ -153,6 +153,21 @@
           </p15:clr>
         </p15:guide>
         <p15:guide id="6" pos="3813">
+          <p15:clr>
+            <a:srgbClr val="A4A3A4"/>
+          </p15:clr>
+        </p15:guide>
+        <p15:guide id="7" orient="horz" pos="2160">
+          <p15:clr>
+            <a:srgbClr val="A4A3A4"/>
+          </p15:clr>
+        </p15:guide>
+        <p15:guide id="8" orient="horz" pos="144">
+          <p15:clr>
+            <a:srgbClr val="A4A3A4"/>
+          </p15:clr>
+        </p15:guide>
+        <p15:guide id="9" orient="horz" pos="668">
           <p15:clr>
             <a:srgbClr val="A4A3A4"/>
           </p15:clr>
@@ -8937,15 +8952,7 @@
             </a:r>
             <a:r>
               <a:rPr lang="fr-FR" sz="2000" dirty="0" smtClean="0"/>
-              <a:t> </a:t>
-            </a:r>
-            <a:r>
-              <a:rPr lang="fr-FR" sz="2000" dirty="0" smtClean="0"/>
-              <a:t>home automation </a:t>
-            </a:r>
-            <a:r>
-              <a:rPr lang="fr-FR" sz="2000" dirty="0" smtClean="0"/>
-              <a:t>solutions</a:t>
+              <a:t> home automation solutions</a:t>
             </a:r>
             <a:endParaRPr lang="fr-FR" sz="2000" dirty="0"/>
           </a:p>
@@ -9382,11 +9389,7 @@
             </a:r>
             <a:r>
               <a:rPr lang="fr-FR" dirty="0" smtClean="0"/>
-              <a:t> </a:t>
-            </a:r>
-            <a:r>
-              <a:rPr lang="fr-FR" dirty="0" smtClean="0"/>
-              <a:t>team ?</a:t>
+              <a:t> team ?</a:t>
             </a:r>
           </a:p>
           <a:p>

--- a/Rendu/Diapo_prototype_janvier.pptx
+++ b/Rendu/Diapo_prototype_janvier.pptx
@@ -5,27 +5,30 @@
     <p:sldMasterId id="2147483648" r:id="rId1"/>
   </p:sldMasterIdLst>
   <p:notesMasterIdLst>
-    <p:notesMasterId r:id="rId17"/>
+    <p:notesMasterId r:id="rId20"/>
   </p:notesMasterIdLst>
   <p:handoutMasterIdLst>
-    <p:handoutMasterId r:id="rId18"/>
+    <p:handoutMasterId r:id="rId21"/>
   </p:handoutMasterIdLst>
   <p:sldIdLst>
     <p:sldId id="303" r:id="rId2"/>
     <p:sldId id="287" r:id="rId3"/>
     <p:sldId id="291" r:id="rId4"/>
-    <p:sldId id="292" r:id="rId5"/>
-    <p:sldId id="293" r:id="rId6"/>
-    <p:sldId id="290" r:id="rId7"/>
-    <p:sldId id="300" r:id="rId8"/>
-    <p:sldId id="301" r:id="rId9"/>
-    <p:sldId id="285" r:id="rId10"/>
-    <p:sldId id="289" r:id="rId11"/>
-    <p:sldId id="296" r:id="rId12"/>
-    <p:sldId id="286" r:id="rId13"/>
+    <p:sldId id="304" r:id="rId5"/>
+    <p:sldId id="292" r:id="rId6"/>
+    <p:sldId id="293" r:id="rId7"/>
+    <p:sldId id="290" r:id="rId8"/>
+    <p:sldId id="300" r:id="rId9"/>
+    <p:sldId id="301" r:id="rId10"/>
+    <p:sldId id="285" r:id="rId11"/>
+    <p:sldId id="289" r:id="rId12"/>
+    <p:sldId id="296" r:id="rId13"/>
     <p:sldId id="302" r:id="rId14"/>
-    <p:sldId id="297" r:id="rId15"/>
-    <p:sldId id="299" r:id="rId16"/>
+    <p:sldId id="286" r:id="rId15"/>
+    <p:sldId id="297" r:id="rId16"/>
+    <p:sldId id="305" r:id="rId17"/>
+    <p:sldId id="299" r:id="rId18"/>
+    <p:sldId id="306" r:id="rId19"/>
   </p:sldIdLst>
   <p:sldSz cx="9144000" cy="6858000" type="screen4x3"/>
   <p:notesSz cx="6799263" cy="9929813"/>
@@ -261,7 +264,7 @@
             <a:fld id="{1FF860C4-84CC-4ED2-86B7-24C0345B37D5}" type="datetimeFigureOut">
               <a:rPr lang="fr-FR" smtClean="0"/>
               <a:pPr/>
-              <a:t>10/12/2015</a:t>
+              <a:t>11/12/2015</a:t>
             </a:fld>
             <a:endParaRPr lang="fr-FR"/>
           </a:p>
@@ -428,7 +431,7 @@
             <a:fld id="{C2C2714D-4FF2-4E25-9D9C-3A52AC0061D5}" type="datetimeFigureOut">
               <a:rPr lang="fr-FR" smtClean="0"/>
               <a:pPr/>
-              <a:t>10/12/2015</a:t>
+              <a:t>11/12/2015</a:t>
             </a:fld>
             <a:endParaRPr lang="fr-FR"/>
           </a:p>
@@ -6787,8 +6790,8 @@
         </p:nvSpPr>
         <p:spPr>
           <a:xfrm>
-            <a:off x="1971675" y="2473817"/>
-            <a:ext cx="5638800" cy="954107"/>
+            <a:off x="1357068" y="2494625"/>
+            <a:ext cx="6979410" cy="954107"/>
           </a:xfrm>
           <a:prstGeom prst="rect">
             <a:avLst/>
@@ -7093,6 +7096,875 @@
         </p:nvSpPr>
         <p:spPr>
           <a:xfrm>
+            <a:off x="1647753" y="201105"/>
+            <a:ext cx="7886700" cy="1325563"/>
+          </a:xfrm>
+        </p:spPr>
+        <p:txBody>
+          <a:bodyPr lIns="68580" tIns="34290" rIns="68580" bIns="34290"/>
+          <a:lstStyle/>
+          <a:p>
+            <a:r>
+              <a:rPr lang="fr-FR" dirty="0" smtClean="0"/>
+              <a:t>HTTP </a:t>
+            </a:r>
+            <a:r>
+              <a:rPr lang="fr-FR" dirty="0" err="1" smtClean="0"/>
+              <a:t>requests</a:t>
+            </a:r>
+            <a:r>
+              <a:rPr lang="fr-FR" dirty="0" smtClean="0"/>
+              <a:t>, </a:t>
+            </a:r>
+            <a:r>
+              <a:rPr lang="fr-FR" dirty="0" err="1" smtClean="0"/>
+              <a:t>library</a:t>
+            </a:r>
+            <a:r>
+              <a:rPr lang="fr-FR" dirty="0" smtClean="0"/>
+              <a:t> </a:t>
+            </a:r>
+            <a:r>
+              <a:rPr lang="fr-FR" dirty="0" err="1" smtClean="0"/>
+              <a:t>choice</a:t>
+            </a:r>
+            <a:endParaRPr lang="fr-FR" dirty="0"/>
+          </a:p>
+        </p:txBody>
+      </p:sp>
+      <p:sp>
+        <p:nvSpPr>
+          <p:cNvPr id="5" name="ZoneTexte 4"/>
+          <p:cNvSpPr txBox="1"/>
+          <p:nvPr/>
+        </p:nvSpPr>
+        <p:spPr>
+          <a:xfrm>
+            <a:off x="8496300" y="6296025"/>
+            <a:ext cx="495300" cy="369332"/>
+          </a:xfrm>
+          <a:prstGeom prst="rect">
+            <a:avLst/>
+          </a:prstGeom>
+          <a:noFill/>
+        </p:spPr>
+        <p:txBody>
+          <a:bodyPr wrap="square" rtlCol="0">
+            <a:spAutoFit/>
+          </a:bodyPr>
+          <a:lstStyle/>
+          <a:p>
+            <a:r>
+              <a:rPr lang="fr-FR" dirty="0" smtClean="0"/>
+              <a:t>12</a:t>
+            </a:r>
+            <a:endParaRPr lang="fr-FR" dirty="0"/>
+          </a:p>
+        </p:txBody>
+      </p:sp>
+      <p:graphicFrame>
+        <p:nvGraphicFramePr>
+          <p:cNvPr id="6" name="Tableau 5"/>
+          <p:cNvGraphicFramePr>
+            <a:graphicFrameLocks noGrp="1"/>
+          </p:cNvGraphicFramePr>
+          <p:nvPr>
+            <p:extLst>
+              <p:ext uri="{D42A27DB-BD31-4B8C-83A1-F6EECF244321}">
+                <p14:modId xmlns:p14="http://schemas.microsoft.com/office/powerpoint/2010/main" val="2290936221"/>
+              </p:ext>
+            </p:extLst>
+          </p:nvPr>
+        </p:nvGraphicFramePr>
+        <p:xfrm>
+          <a:off x="358239" y="1140028"/>
+          <a:ext cx="8585860" cy="4928262"/>
+        </p:xfrm>
+        <a:graphic>
+          <a:graphicData uri="http://schemas.openxmlformats.org/drawingml/2006/table">
+            <a:tbl>
+              <a:tblPr firstRow="1" bandRow="1">
+                <a:tableStyleId>{073A0DAA-6AF3-43AB-8588-CEC1D06C72B9}</a:tableStyleId>
+              </a:tblPr>
+              <a:tblGrid>
+                <a:gridCol w="1525319"/>
+                <a:gridCol w="1714555"/>
+                <a:gridCol w="1806171"/>
+                <a:gridCol w="1766908"/>
+                <a:gridCol w="1772907"/>
+              </a:tblGrid>
+              <a:tr h="1185040">
+                <a:tc>
+                  <a:txBody>
+                    <a:bodyPr/>
+                    <a:lstStyle/>
+                    <a:p>
+                      <a:endParaRPr lang="fr-FR" dirty="0"/>
+                    </a:p>
+                  </a:txBody>
+                  <a:tcPr/>
+                </a:tc>
+                <a:tc>
+                  <a:txBody>
+                    <a:bodyPr/>
+                    <a:lstStyle/>
+                    <a:p>
+                      <a:r>
+                        <a:rPr lang="en-US" dirty="0" err="1" smtClean="0"/>
+                        <a:t>libcurl</a:t>
+                      </a:r>
+                      <a:endParaRPr lang="fr-FR" dirty="0"/>
+                    </a:p>
+                  </a:txBody>
+                  <a:tcPr/>
+                </a:tc>
+                <a:tc>
+                  <a:txBody>
+                    <a:bodyPr/>
+                    <a:lstStyle/>
+                    <a:p>
+                      <a:r>
+                        <a:rPr lang="en-US" dirty="0" smtClean="0"/>
+                        <a:t>http-tiny</a:t>
+                      </a:r>
+                      <a:endParaRPr lang="fr-FR" dirty="0"/>
+                    </a:p>
+                  </a:txBody>
+                  <a:tcPr/>
+                </a:tc>
+                <a:tc>
+                  <a:txBody>
+                    <a:bodyPr/>
+                    <a:lstStyle/>
+                    <a:p>
+                      <a:r>
+                        <a:rPr lang="en-US" dirty="0" err="1" smtClean="0"/>
+                        <a:t>Winhttp</a:t>
+                      </a:r>
+                      <a:endParaRPr lang="fr-FR" dirty="0"/>
+                    </a:p>
+                  </a:txBody>
+                  <a:tcPr/>
+                </a:tc>
+                <a:tc>
+                  <a:txBody>
+                    <a:bodyPr/>
+                    <a:lstStyle/>
+                    <a:p>
+                      <a:r>
+                        <a:rPr lang="en-US" dirty="0" err="1" smtClean="0"/>
+                        <a:t>HappyHttp</a:t>
+                      </a:r>
+                      <a:endParaRPr lang="fr-FR" dirty="0"/>
+                    </a:p>
+                  </a:txBody>
+                  <a:tcPr/>
+                </a:tc>
+              </a:tr>
+              <a:tr h="686571">
+                <a:tc>
+                  <a:txBody>
+                    <a:bodyPr/>
+                    <a:lstStyle/>
+                    <a:p>
+                      <a:r>
+                        <a:rPr lang="en-US" dirty="0" smtClean="0"/>
+                        <a:t>Language</a:t>
+                      </a:r>
+                      <a:endParaRPr lang="fr-FR" dirty="0"/>
+                    </a:p>
+                  </a:txBody>
+                  <a:tcPr/>
+                </a:tc>
+                <a:tc>
+                  <a:txBody>
+                    <a:bodyPr/>
+                    <a:lstStyle/>
+                    <a:p>
+                      <a:pPr algn="ctr"/>
+                      <a:r>
+                        <a:rPr lang="en-US" sz="2800" b="1" dirty="0" smtClean="0">
+                          <a:solidFill>
+                            <a:schemeClr val="bg2"/>
+                          </a:solidFill>
+                        </a:rPr>
+                        <a:t>C</a:t>
+                      </a:r>
+                      <a:endParaRPr lang="fr-FR" sz="2800" b="1" dirty="0">
+                        <a:solidFill>
+                          <a:schemeClr val="bg2"/>
+                        </a:solidFill>
+                      </a:endParaRPr>
+                    </a:p>
+                  </a:txBody>
+                  <a:tcPr/>
+                </a:tc>
+                <a:tc>
+                  <a:txBody>
+                    <a:bodyPr/>
+                    <a:lstStyle/>
+                    <a:p>
+                      <a:pPr algn="ctr"/>
+                      <a:r>
+                        <a:rPr lang="en-US" sz="2800" b="1" dirty="0" smtClean="0">
+                          <a:solidFill>
+                            <a:schemeClr val="bg2"/>
+                          </a:solidFill>
+                        </a:rPr>
+                        <a:t>C</a:t>
+                      </a:r>
+                      <a:endParaRPr lang="fr-FR" sz="2800" b="1" dirty="0">
+                        <a:solidFill>
+                          <a:schemeClr val="bg2"/>
+                        </a:solidFill>
+                      </a:endParaRPr>
+                    </a:p>
+                  </a:txBody>
+                  <a:tcPr/>
+                </a:tc>
+                <a:tc>
+                  <a:txBody>
+                    <a:bodyPr/>
+                    <a:lstStyle/>
+                    <a:p>
+                      <a:pPr algn="ctr"/>
+                      <a:r>
+                        <a:rPr lang="en-US" sz="2800" b="1" dirty="0" smtClean="0">
+                          <a:solidFill>
+                            <a:schemeClr val="bg2"/>
+                          </a:solidFill>
+                        </a:rPr>
+                        <a:t>C</a:t>
+                      </a:r>
+                      <a:r>
+                        <a:rPr lang="en-US" sz="2800" b="1" dirty="0" smtClean="0"/>
+                        <a:t>/</a:t>
+                      </a:r>
+                      <a:r>
+                        <a:rPr lang="en-US" sz="2800" b="1" dirty="0" smtClean="0">
+                          <a:solidFill>
+                            <a:srgbClr val="00B050"/>
+                          </a:solidFill>
+                        </a:rPr>
+                        <a:t>C++</a:t>
+                      </a:r>
+                      <a:endParaRPr lang="fr-FR" sz="2800" b="1" dirty="0">
+                        <a:solidFill>
+                          <a:srgbClr val="00B050"/>
+                        </a:solidFill>
+                      </a:endParaRPr>
+                    </a:p>
+                  </a:txBody>
+                  <a:tcPr/>
+                </a:tc>
+                <a:tc>
+                  <a:txBody>
+                    <a:bodyPr/>
+                    <a:lstStyle/>
+                    <a:p>
+                      <a:pPr algn="ctr"/>
+                      <a:r>
+                        <a:rPr lang="en-US" sz="2800" b="1" dirty="0" smtClean="0">
+                          <a:solidFill>
+                            <a:srgbClr val="00B050"/>
+                          </a:solidFill>
+                        </a:rPr>
+                        <a:t>C++</a:t>
+                      </a:r>
+                      <a:endParaRPr lang="fr-FR" sz="2800" b="1" dirty="0">
+                        <a:solidFill>
+                          <a:srgbClr val="00B050"/>
+                        </a:solidFill>
+                      </a:endParaRPr>
+                    </a:p>
+                  </a:txBody>
+                  <a:tcPr/>
+                </a:tc>
+              </a:tr>
+              <a:tr h="686571">
+                <a:tc>
+                  <a:txBody>
+                    <a:bodyPr/>
+                    <a:lstStyle/>
+                    <a:p>
+                      <a:r>
+                        <a:rPr lang="en-US" dirty="0" smtClean="0"/>
+                        <a:t>Multi-OS</a:t>
+                      </a:r>
+                      <a:endParaRPr lang="fr-FR" dirty="0"/>
+                    </a:p>
+                  </a:txBody>
+                  <a:tcPr/>
+                </a:tc>
+                <a:tc>
+                  <a:txBody>
+                    <a:bodyPr/>
+                    <a:lstStyle/>
+                    <a:p>
+                      <a:endParaRPr lang="fr-FR" dirty="0"/>
+                    </a:p>
+                  </a:txBody>
+                  <a:tcPr/>
+                </a:tc>
+                <a:tc>
+                  <a:txBody>
+                    <a:bodyPr/>
+                    <a:lstStyle/>
+                    <a:p>
+                      <a:endParaRPr lang="fr-FR" dirty="0"/>
+                    </a:p>
+                  </a:txBody>
+                  <a:tcPr/>
+                </a:tc>
+                <a:tc>
+                  <a:txBody>
+                    <a:bodyPr/>
+                    <a:lstStyle/>
+                    <a:p>
+                      <a:endParaRPr lang="fr-FR" dirty="0"/>
+                    </a:p>
+                  </a:txBody>
+                  <a:tcPr/>
+                </a:tc>
+                <a:tc>
+                  <a:txBody>
+                    <a:bodyPr/>
+                    <a:lstStyle/>
+                    <a:p>
+                      <a:endParaRPr lang="fr-FR" dirty="0"/>
+                    </a:p>
+                  </a:txBody>
+                  <a:tcPr/>
+                </a:tc>
+              </a:tr>
+              <a:tr h="1185040">
+                <a:tc>
+                  <a:txBody>
+                    <a:bodyPr/>
+                    <a:lstStyle/>
+                    <a:p>
+                      <a:r>
+                        <a:rPr lang="en-US" dirty="0" smtClean="0"/>
+                        <a:t>Easy-to-use</a:t>
+                      </a:r>
+                      <a:endParaRPr lang="fr-FR" dirty="0"/>
+                    </a:p>
+                  </a:txBody>
+                  <a:tcPr/>
+                </a:tc>
+                <a:tc>
+                  <a:txBody>
+                    <a:bodyPr/>
+                    <a:lstStyle/>
+                    <a:p>
+                      <a:endParaRPr lang="fr-FR" dirty="0"/>
+                    </a:p>
+                  </a:txBody>
+                  <a:tcPr/>
+                </a:tc>
+                <a:tc>
+                  <a:txBody>
+                    <a:bodyPr/>
+                    <a:lstStyle/>
+                    <a:p>
+                      <a:endParaRPr lang="fr-FR" dirty="0"/>
+                    </a:p>
+                  </a:txBody>
+                  <a:tcPr/>
+                </a:tc>
+                <a:tc>
+                  <a:txBody>
+                    <a:bodyPr/>
+                    <a:lstStyle/>
+                    <a:p>
+                      <a:endParaRPr lang="fr-FR" dirty="0"/>
+                    </a:p>
+                  </a:txBody>
+                  <a:tcPr/>
+                </a:tc>
+                <a:tc>
+                  <a:txBody>
+                    <a:bodyPr/>
+                    <a:lstStyle/>
+                    <a:p>
+                      <a:endParaRPr lang="fr-FR" dirty="0"/>
+                    </a:p>
+                  </a:txBody>
+                  <a:tcPr/>
+                </a:tc>
+              </a:tr>
+              <a:tr h="1185040">
+                <a:tc>
+                  <a:txBody>
+                    <a:bodyPr/>
+                    <a:lstStyle/>
+                    <a:p>
+                      <a:r>
+                        <a:rPr lang="en-US" dirty="0" smtClean="0"/>
+                        <a:t>Documentation</a:t>
+                      </a:r>
+                      <a:endParaRPr lang="fr-FR" dirty="0"/>
+                    </a:p>
+                  </a:txBody>
+                  <a:tcPr/>
+                </a:tc>
+                <a:tc>
+                  <a:txBody>
+                    <a:bodyPr/>
+                    <a:lstStyle/>
+                    <a:p>
+                      <a:endParaRPr lang="fr-FR" dirty="0"/>
+                    </a:p>
+                  </a:txBody>
+                  <a:tcPr/>
+                </a:tc>
+                <a:tc>
+                  <a:txBody>
+                    <a:bodyPr/>
+                    <a:lstStyle/>
+                    <a:p>
+                      <a:endParaRPr lang="fr-FR" dirty="0"/>
+                    </a:p>
+                  </a:txBody>
+                  <a:tcPr/>
+                </a:tc>
+                <a:tc>
+                  <a:txBody>
+                    <a:bodyPr/>
+                    <a:lstStyle/>
+                    <a:p>
+                      <a:endParaRPr lang="fr-FR" dirty="0"/>
+                    </a:p>
+                  </a:txBody>
+                  <a:tcPr/>
+                </a:tc>
+                <a:tc>
+                  <a:txBody>
+                    <a:bodyPr/>
+                    <a:lstStyle/>
+                    <a:p>
+                      <a:endParaRPr lang="fr-FR" dirty="0"/>
+                    </a:p>
+                  </a:txBody>
+                  <a:tcPr/>
+                </a:tc>
+              </a:tr>
+            </a:tbl>
+          </a:graphicData>
+        </a:graphic>
+      </p:graphicFrame>
+      <p:pic>
+        <p:nvPicPr>
+          <p:cNvPr id="3" name="Image 2"/>
+          <p:cNvPicPr>
+            <a:picLocks noChangeAspect="1"/>
+          </p:cNvPicPr>
+          <p:nvPr/>
+        </p:nvPicPr>
+        <p:blipFill>
+          <a:blip r:embed="rId2" cstate="screen">
+            <a:extLst>
+              <a:ext uri="{28A0092B-C50C-407E-A947-70E740481C1C}">
+                <a14:useLocalDpi xmlns:a14="http://schemas.microsoft.com/office/drawing/2010/main" val="0"/>
+              </a:ext>
+            </a:extLst>
+          </a:blip>
+          <a:stretch>
+            <a:fillRect/>
+          </a:stretch>
+        </p:blipFill>
+        <p:spPr>
+          <a:xfrm>
+            <a:off x="2342018" y="2989181"/>
+            <a:ext cx="731739" cy="731739"/>
+          </a:xfrm>
+          <a:prstGeom prst="rect">
+            <a:avLst/>
+          </a:prstGeom>
+        </p:spPr>
+      </p:pic>
+      <p:pic>
+        <p:nvPicPr>
+          <p:cNvPr id="7" name="Image 6"/>
+          <p:cNvPicPr>
+            <a:picLocks noChangeAspect="1"/>
+          </p:cNvPicPr>
+          <p:nvPr/>
+        </p:nvPicPr>
+        <p:blipFill>
+          <a:blip r:embed="rId3" cstate="screen">
+            <a:extLst>
+              <a:ext uri="{28A0092B-C50C-407E-A947-70E740481C1C}">
+                <a14:useLocalDpi xmlns:a14="http://schemas.microsoft.com/office/drawing/2010/main" val="0"/>
+              </a:ext>
+            </a:extLst>
+          </a:blip>
+          <a:stretch>
+            <a:fillRect/>
+          </a:stretch>
+        </p:blipFill>
+        <p:spPr>
+          <a:xfrm>
+            <a:off x="4087746" y="2989181"/>
+            <a:ext cx="774028" cy="774028"/>
+          </a:xfrm>
+          <a:prstGeom prst="rect">
+            <a:avLst/>
+          </a:prstGeom>
+        </p:spPr>
+      </p:pic>
+      <p:pic>
+        <p:nvPicPr>
+          <p:cNvPr id="8" name="Image 7"/>
+          <p:cNvPicPr>
+            <a:picLocks noChangeAspect="1"/>
+          </p:cNvPicPr>
+          <p:nvPr/>
+        </p:nvPicPr>
+        <p:blipFill>
+          <a:blip r:embed="rId4" cstate="screen">
+            <a:extLst>
+              <a:ext uri="{28A0092B-C50C-407E-A947-70E740481C1C}">
+                <a14:useLocalDpi xmlns:a14="http://schemas.microsoft.com/office/drawing/2010/main" val="0"/>
+              </a:ext>
+            </a:extLst>
+          </a:blip>
+          <a:stretch>
+            <a:fillRect/>
+          </a:stretch>
+        </p:blipFill>
+        <p:spPr>
+          <a:xfrm>
+            <a:off x="4038598" y="3913226"/>
+            <a:ext cx="823175" cy="823175"/>
+          </a:xfrm>
+          <a:prstGeom prst="rect">
+            <a:avLst/>
+          </a:prstGeom>
+        </p:spPr>
+      </p:pic>
+      <p:pic>
+        <p:nvPicPr>
+          <p:cNvPr id="9" name="Image 8"/>
+          <p:cNvPicPr>
+            <a:picLocks noChangeAspect="1"/>
+          </p:cNvPicPr>
+          <p:nvPr/>
+        </p:nvPicPr>
+        <p:blipFill>
+          <a:blip r:embed="rId3" cstate="screen">
+            <a:extLst>
+              <a:ext uri="{28A0092B-C50C-407E-A947-70E740481C1C}">
+                <a14:useLocalDpi xmlns:a14="http://schemas.microsoft.com/office/drawing/2010/main" val="0"/>
+              </a:ext>
+            </a:extLst>
+          </a:blip>
+          <a:stretch>
+            <a:fillRect/>
+          </a:stretch>
+        </p:blipFill>
+        <p:spPr>
+          <a:xfrm>
+            <a:off x="5880063" y="4998696"/>
+            <a:ext cx="771874" cy="771874"/>
+          </a:xfrm>
+          <a:prstGeom prst="rect">
+            <a:avLst/>
+          </a:prstGeom>
+        </p:spPr>
+      </p:pic>
+      <p:pic>
+        <p:nvPicPr>
+          <p:cNvPr id="10" name="Image 9"/>
+          <p:cNvPicPr>
+            <a:picLocks noChangeAspect="1"/>
+          </p:cNvPicPr>
+          <p:nvPr/>
+        </p:nvPicPr>
+        <p:blipFill>
+          <a:blip r:embed="rId3" cstate="screen">
+            <a:extLst>
+              <a:ext uri="{28A0092B-C50C-407E-A947-70E740481C1C}">
+                <a14:useLocalDpi xmlns:a14="http://schemas.microsoft.com/office/drawing/2010/main" val="0"/>
+              </a:ext>
+            </a:extLst>
+          </a:blip>
+          <a:stretch>
+            <a:fillRect/>
+          </a:stretch>
+        </p:blipFill>
+        <p:spPr>
+          <a:xfrm>
+            <a:off x="7652515" y="4998696"/>
+            <a:ext cx="771874" cy="771874"/>
+          </a:xfrm>
+          <a:prstGeom prst="rect">
+            <a:avLst/>
+          </a:prstGeom>
+        </p:spPr>
+      </p:pic>
+      <p:pic>
+        <p:nvPicPr>
+          <p:cNvPr id="11" name="Image 10"/>
+          <p:cNvPicPr>
+            <a:picLocks noChangeAspect="1"/>
+          </p:cNvPicPr>
+          <p:nvPr/>
+        </p:nvPicPr>
+        <p:blipFill>
+          <a:blip r:embed="rId5" cstate="screen">
+            <a:extLst>
+              <a:ext uri="{28A0092B-C50C-407E-A947-70E740481C1C}">
+                <a14:useLocalDpi xmlns:a14="http://schemas.microsoft.com/office/drawing/2010/main" val="0"/>
+              </a:ext>
+            </a:extLst>
+          </a:blip>
+          <a:stretch>
+            <a:fillRect/>
+          </a:stretch>
+        </p:blipFill>
+        <p:spPr>
+          <a:xfrm>
+            <a:off x="7643609" y="3036629"/>
+            <a:ext cx="726580" cy="726580"/>
+          </a:xfrm>
+          <a:prstGeom prst="rect">
+            <a:avLst/>
+          </a:prstGeom>
+        </p:spPr>
+      </p:pic>
+      <p:pic>
+        <p:nvPicPr>
+          <p:cNvPr id="12" name="Image 11"/>
+          <p:cNvPicPr>
+            <a:picLocks noChangeAspect="1"/>
+          </p:cNvPicPr>
+          <p:nvPr/>
+        </p:nvPicPr>
+        <p:blipFill>
+          <a:blip r:embed="rId6" cstate="screen">
+            <a:extLst>
+              <a:ext uri="{28A0092B-C50C-407E-A947-70E740481C1C}">
+                <a14:useLocalDpi xmlns:a14="http://schemas.microsoft.com/office/drawing/2010/main" val="0"/>
+              </a:ext>
+            </a:extLst>
+          </a:blip>
+          <a:stretch>
+            <a:fillRect/>
+          </a:stretch>
+        </p:blipFill>
+        <p:spPr>
+          <a:xfrm>
+            <a:off x="7643609" y="3868895"/>
+            <a:ext cx="780780" cy="780780"/>
+          </a:xfrm>
+          <a:prstGeom prst="rect">
+            <a:avLst/>
+          </a:prstGeom>
+        </p:spPr>
+      </p:pic>
+      <p:pic>
+        <p:nvPicPr>
+          <p:cNvPr id="13" name="Image 12"/>
+          <p:cNvPicPr>
+            <a:picLocks noChangeAspect="1"/>
+          </p:cNvPicPr>
+          <p:nvPr/>
+        </p:nvPicPr>
+        <p:blipFill>
+          <a:blip r:embed="rId3" cstate="screen">
+            <a:extLst>
+              <a:ext uri="{28A0092B-C50C-407E-A947-70E740481C1C}">
+                <a14:useLocalDpi xmlns:a14="http://schemas.microsoft.com/office/drawing/2010/main" val="0"/>
+              </a:ext>
+            </a:extLst>
+          </a:blip>
+          <a:stretch>
+            <a:fillRect/>
+          </a:stretch>
+        </p:blipFill>
+        <p:spPr>
+          <a:xfrm>
+            <a:off x="2301882" y="4998696"/>
+            <a:ext cx="771874" cy="771874"/>
+          </a:xfrm>
+          <a:prstGeom prst="rect">
+            <a:avLst/>
+          </a:prstGeom>
+        </p:spPr>
+      </p:pic>
+      <p:pic>
+        <p:nvPicPr>
+          <p:cNvPr id="4" name="Image 3"/>
+          <p:cNvPicPr>
+            <a:picLocks noChangeAspect="1"/>
+          </p:cNvPicPr>
+          <p:nvPr/>
+        </p:nvPicPr>
+        <p:blipFill>
+          <a:blip r:embed="rId7" cstate="screen">
+            <a:extLst>
+              <a:ext uri="{28A0092B-C50C-407E-A947-70E740481C1C}">
+                <a14:useLocalDpi xmlns:a14="http://schemas.microsoft.com/office/drawing/2010/main" val="0"/>
+              </a:ext>
+            </a:extLst>
+          </a:blip>
+          <a:stretch>
+            <a:fillRect/>
+          </a:stretch>
+        </p:blipFill>
+        <p:spPr>
+          <a:xfrm>
+            <a:off x="5952933" y="4015546"/>
+            <a:ext cx="705978" cy="705978"/>
+          </a:xfrm>
+          <a:prstGeom prst="rect">
+            <a:avLst/>
+          </a:prstGeom>
+        </p:spPr>
+      </p:pic>
+      <p:pic>
+        <p:nvPicPr>
+          <p:cNvPr id="15" name="Image 14"/>
+          <p:cNvPicPr>
+            <a:picLocks noChangeAspect="1"/>
+          </p:cNvPicPr>
+          <p:nvPr/>
+        </p:nvPicPr>
+        <p:blipFill>
+          <a:blip r:embed="rId8" cstate="screen">
+            <a:extLst>
+              <a:ext uri="{28A0092B-C50C-407E-A947-70E740481C1C}">
+                <a14:useLocalDpi xmlns:a14="http://schemas.microsoft.com/office/drawing/2010/main" val="0"/>
+              </a:ext>
+            </a:extLst>
+          </a:blip>
+          <a:stretch>
+            <a:fillRect/>
+          </a:stretch>
+        </p:blipFill>
+        <p:spPr>
+          <a:xfrm>
+            <a:off x="5952933" y="3036629"/>
+            <a:ext cx="687758" cy="687758"/>
+          </a:xfrm>
+          <a:prstGeom prst="rect">
+            <a:avLst/>
+          </a:prstGeom>
+        </p:spPr>
+      </p:pic>
+      <p:pic>
+        <p:nvPicPr>
+          <p:cNvPr id="16" name="Image 15"/>
+          <p:cNvPicPr>
+            <a:picLocks noChangeAspect="1"/>
+          </p:cNvPicPr>
+          <p:nvPr/>
+        </p:nvPicPr>
+        <p:blipFill>
+          <a:blip r:embed="rId9" cstate="screen">
+            <a:extLst>
+              <a:ext uri="{28A0092B-C50C-407E-A947-70E740481C1C}">
+                <a14:useLocalDpi xmlns:a14="http://schemas.microsoft.com/office/drawing/2010/main" val="0"/>
+              </a:ext>
+            </a:extLst>
+          </a:blip>
+          <a:stretch>
+            <a:fillRect/>
+          </a:stretch>
+        </p:blipFill>
+        <p:spPr>
+          <a:xfrm>
+            <a:off x="2355830" y="3955730"/>
+            <a:ext cx="704113" cy="704113"/>
+          </a:xfrm>
+          <a:prstGeom prst="rect">
+            <a:avLst/>
+          </a:prstGeom>
+        </p:spPr>
+      </p:pic>
+      <p:pic>
+        <p:nvPicPr>
+          <p:cNvPr id="17" name="Image 16"/>
+          <p:cNvPicPr>
+            <a:picLocks noChangeAspect="1"/>
+          </p:cNvPicPr>
+          <p:nvPr/>
+        </p:nvPicPr>
+        <p:blipFill>
+          <a:blip r:embed="rId10" cstate="screen">
+            <a:extLst>
+              <a:ext uri="{28A0092B-C50C-407E-A947-70E740481C1C}">
+                <a14:useLocalDpi xmlns:a14="http://schemas.microsoft.com/office/drawing/2010/main" val="0"/>
+              </a:ext>
+            </a:extLst>
+          </a:blip>
+          <a:stretch>
+            <a:fillRect/>
+          </a:stretch>
+        </p:blipFill>
+        <p:spPr>
+          <a:xfrm>
+            <a:off x="4087746" y="5089368"/>
+            <a:ext cx="681202" cy="681202"/>
+          </a:xfrm>
+          <a:prstGeom prst="rect">
+            <a:avLst/>
+          </a:prstGeom>
+        </p:spPr>
+      </p:pic>
+    </p:spTree>
+    <p:extLst>
+      <p:ext uri="{BB962C8B-B14F-4D97-AF65-F5344CB8AC3E}">
+        <p14:creationId xmlns:p14="http://schemas.microsoft.com/office/powerpoint/2010/main" val="1423668841"/>
+      </p:ext>
+    </p:extLst>
+  </p:cSld>
+  <p:clrMapOvr>
+    <a:masterClrMapping/>
+  </p:clrMapOvr>
+  <p:transition spd="med">
+    <p:fade/>
+  </p:transition>
+  <p:timing>
+    <p:tnLst>
+      <p:par>
+        <p:cTn id="1" dur="indefinite" restart="never" nodeType="tmRoot"/>
+      </p:par>
+    </p:tnLst>
+  </p:timing>
+</p:sld>
+</file>
+
+<file path=ppt/slides/slide11.xml><?xml version="1.0" encoding="utf-8"?>
+<p:sld xmlns:a="http://schemas.openxmlformats.org/drawingml/2006/main" xmlns:r="http://schemas.openxmlformats.org/officeDocument/2006/relationships" xmlns:p="http://schemas.openxmlformats.org/presentationml/2006/main">
+  <p:cSld>
+    <p:spTree>
+      <p:nvGrpSpPr>
+        <p:cNvPr id="1" name=""/>
+        <p:cNvGrpSpPr/>
+        <p:nvPr/>
+      </p:nvGrpSpPr>
+      <p:grpSpPr>
+        <a:xfrm>
+          <a:off x="0" y="0"/>
+          <a:ext cx="0" cy="0"/>
+          <a:chOff x="0" y="0"/>
+          <a:chExt cx="0" cy="0"/>
+        </a:xfrm>
+      </p:grpSpPr>
+      <p:sp>
+        <p:nvSpPr>
+          <p:cNvPr id="2" name="Titre 1"/>
+          <p:cNvSpPr>
+            <a:spLocks noGrp="1"/>
+          </p:cNvSpPr>
+          <p:nvPr>
+            <p:ph type="title"/>
+          </p:nvPr>
+        </p:nvSpPr>
+        <p:spPr>
+          <a:xfrm>
             <a:off x="628650" y="240792"/>
             <a:ext cx="7876388" cy="1143000"/>
           </a:xfrm>
@@ -7123,7 +7995,7 @@
           <p:nvPr>
             <p:extLst>
               <p:ext uri="{D42A27DB-BD31-4B8C-83A1-F6EECF244321}">
-                <p14:modId xmlns:p14="http://schemas.microsoft.com/office/powerpoint/2010/main" val="312720713"/>
+                <p14:modId xmlns:p14="http://schemas.microsoft.com/office/powerpoint/2010/main" val="2825632191"/>
               </p:ext>
             </p:extLst>
           </p:nvPr>
@@ -7136,7 +8008,7 @@
           <a:graphicData uri="http://schemas.openxmlformats.org/drawingml/2006/table">
             <a:tbl>
               <a:tblPr firstRow="1" bandRow="1">
-                <a:tableStyleId>{5C22544A-7EE6-4342-B048-85BDC9FD1C3A}</a:tableStyleId>
+                <a:tableStyleId>{073A0DAA-6AF3-43AB-8588-CEC1D06C72B9}</a:tableStyleId>
               </a:tblPr>
               <a:tblGrid>
                 <a:gridCol w="1936433"/>
@@ -7250,6 +8122,33 @@
                     <a:bodyPr/>
                     <a:lstStyle/>
                     <a:p>
+                      <a:endParaRPr lang="fr-FR" sz="2400" dirty="0" smtClean="0"/>
+                    </a:p>
+                    <a:p>
+                      <a:endParaRPr lang="fr-FR" sz="2400" dirty="0" smtClean="0"/>
+                    </a:p>
+                    <a:p>
+                      <a:endParaRPr lang="fr-FR" sz="2400" dirty="0" smtClean="0"/>
+                    </a:p>
+                    <a:p>
+                      <a:endParaRPr lang="fr-FR" sz="2400" dirty="0" smtClean="0"/>
+                    </a:p>
+                    <a:p>
+                      <a:endParaRPr lang="fr-FR" sz="2400" dirty="0" smtClean="0"/>
+                    </a:p>
+                    <a:p>
+                      <a:r>
+                        <a:rPr lang="fr-FR" sz="2400" dirty="0" smtClean="0"/>
+                        <a:t>WPF,</a:t>
+                      </a:r>
+                      <a:r>
+                        <a:rPr lang="fr-FR" sz="2400" baseline="0" dirty="0" smtClean="0"/>
+                        <a:t> </a:t>
+                      </a:r>
+                      <a:r>
+                        <a:rPr lang="fr-FR" sz="2400" baseline="0" dirty="0" err="1" smtClean="0"/>
+                        <a:t>XaML</a:t>
+                      </a:r>
                       <a:endParaRPr lang="fr-FR" sz="2400" dirty="0"/>
                     </a:p>
                   </a:txBody>
@@ -7280,7 +8179,7 @@
                     <a:p>
                       <a:pPr algn="ctr"/>
                       <a:r>
-                        <a:rPr lang="fr-FR" sz="2400" dirty="0" err="1" smtClean="0"/>
+                        <a:rPr lang="fr-FR" sz="2400" b="1" dirty="0" err="1" smtClean="0"/>
                         <a:t>HappyHttp</a:t>
                       </a:r>
                       <a:r>
@@ -7337,7 +8236,7 @@
         </p:blipFill>
         <p:spPr>
           <a:xfrm>
-            <a:off x="846767" y="3597515"/>
+            <a:off x="756615" y="3352816"/>
             <a:ext cx="1603375" cy="1534553"/>
           </a:xfrm>
           <a:prstGeom prst="rect">
@@ -7367,7 +8266,7 @@
         </p:blipFill>
         <p:spPr>
           <a:xfrm>
-            <a:off x="2785264" y="3632173"/>
+            <a:off x="2785264" y="3422133"/>
             <a:ext cx="1504795" cy="1465236"/>
           </a:xfrm>
           <a:prstGeom prst="rect">
@@ -7409,207 +8308,6 @@
     <p:extLst>
       <p:ext uri="{BB962C8B-B14F-4D97-AF65-F5344CB8AC3E}">
         <p14:creationId xmlns:p14="http://schemas.microsoft.com/office/powerpoint/2010/main" val="557608675"/>
-      </p:ext>
-    </p:extLst>
-  </p:cSld>
-  <p:clrMapOvr>
-    <a:masterClrMapping/>
-  </p:clrMapOvr>
-  <mc:AlternateContent xmlns:mc="http://schemas.openxmlformats.org/markup-compatibility/2006" xmlns:p14="http://schemas.microsoft.com/office/powerpoint/2010/main">
-    <mc:Choice Requires="p14">
-      <p:transition spd="med" p14:dur="700">
-        <p:fade/>
-      </p:transition>
-    </mc:Choice>
-    <mc:Fallback xmlns="">
-      <p:transition spd="med">
-        <p:fade/>
-      </p:transition>
-    </mc:Fallback>
-  </mc:AlternateContent>
-  <p:timing>
-    <p:tnLst>
-      <p:par>
-        <p:cTn id="1" dur="indefinite" restart="never" nodeType="tmRoot"/>
-      </p:par>
-    </p:tnLst>
-  </p:timing>
-</p:sld>
-</file>
-
-<file path=ppt/slides/slide11.xml><?xml version="1.0" encoding="utf-8"?>
-<p:sld xmlns:a="http://schemas.openxmlformats.org/drawingml/2006/main" xmlns:r="http://schemas.openxmlformats.org/officeDocument/2006/relationships" xmlns:p="http://schemas.openxmlformats.org/presentationml/2006/main">
-  <p:cSld>
-    <p:spTree>
-      <p:nvGrpSpPr>
-        <p:cNvPr id="1" name=""/>
-        <p:cNvGrpSpPr/>
-        <p:nvPr/>
-      </p:nvGrpSpPr>
-      <p:grpSpPr>
-        <a:xfrm>
-          <a:off x="0" y="0"/>
-          <a:ext cx="0" cy="0"/>
-          <a:chOff x="0" y="0"/>
-          <a:chExt cx="0" cy="0"/>
-        </a:xfrm>
-      </p:grpSpPr>
-      <p:sp>
-        <p:nvSpPr>
-          <p:cNvPr id="3" name="Espace réservé du texte 2"/>
-          <p:cNvSpPr>
-            <a:spLocks noGrp="1"/>
-          </p:cNvSpPr>
-          <p:nvPr>
-            <p:ph type="body" sz="quarter" idx="10"/>
-          </p:nvPr>
-        </p:nvSpPr>
-        <p:spPr/>
-        <p:txBody>
-          <a:bodyPr/>
-          <a:lstStyle/>
-          <a:p>
-            <a:r>
-              <a:rPr lang="fr-FR" dirty="0" err="1" smtClean="0"/>
-              <a:t>Programming</a:t>
-            </a:r>
-            <a:endParaRPr lang="fr-FR" dirty="0" smtClean="0"/>
-          </a:p>
-          <a:p>
-            <a:pPr marL="0" indent="0">
-              <a:buNone/>
-            </a:pPr>
-            <a:r>
-              <a:rPr lang="fr-FR" dirty="0"/>
-              <a:t>	</a:t>
-            </a:r>
-            <a:r>
-              <a:rPr lang="fr-FR" dirty="0" smtClean="0"/>
-              <a:t>Visual </a:t>
-            </a:r>
-            <a:r>
-              <a:rPr lang="fr-FR" dirty="0"/>
-              <a:t>Studio</a:t>
-            </a:r>
-          </a:p>
-          <a:p>
-            <a:endParaRPr lang="fr-FR" dirty="0" smtClean="0"/>
-          </a:p>
-          <a:p>
-            <a:r>
-              <a:rPr lang="fr-FR" dirty="0" err="1" smtClean="0"/>
-              <a:t>Versioning</a:t>
-            </a:r>
-            <a:endParaRPr lang="fr-FR" dirty="0" smtClean="0"/>
-          </a:p>
-          <a:p>
-            <a:pPr marL="0" indent="0">
-              <a:buNone/>
-            </a:pPr>
-            <a:r>
-              <a:rPr lang="fr-FR" dirty="0"/>
-              <a:t>	</a:t>
-            </a:r>
-            <a:r>
-              <a:rPr lang="fr-FR" dirty="0" smtClean="0"/>
-              <a:t>Git</a:t>
-            </a:r>
-          </a:p>
-          <a:p>
-            <a:pPr marL="0" indent="0">
-              <a:buNone/>
-            </a:pPr>
-            <a:r>
-              <a:rPr lang="fr-FR" dirty="0"/>
-              <a:t>	</a:t>
-            </a:r>
-          </a:p>
-        </p:txBody>
-      </p:sp>
-      <p:sp>
-        <p:nvSpPr>
-          <p:cNvPr id="5" name="Titre 1"/>
-          <p:cNvSpPr txBox="1">
-            <a:spLocks/>
-          </p:cNvSpPr>
-          <p:nvPr/>
-        </p:nvSpPr>
-        <p:spPr>
-          <a:xfrm>
-            <a:off x="628650" y="240792"/>
-            <a:ext cx="7876388" cy="1143000"/>
-          </a:xfrm>
-          <a:prstGeom prst="rect">
-            <a:avLst/>
-          </a:prstGeom>
-        </p:spPr>
-        <p:txBody>
-          <a:bodyPr anchor="t">
-            <a:normAutofit/>
-          </a:bodyPr>
-          <a:lstStyle>
-            <a:lvl1pPr algn="l" defTabSz="457200" rtl="0" eaLnBrk="1" latinLnBrk="0" hangingPunct="1">
-              <a:lnSpc>
-                <a:spcPct val="90000"/>
-              </a:lnSpc>
-              <a:spcBef>
-                <a:spcPct val="0"/>
-              </a:spcBef>
-              <a:buNone/>
-              <a:defRPr sz="2700" b="1" i="0" kern="1200" cap="all" baseline="0">
-                <a:solidFill>
-                  <a:schemeClr val="bg2"/>
-                </a:solidFill>
-                <a:latin typeface="+mj-lt"/>
-                <a:ea typeface="+mj-ea"/>
-                <a:cs typeface="HelveticaNeueLT Com 57 Cn" panose="020B0506030502030204" pitchFamily="34" charset="0"/>
-              </a:defRPr>
-            </a:lvl1pPr>
-          </a:lstStyle>
-          <a:p>
-            <a:pPr algn="ctr"/>
-            <a:r>
-              <a:rPr lang="fr-FR" smtClean="0"/>
-              <a:t>III. Pre-study</a:t>
-            </a:r>
-            <a:endParaRPr lang="fr-FR" dirty="0"/>
-          </a:p>
-        </p:txBody>
-      </p:sp>
-      <p:sp>
-        <p:nvSpPr>
-          <p:cNvPr id="6" name="ZoneTexte 5"/>
-          <p:cNvSpPr txBox="1"/>
-          <p:nvPr/>
-        </p:nvSpPr>
-        <p:spPr>
-          <a:xfrm>
-            <a:off x="8496300" y="6296025"/>
-            <a:ext cx="495300" cy="369332"/>
-          </a:xfrm>
-          <a:prstGeom prst="rect">
-            <a:avLst/>
-          </a:prstGeom>
-          <a:noFill/>
-        </p:spPr>
-        <p:txBody>
-          <a:bodyPr wrap="square" rtlCol="0">
-            <a:spAutoFit/>
-          </a:bodyPr>
-          <a:lstStyle/>
-          <a:p>
-            <a:r>
-              <a:rPr lang="fr-FR" dirty="0" smtClean="0"/>
-              <a:t>14</a:t>
-            </a:r>
-            <a:endParaRPr lang="fr-FR" dirty="0"/>
-          </a:p>
-        </p:txBody>
-      </p:sp>
-    </p:spTree>
-    <p:extLst>
-      <p:ext uri="{BB962C8B-B14F-4D97-AF65-F5344CB8AC3E}">
-        <p14:creationId xmlns:p14="http://schemas.microsoft.com/office/powerpoint/2010/main" val="423255876"/>
       </p:ext>
     </p:extLst>
   </p:cSld>
@@ -7657,47 +8355,141 @@
       </p:grpSpPr>
       <p:sp>
         <p:nvSpPr>
-          <p:cNvPr id="2" name="Titre 1"/>
+          <p:cNvPr id="3" name="Espace réservé du texte 2"/>
           <p:cNvSpPr>
             <a:spLocks noGrp="1"/>
           </p:cNvSpPr>
           <p:nvPr>
-            <p:ph type="title"/>
+            <p:ph type="body" sz="quarter" idx="10"/>
           </p:nvPr>
         </p:nvSpPr>
-        <p:spPr>
-          <a:xfrm>
-            <a:off x="1678303" y="150829"/>
+        <p:spPr/>
+        <p:txBody>
+          <a:bodyPr/>
+          <a:lstStyle/>
+          <a:p>
+            <a:r>
+              <a:rPr lang="fr-FR" dirty="0" smtClean="0"/>
+              <a:t>Tools </a:t>
+            </a:r>
+            <a:r>
+              <a:rPr lang="fr-FR" dirty="0" err="1" smtClean="0"/>
+              <a:t>used</a:t>
+            </a:r>
+            <a:endParaRPr lang="fr-FR" dirty="0" smtClean="0"/>
+          </a:p>
+          <a:p>
+            <a:pPr marL="0" indent="0">
+              <a:buNone/>
+            </a:pPr>
+            <a:r>
+              <a:rPr lang="fr-FR" dirty="0" smtClean="0"/>
+              <a:t>	</a:t>
+            </a:r>
+          </a:p>
+          <a:p>
+            <a:pPr marL="0" indent="0">
+              <a:buNone/>
+            </a:pPr>
+            <a:r>
+              <a:rPr lang="fr-FR" dirty="0"/>
+              <a:t>	</a:t>
+            </a:r>
+            <a:endParaRPr lang="fr-FR" dirty="0"/>
+          </a:p>
+          <a:p>
+            <a:endParaRPr lang="fr-FR" dirty="0" smtClean="0"/>
+          </a:p>
+          <a:p>
+            <a:pPr marL="0" indent="0">
+              <a:buNone/>
+            </a:pPr>
+            <a:r>
+              <a:rPr lang="fr-FR" dirty="0" smtClean="0"/>
+              <a:t>	</a:t>
+            </a:r>
+            <a:r>
+              <a:rPr lang="fr-FR" dirty="0"/>
+              <a:t>	</a:t>
+            </a:r>
+          </a:p>
+        </p:txBody>
+      </p:sp>
+      <p:sp>
+        <p:nvSpPr>
+          <p:cNvPr id="5" name="Titre 1"/>
+          <p:cNvSpPr txBox="1">
+            <a:spLocks/>
+          </p:cNvSpPr>
+          <p:nvPr/>
+        </p:nvSpPr>
+        <p:spPr>
+          <a:xfrm>
+            <a:off x="628650" y="240792"/>
             <a:ext cx="7876388" cy="1143000"/>
           </a:xfrm>
+          <a:prstGeom prst="rect">
+            <a:avLst/>
+          </a:prstGeom>
         </p:spPr>
         <p:txBody>
-          <a:bodyPr lIns="68580" tIns="34290" rIns="68580" bIns="34290"/>
+          <a:bodyPr anchor="t">
+            <a:normAutofit/>
+          </a:bodyPr>
+          <a:lstStyle>
+            <a:lvl1pPr algn="l" defTabSz="457200" rtl="0" eaLnBrk="1" latinLnBrk="0" hangingPunct="1">
+              <a:lnSpc>
+                <a:spcPct val="90000"/>
+              </a:lnSpc>
+              <a:spcBef>
+                <a:spcPct val="0"/>
+              </a:spcBef>
+              <a:buNone/>
+              <a:defRPr sz="2700" b="1" i="0" kern="1200" cap="all" baseline="0">
+                <a:solidFill>
+                  <a:schemeClr val="bg2"/>
+                </a:solidFill>
+                <a:latin typeface="+mj-lt"/>
+                <a:ea typeface="+mj-ea"/>
+                <a:cs typeface="HelveticaNeueLT Com 57 Cn" panose="020B0506030502030204" pitchFamily="34" charset="0"/>
+              </a:defRPr>
+            </a:lvl1pPr>
+          </a:lstStyle>
+          <a:p>
+            <a:pPr algn="ctr"/>
+            <a:r>
+              <a:rPr lang="fr-FR" smtClean="0"/>
+              <a:t>III. Pre-study</a:t>
+            </a:r>
+            <a:endParaRPr lang="fr-FR" dirty="0"/>
+          </a:p>
+        </p:txBody>
+      </p:sp>
+      <p:sp>
+        <p:nvSpPr>
+          <p:cNvPr id="6" name="ZoneTexte 5"/>
+          <p:cNvSpPr txBox="1"/>
+          <p:nvPr/>
+        </p:nvSpPr>
+        <p:spPr>
+          <a:xfrm>
+            <a:off x="8496300" y="6296025"/>
+            <a:ext cx="495300" cy="369332"/>
+          </a:xfrm>
+          <a:prstGeom prst="rect">
+            <a:avLst/>
+          </a:prstGeom>
+          <a:noFill/>
+        </p:spPr>
+        <p:txBody>
+          <a:bodyPr wrap="square" rtlCol="0">
+            <a:spAutoFit/>
+          </a:bodyPr>
           <a:lstStyle/>
           <a:p>
             <a:r>
-              <a:rPr lang="fr-FR" dirty="0"/>
-              <a:t> </a:t>
-            </a:r>
-            <a:r>
-              <a:rPr lang="fr-FR" dirty="0" err="1" smtClean="0"/>
-              <a:t>Queries</a:t>
-            </a:r>
-            <a:r>
               <a:rPr lang="fr-FR" dirty="0" smtClean="0"/>
-              <a:t> </a:t>
-            </a:r>
-            <a:r>
-              <a:rPr lang="fr-FR" dirty="0" err="1" smtClean="0"/>
-              <a:t>with</a:t>
-            </a:r>
-            <a:r>
-              <a:rPr lang="fr-FR" dirty="0" smtClean="0"/>
-              <a:t> </a:t>
-            </a:r>
-            <a:r>
-              <a:rPr lang="fr-FR" dirty="0" err="1" smtClean="0"/>
-              <a:t>Kira</a:t>
+              <a:t>14</a:t>
             </a:r>
             <a:endParaRPr lang="fr-FR" dirty="0"/>
           </a:p>
@@ -7705,76 +8497,101 @@
       </p:sp>
       <p:pic>
         <p:nvPicPr>
-          <p:cNvPr id="4" name="Image 3"/>
+          <p:cNvPr id="2" name="Image 1"/>
           <p:cNvPicPr>
             <a:picLocks noChangeAspect="1"/>
           </p:cNvPicPr>
           <p:nvPr/>
         </p:nvPicPr>
         <p:blipFill>
-          <a:blip r:embed="rId2" cstate="print"/>
+          <a:blip r:embed="rId2" cstate="screen">
+            <a:extLst>
+              <a:ext uri="{28A0092B-C50C-407E-A947-70E740481C1C}">
+                <a14:useLocalDpi xmlns:a14="http://schemas.microsoft.com/office/drawing/2010/main" val="0"/>
+              </a:ext>
+            </a:extLst>
+          </a:blip>
           <a:stretch>
             <a:fillRect/>
           </a:stretch>
         </p:blipFill>
         <p:spPr>
-          <a:xfrm rot="539182">
-            <a:off x="6429400" y="1575133"/>
-            <a:ext cx="1207416" cy="1456635"/>
+          <a:xfrm>
+            <a:off x="4301544" y="1260938"/>
+            <a:ext cx="3103808" cy="2327856"/>
           </a:xfrm>
           <a:prstGeom prst="rect">
             <a:avLst/>
           </a:prstGeom>
         </p:spPr>
       </p:pic>
-      <p:pic>
-        <p:nvPicPr>
-          <p:cNvPr id="6" name="Image 5"/>
-          <p:cNvPicPr>
-            <a:picLocks noChangeAspect="1"/>
-          </p:cNvPicPr>
+      <p:sp>
+        <p:nvSpPr>
+          <p:cNvPr id="4" name="ZoneTexte 3"/>
+          <p:cNvSpPr txBox="1"/>
           <p:nvPr/>
-        </p:nvPicPr>
-        <p:blipFill>
-          <a:blip r:embed="rId3" cstate="print"/>
-          <a:stretch>
-            <a:fillRect/>
-          </a:stretch>
-        </p:blipFill>
-        <p:spPr>
-          <a:xfrm>
-            <a:off x="943659" y="1772856"/>
-            <a:ext cx="1536361" cy="1366813"/>
+        </p:nvSpPr>
+        <p:spPr>
+          <a:xfrm>
+            <a:off x="1976044" y="2152888"/>
+            <a:ext cx="2590800" cy="369332"/>
           </a:xfrm>
           <a:prstGeom prst="rect">
             <a:avLst/>
           </a:prstGeom>
-        </p:spPr>
-      </p:pic>
-      <p:pic>
-        <p:nvPicPr>
-          <p:cNvPr id="7" name="Image 6"/>
-          <p:cNvPicPr>
-            <a:picLocks noChangeAspect="1"/>
-          </p:cNvPicPr>
+          <a:noFill/>
+        </p:spPr>
+        <p:txBody>
+          <a:bodyPr wrap="square" rtlCol="0">
+            <a:spAutoFit/>
+          </a:bodyPr>
+          <a:lstStyle/>
+          <a:p>
+            <a:r>
+              <a:rPr lang="fr-FR" dirty="0"/>
+              <a:t>to code :	Visual Studio</a:t>
+            </a:r>
+          </a:p>
+        </p:txBody>
+      </p:sp>
+      <p:sp>
+        <p:nvSpPr>
+          <p:cNvPr id="8" name="ZoneTexte 7"/>
+          <p:cNvSpPr txBox="1"/>
           <p:nvPr/>
-        </p:nvPicPr>
-        <p:blipFill>
-          <a:blip r:embed="rId4" cstate="print"/>
-          <a:stretch>
-            <a:fillRect/>
-          </a:stretch>
-        </p:blipFill>
-        <p:spPr>
-          <a:xfrm>
-            <a:off x="6087392" y="4072825"/>
-            <a:ext cx="1891431" cy="1973780"/>
+        </p:nvSpPr>
+        <p:spPr>
+          <a:xfrm>
+            <a:off x="3863662" y="5035177"/>
+            <a:ext cx="2369712" cy="369332"/>
           </a:xfrm>
           <a:prstGeom prst="rect">
             <a:avLst/>
           </a:prstGeom>
-        </p:spPr>
-      </p:pic>
+          <a:noFill/>
+        </p:spPr>
+        <p:txBody>
+          <a:bodyPr wrap="square" rtlCol="0">
+            <a:spAutoFit/>
+          </a:bodyPr>
+          <a:lstStyle/>
+          <a:p>
+            <a:r>
+              <a:rPr lang="fr-FR" dirty="0"/>
+              <a:t>f</a:t>
+            </a:r>
+            <a:r>
+              <a:rPr lang="fr-FR" dirty="0" smtClean="0"/>
+              <a:t>or </a:t>
+            </a:r>
+            <a:r>
+              <a:rPr lang="en-GB" dirty="0" smtClean="0"/>
+              <a:t>versioning : Git</a:t>
+            </a:r>
+            <a:endParaRPr lang="en-GB" dirty="0"/>
+          </a:p>
+        </p:txBody>
+      </p:sp>
       <p:pic>
         <p:nvPicPr>
           <p:cNvPr id="10" name="Image 9"/>
@@ -7784,390 +8601,49 @@
           <p:nvPr/>
         </p:nvPicPr>
         <p:blipFill>
-          <a:blip r:embed="rId5" cstate="print"/>
+          <a:blip r:embed="rId3">
+            <a:extLst>
+              <a:ext uri="{28A0092B-C50C-407E-A947-70E740481C1C}">
+                <a14:useLocalDpi xmlns:a14="http://schemas.microsoft.com/office/drawing/2010/main" val="0"/>
+              </a:ext>
+            </a:extLst>
+          </a:blip>
           <a:stretch>
             <a:fillRect/>
           </a:stretch>
         </p:blipFill>
         <p:spPr>
           <a:xfrm>
-            <a:off x="3527312" y="1598610"/>
-            <a:ext cx="1650037" cy="1460047"/>
+            <a:off x="1569076" y="3724680"/>
+            <a:ext cx="2175725" cy="2175725"/>
           </a:xfrm>
           <a:prstGeom prst="rect">
             <a:avLst/>
           </a:prstGeom>
         </p:spPr>
       </p:pic>
-      <p:sp>
-        <p:nvSpPr>
-          <p:cNvPr id="11" name="ZoneTexte 10"/>
-          <p:cNvSpPr txBox="1"/>
-          <p:nvPr/>
-        </p:nvSpPr>
-        <p:spPr>
-          <a:xfrm>
-            <a:off x="1302371" y="3183118"/>
-            <a:ext cx="1031051" cy="323165"/>
-          </a:xfrm>
-          <a:prstGeom prst="rect">
-            <a:avLst/>
-          </a:prstGeom>
-          <a:noFill/>
-        </p:spPr>
-        <p:txBody>
-          <a:bodyPr wrap="none" rtlCol="0">
-            <a:spAutoFit/>
-          </a:bodyPr>
-          <a:lstStyle/>
-          <a:p>
-            <a:r>
-              <a:rPr lang="fr-FR" sz="1500" dirty="0" err="1" smtClean="0"/>
-              <a:t>Window</a:t>
-            </a:r>
-            <a:r>
-              <a:rPr lang="fr-FR" sz="1500" dirty="0" smtClean="0"/>
-              <a:t> 8</a:t>
-            </a:r>
-            <a:endParaRPr lang="fr-FR" sz="1500" dirty="0"/>
-          </a:p>
-        </p:txBody>
-      </p:sp>
-      <p:pic>
-        <p:nvPicPr>
-          <p:cNvPr id="14" name="Image 13"/>
-          <p:cNvPicPr>
-            <a:picLocks noChangeAspect="1"/>
-          </p:cNvPicPr>
-          <p:nvPr/>
-        </p:nvPicPr>
-        <p:blipFill>
-          <a:blip r:embed="rId6" cstate="print"/>
-          <a:stretch>
-            <a:fillRect/>
-          </a:stretch>
-        </p:blipFill>
-        <p:spPr>
-          <a:xfrm rot="5400000">
-            <a:off x="2684138" y="2212055"/>
-            <a:ext cx="639053" cy="482076"/>
-          </a:xfrm>
-          <a:prstGeom prst="rect">
-            <a:avLst/>
-          </a:prstGeom>
-        </p:spPr>
-      </p:pic>
-      <p:pic>
-        <p:nvPicPr>
-          <p:cNvPr id="17" name="Image 16"/>
-          <p:cNvPicPr>
-            <a:picLocks noChangeAspect="1"/>
-          </p:cNvPicPr>
-          <p:nvPr/>
-        </p:nvPicPr>
-        <p:blipFill>
-          <a:blip r:embed="rId7" cstate="print"/>
-          <a:stretch>
-            <a:fillRect/>
-          </a:stretch>
-        </p:blipFill>
-        <p:spPr>
-          <a:xfrm rot="16200000">
-            <a:off x="6689815" y="3475837"/>
-            <a:ext cx="778640" cy="587374"/>
-          </a:xfrm>
-          <a:prstGeom prst="rect">
-            <a:avLst/>
-          </a:prstGeom>
-        </p:spPr>
-      </p:pic>
-      <p:sp>
-        <p:nvSpPr>
-          <p:cNvPr id="18" name="ZoneTexte 17"/>
-          <p:cNvSpPr txBox="1"/>
-          <p:nvPr/>
-        </p:nvSpPr>
-        <p:spPr>
-          <a:xfrm>
-            <a:off x="6693393" y="2863297"/>
-            <a:ext cx="1043876" cy="369332"/>
-          </a:xfrm>
-          <a:prstGeom prst="rect">
-            <a:avLst/>
-          </a:prstGeom>
-          <a:noFill/>
-        </p:spPr>
-        <p:txBody>
-          <a:bodyPr wrap="none" rtlCol="0">
-            <a:spAutoFit/>
-          </a:bodyPr>
-          <a:lstStyle/>
-          <a:p>
-            <a:r>
-              <a:rPr lang="fr-FR" dirty="0" err="1" smtClean="0"/>
-              <a:t>Kira</a:t>
-            </a:r>
-            <a:r>
-              <a:rPr lang="fr-FR" dirty="0" smtClean="0"/>
-              <a:t> 128</a:t>
-            </a:r>
-            <a:endParaRPr lang="fr-FR" dirty="0"/>
-          </a:p>
-        </p:txBody>
-      </p:sp>
-      <p:sp>
-        <p:nvSpPr>
-          <p:cNvPr id="19" name="ZoneTexte 18"/>
-          <p:cNvSpPr txBox="1"/>
-          <p:nvPr/>
-        </p:nvSpPr>
-        <p:spPr>
-          <a:xfrm>
-            <a:off x="4074624" y="3139670"/>
-            <a:ext cx="763351" cy="323165"/>
-          </a:xfrm>
-          <a:prstGeom prst="rect">
-            <a:avLst/>
-          </a:prstGeom>
-          <a:noFill/>
-        </p:spPr>
-        <p:txBody>
-          <a:bodyPr wrap="none" rtlCol="0">
-            <a:spAutoFit/>
-          </a:bodyPr>
-          <a:lstStyle/>
-          <a:p>
-            <a:r>
-              <a:rPr lang="fr-FR" sz="1500" dirty="0" smtClean="0"/>
-              <a:t>Router</a:t>
-            </a:r>
-          </a:p>
-        </p:txBody>
-      </p:sp>
-      <p:sp>
-        <p:nvSpPr>
-          <p:cNvPr id="20" name="ZoneTexte 19"/>
-          <p:cNvSpPr txBox="1"/>
-          <p:nvPr/>
-        </p:nvSpPr>
-        <p:spPr>
-          <a:xfrm>
-            <a:off x="2800724" y="3072801"/>
-            <a:ext cx="505267" cy="323165"/>
-          </a:xfrm>
-          <a:prstGeom prst="rect">
-            <a:avLst/>
-          </a:prstGeom>
-          <a:noFill/>
-        </p:spPr>
-        <p:txBody>
-          <a:bodyPr wrap="none" rtlCol="0">
-            <a:spAutoFit/>
-          </a:bodyPr>
-          <a:lstStyle/>
-          <a:p>
-            <a:r>
-              <a:rPr lang="fr-FR" sz="1500" dirty="0" smtClean="0"/>
-              <a:t>Wifi</a:t>
-            </a:r>
-            <a:endParaRPr lang="fr-FR" sz="1500" dirty="0"/>
-          </a:p>
-        </p:txBody>
-      </p:sp>
-      <p:cxnSp>
-        <p:nvCxnSpPr>
-          <p:cNvPr id="24" name="Connecteur droit 23"/>
-          <p:cNvCxnSpPr>
-            <a:stCxn id="10" idx="3"/>
-          </p:cNvCxnSpPr>
-          <p:nvPr/>
-        </p:nvCxnSpPr>
-        <p:spPr>
-          <a:xfrm>
-            <a:off x="5177349" y="2328633"/>
-            <a:ext cx="1211741" cy="0"/>
-          </a:xfrm>
-          <a:prstGeom prst="line">
-            <a:avLst/>
-          </a:prstGeom>
-        </p:spPr>
-        <p:style>
-          <a:lnRef idx="3">
-            <a:schemeClr val="dk1"/>
-          </a:lnRef>
-          <a:fillRef idx="0">
-            <a:schemeClr val="dk1"/>
-          </a:fillRef>
-          <a:effectRef idx="2">
-            <a:schemeClr val="dk1"/>
-          </a:effectRef>
-          <a:fontRef idx="minor">
-            <a:schemeClr val="tx1"/>
-          </a:fontRef>
-        </p:style>
-      </p:cxnSp>
-      <p:sp>
-        <p:nvSpPr>
-          <p:cNvPr id="30" name="ZoneTexte 29"/>
-          <p:cNvSpPr txBox="1"/>
-          <p:nvPr/>
-        </p:nvSpPr>
-        <p:spPr>
-          <a:xfrm>
-            <a:off x="5424456" y="2512317"/>
-            <a:ext cx="506870" cy="323165"/>
-          </a:xfrm>
-          <a:prstGeom prst="rect">
-            <a:avLst/>
-          </a:prstGeom>
-          <a:noFill/>
-        </p:spPr>
-        <p:txBody>
-          <a:bodyPr wrap="none" rtlCol="0">
-            <a:spAutoFit/>
-          </a:bodyPr>
-          <a:lstStyle/>
-          <a:p>
-            <a:r>
-              <a:rPr lang="fr-FR" sz="1500" dirty="0" smtClean="0"/>
-              <a:t>rj45</a:t>
-            </a:r>
-            <a:endParaRPr lang="fr-FR" sz="1500" dirty="0"/>
-          </a:p>
-        </p:txBody>
-      </p:sp>
-      <p:sp>
-        <p:nvSpPr>
-          <p:cNvPr id="31" name="ZoneTexte 30"/>
-          <p:cNvSpPr txBox="1"/>
-          <p:nvPr/>
-        </p:nvSpPr>
-        <p:spPr>
-          <a:xfrm>
-            <a:off x="7526215" y="3503687"/>
-            <a:ext cx="377026" cy="323165"/>
-          </a:xfrm>
-          <a:prstGeom prst="rect">
-            <a:avLst/>
-          </a:prstGeom>
-          <a:noFill/>
-        </p:spPr>
-        <p:txBody>
-          <a:bodyPr wrap="none" rtlCol="0">
-            <a:spAutoFit/>
-          </a:bodyPr>
-          <a:lstStyle/>
-          <a:p>
-            <a:r>
-              <a:rPr lang="fr-FR" sz="1500" dirty="0" smtClean="0"/>
-              <a:t>IR</a:t>
-            </a:r>
-            <a:endParaRPr lang="fr-FR" sz="1500" dirty="0"/>
-          </a:p>
-        </p:txBody>
-      </p:sp>
-      <p:sp>
-        <p:nvSpPr>
-          <p:cNvPr id="32" name="ZoneTexte 31"/>
-          <p:cNvSpPr txBox="1"/>
-          <p:nvPr/>
-        </p:nvSpPr>
-        <p:spPr>
-          <a:xfrm>
-            <a:off x="6901413" y="5994219"/>
-            <a:ext cx="429926" cy="323165"/>
-          </a:xfrm>
-          <a:prstGeom prst="rect">
-            <a:avLst/>
-          </a:prstGeom>
-          <a:noFill/>
-        </p:spPr>
-        <p:txBody>
-          <a:bodyPr wrap="none" rtlCol="0">
-            <a:spAutoFit/>
-          </a:bodyPr>
-          <a:lstStyle/>
-          <a:p>
-            <a:r>
-              <a:rPr lang="fr-FR" sz="1500" dirty="0" smtClean="0"/>
-              <a:t>TV</a:t>
-            </a:r>
-            <a:endParaRPr lang="fr-FR" sz="1500" dirty="0"/>
-          </a:p>
-        </p:txBody>
-      </p:sp>
-      <p:sp>
-        <p:nvSpPr>
-          <p:cNvPr id="21" name="ZoneTexte 20"/>
-          <p:cNvSpPr txBox="1"/>
-          <p:nvPr/>
-        </p:nvSpPr>
-        <p:spPr>
-          <a:xfrm>
-            <a:off x="4074623" y="1078386"/>
-            <a:ext cx="506870" cy="323165"/>
-          </a:xfrm>
-          <a:prstGeom prst="rect">
-            <a:avLst/>
-          </a:prstGeom>
-          <a:noFill/>
-        </p:spPr>
-        <p:txBody>
-          <a:bodyPr wrap="none" rtlCol="0">
-            <a:spAutoFit/>
-          </a:bodyPr>
-          <a:lstStyle/>
-          <a:p>
-            <a:r>
-              <a:rPr lang="fr-FR" sz="1500" dirty="0" smtClean="0"/>
-              <a:t>192</a:t>
-            </a:r>
-          </a:p>
-        </p:txBody>
-      </p:sp>
-      <p:sp>
-        <p:nvSpPr>
-          <p:cNvPr id="22" name="ZoneTexte 21"/>
-          <p:cNvSpPr txBox="1"/>
-          <p:nvPr/>
-        </p:nvSpPr>
-        <p:spPr>
-          <a:xfrm>
-            <a:off x="8496300" y="6296025"/>
-            <a:ext cx="495300" cy="369332"/>
-          </a:xfrm>
-          <a:prstGeom prst="rect">
-            <a:avLst/>
-          </a:prstGeom>
-          <a:noFill/>
-        </p:spPr>
-        <p:txBody>
-          <a:bodyPr wrap="square" rtlCol="0">
-            <a:spAutoFit/>
-          </a:bodyPr>
-          <a:lstStyle/>
-          <a:p>
-            <a:r>
-              <a:rPr lang="fr-FR" dirty="0" smtClean="0"/>
-              <a:t>15</a:t>
-            </a:r>
-            <a:endParaRPr lang="fr-FR" dirty="0"/>
-          </a:p>
-        </p:txBody>
-      </p:sp>
     </p:spTree>
     <p:extLst>
       <p:ext uri="{BB962C8B-B14F-4D97-AF65-F5344CB8AC3E}">
-        <p14:creationId xmlns:p14="http://schemas.microsoft.com/office/powerpoint/2010/main" val="3784822421"/>
+        <p14:creationId xmlns:p14="http://schemas.microsoft.com/office/powerpoint/2010/main" val="423255876"/>
       </p:ext>
     </p:extLst>
   </p:cSld>
   <p:clrMapOvr>
     <a:masterClrMapping/>
   </p:clrMapOvr>
-  <p:transition spd="med">
-    <p:fade/>
-  </p:transition>
+  <mc:AlternateContent xmlns:mc="http://schemas.openxmlformats.org/markup-compatibility/2006" xmlns:p14="http://schemas.microsoft.com/office/powerpoint/2010/main">
+    <mc:Choice Requires="p14">
+      <p:transition spd="med" p14:dur="700">
+        <p:fade/>
+      </p:transition>
+    </mc:Choice>
+    <mc:Fallback xmlns="">
+      <p:transition spd="med">
+        <p:fade/>
+      </p:transition>
+    </mc:Fallback>
+  </mc:AlternateContent>
   <p:timing>
     <p:tnLst>
       <p:par>
@@ -8297,6 +8773,546 @@
         </p:nvSpPr>
         <p:spPr>
           <a:xfrm>
+            <a:off x="1678303" y="150829"/>
+            <a:ext cx="7876388" cy="1143000"/>
+          </a:xfrm>
+        </p:spPr>
+        <p:txBody>
+          <a:bodyPr lIns="68580" tIns="34290" rIns="68580" bIns="34290"/>
+          <a:lstStyle/>
+          <a:p>
+            <a:r>
+              <a:rPr lang="fr-FR" dirty="0"/>
+              <a:t> </a:t>
+            </a:r>
+            <a:r>
+              <a:rPr lang="fr-FR" dirty="0" err="1" smtClean="0"/>
+              <a:t>Queries</a:t>
+            </a:r>
+            <a:r>
+              <a:rPr lang="fr-FR" dirty="0" smtClean="0"/>
+              <a:t> </a:t>
+            </a:r>
+            <a:r>
+              <a:rPr lang="fr-FR" dirty="0" err="1" smtClean="0"/>
+              <a:t>with</a:t>
+            </a:r>
+            <a:r>
+              <a:rPr lang="fr-FR" dirty="0" smtClean="0"/>
+              <a:t> </a:t>
+            </a:r>
+            <a:r>
+              <a:rPr lang="fr-FR" dirty="0" err="1" smtClean="0"/>
+              <a:t>Kira</a:t>
+            </a:r>
+            <a:endParaRPr lang="fr-FR" dirty="0"/>
+          </a:p>
+        </p:txBody>
+      </p:sp>
+      <p:pic>
+        <p:nvPicPr>
+          <p:cNvPr id="4" name="Image 3"/>
+          <p:cNvPicPr>
+            <a:picLocks noChangeAspect="1"/>
+          </p:cNvPicPr>
+          <p:nvPr/>
+        </p:nvPicPr>
+        <p:blipFill>
+          <a:blip r:embed="rId2" cstate="print"/>
+          <a:stretch>
+            <a:fillRect/>
+          </a:stretch>
+        </p:blipFill>
+        <p:spPr>
+          <a:xfrm rot="539182">
+            <a:off x="6429400" y="1575133"/>
+            <a:ext cx="1207416" cy="1456635"/>
+          </a:xfrm>
+          <a:prstGeom prst="rect">
+            <a:avLst/>
+          </a:prstGeom>
+        </p:spPr>
+      </p:pic>
+      <p:pic>
+        <p:nvPicPr>
+          <p:cNvPr id="6" name="Image 5"/>
+          <p:cNvPicPr>
+            <a:picLocks noChangeAspect="1"/>
+          </p:cNvPicPr>
+          <p:nvPr/>
+        </p:nvPicPr>
+        <p:blipFill>
+          <a:blip r:embed="rId3" cstate="print"/>
+          <a:stretch>
+            <a:fillRect/>
+          </a:stretch>
+        </p:blipFill>
+        <p:spPr>
+          <a:xfrm>
+            <a:off x="943659" y="1772856"/>
+            <a:ext cx="1536361" cy="1366813"/>
+          </a:xfrm>
+          <a:prstGeom prst="rect">
+            <a:avLst/>
+          </a:prstGeom>
+        </p:spPr>
+      </p:pic>
+      <p:pic>
+        <p:nvPicPr>
+          <p:cNvPr id="7" name="Image 6"/>
+          <p:cNvPicPr>
+            <a:picLocks noChangeAspect="1"/>
+          </p:cNvPicPr>
+          <p:nvPr/>
+        </p:nvPicPr>
+        <p:blipFill>
+          <a:blip r:embed="rId4" cstate="print"/>
+          <a:stretch>
+            <a:fillRect/>
+          </a:stretch>
+        </p:blipFill>
+        <p:spPr>
+          <a:xfrm>
+            <a:off x="6087392" y="4072825"/>
+            <a:ext cx="1891431" cy="1973780"/>
+          </a:xfrm>
+          <a:prstGeom prst="rect">
+            <a:avLst/>
+          </a:prstGeom>
+        </p:spPr>
+      </p:pic>
+      <p:pic>
+        <p:nvPicPr>
+          <p:cNvPr id="10" name="Image 9"/>
+          <p:cNvPicPr>
+            <a:picLocks noChangeAspect="1"/>
+          </p:cNvPicPr>
+          <p:nvPr/>
+        </p:nvPicPr>
+        <p:blipFill>
+          <a:blip r:embed="rId5" cstate="print"/>
+          <a:stretch>
+            <a:fillRect/>
+          </a:stretch>
+        </p:blipFill>
+        <p:spPr>
+          <a:xfrm>
+            <a:off x="3527312" y="1598610"/>
+            <a:ext cx="1650037" cy="1460047"/>
+          </a:xfrm>
+          <a:prstGeom prst="rect">
+            <a:avLst/>
+          </a:prstGeom>
+        </p:spPr>
+      </p:pic>
+      <p:sp>
+        <p:nvSpPr>
+          <p:cNvPr id="11" name="ZoneTexte 10"/>
+          <p:cNvSpPr txBox="1"/>
+          <p:nvPr/>
+        </p:nvSpPr>
+        <p:spPr>
+          <a:xfrm>
+            <a:off x="1302371" y="3183118"/>
+            <a:ext cx="1127232" cy="323165"/>
+          </a:xfrm>
+          <a:prstGeom prst="rect">
+            <a:avLst/>
+          </a:prstGeom>
+          <a:noFill/>
+        </p:spPr>
+        <p:txBody>
+          <a:bodyPr wrap="none" rtlCol="0">
+            <a:spAutoFit/>
+          </a:bodyPr>
+          <a:lstStyle/>
+          <a:p>
+            <a:r>
+              <a:rPr lang="fr-FR" sz="1500" dirty="0" smtClean="0"/>
+              <a:t>Windows </a:t>
+            </a:r>
+            <a:r>
+              <a:rPr lang="fr-FR" sz="1500" dirty="0" smtClean="0"/>
+              <a:t>8</a:t>
+            </a:r>
+            <a:endParaRPr lang="fr-FR" sz="1500" dirty="0"/>
+          </a:p>
+        </p:txBody>
+      </p:sp>
+      <p:pic>
+        <p:nvPicPr>
+          <p:cNvPr id="14" name="Image 13"/>
+          <p:cNvPicPr>
+            <a:picLocks noChangeAspect="1"/>
+          </p:cNvPicPr>
+          <p:nvPr/>
+        </p:nvPicPr>
+        <p:blipFill>
+          <a:blip r:embed="rId6" cstate="print"/>
+          <a:stretch>
+            <a:fillRect/>
+          </a:stretch>
+        </p:blipFill>
+        <p:spPr>
+          <a:xfrm rot="5400000">
+            <a:off x="2684138" y="2212055"/>
+            <a:ext cx="639053" cy="482076"/>
+          </a:xfrm>
+          <a:prstGeom prst="rect">
+            <a:avLst/>
+          </a:prstGeom>
+        </p:spPr>
+      </p:pic>
+      <p:pic>
+        <p:nvPicPr>
+          <p:cNvPr id="17" name="Image 16"/>
+          <p:cNvPicPr>
+            <a:picLocks noChangeAspect="1"/>
+          </p:cNvPicPr>
+          <p:nvPr/>
+        </p:nvPicPr>
+        <p:blipFill>
+          <a:blip r:embed="rId7" cstate="print"/>
+          <a:stretch>
+            <a:fillRect/>
+          </a:stretch>
+        </p:blipFill>
+        <p:spPr>
+          <a:xfrm rot="16200000">
+            <a:off x="6689815" y="3475837"/>
+            <a:ext cx="778640" cy="587374"/>
+          </a:xfrm>
+          <a:prstGeom prst="rect">
+            <a:avLst/>
+          </a:prstGeom>
+        </p:spPr>
+      </p:pic>
+      <p:sp>
+        <p:nvSpPr>
+          <p:cNvPr id="18" name="ZoneTexte 17"/>
+          <p:cNvSpPr txBox="1"/>
+          <p:nvPr/>
+        </p:nvSpPr>
+        <p:spPr>
+          <a:xfrm>
+            <a:off x="6693393" y="2863297"/>
+            <a:ext cx="1043876" cy="369332"/>
+          </a:xfrm>
+          <a:prstGeom prst="rect">
+            <a:avLst/>
+          </a:prstGeom>
+          <a:noFill/>
+        </p:spPr>
+        <p:txBody>
+          <a:bodyPr wrap="none" rtlCol="0">
+            <a:spAutoFit/>
+          </a:bodyPr>
+          <a:lstStyle/>
+          <a:p>
+            <a:r>
+              <a:rPr lang="fr-FR" dirty="0" err="1" smtClean="0"/>
+              <a:t>Kira</a:t>
+            </a:r>
+            <a:r>
+              <a:rPr lang="fr-FR" dirty="0" smtClean="0"/>
+              <a:t> 128</a:t>
+            </a:r>
+            <a:endParaRPr lang="fr-FR" dirty="0"/>
+          </a:p>
+        </p:txBody>
+      </p:sp>
+      <p:sp>
+        <p:nvSpPr>
+          <p:cNvPr id="19" name="ZoneTexte 18"/>
+          <p:cNvSpPr txBox="1"/>
+          <p:nvPr/>
+        </p:nvSpPr>
+        <p:spPr>
+          <a:xfrm>
+            <a:off x="4074624" y="3139670"/>
+            <a:ext cx="763351" cy="323165"/>
+          </a:xfrm>
+          <a:prstGeom prst="rect">
+            <a:avLst/>
+          </a:prstGeom>
+          <a:noFill/>
+        </p:spPr>
+        <p:txBody>
+          <a:bodyPr wrap="none" rtlCol="0">
+            <a:spAutoFit/>
+          </a:bodyPr>
+          <a:lstStyle/>
+          <a:p>
+            <a:r>
+              <a:rPr lang="fr-FR" sz="1500" dirty="0" smtClean="0"/>
+              <a:t>Router</a:t>
+            </a:r>
+          </a:p>
+        </p:txBody>
+      </p:sp>
+      <p:sp>
+        <p:nvSpPr>
+          <p:cNvPr id="20" name="ZoneTexte 19"/>
+          <p:cNvSpPr txBox="1"/>
+          <p:nvPr/>
+        </p:nvSpPr>
+        <p:spPr>
+          <a:xfrm>
+            <a:off x="2800724" y="3072801"/>
+            <a:ext cx="505267" cy="323165"/>
+          </a:xfrm>
+          <a:prstGeom prst="rect">
+            <a:avLst/>
+          </a:prstGeom>
+          <a:noFill/>
+        </p:spPr>
+        <p:txBody>
+          <a:bodyPr wrap="none" rtlCol="0">
+            <a:spAutoFit/>
+          </a:bodyPr>
+          <a:lstStyle/>
+          <a:p>
+            <a:r>
+              <a:rPr lang="fr-FR" sz="1500" dirty="0" smtClean="0"/>
+              <a:t>Wifi</a:t>
+            </a:r>
+            <a:endParaRPr lang="fr-FR" sz="1500" dirty="0"/>
+          </a:p>
+        </p:txBody>
+      </p:sp>
+      <p:cxnSp>
+        <p:nvCxnSpPr>
+          <p:cNvPr id="24" name="Connecteur droit 23"/>
+          <p:cNvCxnSpPr>
+            <a:stCxn id="10" idx="3"/>
+          </p:cNvCxnSpPr>
+          <p:nvPr/>
+        </p:nvCxnSpPr>
+        <p:spPr>
+          <a:xfrm>
+            <a:off x="5177349" y="2328633"/>
+            <a:ext cx="1211741" cy="0"/>
+          </a:xfrm>
+          <a:prstGeom prst="line">
+            <a:avLst/>
+          </a:prstGeom>
+        </p:spPr>
+        <p:style>
+          <a:lnRef idx="3">
+            <a:schemeClr val="dk1"/>
+          </a:lnRef>
+          <a:fillRef idx="0">
+            <a:schemeClr val="dk1"/>
+          </a:fillRef>
+          <a:effectRef idx="2">
+            <a:schemeClr val="dk1"/>
+          </a:effectRef>
+          <a:fontRef idx="minor">
+            <a:schemeClr val="tx1"/>
+          </a:fontRef>
+        </p:style>
+      </p:cxnSp>
+      <p:sp>
+        <p:nvSpPr>
+          <p:cNvPr id="30" name="ZoneTexte 29"/>
+          <p:cNvSpPr txBox="1"/>
+          <p:nvPr/>
+        </p:nvSpPr>
+        <p:spPr>
+          <a:xfrm>
+            <a:off x="5424456" y="2512317"/>
+            <a:ext cx="506870" cy="323165"/>
+          </a:xfrm>
+          <a:prstGeom prst="rect">
+            <a:avLst/>
+          </a:prstGeom>
+          <a:noFill/>
+        </p:spPr>
+        <p:txBody>
+          <a:bodyPr wrap="none" rtlCol="0">
+            <a:spAutoFit/>
+          </a:bodyPr>
+          <a:lstStyle/>
+          <a:p>
+            <a:r>
+              <a:rPr lang="fr-FR" sz="1500" dirty="0" smtClean="0"/>
+              <a:t>rj45</a:t>
+            </a:r>
+            <a:endParaRPr lang="fr-FR" sz="1500" dirty="0"/>
+          </a:p>
+        </p:txBody>
+      </p:sp>
+      <p:sp>
+        <p:nvSpPr>
+          <p:cNvPr id="31" name="ZoneTexte 30"/>
+          <p:cNvSpPr txBox="1"/>
+          <p:nvPr/>
+        </p:nvSpPr>
+        <p:spPr>
+          <a:xfrm>
+            <a:off x="7526215" y="3503687"/>
+            <a:ext cx="377026" cy="323165"/>
+          </a:xfrm>
+          <a:prstGeom prst="rect">
+            <a:avLst/>
+          </a:prstGeom>
+          <a:noFill/>
+        </p:spPr>
+        <p:txBody>
+          <a:bodyPr wrap="none" rtlCol="0">
+            <a:spAutoFit/>
+          </a:bodyPr>
+          <a:lstStyle/>
+          <a:p>
+            <a:r>
+              <a:rPr lang="fr-FR" sz="1500" dirty="0" smtClean="0"/>
+              <a:t>IR</a:t>
+            </a:r>
+            <a:endParaRPr lang="fr-FR" sz="1500" dirty="0"/>
+          </a:p>
+        </p:txBody>
+      </p:sp>
+      <p:sp>
+        <p:nvSpPr>
+          <p:cNvPr id="32" name="ZoneTexte 31"/>
+          <p:cNvSpPr txBox="1"/>
+          <p:nvPr/>
+        </p:nvSpPr>
+        <p:spPr>
+          <a:xfrm>
+            <a:off x="6901413" y="5994219"/>
+            <a:ext cx="429926" cy="323165"/>
+          </a:xfrm>
+          <a:prstGeom prst="rect">
+            <a:avLst/>
+          </a:prstGeom>
+          <a:noFill/>
+        </p:spPr>
+        <p:txBody>
+          <a:bodyPr wrap="none" rtlCol="0">
+            <a:spAutoFit/>
+          </a:bodyPr>
+          <a:lstStyle/>
+          <a:p>
+            <a:r>
+              <a:rPr lang="fr-FR" sz="1500" dirty="0" smtClean="0"/>
+              <a:t>TV</a:t>
+            </a:r>
+            <a:endParaRPr lang="fr-FR" sz="1500" dirty="0"/>
+          </a:p>
+        </p:txBody>
+      </p:sp>
+      <p:sp>
+        <p:nvSpPr>
+          <p:cNvPr id="21" name="ZoneTexte 20"/>
+          <p:cNvSpPr txBox="1"/>
+          <p:nvPr/>
+        </p:nvSpPr>
+        <p:spPr>
+          <a:xfrm>
+            <a:off x="4074623" y="1078386"/>
+            <a:ext cx="506870" cy="323165"/>
+          </a:xfrm>
+          <a:prstGeom prst="rect">
+            <a:avLst/>
+          </a:prstGeom>
+          <a:noFill/>
+        </p:spPr>
+        <p:txBody>
+          <a:bodyPr wrap="none" rtlCol="0">
+            <a:spAutoFit/>
+          </a:bodyPr>
+          <a:lstStyle/>
+          <a:p>
+            <a:r>
+              <a:rPr lang="fr-FR" sz="1500" dirty="0" smtClean="0"/>
+              <a:t>192</a:t>
+            </a:r>
+          </a:p>
+        </p:txBody>
+      </p:sp>
+      <p:sp>
+        <p:nvSpPr>
+          <p:cNvPr id="22" name="ZoneTexte 21"/>
+          <p:cNvSpPr txBox="1"/>
+          <p:nvPr/>
+        </p:nvSpPr>
+        <p:spPr>
+          <a:xfrm>
+            <a:off x="8496300" y="6296025"/>
+            <a:ext cx="495300" cy="369332"/>
+          </a:xfrm>
+          <a:prstGeom prst="rect">
+            <a:avLst/>
+          </a:prstGeom>
+          <a:noFill/>
+        </p:spPr>
+        <p:txBody>
+          <a:bodyPr wrap="square" rtlCol="0">
+            <a:spAutoFit/>
+          </a:bodyPr>
+          <a:lstStyle/>
+          <a:p>
+            <a:r>
+              <a:rPr lang="fr-FR" dirty="0" smtClean="0"/>
+              <a:t>15</a:t>
+            </a:r>
+            <a:endParaRPr lang="fr-FR" dirty="0"/>
+          </a:p>
+        </p:txBody>
+      </p:sp>
+    </p:spTree>
+    <p:extLst>
+      <p:ext uri="{BB962C8B-B14F-4D97-AF65-F5344CB8AC3E}">
+        <p14:creationId xmlns:p14="http://schemas.microsoft.com/office/powerpoint/2010/main" val="3784822421"/>
+      </p:ext>
+    </p:extLst>
+  </p:cSld>
+  <p:clrMapOvr>
+    <a:masterClrMapping/>
+  </p:clrMapOvr>
+  <p:transition spd="med">
+    <p:fade/>
+  </p:transition>
+  <p:timing>
+    <p:tnLst>
+      <p:par>
+        <p:cTn id="1" dur="indefinite" restart="never" nodeType="tmRoot"/>
+      </p:par>
+    </p:tnLst>
+  </p:timing>
+</p:sld>
+</file>
+
+<file path=ppt/slides/slide15.xml><?xml version="1.0" encoding="utf-8"?>
+<p:sld xmlns:a="http://schemas.openxmlformats.org/drawingml/2006/main" xmlns:r="http://schemas.openxmlformats.org/officeDocument/2006/relationships" xmlns:p="http://schemas.openxmlformats.org/presentationml/2006/main">
+  <p:cSld>
+    <p:spTree>
+      <p:nvGrpSpPr>
+        <p:cNvPr id="1" name=""/>
+        <p:cNvGrpSpPr/>
+        <p:nvPr/>
+      </p:nvGrpSpPr>
+      <p:grpSpPr>
+        <a:xfrm>
+          <a:off x="0" y="0"/>
+          <a:ext cx="0" cy="0"/>
+          <a:chOff x="0" y="0"/>
+          <a:chExt cx="0" cy="0"/>
+        </a:xfrm>
+      </p:grpSpPr>
+      <p:sp>
+        <p:nvSpPr>
+          <p:cNvPr id="2" name="Titre 1"/>
+          <p:cNvSpPr>
+            <a:spLocks noGrp="1"/>
+          </p:cNvSpPr>
+          <p:nvPr>
+            <p:ph type="title"/>
+          </p:nvPr>
+        </p:nvSpPr>
+        <p:spPr>
+          <a:xfrm>
             <a:off x="633806" y="270681"/>
             <a:ext cx="7876388" cy="1143000"/>
           </a:xfrm>
@@ -8360,25 +9376,39 @@
             <a:endParaRPr lang="fr-FR" dirty="0" smtClean="0"/>
           </a:p>
           <a:p>
-            <a:r>
-              <a:rPr lang="fr-FR" dirty="0" smtClean="0"/>
-              <a:t>Communication </a:t>
-            </a:r>
-            <a:r>
-              <a:rPr lang="fr-FR" dirty="0" err="1" smtClean="0"/>
-              <a:t>with</a:t>
-            </a:r>
-            <a:r>
-              <a:rPr lang="fr-FR" dirty="0" smtClean="0"/>
-              <a:t> </a:t>
-            </a:r>
-            <a:r>
-              <a:rPr lang="fr-FR" dirty="0" err="1" smtClean="0"/>
-              <a:t>Fibaro</a:t>
-            </a:r>
+            <a:endParaRPr lang="fr-FR" dirty="0"/>
+          </a:p>
+          <a:p>
             <a:endParaRPr lang="fr-FR" dirty="0" smtClean="0"/>
           </a:p>
           <a:p>
+            <a:endParaRPr lang="fr-FR" dirty="0"/>
+          </a:p>
+          <a:p>
+            <a:endParaRPr lang="fr-FR" dirty="0" smtClean="0"/>
+          </a:p>
+          <a:p>
+            <a:endParaRPr lang="fr-FR" dirty="0"/>
+          </a:p>
+          <a:p>
+            <a:endParaRPr lang="fr-FR" dirty="0" smtClean="0"/>
+          </a:p>
+          <a:p>
+            <a:endParaRPr lang="fr-FR" dirty="0"/>
+          </a:p>
+          <a:p>
+            <a:endParaRPr lang="fr-FR" dirty="0" smtClean="0"/>
+          </a:p>
+          <a:p>
+            <a:endParaRPr lang="fr-FR" dirty="0"/>
+          </a:p>
+          <a:p>
+            <a:endParaRPr lang="fr-FR" dirty="0" smtClean="0"/>
+          </a:p>
+          <a:p>
+            <a:pPr marL="0" indent="0">
+              <a:buNone/>
+            </a:pPr>
             <a:endParaRPr lang="fr-FR" dirty="0"/>
           </a:p>
         </p:txBody>
@@ -8413,6 +9443,36 @@
           </a:p>
         </p:txBody>
       </p:sp>
+      <p:pic>
+        <p:nvPicPr>
+          <p:cNvPr id="6" name="Image 5"/>
+          <p:cNvPicPr>
+            <a:picLocks noChangeAspect="1"/>
+          </p:cNvPicPr>
+          <p:nvPr/>
+        </p:nvPicPr>
+        <p:blipFill>
+          <a:blip r:embed="rId2">
+            <a:extLst>
+              <a:ext uri="{28A0092B-C50C-407E-A947-70E740481C1C}">
+                <a14:useLocalDpi xmlns:a14="http://schemas.microsoft.com/office/drawing/2010/main" val="0"/>
+              </a:ext>
+            </a:extLst>
+          </a:blip>
+          <a:stretch>
+            <a:fillRect/>
+          </a:stretch>
+        </p:blipFill>
+        <p:spPr>
+          <a:xfrm>
+            <a:off x="1062033" y="2035866"/>
+            <a:ext cx="7019933" cy="4090299"/>
+          </a:xfrm>
+          <a:prstGeom prst="rect">
+            <a:avLst/>
+          </a:prstGeom>
+        </p:spPr>
+      </p:pic>
     </p:spTree>
     <p:extLst>
       <p:ext uri="{BB962C8B-B14F-4D97-AF65-F5344CB8AC3E}">
@@ -8445,7 +9505,150 @@
 </p:sld>
 </file>
 
-<file path=ppt/slides/slide15.xml><?xml version="1.0" encoding="utf-8"?>
+<file path=ppt/slides/slide16.xml><?xml version="1.0" encoding="utf-8"?>
+<p:sld xmlns:a="http://schemas.openxmlformats.org/drawingml/2006/main" xmlns:r="http://schemas.openxmlformats.org/officeDocument/2006/relationships" xmlns:p="http://schemas.openxmlformats.org/presentationml/2006/main">
+  <p:cSld>
+    <p:spTree>
+      <p:nvGrpSpPr>
+        <p:cNvPr id="1" name=""/>
+        <p:cNvGrpSpPr/>
+        <p:nvPr/>
+      </p:nvGrpSpPr>
+      <p:grpSpPr>
+        <a:xfrm>
+          <a:off x="0" y="0"/>
+          <a:ext cx="0" cy="0"/>
+          <a:chOff x="0" y="0"/>
+          <a:chExt cx="0" cy="0"/>
+        </a:xfrm>
+      </p:grpSpPr>
+      <p:sp>
+        <p:nvSpPr>
+          <p:cNvPr id="2" name="Titre 1"/>
+          <p:cNvSpPr>
+            <a:spLocks noGrp="1"/>
+          </p:cNvSpPr>
+          <p:nvPr>
+            <p:ph type="title"/>
+          </p:nvPr>
+        </p:nvSpPr>
+        <p:spPr>
+          <a:xfrm>
+            <a:off x="2982524" y="287798"/>
+            <a:ext cx="3178952" cy="1143000"/>
+          </a:xfrm>
+        </p:spPr>
+        <p:txBody>
+          <a:bodyPr/>
+          <a:lstStyle/>
+          <a:p>
+            <a:r>
+              <a:rPr lang="fr-FR" dirty="0" err="1" smtClean="0"/>
+              <a:t>What’s</a:t>
+            </a:r>
+            <a:r>
+              <a:rPr lang="fr-FR" dirty="0" smtClean="0"/>
+              <a:t> </a:t>
+            </a:r>
+            <a:r>
+              <a:rPr lang="fr-FR" dirty="0" err="1" smtClean="0"/>
+              <a:t>next</a:t>
+            </a:r>
+            <a:endParaRPr lang="fr-FR" dirty="0"/>
+          </a:p>
+        </p:txBody>
+      </p:sp>
+      <p:sp>
+        <p:nvSpPr>
+          <p:cNvPr id="3" name="Espace réservé du texte 2"/>
+          <p:cNvSpPr>
+            <a:spLocks noGrp="1"/>
+          </p:cNvSpPr>
+          <p:nvPr>
+            <p:ph type="body" sz="quarter" idx="10"/>
+          </p:nvPr>
+        </p:nvSpPr>
+        <p:spPr/>
+        <p:txBody>
+          <a:bodyPr/>
+          <a:lstStyle/>
+          <a:p>
+            <a:r>
+              <a:rPr lang="fr-FR" dirty="0" smtClean="0"/>
+              <a:t>Communication </a:t>
+            </a:r>
+            <a:r>
+              <a:rPr lang="fr-FR" dirty="0" err="1" smtClean="0"/>
+              <a:t>with</a:t>
+            </a:r>
+            <a:r>
+              <a:rPr lang="fr-FR" dirty="0" smtClean="0"/>
+              <a:t> </a:t>
+            </a:r>
+            <a:r>
+              <a:rPr lang="fr-FR" dirty="0" err="1" smtClean="0"/>
+              <a:t>Fibaro</a:t>
+            </a:r>
+            <a:endParaRPr lang="fr-FR" dirty="0"/>
+          </a:p>
+        </p:txBody>
+      </p:sp>
+      <p:pic>
+        <p:nvPicPr>
+          <p:cNvPr id="5" name="Image 4"/>
+          <p:cNvPicPr>
+            <a:picLocks noChangeAspect="1"/>
+          </p:cNvPicPr>
+          <p:nvPr/>
+        </p:nvPicPr>
+        <p:blipFill>
+          <a:blip r:embed="rId2">
+            <a:extLst>
+              <a:ext uri="{28A0092B-C50C-407E-A947-70E740481C1C}">
+                <a14:useLocalDpi xmlns:a14="http://schemas.microsoft.com/office/drawing/2010/main" val="0"/>
+              </a:ext>
+            </a:extLst>
+          </a:blip>
+          <a:stretch>
+            <a:fillRect/>
+          </a:stretch>
+        </p:blipFill>
+        <p:spPr>
+          <a:xfrm>
+            <a:off x="818898" y="1898376"/>
+            <a:ext cx="7506203" cy="4373634"/>
+          </a:xfrm>
+          <a:prstGeom prst="rect">
+            <a:avLst/>
+          </a:prstGeom>
+        </p:spPr>
+      </p:pic>
+    </p:spTree>
+    <p:extLst>
+      <p:ext uri="{BB962C8B-B14F-4D97-AF65-F5344CB8AC3E}">
+        <p14:creationId xmlns:p14="http://schemas.microsoft.com/office/powerpoint/2010/main" val="496861004"/>
+      </p:ext>
+    </p:extLst>
+  </p:cSld>
+  <p:clrMapOvr>
+    <a:masterClrMapping/>
+  </p:clrMapOvr>
+  <mc:AlternateContent xmlns:mc="http://schemas.openxmlformats.org/markup-compatibility/2006" xmlns:p14="http://schemas.microsoft.com/office/powerpoint/2010/main">
+    <mc:Choice Requires="p14">
+      <p:transition spd="med" p14:dur="700">
+        <p:fade/>
+      </p:transition>
+    </mc:Choice>
+    <mc:Fallback xmlns="">
+      <p:transition spd="med">
+        <p:fade/>
+      </p:transition>
+    </mc:Fallback>
+  </mc:AlternateContent>
+</p:sld>
+</file>
+
+<file path=ppt/slides/slide17.xml><?xml version="1.0" encoding="utf-8"?>
 <p:sld xmlns:a="http://schemas.openxmlformats.org/drawingml/2006/main" xmlns:r="http://schemas.openxmlformats.org/officeDocument/2006/relationships" xmlns:p="http://schemas.openxmlformats.org/presentationml/2006/main">
   <p:cSld>
     <p:spTree>
@@ -8478,20 +9681,90 @@
           <a:lstStyle/>
           <a:p>
             <a:r>
+              <a:rPr lang="fr-FR" dirty="0" err="1" smtClean="0"/>
+              <a:t>What</a:t>
+            </a:r>
+            <a:r>
               <a:rPr lang="fr-FR" dirty="0" smtClean="0"/>
-              <a:t>C++</a:t>
-            </a:r>
-          </a:p>
-          <a:p>
+              <a:t> </a:t>
+            </a:r>
+            <a:r>
+              <a:rPr lang="fr-FR" dirty="0" err="1" smtClean="0"/>
+              <a:t>we</a:t>
+            </a:r>
             <a:r>
               <a:rPr lang="fr-FR" dirty="0" smtClean="0"/>
-              <a:t>C#</a:t>
-            </a:r>
-          </a:p>
-          <a:p>
+              <a:t> </a:t>
+            </a:r>
+            <a:r>
+              <a:rPr lang="fr-FR" dirty="0" err="1" smtClean="0"/>
+              <a:t>will</a:t>
+            </a:r>
             <a:r>
               <a:rPr lang="fr-FR" dirty="0" smtClean="0"/>
-              <a:t>master </a:t>
+              <a:t> </a:t>
+            </a:r>
+            <a:r>
+              <a:rPr lang="fr-FR" dirty="0" err="1" smtClean="0"/>
+              <a:t>learn</a:t>
+            </a:r>
+            <a:r>
+              <a:rPr lang="fr-FR" dirty="0" smtClean="0"/>
+              <a:t> / have </a:t>
+            </a:r>
+            <a:r>
+              <a:rPr lang="fr-FR" dirty="0" err="1" smtClean="0"/>
+              <a:t>learnt</a:t>
+            </a:r>
+            <a:endParaRPr lang="fr-FR" dirty="0" smtClean="0"/>
+          </a:p>
+          <a:p>
+            <a:pPr marL="0" indent="0">
+              <a:buNone/>
+            </a:pPr>
+            <a:r>
+              <a:rPr lang="fr-FR" dirty="0"/>
+              <a:t>	</a:t>
+            </a:r>
+            <a:r>
+              <a:rPr lang="fr-FR" dirty="0" smtClean="0"/>
+              <a:t>C</a:t>
+            </a:r>
+            <a:r>
+              <a:rPr lang="fr-FR" dirty="0" smtClean="0"/>
+              <a:t>++</a:t>
+            </a:r>
+          </a:p>
+          <a:p>
+            <a:pPr marL="0" indent="0">
+              <a:buNone/>
+            </a:pPr>
+            <a:r>
+              <a:rPr lang="fr-FR" dirty="0" smtClean="0"/>
+              <a:t>	C#</a:t>
+            </a:r>
+          </a:p>
+          <a:p>
+            <a:pPr marL="0" indent="0">
+              <a:buNone/>
+            </a:pPr>
+            <a:r>
+              <a:rPr lang="fr-FR" dirty="0"/>
+              <a:t>	</a:t>
+            </a:r>
+            <a:r>
+              <a:rPr lang="fr-FR" dirty="0" err="1" smtClean="0"/>
+              <a:t>XaML</a:t>
+            </a:r>
+            <a:endParaRPr lang="fr-FR" dirty="0" smtClean="0"/>
+          </a:p>
+          <a:p>
+            <a:pPr marL="0" indent="0">
+              <a:buNone/>
+            </a:pPr>
+            <a:r>
+              <a:rPr lang="fr-FR" dirty="0" smtClean="0"/>
+              <a:t>	</a:t>
             </a:r>
             <a:r>
               <a:rPr lang="fr-FR" dirty="0" err="1" smtClean="0"/>
@@ -8622,6 +9895,103 @@
       </p:par>
     </p:tnLst>
   </p:timing>
+</p:sld>
+</file>
+
+<file path=ppt/slides/slide18.xml><?xml version="1.0" encoding="utf-8"?>
+<p:sld xmlns:a="http://schemas.openxmlformats.org/drawingml/2006/main" xmlns:r="http://schemas.openxmlformats.org/officeDocument/2006/relationships" xmlns:p="http://schemas.openxmlformats.org/presentationml/2006/main">
+  <p:cSld>
+    <p:spTree>
+      <p:nvGrpSpPr>
+        <p:cNvPr id="1" name=""/>
+        <p:cNvGrpSpPr/>
+        <p:nvPr/>
+      </p:nvGrpSpPr>
+      <p:grpSpPr>
+        <a:xfrm>
+          <a:off x="0" y="0"/>
+          <a:ext cx="0" cy="0"/>
+          <a:chOff x="0" y="0"/>
+          <a:chExt cx="0" cy="0"/>
+        </a:xfrm>
+      </p:grpSpPr>
+      <p:sp>
+        <p:nvSpPr>
+          <p:cNvPr id="4" name="Rectangle 3"/>
+          <p:cNvSpPr/>
+          <p:nvPr/>
+        </p:nvSpPr>
+        <p:spPr>
+          <a:xfrm>
+            <a:off x="2443856" y="2967335"/>
+            <a:ext cx="4256293" cy="923330"/>
+          </a:xfrm>
+          <a:prstGeom prst="rect">
+            <a:avLst/>
+          </a:prstGeom>
+          <a:noFill/>
+        </p:spPr>
+        <p:txBody>
+          <a:bodyPr wrap="none" lIns="91440" tIns="45720" rIns="91440" bIns="45720">
+            <a:spAutoFit/>
+          </a:bodyPr>
+          <a:lstStyle/>
+          <a:p>
+            <a:pPr algn="ctr"/>
+            <a:r>
+              <a:rPr lang="fr-FR" sz="5400" b="1" cap="none" spc="50" dirty="0" smtClean="0">
+                <a:ln w="0"/>
+                <a:solidFill>
+                  <a:schemeClr val="bg2"/>
+                </a:solidFill>
+                <a:effectLst>
+                  <a:innerShdw blurRad="63500" dist="50800" dir="13500000">
+                    <a:srgbClr val="000000">
+                      <a:alpha val="50000"/>
+                    </a:srgbClr>
+                  </a:innerShdw>
+                </a:effectLst>
+              </a:rPr>
+              <a:t>Questions ?</a:t>
+            </a:r>
+            <a:endParaRPr lang="fr-FR" sz="5400" b="1" cap="none" spc="50" dirty="0">
+              <a:ln w="0"/>
+              <a:solidFill>
+                <a:schemeClr val="bg2"/>
+              </a:solidFill>
+              <a:effectLst>
+                <a:innerShdw blurRad="63500" dist="50800" dir="13500000">
+                  <a:srgbClr val="000000">
+                    <a:alpha val="50000"/>
+                  </a:srgbClr>
+                </a:innerShdw>
+              </a:effectLst>
+            </a:endParaRPr>
+          </a:p>
+        </p:txBody>
+      </p:sp>
+    </p:spTree>
+    <p:extLst>
+      <p:ext uri="{BB962C8B-B14F-4D97-AF65-F5344CB8AC3E}">
+        <p14:creationId xmlns:p14="http://schemas.microsoft.com/office/powerpoint/2010/main" val="1828088138"/>
+      </p:ext>
+    </p:extLst>
+  </p:cSld>
+  <p:clrMapOvr>
+    <a:masterClrMapping/>
+  </p:clrMapOvr>
+  <mc:AlternateContent xmlns:mc="http://schemas.openxmlformats.org/markup-compatibility/2006" xmlns:p14="http://schemas.microsoft.com/office/powerpoint/2010/main">
+    <mc:Choice Requires="p14">
+      <p:transition spd="med" p14:dur="700">
+        <p:fade/>
+      </p:transition>
+    </mc:Choice>
+    <mc:Fallback xmlns="">
+      <p:transition spd="med">
+        <p:fade/>
+      </p:transition>
+    </mc:Fallback>
+  </mc:AlternateContent>
 </p:sld>
 </file>
 
@@ -9110,6 +10480,35 @@
       </p:grpSpPr>
       <p:sp>
         <p:nvSpPr>
+          <p:cNvPr id="2" name="Titre 1"/>
+          <p:cNvSpPr>
+            <a:spLocks noGrp="1"/>
+          </p:cNvSpPr>
+          <p:nvPr>
+            <p:ph type="title"/>
+          </p:nvPr>
+        </p:nvSpPr>
+        <p:spPr>
+          <a:xfrm>
+            <a:off x="1900699" y="262477"/>
+            <a:ext cx="5342603" cy="775304"/>
+          </a:xfrm>
+        </p:spPr>
+        <p:txBody>
+          <a:bodyPr/>
+          <a:lstStyle/>
+          <a:p>
+            <a:pPr algn="ctr"/>
+            <a:r>
+              <a:rPr lang="fr-FR" dirty="0" err="1" smtClean="0"/>
+              <a:t>context</a:t>
+            </a:r>
+            <a:endParaRPr lang="fr-FR" dirty="0"/>
+          </a:p>
+        </p:txBody>
+      </p:sp>
+      <p:sp>
+        <p:nvSpPr>
           <p:cNvPr id="3" name="Espace réservé du texte 2"/>
           <p:cNvSpPr>
             <a:spLocks noGrp="1"/>
@@ -9118,186 +10517,22 @@
             <p:ph type="body" sz="quarter" idx="10"/>
           </p:nvPr>
         </p:nvSpPr>
-        <p:spPr>
-          <a:xfrm>
-            <a:off x="633806" y="1430798"/>
-            <a:ext cx="7694854" cy="4695367"/>
-          </a:xfrm>
-        </p:spPr>
+        <p:spPr/>
         <p:txBody>
           <a:bodyPr/>
           <a:lstStyle/>
           <a:p>
             <a:r>
-              <a:rPr lang="en-US" dirty="0" smtClean="0"/>
-              <a:t>WHY did we choose this subject ?</a:t>
-            </a:r>
-            <a:endParaRPr lang="fr-FR" dirty="0" smtClean="0"/>
-          </a:p>
-          <a:p>
-            <a:pPr marL="0" indent="0">
-              <a:buNone/>
-            </a:pPr>
-            <a:r>
-              <a:rPr lang="en-US" dirty="0" smtClean="0"/>
-              <a:t>	Technical challenge</a:t>
-            </a:r>
-          </a:p>
-          <a:p>
-            <a:pPr marL="0" indent="0">
-              <a:buNone/>
-            </a:pPr>
-            <a:r>
-              <a:rPr lang="en-US" dirty="0" smtClean="0"/>
-              <a:t>	Human values</a:t>
-            </a:r>
-          </a:p>
-          <a:p>
-            <a:pPr marL="0" indent="0">
-              <a:buNone/>
-            </a:pPr>
-            <a:endParaRPr lang="en-US" dirty="0" smtClean="0"/>
-          </a:p>
-          <a:p>
-            <a:r>
-              <a:rPr lang="en-US" dirty="0" smtClean="0"/>
-              <a:t>WHAT IS THE AIM?</a:t>
-            </a:r>
-            <a:endParaRPr lang="fr-FR" dirty="0"/>
-          </a:p>
-          <a:p>
+              <a:rPr lang="fr-FR" dirty="0" smtClean="0"/>
+              <a:t>Dessins </a:t>
+            </a:r>
             <a:r>
               <a:rPr lang="fr-FR" dirty="0" err="1" smtClean="0"/>
-              <a:t>Need</a:t>
+              <a:t>Enora</a:t>
             </a:r>
             <a:r>
               <a:rPr lang="fr-FR" dirty="0" smtClean="0"/>
-              <a:t> </a:t>
-            </a:r>
-            <a:r>
-              <a:rPr lang="fr-FR" dirty="0"/>
-              <a:t>of a simple interface for </a:t>
-            </a:r>
-            <a:r>
-              <a:rPr lang="fr-FR" dirty="0" err="1"/>
-              <a:t>disabled</a:t>
-            </a:r>
-            <a:r>
-              <a:rPr lang="fr-FR" dirty="0"/>
-              <a:t> people</a:t>
-            </a:r>
-          </a:p>
-          <a:p>
-            <a:r>
-              <a:rPr lang="fr-FR" dirty="0" err="1"/>
-              <a:t>Existing</a:t>
-            </a:r>
-            <a:r>
-              <a:rPr lang="fr-FR" dirty="0"/>
-              <a:t> solutions but </a:t>
-            </a:r>
-            <a:r>
-              <a:rPr lang="fr-FR" dirty="0" err="1"/>
-              <a:t>too</a:t>
-            </a:r>
-            <a:r>
-              <a:rPr lang="fr-FR" dirty="0"/>
-              <a:t> </a:t>
-            </a:r>
-            <a:r>
-              <a:rPr lang="fr-FR" dirty="0" err="1"/>
-              <a:t>complex</a:t>
-            </a:r>
-            <a:r>
-              <a:rPr lang="fr-FR" dirty="0"/>
-              <a:t> and </a:t>
-            </a:r>
-            <a:r>
-              <a:rPr lang="fr-FR" dirty="0" err="1"/>
-              <a:t>inadapted</a:t>
-            </a:r>
-            <a:endParaRPr lang="fr-FR" dirty="0"/>
-          </a:p>
-          <a:p>
-            <a:endParaRPr lang="fr-FR" dirty="0"/>
-          </a:p>
-        </p:txBody>
-      </p:sp>
-      <p:sp>
-        <p:nvSpPr>
-          <p:cNvPr id="5" name="Titre 1"/>
-          <p:cNvSpPr txBox="1">
-            <a:spLocks/>
-          </p:cNvSpPr>
-          <p:nvPr/>
-        </p:nvSpPr>
-        <p:spPr>
-          <a:xfrm>
-            <a:off x="633806" y="304800"/>
-            <a:ext cx="7876388" cy="946131"/>
-          </a:xfrm>
-          <a:prstGeom prst="rect">
-            <a:avLst/>
-          </a:prstGeom>
-        </p:spPr>
-        <p:txBody>
-          <a:bodyPr anchor="t">
-            <a:normAutofit/>
-          </a:bodyPr>
-          <a:lstStyle>
-            <a:lvl1pPr algn="l" defTabSz="457200" rtl="0" eaLnBrk="1" latinLnBrk="0" hangingPunct="1">
-              <a:lnSpc>
-                <a:spcPct val="90000"/>
-              </a:lnSpc>
-              <a:spcBef>
-                <a:spcPct val="0"/>
-              </a:spcBef>
-              <a:buNone/>
-              <a:defRPr sz="2700" b="1" i="0" kern="1200" cap="all" baseline="0">
-                <a:solidFill>
-                  <a:schemeClr val="bg2"/>
-                </a:solidFill>
-                <a:latin typeface="+mj-lt"/>
-                <a:ea typeface="+mj-ea"/>
-                <a:cs typeface="HelveticaNeueLT Com 57 Cn" panose="020B0506030502030204" pitchFamily="34" charset="0"/>
-              </a:defRPr>
-            </a:lvl1pPr>
-          </a:lstStyle>
-          <a:p>
-            <a:pPr algn="ctr"/>
-            <a:r>
-              <a:rPr lang="fr-FR" smtClean="0"/>
-              <a:t>I. Context</a:t>
-            </a:r>
-            <a:endParaRPr lang="fr-FR" dirty="0"/>
-          </a:p>
-        </p:txBody>
-      </p:sp>
-      <p:sp>
-        <p:nvSpPr>
-          <p:cNvPr id="6" name="ZoneTexte 5"/>
-          <p:cNvSpPr txBox="1"/>
-          <p:nvPr/>
-        </p:nvSpPr>
-        <p:spPr>
-          <a:xfrm>
-            <a:off x="8496300" y="6296025"/>
-            <a:ext cx="495300" cy="369332"/>
-          </a:xfrm>
-          <a:prstGeom prst="rect">
-            <a:avLst/>
-          </a:prstGeom>
-          <a:noFill/>
-        </p:spPr>
-        <p:txBody>
-          <a:bodyPr wrap="square" rtlCol="0">
-            <a:spAutoFit/>
-          </a:bodyPr>
-          <a:lstStyle/>
-          <a:p>
-            <a:r>
-              <a:rPr lang="fr-FR" dirty="0" smtClean="0"/>
-              <a:t>5</a:t>
+              <a:t> (diapo à peut-être fusionner avec la suivante)</a:t>
             </a:r>
             <a:endParaRPr lang="fr-FR" dirty="0"/>
           </a:p>
@@ -9306,7 +10541,7 @@
     </p:spTree>
     <p:extLst>
       <p:ext uri="{BB962C8B-B14F-4D97-AF65-F5344CB8AC3E}">
-        <p14:creationId xmlns:p14="http://schemas.microsoft.com/office/powerpoint/2010/main" val="2526572623"/>
+        <p14:creationId xmlns:p14="http://schemas.microsoft.com/office/powerpoint/2010/main" val="1326186763"/>
       </p:ext>
     </p:extLst>
   </p:cSld>
@@ -9325,13 +10560,6 @@
       </p:transition>
     </mc:Fallback>
   </mc:AlternateContent>
-  <p:timing>
-    <p:tnLst>
-      <p:par>
-        <p:cTn id="1" dur="indefinite" restart="never" nodeType="tmRoot"/>
-      </p:par>
-    </p:tnLst>
-  </p:timing>
 </p:sld>
 </file>
 
@@ -9362,47 +10590,161 @@
             <p:ph type="body" sz="quarter" idx="10"/>
           </p:nvPr>
         </p:nvSpPr>
-        <p:spPr/>
+        <p:spPr>
+          <a:xfrm>
+            <a:off x="633806" y="1430798"/>
+            <a:ext cx="7694854" cy="4695367"/>
+          </a:xfrm>
+        </p:spPr>
         <p:txBody>
           <a:bodyPr/>
           <a:lstStyle/>
           <a:p>
             <a:r>
-              <a:rPr lang="fr-FR" dirty="0" err="1" smtClean="0"/>
-              <a:t>What</a:t>
-            </a:r>
-            <a:r>
-              <a:rPr lang="fr-FR" dirty="0" smtClean="0"/>
-              <a:t> has been </a:t>
-            </a:r>
-            <a:r>
-              <a:rPr lang="fr-FR" dirty="0" err="1" smtClean="0"/>
-              <a:t>done</a:t>
-            </a:r>
-            <a:r>
-              <a:rPr lang="fr-FR" dirty="0" smtClean="0"/>
-              <a:t> by the </a:t>
-            </a:r>
-            <a:r>
-              <a:rPr lang="fr-FR" dirty="0" err="1" smtClean="0"/>
-              <a:t>previous</a:t>
-            </a:r>
-            <a:r>
-              <a:rPr lang="fr-FR" dirty="0" smtClean="0"/>
-              <a:t> team ?</a:t>
-            </a:r>
-          </a:p>
-          <a:p>
-            <a:endParaRPr lang="en-US" dirty="0"/>
+              <a:rPr lang="en-US" dirty="0" smtClean="0"/>
+              <a:t>Why </a:t>
+            </a:r>
+            <a:r>
+              <a:rPr lang="en-US" dirty="0" smtClean="0"/>
+              <a:t>did we choose this subject </a:t>
+            </a:r>
+            <a:r>
+              <a:rPr lang="en-US" dirty="0" smtClean="0"/>
+              <a:t>?</a:t>
+            </a:r>
+          </a:p>
+          <a:p>
+            <a:endParaRPr lang="fr-FR" dirty="0" smtClean="0"/>
           </a:p>
           <a:p>
             <a:pPr marL="0" indent="0">
               <a:buNone/>
             </a:pPr>
-            <a:endParaRPr lang="fr-FR" dirty="0" smtClean="0"/>
-          </a:p>
-          <a:p>
+            <a:r>
+              <a:rPr lang="en-US" dirty="0" smtClean="0"/>
+              <a:t>	</a:t>
+            </a:r>
+            <a:endParaRPr lang="en-US" dirty="0" smtClean="0"/>
+          </a:p>
+          <a:p>
+            <a:pPr marL="0" indent="0">
+              <a:buNone/>
+            </a:pPr>
+            <a:r>
+              <a:rPr lang="en-US" dirty="0" smtClean="0"/>
+              <a:t>	</a:t>
+            </a:r>
+            <a:endParaRPr lang="en-US" dirty="0" smtClean="0"/>
+          </a:p>
+          <a:p>
+            <a:pPr marL="0" indent="0">
+              <a:buNone/>
+            </a:pPr>
             <a:endParaRPr lang="en-US" dirty="0"/>
+          </a:p>
+          <a:p>
+            <a:pPr marL="0" indent="0">
+              <a:buNone/>
+            </a:pPr>
+            <a:endParaRPr lang="en-US" dirty="0" smtClean="0"/>
+          </a:p>
+          <a:p>
+            <a:pPr marL="0" indent="0">
+              <a:buNone/>
+            </a:pPr>
+            <a:endParaRPr lang="en-US" dirty="0"/>
+          </a:p>
+          <a:p>
+            <a:pPr marL="0" indent="0">
+              <a:buNone/>
+            </a:pPr>
+            <a:endParaRPr lang="en-US" dirty="0" smtClean="0"/>
+          </a:p>
+          <a:p>
+            <a:pPr marL="0" indent="0">
+              <a:buNone/>
+            </a:pPr>
+            <a:endParaRPr lang="en-US" dirty="0" smtClean="0"/>
+          </a:p>
+          <a:p>
+            <a:r>
+              <a:rPr lang="en-US" dirty="0" smtClean="0"/>
+              <a:t>What is the aim?</a:t>
+            </a:r>
+          </a:p>
+          <a:p>
+            <a:endParaRPr lang="fr-FR" dirty="0"/>
+          </a:p>
+          <a:p>
+            <a:pPr marL="0" indent="0">
+              <a:buNone/>
+            </a:pPr>
+            <a:r>
+              <a:rPr lang="fr-FR" dirty="0" smtClean="0"/>
+              <a:t>	</a:t>
+            </a:r>
+            <a:r>
+              <a:rPr lang="fr-FR" dirty="0" err="1" smtClean="0"/>
+              <a:t>Need</a:t>
+            </a:r>
+            <a:r>
+              <a:rPr lang="fr-FR" dirty="0" smtClean="0"/>
+              <a:t> </a:t>
+            </a:r>
+            <a:r>
+              <a:rPr lang="fr-FR" dirty="0"/>
+              <a:t>of a simple interface for </a:t>
+            </a:r>
+            <a:r>
+              <a:rPr lang="fr-FR" dirty="0" err="1"/>
+              <a:t>disabled</a:t>
+            </a:r>
+            <a:r>
+              <a:rPr lang="fr-FR" dirty="0"/>
+              <a:t> people</a:t>
+            </a:r>
+          </a:p>
+          <a:p>
+            <a:pPr marL="0" indent="0">
+              <a:buNone/>
+            </a:pPr>
+            <a:r>
+              <a:rPr lang="fr-FR" dirty="0" smtClean="0"/>
+              <a:t>	</a:t>
+            </a:r>
+            <a:r>
+              <a:rPr lang="fr-FR" dirty="0" err="1" smtClean="0"/>
+              <a:t>Existing</a:t>
+            </a:r>
+            <a:r>
+              <a:rPr lang="fr-FR" dirty="0" smtClean="0"/>
+              <a:t> </a:t>
+            </a:r>
+            <a:r>
+              <a:rPr lang="fr-FR" dirty="0"/>
+              <a:t>solutions but </a:t>
+            </a:r>
+            <a:r>
+              <a:rPr lang="fr-FR" dirty="0" err="1"/>
+              <a:t>too</a:t>
+            </a:r>
+            <a:r>
+              <a:rPr lang="fr-FR" dirty="0"/>
+              <a:t> </a:t>
+            </a:r>
+            <a:r>
+              <a:rPr lang="fr-FR" dirty="0" err="1"/>
+              <a:t>complex</a:t>
+            </a:r>
+            <a:r>
+              <a:rPr lang="fr-FR" dirty="0"/>
+              <a:t> and </a:t>
+            </a:r>
+            <a:r>
+              <a:rPr lang="fr-FR" dirty="0" err="1"/>
+              <a:t>inadapted</a:t>
+            </a:r>
+            <a:endParaRPr lang="fr-FR" dirty="0"/>
           </a:p>
           <a:p>
             <a:endParaRPr lang="fr-FR" dirty="0"/>
@@ -9411,7 +10753,7 @@
       </p:sp>
       <p:sp>
         <p:nvSpPr>
-          <p:cNvPr id="4" name="Titre 1"/>
+          <p:cNvPr id="5" name="Titre 1"/>
           <p:cNvSpPr txBox="1">
             <a:spLocks/>
           </p:cNvSpPr>
@@ -9483,16 +10825,208 @@
           <a:p>
             <a:r>
               <a:rPr lang="fr-FR" dirty="0" smtClean="0"/>
-              <a:t>6</a:t>
+              <a:t>5</a:t>
             </a:r>
             <a:endParaRPr lang="fr-FR" dirty="0"/>
+          </a:p>
+        </p:txBody>
+      </p:sp>
+      <p:sp>
+        <p:nvSpPr>
+          <p:cNvPr id="2" name="Rectangle 1"/>
+          <p:cNvSpPr/>
+          <p:nvPr/>
+        </p:nvSpPr>
+        <p:spPr>
+          <a:xfrm>
+            <a:off x="1004490" y="1846873"/>
+            <a:ext cx="4275914" cy="707886"/>
+          </a:xfrm>
+          <a:prstGeom prst="rect">
+            <a:avLst/>
+          </a:prstGeom>
+          <a:noFill/>
+        </p:spPr>
+        <p:txBody>
+          <a:bodyPr wrap="none" lIns="91440" tIns="45720" rIns="91440" bIns="45720">
+            <a:spAutoFit/>
+          </a:bodyPr>
+          <a:lstStyle/>
+          <a:p>
+            <a:pPr algn="ctr"/>
+            <a:r>
+              <a:rPr lang="fr-FR" sz="4000" b="1" cap="none" spc="0" dirty="0" smtClean="0">
+                <a:ln w="9525">
+                  <a:solidFill>
+                    <a:schemeClr val="bg1"/>
+                  </a:solidFill>
+                  <a:prstDash val="solid"/>
+                </a:ln>
+                <a:solidFill>
+                  <a:schemeClr val="tx1"/>
+                </a:solidFill>
+                <a:effectLst>
+                  <a:outerShdw blurRad="12700" dist="38100" dir="2700000" algn="tl" rotWithShape="0">
+                    <a:schemeClr val="bg1">
+                      <a:lumMod val="50000"/>
+                    </a:schemeClr>
+                  </a:outerShdw>
+                </a:effectLst>
+              </a:rPr>
+              <a:t>HUMAN VALUES</a:t>
+            </a:r>
+            <a:endParaRPr lang="fr-FR" sz="4000" b="1" cap="none" spc="0" dirty="0">
+              <a:ln w="9525">
+                <a:solidFill>
+                  <a:schemeClr val="bg1"/>
+                </a:solidFill>
+                <a:prstDash val="solid"/>
+              </a:ln>
+              <a:solidFill>
+                <a:schemeClr val="tx1"/>
+              </a:solidFill>
+              <a:effectLst>
+                <a:outerShdw blurRad="12700" dist="38100" dir="2700000" algn="tl" rotWithShape="0">
+                  <a:schemeClr val="bg1">
+                    <a:lumMod val="50000"/>
+                  </a:schemeClr>
+                </a:outerShdw>
+              </a:effectLst>
+            </a:endParaRPr>
+          </a:p>
+        </p:txBody>
+      </p:sp>
+      <p:sp>
+        <p:nvSpPr>
+          <p:cNvPr id="4" name="Rectangle 3"/>
+          <p:cNvSpPr/>
+          <p:nvPr/>
+        </p:nvSpPr>
+        <p:spPr>
+          <a:xfrm>
+            <a:off x="2674692" y="2651913"/>
+            <a:ext cx="6589420" cy="769441"/>
+          </a:xfrm>
+          <a:prstGeom prst="rect">
+            <a:avLst/>
+          </a:prstGeom>
+          <a:noFill/>
+        </p:spPr>
+        <p:txBody>
+          <a:bodyPr wrap="square" lIns="91440" tIns="45720" rIns="91440" bIns="45720">
+            <a:spAutoFit/>
+          </a:bodyPr>
+          <a:lstStyle/>
+          <a:p>
+            <a:pPr algn="ctr"/>
+            <a:r>
+              <a:rPr lang="fr-FR" sz="4400" b="1" cap="none" spc="0" dirty="0" smtClean="0">
+                <a:ln w="9525">
+                  <a:solidFill>
+                    <a:schemeClr val="bg1"/>
+                  </a:solidFill>
+                  <a:prstDash val="solid"/>
+                </a:ln>
+                <a:solidFill>
+                  <a:schemeClr val="tx1"/>
+                </a:solidFill>
+                <a:effectLst>
+                  <a:outerShdw blurRad="12700" dist="38100" dir="2700000" algn="tl" rotWithShape="0">
+                    <a:schemeClr val="bg1">
+                      <a:lumMod val="50000"/>
+                    </a:schemeClr>
+                  </a:outerShdw>
+                </a:effectLst>
+              </a:rPr>
+              <a:t>CHALLENGING</a:t>
+            </a:r>
+            <a:endParaRPr lang="fr-FR" sz="4400" b="1" cap="none" spc="0" dirty="0">
+              <a:ln w="9525">
+                <a:solidFill>
+                  <a:schemeClr val="bg1"/>
+                </a:solidFill>
+                <a:prstDash val="solid"/>
+              </a:ln>
+              <a:solidFill>
+                <a:schemeClr val="tx1"/>
+              </a:solidFill>
+              <a:effectLst>
+                <a:outerShdw blurRad="12700" dist="38100" dir="2700000" algn="tl" rotWithShape="0">
+                  <a:schemeClr val="bg1">
+                    <a:lumMod val="50000"/>
+                  </a:schemeClr>
+                </a:outerShdw>
+              </a:effectLst>
+            </a:endParaRPr>
+          </a:p>
+        </p:txBody>
+      </p:sp>
+      <p:sp>
+        <p:nvSpPr>
+          <p:cNvPr id="7" name="Rectangle 6"/>
+          <p:cNvSpPr/>
+          <p:nvPr/>
+        </p:nvSpPr>
+        <p:spPr>
+          <a:xfrm>
+            <a:off x="2045672" y="2970834"/>
+            <a:ext cx="1096775" cy="707886"/>
+          </a:xfrm>
+          <a:prstGeom prst="rect">
+            <a:avLst/>
+          </a:prstGeom>
+          <a:noFill/>
+        </p:spPr>
+        <p:txBody>
+          <a:bodyPr wrap="none" lIns="91440" tIns="45720" rIns="91440" bIns="45720">
+            <a:spAutoFit/>
+          </a:bodyPr>
+          <a:lstStyle/>
+          <a:p>
+            <a:pPr algn="ctr"/>
+            <a:r>
+              <a:rPr lang="fr-FR" sz="4000" b="1" dirty="0" smtClean="0">
+                <a:ln w="9525">
+                  <a:solidFill>
+                    <a:schemeClr val="bg1"/>
+                  </a:solidFill>
+                  <a:prstDash val="solid"/>
+                </a:ln>
+                <a:effectLst>
+                  <a:outerShdw blurRad="12700" dist="38100" dir="2700000" algn="tl" rotWithShape="0">
+                    <a:schemeClr val="bg1">
+                      <a:lumMod val="50000"/>
+                    </a:schemeClr>
+                  </a:outerShdw>
+                </a:effectLst>
+              </a:rPr>
+              <a:t>GUI</a:t>
+            </a:r>
+            <a:endParaRPr lang="fr-FR" sz="4000" b="1" cap="none" spc="0" dirty="0">
+              <a:ln w="9525">
+                <a:solidFill>
+                  <a:schemeClr val="bg1"/>
+                </a:solidFill>
+                <a:prstDash val="solid"/>
+              </a:ln>
+              <a:solidFill>
+                <a:schemeClr val="tx1"/>
+              </a:solidFill>
+              <a:effectLst>
+                <a:outerShdw blurRad="12700" dist="38100" dir="2700000" algn="tl" rotWithShape="0">
+                  <a:schemeClr val="bg1">
+                    <a:lumMod val="50000"/>
+                  </a:schemeClr>
+                </a:outerShdw>
+              </a:effectLst>
+            </a:endParaRPr>
           </a:p>
         </p:txBody>
       </p:sp>
     </p:spTree>
     <p:extLst>
       <p:ext uri="{BB962C8B-B14F-4D97-AF65-F5344CB8AC3E}">
-        <p14:creationId xmlns:p14="http://schemas.microsoft.com/office/powerpoint/2010/main" val="434014414"/>
+        <p14:creationId xmlns:p14="http://schemas.microsoft.com/office/powerpoint/2010/main" val="2526572623"/>
       </p:ext>
     </p:extLst>
   </p:cSld>
@@ -9540,40 +11074,114 @@
       </p:grpSpPr>
       <p:sp>
         <p:nvSpPr>
-          <p:cNvPr id="4" name="Titre 3"/>
+          <p:cNvPr id="3" name="Espace réservé du texte 2"/>
           <p:cNvSpPr>
             <a:spLocks noGrp="1"/>
           </p:cNvSpPr>
           <p:nvPr>
-            <p:ph type="title"/>
+            <p:ph type="body" sz="quarter" idx="10"/>
           </p:nvPr>
         </p:nvSpPr>
-        <p:spPr>
-          <a:xfrm>
-            <a:off x="633806" y="203200"/>
-            <a:ext cx="7876388" cy="1047731"/>
-          </a:xfrm>
-        </p:spPr>
+        <p:spPr/>
         <p:txBody>
           <a:bodyPr/>
           <a:lstStyle/>
           <a:p>
-            <a:pPr algn="ctr"/>
+            <a:r>
+              <a:rPr lang="fr-FR" dirty="0" err="1" smtClean="0"/>
+              <a:t>What</a:t>
+            </a:r>
             <a:r>
               <a:rPr lang="fr-FR" dirty="0" smtClean="0"/>
-              <a:t>II. </a:t>
+              <a:t> has been </a:t>
             </a:r>
             <a:r>
               <a:rPr lang="fr-FR" dirty="0" err="1" smtClean="0"/>
-              <a:t>Specifications</a:t>
-            </a:r>
+              <a:t>done</a:t>
+            </a:r>
+            <a:r>
+              <a:rPr lang="fr-FR" dirty="0" smtClean="0"/>
+              <a:t> by the </a:t>
+            </a:r>
+            <a:r>
+              <a:rPr lang="fr-FR" dirty="0" err="1" smtClean="0"/>
+              <a:t>previous</a:t>
+            </a:r>
+            <a:r>
+              <a:rPr lang="fr-FR" dirty="0" smtClean="0"/>
+              <a:t> team ?</a:t>
+            </a:r>
+          </a:p>
+          <a:p>
+            <a:endParaRPr lang="en-US" dirty="0"/>
+          </a:p>
+          <a:p>
+            <a:pPr marL="0" indent="0">
+              <a:buNone/>
+            </a:pPr>
+            <a:endParaRPr lang="fr-FR" dirty="0" smtClean="0"/>
+          </a:p>
+          <a:p>
+            <a:endParaRPr lang="en-US" dirty="0"/>
+          </a:p>
+          <a:p>
             <a:endParaRPr lang="fr-FR" dirty="0"/>
           </a:p>
         </p:txBody>
       </p:sp>
       <p:sp>
         <p:nvSpPr>
-          <p:cNvPr id="5" name="ZoneTexte 4"/>
+          <p:cNvPr id="4" name="Titre 1"/>
+          <p:cNvSpPr txBox="1">
+            <a:spLocks/>
+          </p:cNvSpPr>
+          <p:nvPr/>
+        </p:nvSpPr>
+        <p:spPr>
+          <a:xfrm>
+            <a:off x="633806" y="304800"/>
+            <a:ext cx="7876388" cy="946131"/>
+          </a:xfrm>
+          <a:prstGeom prst="rect">
+            <a:avLst/>
+          </a:prstGeom>
+        </p:spPr>
+        <p:txBody>
+          <a:bodyPr anchor="t">
+            <a:normAutofit/>
+          </a:bodyPr>
+          <a:lstStyle>
+            <a:lvl1pPr algn="l" defTabSz="457200" rtl="0" eaLnBrk="1" latinLnBrk="0" hangingPunct="1">
+              <a:lnSpc>
+                <a:spcPct val="90000"/>
+              </a:lnSpc>
+              <a:spcBef>
+                <a:spcPct val="0"/>
+              </a:spcBef>
+              <a:buNone/>
+              <a:defRPr sz="2700" b="1" i="0" kern="1200" cap="all" baseline="0">
+                <a:solidFill>
+                  <a:schemeClr val="bg2"/>
+                </a:solidFill>
+                <a:latin typeface="+mj-lt"/>
+                <a:ea typeface="+mj-ea"/>
+                <a:cs typeface="HelveticaNeueLT Com 57 Cn" panose="020B0506030502030204" pitchFamily="34" charset="0"/>
+              </a:defRPr>
+            </a:lvl1pPr>
+          </a:lstStyle>
+          <a:p>
+            <a:pPr algn="ctr"/>
+            <a:r>
+              <a:rPr lang="fr-FR" smtClean="0"/>
+              <a:t>I. Context</a:t>
+            </a:r>
+            <a:endParaRPr lang="fr-FR" dirty="0"/>
+          </a:p>
+        </p:txBody>
+      </p:sp>
+      <p:sp>
+        <p:nvSpPr>
+          <p:cNvPr id="6" name="ZoneTexte 5"/>
           <p:cNvSpPr txBox="1"/>
           <p:nvPr/>
         </p:nvSpPr>
@@ -9595,16 +11203,46 @@
           <a:p>
             <a:r>
               <a:rPr lang="fr-FR" dirty="0" smtClean="0"/>
-              <a:t>8</a:t>
+              <a:t>6</a:t>
             </a:r>
             <a:endParaRPr lang="fr-FR" dirty="0"/>
           </a:p>
         </p:txBody>
       </p:sp>
+      <p:pic>
+        <p:nvPicPr>
+          <p:cNvPr id="2" name="Image 1"/>
+          <p:cNvPicPr>
+            <a:picLocks noChangeAspect="1"/>
+          </p:cNvPicPr>
+          <p:nvPr/>
+        </p:nvPicPr>
+        <p:blipFill>
+          <a:blip r:embed="rId2" cstate="screen">
+            <a:extLst>
+              <a:ext uri="{28A0092B-C50C-407E-A947-70E740481C1C}">
+                <a14:useLocalDpi xmlns:a14="http://schemas.microsoft.com/office/drawing/2010/main" val="0"/>
+              </a:ext>
+            </a:extLst>
+          </a:blip>
+          <a:stretch>
+            <a:fillRect/>
+          </a:stretch>
+        </p:blipFill>
+        <p:spPr>
+          <a:xfrm>
+            <a:off x="824248" y="2035065"/>
+            <a:ext cx="7495504" cy="3972726"/>
+          </a:xfrm>
+          <a:prstGeom prst="rect">
+            <a:avLst/>
+          </a:prstGeom>
+        </p:spPr>
+      </p:pic>
     </p:spTree>
     <p:extLst>
       <p:ext uri="{BB962C8B-B14F-4D97-AF65-F5344CB8AC3E}">
-        <p14:creationId xmlns:p14="http://schemas.microsoft.com/office/powerpoint/2010/main" val="3387256829"/>
+        <p14:creationId xmlns:p14="http://schemas.microsoft.com/office/powerpoint/2010/main" val="434014414"/>
       </p:ext>
     </p:extLst>
   </p:cSld>
@@ -9652,53 +11290,32 @@
       </p:grpSpPr>
       <p:sp>
         <p:nvSpPr>
-          <p:cNvPr id="5" name="Titre 1"/>
-          <p:cNvSpPr txBox="1">
-            <a:spLocks/>
+          <p:cNvPr id="4" name="Titre 3"/>
+          <p:cNvSpPr>
+            <a:spLocks noGrp="1"/>
           </p:cNvSpPr>
-          <p:nvPr/>
+          <p:nvPr>
+            <p:ph type="title"/>
+          </p:nvPr>
         </p:nvSpPr>
         <p:spPr>
           <a:xfrm>
-            <a:off x="628650" y="240792"/>
-            <a:ext cx="7876388" cy="1143000"/>
-          </a:xfrm>
-          <a:prstGeom prst="rect">
-            <a:avLst/>
-          </a:prstGeom>
+            <a:off x="633806" y="203200"/>
+            <a:ext cx="7876388" cy="1047731"/>
+          </a:xfrm>
         </p:spPr>
         <p:txBody>
-          <a:bodyPr anchor="t">
-            <a:normAutofit/>
-          </a:bodyPr>
-          <a:lstStyle>
-            <a:lvl1pPr algn="l" defTabSz="457200" rtl="0" eaLnBrk="1" latinLnBrk="0" hangingPunct="1">
-              <a:lnSpc>
-                <a:spcPct val="90000"/>
-              </a:lnSpc>
-              <a:spcBef>
-                <a:spcPct val="0"/>
-              </a:spcBef>
-              <a:buNone/>
-              <a:defRPr sz="2700" b="1" i="0" kern="1200" cap="all" baseline="0">
-                <a:solidFill>
-                  <a:schemeClr val="bg2"/>
-                </a:solidFill>
-                <a:latin typeface="+mj-lt"/>
-                <a:ea typeface="+mj-ea"/>
-                <a:cs typeface="HelveticaNeueLT Com 57 Cn" panose="020B0506030502030204" pitchFamily="34" charset="0"/>
-              </a:defRPr>
-            </a:lvl1pPr>
-          </a:lstStyle>
+          <a:bodyPr/>
+          <a:lstStyle/>
           <a:p>
             <a:pPr algn="ctr"/>
             <a:r>
               <a:rPr lang="fr-FR" dirty="0" smtClean="0"/>
-              <a:t>III. </a:t>
+              <a:t>II. </a:t>
             </a:r>
             <a:r>
               <a:rPr lang="fr-FR" dirty="0" err="1" smtClean="0"/>
-              <a:t>Pre-study</a:t>
+              <a:t>Specifications</a:t>
             </a:r>
             <a:endParaRPr lang="fr-FR" dirty="0"/>
           </a:p>
@@ -9706,14 +11323,14 @@
       </p:sp>
       <p:sp>
         <p:nvSpPr>
-          <p:cNvPr id="6" name="ZoneTexte 5"/>
+          <p:cNvPr id="5" name="ZoneTexte 4"/>
           <p:cNvSpPr txBox="1"/>
           <p:nvPr/>
         </p:nvSpPr>
         <p:spPr>
-          <a:xfrm rot="18758071">
-            <a:off x="1548130" y="2283053"/>
-            <a:ext cx="6146800" cy="1323439"/>
+          <a:xfrm>
+            <a:off x="8496300" y="6296025"/>
+            <a:ext cx="495300" cy="369332"/>
           </a:xfrm>
           <a:prstGeom prst="rect">
             <a:avLst/>
@@ -9727,68 +11344,261 @@
           <a:lstStyle/>
           <a:p>
             <a:r>
-              <a:rPr lang="fr-FR" sz="8000" b="1" dirty="0" smtClean="0">
-                <a:ln w="12700">
-                  <a:solidFill>
-                    <a:schemeClr val="tx2">
-                      <a:satMod val="155000"/>
-                    </a:schemeClr>
-                  </a:solidFill>
-                  <a:prstDash val="solid"/>
-                </a:ln>
-                <a:solidFill>
-                  <a:schemeClr val="bg2">
-                    <a:tint val="85000"/>
-                    <a:satMod val="155000"/>
-                  </a:schemeClr>
-                </a:solidFill>
-                <a:effectLst>
-                  <a:outerShdw blurRad="41275" dist="20320" dir="1800000" algn="tl" rotWithShape="0">
-                    <a:srgbClr val="000000">
-                      <a:alpha val="40000"/>
-                    </a:srgbClr>
-                  </a:outerShdw>
-                </a:effectLst>
-              </a:rPr>
-              <a:t>BLOCS</a:t>
-            </a:r>
+              <a:rPr lang="fr-FR" dirty="0" smtClean="0"/>
+              <a:t>8</a:t>
+            </a:r>
+            <a:endParaRPr lang="fr-FR" dirty="0"/>
           </a:p>
         </p:txBody>
       </p:sp>
-      <p:sp>
-        <p:nvSpPr>
-          <p:cNvPr id="7" name="ZoneTexte 6"/>
-          <p:cNvSpPr txBox="1"/>
-          <p:nvPr/>
-        </p:nvSpPr>
-        <p:spPr>
-          <a:xfrm>
-            <a:off x="8496300" y="6296025"/>
-            <a:ext cx="495300" cy="369332"/>
-          </a:xfrm>
-          <a:prstGeom prst="rect">
-            <a:avLst/>
-          </a:prstGeom>
-          <a:noFill/>
-        </p:spPr>
-        <p:txBody>
-          <a:bodyPr wrap="square" rtlCol="0">
-            <a:spAutoFit/>
-          </a:bodyPr>
-          <a:lstStyle/>
-          <a:p>
-            <a:r>
-              <a:rPr lang="fr-FR" dirty="0" smtClean="0"/>
-              <a:t>10</a:t>
-            </a:r>
-            <a:endParaRPr lang="fr-FR" dirty="0"/>
-          </a:p>
-        </p:txBody>
-      </p:sp>
+      <p:graphicFrame>
+        <p:nvGraphicFramePr>
+          <p:cNvPr id="2" name="Tableau 1"/>
+          <p:cNvGraphicFramePr>
+            <a:graphicFrameLocks noGrp="1"/>
+          </p:cNvGraphicFramePr>
+          <p:nvPr>
+            <p:extLst>
+              <p:ext uri="{D42A27DB-BD31-4B8C-83A1-F6EECF244321}">
+                <p14:modId xmlns:p14="http://schemas.microsoft.com/office/powerpoint/2010/main" val="1560552152"/>
+              </p:ext>
+            </p:extLst>
+          </p:nvPr>
+        </p:nvGraphicFramePr>
+        <p:xfrm>
+          <a:off x="1524000" y="1397000"/>
+          <a:ext cx="6096000" cy="2565400"/>
+        </p:xfrm>
+        <a:graphic>
+          <a:graphicData uri="http://schemas.openxmlformats.org/drawingml/2006/table">
+            <a:tbl>
+              <a:tblPr firstRow="1" bandRow="1">
+                <a:tableStyleId>{073A0DAA-6AF3-43AB-8588-CEC1D06C72B9}</a:tableStyleId>
+              </a:tblPr>
+              <a:tblGrid>
+                <a:gridCol w="3048000"/>
+                <a:gridCol w="3048000"/>
+              </a:tblGrid>
+              <a:tr h="370840">
+                <a:tc>
+                  <a:txBody>
+                    <a:bodyPr/>
+                    <a:lstStyle/>
+                    <a:p>
+                      <a:r>
+                        <a:rPr lang="fr-FR" dirty="0" smtClean="0"/>
+                        <a:t>GUI</a:t>
+                      </a:r>
+                      <a:endParaRPr lang="fr-FR" dirty="0"/>
+                    </a:p>
+                  </a:txBody>
+                  <a:tcPr/>
+                </a:tc>
+                <a:tc>
+                  <a:txBody>
+                    <a:bodyPr/>
+                    <a:lstStyle/>
+                    <a:p>
+                      <a:r>
+                        <a:rPr lang="fr-FR" dirty="0" smtClean="0"/>
+                        <a:t>Communication</a:t>
+                      </a:r>
+                      <a:endParaRPr lang="fr-FR" dirty="0"/>
+                    </a:p>
+                  </a:txBody>
+                  <a:tcPr/>
+                </a:tc>
+              </a:tr>
+              <a:tr h="370840">
+                <a:tc>
+                  <a:txBody>
+                    <a:bodyPr/>
+                    <a:lstStyle/>
+                    <a:p>
+                      <a:r>
+                        <a:rPr lang="fr-FR" dirty="0" err="1" smtClean="0"/>
+                        <a:t>Adapted</a:t>
+                      </a:r>
+                      <a:r>
+                        <a:rPr lang="fr-FR" dirty="0" smtClean="0"/>
+                        <a:t> to </a:t>
+                      </a:r>
+                      <a:r>
+                        <a:rPr lang="fr-FR" dirty="0" err="1" smtClean="0"/>
+                        <a:t>any</a:t>
+                      </a:r>
+                      <a:r>
+                        <a:rPr lang="fr-FR" dirty="0" smtClean="0"/>
+                        <a:t> </a:t>
+                      </a:r>
+                      <a:r>
+                        <a:rPr lang="fr-FR" dirty="0" err="1" smtClean="0"/>
+                        <a:t>disabled</a:t>
+                      </a:r>
+                      <a:r>
+                        <a:rPr lang="fr-FR" dirty="0" smtClean="0"/>
+                        <a:t> user</a:t>
+                      </a:r>
+                      <a:endParaRPr lang="fr-FR" dirty="0"/>
+                    </a:p>
+                  </a:txBody>
+                  <a:tcPr/>
+                </a:tc>
+                <a:tc>
+                  <a:txBody>
+                    <a:bodyPr/>
+                    <a:lstStyle/>
+                    <a:p>
+                      <a:r>
+                        <a:rPr lang="fr-FR" dirty="0" err="1" smtClean="0"/>
+                        <a:t>With</a:t>
+                      </a:r>
+                      <a:r>
+                        <a:rPr lang="fr-FR" baseline="0" dirty="0" smtClean="0"/>
+                        <a:t> the </a:t>
+                      </a:r>
+                      <a:r>
+                        <a:rPr lang="fr-FR" baseline="0" dirty="0" err="1" smtClean="0"/>
+                        <a:t>wheelchair</a:t>
+                      </a:r>
+                      <a:r>
+                        <a:rPr lang="fr-FR" baseline="0" dirty="0" smtClean="0"/>
+                        <a:t> for a feedback</a:t>
+                      </a:r>
+                      <a:endParaRPr lang="fr-FR" dirty="0"/>
+                    </a:p>
+                  </a:txBody>
+                  <a:tcPr/>
+                </a:tc>
+              </a:tr>
+              <a:tr h="370840">
+                <a:tc>
+                  <a:txBody>
+                    <a:bodyPr/>
+                    <a:lstStyle/>
+                    <a:p>
+                      <a:r>
+                        <a:rPr lang="fr-FR" dirty="0" smtClean="0"/>
+                        <a:t>Simple to use</a:t>
+                      </a:r>
+                      <a:endParaRPr lang="fr-FR" dirty="0"/>
+                    </a:p>
+                  </a:txBody>
+                  <a:tcPr/>
+                </a:tc>
+                <a:tc>
+                  <a:txBody>
+                    <a:bodyPr/>
+                    <a:lstStyle/>
+                    <a:p>
+                      <a:r>
+                        <a:rPr lang="fr-FR" dirty="0" err="1" smtClean="0"/>
+                        <a:t>With</a:t>
+                      </a:r>
+                      <a:r>
+                        <a:rPr lang="fr-FR" dirty="0" smtClean="0"/>
+                        <a:t> </a:t>
+                      </a:r>
+                      <a:r>
+                        <a:rPr lang="fr-FR" dirty="0" err="1" smtClean="0"/>
+                        <a:t>Kira</a:t>
+                      </a:r>
+                      <a:r>
+                        <a:rPr lang="fr-FR" dirty="0" smtClean="0"/>
+                        <a:t> to control </a:t>
+                      </a:r>
+                      <a:r>
+                        <a:rPr lang="fr-FR" dirty="0" err="1" smtClean="0"/>
+                        <a:t>appliances</a:t>
+                      </a:r>
+                      <a:r>
+                        <a:rPr lang="fr-FR" baseline="0" dirty="0" smtClean="0"/>
+                        <a:t> </a:t>
+                      </a:r>
+                      <a:r>
+                        <a:rPr lang="fr-FR" baseline="0" dirty="0" err="1" smtClean="0"/>
+                        <a:t>with</a:t>
+                      </a:r>
+                      <a:r>
+                        <a:rPr lang="fr-FR" baseline="0" dirty="0" smtClean="0"/>
+                        <a:t> IR</a:t>
+                      </a:r>
+                      <a:endParaRPr lang="fr-FR" dirty="0"/>
+                    </a:p>
+                  </a:txBody>
+                  <a:tcPr/>
+                </a:tc>
+              </a:tr>
+              <a:tr h="370840">
+                <a:tc>
+                  <a:txBody>
+                    <a:bodyPr/>
+                    <a:lstStyle/>
+                    <a:p>
+                      <a:r>
+                        <a:rPr lang="fr-FR" dirty="0" smtClean="0"/>
+                        <a:t>Portable</a:t>
+                      </a:r>
+                      <a:endParaRPr lang="fr-FR" dirty="0"/>
+                    </a:p>
+                  </a:txBody>
+                  <a:tcPr/>
+                </a:tc>
+                <a:tc>
+                  <a:txBody>
+                    <a:bodyPr/>
+                    <a:lstStyle/>
+                    <a:p>
+                      <a:r>
+                        <a:rPr lang="fr-FR" dirty="0" err="1" smtClean="0"/>
+                        <a:t>With</a:t>
+                      </a:r>
+                      <a:r>
+                        <a:rPr lang="fr-FR" dirty="0" smtClean="0"/>
+                        <a:t> </a:t>
+                      </a:r>
+                      <a:r>
+                        <a:rPr lang="fr-FR" dirty="0" err="1" smtClean="0"/>
+                        <a:t>Fibaro</a:t>
+                      </a:r>
+                      <a:r>
+                        <a:rPr lang="fr-FR" baseline="0" dirty="0" smtClean="0"/>
+                        <a:t> Home Center to control </a:t>
+                      </a:r>
+                      <a:r>
+                        <a:rPr lang="fr-FR" baseline="0" dirty="0" err="1" smtClean="0"/>
+                        <a:t>appliances</a:t>
+                      </a:r>
+                      <a:r>
+                        <a:rPr lang="fr-FR" baseline="0" dirty="0" smtClean="0"/>
+                        <a:t> </a:t>
+                      </a:r>
+                      <a:r>
+                        <a:rPr lang="fr-FR" baseline="0" dirty="0" err="1" smtClean="0"/>
+                        <a:t>with</a:t>
+                      </a:r>
+                      <a:r>
+                        <a:rPr lang="fr-FR" baseline="0" dirty="0" smtClean="0"/>
+                        <a:t> z-</a:t>
+                      </a:r>
+                      <a:r>
+                        <a:rPr lang="fr-FR" baseline="0" dirty="0" err="1" smtClean="0"/>
+                        <a:t>wave</a:t>
+                      </a:r>
+                      <a:endParaRPr lang="fr-FR" dirty="0"/>
+                    </a:p>
+                  </a:txBody>
+                  <a:tcPr/>
+                </a:tc>
+              </a:tr>
+            </a:tbl>
+          </a:graphicData>
+        </a:graphic>
+      </p:graphicFrame>
     </p:spTree>
     <p:extLst>
       <p:ext uri="{BB962C8B-B14F-4D97-AF65-F5344CB8AC3E}">
-        <p14:creationId xmlns:p14="http://schemas.microsoft.com/office/powerpoint/2010/main" val="1017531347"/>
+        <p14:creationId xmlns:p14="http://schemas.microsoft.com/office/powerpoint/2010/main" val="3387256829"/>
       </p:ext>
     </p:extLst>
   </p:cSld>
@@ -9836,34 +11646,7 @@
       </p:grpSpPr>
       <p:sp>
         <p:nvSpPr>
-          <p:cNvPr id="3" name="Espace réservé du texte 2"/>
-          <p:cNvSpPr>
-            <a:spLocks noGrp="1"/>
-          </p:cNvSpPr>
-          <p:nvPr>
-            <p:ph type="body" sz="quarter" idx="10"/>
-          </p:nvPr>
-        </p:nvSpPr>
-        <p:spPr/>
-        <p:txBody>
-          <a:bodyPr/>
-          <a:lstStyle/>
-          <a:p>
-            <a:r>
-              <a:rPr lang="fr-FR" dirty="0" smtClean="0"/>
-              <a:t>Language </a:t>
-            </a:r>
-            <a:r>
-              <a:rPr lang="fr-FR" dirty="0" err="1" smtClean="0"/>
-              <a:t>choices</a:t>
-            </a:r>
-            <a:endParaRPr lang="fr-FR" dirty="0"/>
-          </a:p>
-        </p:txBody>
-      </p:sp>
-      <p:sp>
-        <p:nvSpPr>
-          <p:cNvPr id="4" name="Titre 1"/>
+          <p:cNvPr id="5" name="Titre 1"/>
           <p:cNvSpPr txBox="1">
             <a:spLocks/>
           </p:cNvSpPr>
@@ -9917,7 +11700,7 @@
       </p:sp>
       <p:sp>
         <p:nvSpPr>
-          <p:cNvPr id="5" name="ZoneTexte 4"/>
+          <p:cNvPr id="7" name="ZoneTexte 6"/>
           <p:cNvSpPr txBox="1"/>
           <p:nvPr/>
         </p:nvSpPr>
@@ -9939,16 +11722,46 @@
           <a:p>
             <a:r>
               <a:rPr lang="fr-FR" dirty="0" smtClean="0"/>
-              <a:t>11</a:t>
+              <a:t>10</a:t>
             </a:r>
             <a:endParaRPr lang="fr-FR" dirty="0"/>
           </a:p>
         </p:txBody>
       </p:sp>
+      <p:pic>
+        <p:nvPicPr>
+          <p:cNvPr id="2" name="Image 1"/>
+          <p:cNvPicPr>
+            <a:picLocks noChangeAspect="1"/>
+          </p:cNvPicPr>
+          <p:nvPr/>
+        </p:nvPicPr>
+        <p:blipFill>
+          <a:blip r:embed="rId2">
+            <a:extLst>
+              <a:ext uri="{28A0092B-C50C-407E-A947-70E740481C1C}">
+                <a14:useLocalDpi xmlns:a14="http://schemas.microsoft.com/office/drawing/2010/main" val="0"/>
+              </a:ext>
+            </a:extLst>
+          </a:blip>
+          <a:stretch>
+            <a:fillRect/>
+          </a:stretch>
+        </p:blipFill>
+        <p:spPr>
+          <a:xfrm>
+            <a:off x="0" y="968097"/>
+            <a:ext cx="9144000" cy="5327928"/>
+          </a:xfrm>
+          <a:prstGeom prst="rect">
+            <a:avLst/>
+          </a:prstGeom>
+        </p:spPr>
+      </p:pic>
     </p:spTree>
     <p:extLst>
       <p:ext uri="{BB962C8B-B14F-4D97-AF65-F5344CB8AC3E}">
-        <p14:creationId xmlns:p14="http://schemas.microsoft.com/office/powerpoint/2010/main" val="4288352340"/>
+        <p14:creationId xmlns:p14="http://schemas.microsoft.com/office/powerpoint/2010/main" val="1017531347"/>
       </p:ext>
     </p:extLst>
   </p:cSld>
@@ -9996,39 +11809,22 @@
       </p:grpSpPr>
       <p:sp>
         <p:nvSpPr>
-          <p:cNvPr id="2" name="Titre 1"/>
+          <p:cNvPr id="3" name="Espace réservé du texte 2"/>
           <p:cNvSpPr>
             <a:spLocks noGrp="1"/>
           </p:cNvSpPr>
           <p:nvPr>
-            <p:ph type="title"/>
+            <p:ph type="body" sz="quarter" idx="10"/>
           </p:nvPr>
         </p:nvSpPr>
-        <p:spPr>
-          <a:xfrm>
-            <a:off x="1647753" y="201105"/>
-            <a:ext cx="7886700" cy="1325563"/>
-          </a:xfrm>
-        </p:spPr>
+        <p:spPr/>
         <p:txBody>
-          <a:bodyPr lIns="68580" tIns="34290" rIns="68580" bIns="34290"/>
+          <a:bodyPr/>
           <a:lstStyle/>
           <a:p>
             <a:r>
-              <a:rPr lang="fr-FR" dirty="0" smtClean="0"/>
-              <a:t>HTTP </a:t>
-            </a:r>
-            <a:r>
               <a:rPr lang="fr-FR" dirty="0" err="1" smtClean="0"/>
-              <a:t>requests</a:t>
-            </a:r>
-            <a:r>
-              <a:rPr lang="fr-FR" dirty="0" smtClean="0"/>
-              <a:t>, </a:t>
-            </a:r>
-            <a:r>
-              <a:rPr lang="fr-FR" dirty="0" err="1" smtClean="0"/>
-              <a:t>library</a:t>
+              <a:t>Language</a:t>
             </a:r>
             <a:r>
               <a:rPr lang="fr-FR" dirty="0" smtClean="0"/>
@@ -10036,7 +11832,67 @@
             </a:r>
             <a:r>
               <a:rPr lang="fr-FR" dirty="0" err="1" smtClean="0"/>
-              <a:t>choice</a:t>
+              <a:t>choices</a:t>
+            </a:r>
+            <a:r>
+              <a:rPr lang="fr-FR" dirty="0" smtClean="0"/>
+              <a:t> (peut-être pas à détailler parce que c’est chiant, en gros on a choisi de continuer avec ce qu’ils ont commencé parce que c’est plutôt adapté et simple)</a:t>
+            </a:r>
+          </a:p>
+          <a:p>
+            <a:endParaRPr lang="fr-FR" dirty="0"/>
+          </a:p>
+        </p:txBody>
+      </p:sp>
+      <p:sp>
+        <p:nvSpPr>
+          <p:cNvPr id="4" name="Titre 1"/>
+          <p:cNvSpPr txBox="1">
+            <a:spLocks/>
+          </p:cNvSpPr>
+          <p:nvPr/>
+        </p:nvSpPr>
+        <p:spPr>
+          <a:xfrm>
+            <a:off x="628650" y="240792"/>
+            <a:ext cx="7876388" cy="1143000"/>
+          </a:xfrm>
+          <a:prstGeom prst="rect">
+            <a:avLst/>
+          </a:prstGeom>
+        </p:spPr>
+        <p:txBody>
+          <a:bodyPr anchor="t">
+            <a:normAutofit/>
+          </a:bodyPr>
+          <a:lstStyle>
+            <a:lvl1pPr algn="l" defTabSz="457200" rtl="0" eaLnBrk="1" latinLnBrk="0" hangingPunct="1">
+              <a:lnSpc>
+                <a:spcPct val="90000"/>
+              </a:lnSpc>
+              <a:spcBef>
+                <a:spcPct val="0"/>
+              </a:spcBef>
+              <a:buNone/>
+              <a:defRPr sz="2700" b="1" i="0" kern="1200" cap="all" baseline="0">
+                <a:solidFill>
+                  <a:schemeClr val="bg2"/>
+                </a:solidFill>
+                <a:latin typeface="+mj-lt"/>
+                <a:ea typeface="+mj-ea"/>
+                <a:cs typeface="HelveticaNeueLT Com 57 Cn" panose="020B0506030502030204" pitchFamily="34" charset="0"/>
+              </a:defRPr>
+            </a:lvl1pPr>
+          </a:lstStyle>
+          <a:p>
+            <a:pPr algn="ctr"/>
+            <a:r>
+              <a:rPr lang="fr-FR" dirty="0" smtClean="0"/>
+              <a:t>III. </a:t>
+            </a:r>
+            <a:r>
+              <a:rPr lang="fr-FR" dirty="0" err="1" smtClean="0"/>
+              <a:t>Pre-study</a:t>
             </a:r>
             <a:endParaRPr lang="fr-FR" dirty="0"/>
           </a:p>
@@ -10066,7 +11922,7 @@
           <a:p>
             <a:r>
               <a:rPr lang="fr-FR" dirty="0" smtClean="0"/>
-              <a:t>12</a:t>
+              <a:t>11</a:t>
             </a:r>
             <a:endParaRPr lang="fr-FR" dirty="0"/>
           </a:p>
@@ -10074,36 +11930,37 @@
       </p:sp>
       <p:graphicFrame>
         <p:nvGraphicFramePr>
-          <p:cNvPr id="6" name="Tableau 5"/>
+          <p:cNvPr id="2" name="Tableau 1"/>
           <p:cNvGraphicFramePr>
             <a:graphicFrameLocks noGrp="1"/>
           </p:cNvGraphicFramePr>
           <p:nvPr>
             <p:extLst>
               <p:ext uri="{D42A27DB-BD31-4B8C-83A1-F6EECF244321}">
-                <p14:modId xmlns:p14="http://schemas.microsoft.com/office/powerpoint/2010/main" val="4124681093"/>
+                <p14:modId xmlns:p14="http://schemas.microsoft.com/office/powerpoint/2010/main" val="3865115741"/>
               </p:ext>
             </p:extLst>
           </p:nvPr>
         </p:nvGraphicFramePr>
         <p:xfrm>
-          <a:off x="358239" y="1140028"/>
-          <a:ext cx="8585860" cy="4928262"/>
+          <a:off x="1524000" y="2331863"/>
+          <a:ext cx="6705600" cy="3479800"/>
         </p:xfrm>
         <a:graphic>
           <a:graphicData uri="http://schemas.openxmlformats.org/drawingml/2006/table">
             <a:tbl>
               <a:tblPr firstRow="1" bandRow="1">
-                <a:tableStyleId>{5C22544A-7EE6-4342-B048-85BDC9FD1C3A}</a:tableStyleId>
+                <a:tableStyleId>{073A0DAA-6AF3-43AB-8588-CEC1D06C72B9}</a:tableStyleId>
               </a:tblPr>
               <a:tblGrid>
-                <a:gridCol w="1525319"/>
-                <a:gridCol w="1714555"/>
-                <a:gridCol w="1806171"/>
-                <a:gridCol w="1766908"/>
-                <a:gridCol w="1772907"/>
+                <a:gridCol w="1117600"/>
+                <a:gridCol w="1117600"/>
+                <a:gridCol w="1117600"/>
+                <a:gridCol w="1117600"/>
+                <a:gridCol w="1117600"/>
+                <a:gridCol w="1117600"/>
               </a:tblGrid>
-              <a:tr h="1185040">
+              <a:tr h="370840">
                 <a:tc>
                   <a:txBody>
                     <a:bodyPr/>
@@ -10120,8 +11977,8 @@
                     <a:lstStyle/>
                     <a:p>
                       <a:r>
-                        <a:rPr lang="en-US" dirty="0" err="1" smtClean="0"/>
-                        <a:t>libcurl</a:t>
+                        <a:rPr lang="fr-FR" dirty="0" smtClean="0"/>
+                        <a:t>WPF</a:t>
                       </a:r>
                       <a:endParaRPr lang="fr-FR" dirty="0"/>
                     </a:p>
@@ -10134,8 +11991,8 @@
                     <a:lstStyle/>
                     <a:p>
                       <a:r>
-                        <a:rPr lang="en-US" dirty="0" smtClean="0"/>
-                        <a:t>http-tiny</a:t>
+                        <a:rPr lang="fr-FR" dirty="0" err="1" smtClean="0"/>
+                        <a:t>Qt</a:t>
                       </a:r>
                       <a:endParaRPr lang="fr-FR" dirty="0"/>
                     </a:p>
@@ -10148,8 +12005,8 @@
                     <a:lstStyle/>
                     <a:p>
                       <a:r>
-                        <a:rPr lang="en-US" dirty="0" err="1" smtClean="0"/>
-                        <a:t>Winhttp</a:t>
+                        <a:rPr lang="fr-FR" dirty="0" err="1" smtClean="0"/>
+                        <a:t>GTKmm</a:t>
                       </a:r>
                       <a:endParaRPr lang="fr-FR" dirty="0"/>
                     </a:p>
@@ -10162,24 +12019,8 @@
                     <a:lstStyle/>
                     <a:p>
                       <a:r>
-                        <a:rPr lang="en-US" dirty="0" err="1" smtClean="0"/>
-                        <a:t>HappyHttp</a:t>
-                      </a:r>
-                      <a:endParaRPr lang="fr-FR" dirty="0"/>
-                    </a:p>
-                  </a:txBody>
-                  <a:tcPr/>
-                </a:tc>
-              </a:tr>
-              <a:tr h="686571">
-                <a:tc>
-                  <a:txBody>
-                    <a:bodyPr/>
-                    <a:lstStyle/>
-                    <a:p>
-                      <a:r>
-                        <a:rPr lang="en-US" dirty="0" smtClean="0"/>
-                        <a:t>Language</a:t>
+                        <a:rPr lang="fr-FR" dirty="0" err="1" smtClean="0"/>
+                        <a:t>wxWindows</a:t>
                       </a:r>
                       <a:endParaRPr lang="fr-FR" dirty="0"/>
                     </a:p>
@@ -10192,8 +12033,200 @@
                     <a:lstStyle/>
                     <a:p>
                       <a:r>
-                        <a:rPr lang="en-US" dirty="0" smtClean="0"/>
-                        <a:t>C</a:t>
+                        <a:rPr lang="fr-FR" dirty="0" err="1" smtClean="0"/>
+                        <a:t>Fltk</a:t>
+                      </a:r>
+                      <a:endParaRPr lang="fr-FR" dirty="0"/>
+                    </a:p>
+                  </a:txBody>
+                  <a:tcPr/>
+                </a:tc>
+              </a:tr>
+              <a:tr h="370840">
+                <a:tc>
+                  <a:txBody>
+                    <a:bodyPr/>
+                    <a:lstStyle/>
+                    <a:p>
+                      <a:r>
+                        <a:rPr lang="fr-FR" dirty="0" smtClean="0"/>
+                        <a:t>Multi-OS</a:t>
+                      </a:r>
+                      <a:endParaRPr lang="fr-FR" dirty="0"/>
+                    </a:p>
+                  </a:txBody>
+                  <a:tcPr/>
+                </a:tc>
+                <a:tc>
+                  <a:txBody>
+                    <a:bodyPr/>
+                    <a:lstStyle/>
+                    <a:p>
+                      <a:endParaRPr lang="fr-FR"/>
+                    </a:p>
+                  </a:txBody>
+                  <a:tcPr/>
+                </a:tc>
+                <a:tc>
+                  <a:txBody>
+                    <a:bodyPr/>
+                    <a:lstStyle/>
+                    <a:p>
+                      <a:endParaRPr lang="fr-FR"/>
+                    </a:p>
+                  </a:txBody>
+                  <a:tcPr/>
+                </a:tc>
+                <a:tc>
+                  <a:txBody>
+                    <a:bodyPr/>
+                    <a:lstStyle/>
+                    <a:p>
+                      <a:r>
+                        <a:rPr lang="fr-FR" dirty="0" err="1" smtClean="0"/>
+                        <a:t>Mostly</a:t>
+                      </a:r>
+                      <a:r>
+                        <a:rPr lang="fr-FR" baseline="0" dirty="0" smtClean="0"/>
+                        <a:t> on Linux</a:t>
+                      </a:r>
+                      <a:endParaRPr lang="fr-FR" dirty="0"/>
+                    </a:p>
+                  </a:txBody>
+                  <a:tcPr/>
+                </a:tc>
+                <a:tc>
+                  <a:txBody>
+                    <a:bodyPr/>
+                    <a:lstStyle/>
+                    <a:p>
+                      <a:endParaRPr lang="fr-FR" dirty="0"/>
+                    </a:p>
+                  </a:txBody>
+                  <a:tcPr/>
+                </a:tc>
+                <a:tc>
+                  <a:txBody>
+                    <a:bodyPr/>
+                    <a:lstStyle/>
+                    <a:p>
+                      <a:r>
+                        <a:rPr lang="fr-FR" dirty="0" err="1" smtClean="0"/>
+                        <a:t>Yes</a:t>
+                      </a:r>
+                      <a:endParaRPr lang="fr-FR" dirty="0"/>
+                    </a:p>
+                  </a:txBody>
+                  <a:tcPr/>
+                </a:tc>
+              </a:tr>
+              <a:tr h="370840">
+                <a:tc>
+                  <a:txBody>
+                    <a:bodyPr/>
+                    <a:lstStyle/>
+                    <a:p>
+                      <a:r>
+                        <a:rPr lang="fr-FR" dirty="0" err="1" smtClean="0"/>
+                        <a:t>Adapted</a:t>
+                      </a:r>
+                      <a:r>
+                        <a:rPr lang="fr-FR" dirty="0" smtClean="0"/>
+                        <a:t> to tactile</a:t>
+                      </a:r>
+                      <a:endParaRPr lang="fr-FR" dirty="0"/>
+                    </a:p>
+                  </a:txBody>
+                  <a:tcPr/>
+                </a:tc>
+                <a:tc>
+                  <a:txBody>
+                    <a:bodyPr/>
+                    <a:lstStyle/>
+                    <a:p>
+                      <a:endParaRPr lang="fr-FR" dirty="0"/>
+                    </a:p>
+                  </a:txBody>
+                  <a:tcPr/>
+                </a:tc>
+                <a:tc>
+                  <a:txBody>
+                    <a:bodyPr/>
+                    <a:lstStyle/>
+                    <a:p>
+                      <a:r>
+                        <a:rPr lang="fr-FR" dirty="0" smtClean="0"/>
+                        <a:t>No</a:t>
+                      </a:r>
+                      <a:endParaRPr lang="fr-FR" dirty="0"/>
+                    </a:p>
+                  </a:txBody>
+                  <a:tcPr/>
+                </a:tc>
+                <a:tc>
+                  <a:txBody>
+                    <a:bodyPr/>
+                    <a:lstStyle/>
+                    <a:p>
+                      <a:endParaRPr lang="fr-FR" dirty="0"/>
+                    </a:p>
+                  </a:txBody>
+                  <a:tcPr/>
+                </a:tc>
+                <a:tc>
+                  <a:txBody>
+                    <a:bodyPr/>
+                    <a:lstStyle/>
+                    <a:p>
+                      <a:endParaRPr lang="fr-FR" dirty="0"/>
+                    </a:p>
+                  </a:txBody>
+                  <a:tcPr/>
+                </a:tc>
+                <a:tc>
+                  <a:txBody>
+                    <a:bodyPr/>
+                    <a:lstStyle/>
+                    <a:p>
+                      <a:endParaRPr lang="fr-FR" dirty="0"/>
+                    </a:p>
+                  </a:txBody>
+                  <a:tcPr/>
+                </a:tc>
+              </a:tr>
+              <a:tr h="370840">
+                <a:tc>
+                  <a:txBody>
+                    <a:bodyPr/>
+                    <a:lstStyle/>
+                    <a:p>
+                      <a:r>
+                        <a:rPr lang="fr-FR" dirty="0" smtClean="0"/>
+                        <a:t>Light</a:t>
+                      </a:r>
+                      <a:endParaRPr lang="fr-FR" dirty="0"/>
+                    </a:p>
+                  </a:txBody>
+                  <a:tcPr/>
+                </a:tc>
+                <a:tc>
+                  <a:txBody>
+                    <a:bodyPr/>
+                    <a:lstStyle/>
+                    <a:p>
+                      <a:endParaRPr lang="fr-FR"/>
+                    </a:p>
+                  </a:txBody>
+                  <a:tcPr/>
+                </a:tc>
+                <a:tc>
+                  <a:txBody>
+                    <a:bodyPr/>
+                    <a:lstStyle/>
+                    <a:p>
+                      <a:r>
+                        <a:rPr lang="fr-FR" dirty="0" smtClean="0"/>
+                        <a:t>No</a:t>
                       </a:r>
                       <a:endParaRPr lang="fr-FR" dirty="0"/>
                     </a:p>
@@ -10206,8 +12239,8 @@
                     <a:lstStyle/>
                     <a:p>
                       <a:r>
-                        <a:rPr lang="en-US" dirty="0" smtClean="0"/>
-                        <a:t>C</a:t>
+                        <a:rPr lang="fr-FR" dirty="0" smtClean="0"/>
+                        <a:t>No</a:t>
                       </a:r>
                       <a:endParaRPr lang="fr-FR" dirty="0"/>
                     </a:p>
@@ -10219,10 +12252,6 @@
                     <a:bodyPr/>
                     <a:lstStyle/>
                     <a:p>
-                      <a:r>
-                        <a:rPr lang="en-US" dirty="0" smtClean="0"/>
-                        <a:t>C/C++</a:t>
-                      </a:r>
                       <a:endParaRPr lang="fr-FR" dirty="0"/>
                     </a:p>
                   </a:txBody>
@@ -10234,8 +12263,28 @@
                     <a:lstStyle/>
                     <a:p>
                       <a:r>
-                        <a:rPr lang="en-US" dirty="0" smtClean="0"/>
-                        <a:t>C++</a:t>
+                        <a:rPr lang="fr-FR" dirty="0" err="1" smtClean="0"/>
+                        <a:t>Yes</a:t>
+                      </a:r>
+                      <a:r>
+                        <a:rPr lang="fr-FR" dirty="0" smtClean="0"/>
+                        <a:t> (but lots of </a:t>
+                      </a:r>
+                      <a:r>
+                        <a:rPr lang="fr-FR" dirty="0" err="1" smtClean="0"/>
+                        <a:t>libraries</a:t>
+                      </a:r>
+                      <a:r>
+                        <a:rPr lang="fr-FR" dirty="0" smtClean="0"/>
+                        <a:t> to </a:t>
+                      </a:r>
+                      <a:r>
+                        <a:rPr lang="fr-FR" dirty="0" err="1" smtClean="0"/>
+                        <a:t>install</a:t>
+                      </a:r>
+                      <a:r>
+                        <a:rPr lang="fr-FR" dirty="0" smtClean="0"/>
+                        <a:t>)</a:t>
                       </a:r>
                       <a:endParaRPr lang="fr-FR" dirty="0"/>
                     </a:p>
@@ -10243,16 +12292,12 @@
                   <a:tcPr/>
                 </a:tc>
               </a:tr>
-              <a:tr h="686571">
+              <a:tr h="370840">
                 <a:tc>
                   <a:txBody>
                     <a:bodyPr/>
                     <a:lstStyle/>
                     <a:p>
-                      <a:r>
-                        <a:rPr lang="en-US" dirty="0" smtClean="0"/>
-                        <a:t>Multi-OS</a:t>
-                      </a:r>
                       <a:endParaRPr lang="fr-FR" dirty="0"/>
                     </a:p>
                   </a:txBody>
@@ -10263,10 +12308,16 @@
                     <a:bodyPr/>
                     <a:lstStyle/>
                     <a:p>
-                      <a:r>
-                        <a:rPr lang="en-US" dirty="0" smtClean="0"/>
-                        <a:t>+</a:t>
-                      </a:r>
+                      <a:endParaRPr lang="fr-FR"/>
+                    </a:p>
+                  </a:txBody>
+                  <a:tcPr/>
+                </a:tc>
+                <a:tc>
+                  <a:txBody>
+                    <a:bodyPr/>
+                    <a:lstStyle/>
+                    <a:p>
                       <a:endParaRPr lang="fr-FR" dirty="0"/>
                     </a:p>
                   </a:txBody>
@@ -10277,10 +12328,6 @@
                     <a:bodyPr/>
                     <a:lstStyle/>
                     <a:p>
-                      <a:r>
-                        <a:rPr lang="en-US" dirty="0" smtClean="0"/>
-                        <a:t>+</a:t>
-                      </a:r>
                       <a:endParaRPr lang="fr-FR" dirty="0"/>
                     </a:p>
                   </a:txBody>
@@ -10291,10 +12338,6 @@
                     <a:bodyPr/>
                     <a:lstStyle/>
                     <a:p>
-                      <a:r>
-                        <a:rPr lang="en-US" dirty="0" smtClean="0"/>
-                        <a:t>-</a:t>
-                      </a:r>
                       <a:endParaRPr lang="fr-FR" dirty="0"/>
                     </a:p>
                   </a:txBody>
@@ -10305,154 +12348,6 @@
                     <a:bodyPr/>
                     <a:lstStyle/>
                     <a:p>
-                      <a:r>
-                        <a:rPr lang="en-US" dirty="0" smtClean="0"/>
-                        <a:t>+</a:t>
-                      </a:r>
-                      <a:endParaRPr lang="fr-FR" dirty="0"/>
-                    </a:p>
-                  </a:txBody>
-                  <a:tcPr/>
-                </a:tc>
-              </a:tr>
-              <a:tr h="1185040">
-                <a:tc>
-                  <a:txBody>
-                    <a:bodyPr/>
-                    <a:lstStyle/>
-                    <a:p>
-                      <a:r>
-                        <a:rPr lang="en-US" dirty="0" smtClean="0"/>
-                        <a:t>Easy-to-use</a:t>
-                      </a:r>
-                      <a:endParaRPr lang="fr-FR" dirty="0"/>
-                    </a:p>
-                  </a:txBody>
-                  <a:tcPr/>
-                </a:tc>
-                <a:tc>
-                  <a:txBody>
-                    <a:bodyPr/>
-                    <a:lstStyle/>
-                    <a:p>
-                      <a:r>
-                        <a:rPr lang="en-US" dirty="0" smtClean="0"/>
-                        <a:t>-</a:t>
-                      </a:r>
-                      <a:endParaRPr lang="fr-FR" dirty="0"/>
-                    </a:p>
-                  </a:txBody>
-                  <a:tcPr/>
-                </a:tc>
-                <a:tc>
-                  <a:txBody>
-                    <a:bodyPr/>
-                    <a:lstStyle/>
-                    <a:p>
-                      <a:r>
-                        <a:rPr lang="en-US" dirty="0" smtClean="0"/>
-                        <a:t>+</a:t>
-                      </a:r>
-                      <a:endParaRPr lang="fr-FR" dirty="0"/>
-                    </a:p>
-                  </a:txBody>
-                  <a:tcPr/>
-                </a:tc>
-                <a:tc>
-                  <a:txBody>
-                    <a:bodyPr/>
-                    <a:lstStyle/>
-                    <a:p>
-                      <a:r>
-                        <a:rPr lang="en-US" dirty="0" smtClean="0"/>
-                        <a:t>-</a:t>
-                      </a:r>
-                      <a:endParaRPr lang="fr-FR" dirty="0"/>
-                    </a:p>
-                  </a:txBody>
-                  <a:tcPr/>
-                </a:tc>
-                <a:tc>
-                  <a:txBody>
-                    <a:bodyPr/>
-                    <a:lstStyle/>
-                    <a:p>
-                      <a:r>
-                        <a:rPr lang="en-US" dirty="0" smtClean="0"/>
-                        <a:t>+</a:t>
-                      </a:r>
-                      <a:endParaRPr lang="fr-FR" dirty="0"/>
-                    </a:p>
-                  </a:txBody>
-                  <a:tcPr/>
-                </a:tc>
-              </a:tr>
-              <a:tr h="1185040">
-                <a:tc>
-                  <a:txBody>
-                    <a:bodyPr/>
-                    <a:lstStyle/>
-                    <a:p>
-                      <a:r>
-                        <a:rPr lang="en-US" dirty="0" smtClean="0"/>
-                        <a:t>Documentation</a:t>
-                      </a:r>
-                      <a:endParaRPr lang="fr-FR" dirty="0"/>
-                    </a:p>
-                  </a:txBody>
-                  <a:tcPr/>
-                </a:tc>
-                <a:tc>
-                  <a:txBody>
-                    <a:bodyPr/>
-                    <a:lstStyle/>
-                    <a:p>
-                      <a:r>
-                        <a:rPr lang="en-US" dirty="0" smtClean="0"/>
-                        <a:t>+</a:t>
-                      </a:r>
-                      <a:endParaRPr lang="fr-FR" dirty="0"/>
-                    </a:p>
-                  </a:txBody>
-                  <a:tcPr/>
-                </a:tc>
-                <a:tc>
-                  <a:txBody>
-                    <a:bodyPr/>
-                    <a:lstStyle/>
-                    <a:p>
-                      <a:r>
-                        <a:rPr lang="en-US" dirty="0" smtClean="0"/>
-                        <a:t>-</a:t>
-                      </a:r>
-                      <a:endParaRPr lang="fr-FR" dirty="0"/>
-                    </a:p>
-                  </a:txBody>
-                  <a:tcPr/>
-                </a:tc>
-                <a:tc>
-                  <a:txBody>
-                    <a:bodyPr/>
-                    <a:lstStyle/>
-                    <a:p>
-                      <a:r>
-                        <a:rPr lang="en-US" dirty="0" smtClean="0"/>
-                        <a:t>+</a:t>
-                      </a:r>
-                      <a:endParaRPr lang="fr-FR" dirty="0"/>
-                    </a:p>
-                  </a:txBody>
-                  <a:tcPr/>
-                </a:tc>
-                <a:tc>
-                  <a:txBody>
-                    <a:bodyPr/>
-                    <a:lstStyle/>
-                    <a:p>
-                      <a:r>
-                        <a:rPr lang="en-US" dirty="0" smtClean="0"/>
-                        <a:t>+</a:t>
-                      </a:r>
                       <a:endParaRPr lang="fr-FR" dirty="0"/>
                     </a:p>
                   </a:txBody>
@@ -10466,16 +12361,25 @@
     </p:spTree>
     <p:extLst>
       <p:ext uri="{BB962C8B-B14F-4D97-AF65-F5344CB8AC3E}">
-        <p14:creationId xmlns:p14="http://schemas.microsoft.com/office/powerpoint/2010/main" val="1423668841"/>
+        <p14:creationId xmlns:p14="http://schemas.microsoft.com/office/powerpoint/2010/main" val="4288352340"/>
       </p:ext>
     </p:extLst>
   </p:cSld>
   <p:clrMapOvr>
     <a:masterClrMapping/>
   </p:clrMapOvr>
-  <p:transition spd="med">
-    <p:fade/>
-  </p:transition>
+  <mc:AlternateContent xmlns:mc="http://schemas.openxmlformats.org/markup-compatibility/2006" xmlns:p14="http://schemas.microsoft.com/office/powerpoint/2010/main">
+    <mc:Choice Requires="p14">
+      <p:transition spd="med" p14:dur="700">
+        <p:fade/>
+      </p:transition>
+    </mc:Choice>
+    <mc:Fallback xmlns="">
+      <p:transition spd="med">
+        <p:fade/>
+      </p:transition>
+    </mc:Fallback>
+  </mc:AlternateContent>
   <p:timing>
     <p:tnLst>
       <p:par>

--- a/Rendu/Diapo_prototype_janvier.pptx
+++ b/Rendu/Diapo_prototype_janvier.pptx
@@ -5,10 +5,10 @@
     <p:sldMasterId id="2147483648" r:id="rId1"/>
   </p:sldMasterIdLst>
   <p:notesMasterIdLst>
-    <p:notesMasterId r:id="rId20"/>
+    <p:notesMasterId r:id="rId21"/>
   </p:notesMasterIdLst>
   <p:handoutMasterIdLst>
-    <p:handoutMasterId r:id="rId21"/>
+    <p:handoutMasterId r:id="rId22"/>
   </p:handoutMasterIdLst>
   <p:sldIdLst>
     <p:sldId id="303" r:id="rId2"/>
@@ -27,8 +27,9 @@
     <p:sldId id="286" r:id="rId15"/>
     <p:sldId id="297" r:id="rId16"/>
     <p:sldId id="305" r:id="rId17"/>
-    <p:sldId id="299" r:id="rId18"/>
-    <p:sldId id="306" r:id="rId19"/>
+    <p:sldId id="307" r:id="rId18"/>
+    <p:sldId id="299" r:id="rId19"/>
+    <p:sldId id="306" r:id="rId20"/>
   </p:sldIdLst>
   <p:sldSz cx="9144000" cy="6858000" type="screen4x3"/>
   <p:notesSz cx="6799263" cy="9929813"/>
@@ -129,7 +130,7 @@
   </p:defaultTextStyle>
   <p:extLst>
     <p:ext uri="{EFAFB233-063F-42B5-8137-9DF3F51BA10A}">
-      <p15:sldGuideLst xmlns:p15="http://schemas.microsoft.com/office/powerpoint/2012/main">
+      <p15:sldGuideLst xmlns:p15="http://schemas.microsoft.com/office/powerpoint/2012/main" xmlns="">
         <p15:guide id="1" orient="horz" pos="1620">
           <p15:clr>
             <a:srgbClr val="A4A3A4"/>
@@ -8395,7 +8396,6 @@
               <a:rPr lang="fr-FR" dirty="0"/>
               <a:t>	</a:t>
             </a:r>
-            <a:endParaRPr lang="fr-FR" dirty="0"/>
           </a:p>
           <a:p>
             <a:endParaRPr lang="fr-FR" dirty="0" smtClean="0"/>
@@ -8715,7 +8715,51 @@
           <a:bodyPr/>
           <a:lstStyle/>
           <a:p>
-            <a:endParaRPr lang="fr-FR" dirty="0"/>
+            <a:r>
+              <a:rPr lang="en-US" dirty="0" smtClean="0"/>
+              <a:t>Familiarize with the previous code</a:t>
+            </a:r>
+          </a:p>
+          <a:p>
+            <a:endParaRPr lang="en-US" dirty="0" smtClean="0"/>
+          </a:p>
+          <a:p>
+            <a:endParaRPr lang="en-US" dirty="0" smtClean="0"/>
+          </a:p>
+          <a:p>
+            <a:endParaRPr lang="en-US" dirty="0"/>
+          </a:p>
+          <a:p>
+            <a:r>
+              <a:rPr lang="en-US" dirty="0" smtClean="0"/>
+              <a:t>Communication with a Kira, technically usable on every system</a:t>
+            </a:r>
+          </a:p>
+          <a:p>
+            <a:endParaRPr lang="en-US" dirty="0"/>
+          </a:p>
+          <a:p>
+            <a:endParaRPr lang="en-US" dirty="0" smtClean="0"/>
+          </a:p>
+          <a:p>
+            <a:endParaRPr lang="en-US" dirty="0" smtClean="0"/>
+          </a:p>
+          <a:p>
+            <a:r>
+              <a:rPr lang="en-US" dirty="0" smtClean="0"/>
+              <a:t>Implemented in our interface for </a:t>
+            </a:r>
+            <a:r>
+              <a:rPr lang="en-US" smtClean="0"/>
+              <a:t>a prototype</a:t>
+            </a:r>
+            <a:endParaRPr lang="en-US" dirty="0" smtClean="0"/>
+          </a:p>
+          <a:p>
+            <a:pPr marL="0" indent="0">
+              <a:buNone/>
+            </a:pPr>
+            <a:endParaRPr lang="en-US" dirty="0"/>
           </a:p>
         </p:txBody>
       </p:sp>
@@ -8929,11 +8973,7 @@
           <a:p>
             <a:r>
               <a:rPr lang="fr-FR" sz="1500" dirty="0" smtClean="0"/>
-              <a:t>Windows </a:t>
-            </a:r>
-            <a:r>
-              <a:rPr lang="fr-FR" sz="1500" dirty="0" smtClean="0"/>
-              <a:t>8</a:t>
+              <a:t>Windows 8</a:t>
             </a:r>
             <a:endParaRPr lang="fr-FR" sz="1500" dirty="0"/>
           </a:p>
@@ -9524,42 +9564,6 @@
       </p:grpSpPr>
       <p:sp>
         <p:nvSpPr>
-          <p:cNvPr id="2" name="Titre 1"/>
-          <p:cNvSpPr>
-            <a:spLocks noGrp="1"/>
-          </p:cNvSpPr>
-          <p:nvPr>
-            <p:ph type="title"/>
-          </p:nvPr>
-        </p:nvSpPr>
-        <p:spPr>
-          <a:xfrm>
-            <a:off x="2982524" y="287798"/>
-            <a:ext cx="3178952" cy="1143000"/>
-          </a:xfrm>
-        </p:spPr>
-        <p:txBody>
-          <a:bodyPr/>
-          <a:lstStyle/>
-          <a:p>
-            <a:r>
-              <a:rPr lang="fr-FR" dirty="0" err="1" smtClean="0"/>
-              <a:t>What’s</a:t>
-            </a:r>
-            <a:r>
-              <a:rPr lang="fr-FR" dirty="0" smtClean="0"/>
-              <a:t> </a:t>
-            </a:r>
-            <a:r>
-              <a:rPr lang="fr-FR" dirty="0" err="1" smtClean="0"/>
-              <a:t>next</a:t>
-            </a:r>
-            <a:endParaRPr lang="fr-FR" dirty="0"/>
-          </a:p>
-        </p:txBody>
-      </p:sp>
-      <p:sp>
-        <p:nvSpPr>
           <p:cNvPr id="3" name="Espace réservé du texte 2"/>
           <p:cNvSpPr>
             <a:spLocks noGrp="1"/>
@@ -9623,6 +9627,64 @@
           </a:prstGeom>
         </p:spPr>
       </p:pic>
+      <p:sp>
+        <p:nvSpPr>
+          <p:cNvPr id="6" name="Titre 1"/>
+          <p:cNvSpPr txBox="1">
+            <a:spLocks/>
+          </p:cNvSpPr>
+          <p:nvPr/>
+        </p:nvSpPr>
+        <p:spPr>
+          <a:xfrm>
+            <a:off x="633806" y="270681"/>
+            <a:ext cx="7876388" cy="1143000"/>
+          </a:xfrm>
+          <a:prstGeom prst="rect">
+            <a:avLst/>
+          </a:prstGeom>
+        </p:spPr>
+        <p:txBody>
+          <a:bodyPr anchor="t">
+            <a:normAutofit/>
+          </a:bodyPr>
+          <a:lstStyle>
+            <a:lvl1pPr algn="l" defTabSz="457200" rtl="0" eaLnBrk="1" latinLnBrk="0" hangingPunct="1">
+              <a:lnSpc>
+                <a:spcPct val="90000"/>
+              </a:lnSpc>
+              <a:spcBef>
+                <a:spcPct val="0"/>
+              </a:spcBef>
+              <a:buNone/>
+              <a:defRPr sz="2700" b="1" i="0" kern="1200" cap="all" baseline="0">
+                <a:solidFill>
+                  <a:schemeClr val="bg2"/>
+                </a:solidFill>
+                <a:latin typeface="+mj-lt"/>
+                <a:ea typeface="+mj-ea"/>
+                <a:cs typeface="HelveticaNeueLT Com 57 Cn" panose="020B0506030502030204" pitchFamily="34" charset="0"/>
+              </a:defRPr>
+            </a:lvl1pPr>
+          </a:lstStyle>
+          <a:p>
+            <a:pPr algn="ctr"/>
+            <a:r>
+              <a:rPr lang="fr-FR" smtClean="0"/>
+              <a:t>V. </a:t>
+            </a:r>
+            <a:r>
+              <a:rPr lang="en-US" smtClean="0"/>
+              <a:t>What’s</a:t>
+            </a:r>
+            <a:r>
+              <a:rPr lang="fr-FR" smtClean="0"/>
+              <a:t> next</a:t>
+            </a:r>
+            <a:endParaRPr lang="fr-FR" dirty="0"/>
+          </a:p>
+        </p:txBody>
+      </p:sp>
     </p:spTree>
     <p:extLst>
       <p:ext uri="{BB962C8B-B14F-4D97-AF65-F5344CB8AC3E}">
@@ -9680,81 +9742,274 @@
           <a:bodyPr/>
           <a:lstStyle/>
           <a:p>
-            <a:r>
-              <a:rPr lang="fr-FR" dirty="0" err="1" smtClean="0"/>
-              <a:t>What</a:t>
-            </a:r>
-            <a:r>
-              <a:rPr lang="fr-FR" dirty="0" smtClean="0"/>
-              <a:t> </a:t>
-            </a:r>
-            <a:r>
-              <a:rPr lang="fr-FR" dirty="0" err="1" smtClean="0"/>
-              <a:t>we</a:t>
-            </a:r>
-            <a:r>
-              <a:rPr lang="fr-FR" dirty="0" smtClean="0"/>
-              <a:t> </a:t>
-            </a:r>
-            <a:r>
-              <a:rPr lang="fr-FR" dirty="0" err="1" smtClean="0"/>
-              <a:t>will</a:t>
-            </a:r>
-            <a:r>
-              <a:rPr lang="fr-FR" dirty="0" smtClean="0"/>
-              <a:t> </a:t>
-            </a:r>
-            <a:r>
-              <a:rPr lang="fr-FR" dirty="0" err="1" smtClean="0"/>
-              <a:t>learn</a:t>
-            </a:r>
-            <a:r>
-              <a:rPr lang="fr-FR" dirty="0" smtClean="0"/>
-              <a:t> / have </a:t>
-            </a:r>
-            <a:r>
-              <a:rPr lang="fr-FR" dirty="0" err="1" smtClean="0"/>
-              <a:t>learnt</a:t>
-            </a:r>
-            <a:endParaRPr lang="fr-FR" dirty="0" smtClean="0"/>
-          </a:p>
-          <a:p>
             <a:pPr marL="0" indent="0">
               <a:buNone/>
             </a:pPr>
             <a:r>
-              <a:rPr lang="fr-FR" dirty="0"/>
-              <a:t>	</a:t>
-            </a:r>
-            <a:r>
-              <a:rPr lang="fr-FR" dirty="0" smtClean="0"/>
-              <a:t>C</a:t>
-            </a:r>
-            <a:r>
-              <a:rPr lang="fr-FR" dirty="0" smtClean="0"/>
-              <a:t>++</a:t>
+              <a:rPr lang="en-US" dirty="0" smtClean="0"/>
+              <a:t>Improvements on the interface :</a:t>
             </a:r>
           </a:p>
           <a:p>
             <a:pPr marL="0" indent="0">
               <a:buNone/>
             </a:pPr>
-            <a:r>
-              <a:rPr lang="fr-FR" dirty="0" smtClean="0"/>
-              <a:t>	C#</a:t>
-            </a:r>
+            <a:endParaRPr lang="en-US" dirty="0" smtClean="0"/>
+          </a:p>
+          <a:p>
+            <a:pPr>
+              <a:buFont typeface="Wingdings" panose="05000000000000000000" pitchFamily="2" charset="2"/>
+              <a:buChar char="§"/>
+            </a:pPr>
+            <a:r>
+              <a:rPr lang="en-US" dirty="0" smtClean="0"/>
+              <a:t>Render it usable by everyone (all types of disabilities)</a:t>
+            </a:r>
+          </a:p>
+          <a:p>
+            <a:pPr>
+              <a:buFont typeface="Wingdings" panose="05000000000000000000" pitchFamily="2" charset="2"/>
+              <a:buChar char="§"/>
+            </a:pPr>
+            <a:endParaRPr lang="en-US" dirty="0" smtClean="0"/>
+          </a:p>
+          <a:p>
+            <a:pPr>
+              <a:buFont typeface="Wingdings" panose="05000000000000000000" pitchFamily="2" charset="2"/>
+              <a:buChar char="§"/>
+            </a:pPr>
+            <a:endParaRPr lang="en-US" dirty="0" smtClean="0"/>
+          </a:p>
+          <a:p>
+            <a:pPr>
+              <a:buFont typeface="Wingdings" panose="05000000000000000000" pitchFamily="2" charset="2"/>
+              <a:buChar char="§"/>
+            </a:pPr>
+            <a:r>
+              <a:rPr lang="en-US" dirty="0" smtClean="0"/>
+              <a:t>Display the feedback from the wheelchair in real-time</a:t>
+            </a:r>
+          </a:p>
+          <a:p>
+            <a:pPr>
+              <a:buFont typeface="Wingdings" panose="05000000000000000000" pitchFamily="2" charset="2"/>
+              <a:buChar char="§"/>
+            </a:pPr>
+            <a:endParaRPr lang="en-US" dirty="0" smtClean="0"/>
+          </a:p>
+          <a:p>
+            <a:pPr>
+              <a:buFont typeface="Wingdings" panose="05000000000000000000" pitchFamily="2" charset="2"/>
+              <a:buChar char="§"/>
+            </a:pPr>
+            <a:endParaRPr lang="en-US" dirty="0" smtClean="0"/>
+          </a:p>
+          <a:p>
+            <a:pPr>
+              <a:buFont typeface="Wingdings" panose="05000000000000000000" pitchFamily="2" charset="2"/>
+              <a:buChar char="§"/>
+            </a:pPr>
+            <a:r>
+              <a:rPr lang="en-US" dirty="0" err="1" smtClean="0"/>
+              <a:t>Fibaro</a:t>
+            </a:r>
+            <a:r>
+              <a:rPr lang="en-US" dirty="0" smtClean="0"/>
+              <a:t> support</a:t>
+            </a:r>
+          </a:p>
+          <a:p>
+            <a:pPr>
+              <a:buFont typeface="Wingdings" panose="05000000000000000000" pitchFamily="2" charset="2"/>
+              <a:buChar char="§"/>
+            </a:pPr>
+            <a:endParaRPr lang="en-US" dirty="0" smtClean="0"/>
+          </a:p>
+          <a:p>
+            <a:pPr>
+              <a:buFont typeface="Wingdings" panose="05000000000000000000" pitchFamily="2" charset="2"/>
+              <a:buChar char="§"/>
+            </a:pPr>
+            <a:endParaRPr lang="en-US" dirty="0" smtClean="0"/>
+          </a:p>
+          <a:p>
+            <a:pPr>
+              <a:buFont typeface="Wingdings" panose="05000000000000000000" pitchFamily="2" charset="2"/>
+              <a:buChar char="§"/>
+            </a:pPr>
+            <a:r>
+              <a:rPr lang="en-US" dirty="0" smtClean="0"/>
+              <a:t>Aesthetics enhancement</a:t>
+            </a:r>
+          </a:p>
+          <a:p>
+            <a:pPr>
+              <a:buFont typeface="Wingdings" panose="05000000000000000000" pitchFamily="2" charset="2"/>
+              <a:buChar char="§"/>
+            </a:pPr>
+            <a:endParaRPr lang="en-US" dirty="0" smtClean="0"/>
+          </a:p>
+          <a:p>
+            <a:endParaRPr lang="en-US" dirty="0" smtClean="0"/>
           </a:p>
           <a:p>
             <a:pPr marL="0" indent="0">
               <a:buNone/>
             </a:pPr>
-            <a:r>
-              <a:rPr lang="fr-FR" dirty="0"/>
-              <a:t>	</a:t>
-            </a:r>
+            <a:endParaRPr lang="en-US" dirty="0"/>
+          </a:p>
+        </p:txBody>
+      </p:sp>
+      <p:sp>
+        <p:nvSpPr>
+          <p:cNvPr id="4" name="Titre 1"/>
+          <p:cNvSpPr txBox="1">
+            <a:spLocks/>
+          </p:cNvSpPr>
+          <p:nvPr/>
+        </p:nvSpPr>
+        <p:spPr>
+          <a:xfrm>
+            <a:off x="633806" y="270681"/>
+            <a:ext cx="7876388" cy="1143000"/>
+          </a:xfrm>
+          <a:prstGeom prst="rect">
+            <a:avLst/>
+          </a:prstGeom>
+        </p:spPr>
+        <p:txBody>
+          <a:bodyPr anchor="t">
+            <a:normAutofit/>
+          </a:bodyPr>
+          <a:lstStyle>
+            <a:lvl1pPr algn="l" defTabSz="457200" rtl="0" eaLnBrk="1" latinLnBrk="0" hangingPunct="1">
+              <a:lnSpc>
+                <a:spcPct val="90000"/>
+              </a:lnSpc>
+              <a:spcBef>
+                <a:spcPct val="0"/>
+              </a:spcBef>
+              <a:buNone/>
+              <a:defRPr sz="2700" b="1" i="0" kern="1200" cap="all" baseline="0">
+                <a:solidFill>
+                  <a:schemeClr val="bg2"/>
+                </a:solidFill>
+                <a:latin typeface="+mj-lt"/>
+                <a:ea typeface="+mj-ea"/>
+                <a:cs typeface="HelveticaNeueLT Com 57 Cn" panose="020B0506030502030204" pitchFamily="34" charset="0"/>
+              </a:defRPr>
+            </a:lvl1pPr>
+          </a:lstStyle>
+          <a:p>
+            <a:pPr algn="ctr"/>
+            <a:r>
+              <a:rPr lang="fr-FR" smtClean="0"/>
+              <a:t>V. </a:t>
+            </a:r>
+            <a:r>
+              <a:rPr lang="en-US" smtClean="0"/>
+              <a:t>What’s</a:t>
+            </a:r>
+            <a:r>
+              <a:rPr lang="fr-FR" smtClean="0"/>
+              <a:t> next</a:t>
+            </a:r>
+            <a:endParaRPr lang="fr-FR" dirty="0"/>
+          </a:p>
+        </p:txBody>
+      </p:sp>
+    </p:spTree>
+    <p:extLst>
+      <p:ext uri="{BB962C8B-B14F-4D97-AF65-F5344CB8AC3E}">
+        <p14:creationId xmlns:p14="http://schemas.microsoft.com/office/powerpoint/2010/main" val="3554826814"/>
+      </p:ext>
+    </p:extLst>
+  </p:cSld>
+  <p:clrMapOvr>
+    <a:masterClrMapping/>
+  </p:clrMapOvr>
+  <mc:AlternateContent xmlns:mc="http://schemas.openxmlformats.org/markup-compatibility/2006" xmlns:p14="http://schemas.microsoft.com/office/powerpoint/2010/main">
+    <mc:Choice Requires="p14">
+      <p:transition spd="med" p14:dur="700">
+        <p:fade/>
+      </p:transition>
+    </mc:Choice>
+    <mc:Fallback xmlns="">
+      <p:transition spd="med">
+        <p:fade/>
+      </p:transition>
+    </mc:Fallback>
+  </mc:AlternateContent>
+</p:sld>
+</file>
+
+<file path=ppt/slides/slide18.xml><?xml version="1.0" encoding="utf-8"?>
+<p:sld xmlns:a="http://schemas.openxmlformats.org/drawingml/2006/main" xmlns:r="http://schemas.openxmlformats.org/officeDocument/2006/relationships" xmlns:p="http://schemas.openxmlformats.org/presentationml/2006/main">
+  <p:cSld>
+    <p:spTree>
+      <p:nvGrpSpPr>
+        <p:cNvPr id="1" name=""/>
+        <p:cNvGrpSpPr/>
+        <p:nvPr/>
+      </p:nvGrpSpPr>
+      <p:grpSpPr>
+        <a:xfrm>
+          <a:off x="0" y="0"/>
+          <a:ext cx="0" cy="0"/>
+          <a:chOff x="0" y="0"/>
+          <a:chExt cx="0" cy="0"/>
+        </a:xfrm>
+      </p:grpSpPr>
+      <p:sp>
+        <p:nvSpPr>
+          <p:cNvPr id="3" name="Espace réservé du texte 2"/>
+          <p:cNvSpPr>
+            <a:spLocks noGrp="1"/>
+          </p:cNvSpPr>
+          <p:nvPr>
+            <p:ph type="body" sz="quarter" idx="10"/>
+          </p:nvPr>
+        </p:nvSpPr>
+        <p:spPr/>
+        <p:txBody>
+          <a:bodyPr/>
+          <a:lstStyle/>
+          <a:p>
             <a:r>
               <a:rPr lang="fr-FR" dirty="0" err="1" smtClean="0"/>
-              <a:t>XaML</a:t>
+              <a:t>What</a:t>
+            </a:r>
+            <a:r>
+              <a:rPr lang="fr-FR" dirty="0" smtClean="0"/>
+              <a:t> </a:t>
+            </a:r>
+            <a:r>
+              <a:rPr lang="fr-FR" dirty="0" err="1" smtClean="0"/>
+              <a:t>we</a:t>
+            </a:r>
+            <a:r>
+              <a:rPr lang="fr-FR" dirty="0" smtClean="0"/>
+              <a:t> </a:t>
+            </a:r>
+            <a:r>
+              <a:rPr lang="fr-FR" dirty="0" err="1" smtClean="0"/>
+              <a:t>will</a:t>
+            </a:r>
+            <a:r>
+              <a:rPr lang="fr-FR" dirty="0" smtClean="0"/>
+              <a:t> </a:t>
+            </a:r>
+            <a:r>
+              <a:rPr lang="fr-FR" dirty="0" err="1" smtClean="0"/>
+              <a:t>learn</a:t>
+            </a:r>
+            <a:r>
+              <a:rPr lang="fr-FR" dirty="0" smtClean="0"/>
+              <a:t> / have </a:t>
+            </a:r>
+            <a:r>
+              <a:rPr lang="fr-FR" dirty="0" err="1" smtClean="0"/>
+              <a:t>learnt</a:t>
             </a:r>
             <a:endParaRPr lang="fr-FR" dirty="0" smtClean="0"/>
           </a:p>
@@ -9763,12 +10018,48 @@
               <a:buNone/>
             </a:pPr>
             <a:r>
+              <a:rPr lang="fr-FR" dirty="0"/>
+              <a:t>	</a:t>
+            </a:r>
+            <a:r>
+              <a:rPr lang="fr-FR" dirty="0" smtClean="0"/>
+              <a:t>C++</a:t>
+            </a:r>
+          </a:p>
+          <a:p>
+            <a:pPr marL="0" indent="0">
+              <a:buNone/>
+            </a:pPr>
+            <a:r>
+              <a:rPr lang="fr-FR" dirty="0" smtClean="0"/>
+              <a:t>	C#</a:t>
+            </a:r>
+          </a:p>
+          <a:p>
+            <a:pPr marL="0" indent="0">
+              <a:buNone/>
+            </a:pPr>
+            <a:r>
+              <a:rPr lang="fr-FR" dirty="0"/>
+              <a:t>	</a:t>
+            </a:r>
+            <a:r>
+              <a:rPr lang="fr-FR" dirty="0" err="1" smtClean="0"/>
+              <a:t>XaML</a:t>
+            </a:r>
+            <a:endParaRPr lang="fr-FR" dirty="0" smtClean="0"/>
+          </a:p>
+          <a:p>
+            <a:pPr marL="0" indent="0">
+              <a:buNone/>
+            </a:pPr>
+            <a:r>
               <a:rPr lang="fr-FR" dirty="0" smtClean="0"/>
               <a:t>	</a:t>
             </a:r>
             <a:r>
-              <a:rPr lang="fr-FR" dirty="0" err="1" smtClean="0"/>
-              <a:t>versioning</a:t>
+              <a:rPr lang="fr-FR" dirty="0" smtClean="0"/>
+              <a:t>Git</a:t>
             </a:r>
             <a:endParaRPr lang="fr-FR" dirty="0" smtClean="0"/>
           </a:p>
@@ -9898,7 +10189,7 @@
 </p:sld>
 </file>
 
-<file path=ppt/slides/slide18.xml><?xml version="1.0" encoding="utf-8"?>
+<file path=ppt/slides/slide19.xml><?xml version="1.0" encoding="utf-8"?>
 <p:sld xmlns:a="http://schemas.openxmlformats.org/drawingml/2006/main" xmlns:r="http://schemas.openxmlformats.org/officeDocument/2006/relationships" xmlns:p="http://schemas.openxmlformats.org/presentationml/2006/main">
   <p:cSld>
     <p:spTree>
@@ -10602,15 +10893,7 @@
           <a:p>
             <a:r>
               <a:rPr lang="en-US" dirty="0" smtClean="0"/>
-              <a:t>Why </a:t>
-            </a:r>
-            <a:r>
-              <a:rPr lang="en-US" dirty="0" smtClean="0"/>
-              <a:t>did we choose this subject </a:t>
-            </a:r>
-            <a:r>
-              <a:rPr lang="en-US" dirty="0" smtClean="0"/>
-              <a:t>?</a:t>
+              <a:t>Why did we choose this subject ?</a:t>
             </a:r>
           </a:p>
           <a:p>
@@ -10624,7 +10907,6 @@
               <a:rPr lang="en-US" dirty="0" smtClean="0"/>
               <a:t>	</a:t>
             </a:r>
-            <a:endParaRPr lang="en-US" dirty="0" smtClean="0"/>
           </a:p>
           <a:p>
             <a:pPr marL="0" indent="0">
@@ -10634,7 +10916,6 @@
               <a:rPr lang="en-US" dirty="0" smtClean="0"/>
               <a:t>	</a:t>
             </a:r>
-            <a:endParaRPr lang="en-US" dirty="0" smtClean="0"/>
           </a:p>
           <a:p>
             <a:pPr marL="0" indent="0">
@@ -11360,7 +11641,7 @@
           <p:nvPr>
             <p:extLst>
               <p:ext uri="{D42A27DB-BD31-4B8C-83A1-F6EECF244321}">
-                <p14:modId xmlns:p14="http://schemas.microsoft.com/office/powerpoint/2010/main" val="1560552152"/>
+                <p14:modId xmlns:p14="http://schemas.microsoft.com/office/powerpoint/2010/main" val="1102902729"/>
               </p:ext>
             </p:extLst>
           </p:nvPr>
@@ -11579,7 +11860,11 @@
                       </a:r>
                       <a:r>
                         <a:rPr lang="fr-FR" baseline="0" dirty="0" smtClean="0"/>
-                        <a:t> z-</a:t>
+                        <a:t> </a:t>
+                      </a:r>
+                      <a:r>
+                        <a:rPr lang="fr-FR" baseline="0" dirty="0" smtClean="0"/>
+                        <a:t>Z-</a:t>
                       </a:r>
                       <a:r>
                         <a:rPr lang="fr-FR" baseline="0" dirty="0" err="1" smtClean="0"/>
@@ -12072,7 +12357,7 @@
                     <a:bodyPr/>
                     <a:lstStyle/>
                     <a:p>
-                      <a:endParaRPr lang="fr-FR"/>
+                      <a:endParaRPr lang="fr-FR" dirty="0"/>
                     </a:p>
                   </a:txBody>
                   <a:tcPr/>

--- a/Rendu/Diapo_prototype_janvier.pptx
+++ b/Rendu/Diapo_prototype_janvier.pptx
@@ -130,7 +130,7 @@
   </p:defaultTextStyle>
   <p:extLst>
     <p:ext uri="{EFAFB233-063F-42B5-8137-9DF3F51BA10A}">
-      <p15:sldGuideLst xmlns:p15="http://schemas.microsoft.com/office/powerpoint/2012/main" xmlns="">
+      <p15:sldGuideLst xmlns:p15="http://schemas.microsoft.com/office/powerpoint/2012/main">
         <p15:guide id="1" orient="horz" pos="1620">
           <p15:clr>
             <a:srgbClr val="A4A3A4"/>
@@ -265,7 +265,7 @@
             <a:fld id="{1FF860C4-84CC-4ED2-86B7-24C0345B37D5}" type="datetimeFigureOut">
               <a:rPr lang="fr-FR" smtClean="0"/>
               <a:pPr/>
-              <a:t>11/12/2015</a:t>
+              <a:t>12/12/2015</a:t>
             </a:fld>
             <a:endParaRPr lang="fr-FR"/>
           </a:p>
@@ -432,7 +432,7 @@
             <a:fld id="{C2C2714D-4FF2-4E25-9D9C-3A52AC0061D5}" type="datetimeFigureOut">
               <a:rPr lang="fr-FR" smtClean="0"/>
               <a:pPr/>
-              <a:t>11/12/2015</a:t>
+              <a:t>12/12/2015</a:t>
             </a:fld>
             <a:endParaRPr lang="fr-FR"/>
           </a:p>
@@ -9742,31 +9742,6 @@
           <a:bodyPr/>
           <a:lstStyle/>
           <a:p>
-            <a:pPr marL="0" indent="0">
-              <a:buNone/>
-            </a:pPr>
-            <a:r>
-              <a:rPr lang="en-US" dirty="0" smtClean="0"/>
-              <a:t>Improvements on the interface :</a:t>
-            </a:r>
-          </a:p>
-          <a:p>
-            <a:pPr marL="0" indent="0">
-              <a:buNone/>
-            </a:pPr>
-            <a:endParaRPr lang="en-US" dirty="0" smtClean="0"/>
-          </a:p>
-          <a:p>
-            <a:pPr>
-              <a:buFont typeface="Wingdings" panose="05000000000000000000" pitchFamily="2" charset="2"/>
-              <a:buChar char="§"/>
-            </a:pPr>
-            <a:r>
-              <a:rPr lang="en-US" dirty="0" smtClean="0"/>
-              <a:t>Render it usable by everyone (all types of disabilities)</a:t>
-            </a:r>
-          </a:p>
-          <a:p>
             <a:pPr>
               <a:buFont typeface="Wingdings" panose="05000000000000000000" pitchFamily="2" charset="2"/>
               <a:buChar char="§"/>
@@ -9774,20 +9749,72 @@
             <a:endParaRPr lang="en-US" dirty="0" smtClean="0"/>
           </a:p>
           <a:p>
+            <a:r>
+              <a:rPr lang="en-US" dirty="0" smtClean="0"/>
+              <a:t>Improvements on the interface :</a:t>
+            </a:r>
+            <a:endParaRPr lang="en-US" dirty="0"/>
+          </a:p>
+          <a:p>
+            <a:pPr marL="0" indent="0">
+              <a:buNone/>
+            </a:pPr>
+            <a:endParaRPr lang="en-US" dirty="0"/>
+          </a:p>
+          <a:p>
+            <a:pPr marL="0" indent="0">
+              <a:buNone/>
+            </a:pPr>
+            <a:r>
+              <a:rPr lang="en-US" dirty="0" smtClean="0"/>
+              <a:t>	Render </a:t>
+            </a:r>
+            <a:r>
+              <a:rPr lang="en-US" dirty="0"/>
+              <a:t>it usable </a:t>
+            </a:r>
+            <a:r>
+              <a:rPr lang="en-US" b="1" dirty="0"/>
+              <a:t>by everyone </a:t>
+            </a:r>
+            <a:r>
+              <a:rPr lang="en-US" dirty="0"/>
+              <a:t>(all types of disabilities)</a:t>
+            </a:r>
+          </a:p>
+          <a:p>
             <a:pPr>
               <a:buFont typeface="Wingdings" panose="05000000000000000000" pitchFamily="2" charset="2"/>
               <a:buChar char="§"/>
             </a:pPr>
-            <a:endParaRPr lang="en-US" dirty="0" smtClean="0"/>
+            <a:endParaRPr lang="en-US" dirty="0"/>
           </a:p>
           <a:p>
             <a:pPr>
               <a:buFont typeface="Wingdings" panose="05000000000000000000" pitchFamily="2" charset="2"/>
               <a:buChar char="§"/>
             </a:pPr>
+            <a:endParaRPr lang="en-US" dirty="0"/>
+          </a:p>
+          <a:p>
+            <a:pPr marL="0" indent="0">
+              <a:buNone/>
+            </a:pPr>
             <a:r>
               <a:rPr lang="en-US" dirty="0" smtClean="0"/>
-              <a:t>Display the feedback from the wheelchair in real-time</a:t>
+              <a:t>	Display </a:t>
+            </a:r>
+            <a:r>
+              <a:rPr lang="en-US" dirty="0"/>
+              <a:t>the </a:t>
+            </a:r>
+            <a:r>
+              <a:rPr lang="en-US" b="1" dirty="0"/>
+              <a:t>feedback</a:t>
+            </a:r>
+            <a:r>
+              <a:rPr lang="en-US" dirty="0"/>
+              <a:t> from the wheelchair in real-time</a:t>
             </a:r>
           </a:p>
           <a:p>
@@ -9795,67 +9822,72 @@
               <a:buFont typeface="Wingdings" panose="05000000000000000000" pitchFamily="2" charset="2"/>
               <a:buChar char="§"/>
             </a:pPr>
-            <a:endParaRPr lang="en-US" dirty="0" smtClean="0"/>
+            <a:endParaRPr lang="en-US" dirty="0"/>
           </a:p>
           <a:p>
             <a:pPr>
               <a:buFont typeface="Wingdings" panose="05000000000000000000" pitchFamily="2" charset="2"/>
               <a:buChar char="§"/>
             </a:pPr>
-            <a:endParaRPr lang="en-US" dirty="0" smtClean="0"/>
+            <a:endParaRPr lang="en-US" dirty="0"/>
+          </a:p>
+          <a:p>
+            <a:pPr marL="0" indent="0">
+              <a:buNone/>
+            </a:pPr>
+            <a:r>
+              <a:rPr lang="en-US" dirty="0" smtClean="0"/>
+              <a:t>	</a:t>
+            </a:r>
+            <a:r>
+              <a:rPr lang="en-US" b="1" dirty="0" err="1" smtClean="0"/>
+              <a:t>Fibaro</a:t>
+            </a:r>
+            <a:r>
+              <a:rPr lang="en-US" dirty="0" smtClean="0"/>
+              <a:t> </a:t>
+            </a:r>
+            <a:r>
+              <a:rPr lang="en-US" dirty="0"/>
+              <a:t>support</a:t>
+            </a:r>
           </a:p>
           <a:p>
             <a:pPr>
               <a:buFont typeface="Wingdings" panose="05000000000000000000" pitchFamily="2" charset="2"/>
               <a:buChar char="§"/>
             </a:pPr>
-            <a:r>
-              <a:rPr lang="en-US" dirty="0" err="1" smtClean="0"/>
-              <a:t>Fibaro</a:t>
-            </a:r>
-            <a:r>
-              <a:rPr lang="en-US" dirty="0" smtClean="0"/>
-              <a:t> support</a:t>
-            </a:r>
+            <a:endParaRPr lang="en-US" dirty="0"/>
           </a:p>
           <a:p>
             <a:pPr>
               <a:buFont typeface="Wingdings" panose="05000000000000000000" pitchFamily="2" charset="2"/>
               <a:buChar char="§"/>
             </a:pPr>
-            <a:endParaRPr lang="en-US" dirty="0" smtClean="0"/>
-          </a:p>
-          <a:p>
-            <a:pPr>
-              <a:buFont typeface="Wingdings" panose="05000000000000000000" pitchFamily="2" charset="2"/>
-              <a:buChar char="§"/>
-            </a:pPr>
-            <a:endParaRPr lang="en-US" dirty="0" smtClean="0"/>
-          </a:p>
-          <a:p>
-            <a:pPr>
-              <a:buFont typeface="Wingdings" panose="05000000000000000000" pitchFamily="2" charset="2"/>
-              <a:buChar char="§"/>
-            </a:pPr>
-            <a:r>
-              <a:rPr lang="en-US" dirty="0" smtClean="0"/>
-              <a:t>Aesthetics enhancement</a:t>
-            </a:r>
-          </a:p>
-          <a:p>
-            <a:pPr>
-              <a:buFont typeface="Wingdings" panose="05000000000000000000" pitchFamily="2" charset="2"/>
-              <a:buChar char="§"/>
-            </a:pPr>
-            <a:endParaRPr lang="en-US" dirty="0" smtClean="0"/>
-          </a:p>
-          <a:p>
-            <a:endParaRPr lang="en-US" dirty="0" smtClean="0"/>
+            <a:endParaRPr lang="en-US" dirty="0"/>
           </a:p>
           <a:p>
             <a:pPr marL="0" indent="0">
               <a:buNone/>
             </a:pPr>
+            <a:r>
+              <a:rPr lang="en-US" dirty="0" smtClean="0"/>
+              <a:t>	</a:t>
+            </a:r>
+            <a:r>
+              <a:rPr lang="en-US" b="1" dirty="0" smtClean="0"/>
+              <a:t>Aesthetics</a:t>
+            </a:r>
+            <a:r>
+              <a:rPr lang="en-US" dirty="0" smtClean="0"/>
+              <a:t> </a:t>
+            </a:r>
+            <a:r>
+              <a:rPr lang="en-US" dirty="0"/>
+              <a:t>enhancement</a:t>
+            </a:r>
+          </a:p>
+          <a:p>
             <a:endParaRPr lang="en-US" dirty="0"/>
           </a:p>
         </p:txBody>
@@ -10021,46 +10053,12 @@
               <a:rPr lang="fr-FR" dirty="0"/>
               <a:t>	</a:t>
             </a:r>
-            <a:r>
-              <a:rPr lang="fr-FR" dirty="0" smtClean="0"/>
-              <a:t>C++</a:t>
-            </a:r>
+            <a:endParaRPr lang="fr-FR" dirty="0"/>
           </a:p>
           <a:p>
             <a:pPr marL="0" indent="0">
               <a:buNone/>
             </a:pPr>
-            <a:r>
-              <a:rPr lang="fr-FR" dirty="0" smtClean="0"/>
-              <a:t>	C#</a:t>
-            </a:r>
-          </a:p>
-          <a:p>
-            <a:pPr marL="0" indent="0">
-              <a:buNone/>
-            </a:pPr>
-            <a:r>
-              <a:rPr lang="fr-FR" dirty="0"/>
-              <a:t>	</a:t>
-            </a:r>
-            <a:r>
-              <a:rPr lang="fr-FR" dirty="0" err="1" smtClean="0"/>
-              <a:t>XaML</a:t>
-            </a:r>
-            <a:endParaRPr lang="fr-FR" dirty="0" smtClean="0"/>
-          </a:p>
-          <a:p>
-            <a:pPr marL="0" indent="0">
-              <a:buNone/>
-            </a:pPr>
-            <a:r>
-              <a:rPr lang="fr-FR" dirty="0" smtClean="0"/>
-              <a:t>	</a:t>
-            </a:r>
-            <a:r>
-              <a:rPr lang="fr-FR" dirty="0" smtClean="0"/>
-              <a:t>Git</a:t>
-            </a:r>
             <a:endParaRPr lang="fr-FR" dirty="0" smtClean="0"/>
           </a:p>
         </p:txBody>
@@ -10154,6 +10152,212 @@
               <a:t>18</a:t>
             </a:r>
             <a:endParaRPr lang="fr-FR" dirty="0"/>
+          </a:p>
+        </p:txBody>
+      </p:sp>
+      <p:pic>
+        <p:nvPicPr>
+          <p:cNvPr id="2" name="Image 1"/>
+          <p:cNvPicPr>
+            <a:picLocks noChangeAspect="1"/>
+          </p:cNvPicPr>
+          <p:nvPr/>
+        </p:nvPicPr>
+        <p:blipFill>
+          <a:blip r:embed="rId2">
+            <a:extLst>
+              <a:ext uri="{28A0092B-C50C-407E-A947-70E740481C1C}">
+                <a14:useLocalDpi xmlns:a14="http://schemas.microsoft.com/office/drawing/2010/main" val="0"/>
+              </a:ext>
+            </a:extLst>
+          </a:blip>
+          <a:stretch>
+            <a:fillRect/>
+          </a:stretch>
+        </p:blipFill>
+        <p:spPr>
+          <a:xfrm>
+            <a:off x="972350" y="1999473"/>
+            <a:ext cx="1779008" cy="1779008"/>
+          </a:xfrm>
+          <a:prstGeom prst="rect">
+            <a:avLst/>
+          </a:prstGeom>
+        </p:spPr>
+      </p:pic>
+      <p:pic>
+        <p:nvPicPr>
+          <p:cNvPr id="4" name="Image 3"/>
+          <p:cNvPicPr>
+            <a:picLocks noChangeAspect="1"/>
+          </p:cNvPicPr>
+          <p:nvPr/>
+        </p:nvPicPr>
+        <p:blipFill>
+          <a:blip r:embed="rId3" cstate="screen">
+            <a:extLst>
+              <a:ext uri="{28A0092B-C50C-407E-A947-70E740481C1C}">
+                <a14:useLocalDpi xmlns:a14="http://schemas.microsoft.com/office/drawing/2010/main" val="0"/>
+              </a:ext>
+            </a:extLst>
+          </a:blip>
+          <a:stretch>
+            <a:fillRect/>
+          </a:stretch>
+        </p:blipFill>
+        <p:spPr>
+          <a:xfrm>
+            <a:off x="3141816" y="1863757"/>
+            <a:ext cx="2187061" cy="2099579"/>
+          </a:xfrm>
+          <a:prstGeom prst="rect">
+            <a:avLst/>
+          </a:prstGeom>
+        </p:spPr>
+      </p:pic>
+      <p:pic>
+        <p:nvPicPr>
+          <p:cNvPr id="5" name="Image 4"/>
+          <p:cNvPicPr>
+            <a:picLocks noChangeAspect="1"/>
+          </p:cNvPicPr>
+          <p:nvPr/>
+        </p:nvPicPr>
+        <p:blipFill>
+          <a:blip r:embed="rId4">
+            <a:extLst>
+              <a:ext uri="{28A0092B-C50C-407E-A947-70E740481C1C}">
+                <a14:useLocalDpi xmlns:a14="http://schemas.microsoft.com/office/drawing/2010/main" val="0"/>
+              </a:ext>
+            </a:extLst>
+          </a:blip>
+          <a:stretch>
+            <a:fillRect/>
+          </a:stretch>
+        </p:blipFill>
+        <p:spPr>
+          <a:xfrm>
+            <a:off x="5816107" y="1926051"/>
+            <a:ext cx="1925851" cy="1925851"/>
+          </a:xfrm>
+          <a:prstGeom prst="rect">
+            <a:avLst/>
+          </a:prstGeom>
+        </p:spPr>
+      </p:pic>
+      <p:pic>
+        <p:nvPicPr>
+          <p:cNvPr id="8" name="Image 7"/>
+          <p:cNvPicPr>
+            <a:picLocks noChangeAspect="1"/>
+          </p:cNvPicPr>
+          <p:nvPr/>
+        </p:nvPicPr>
+        <p:blipFill>
+          <a:blip r:embed="rId5" cstate="screen">
+            <a:extLst>
+              <a:ext uri="{28A0092B-C50C-407E-A947-70E740481C1C}">
+                <a14:useLocalDpi xmlns:a14="http://schemas.microsoft.com/office/drawing/2010/main" val="0"/>
+              </a:ext>
+            </a:extLst>
+          </a:blip>
+          <a:stretch>
+            <a:fillRect/>
+          </a:stretch>
+        </p:blipFill>
+        <p:spPr>
+          <a:xfrm>
+            <a:off x="633806" y="4086177"/>
+            <a:ext cx="3201692" cy="1810957"/>
+          </a:xfrm>
+          <a:prstGeom prst="rect">
+            <a:avLst/>
+          </a:prstGeom>
+        </p:spPr>
+      </p:pic>
+      <p:sp>
+        <p:nvSpPr>
+          <p:cNvPr id="9" name="Rectangle 8"/>
+          <p:cNvSpPr/>
+          <p:nvPr/>
+        </p:nvSpPr>
+        <p:spPr>
+          <a:xfrm>
+            <a:off x="3727759" y="4604313"/>
+            <a:ext cx="5263841" cy="769441"/>
+          </a:xfrm>
+          <a:prstGeom prst="rect">
+            <a:avLst/>
+          </a:prstGeom>
+          <a:noFill/>
+        </p:spPr>
+        <p:txBody>
+          <a:bodyPr wrap="square" lIns="91440" tIns="45720" rIns="91440" bIns="45720">
+            <a:spAutoFit/>
+          </a:bodyPr>
+          <a:lstStyle/>
+          <a:p>
+            <a:pPr algn="ctr"/>
+            <a:r>
+              <a:rPr lang="fr-FR" sz="4400" b="1" cap="none" spc="0" dirty="0" smtClean="0">
+                <a:ln w="9525">
+                  <a:solidFill>
+                    <a:schemeClr val="bg1"/>
+                  </a:solidFill>
+                  <a:prstDash val="solid"/>
+                </a:ln>
+                <a:solidFill>
+                  <a:schemeClr val="tx1"/>
+                </a:solidFill>
+                <a:effectLst>
+                  <a:outerShdw blurRad="12700" dist="38100" dir="2700000" algn="tl" rotWithShape="0">
+                    <a:schemeClr val="bg1">
+                      <a:lumMod val="50000"/>
+                    </a:schemeClr>
+                  </a:outerShdw>
+                </a:effectLst>
+              </a:rPr>
+              <a:t>HTTP </a:t>
+            </a:r>
+            <a:r>
+              <a:rPr lang="fr-FR" sz="4400" b="1" cap="none" spc="0" dirty="0" err="1" smtClean="0">
+                <a:ln w="9525">
+                  <a:solidFill>
+                    <a:schemeClr val="bg1"/>
+                  </a:solidFill>
+                  <a:prstDash val="solid"/>
+                </a:ln>
+                <a:solidFill>
+                  <a:schemeClr val="tx1"/>
+                </a:solidFill>
+                <a:effectLst>
+                  <a:outerShdw blurRad="12700" dist="38100" dir="2700000" algn="tl" rotWithShape="0">
+                    <a:schemeClr val="bg1">
+                      <a:lumMod val="50000"/>
+                    </a:schemeClr>
+                  </a:outerShdw>
+                </a:effectLst>
+              </a:rPr>
+              <a:t>requests</a:t>
+            </a:r>
+            <a:endParaRPr lang="fr-FR" sz="4400" b="1" cap="none" spc="0" dirty="0">
+              <a:ln w="9525">
+                <a:solidFill>
+                  <a:schemeClr val="bg1"/>
+                </a:solidFill>
+                <a:prstDash val="solid"/>
+              </a:ln>
+              <a:solidFill>
+                <a:schemeClr val="tx1"/>
+              </a:solidFill>
+              <a:effectLst>
+                <a:outerShdw blurRad="12700" dist="38100" dir="2700000" algn="tl" rotWithShape="0">
+                  <a:schemeClr val="bg1">
+                    <a:lumMod val="50000"/>
+                  </a:schemeClr>
+                </a:outerShdw>
+              </a:effectLst>
+            </a:endParaRPr>
           </a:p>
         </p:txBody>
       </p:sp>
@@ -11860,11 +12064,7 @@
                       </a:r>
                       <a:r>
                         <a:rPr lang="fr-FR" baseline="0" dirty="0" smtClean="0"/>
-                        <a:t> </a:t>
-                      </a:r>
-                      <a:r>
-                        <a:rPr lang="fr-FR" baseline="0" dirty="0" smtClean="0"/>
-                        <a:t>Z-</a:t>
+                        <a:t> Z-</a:t>
                       </a:r>
                       <a:r>
                         <a:rPr lang="fr-FR" baseline="0" dirty="0" err="1" smtClean="0"/>

--- a/Rendu/Diapo_prototype_janvier.pptx
+++ b/Rendu/Diapo_prototype_janvier.pptx
@@ -265,7 +265,7 @@
             <a:fld id="{1FF860C4-84CC-4ED2-86B7-24C0345B37D5}" type="datetimeFigureOut">
               <a:rPr lang="fr-FR" smtClean="0"/>
               <a:pPr/>
-              <a:t>12/12/2015</a:t>
+              <a:t>13/12/2015</a:t>
             </a:fld>
             <a:endParaRPr lang="fr-FR"/>
           </a:p>
@@ -432,7 +432,7 @@
             <a:fld id="{C2C2714D-4FF2-4E25-9D9C-3A52AC0061D5}" type="datetimeFigureOut">
               <a:rPr lang="fr-FR" smtClean="0"/>
               <a:pPr/>
-              <a:t>12/12/2015</a:t>
+              <a:t>13/12/2015</a:t>
             </a:fld>
             <a:endParaRPr lang="fr-FR"/>
           </a:p>
@@ -7172,7 +7172,7 @@
           <p:nvPr>
             <p:extLst>
               <p:ext uri="{D42A27DB-BD31-4B8C-83A1-F6EECF244321}">
-                <p14:modId xmlns:p14="http://schemas.microsoft.com/office/powerpoint/2010/main" val="2290936221"/>
+                <p14:modId xmlns:p14="http://schemas.microsoft.com/office/powerpoint/2010/main" val="91292522"/>
               </p:ext>
             </p:extLst>
           </p:nvPr>
@@ -7188,10 +7188,10 @@
                 <a:tableStyleId>{073A0DAA-6AF3-43AB-8588-CEC1D06C72B9}</a:tableStyleId>
               </a:tblPr>
               <a:tblGrid>
-                <a:gridCol w="1525319"/>
-                <a:gridCol w="1714555"/>
-                <a:gridCol w="1806171"/>
-                <a:gridCol w="1766908"/>
+                <a:gridCol w="1869806"/>
+                <a:gridCol w="1558344"/>
+                <a:gridCol w="1751526"/>
+                <a:gridCol w="1633277"/>
                 <a:gridCol w="1772907"/>
               </a:tblGrid>
               <a:tr h="1185040">
@@ -7576,7 +7576,7 @@
         </p:blipFill>
         <p:spPr>
           <a:xfrm>
-            <a:off x="2342018" y="2989181"/>
+            <a:off x="2630717" y="2989181"/>
             <a:ext cx="731739" cy="731739"/>
           </a:xfrm>
           <a:prstGeom prst="rect">
@@ -7606,7 +7606,7 @@
         </p:blipFill>
         <p:spPr>
           <a:xfrm>
-            <a:off x="4087746" y="2989181"/>
+            <a:off x="4264155" y="2989181"/>
             <a:ext cx="774028" cy="774028"/>
           </a:xfrm>
           <a:prstGeom prst="rect">
@@ -7636,7 +7636,7 @@
         </p:blipFill>
         <p:spPr>
           <a:xfrm>
-            <a:off x="4038598" y="3913226"/>
+            <a:off x="4201565" y="3932433"/>
             <a:ext cx="823175" cy="823175"/>
           </a:xfrm>
           <a:prstGeom prst="rect">
@@ -7786,7 +7786,7 @@
         </p:blipFill>
         <p:spPr>
           <a:xfrm>
-            <a:off x="2301882" y="4998696"/>
+            <a:off x="2563390" y="4998696"/>
             <a:ext cx="771874" cy="771874"/>
           </a:xfrm>
           <a:prstGeom prst="rect">
@@ -7876,7 +7876,7 @@
         </p:blipFill>
         <p:spPr>
           <a:xfrm>
-            <a:off x="2355830" y="3955730"/>
+            <a:off x="2597271" y="3955730"/>
             <a:ext cx="704113" cy="704113"/>
           </a:xfrm>
           <a:prstGeom prst="rect">
@@ -7906,7 +7906,7 @@
         </p:blipFill>
         <p:spPr>
           <a:xfrm>
-            <a:off x="4087746" y="5089368"/>
+            <a:off x="4264155" y="5115126"/>
             <a:ext cx="681202" cy="681202"/>
           </a:xfrm>
           <a:prstGeom prst="rect">
@@ -10053,7 +10053,6 @@
               <a:rPr lang="fr-FR" dirty="0"/>
               <a:t>	</a:t>
             </a:r>
-            <a:endParaRPr lang="fr-FR" dirty="0"/>
           </a:p>
           <a:p>
             <a:pPr marL="0" indent="0">
@@ -12235,7 +12234,7 @@
         </p:blipFill>
         <p:spPr>
           <a:xfrm>
-            <a:off x="0" y="968097"/>
+            <a:off x="0" y="765036"/>
             <a:ext cx="9144000" cy="5327928"/>
           </a:xfrm>
           <a:prstGeom prst="rect">
@@ -12319,12 +12318,12 @@
               <a:rPr lang="fr-FR" dirty="0" err="1" smtClean="0"/>
               <a:t>choices</a:t>
             </a:r>
-            <a:r>
-              <a:rPr lang="fr-FR" dirty="0" smtClean="0"/>
-              <a:t> (peut-être pas à détailler parce que c’est chiant, en gros on a choisi de continuer avec ce qu’ils ont commencé parce que c’est plutôt adapté et simple)</a:t>
-            </a:r>
-          </a:p>
-          <a:p>
+            <a:endParaRPr lang="fr-FR" dirty="0" smtClean="0"/>
+          </a:p>
+          <a:p>
+            <a:pPr marL="0" indent="0">
+              <a:buNone/>
+            </a:pPr>
             <a:endParaRPr lang="fr-FR" dirty="0"/>
           </a:p>
         </p:txBody>

--- a/Rendu/Diapo_prototype_janvier.pptx
+++ b/Rendu/Diapo_prototype_janvier.pptx
@@ -7097,8 +7097,8 @@
         </p:nvSpPr>
         <p:spPr>
           <a:xfrm>
-            <a:off x="1647753" y="201105"/>
-            <a:ext cx="7886700" cy="1325563"/>
+            <a:off x="3151081" y="387899"/>
+            <a:ext cx="2841839" cy="1143000"/>
           </a:xfrm>
         </p:spPr>
         <p:txBody>
@@ -7107,26 +7107,54 @@
           <a:p>
             <a:r>
               <a:rPr lang="fr-FR" dirty="0" smtClean="0"/>
+              <a:t>III. PRE-STUDY</a:t>
+            </a:r>
+            <a:endParaRPr lang="fr-FR" dirty="0"/>
+          </a:p>
+        </p:txBody>
+      </p:sp>
+      <p:sp>
+        <p:nvSpPr>
+          <p:cNvPr id="18" name="Espace réservé du texte 17"/>
+          <p:cNvSpPr>
+            <a:spLocks noGrp="1"/>
+          </p:cNvSpPr>
+          <p:nvPr>
+            <p:ph type="body" sz="quarter" idx="10"/>
+          </p:nvPr>
+        </p:nvSpPr>
+        <p:spPr>
+          <a:xfrm>
+            <a:off x="581892" y="897464"/>
+            <a:ext cx="8409708" cy="4695367"/>
+          </a:xfrm>
+        </p:spPr>
+        <p:txBody>
+          <a:bodyPr/>
+          <a:lstStyle/>
+          <a:p>
+            <a:r>
+              <a:rPr lang="fr-FR" dirty="0"/>
               <a:t>HTTP </a:t>
             </a:r>
             <a:r>
-              <a:rPr lang="fr-FR" dirty="0" err="1" smtClean="0"/>
+              <a:rPr lang="fr-FR" dirty="0" err="1"/>
               <a:t>requests</a:t>
             </a:r>
             <a:r>
-              <a:rPr lang="fr-FR" dirty="0" smtClean="0"/>
+              <a:rPr lang="fr-FR" dirty="0"/>
               <a:t>, </a:t>
             </a:r>
             <a:r>
-              <a:rPr lang="fr-FR" dirty="0" err="1" smtClean="0"/>
+              <a:rPr lang="fr-FR" dirty="0" err="1"/>
               <a:t>library</a:t>
             </a:r>
             <a:r>
-              <a:rPr lang="fr-FR" dirty="0" smtClean="0"/>
+              <a:rPr lang="fr-FR" dirty="0"/>
               <a:t> </a:t>
             </a:r>
             <a:r>
-              <a:rPr lang="fr-FR" dirty="0" err="1" smtClean="0"/>
+              <a:rPr lang="fr-FR" dirty="0" err="1"/>
               <a:t>choice</a:t>
             </a:r>
             <a:endParaRPr lang="fr-FR" dirty="0"/>
@@ -7172,13 +7200,13 @@
           <p:nvPr>
             <p:extLst>
               <p:ext uri="{D42A27DB-BD31-4B8C-83A1-F6EECF244321}">
-                <p14:modId xmlns:p14="http://schemas.microsoft.com/office/powerpoint/2010/main" val="91292522"/>
+                <p14:modId xmlns:p14="http://schemas.microsoft.com/office/powerpoint/2010/main" val="4225959706"/>
               </p:ext>
             </p:extLst>
           </p:nvPr>
         </p:nvGraphicFramePr>
         <p:xfrm>
-          <a:off x="358239" y="1140028"/>
+          <a:off x="311826" y="1367763"/>
           <a:ext cx="8585860" cy="4928262"/>
         </p:xfrm>
         <a:graphic>
@@ -7576,7 +7604,7 @@
         </p:blipFill>
         <p:spPr>
           <a:xfrm>
-            <a:off x="2630717" y="2989181"/>
+            <a:off x="2630717" y="3232822"/>
             <a:ext cx="731739" cy="731739"/>
           </a:xfrm>
           <a:prstGeom prst="rect">
@@ -7606,7 +7634,7 @@
         </p:blipFill>
         <p:spPr>
           <a:xfrm>
-            <a:off x="4264155" y="2989181"/>
+            <a:off x="4264155" y="3190533"/>
             <a:ext cx="774028" cy="774028"/>
           </a:xfrm>
           <a:prstGeom prst="rect">
@@ -7636,7 +7664,7 @@
         </p:blipFill>
         <p:spPr>
           <a:xfrm>
-            <a:off x="4201565" y="3932433"/>
+            <a:off x="4238633" y="4108526"/>
             <a:ext cx="823175" cy="823175"/>
           </a:xfrm>
           <a:prstGeom prst="rect">
@@ -7666,7 +7694,7 @@
         </p:blipFill>
         <p:spPr>
           <a:xfrm>
-            <a:off x="5880063" y="4998696"/>
+            <a:off x="5896989" y="5172554"/>
             <a:ext cx="771874" cy="771874"/>
           </a:xfrm>
           <a:prstGeom prst="rect">
@@ -7696,7 +7724,7 @@
         </p:blipFill>
         <p:spPr>
           <a:xfrm>
-            <a:off x="7652515" y="4998696"/>
+            <a:off x="7625415" y="5206894"/>
             <a:ext cx="771874" cy="771874"/>
           </a:xfrm>
           <a:prstGeom prst="rect">
@@ -7726,7 +7754,7 @@
         </p:blipFill>
         <p:spPr>
           <a:xfrm>
-            <a:off x="7643609" y="3036629"/>
+            <a:off x="7643609" y="3196828"/>
             <a:ext cx="726580" cy="726580"/>
           </a:xfrm>
           <a:prstGeom prst="rect">
@@ -7756,7 +7784,7 @@
         </p:blipFill>
         <p:spPr>
           <a:xfrm>
-            <a:off x="7643609" y="3868895"/>
+            <a:off x="7616509" y="4085349"/>
             <a:ext cx="780780" cy="780780"/>
           </a:xfrm>
           <a:prstGeom prst="rect">
@@ -7786,7 +7814,7 @@
         </p:blipFill>
         <p:spPr>
           <a:xfrm>
-            <a:off x="2563390" y="4998696"/>
+            <a:off x="2563390" y="5206894"/>
             <a:ext cx="771874" cy="771874"/>
           </a:xfrm>
           <a:prstGeom prst="rect">
@@ -7816,7 +7844,7 @@
         </p:blipFill>
         <p:spPr>
           <a:xfrm>
-            <a:off x="5952933" y="4015546"/>
+            <a:off x="5929937" y="4178483"/>
             <a:ext cx="705978" cy="705978"/>
           </a:xfrm>
           <a:prstGeom prst="rect">
@@ -7846,7 +7874,7 @@
         </p:blipFill>
         <p:spPr>
           <a:xfrm>
-            <a:off x="5952933" y="3036629"/>
+            <a:off x="5939882" y="3232822"/>
             <a:ext cx="687758" cy="687758"/>
           </a:xfrm>
           <a:prstGeom prst="rect">
@@ -7876,7 +7904,7 @@
         </p:blipFill>
         <p:spPr>
           <a:xfrm>
-            <a:off x="2597271" y="3955730"/>
+            <a:off x="2597271" y="4168058"/>
             <a:ext cx="704113" cy="704113"/>
           </a:xfrm>
           <a:prstGeom prst="rect">
@@ -7906,7 +7934,7 @@
         </p:blipFill>
         <p:spPr>
           <a:xfrm>
-            <a:off x="4264155" y="5115126"/>
+            <a:off x="4309619" y="5252230"/>
             <a:ext cx="681202" cy="681202"/>
           </a:xfrm>
           <a:prstGeom prst="rect">
@@ -8747,13 +8775,8 @@
           <a:p>
             <a:r>
               <a:rPr lang="en-US" dirty="0" smtClean="0"/>
-              <a:t>Implemented in our interface for </a:t>
-            </a:r>
-            <a:r>
-              <a:rPr lang="en-US" smtClean="0"/>
-              <a:t>a prototype</a:t>
-            </a:r>
-            <a:endParaRPr lang="en-US" dirty="0" smtClean="0"/>
+              <a:t>Implemented in our interface for a prototype</a:t>
+            </a:r>
           </a:p>
           <a:p>
             <a:pPr marL="0" indent="0">
@@ -11784,7 +11807,7 @@
         </p:nvSpPr>
         <p:spPr>
           <a:xfrm>
-            <a:off x="633806" y="203200"/>
+            <a:off x="633806" y="331988"/>
             <a:ext cx="7876388" cy="1047731"/>
           </a:xfrm>
         </p:spPr>
@@ -11844,13 +11867,13 @@
           <p:nvPr>
             <p:extLst>
               <p:ext uri="{D42A27DB-BD31-4B8C-83A1-F6EECF244321}">
-                <p14:modId xmlns:p14="http://schemas.microsoft.com/office/powerpoint/2010/main" val="1102902729"/>
+                <p14:modId xmlns:p14="http://schemas.microsoft.com/office/powerpoint/2010/main" val="1250431000"/>
               </p:ext>
             </p:extLst>
           </p:nvPr>
         </p:nvGraphicFramePr>
         <p:xfrm>
-          <a:off x="1524000" y="1397000"/>
+          <a:off x="1524000" y="2146300"/>
           <a:ext cx="6096000" cy="2565400"/>
         </p:xfrm>
         <a:graphic>
@@ -12138,7 +12161,7 @@
         </p:nvSpPr>
         <p:spPr>
           <a:xfrm>
-            <a:off x="628650" y="240792"/>
+            <a:off x="628650" y="396597"/>
             <a:ext cx="7876388" cy="1143000"/>
           </a:xfrm>
           <a:prstGeom prst="rect">
@@ -12234,7 +12257,7 @@
         </p:blipFill>
         <p:spPr>
           <a:xfrm>
-            <a:off x="0" y="765036"/>
+            <a:off x="0" y="968097"/>
             <a:ext cx="9144000" cy="5327928"/>
           </a:xfrm>
           <a:prstGeom prst="rect">

--- a/Rendu/Diapo_prototype_janvier.pptx
+++ b/Rendu/Diapo_prototype_janvier.pptx
@@ -8775,7 +8775,11 @@
           <a:p>
             <a:r>
               <a:rPr lang="en-US" dirty="0" smtClean="0"/>
-              <a:t>Implemented in our interface for a prototype</a:t>
+              <a:t>Implemented it </a:t>
+            </a:r>
+            <a:r>
+              <a:rPr lang="en-US" dirty="0" smtClean="0"/>
+              <a:t>in our interface for a prototype</a:t>
             </a:r>
           </a:p>
           <a:p>
@@ -9177,36 +9181,6 @@
       </p:cxnSp>
       <p:sp>
         <p:nvSpPr>
-          <p:cNvPr id="30" name="ZoneTexte 29"/>
-          <p:cNvSpPr txBox="1"/>
-          <p:nvPr/>
-        </p:nvSpPr>
-        <p:spPr>
-          <a:xfrm>
-            <a:off x="5424456" y="2512317"/>
-            <a:ext cx="506870" cy="323165"/>
-          </a:xfrm>
-          <a:prstGeom prst="rect">
-            <a:avLst/>
-          </a:prstGeom>
-          <a:noFill/>
-        </p:spPr>
-        <p:txBody>
-          <a:bodyPr wrap="none" rtlCol="0">
-            <a:spAutoFit/>
-          </a:bodyPr>
-          <a:lstStyle/>
-          <a:p>
-            <a:r>
-              <a:rPr lang="fr-FR" sz="1500" dirty="0" smtClean="0"/>
-              <a:t>rj45</a:t>
-            </a:r>
-            <a:endParaRPr lang="fr-FR" sz="1500" dirty="0"/>
-          </a:p>
-        </p:txBody>
-      </p:sp>
-      <p:sp>
-        <p:nvSpPr>
           <p:cNvPr id="31" name="ZoneTexte 30"/>
           <p:cNvSpPr txBox="1"/>
           <p:nvPr/>
@@ -9262,35 +9236,6 @@
               <a:t>TV</a:t>
             </a:r>
             <a:endParaRPr lang="fr-FR" sz="1500" dirty="0"/>
-          </a:p>
-        </p:txBody>
-      </p:sp>
-      <p:sp>
-        <p:nvSpPr>
-          <p:cNvPr id="21" name="ZoneTexte 20"/>
-          <p:cNvSpPr txBox="1"/>
-          <p:nvPr/>
-        </p:nvSpPr>
-        <p:spPr>
-          <a:xfrm>
-            <a:off x="4074623" y="1078386"/>
-            <a:ext cx="506870" cy="323165"/>
-          </a:xfrm>
-          <a:prstGeom prst="rect">
-            <a:avLst/>
-          </a:prstGeom>
-          <a:noFill/>
-        </p:spPr>
-        <p:txBody>
-          <a:bodyPr wrap="none" rtlCol="0">
-            <a:spAutoFit/>
-          </a:bodyPr>
-          <a:lstStyle/>
-          <a:p>
-            <a:r>
-              <a:rPr lang="fr-FR" sz="1500" dirty="0" smtClean="0"/>
-              <a:t>192</a:t>
-            </a:r>
           </a:p>
         </p:txBody>
       </p:sp>

--- a/Rendu/Diapo_prototype_janvier.pptx
+++ b/Rendu/Diapo_prototype_janvier.pptx
@@ -266,7 +266,7 @@
             <a:fld id="{1FF860C4-84CC-4ED2-86B7-24C0345B37D5}" type="datetimeFigureOut">
               <a:rPr lang="fr-FR" smtClean="0"/>
               <a:pPr/>
-              <a:t>14/12/2015</a:t>
+              <a:t>16/12/2015</a:t>
             </a:fld>
             <a:endParaRPr lang="fr-FR"/>
           </a:p>
@@ -433,7 +433,7 @@
             <a:fld id="{C2C2714D-4FF2-4E25-9D9C-3A52AC0061D5}" type="datetimeFigureOut">
               <a:rPr lang="fr-FR" smtClean="0"/>
               <a:pPr/>
-              <a:t>14/12/2015</a:t>
+              <a:t>16/12/2015</a:t>
             </a:fld>
             <a:endParaRPr lang="fr-FR"/>
           </a:p>
@@ -9023,29 +9023,6 @@
               <a:rPr lang="fr-FR" dirty="0" err="1" smtClean="0"/>
               <a:t>used</a:t>
             </a:r>
-            <a:endParaRPr lang="fr-FR" dirty="0" smtClean="0"/>
-          </a:p>
-          <a:p>
-            <a:r>
-              <a:rPr lang="fr-FR" dirty="0" smtClean="0"/>
-              <a:t>Ajouter pourquoi tout</a:t>
-            </a:r>
-          </a:p>
-          <a:p>
-            <a:r>
-              <a:rPr lang="fr-FR" dirty="0" smtClean="0"/>
-              <a:t>Ajouter </a:t>
-            </a:r>
-            <a:r>
-              <a:rPr lang="fr-FR" dirty="0" err="1" smtClean="0"/>
-              <a:t>codebocks</a:t>
-            </a:r>
-            <a:endParaRPr lang="fr-FR" dirty="0" smtClean="0"/>
-          </a:p>
-          <a:p>
-            <a:pPr marL="0" indent="0">
-              <a:buNone/>
-            </a:pPr>
             <a:r>
               <a:rPr lang="fr-FR" dirty="0" smtClean="0"/>
               <a:t>	</a:t>
@@ -9180,8 +9157,8 @@
         </p:blipFill>
         <p:spPr>
           <a:xfrm>
-            <a:off x="4301544" y="1260938"/>
-            <a:ext cx="3103808" cy="2327856"/>
+            <a:off x="3863662" y="1743515"/>
+            <a:ext cx="2369712" cy="1777284"/>
           </a:xfrm>
           <a:prstGeom prst="rect">
             <a:avLst/>
@@ -9196,7 +9173,7 @@
         </p:nvSpPr>
         <p:spPr>
           <a:xfrm>
-            <a:off x="2063245" y="2632157"/>
+            <a:off x="1419896" y="2632157"/>
             <a:ext cx="2590800" cy="369332"/>
           </a:xfrm>
           <a:prstGeom prst="rect">
@@ -9279,6 +9256,36 @@
           <a:xfrm>
             <a:off x="1569076" y="3724680"/>
             <a:ext cx="2175725" cy="2175725"/>
+          </a:xfrm>
+          <a:prstGeom prst="rect">
+            <a:avLst/>
+          </a:prstGeom>
+        </p:spPr>
+      </p:pic>
+      <p:pic>
+        <p:nvPicPr>
+          <p:cNvPr id="7" name="Image 6"/>
+          <p:cNvPicPr>
+            <a:picLocks noChangeAspect="1"/>
+          </p:cNvPicPr>
+          <p:nvPr/>
+        </p:nvPicPr>
+        <p:blipFill>
+          <a:blip r:embed="rId4">
+            <a:extLst>
+              <a:ext uri="{28A0092B-C50C-407E-A947-70E740481C1C}">
+                <a14:useLocalDpi xmlns:a14="http://schemas.microsoft.com/office/drawing/2010/main" val="0"/>
+              </a:ext>
+            </a:extLst>
+          </a:blip>
+          <a:stretch>
+            <a:fillRect/>
+          </a:stretch>
+        </p:blipFill>
+        <p:spPr>
+          <a:xfrm>
+            <a:off x="6233374" y="1870252"/>
+            <a:ext cx="1663492" cy="1523809"/>
           </a:xfrm>
           <a:prstGeom prst="rect">
             <a:avLst/>
@@ -9357,11 +9364,7 @@
             <a:pPr algn="ctr"/>
             <a:r>
               <a:rPr lang="en-US" dirty="0" smtClean="0"/>
-              <a:t> </a:t>
-            </a:r>
-            <a:r>
-              <a:rPr lang="en-US" dirty="0" smtClean="0"/>
-              <a:t>What we have done</a:t>
+              <a:t> What we have done</a:t>
             </a:r>
             <a:endParaRPr lang="fr-FR" dirty="0"/>
           </a:p>
@@ -9399,11 +9402,7 @@
           <a:p>
             <a:r>
               <a:rPr lang="en-US" dirty="0" smtClean="0"/>
-              <a:t>Communication with a Kira, technically usable on every </a:t>
-            </a:r>
-            <a:r>
-              <a:rPr lang="en-US" dirty="0" smtClean="0"/>
-              <a:t>system</a:t>
+              <a:t>Communication with a Kira, technically usable on every system</a:t>
             </a:r>
           </a:p>
           <a:p>
@@ -9528,28 +9527,6 @@
           <a:bodyPr/>
           <a:lstStyle/>
           <a:p>
-            <a:pPr marL="0" indent="0">
-              <a:buNone/>
-            </a:pPr>
-            <a:r>
-              <a:rPr lang="fr-FR" dirty="0" smtClean="0"/>
-              <a:t>Sch</a:t>
-            </a:r>
-            <a:r>
-              <a:rPr lang="fr-FR" dirty="0" smtClean="0"/>
-              <a:t>éma avec tablette + </a:t>
-            </a:r>
-            <a:r>
-              <a:rPr lang="fr-FR" dirty="0" err="1" smtClean="0"/>
-              <a:t>kira</a:t>
-            </a:r>
-            <a:r>
-              <a:rPr lang="fr-FR" dirty="0" smtClean="0"/>
-              <a:t> entouré</a:t>
-            </a:r>
-            <a:endParaRPr lang="fr-FR" dirty="0"/>
-          </a:p>
-          <a:p>
             <a:endParaRPr lang="fr-FR" dirty="0" smtClean="0"/>
           </a:p>
           <a:p>
@@ -9614,6 +9591,36 @@
           </a:p>
         </p:txBody>
       </p:sp>
+      <p:pic>
+        <p:nvPicPr>
+          <p:cNvPr id="9" name="Image 8"/>
+          <p:cNvPicPr>
+            <a:picLocks noChangeAspect="1"/>
+          </p:cNvPicPr>
+          <p:nvPr/>
+        </p:nvPicPr>
+        <p:blipFill>
+          <a:blip r:embed="rId2">
+            <a:extLst>
+              <a:ext uri="{28A0092B-C50C-407E-A947-70E740481C1C}">
+                <a14:useLocalDpi xmlns:a14="http://schemas.microsoft.com/office/drawing/2010/main" val="0"/>
+              </a:ext>
+            </a:extLst>
+          </a:blip>
+          <a:stretch>
+            <a:fillRect/>
+          </a:stretch>
+        </p:blipFill>
+        <p:spPr>
+          <a:xfrm>
+            <a:off x="0" y="765036"/>
+            <a:ext cx="9144000" cy="5327928"/>
+          </a:xfrm>
+          <a:prstGeom prst="rect">
+            <a:avLst/>
+          </a:prstGeom>
+        </p:spPr>
+      </p:pic>
     </p:spTree>
     <p:extLst>
       <p:ext uri="{BB962C8B-B14F-4D97-AF65-F5344CB8AC3E}">
@@ -9647,7 +9654,7 @@
 </file>
 
 <file path=ppt/slides/slide16.xml><?xml version="1.0" encoding="utf-8"?>
-<p:sld xmlns:a="http://schemas.openxmlformats.org/drawingml/2006/main" xmlns:r="http://schemas.openxmlformats.org/officeDocument/2006/relationships" xmlns:p="http://schemas.openxmlformats.org/presentationml/2006/main">
+<p:sld xmlns:a="http://schemas.openxmlformats.org/drawingml/2006/main" xmlns:r="http://schemas.openxmlformats.org/officeDocument/2006/relationships" xmlns:p="http://schemas.openxmlformats.org/presentationml/2006/main" show="0">
   <p:cSld>
     <p:spTree>
       <p:nvGrpSpPr>
@@ -9675,7 +9682,7 @@
         </p:nvSpPr>
         <p:spPr>
           <a:xfrm>
-            <a:off x="1678303" y="150829"/>
+            <a:off x="3178182" y="303804"/>
             <a:ext cx="7876388" cy="1143000"/>
           </a:xfrm>
         </p:spPr>
@@ -10151,20 +10158,17 @@
               <a:rPr lang="fr-FR" dirty="0" err="1" smtClean="0"/>
               <a:t>Fibaro</a:t>
             </a:r>
-            <a:endParaRPr lang="fr-FR" dirty="0" smtClean="0"/>
-          </a:p>
-          <a:p>
             <a:r>
               <a:rPr lang="fr-FR" dirty="0" smtClean="0"/>
-              <a:t>Schéma avec fauteuil + tablette entouré et Tablette + </a:t>
+              <a:t> and the </a:t>
             </a:r>
             <a:r>
               <a:rPr lang="fr-FR" dirty="0" err="1" smtClean="0"/>
-              <a:t>fibaro</a:t>
+              <a:t>wheelchair</a:t>
             </a:r>
             <a:r>
               <a:rPr lang="fr-FR" dirty="0" smtClean="0"/>
-              <a:t> entouré </a:t>
+              <a:t> </a:t>
             </a:r>
             <a:endParaRPr lang="fr-FR" dirty="0"/>
           </a:p>
@@ -10228,6 +10232,36 @@
           </a:p>
         </p:txBody>
       </p:sp>
+      <p:pic>
+        <p:nvPicPr>
+          <p:cNvPr id="2" name="Image 1"/>
+          <p:cNvPicPr>
+            <a:picLocks noChangeAspect="1"/>
+          </p:cNvPicPr>
+          <p:nvPr/>
+        </p:nvPicPr>
+        <p:blipFill>
+          <a:blip r:embed="rId2">
+            <a:extLst>
+              <a:ext uri="{28A0092B-C50C-407E-A947-70E740481C1C}">
+                <a14:useLocalDpi xmlns:a14="http://schemas.microsoft.com/office/drawing/2010/main" val="0"/>
+              </a:ext>
+            </a:extLst>
+          </a:blip>
+          <a:stretch>
+            <a:fillRect/>
+          </a:stretch>
+        </p:blipFill>
+        <p:spPr>
+          <a:xfrm>
+            <a:off x="1056067" y="1995712"/>
+            <a:ext cx="7031865" cy="4097252"/>
+          </a:xfrm>
+          <a:prstGeom prst="rect">
+            <a:avLst/>
+          </a:prstGeom>
+        </p:spPr>
+      </p:pic>
     </p:spTree>
     <p:extLst>
       <p:ext uri="{BB962C8B-B14F-4D97-AF65-F5344CB8AC3E}">
@@ -10354,40 +10388,16 @@
             </a:r>
             <a:r>
               <a:rPr lang="en-US" dirty="0" smtClean="0"/>
-              <a:t> </a:t>
-            </a:r>
+              <a:t> enhancement</a:t>
+            </a:r>
+          </a:p>
+          <a:p>
+            <a:endParaRPr lang="en-US" dirty="0"/>
+          </a:p>
+          <a:p>
             <a:r>
               <a:rPr lang="en-US" dirty="0" smtClean="0"/>
-              <a:t>enhancement</a:t>
-            </a:r>
-          </a:p>
-          <a:p>
-            <a:endParaRPr lang="en-US" dirty="0"/>
-          </a:p>
-          <a:p>
-            <a:r>
-              <a:rPr lang="en-US" dirty="0" smtClean="0"/>
-              <a:t>Portable changer tout le Coeur </a:t>
-            </a:r>
-            <a:r>
-              <a:rPr lang="en-US" dirty="0" err="1" smtClean="0"/>
-              <a:t>algo</a:t>
-            </a:r>
-            <a:r>
-              <a:rPr lang="en-US" dirty="0" smtClean="0"/>
-              <a:t> </a:t>
-            </a:r>
-            <a:r>
-              <a:rPr lang="en-US" dirty="0" err="1" smtClean="0"/>
-              <a:t>en</a:t>
-            </a:r>
-            <a:r>
-              <a:rPr lang="en-US" dirty="0" smtClean="0"/>
-              <a:t> </a:t>
-            </a:r>
-            <a:r>
-              <a:rPr lang="en-US" dirty="0" err="1" smtClean="0"/>
-              <a:t>c++</a:t>
+              <a:t>Make it portable : translate all the algorithm in C++</a:t>
             </a:r>
             <a:endParaRPr lang="en-US" dirty="0"/>
           </a:p>
@@ -11497,7 +11507,7 @@
         </p:nvSpPr>
         <p:spPr>
           <a:xfrm>
-            <a:off x="628650" y="396597"/>
+            <a:off x="633806" y="396597"/>
             <a:ext cx="7876388" cy="1143000"/>
           </a:xfrm>
           <a:prstGeom prst="rect">
@@ -11529,6 +11539,10 @@
           </a:lstStyle>
           <a:p>
             <a:pPr algn="ctr"/>
+            <a:r>
+              <a:rPr lang="fr-FR" dirty="0" err="1" smtClean="0"/>
+              <a:t>Context</a:t>
+            </a:r>
             <a:endParaRPr lang="fr-FR" dirty="0"/>
           </a:p>
         </p:txBody>
@@ -11563,52 +11577,36 @@
           </a:p>
         </p:txBody>
       </p:sp>
-      <p:sp>
-        <p:nvSpPr>
-          <p:cNvPr id="4" name="ZoneTexte 3"/>
-          <p:cNvSpPr txBox="1"/>
+      <p:pic>
+        <p:nvPicPr>
+          <p:cNvPr id="3" name="Image 2"/>
+          <p:cNvPicPr>
+            <a:picLocks noChangeAspect="1"/>
+          </p:cNvPicPr>
           <p:nvPr/>
-        </p:nvSpPr>
-        <p:spPr>
-          <a:xfrm>
-            <a:off x="3361386" y="1120462"/>
-            <a:ext cx="4134118" cy="369332"/>
+        </p:nvPicPr>
+        <p:blipFill>
+          <a:blip r:embed="rId2">
+            <a:extLst>
+              <a:ext uri="{28A0092B-C50C-407E-A947-70E740481C1C}">
+                <a14:useLocalDpi xmlns:a14="http://schemas.microsoft.com/office/drawing/2010/main" val="0"/>
+              </a:ext>
+            </a:extLst>
+          </a:blip>
+          <a:stretch>
+            <a:fillRect/>
+          </a:stretch>
+        </p:blipFill>
+        <p:spPr>
+          <a:xfrm>
+            <a:off x="0" y="968097"/>
+            <a:ext cx="9144000" cy="5327928"/>
           </a:xfrm>
           <a:prstGeom prst="rect">
             <a:avLst/>
           </a:prstGeom>
-          <a:noFill/>
-        </p:spPr>
-        <p:txBody>
-          <a:bodyPr wrap="square" rtlCol="0">
-            <a:spAutoFit/>
-          </a:bodyPr>
-          <a:lstStyle/>
-          <a:p>
-            <a:r>
-              <a:rPr lang="fr-FR" dirty="0" smtClean="0"/>
-              <a:t>Ici </a:t>
-            </a:r>
-            <a:r>
-              <a:rPr lang="fr-FR" dirty="0" err="1" smtClean="0"/>
-              <a:t>inserer</a:t>
-            </a:r>
-            <a:r>
-              <a:rPr lang="fr-FR" dirty="0" smtClean="0"/>
-              <a:t> </a:t>
-            </a:r>
-            <a:r>
-              <a:rPr lang="fr-FR" dirty="0" err="1" smtClean="0"/>
-              <a:t>schema</a:t>
-            </a:r>
-            <a:r>
-              <a:rPr lang="fr-FR" dirty="0" smtClean="0"/>
-              <a:t> tout les blocs</a:t>
-            </a:r>
-            <a:endParaRPr lang="fr-FR" dirty="0"/>
-          </a:p>
-        </p:txBody>
-      </p:sp>
+        </p:spPr>
+      </p:pic>
     </p:spTree>
     <p:extLst>
       <p:ext uri="{BB962C8B-B14F-4D97-AF65-F5344CB8AC3E}">
@@ -11680,11 +11678,7 @@
           <a:p>
             <a:r>
               <a:rPr lang="en-US" dirty="0" smtClean="0"/>
-              <a:t>Why did we choose this subject </a:t>
-            </a:r>
-            <a:r>
-              <a:rPr lang="en-US" dirty="0" smtClean="0"/>
-              <a:t>?</a:t>
+              <a:t>Why did we choose this subject ?</a:t>
             </a:r>
           </a:p>
           <a:p>
@@ -11837,7 +11831,7 @@
         </p:nvSpPr>
         <p:spPr>
           <a:xfrm>
-            <a:off x="1004490" y="1846873"/>
+            <a:off x="1004490" y="2120710"/>
             <a:ext cx="4275914" cy="707886"/>
           </a:xfrm>
           <a:prstGeom prst="rect">
@@ -11902,7 +11896,7 @@
         </p:nvSpPr>
         <p:spPr>
           <a:xfrm>
-            <a:off x="2674692" y="2651913"/>
+            <a:off x="2674692" y="3518508"/>
             <a:ext cx="6589420" cy="769441"/>
           </a:xfrm>
           <a:prstGeom prst="rect">
@@ -11967,7 +11961,7 @@
         </p:nvSpPr>
         <p:spPr>
           <a:xfrm>
-            <a:off x="2045672" y="2970834"/>
+            <a:off x="2045672" y="4562363"/>
             <a:ext cx="1096775" cy="707886"/>
           </a:xfrm>
           <a:prstGeom prst="rect">
@@ -12142,13 +12136,13 @@
           <p:nvPr>
             <p:extLst>
               <p:ext uri="{D42A27DB-BD31-4B8C-83A1-F6EECF244321}">
-                <p14:modId xmlns:p14="http://schemas.microsoft.com/office/powerpoint/2010/main" val="2114696816"/>
+                <p14:modId xmlns:p14="http://schemas.microsoft.com/office/powerpoint/2010/main" val="534321825"/>
               </p:ext>
             </p:extLst>
           </p:nvPr>
         </p:nvGraphicFramePr>
         <p:xfrm>
-          <a:off x="1916805" y="1379719"/>
+          <a:off x="809222" y="1379719"/>
           <a:ext cx="5310389" cy="4353058"/>
         </p:xfrm>
         <a:graphic>
@@ -12300,6 +12294,96 @@
           </a:graphicData>
         </a:graphic>
       </p:graphicFrame>
+      <p:pic>
+        <p:nvPicPr>
+          <p:cNvPr id="3" name="Image 2"/>
+          <p:cNvPicPr>
+            <a:picLocks noChangeAspect="1"/>
+          </p:cNvPicPr>
+          <p:nvPr/>
+        </p:nvPicPr>
+        <p:blipFill>
+          <a:blip r:embed="rId2" cstate="screen">
+            <a:extLst>
+              <a:ext uri="{28A0092B-C50C-407E-A947-70E740481C1C}">
+                <a14:useLocalDpi xmlns:a14="http://schemas.microsoft.com/office/drawing/2010/main" val="0"/>
+              </a:ext>
+            </a:extLst>
+          </a:blip>
+          <a:stretch>
+            <a:fillRect/>
+          </a:stretch>
+        </p:blipFill>
+        <p:spPr>
+          <a:xfrm>
+            <a:off x="6487732" y="4211392"/>
+            <a:ext cx="1899634" cy="1899634"/>
+          </a:xfrm>
+          <a:prstGeom prst="rect">
+            <a:avLst/>
+          </a:prstGeom>
+        </p:spPr>
+      </p:pic>
+      <p:pic>
+        <p:nvPicPr>
+          <p:cNvPr id="6" name="Image 5"/>
+          <p:cNvPicPr>
+            <a:picLocks noChangeAspect="1"/>
+          </p:cNvPicPr>
+          <p:nvPr/>
+        </p:nvPicPr>
+        <p:blipFill>
+          <a:blip r:embed="rId3" cstate="screen">
+            <a:extLst>
+              <a:ext uri="{28A0092B-C50C-407E-A947-70E740481C1C}">
+                <a14:useLocalDpi xmlns:a14="http://schemas.microsoft.com/office/drawing/2010/main" val="0"/>
+              </a:ext>
+            </a:extLst>
+          </a:blip>
+          <a:stretch>
+            <a:fillRect/>
+          </a:stretch>
+        </p:blipFill>
+        <p:spPr>
+          <a:xfrm>
+            <a:off x="6586940" y="3198171"/>
+            <a:ext cx="1655539" cy="1412978"/>
+          </a:xfrm>
+          <a:prstGeom prst="rect">
+            <a:avLst/>
+          </a:prstGeom>
+        </p:spPr>
+      </p:pic>
+      <p:pic>
+        <p:nvPicPr>
+          <p:cNvPr id="7" name="Image 6"/>
+          <p:cNvPicPr>
+            <a:picLocks noChangeAspect="1"/>
+          </p:cNvPicPr>
+          <p:nvPr/>
+        </p:nvPicPr>
+        <p:blipFill>
+          <a:blip r:embed="rId4" cstate="screen">
+            <a:extLst>
+              <a:ext uri="{28A0092B-C50C-407E-A947-70E740481C1C}">
+                <a14:useLocalDpi xmlns:a14="http://schemas.microsoft.com/office/drawing/2010/main" val="0"/>
+              </a:ext>
+            </a:extLst>
+          </a:blip>
+          <a:stretch>
+            <a:fillRect/>
+          </a:stretch>
+        </p:blipFill>
+        <p:spPr>
+          <a:xfrm>
+            <a:off x="6797814" y="1832807"/>
+            <a:ext cx="1279470" cy="1421170"/>
+          </a:xfrm>
+          <a:prstGeom prst="rect">
+            <a:avLst/>
+          </a:prstGeom>
+        </p:spPr>
+      </p:pic>
     </p:spTree>
     <p:extLst>
       <p:ext uri="{BB962C8B-B14F-4D97-AF65-F5344CB8AC3E}">
@@ -12409,14 +12493,14 @@
           <p:nvPr>
             <p:extLst>
               <p:ext uri="{D42A27DB-BD31-4B8C-83A1-F6EECF244321}">
-                <p14:modId xmlns:p14="http://schemas.microsoft.com/office/powerpoint/2010/main" val="1606730075"/>
+                <p14:modId xmlns:p14="http://schemas.microsoft.com/office/powerpoint/2010/main" val="182472599"/>
               </p:ext>
             </p:extLst>
           </p:nvPr>
         </p:nvGraphicFramePr>
         <p:xfrm>
           <a:off x="2034862" y="1908879"/>
-          <a:ext cx="4949169" cy="4341768"/>
+          <a:ext cx="4949169" cy="3732834"/>
         </p:xfrm>
         <a:graphic>
           <a:graphicData uri="http://schemas.openxmlformats.org/drawingml/2006/table">
@@ -12427,7 +12511,7 @@
               <a:tblGrid>
                 <a:gridCol w="4949169"/>
               </a:tblGrid>
-              <a:tr h="602565">
+              <a:tr h="562633">
                 <a:tc>
                   <a:txBody>
                     <a:bodyPr/>
@@ -12443,7 +12527,7 @@
                   <a:tcPr/>
                 </a:tc>
               </a:tr>
-              <a:tr h="1931508">
+              <a:tr h="1482302">
                 <a:tc>
                   <a:txBody>
                     <a:bodyPr/>
@@ -12471,21 +12555,54 @@
                       </a:r>
                       <a:r>
                         <a:rPr lang="fr-FR" dirty="0" smtClean="0"/>
+                        <a:t> user</a:t>
+                      </a:r>
+                    </a:p>
+                    <a:p>
+                      <a:pPr marL="285750" indent="-285750">
+                        <a:buFontTx/>
+                        <a:buChar char="-"/>
+                      </a:pPr>
+                      <a:r>
+                        <a:rPr lang="fr-FR" baseline="0" dirty="0" err="1" smtClean="0"/>
+                        <a:t>Contrast</a:t>
+                      </a:r>
+                      <a:endParaRPr lang="fr-FR" baseline="0" dirty="0" smtClean="0"/>
+                    </a:p>
+                    <a:p>
+                      <a:pPr marL="285750" indent="-285750">
+                        <a:buFontTx/>
+                        <a:buChar char="-"/>
+                      </a:pPr>
+                      <a:r>
+                        <a:rPr lang="fr-FR" baseline="0" dirty="0" err="1" smtClean="0"/>
+                        <a:t>Fewer</a:t>
+                      </a:r>
+                      <a:r>
+                        <a:rPr lang="fr-FR" baseline="0" dirty="0" smtClean="0"/>
                         <a:t> </a:t>
                       </a:r>
                       <a:r>
-                        <a:rPr lang="fr-FR" dirty="0" smtClean="0"/>
-                        <a:t>user</a:t>
+                        <a:rPr lang="fr-FR" baseline="0" dirty="0" err="1" smtClean="0"/>
+                        <a:t>icons</a:t>
+                      </a:r>
+                      <a:r>
+                        <a:rPr lang="fr-FR" baseline="0" dirty="0" smtClean="0"/>
+                        <a:t>, visible</a:t>
                       </a:r>
                     </a:p>
                     <a:p>
+                      <a:pPr marL="285750" indent="-285750">
+                        <a:buFontTx/>
+                        <a:buChar char="-"/>
+                      </a:pPr>
                       <a:r>
-                        <a:rPr lang="fr-FR" dirty="0" smtClean="0"/>
-                        <a:t>-</a:t>
+                        <a:rPr lang="fr-FR" baseline="0" dirty="0" err="1" smtClean="0"/>
+                        <a:t>Selection</a:t>
                       </a:r>
                       <a:r>
                         <a:rPr lang="fr-FR" baseline="0" dirty="0" smtClean="0"/>
-                        <a:t> CAHIER DES CHAAAAAARGES</a:t>
+                        <a:t> mode</a:t>
                       </a:r>
                       <a:endParaRPr lang="fr-FR" dirty="0" smtClean="0"/>
                     </a:p>
@@ -12493,7 +12610,7 @@
                   <a:tcPr/>
                 </a:tc>
               </a:tr>
-              <a:tr h="602565">
+              <a:tr h="562633">
                 <a:tc>
                   <a:txBody>
                     <a:bodyPr/>
@@ -12509,7 +12626,7 @@
                   <a:tcPr/>
                 </a:tc>
               </a:tr>
-              <a:tr h="602565">
+              <a:tr h="562633">
                 <a:tc>
                   <a:txBody>
                     <a:bodyPr/>
@@ -12525,7 +12642,7 @@
                   <a:tcPr/>
                 </a:tc>
               </a:tr>
-              <a:tr h="602565">
+              <a:tr h="562633">
                 <a:tc>
                   <a:txBody>
                     <a:bodyPr/>
@@ -12822,7 +12939,7 @@
         </p:nvSpPr>
         <p:spPr>
           <a:xfrm>
-            <a:off x="1895324" y="287798"/>
+            <a:off x="3312000" y="390829"/>
             <a:ext cx="7876388" cy="1143000"/>
           </a:xfrm>
         </p:spPr>
@@ -12854,32 +12971,174 @@
           <a:lstStyle/>
           <a:p>
             <a:r>
+              <a:rPr lang="fr-FR" dirty="0" err="1" smtClean="0"/>
+              <a:t>Algorithm</a:t>
+            </a:r>
+            <a:r>
               <a:rPr lang="fr-FR" dirty="0" smtClean="0"/>
-              <a:t>Pas juste une interface</a:t>
-            </a:r>
-          </a:p>
-          <a:p>
+              <a:t> </a:t>
+            </a:r>
+            <a:r>
+              <a:rPr lang="fr-FR" dirty="0" err="1" smtClean="0"/>
+              <a:t>core</a:t>
+            </a:r>
             <a:r>
               <a:rPr lang="fr-FR" dirty="0" smtClean="0"/>
-              <a:t>Comment est structuré le code arbre tout ça</a:t>
-            </a:r>
-          </a:p>
-          <a:p>
+              <a:t> : a </a:t>
+            </a:r>
+            <a:r>
+              <a:rPr lang="fr-FR" dirty="0" err="1" smtClean="0"/>
+              <a:t>tree</a:t>
+            </a:r>
+            <a:endParaRPr lang="fr-FR" dirty="0" smtClean="0"/>
+          </a:p>
+          <a:p>
+            <a:endParaRPr lang="fr-FR" dirty="0" smtClean="0"/>
+          </a:p>
+          <a:p>
+            <a:pPr marL="457200" lvl="1" indent="0">
+              <a:buNone/>
+            </a:pPr>
+            <a:r>
+              <a:rPr lang="fr-FR" dirty="0" err="1">
+                <a:solidFill>
+                  <a:schemeClr val="tx1"/>
+                </a:solidFill>
+              </a:rPr>
+              <a:t>Root</a:t>
+            </a:r>
+            <a:r>
+              <a:rPr lang="fr-FR" dirty="0">
+                <a:solidFill>
+                  <a:schemeClr val="tx1"/>
+                </a:solidFill>
+              </a:rPr>
+              <a:t> : </a:t>
+            </a:r>
+            <a:r>
+              <a:rPr lang="fr-FR" dirty="0" err="1">
+                <a:solidFill>
+                  <a:schemeClr val="tx1"/>
+                </a:solidFill>
+              </a:rPr>
+              <a:t>homepage</a:t>
+            </a:r>
+            <a:endParaRPr lang="fr-FR" dirty="0">
+              <a:solidFill>
+                <a:schemeClr val="tx1"/>
+              </a:solidFill>
+            </a:endParaRPr>
+          </a:p>
+          <a:p>
+            <a:pPr marL="457200" lvl="1" indent="0">
+              <a:buNone/>
+            </a:pPr>
+            <a:r>
+              <a:rPr lang="fr-FR" dirty="0">
+                <a:solidFill>
+                  <a:schemeClr val="tx1"/>
+                </a:solidFill>
+              </a:rPr>
+              <a:t>Sons : </a:t>
+            </a:r>
+            <a:r>
+              <a:rPr lang="fr-FR" dirty="0" err="1">
+                <a:solidFill>
+                  <a:schemeClr val="tx1"/>
+                </a:solidFill>
+              </a:rPr>
+              <a:t>rooms</a:t>
+            </a:r>
+            <a:r>
+              <a:rPr lang="fr-FR" dirty="0">
+                <a:solidFill>
+                  <a:schemeClr val="tx1"/>
+                </a:solidFill>
+              </a:rPr>
+              <a:t> -&gt; </a:t>
+            </a:r>
+            <a:r>
+              <a:rPr lang="fr-FR" dirty="0" err="1">
+                <a:solidFill>
+                  <a:schemeClr val="tx1"/>
+                </a:solidFill>
+              </a:rPr>
+              <a:t>equipments</a:t>
+            </a:r>
+            <a:r>
+              <a:rPr lang="fr-FR" dirty="0">
+                <a:solidFill>
+                  <a:schemeClr val="tx1"/>
+                </a:solidFill>
+              </a:rPr>
+              <a:t> -&gt; actions</a:t>
+            </a:r>
+          </a:p>
+          <a:p>
+            <a:endParaRPr lang="fr-FR" dirty="0"/>
+          </a:p>
+          <a:p>
+            <a:r>
+              <a:rPr lang="fr-FR" dirty="0" err="1" smtClean="0"/>
+              <a:t>Why</a:t>
+            </a:r>
             <a:r>
               <a:rPr lang="fr-FR" dirty="0" smtClean="0"/>
-              <a:t>Pourquoi </a:t>
-            </a:r>
-            <a:r>
-              <a:rPr lang="fr-FR" dirty="0" err="1" smtClean="0"/>
-              <a:t>c#</a:t>
-            </a:r>
-            <a:r>
-              <a:rPr lang="fr-FR" dirty="0" smtClean="0"/>
-              <a:t> utilisé avant =&gt;</a:t>
-            </a:r>
-          </a:p>
-          <a:p>
+              <a:t> C# ?</a:t>
+            </a:r>
+          </a:p>
+          <a:p>
+            <a:pPr marL="457200" lvl="1" indent="0">
+              <a:buNone/>
+            </a:pPr>
             <a:endParaRPr lang="fr-FR" dirty="0"/>
+          </a:p>
+          <a:p>
+            <a:pPr marL="457200" lvl="1" indent="0">
+              <a:buNone/>
+            </a:pPr>
+            <a:r>
+              <a:rPr lang="fr-FR" dirty="0" err="1" smtClean="0">
+                <a:solidFill>
+                  <a:schemeClr val="tx1"/>
+                </a:solidFill>
+              </a:rPr>
+              <a:t>Ideal</a:t>
+            </a:r>
+            <a:r>
+              <a:rPr lang="fr-FR" dirty="0" smtClean="0">
+                <a:solidFill>
+                  <a:schemeClr val="tx1"/>
+                </a:solidFill>
+              </a:rPr>
+              <a:t> for Windows</a:t>
+            </a:r>
+          </a:p>
+          <a:p>
+            <a:pPr marL="457200" lvl="1" indent="0">
+              <a:buNone/>
+            </a:pPr>
+            <a:endParaRPr lang="fr-FR" dirty="0" smtClean="0"/>
+          </a:p>
+          <a:p>
+            <a:pPr marL="457200" lvl="1" indent="0">
+              <a:buNone/>
+            </a:pPr>
+            <a:endParaRPr lang="fr-FR" dirty="0">
+              <a:solidFill>
+                <a:schemeClr val="tx1"/>
+              </a:solidFill>
+            </a:endParaRPr>
+          </a:p>
+          <a:p>
+            <a:pPr marL="457200" lvl="1" indent="0">
+              <a:buNone/>
+            </a:pPr>
+            <a:endParaRPr lang="fr-FR" dirty="0" smtClean="0">
+              <a:solidFill>
+                <a:schemeClr val="tx1"/>
+              </a:solidFill>
+            </a:endParaRPr>
           </a:p>
         </p:txBody>
       </p:sp>

--- a/Rendu/Diapo_prototype_janvier.pptx
+++ b/Rendu/Diapo_prototype_janvier.pptx
@@ -7803,7 +7803,7 @@
           <a:p>
             <a:r>
               <a:rPr lang="fr-FR" dirty="0" smtClean="0"/>
-              <a:t>12</a:t>
+              <a:t>11</a:t>
             </a:r>
             <a:endParaRPr lang="fr-FR" dirty="0"/>
           </a:p>
@@ -8945,7 +8945,7 @@
           <a:p>
             <a:r>
               <a:rPr lang="fr-FR" dirty="0" smtClean="0"/>
-              <a:t>13</a:t>
+              <a:t>12</a:t>
             </a:r>
             <a:endParaRPr lang="fr-FR" dirty="0"/>
           </a:p>
@@ -9129,7 +9129,7 @@
           <a:p>
             <a:r>
               <a:rPr lang="fr-FR" dirty="0" smtClean="0"/>
-              <a:t>14</a:t>
+              <a:t>13</a:t>
             </a:r>
             <a:endParaRPr lang="fr-FR" dirty="0"/>
           </a:p>
@@ -9431,6 +9431,36 @@
               <a:buNone/>
             </a:pPr>
             <a:endParaRPr lang="en-US" dirty="0"/>
+          </a:p>
+        </p:txBody>
+      </p:sp>
+      <p:sp>
+        <p:nvSpPr>
+          <p:cNvPr id="4" name="ZoneTexte 3"/>
+          <p:cNvSpPr txBox="1"/>
+          <p:nvPr/>
+        </p:nvSpPr>
+        <p:spPr>
+          <a:xfrm>
+            <a:off x="8496300" y="6296025"/>
+            <a:ext cx="495300" cy="369332"/>
+          </a:xfrm>
+          <a:prstGeom prst="rect">
+            <a:avLst/>
+          </a:prstGeom>
+          <a:noFill/>
+        </p:spPr>
+        <p:txBody>
+          <a:bodyPr wrap="square" rtlCol="0">
+            <a:spAutoFit/>
+          </a:bodyPr>
+          <a:lstStyle/>
+          <a:p>
+            <a:r>
+              <a:rPr lang="fr-FR" dirty="0" smtClean="0"/>
+              <a:t>14</a:t>
+            </a:r>
+            <a:endParaRPr lang="fr-FR" dirty="0"/>
           </a:p>
         </p:txBody>
       </p:sp>
@@ -9585,7 +9615,7 @@
           <a:p>
             <a:r>
               <a:rPr lang="fr-FR" dirty="0" smtClean="0"/>
-              <a:t>17</a:t>
+              <a:t>15</a:t>
             </a:r>
             <a:endParaRPr lang="fr-FR" dirty="0"/>
           </a:p>
@@ -10262,6 +10292,36 @@
           </a:prstGeom>
         </p:spPr>
       </p:pic>
+      <p:sp>
+        <p:nvSpPr>
+          <p:cNvPr id="5" name="ZoneTexte 4"/>
+          <p:cNvSpPr txBox="1"/>
+          <p:nvPr/>
+        </p:nvSpPr>
+        <p:spPr>
+          <a:xfrm>
+            <a:off x="8496300" y="6296025"/>
+            <a:ext cx="495300" cy="369332"/>
+          </a:xfrm>
+          <a:prstGeom prst="rect">
+            <a:avLst/>
+          </a:prstGeom>
+          <a:noFill/>
+        </p:spPr>
+        <p:txBody>
+          <a:bodyPr wrap="square" rtlCol="0">
+            <a:spAutoFit/>
+          </a:bodyPr>
+          <a:lstStyle/>
+          <a:p>
+            <a:r>
+              <a:rPr lang="fr-FR" dirty="0" smtClean="0"/>
+              <a:t>16</a:t>
+            </a:r>
+            <a:endParaRPr lang="fr-FR" dirty="0"/>
+          </a:p>
+        </p:txBody>
+      </p:sp>
     </p:spTree>
     <p:extLst>
       <p:ext uri="{BB962C8B-B14F-4D97-AF65-F5344CB8AC3E}">
@@ -10456,6 +10516,36 @@
             <a:r>
               <a:rPr lang="fr-FR" smtClean="0"/>
               <a:t> next</a:t>
+            </a:r>
+            <a:endParaRPr lang="fr-FR" dirty="0"/>
+          </a:p>
+        </p:txBody>
+      </p:sp>
+      <p:sp>
+        <p:nvSpPr>
+          <p:cNvPr id="5" name="ZoneTexte 4"/>
+          <p:cNvSpPr txBox="1"/>
+          <p:nvPr/>
+        </p:nvSpPr>
+        <p:spPr>
+          <a:xfrm>
+            <a:off x="8496300" y="6296025"/>
+            <a:ext cx="495300" cy="369332"/>
+          </a:xfrm>
+          <a:prstGeom prst="rect">
+            <a:avLst/>
+          </a:prstGeom>
+          <a:noFill/>
+        </p:spPr>
+        <p:txBody>
+          <a:bodyPr wrap="square" rtlCol="0">
+            <a:spAutoFit/>
+          </a:bodyPr>
+          <a:lstStyle/>
+          <a:p>
+            <a:r>
+              <a:rPr lang="fr-FR" dirty="0" smtClean="0"/>
+              <a:t>17</a:t>
             </a:r>
             <a:endParaRPr lang="fr-FR" dirty="0"/>
           </a:p>
@@ -11183,6 +11273,36 @@
           </a:p>
         </p:txBody>
       </p:sp>
+      <p:sp>
+        <p:nvSpPr>
+          <p:cNvPr id="3" name="ZoneTexte 2"/>
+          <p:cNvSpPr txBox="1"/>
+          <p:nvPr/>
+        </p:nvSpPr>
+        <p:spPr>
+          <a:xfrm>
+            <a:off x="8496300" y="6296025"/>
+            <a:ext cx="495300" cy="369332"/>
+          </a:xfrm>
+          <a:prstGeom prst="rect">
+            <a:avLst/>
+          </a:prstGeom>
+          <a:noFill/>
+        </p:spPr>
+        <p:txBody>
+          <a:bodyPr wrap="square" rtlCol="0">
+            <a:spAutoFit/>
+          </a:bodyPr>
+          <a:lstStyle/>
+          <a:p>
+            <a:r>
+              <a:rPr lang="fr-FR" dirty="0" smtClean="0"/>
+              <a:t>19</a:t>
+            </a:r>
+            <a:endParaRPr lang="fr-FR" dirty="0"/>
+          </a:p>
+        </p:txBody>
+      </p:sp>
     </p:spTree>
     <p:extLst>
       <p:ext uri="{BB962C8B-B14F-4D97-AF65-F5344CB8AC3E}">
@@ -11370,10 +11490,9 @@
           <a:lstStyle/>
           <a:p>
             <a:r>
-              <a:rPr lang="fr-FR" dirty="0" smtClean="0"/>
-              <a:t>4</a:t>
-            </a:r>
-            <a:endParaRPr lang="fr-FR" dirty="0"/>
+              <a:rPr lang="fr-FR" dirty="0"/>
+              <a:t>3</a:t>
+            </a:r>
           </a:p>
         </p:txBody>
       </p:sp>
@@ -11570,10 +11689,9 @@
           <a:lstStyle/>
           <a:p>
             <a:r>
-              <a:rPr lang="fr-FR" dirty="0" smtClean="0"/>
-              <a:t>10</a:t>
-            </a:r>
-            <a:endParaRPr lang="fr-FR" dirty="0"/>
+              <a:rPr lang="fr-FR" dirty="0"/>
+              <a:t>4</a:t>
+            </a:r>
           </a:p>
         </p:txBody>
       </p:sp>
@@ -12120,10 +12238,9 @@
           <a:lstStyle/>
           <a:p>
             <a:r>
-              <a:rPr lang="fr-FR" dirty="0" smtClean="0"/>
-              <a:t>8</a:t>
-            </a:r>
-            <a:endParaRPr lang="fr-FR" dirty="0"/>
+              <a:rPr lang="fr-FR" dirty="0"/>
+              <a:t>6</a:t>
+            </a:r>
           </a:p>
         </p:txBody>
       </p:sp>
@@ -12493,14 +12610,14 @@
           <p:nvPr>
             <p:extLst>
               <p:ext uri="{D42A27DB-BD31-4B8C-83A1-F6EECF244321}">
-                <p14:modId xmlns:p14="http://schemas.microsoft.com/office/powerpoint/2010/main" val="182472599"/>
+                <p14:modId xmlns:p14="http://schemas.microsoft.com/office/powerpoint/2010/main" val="2206098565"/>
               </p:ext>
             </p:extLst>
           </p:nvPr>
         </p:nvGraphicFramePr>
         <p:xfrm>
           <a:off x="2034862" y="1908879"/>
-          <a:ext cx="4949169" cy="3732834"/>
+          <a:ext cx="4949169" cy="3501188"/>
         </p:xfrm>
         <a:graphic>
           <a:graphicData uri="http://schemas.openxmlformats.org/drawingml/2006/table">
@@ -12527,7 +12644,7 @@
                   <a:tcPr/>
                 </a:tc>
               </a:tr>
-              <a:tr h="1482302">
+              <a:tr h="1173209">
                 <a:tc>
                   <a:txBody>
                     <a:bodyPr/>
@@ -12591,21 +12708,6 @@
                         <a:t>, visible</a:t>
                       </a:r>
                     </a:p>
-                    <a:p>
-                      <a:pPr marL="285750" indent="-285750">
-                        <a:buFontTx/>
-                        <a:buChar char="-"/>
-                      </a:pPr>
-                      <a:r>
-                        <a:rPr lang="fr-FR" baseline="0" dirty="0" err="1" smtClean="0"/>
-                        <a:t>Selection</a:t>
-                      </a:r>
-                      <a:r>
-                        <a:rPr lang="fr-FR" baseline="0" dirty="0" smtClean="0"/>
-                        <a:t> mode</a:t>
-                      </a:r>
-                      <a:endParaRPr lang="fr-FR" dirty="0" smtClean="0"/>
-                    </a:p>
                   </a:txBody>
                   <a:tcPr/>
                 </a:tc>
@@ -12648,10 +12750,34 @@
                     <a:bodyPr/>
                     <a:lstStyle/>
                     <a:p>
+                      <a:pPr marL="0" marR="0" indent="0" algn="l" defTabSz="457200" rtl="0" eaLnBrk="1" fontAlgn="auto" latinLnBrk="0" hangingPunct="1">
+                        <a:lnSpc>
+                          <a:spcPct val="100000"/>
+                        </a:lnSpc>
+                        <a:spcBef>
+                          <a:spcPts val="0"/>
+                        </a:spcBef>
+                        <a:spcAft>
+                          <a:spcPts val="0"/>
+                        </a:spcAft>
+                        <a:buClrTx/>
+                        <a:buSzTx/>
+                        <a:buFontTx/>
+                        <a:buNone/>
+                        <a:tabLst/>
+                        <a:defRPr/>
+                      </a:pPr>
                       <a:r>
-                        <a:rPr lang="fr-FR" dirty="0" smtClean="0"/>
-                        <a:t>DEFILEMENT</a:t>
+                        <a:rPr lang="fr-FR" baseline="0" dirty="0" err="1" smtClean="0"/>
+                        <a:t>Selection</a:t>
                       </a:r>
+                      <a:r>
+                        <a:rPr lang="fr-FR" baseline="0" dirty="0" smtClean="0"/>
+                        <a:t> mode</a:t>
+                      </a:r>
+                      <a:endParaRPr lang="fr-FR" dirty="0" smtClean="0"/>
+                    </a:p>
+                    <a:p>
                       <a:endParaRPr lang="fr-FR" dirty="0"/>
                     </a:p>
                   </a:txBody>
@@ -12662,6 +12788,36 @@
           </a:graphicData>
         </a:graphic>
       </p:graphicFrame>
+      <p:sp>
+        <p:nvSpPr>
+          <p:cNvPr id="5" name="ZoneTexte 4"/>
+          <p:cNvSpPr txBox="1"/>
+          <p:nvPr/>
+        </p:nvSpPr>
+        <p:spPr>
+          <a:xfrm>
+            <a:off x="8496300" y="6296025"/>
+            <a:ext cx="495300" cy="369332"/>
+          </a:xfrm>
+          <a:prstGeom prst="rect">
+            <a:avLst/>
+          </a:prstGeom>
+          <a:noFill/>
+        </p:spPr>
+        <p:txBody>
+          <a:bodyPr wrap="square" rtlCol="0">
+            <a:spAutoFit/>
+          </a:bodyPr>
+          <a:lstStyle/>
+          <a:p>
+            <a:r>
+              <a:rPr lang="fr-FR" dirty="0" smtClean="0"/>
+              <a:t>9</a:t>
+            </a:r>
+            <a:endParaRPr lang="fr-FR" dirty="0"/>
+          </a:p>
+        </p:txBody>
+      </p:sp>
     </p:spTree>
     <p:extLst>
       <p:ext uri="{BB962C8B-B14F-4D97-AF65-F5344CB8AC3E}">
@@ -12841,10 +12997,9 @@
           <a:lstStyle/>
           <a:p>
             <a:r>
-              <a:rPr lang="fr-FR" dirty="0" smtClean="0"/>
-              <a:t>6</a:t>
-            </a:r>
-            <a:endParaRPr lang="fr-FR" dirty="0"/>
+              <a:rPr lang="fr-FR" dirty="0"/>
+              <a:t>8</a:t>
+            </a:r>
           </a:p>
         </p:txBody>
       </p:sp>
@@ -13139,6 +13294,36 @@
                 <a:schemeClr val="tx1"/>
               </a:solidFill>
             </a:endParaRPr>
+          </a:p>
+        </p:txBody>
+      </p:sp>
+      <p:sp>
+        <p:nvSpPr>
+          <p:cNvPr id="4" name="ZoneTexte 3"/>
+          <p:cNvSpPr txBox="1"/>
+          <p:nvPr/>
+        </p:nvSpPr>
+        <p:spPr>
+          <a:xfrm>
+            <a:off x="8496300" y="6296025"/>
+            <a:ext cx="495300" cy="369332"/>
+          </a:xfrm>
+          <a:prstGeom prst="rect">
+            <a:avLst/>
+          </a:prstGeom>
+          <a:noFill/>
+        </p:spPr>
+        <p:txBody>
+          <a:bodyPr wrap="square" rtlCol="0">
+            <a:spAutoFit/>
+          </a:bodyPr>
+          <a:lstStyle/>
+          <a:p>
+            <a:r>
+              <a:rPr lang="fr-FR" dirty="0" smtClean="0"/>
+              <a:t>10</a:t>
+            </a:r>
+            <a:endParaRPr lang="fr-FR" dirty="0"/>
           </a:p>
         </p:txBody>
       </p:sp>

--- a/Rendu/Diapo_prototype_janvier.pptx
+++ b/Rendu/Diapo_prototype_janvier.pptx
@@ -14,8 +14,8 @@
     <p:sldId id="303" r:id="rId2"/>
     <p:sldId id="287" r:id="rId3"/>
     <p:sldId id="291" r:id="rId4"/>
-    <p:sldId id="300" r:id="rId5"/>
-    <p:sldId id="292" r:id="rId6"/>
+    <p:sldId id="292" r:id="rId5"/>
+    <p:sldId id="300" r:id="rId6"/>
     <p:sldId id="290" r:id="rId7"/>
     <p:sldId id="308" r:id="rId8"/>
     <p:sldId id="293" r:id="rId9"/>
@@ -266,7 +266,7 @@
             <a:fld id="{1FF860C4-84CC-4ED2-86B7-24C0345B37D5}" type="datetimeFigureOut">
               <a:rPr lang="fr-FR" smtClean="0"/>
               <a:pPr/>
-              <a:t>16/12/2015</a:t>
+              <a:t>17/12/2015</a:t>
             </a:fld>
             <a:endParaRPr lang="fr-FR"/>
           </a:p>
@@ -433,7 +433,7 @@
             <a:fld id="{C2C2714D-4FF2-4E25-9D9C-3A52AC0061D5}" type="datetimeFigureOut">
               <a:rPr lang="fr-FR" smtClean="0"/>
               <a:pPr/>
-              <a:t>16/12/2015</a:t>
+              <a:t>17/12/2015</a:t>
             </a:fld>
             <a:endParaRPr lang="fr-FR"/>
           </a:p>
@@ -9173,8 +9173,8 @@
         </p:nvSpPr>
         <p:spPr>
           <a:xfrm>
-            <a:off x="1419896" y="2632157"/>
-            <a:ext cx="2590800" cy="369332"/>
+            <a:off x="734096" y="2632157"/>
+            <a:ext cx="3276600" cy="646331"/>
           </a:xfrm>
           <a:prstGeom prst="rect">
             <a:avLst/>
@@ -9189,8 +9189,13 @@
           <a:p>
             <a:r>
               <a:rPr lang="fr-FR" dirty="0"/>
-              <a:t>to code :	Visual Studio</a:t>
-            </a:r>
+              <a:t>to code :	Visual </a:t>
+            </a:r>
+            <a:r>
+              <a:rPr lang="fr-FR" dirty="0" smtClean="0"/>
+              <a:t>Studio, Code Blocks</a:t>
+            </a:r>
+            <a:endParaRPr lang="fr-FR" dirty="0"/>
           </a:p>
         </p:txBody>
       </p:sp>
@@ -9325,7 +9330,7 @@
 </file>
 
 <file path=ppt/slides/slide14.xml><?xml version="1.0" encoding="utf-8"?>
-<p:sld xmlns:a="http://schemas.openxmlformats.org/drawingml/2006/main" xmlns:r="http://schemas.openxmlformats.org/officeDocument/2006/relationships" xmlns:p="http://schemas.openxmlformats.org/presentationml/2006/main">
+<p:sld xmlns:a="http://schemas.openxmlformats.org/drawingml/2006/main" xmlns:r="http://schemas.openxmlformats.org/officeDocument/2006/relationships" xmlns:p="http://schemas.openxmlformats.org/presentationml/2006/main" show="0">
   <p:cSld>
     <p:spTree>
       <p:nvGrpSpPr>
@@ -9474,13 +9479,13 @@
   <p:clrMapOvr>
     <a:masterClrMapping/>
   </p:clrMapOvr>
-  <mc:AlternateContent xmlns:mc="http://schemas.openxmlformats.org/markup-compatibility/2006" xmlns:p14="http://schemas.microsoft.com/office/powerpoint/2010/main">
-    <mc:Choice Requires="p14">
+  <mc:AlternateContent xmlns:mc="http://schemas.openxmlformats.org/markup-compatibility/2006">
+    <mc:Choice xmlns:p14="http://schemas.microsoft.com/office/powerpoint/2010/main" Requires="p14">
       <p:transition spd="med" p14:dur="700">
         <p:fade/>
       </p:transition>
     </mc:Choice>
-    <mc:Fallback xmlns="">
+    <mc:Fallback>
       <p:transition spd="med">
         <p:fade/>
       </p:transition>
@@ -9615,7 +9620,7 @@
           <a:p>
             <a:r>
               <a:rPr lang="fr-FR" dirty="0" smtClean="0"/>
-              <a:t>15</a:t>
+              <a:t>14</a:t>
             </a:r>
             <a:endParaRPr lang="fr-FR" dirty="0"/>
           </a:p>
@@ -10316,7 +10321,7 @@
           <a:p>
             <a:r>
               <a:rPr lang="fr-FR" dirty="0" smtClean="0"/>
-              <a:t>16</a:t>
+              <a:t>15</a:t>
             </a:r>
             <a:endParaRPr lang="fr-FR" dirty="0"/>
           </a:p>
@@ -10545,7 +10550,7 @@
           <a:p>
             <a:r>
               <a:rPr lang="fr-FR" dirty="0" smtClean="0"/>
-              <a:t>17</a:t>
+              <a:t>16</a:t>
             </a:r>
             <a:endParaRPr lang="fr-FR" dirty="0"/>
           </a:p>
@@ -10714,19 +10719,7 @@
             <a:pPr algn="ctr"/>
             <a:r>
               <a:rPr lang="fr-FR" dirty="0" smtClean="0"/>
-              <a:t>V. </a:t>
-            </a:r>
-            <a:r>
-              <a:rPr lang="fr-FR" dirty="0" err="1" smtClean="0"/>
-              <a:t>What’s</a:t>
-            </a:r>
-            <a:r>
-              <a:rPr lang="fr-FR" dirty="0" smtClean="0"/>
-              <a:t> </a:t>
-            </a:r>
-            <a:r>
-              <a:rPr lang="fr-FR" dirty="0" err="1" smtClean="0"/>
-              <a:t>next</a:t>
+              <a:t>conclusion</a:t>
             </a:r>
             <a:endParaRPr lang="fr-FR" dirty="0"/>
           </a:p>
@@ -10755,8 +10748,8 @@
           <a:lstStyle/>
           <a:p>
             <a:r>
-              <a:rPr lang="fr-FR" smtClean="0"/>
-              <a:t>18</a:t>
+              <a:rPr lang="fr-FR" dirty="0" smtClean="0"/>
+              <a:t>17</a:t>
             </a:r>
             <a:endParaRPr lang="fr-FR" dirty="0"/>
           </a:p>
@@ -11297,7 +11290,7 @@
           <a:p>
             <a:r>
               <a:rPr lang="fr-FR" dirty="0" smtClean="0"/>
-              <a:t>19</a:t>
+              <a:t>18</a:t>
             </a:r>
             <a:endParaRPr lang="fr-FR" dirty="0"/>
           </a:p>
@@ -11364,7 +11357,7 @@
         </p:nvSpPr>
         <p:spPr>
           <a:xfrm>
-            <a:off x="633806" y="304800"/>
+            <a:off x="633806" y="333227"/>
             <a:ext cx="7876388" cy="946131"/>
           </a:xfrm>
         </p:spPr>
@@ -11618,6 +11611,93 @@
       </p:grpSpPr>
       <p:sp>
         <p:nvSpPr>
+          <p:cNvPr id="3" name="Espace réservé du texte 2"/>
+          <p:cNvSpPr>
+            <a:spLocks noGrp="1"/>
+          </p:cNvSpPr>
+          <p:nvPr>
+            <p:ph type="body" sz="quarter" idx="10"/>
+          </p:nvPr>
+        </p:nvSpPr>
+        <p:spPr>
+          <a:xfrm>
+            <a:off x="633806" y="1430798"/>
+            <a:ext cx="7694854" cy="4695367"/>
+          </a:xfrm>
+        </p:spPr>
+        <p:txBody>
+          <a:bodyPr/>
+          <a:lstStyle/>
+          <a:p>
+            <a:r>
+              <a:rPr lang="en-US" dirty="0" smtClean="0"/>
+              <a:t>Why did we choose this subject ?</a:t>
+            </a:r>
+          </a:p>
+          <a:p>
+            <a:endParaRPr lang="en-US" dirty="0"/>
+          </a:p>
+          <a:p>
+            <a:endParaRPr lang="en-US" dirty="0" smtClean="0"/>
+          </a:p>
+          <a:p>
+            <a:endParaRPr lang="fr-FR" dirty="0" smtClean="0"/>
+          </a:p>
+          <a:p>
+            <a:pPr marL="0" indent="0">
+              <a:buNone/>
+            </a:pPr>
+            <a:r>
+              <a:rPr lang="en-US" dirty="0" smtClean="0"/>
+              <a:t>	</a:t>
+            </a:r>
+          </a:p>
+          <a:p>
+            <a:pPr marL="0" indent="0">
+              <a:buNone/>
+            </a:pPr>
+            <a:r>
+              <a:rPr lang="en-US" dirty="0" smtClean="0"/>
+              <a:t>	</a:t>
+            </a:r>
+          </a:p>
+          <a:p>
+            <a:pPr marL="0" indent="0">
+              <a:buNone/>
+            </a:pPr>
+            <a:endParaRPr lang="en-US" dirty="0"/>
+          </a:p>
+          <a:p>
+            <a:pPr marL="0" indent="0">
+              <a:buNone/>
+            </a:pPr>
+            <a:endParaRPr lang="en-US" dirty="0" smtClean="0"/>
+          </a:p>
+          <a:p>
+            <a:pPr marL="0" indent="0">
+              <a:buNone/>
+            </a:pPr>
+            <a:endParaRPr lang="en-US" dirty="0"/>
+          </a:p>
+          <a:p>
+            <a:pPr marL="0" indent="0">
+              <a:buNone/>
+            </a:pPr>
+            <a:endParaRPr lang="en-US" dirty="0" smtClean="0"/>
+          </a:p>
+          <a:p>
+            <a:pPr marL="0" indent="0">
+              <a:buNone/>
+            </a:pPr>
+            <a:endParaRPr lang="en-US" dirty="0" smtClean="0"/>
+          </a:p>
+          <a:p>
+            <a:endParaRPr lang="fr-FR" dirty="0"/>
+          </a:p>
+        </p:txBody>
+      </p:sp>
+      <p:sp>
+        <p:nvSpPr>
           <p:cNvPr id="5" name="Titre 1"/>
           <p:cNvSpPr txBox="1">
             <a:spLocks/>
@@ -11626,8 +11706,8 @@
         </p:nvSpPr>
         <p:spPr>
           <a:xfrm>
-            <a:off x="633806" y="396597"/>
-            <a:ext cx="7876388" cy="1143000"/>
+            <a:off x="633806" y="304800"/>
+            <a:ext cx="7876388" cy="946131"/>
           </a:xfrm>
           <a:prstGeom prst="rect">
             <a:avLst/>
@@ -11659,8 +11739,8 @@
           <a:p>
             <a:pPr algn="ctr"/>
             <a:r>
-              <a:rPr lang="fr-FR" dirty="0" err="1" smtClean="0"/>
-              <a:t>Context</a:t>
+              <a:rPr lang="fr-FR" smtClean="0"/>
+              <a:t>I. Context</a:t>
             </a:r>
             <a:endParaRPr lang="fr-FR" dirty="0"/>
           </a:p>
@@ -11668,7 +11748,7 @@
       </p:sp>
       <p:sp>
         <p:nvSpPr>
-          <p:cNvPr id="7" name="ZoneTexte 6"/>
+          <p:cNvPr id="6" name="ZoneTexte 5"/>
           <p:cNvSpPr txBox="1"/>
           <p:nvPr/>
         </p:nvSpPr>
@@ -11689,46 +11769,209 @@
           <a:lstStyle/>
           <a:p>
             <a:r>
-              <a:rPr lang="fr-FR" dirty="0"/>
+              <a:rPr lang="fr-FR" dirty="0" smtClean="0"/>
               <a:t>4</a:t>
             </a:r>
+            <a:endParaRPr lang="fr-FR" dirty="0"/>
           </a:p>
         </p:txBody>
       </p:sp>
-      <p:pic>
-        <p:nvPicPr>
-          <p:cNvPr id="3" name="Image 2"/>
-          <p:cNvPicPr>
-            <a:picLocks noChangeAspect="1"/>
-          </p:cNvPicPr>
+      <p:sp>
+        <p:nvSpPr>
+          <p:cNvPr id="2" name="Rectangle 1"/>
+          <p:cNvSpPr/>
           <p:nvPr/>
-        </p:nvPicPr>
-        <p:blipFill>
-          <a:blip r:embed="rId2">
-            <a:extLst>
-              <a:ext uri="{28A0092B-C50C-407E-A947-70E740481C1C}">
-                <a14:useLocalDpi xmlns:a14="http://schemas.microsoft.com/office/drawing/2010/main" val="0"/>
-              </a:ext>
-            </a:extLst>
-          </a:blip>
-          <a:stretch>
-            <a:fillRect/>
-          </a:stretch>
-        </p:blipFill>
-        <p:spPr>
-          <a:xfrm>
-            <a:off x="0" y="968097"/>
-            <a:ext cx="9144000" cy="5327928"/>
+        </p:nvSpPr>
+        <p:spPr>
+          <a:xfrm>
+            <a:off x="1004490" y="2120710"/>
+            <a:ext cx="4275914" cy="707886"/>
           </a:xfrm>
           <a:prstGeom prst="rect">
             <a:avLst/>
           </a:prstGeom>
-        </p:spPr>
-      </p:pic>
+          <a:noFill/>
+        </p:spPr>
+        <p:txBody>
+          <a:bodyPr wrap="none" lIns="91440" tIns="45720" rIns="91440" bIns="45720">
+            <a:spAutoFit/>
+          </a:bodyPr>
+          <a:lstStyle/>
+          <a:p>
+            <a:pPr algn="ctr"/>
+            <a:r>
+              <a:rPr lang="fr-FR" sz="4000" b="1" cap="none" spc="0" dirty="0" smtClean="0">
+                <a:ln w="9525">
+                  <a:solidFill>
+                    <a:schemeClr val="bg1"/>
+                  </a:solidFill>
+                  <a:prstDash val="solid"/>
+                </a:ln>
+                <a:solidFill>
+                  <a:schemeClr val="tx1"/>
+                </a:solidFill>
+                <a:effectLst>
+                  <a:outerShdw blurRad="12700" dist="38100" dir="2700000" algn="tl" rotWithShape="0">
+                    <a:schemeClr val="bg1">
+                      <a:lumMod val="50000"/>
+                    </a:schemeClr>
+                  </a:outerShdw>
+                </a:effectLst>
+              </a:rPr>
+              <a:t>HUMAN VALUES</a:t>
+            </a:r>
+            <a:endParaRPr lang="fr-FR" sz="4000" b="1" cap="none" spc="0" dirty="0">
+              <a:ln w="9525">
+                <a:solidFill>
+                  <a:schemeClr val="bg1"/>
+                </a:solidFill>
+                <a:prstDash val="solid"/>
+              </a:ln>
+              <a:solidFill>
+                <a:schemeClr val="tx1"/>
+              </a:solidFill>
+              <a:effectLst>
+                <a:outerShdw blurRad="12700" dist="38100" dir="2700000" algn="tl" rotWithShape="0">
+                  <a:schemeClr val="bg1">
+                    <a:lumMod val="50000"/>
+                  </a:schemeClr>
+                </a:outerShdw>
+              </a:effectLst>
+            </a:endParaRPr>
+          </a:p>
+        </p:txBody>
+      </p:sp>
+      <p:sp>
+        <p:nvSpPr>
+          <p:cNvPr id="4" name="Rectangle 3"/>
+          <p:cNvSpPr/>
+          <p:nvPr/>
+        </p:nvSpPr>
+        <p:spPr>
+          <a:xfrm>
+            <a:off x="2674692" y="3518508"/>
+            <a:ext cx="6589420" cy="769441"/>
+          </a:xfrm>
+          <a:prstGeom prst="rect">
+            <a:avLst/>
+          </a:prstGeom>
+          <a:noFill/>
+        </p:spPr>
+        <p:txBody>
+          <a:bodyPr wrap="square" lIns="91440" tIns="45720" rIns="91440" bIns="45720">
+            <a:spAutoFit/>
+          </a:bodyPr>
+          <a:lstStyle/>
+          <a:p>
+            <a:pPr algn="ctr"/>
+            <a:r>
+              <a:rPr lang="fr-FR" sz="4400" b="1" cap="none" spc="0" dirty="0" smtClean="0">
+                <a:ln w="9525">
+                  <a:solidFill>
+                    <a:schemeClr val="bg1"/>
+                  </a:solidFill>
+                  <a:prstDash val="solid"/>
+                </a:ln>
+                <a:solidFill>
+                  <a:schemeClr val="tx1"/>
+                </a:solidFill>
+                <a:effectLst>
+                  <a:outerShdw blurRad="12700" dist="38100" dir="2700000" algn="tl" rotWithShape="0">
+                    <a:schemeClr val="bg1">
+                      <a:lumMod val="50000"/>
+                    </a:schemeClr>
+                  </a:outerShdw>
+                </a:effectLst>
+              </a:rPr>
+              <a:t>CHALLENGING</a:t>
+            </a:r>
+            <a:endParaRPr lang="fr-FR" sz="4400" b="1" cap="none" spc="0" dirty="0">
+              <a:ln w="9525">
+                <a:solidFill>
+                  <a:schemeClr val="bg1"/>
+                </a:solidFill>
+                <a:prstDash val="solid"/>
+              </a:ln>
+              <a:solidFill>
+                <a:schemeClr val="tx1"/>
+              </a:solidFill>
+              <a:effectLst>
+                <a:outerShdw blurRad="12700" dist="38100" dir="2700000" algn="tl" rotWithShape="0">
+                  <a:schemeClr val="bg1">
+                    <a:lumMod val="50000"/>
+                  </a:schemeClr>
+                </a:outerShdw>
+              </a:effectLst>
+            </a:endParaRPr>
+          </a:p>
+        </p:txBody>
+      </p:sp>
+      <p:sp>
+        <p:nvSpPr>
+          <p:cNvPr id="7" name="Rectangle 6"/>
+          <p:cNvSpPr/>
+          <p:nvPr/>
+        </p:nvSpPr>
+        <p:spPr>
+          <a:xfrm>
+            <a:off x="2045672" y="4562363"/>
+            <a:ext cx="1096775" cy="707886"/>
+          </a:xfrm>
+          <a:prstGeom prst="rect">
+            <a:avLst/>
+          </a:prstGeom>
+          <a:noFill/>
+        </p:spPr>
+        <p:txBody>
+          <a:bodyPr wrap="none" lIns="91440" tIns="45720" rIns="91440" bIns="45720">
+            <a:spAutoFit/>
+          </a:bodyPr>
+          <a:lstStyle/>
+          <a:p>
+            <a:pPr algn="ctr"/>
+            <a:r>
+              <a:rPr lang="fr-FR" sz="4000" b="1" dirty="0" smtClean="0">
+                <a:ln w="9525">
+                  <a:solidFill>
+                    <a:schemeClr val="bg1"/>
+                  </a:solidFill>
+                  <a:prstDash val="solid"/>
+                </a:ln>
+                <a:effectLst>
+                  <a:outerShdw blurRad="12700" dist="38100" dir="2700000" algn="tl" rotWithShape="0">
+                    <a:schemeClr val="bg1">
+                      <a:lumMod val="50000"/>
+                    </a:schemeClr>
+                  </a:outerShdw>
+                </a:effectLst>
+              </a:rPr>
+              <a:t>GUI</a:t>
+            </a:r>
+            <a:endParaRPr lang="fr-FR" sz="4000" b="1" cap="none" spc="0" dirty="0">
+              <a:ln w="9525">
+                <a:solidFill>
+                  <a:schemeClr val="bg1"/>
+                </a:solidFill>
+                <a:prstDash val="solid"/>
+              </a:ln>
+              <a:solidFill>
+                <a:schemeClr val="tx1"/>
+              </a:solidFill>
+              <a:effectLst>
+                <a:outerShdw blurRad="12700" dist="38100" dir="2700000" algn="tl" rotWithShape="0">
+                  <a:schemeClr val="bg1">
+                    <a:lumMod val="50000"/>
+                  </a:schemeClr>
+                </a:outerShdw>
+              </a:effectLst>
+            </a:endParaRPr>
+          </a:p>
+        </p:txBody>
+      </p:sp>
     </p:spTree>
     <p:extLst>
       <p:ext uri="{BB962C8B-B14F-4D97-AF65-F5344CB8AC3E}">
-        <p14:creationId xmlns:p14="http://schemas.microsoft.com/office/powerpoint/2010/main" val="1017531347"/>
+        <p14:creationId xmlns:p14="http://schemas.microsoft.com/office/powerpoint/2010/main" val="2526572623"/>
       </p:ext>
     </p:extLst>
   </p:cSld>
@@ -11776,93 +12019,6 @@
       </p:grpSpPr>
       <p:sp>
         <p:nvSpPr>
-          <p:cNvPr id="3" name="Espace réservé du texte 2"/>
-          <p:cNvSpPr>
-            <a:spLocks noGrp="1"/>
-          </p:cNvSpPr>
-          <p:nvPr>
-            <p:ph type="body" sz="quarter" idx="10"/>
-          </p:nvPr>
-        </p:nvSpPr>
-        <p:spPr>
-          <a:xfrm>
-            <a:off x="633806" y="1430798"/>
-            <a:ext cx="7694854" cy="4695367"/>
-          </a:xfrm>
-        </p:spPr>
-        <p:txBody>
-          <a:bodyPr/>
-          <a:lstStyle/>
-          <a:p>
-            <a:r>
-              <a:rPr lang="en-US" dirty="0" smtClean="0"/>
-              <a:t>Why did we choose this subject ?</a:t>
-            </a:r>
-          </a:p>
-          <a:p>
-            <a:endParaRPr lang="en-US" dirty="0"/>
-          </a:p>
-          <a:p>
-            <a:endParaRPr lang="en-US" dirty="0" smtClean="0"/>
-          </a:p>
-          <a:p>
-            <a:endParaRPr lang="fr-FR" dirty="0" smtClean="0"/>
-          </a:p>
-          <a:p>
-            <a:pPr marL="0" indent="0">
-              <a:buNone/>
-            </a:pPr>
-            <a:r>
-              <a:rPr lang="en-US" dirty="0" smtClean="0"/>
-              <a:t>	</a:t>
-            </a:r>
-          </a:p>
-          <a:p>
-            <a:pPr marL="0" indent="0">
-              <a:buNone/>
-            </a:pPr>
-            <a:r>
-              <a:rPr lang="en-US" dirty="0" smtClean="0"/>
-              <a:t>	</a:t>
-            </a:r>
-          </a:p>
-          <a:p>
-            <a:pPr marL="0" indent="0">
-              <a:buNone/>
-            </a:pPr>
-            <a:endParaRPr lang="en-US" dirty="0"/>
-          </a:p>
-          <a:p>
-            <a:pPr marL="0" indent="0">
-              <a:buNone/>
-            </a:pPr>
-            <a:endParaRPr lang="en-US" dirty="0" smtClean="0"/>
-          </a:p>
-          <a:p>
-            <a:pPr marL="0" indent="0">
-              <a:buNone/>
-            </a:pPr>
-            <a:endParaRPr lang="en-US" dirty="0"/>
-          </a:p>
-          <a:p>
-            <a:pPr marL="0" indent="0">
-              <a:buNone/>
-            </a:pPr>
-            <a:endParaRPr lang="en-US" dirty="0" smtClean="0"/>
-          </a:p>
-          <a:p>
-            <a:pPr marL="0" indent="0">
-              <a:buNone/>
-            </a:pPr>
-            <a:endParaRPr lang="en-US" dirty="0" smtClean="0"/>
-          </a:p>
-          <a:p>
-            <a:endParaRPr lang="fr-FR" dirty="0"/>
-          </a:p>
-        </p:txBody>
-      </p:sp>
-      <p:sp>
-        <p:nvSpPr>
           <p:cNvPr id="5" name="Titre 1"/>
           <p:cNvSpPr txBox="1">
             <a:spLocks/>
@@ -11871,8 +12027,8 @@
         </p:nvSpPr>
         <p:spPr>
           <a:xfrm>
-            <a:off x="633806" y="304800"/>
-            <a:ext cx="7876388" cy="946131"/>
+            <a:off x="633806" y="396597"/>
+            <a:ext cx="7876388" cy="1143000"/>
           </a:xfrm>
           <a:prstGeom prst="rect">
             <a:avLst/>
@@ -11904,8 +12060,12 @@
           <a:p>
             <a:pPr algn="ctr"/>
             <a:r>
-              <a:rPr lang="fr-FR" smtClean="0"/>
-              <a:t>I. Context</a:t>
+              <a:rPr lang="fr-FR" dirty="0" smtClean="0"/>
+              <a:t>I. </a:t>
+            </a:r>
+            <a:r>
+              <a:rPr lang="fr-FR" dirty="0" err="1" smtClean="0"/>
+              <a:t>Context</a:t>
             </a:r>
             <a:endParaRPr lang="fr-FR" dirty="0"/>
           </a:p>
@@ -11913,7 +12073,7 @@
       </p:sp>
       <p:sp>
         <p:nvSpPr>
-          <p:cNvPr id="6" name="ZoneTexte 5"/>
+          <p:cNvPr id="7" name="ZoneTexte 6"/>
           <p:cNvSpPr txBox="1"/>
           <p:nvPr/>
         </p:nvSpPr>
@@ -11934,209 +12094,47 @@
           <a:lstStyle/>
           <a:p>
             <a:r>
-              <a:rPr lang="fr-FR" dirty="0" smtClean="0"/>
+              <a:rPr lang="fr-FR" dirty="0"/>
               <a:t>5</a:t>
             </a:r>
             <a:endParaRPr lang="fr-FR" dirty="0"/>
           </a:p>
         </p:txBody>
       </p:sp>
-      <p:sp>
-        <p:nvSpPr>
-          <p:cNvPr id="2" name="Rectangle 1"/>
-          <p:cNvSpPr/>
+      <p:pic>
+        <p:nvPicPr>
+          <p:cNvPr id="3" name="Image 2"/>
+          <p:cNvPicPr>
+            <a:picLocks noChangeAspect="1"/>
+          </p:cNvPicPr>
           <p:nvPr/>
-        </p:nvSpPr>
-        <p:spPr>
-          <a:xfrm>
-            <a:off x="1004490" y="2120710"/>
-            <a:ext cx="4275914" cy="707886"/>
+        </p:nvPicPr>
+        <p:blipFill>
+          <a:blip r:embed="rId2">
+            <a:extLst>
+              <a:ext uri="{28A0092B-C50C-407E-A947-70E740481C1C}">
+                <a14:useLocalDpi xmlns:a14="http://schemas.microsoft.com/office/drawing/2010/main" val="0"/>
+              </a:ext>
+            </a:extLst>
+          </a:blip>
+          <a:stretch>
+            <a:fillRect/>
+          </a:stretch>
+        </p:blipFill>
+        <p:spPr>
+          <a:xfrm>
+            <a:off x="0" y="968097"/>
+            <a:ext cx="9144000" cy="5327928"/>
           </a:xfrm>
           <a:prstGeom prst="rect">
             <a:avLst/>
           </a:prstGeom>
-          <a:noFill/>
-        </p:spPr>
-        <p:txBody>
-          <a:bodyPr wrap="none" lIns="91440" tIns="45720" rIns="91440" bIns="45720">
-            <a:spAutoFit/>
-          </a:bodyPr>
-          <a:lstStyle/>
-          <a:p>
-            <a:pPr algn="ctr"/>
-            <a:r>
-              <a:rPr lang="fr-FR" sz="4000" b="1" cap="none" spc="0" dirty="0" smtClean="0">
-                <a:ln w="9525">
-                  <a:solidFill>
-                    <a:schemeClr val="bg1"/>
-                  </a:solidFill>
-                  <a:prstDash val="solid"/>
-                </a:ln>
-                <a:solidFill>
-                  <a:schemeClr val="tx1"/>
-                </a:solidFill>
-                <a:effectLst>
-                  <a:outerShdw blurRad="12700" dist="38100" dir="2700000" algn="tl" rotWithShape="0">
-                    <a:schemeClr val="bg1">
-                      <a:lumMod val="50000"/>
-                    </a:schemeClr>
-                  </a:outerShdw>
-                </a:effectLst>
-              </a:rPr>
-              <a:t>HUMAN VALUES</a:t>
-            </a:r>
-            <a:endParaRPr lang="fr-FR" sz="4000" b="1" cap="none" spc="0" dirty="0">
-              <a:ln w="9525">
-                <a:solidFill>
-                  <a:schemeClr val="bg1"/>
-                </a:solidFill>
-                <a:prstDash val="solid"/>
-              </a:ln>
-              <a:solidFill>
-                <a:schemeClr val="tx1"/>
-              </a:solidFill>
-              <a:effectLst>
-                <a:outerShdw blurRad="12700" dist="38100" dir="2700000" algn="tl" rotWithShape="0">
-                  <a:schemeClr val="bg1">
-                    <a:lumMod val="50000"/>
-                  </a:schemeClr>
-                </a:outerShdw>
-              </a:effectLst>
-            </a:endParaRPr>
-          </a:p>
-        </p:txBody>
-      </p:sp>
-      <p:sp>
-        <p:nvSpPr>
-          <p:cNvPr id="4" name="Rectangle 3"/>
-          <p:cNvSpPr/>
-          <p:nvPr/>
-        </p:nvSpPr>
-        <p:spPr>
-          <a:xfrm>
-            <a:off x="2674692" y="3518508"/>
-            <a:ext cx="6589420" cy="769441"/>
-          </a:xfrm>
-          <a:prstGeom prst="rect">
-            <a:avLst/>
-          </a:prstGeom>
-          <a:noFill/>
-        </p:spPr>
-        <p:txBody>
-          <a:bodyPr wrap="square" lIns="91440" tIns="45720" rIns="91440" bIns="45720">
-            <a:spAutoFit/>
-          </a:bodyPr>
-          <a:lstStyle/>
-          <a:p>
-            <a:pPr algn="ctr"/>
-            <a:r>
-              <a:rPr lang="fr-FR" sz="4400" b="1" cap="none" spc="0" dirty="0" smtClean="0">
-                <a:ln w="9525">
-                  <a:solidFill>
-                    <a:schemeClr val="bg1"/>
-                  </a:solidFill>
-                  <a:prstDash val="solid"/>
-                </a:ln>
-                <a:solidFill>
-                  <a:schemeClr val="tx1"/>
-                </a:solidFill>
-                <a:effectLst>
-                  <a:outerShdw blurRad="12700" dist="38100" dir="2700000" algn="tl" rotWithShape="0">
-                    <a:schemeClr val="bg1">
-                      <a:lumMod val="50000"/>
-                    </a:schemeClr>
-                  </a:outerShdw>
-                </a:effectLst>
-              </a:rPr>
-              <a:t>CHALLENGING</a:t>
-            </a:r>
-            <a:endParaRPr lang="fr-FR" sz="4400" b="1" cap="none" spc="0" dirty="0">
-              <a:ln w="9525">
-                <a:solidFill>
-                  <a:schemeClr val="bg1"/>
-                </a:solidFill>
-                <a:prstDash val="solid"/>
-              </a:ln>
-              <a:solidFill>
-                <a:schemeClr val="tx1"/>
-              </a:solidFill>
-              <a:effectLst>
-                <a:outerShdw blurRad="12700" dist="38100" dir="2700000" algn="tl" rotWithShape="0">
-                  <a:schemeClr val="bg1">
-                    <a:lumMod val="50000"/>
-                  </a:schemeClr>
-                </a:outerShdw>
-              </a:effectLst>
-            </a:endParaRPr>
-          </a:p>
-        </p:txBody>
-      </p:sp>
-      <p:sp>
-        <p:nvSpPr>
-          <p:cNvPr id="7" name="Rectangle 6"/>
-          <p:cNvSpPr/>
-          <p:nvPr/>
-        </p:nvSpPr>
-        <p:spPr>
-          <a:xfrm>
-            <a:off x="2045672" y="4562363"/>
-            <a:ext cx="1096775" cy="707886"/>
-          </a:xfrm>
-          <a:prstGeom prst="rect">
-            <a:avLst/>
-          </a:prstGeom>
-          <a:noFill/>
-        </p:spPr>
-        <p:txBody>
-          <a:bodyPr wrap="none" lIns="91440" tIns="45720" rIns="91440" bIns="45720">
-            <a:spAutoFit/>
-          </a:bodyPr>
-          <a:lstStyle/>
-          <a:p>
-            <a:pPr algn="ctr"/>
-            <a:r>
-              <a:rPr lang="fr-FR" sz="4000" b="1" dirty="0" smtClean="0">
-                <a:ln w="9525">
-                  <a:solidFill>
-                    <a:schemeClr val="bg1"/>
-                  </a:solidFill>
-                  <a:prstDash val="solid"/>
-                </a:ln>
-                <a:effectLst>
-                  <a:outerShdw blurRad="12700" dist="38100" dir="2700000" algn="tl" rotWithShape="0">
-                    <a:schemeClr val="bg1">
-                      <a:lumMod val="50000"/>
-                    </a:schemeClr>
-                  </a:outerShdw>
-                </a:effectLst>
-              </a:rPr>
-              <a:t>GUI</a:t>
-            </a:r>
-            <a:endParaRPr lang="fr-FR" sz="4000" b="1" cap="none" spc="0" dirty="0">
-              <a:ln w="9525">
-                <a:solidFill>
-                  <a:schemeClr val="bg1"/>
-                </a:solidFill>
-                <a:prstDash val="solid"/>
-              </a:ln>
-              <a:solidFill>
-                <a:schemeClr val="tx1"/>
-              </a:solidFill>
-              <a:effectLst>
-                <a:outerShdw blurRad="12700" dist="38100" dir="2700000" algn="tl" rotWithShape="0">
-                  <a:schemeClr val="bg1">
-                    <a:lumMod val="50000"/>
-                  </a:schemeClr>
-                </a:outerShdw>
-              </a:effectLst>
-            </a:endParaRPr>
-          </a:p>
-        </p:txBody>
-      </p:sp>
+        </p:spPr>
+      </p:pic>
     </p:spTree>
     <p:extLst>
       <p:ext uri="{BB962C8B-B14F-4D97-AF65-F5344CB8AC3E}">
-        <p14:creationId xmlns:p14="http://schemas.microsoft.com/office/powerpoint/2010/main" val="2526572623"/>
+        <p14:creationId xmlns:p14="http://schemas.microsoft.com/office/powerpoint/2010/main" val="1017531347"/>
       </p:ext>
     </p:extLst>
   </p:cSld>
@@ -12582,25 +12580,6 @@
           </a:p>
         </p:txBody>
       </p:sp>
-      <p:sp>
-        <p:nvSpPr>
-          <p:cNvPr id="3" name="Espace réservé du texte 2"/>
-          <p:cNvSpPr>
-            <a:spLocks noGrp="1"/>
-          </p:cNvSpPr>
-          <p:nvPr>
-            <p:ph type="body" sz="quarter" idx="10"/>
-          </p:nvPr>
-        </p:nvSpPr>
-        <p:spPr/>
-        <p:txBody>
-          <a:bodyPr/>
-          <a:lstStyle/>
-          <a:p>
-            <a:endParaRPr lang="fr-FR" dirty="0"/>
-          </a:p>
-        </p:txBody>
-      </p:sp>
       <p:graphicFrame>
         <p:nvGraphicFramePr>
           <p:cNvPr id="4" name="Tableau 3"/>
@@ -12610,14 +12589,14 @@
           <p:nvPr>
             <p:extLst>
               <p:ext uri="{D42A27DB-BD31-4B8C-83A1-F6EECF244321}">
-                <p14:modId xmlns:p14="http://schemas.microsoft.com/office/powerpoint/2010/main" val="2206098565"/>
+                <p14:modId xmlns:p14="http://schemas.microsoft.com/office/powerpoint/2010/main" val="2797784101"/>
               </p:ext>
             </p:extLst>
           </p:nvPr>
         </p:nvGraphicFramePr>
         <p:xfrm>
-          <a:off x="2034862" y="1908879"/>
-          <a:ext cx="4949169" cy="3501188"/>
+          <a:off x="965915" y="1210614"/>
+          <a:ext cx="6507513" cy="4534303"/>
         </p:xfrm>
         <a:graphic>
           <a:graphicData uri="http://schemas.openxmlformats.org/drawingml/2006/table">
@@ -12626,9 +12605,9 @@
                 <a:tableStyleId>{073A0DAA-6AF3-43AB-8588-CEC1D06C72B9}</a:tableStyleId>
               </a:tblPr>
               <a:tblGrid>
-                <a:gridCol w="4949169"/>
+                <a:gridCol w="6507513"/>
               </a:tblGrid>
-              <a:tr h="562633">
+              <a:tr h="728652">
                 <a:tc>
                   <a:txBody>
                     <a:bodyPr/>
@@ -12644,7 +12623,7 @@
                   <a:tcPr/>
                 </a:tc>
               </a:tr>
-              <a:tr h="1173209">
+              <a:tr h="1519395">
                 <a:tc>
                   <a:txBody>
                     <a:bodyPr/>
@@ -12712,7 +12691,7 @@
                   <a:tcPr/>
                 </a:tc>
               </a:tr>
-              <a:tr h="562633">
+              <a:tr h="728652">
                 <a:tc>
                   <a:txBody>
                     <a:bodyPr/>
@@ -12728,7 +12707,7 @@
                   <a:tcPr/>
                 </a:tc>
               </a:tr>
-              <a:tr h="562633">
+              <a:tr h="728652">
                 <a:tc>
                   <a:txBody>
                     <a:bodyPr/>
@@ -12744,7 +12723,7 @@
                   <a:tcPr/>
                 </a:tc>
               </a:tr>
-              <a:tr h="562633">
+              <a:tr h="828952">
                 <a:tc>
                   <a:txBody>
                     <a:bodyPr/>
@@ -12811,8 +12790,8 @@
           <a:lstStyle/>
           <a:p>
             <a:r>
-              <a:rPr lang="fr-FR" dirty="0" smtClean="0"/>
-              <a:t>9</a:t>
+              <a:rPr lang="fr-FR" dirty="0"/>
+              <a:t>7</a:t>
             </a:r>
             <a:endParaRPr lang="fr-FR" dirty="0"/>
           </a:p>
@@ -12968,7 +12947,7 @@
             <a:pPr algn="ctr"/>
             <a:r>
               <a:rPr lang="fr-FR" dirty="0" err="1" smtClean="0"/>
-              <a:t>Pre-study</a:t>
+              <a:t>III.Pre-study</a:t>
             </a:r>
             <a:endParaRPr lang="fr-FR" dirty="0"/>
           </a:p>
@@ -13104,7 +13083,11 @@
           <a:p>
             <a:r>
               <a:rPr lang="fr-FR" dirty="0" smtClean="0"/>
-              <a:t>PRE STUDY</a:t>
+              <a:t>III.PRE </a:t>
+            </a:r>
+            <a:r>
+              <a:rPr lang="fr-FR" dirty="0" smtClean="0"/>
+              <a:t>STUDY</a:t>
             </a:r>
             <a:endParaRPr lang="fr-FR" dirty="0"/>
           </a:p>
@@ -13213,21 +13196,18 @@
               <a:t> -&gt; </a:t>
             </a:r>
             <a:r>
-              <a:rPr lang="fr-FR" dirty="0" err="1">
+              <a:rPr lang="fr-FR" dirty="0" err="1" smtClean="0">
                 <a:solidFill>
                   <a:schemeClr val="tx1"/>
                 </a:solidFill>
               </a:rPr>
               <a:t>equipments</a:t>
             </a:r>
-            <a:r>
-              <a:rPr lang="fr-FR" dirty="0">
-                <a:solidFill>
-                  <a:schemeClr val="tx1"/>
-                </a:solidFill>
-              </a:rPr>
-              <a:t> -&gt; actions</a:t>
-            </a:r>
+            <a:endParaRPr lang="fr-FR" dirty="0">
+              <a:solidFill>
+                <a:schemeClr val="tx1"/>
+              </a:solidFill>
+            </a:endParaRPr>
           </a:p>
           <a:p>
             <a:endParaRPr lang="fr-FR" dirty="0"/>

--- a/Rendu/Diapo_prototype_janvier.pptx
+++ b/Rendu/Diapo_prototype_janvier.pptx
@@ -266,7 +266,7 @@
             <a:fld id="{1FF860C4-84CC-4ED2-86B7-24C0345B37D5}" type="datetimeFigureOut">
               <a:rPr lang="fr-FR" smtClean="0"/>
               <a:pPr/>
-              <a:t>17/12/2015</a:t>
+              <a:t>02/01/2016</a:t>
             </a:fld>
             <a:endParaRPr lang="fr-FR"/>
           </a:p>
@@ -433,7 +433,7 @@
             <a:fld id="{C2C2714D-4FF2-4E25-9D9C-3A52AC0061D5}" type="datetimeFigureOut">
               <a:rPr lang="fr-FR" smtClean="0"/>
               <a:pPr/>
-              <a:t>17/12/2015</a:t>
+              <a:t>02/01/2016</a:t>
             </a:fld>
             <a:endParaRPr lang="fr-FR"/>
           </a:p>
@@ -6770,6 +6770,14 @@
 <file path=ppt/slides/slide1.xml><?xml version="1.0" encoding="utf-8"?>
 <p:sld xmlns:a="http://schemas.openxmlformats.org/drawingml/2006/main" xmlns:r="http://schemas.openxmlformats.org/officeDocument/2006/relationships" xmlns:p="http://schemas.openxmlformats.org/presentationml/2006/main">
   <p:cSld>
+    <p:bg>
+      <p:bgPr>
+        <a:solidFill>
+          <a:schemeClr val="bg1"/>
+        </a:solidFill>
+        <a:effectLst/>
+      </p:bgPr>
+    </p:bg>
     <p:spTree>
       <p:nvGrpSpPr>
         <p:cNvPr id="1" name=""/>
@@ -6784,76 +6792,6 @@
           <a:chExt cx="0" cy="0"/>
         </a:xfrm>
       </p:grpSpPr>
-      <p:sp>
-        <p:nvSpPr>
-          <p:cNvPr id="4" name="Rectangle 3"/>
-          <p:cNvSpPr/>
-          <p:nvPr/>
-        </p:nvSpPr>
-        <p:spPr>
-          <a:xfrm>
-            <a:off x="1357068" y="2494625"/>
-            <a:ext cx="6979410" cy="954107"/>
-          </a:xfrm>
-          <a:prstGeom prst="rect">
-            <a:avLst/>
-          </a:prstGeom>
-          <a:solidFill>
-            <a:schemeClr val="bg1">
-              <a:lumMod val="95000"/>
-            </a:schemeClr>
-          </a:solidFill>
-          <a:ln>
-            <a:solidFill>
-              <a:srgbClr val="ABD3C9"/>
-            </a:solidFill>
-          </a:ln>
-          <a:effectLst>
-            <a:outerShdw blurRad="50800" dist="38100" dir="8100000" algn="tr" rotWithShape="0">
-              <a:prstClr val="black">
-                <a:alpha val="40000"/>
-              </a:prstClr>
-            </a:outerShdw>
-            <a:softEdge rad="31750"/>
-          </a:effectLst>
-        </p:spPr>
-        <p:style>
-          <a:lnRef idx="1">
-            <a:schemeClr val="dk1"/>
-          </a:lnRef>
-          <a:fillRef idx="2">
-            <a:schemeClr val="dk1"/>
-          </a:fillRef>
-          <a:effectRef idx="1">
-            <a:schemeClr val="dk1"/>
-          </a:effectRef>
-          <a:fontRef idx="minor">
-            <a:schemeClr val="dk1"/>
-          </a:fontRef>
-        </p:style>
-        <p:txBody>
-          <a:bodyPr wrap="square">
-            <a:spAutoFit/>
-          </a:bodyPr>
-          <a:lstStyle/>
-          <a:p>
-            <a:pPr algn="ctr"/>
-            <a:r>
-              <a:rPr lang="fr-FR" altLang="fr-FR" sz="2800" b="1" dirty="0">
-                <a:latin typeface="Arial Black" pitchFamily="34" charset="0"/>
-                <a:cs typeface="Arial" charset="0"/>
-              </a:rPr>
-              <a:t>Home Automation Control Interface On Windows Tablet</a:t>
-            </a:r>
-            <a:endParaRPr lang="fr-FR" altLang="fr-FR" sz="2800" b="1" dirty="0">
-              <a:solidFill>
-                <a:schemeClr val="tx2"/>
-              </a:solidFill>
-              <a:latin typeface="Arial Black" pitchFamily="34" charset="0"/>
-            </a:endParaRPr>
-          </a:p>
-        </p:txBody>
-      </p:sp>
       <p:graphicFrame>
         <p:nvGraphicFramePr>
           <p:cNvPr id="7" name="Tableau 6"/>
@@ -6863,13 +6801,13 @@
           <p:nvPr>
             <p:extLst>
               <p:ext uri="{D42A27DB-BD31-4B8C-83A1-F6EECF244321}">
-                <p14:modId xmlns:p14="http://schemas.microsoft.com/office/powerpoint/2010/main" val="2659550679"/>
+                <p14:modId xmlns:p14="http://schemas.microsoft.com/office/powerpoint/2010/main" val="2534338684"/>
               </p:ext>
             </p:extLst>
           </p:nvPr>
         </p:nvGraphicFramePr>
         <p:xfrm>
-          <a:off x="3693226" y="4409043"/>
+          <a:off x="4052280" y="4400067"/>
           <a:ext cx="4643252" cy="2011680"/>
         </p:xfrm>
         <a:graphic>
@@ -6888,12 +6826,16 @@
                     <a:bodyPr/>
                     <a:lstStyle/>
                     <a:p>
-                      <a:pPr marL="0" indent="0">
+                      <a:pPr marL="0" indent="0" algn="ctr">
                         <a:buFont typeface="Arial"/>
                         <a:buNone/>
                       </a:pPr>
                       <a:r>
-                        <a:rPr lang="en-US" dirty="0" smtClean="0"/>
+                        <a:rPr lang="en-US" dirty="0" smtClean="0">
+                          <a:solidFill>
+                            <a:srgbClr val="ED271A"/>
+                          </a:solidFill>
+                        </a:rPr>
                         <a:t>Tutors</a:t>
                       </a:r>
                       <a:r>
@@ -6902,9 +6844,11 @@
                       </a:r>
                     </a:p>
                     <a:p>
+                      <a:pPr algn="ctr"/>
                       <a:endParaRPr lang="en-US" baseline="0" dirty="0" smtClean="0"/>
                     </a:p>
                     <a:p>
+                      <a:pPr algn="ctr"/>
                       <a:r>
                         <a:rPr lang="en-US" baseline="0" dirty="0" smtClean="0"/>
                         <a:t>François </a:t>
@@ -6913,14 +6857,10 @@
                         <a:rPr lang="en-US" baseline="0" dirty="0" err="1" smtClean="0"/>
                         <a:t>Pasteau</a:t>
                       </a:r>
+                      <a:endParaRPr lang="en-US" baseline="0" dirty="0" smtClean="0"/>
                     </a:p>
                     <a:p>
-                      <a:r>
-                        <a:rPr lang="en-US" baseline="0" dirty="0" smtClean="0"/>
-                        <a:t>Marie Babel</a:t>
-                      </a:r>
-                    </a:p>
-                    <a:p>
+                      <a:pPr algn="ctr"/>
                       <a:r>
                         <a:rPr lang="en-US" baseline="0" dirty="0" smtClean="0"/>
                         <a:t>Daniel </a:t>
@@ -6928,6 +6868,14 @@
                       <a:r>
                         <a:rPr lang="en-US" baseline="0" dirty="0" err="1" smtClean="0"/>
                         <a:t>Guillard</a:t>
+                      </a:r>
+                      <a:endParaRPr lang="en-US" baseline="0" dirty="0" smtClean="0"/>
+                    </a:p>
+                    <a:p>
+                      <a:pPr algn="ctr"/>
+                      <a:r>
+                        <a:rPr lang="en-US" baseline="0" dirty="0" smtClean="0"/>
+                        <a:t>Marie Babel</a:t>
                       </a:r>
                       <a:endParaRPr lang="en-US" baseline="0" dirty="0" smtClean="0"/>
                     </a:p>
@@ -6939,23 +6887,33 @@
                     <a:bodyPr/>
                     <a:lstStyle/>
                     <a:p>
-                      <a:pPr marL="0" indent="0">
+                      <a:pPr marL="0" indent="0" algn="ctr">
                         <a:buFont typeface="Arial"/>
                         <a:buNone/>
                       </a:pPr>
                       <a:r>
-                        <a:rPr lang="en-US" dirty="0" smtClean="0"/>
+                        <a:rPr lang="en-US" dirty="0" smtClean="0">
+                          <a:solidFill>
+                            <a:srgbClr val="ED271A"/>
+                          </a:solidFill>
+                        </a:rPr>
                         <a:t>Team members</a:t>
                       </a:r>
                       <a:r>
-                        <a:rPr lang="en-US" baseline="0" dirty="0" smtClean="0"/>
+                        <a:rPr lang="en-US" baseline="0" dirty="0" smtClean="0">
+                          <a:solidFill>
+                            <a:srgbClr val="ED271A"/>
+                          </a:solidFill>
+                        </a:rPr>
                         <a:t> </a:t>
                       </a:r>
                     </a:p>
                     <a:p>
+                      <a:pPr algn="ctr"/>
                       <a:endParaRPr lang="en-US" baseline="0" dirty="0" smtClean="0"/>
                     </a:p>
                     <a:p>
+                      <a:pPr algn="ctr"/>
                       <a:r>
                         <a:rPr lang="en-US" baseline="0" dirty="0" err="1" smtClean="0"/>
                         <a:t>Iman</a:t>
@@ -6971,6 +6929,7 @@
                       <a:endParaRPr lang="en-US" baseline="0" dirty="0" smtClean="0"/>
                     </a:p>
                     <a:p>
+                      <a:pPr algn="ctr"/>
                       <a:r>
                         <a:rPr lang="en-US" baseline="0" dirty="0" smtClean="0"/>
                         <a:t>Diane </a:t>
@@ -6982,6 +6941,7 @@
                       <a:endParaRPr lang="en-US" baseline="0" dirty="0" smtClean="0"/>
                     </a:p>
                     <a:p>
+                      <a:pPr algn="ctr"/>
                       <a:r>
                         <a:rPr lang="en-US" baseline="0" dirty="0" err="1" smtClean="0"/>
                         <a:t>Enora</a:t>
@@ -6992,6 +6952,7 @@
                       </a:r>
                     </a:p>
                     <a:p>
+                      <a:pPr algn="ctr"/>
                       <a:r>
                         <a:rPr lang="en-US" baseline="0" dirty="0" err="1" smtClean="0"/>
                         <a:t>Meven</a:t>
@@ -7002,6 +6963,7 @@
                       </a:r>
                     </a:p>
                     <a:p>
+                      <a:pPr algn="ctr"/>
                       <a:r>
                         <a:rPr lang="en-US" baseline="0" dirty="0" err="1" smtClean="0"/>
                         <a:t>Corentin</a:t>
@@ -7032,8 +6994,8 @@
         </p:nvSpPr>
         <p:spPr>
           <a:xfrm>
-            <a:off x="3883231" y="3645725"/>
-            <a:ext cx="2903359" cy="369332"/>
+            <a:off x="4851694" y="3633398"/>
+            <a:ext cx="3044423" cy="369332"/>
           </a:xfrm>
           <a:prstGeom prst="rect">
             <a:avLst/>
@@ -7047,10 +7009,125 @@
           <a:lstStyle/>
           <a:p>
             <a:r>
-              <a:rPr lang="en-US" dirty="0" smtClean="0"/>
+              <a:rPr lang="en-US" b="1" dirty="0" smtClean="0"/>
               <a:t>Practical study 06/01/2016</a:t>
             </a:r>
-            <a:endParaRPr lang="fr-FR" dirty="0"/>
+            <a:endParaRPr lang="fr-FR" b="1" dirty="0"/>
+          </a:p>
+        </p:txBody>
+      </p:sp>
+      <p:sp>
+        <p:nvSpPr>
+          <p:cNvPr id="2" name="Rectangle 1"/>
+          <p:cNvSpPr/>
+          <p:nvPr/>
+        </p:nvSpPr>
+        <p:spPr>
+          <a:xfrm>
+            <a:off x="731813" y="1789511"/>
+            <a:ext cx="7963719" cy="1446550"/>
+          </a:xfrm>
+          <a:prstGeom prst="rect">
+            <a:avLst/>
+          </a:prstGeom>
+          <a:noFill/>
+        </p:spPr>
+        <p:txBody>
+          <a:bodyPr wrap="none" lIns="91440" tIns="45720" rIns="91440" bIns="45720">
+            <a:spAutoFit/>
+          </a:bodyPr>
+          <a:lstStyle/>
+          <a:p>
+            <a:pPr algn="ctr"/>
+            <a:r>
+              <a:rPr lang="fr-FR" sz="4400" b="1" cap="none" spc="50" dirty="0" smtClean="0">
+                <a:ln w="0"/>
+                <a:solidFill>
+                  <a:schemeClr val="bg2"/>
+                </a:solidFill>
+                <a:effectLst>
+                  <a:innerShdw blurRad="63500" dist="50800" dir="13500000">
+                    <a:srgbClr val="000000">
+                      <a:alpha val="50000"/>
+                    </a:srgbClr>
+                  </a:innerShdw>
+                </a:effectLst>
+              </a:rPr>
+              <a:t>Home Automation Control</a:t>
+            </a:r>
+          </a:p>
+          <a:p>
+            <a:pPr algn="ctr"/>
+            <a:r>
+              <a:rPr lang="fr-FR" sz="4400" b="1" spc="50" dirty="0" smtClean="0">
+                <a:ln w="0"/>
+                <a:solidFill>
+                  <a:schemeClr val="bg2"/>
+                </a:solidFill>
+                <a:effectLst>
+                  <a:innerShdw blurRad="63500" dist="50800" dir="13500000">
+                    <a:srgbClr val="000000">
+                      <a:alpha val="50000"/>
+                    </a:srgbClr>
+                  </a:innerShdw>
+                </a:effectLst>
+              </a:rPr>
+              <a:t>Interface on Windows Tablet</a:t>
+            </a:r>
+            <a:endParaRPr lang="fr-FR" sz="4400" b="1" cap="none" spc="50" dirty="0">
+              <a:ln w="0"/>
+              <a:solidFill>
+                <a:schemeClr val="bg2"/>
+              </a:solidFill>
+              <a:effectLst>
+                <a:innerShdw blurRad="63500" dist="50800" dir="13500000">
+                  <a:srgbClr val="000000">
+                    <a:alpha val="50000"/>
+                  </a:srgbClr>
+                </a:innerShdw>
+              </a:effectLst>
+            </a:endParaRPr>
+          </a:p>
+        </p:txBody>
+      </p:sp>
+      <p:sp>
+        <p:nvSpPr>
+          <p:cNvPr id="5" name="Triangle rectangle 4"/>
+          <p:cNvSpPr/>
+          <p:nvPr/>
+        </p:nvSpPr>
+        <p:spPr>
+          <a:xfrm>
+            <a:off x="1" y="3953814"/>
+            <a:ext cx="3979572" cy="2904186"/>
+          </a:xfrm>
+          <a:prstGeom prst="rtTriangle">
+            <a:avLst/>
+          </a:prstGeom>
+          <a:solidFill>
+            <a:srgbClr val="FF0000"/>
+          </a:solidFill>
+        </p:spPr>
+        <p:style>
+          <a:lnRef idx="1">
+            <a:schemeClr val="accent1"/>
+          </a:lnRef>
+          <a:fillRef idx="3">
+            <a:schemeClr val="accent1"/>
+          </a:fillRef>
+          <a:effectRef idx="2">
+            <a:schemeClr val="accent1"/>
+          </a:effectRef>
+          <a:fontRef idx="minor">
+            <a:schemeClr val="lt1"/>
+          </a:fontRef>
+        </p:style>
+        <p:txBody>
+          <a:bodyPr rtlCol="0" anchor="ctr"/>
+          <a:lstStyle/>
+          <a:p>
+            <a:pPr algn="ctr"/>
+            <a:endParaRPr lang="fr-FR"/>
           </a:p>
         </p:txBody>
       </p:sp>
@@ -9479,13 +9556,13 @@
   <p:clrMapOvr>
     <a:masterClrMapping/>
   </p:clrMapOvr>
-  <mc:AlternateContent xmlns:mc="http://schemas.openxmlformats.org/markup-compatibility/2006">
-    <mc:Choice xmlns:p14="http://schemas.microsoft.com/office/powerpoint/2010/main" Requires="p14">
+  <mc:AlternateContent xmlns:mc="http://schemas.openxmlformats.org/markup-compatibility/2006" xmlns:p14="http://schemas.microsoft.com/office/powerpoint/2010/main">
+    <mc:Choice Requires="p14">
       <p:transition spd="med" p14:dur="700">
         <p:fade/>
       </p:transition>
     </mc:Choice>
-    <mc:Fallback>
+    <mc:Fallback xmlns="">
       <p:transition spd="med">
         <p:fade/>
       </p:transition>
@@ -10462,7 +10539,19 @@
           <a:p>
             <a:r>
               <a:rPr lang="en-US" dirty="0" smtClean="0"/>
-              <a:t>Make it portable : translate all the algorithm in C++</a:t>
+              <a:t>Make it </a:t>
+            </a:r>
+            <a:r>
+              <a:rPr lang="en-US" dirty="0" smtClean="0"/>
+              <a:t>transferable</a:t>
+            </a:r>
+            <a:r>
+              <a:rPr lang="en-US" dirty="0" smtClean="0"/>
+              <a:t> </a:t>
+            </a:r>
+            <a:r>
+              <a:rPr lang="en-US" dirty="0" smtClean="0"/>
+              <a:t>: translate all the algorithm in C++</a:t>
             </a:r>
             <a:endParaRPr lang="en-US" dirty="0"/>
           </a:p>
@@ -10638,23 +10727,7 @@
             </a:r>
             <a:r>
               <a:rPr lang="fr-FR" dirty="0" err="1" smtClean="0"/>
-              <a:t>will</a:t>
-            </a:r>
-            <a:r>
-              <a:rPr lang="fr-FR" dirty="0" smtClean="0"/>
-              <a:t> </a:t>
-            </a:r>
-            <a:r>
-              <a:rPr lang="fr-FR" dirty="0" err="1" smtClean="0"/>
               <a:t>learn</a:t>
-            </a:r>
-            <a:r>
-              <a:rPr lang="fr-FR" dirty="0" smtClean="0"/>
-              <a:t> / have </a:t>
-            </a:r>
-            <a:r>
-              <a:rPr lang="fr-FR" dirty="0" err="1" smtClean="0"/>
-              <a:t>learnt</a:t>
             </a:r>
             <a:endParaRPr lang="fr-FR" dirty="0" smtClean="0"/>
           </a:p>
@@ -12097,20 +12170,19 @@
               <a:rPr lang="fr-FR" dirty="0"/>
               <a:t>5</a:t>
             </a:r>
-            <a:endParaRPr lang="fr-FR" dirty="0"/>
           </a:p>
         </p:txBody>
       </p:sp>
       <p:pic>
         <p:nvPicPr>
-          <p:cNvPr id="3" name="Image 2"/>
+          <p:cNvPr id="2" name="Image 1"/>
           <p:cNvPicPr>
             <a:picLocks noChangeAspect="1"/>
           </p:cNvPicPr>
           <p:nvPr/>
         </p:nvPicPr>
         <p:blipFill>
-          <a:blip r:embed="rId2">
+          <a:blip r:embed="rId2" cstate="screen">
             <a:extLst>
               <a:ext uri="{28A0092B-C50C-407E-A947-70E740481C1C}">
                 <a14:useLocalDpi xmlns:a14="http://schemas.microsoft.com/office/drawing/2010/main" val="0"/>
@@ -12123,8 +12195,8 @@
         </p:blipFill>
         <p:spPr>
           <a:xfrm>
-            <a:off x="0" y="968097"/>
-            <a:ext cx="9144000" cy="5327928"/>
+            <a:off x="0" y="857250"/>
+            <a:ext cx="9144000" cy="5143500"/>
           </a:xfrm>
           <a:prstGeom prst="rect">
             <a:avLst/>
@@ -12251,7 +12323,7 @@
           <p:nvPr>
             <p:extLst>
               <p:ext uri="{D42A27DB-BD31-4B8C-83A1-F6EECF244321}">
-                <p14:modId xmlns:p14="http://schemas.microsoft.com/office/powerpoint/2010/main" val="534321825"/>
+                <p14:modId xmlns:p14="http://schemas.microsoft.com/office/powerpoint/2010/main" val="2198630972"/>
               </p:ext>
             </p:extLst>
           </p:nvPr>
@@ -12275,6 +12347,7 @@
                     <a:bodyPr/>
                     <a:lstStyle/>
                     <a:p>
+                      <a:pPr algn="ctr"/>
                       <a:r>
                         <a:rPr lang="fr-FR" dirty="0" smtClean="0"/>
                         <a:t>Communication</a:t>
@@ -12282,7 +12355,7 @@
                       <a:endParaRPr lang="fr-FR" dirty="0"/>
                     </a:p>
                   </a:txBody>
-                  <a:tcPr/>
+                  <a:tcPr anchor="ctr"/>
                 </a:tc>
               </a:tr>
               <a:tr h="998368">
@@ -12560,8 +12633,8 @@
         </p:nvSpPr>
         <p:spPr>
           <a:xfrm>
-            <a:off x="2436236" y="249057"/>
-            <a:ext cx="7876388" cy="1143000"/>
+            <a:off x="2712374" y="304931"/>
+            <a:ext cx="3899557" cy="1143000"/>
           </a:xfrm>
         </p:spPr>
         <p:txBody>
@@ -12589,14 +12662,14 @@
           <p:nvPr>
             <p:extLst>
               <p:ext uri="{D42A27DB-BD31-4B8C-83A1-F6EECF244321}">
-                <p14:modId xmlns:p14="http://schemas.microsoft.com/office/powerpoint/2010/main" val="2797784101"/>
+                <p14:modId xmlns:p14="http://schemas.microsoft.com/office/powerpoint/2010/main" val="4229103733"/>
               </p:ext>
             </p:extLst>
           </p:nvPr>
         </p:nvGraphicFramePr>
         <p:xfrm>
-          <a:off x="965915" y="1210614"/>
-          <a:ext cx="6507513" cy="4534303"/>
+          <a:off x="1318244" y="1210614"/>
+          <a:ext cx="6507513" cy="4192329"/>
         </p:xfrm>
         <a:graphic>
           <a:graphicData uri="http://schemas.openxmlformats.org/drawingml/2006/table">
@@ -12613,6 +12686,7 @@
                     <a:bodyPr/>
                     <a:lstStyle/>
                     <a:p>
+                      <a:pPr algn="ctr"/>
                       <a:r>
                         <a:rPr lang="fr-FR" dirty="0" smtClean="0"/>
                         <a:t>GUI</a:t>
@@ -12620,10 +12694,10 @@
                       <a:endParaRPr lang="fr-FR" dirty="0"/>
                     </a:p>
                   </a:txBody>
-                  <a:tcPr/>
+                  <a:tcPr anchor="ctr"/>
                 </a:tc>
               </a:tr>
-              <a:tr h="1519395">
+              <a:tr h="1177421">
                 <a:tc>
                   <a:txBody>
                     <a:bodyPr/>
@@ -12714,8 +12788,8 @@
                     <a:lstStyle/>
                     <a:p>
                       <a:r>
-                        <a:rPr lang="fr-FR" dirty="0" smtClean="0"/>
-                        <a:t>Portable</a:t>
+                        <a:rPr lang="fr-FR" dirty="0" err="1" smtClean="0"/>
+                        <a:t>Transferable</a:t>
                       </a:r>
                       <a:endParaRPr lang="fr-FR" dirty="0"/>
                     </a:p>
@@ -12793,7 +12867,6 @@
               <a:rPr lang="fr-FR" dirty="0"/>
               <a:t>7</a:t>
             </a:r>
-            <a:endParaRPr lang="fr-FR" dirty="0"/>
           </a:p>
         </p:txBody>
       </p:sp>
@@ -13083,11 +13156,7 @@
           <a:p>
             <a:r>
               <a:rPr lang="fr-FR" dirty="0" smtClean="0"/>
-              <a:t>III.PRE </a:t>
-            </a:r>
-            <a:r>
-              <a:rPr lang="fr-FR" dirty="0" smtClean="0"/>
-              <a:t>STUDY</a:t>
+              <a:t>III.PRE STUDY</a:t>
             </a:r>
             <a:endParaRPr lang="fr-FR" dirty="0"/>
           </a:p>
@@ -13134,83 +13203,34 @@
             <a:endParaRPr lang="fr-FR" dirty="0" smtClean="0"/>
           </a:p>
           <a:p>
-            <a:pPr marL="457200" lvl="1" indent="0">
-              <a:buNone/>
-            </a:pPr>
-            <a:r>
-              <a:rPr lang="fr-FR" dirty="0" err="1">
-                <a:solidFill>
-                  <a:schemeClr val="tx1"/>
-                </a:solidFill>
-              </a:rPr>
-              <a:t>Root</a:t>
-            </a:r>
-            <a:r>
-              <a:rPr lang="fr-FR" dirty="0">
-                <a:solidFill>
-                  <a:schemeClr val="tx1"/>
-                </a:solidFill>
-              </a:rPr>
-              <a:t> : </a:t>
-            </a:r>
-            <a:r>
-              <a:rPr lang="fr-FR" dirty="0" err="1">
-                <a:solidFill>
-                  <a:schemeClr val="tx1"/>
-                </a:solidFill>
-              </a:rPr>
-              <a:t>homepage</a:t>
-            </a:r>
-            <a:endParaRPr lang="fr-FR" dirty="0">
-              <a:solidFill>
-                <a:schemeClr val="tx1"/>
-              </a:solidFill>
-            </a:endParaRPr>
-          </a:p>
-          <a:p>
-            <a:pPr marL="457200" lvl="1" indent="0">
-              <a:buNone/>
-            </a:pPr>
-            <a:r>
-              <a:rPr lang="fr-FR" dirty="0">
-                <a:solidFill>
-                  <a:schemeClr val="tx1"/>
-                </a:solidFill>
-              </a:rPr>
-              <a:t>Sons : </a:t>
-            </a:r>
-            <a:r>
-              <a:rPr lang="fr-FR" dirty="0" err="1">
-                <a:solidFill>
-                  <a:schemeClr val="tx1"/>
-                </a:solidFill>
-              </a:rPr>
-              <a:t>rooms</a:t>
-            </a:r>
-            <a:r>
-              <a:rPr lang="fr-FR" dirty="0">
-                <a:solidFill>
-                  <a:schemeClr val="tx1"/>
-                </a:solidFill>
-              </a:rPr>
-              <a:t> -&gt; </a:t>
-            </a:r>
-            <a:r>
-              <a:rPr lang="fr-FR" dirty="0" err="1" smtClean="0">
-                <a:solidFill>
-                  <a:schemeClr val="tx1"/>
-                </a:solidFill>
-              </a:rPr>
-              <a:t>equipments</a:t>
-            </a:r>
-            <a:endParaRPr lang="fr-FR" dirty="0">
-              <a:solidFill>
-                <a:schemeClr val="tx1"/>
-              </a:solidFill>
-            </a:endParaRPr>
-          </a:p>
-          <a:p>
             <a:endParaRPr lang="fr-FR" dirty="0"/>
+          </a:p>
+          <a:p>
+            <a:endParaRPr lang="fr-FR" dirty="0" smtClean="0"/>
+          </a:p>
+          <a:p>
+            <a:endParaRPr lang="fr-FR" dirty="0"/>
+          </a:p>
+          <a:p>
+            <a:endParaRPr lang="fr-FR" dirty="0" smtClean="0"/>
+          </a:p>
+          <a:p>
+            <a:endParaRPr lang="fr-FR" dirty="0"/>
+          </a:p>
+          <a:p>
+            <a:endParaRPr lang="fr-FR" dirty="0" smtClean="0"/>
+          </a:p>
+          <a:p>
+            <a:endParaRPr lang="fr-FR" dirty="0"/>
+          </a:p>
+          <a:p>
+            <a:endParaRPr lang="fr-FR" dirty="0" smtClean="0"/>
+          </a:p>
+          <a:p>
+            <a:endParaRPr lang="fr-FR" dirty="0"/>
+          </a:p>
+          <a:p>
+            <a:endParaRPr lang="fr-FR" dirty="0" smtClean="0"/>
           </a:p>
           <a:p>
             <a:r>
@@ -13307,6 +13327,36 @@
           </a:p>
         </p:txBody>
       </p:sp>
+      <p:pic>
+        <p:nvPicPr>
+          <p:cNvPr id="5" name="Image 4"/>
+          <p:cNvPicPr>
+            <a:picLocks noChangeAspect="1"/>
+          </p:cNvPicPr>
+          <p:nvPr/>
+        </p:nvPicPr>
+        <p:blipFill>
+          <a:blip r:embed="rId2" cstate="screen">
+            <a:extLst>
+              <a:ext uri="{28A0092B-C50C-407E-A947-70E740481C1C}">
+                <a14:useLocalDpi xmlns:a14="http://schemas.microsoft.com/office/drawing/2010/main" val="0"/>
+              </a:ext>
+            </a:extLst>
+          </a:blip>
+          <a:stretch>
+            <a:fillRect/>
+          </a:stretch>
+        </p:blipFill>
+        <p:spPr>
+          <a:xfrm>
+            <a:off x="2358041" y="1771167"/>
+            <a:ext cx="4427918" cy="3542334"/>
+          </a:xfrm>
+          <a:prstGeom prst="rect">
+            <a:avLst/>
+          </a:prstGeom>
+        </p:spPr>
+      </p:pic>
     </p:spTree>
     <p:extLst>
       <p:ext uri="{BB962C8B-B14F-4D97-AF65-F5344CB8AC3E}">

--- a/Rendu/Diapo_prototype_janvier.pptx
+++ b/Rendu/Diapo_prototype_janvier.pptx
@@ -5,10 +5,10 @@
     <p:sldMasterId id="2147483648" r:id="rId1"/>
   </p:sldMasterIdLst>
   <p:notesMasterIdLst>
-    <p:notesMasterId r:id="rId22"/>
+    <p:notesMasterId r:id="rId23"/>
   </p:notesMasterIdLst>
   <p:handoutMasterIdLst>
-    <p:handoutMasterId r:id="rId23"/>
+    <p:handoutMasterId r:id="rId24"/>
   </p:handoutMasterIdLst>
   <p:sldIdLst>
     <p:sldId id="303" r:id="rId2"/>
@@ -21,16 +21,17 @@
     <p:sldId id="293" r:id="rId9"/>
     <p:sldId id="309" r:id="rId10"/>
     <p:sldId id="301" r:id="rId11"/>
-    <p:sldId id="285" r:id="rId12"/>
-    <p:sldId id="289" r:id="rId13"/>
-    <p:sldId id="296" r:id="rId14"/>
-    <p:sldId id="302" r:id="rId15"/>
-    <p:sldId id="297" r:id="rId16"/>
-    <p:sldId id="286" r:id="rId17"/>
-    <p:sldId id="305" r:id="rId18"/>
-    <p:sldId id="307" r:id="rId19"/>
-    <p:sldId id="299" r:id="rId20"/>
-    <p:sldId id="306" r:id="rId21"/>
+    <p:sldId id="310" r:id="rId12"/>
+    <p:sldId id="285" r:id="rId13"/>
+    <p:sldId id="289" r:id="rId14"/>
+    <p:sldId id="296" r:id="rId15"/>
+    <p:sldId id="302" r:id="rId16"/>
+    <p:sldId id="297" r:id="rId17"/>
+    <p:sldId id="286" r:id="rId18"/>
+    <p:sldId id="305" r:id="rId19"/>
+    <p:sldId id="307" r:id="rId20"/>
+    <p:sldId id="299" r:id="rId21"/>
+    <p:sldId id="306" r:id="rId22"/>
   </p:sldIdLst>
   <p:sldSz cx="9144000" cy="6858000" type="screen4x3"/>
   <p:notesSz cx="6799263" cy="9929813"/>
@@ -266,7 +267,7 @@
             <a:fld id="{1FF860C4-84CC-4ED2-86B7-24C0345B37D5}" type="datetimeFigureOut">
               <a:rPr lang="fr-FR" smtClean="0"/>
               <a:pPr/>
-              <a:t>02/01/2016</a:t>
+              <a:t>04/01/2016</a:t>
             </a:fld>
             <a:endParaRPr lang="fr-FR"/>
           </a:p>
@@ -433,7 +434,7 @@
             <a:fld id="{C2C2714D-4FF2-4E25-9D9C-3A52AC0061D5}" type="datetimeFigureOut">
               <a:rPr lang="fr-FR" smtClean="0"/>
               <a:pPr/>
-              <a:t>02/01/2016</a:t>
+              <a:t>04/01/2016</a:t>
             </a:fld>
             <a:endParaRPr lang="fr-FR"/>
           </a:p>
@@ -6877,7 +6878,6 @@
                         <a:rPr lang="en-US" baseline="0" dirty="0" smtClean="0"/>
                         <a:t>Marie Babel</a:t>
                       </a:r>
-                      <a:endParaRPr lang="en-US" baseline="0" dirty="0" smtClean="0"/>
                     </a:p>
                   </a:txBody>
                   <a:tcPr/>
@@ -6988,43 +6988,13 @@
       </p:graphicFrame>
       <p:sp>
         <p:nvSpPr>
-          <p:cNvPr id="11" name="ZoneTexte 10"/>
-          <p:cNvSpPr txBox="1"/>
-          <p:nvPr/>
-        </p:nvSpPr>
-        <p:spPr>
-          <a:xfrm>
-            <a:off x="4851694" y="3633398"/>
-            <a:ext cx="3044423" cy="369332"/>
-          </a:xfrm>
-          <a:prstGeom prst="rect">
-            <a:avLst/>
-          </a:prstGeom>
-          <a:noFill/>
-        </p:spPr>
-        <p:txBody>
-          <a:bodyPr wrap="none" rtlCol="0">
-            <a:spAutoFit/>
-          </a:bodyPr>
-          <a:lstStyle/>
-          <a:p>
-            <a:r>
-              <a:rPr lang="en-US" b="1" dirty="0" smtClean="0"/>
-              <a:t>Practical study 06/01/2016</a:t>
-            </a:r>
-            <a:endParaRPr lang="fr-FR" b="1" dirty="0"/>
-          </a:p>
-        </p:txBody>
-      </p:sp>
-      <p:sp>
-        <p:nvSpPr>
           <p:cNvPr id="2" name="Rectangle 1"/>
           <p:cNvSpPr/>
           <p:nvPr/>
         </p:nvSpPr>
         <p:spPr>
           <a:xfrm>
-            <a:off x="731813" y="1789511"/>
+            <a:off x="731813" y="2047086"/>
             <a:ext cx="7963719" cy="1446550"/>
           </a:xfrm>
           <a:prstGeom prst="rect">
@@ -7128,6 +7098,44 @@
           <a:p>
             <a:pPr algn="ctr"/>
             <a:endParaRPr lang="fr-FR"/>
+          </a:p>
+        </p:txBody>
+      </p:sp>
+      <p:sp>
+        <p:nvSpPr>
+          <p:cNvPr id="11" name="ZoneTexte 10"/>
+          <p:cNvSpPr txBox="1"/>
+          <p:nvPr/>
+        </p:nvSpPr>
+        <p:spPr>
+          <a:xfrm>
+            <a:off x="138027" y="6320720"/>
+            <a:ext cx="3044423" cy="369332"/>
+          </a:xfrm>
+          <a:prstGeom prst="rect">
+            <a:avLst/>
+          </a:prstGeom>
+          <a:noFill/>
+        </p:spPr>
+        <p:txBody>
+          <a:bodyPr wrap="none" rtlCol="0">
+            <a:spAutoFit/>
+          </a:bodyPr>
+          <a:lstStyle/>
+          <a:p>
+            <a:r>
+              <a:rPr lang="en-US" b="1" dirty="0" smtClean="0">
+                <a:solidFill>
+                  <a:schemeClr val="bg1"/>
+                </a:solidFill>
+              </a:rPr>
+              <a:t>Practical study 06/01/2016</a:t>
+            </a:r>
+            <a:endParaRPr lang="fr-FR" b="1" dirty="0">
+              <a:solidFill>
+                <a:schemeClr val="bg1"/>
+              </a:solidFill>
+            </a:endParaRPr>
           </a:p>
         </p:txBody>
       </p:sp>
@@ -7792,6 +7800,140 @@
         </p:nvSpPr>
         <p:spPr>
           <a:xfrm>
+            <a:off x="3093670" y="369534"/>
+            <a:ext cx="7876388" cy="1143000"/>
+          </a:xfrm>
+        </p:spPr>
+        <p:txBody>
+          <a:bodyPr/>
+          <a:lstStyle/>
+          <a:p>
+            <a:r>
+              <a:rPr lang="fr-FR" smtClean="0"/>
+              <a:t>III. </a:t>
+            </a:r>
+            <a:r>
+              <a:rPr lang="fr-FR" dirty="0" smtClean="0"/>
+              <a:t>PRE-STUDY</a:t>
+            </a:r>
+            <a:endParaRPr lang="fr-FR" dirty="0"/>
+          </a:p>
+        </p:txBody>
+      </p:sp>
+      <p:pic>
+        <p:nvPicPr>
+          <p:cNvPr id="4" name="Image 3"/>
+          <p:cNvPicPr>
+            <a:picLocks noChangeAspect="1"/>
+          </p:cNvPicPr>
+          <p:nvPr/>
+        </p:nvPicPr>
+        <p:blipFill>
+          <a:blip r:embed="rId2" cstate="screen">
+            <a:extLst>
+              <a:ext uri="{28A0092B-C50C-407E-A947-70E740481C1C}">
+                <a14:useLocalDpi xmlns:a14="http://schemas.microsoft.com/office/drawing/2010/main" val="0"/>
+              </a:ext>
+            </a:extLst>
+          </a:blip>
+          <a:stretch>
+            <a:fillRect/>
+          </a:stretch>
+        </p:blipFill>
+        <p:spPr>
+          <a:xfrm>
+            <a:off x="0" y="941034"/>
+            <a:ext cx="9144000" cy="5143500"/>
+          </a:xfrm>
+          <a:prstGeom prst="rect">
+            <a:avLst/>
+          </a:prstGeom>
+        </p:spPr>
+      </p:pic>
+      <p:sp>
+        <p:nvSpPr>
+          <p:cNvPr id="5" name="ZoneTexte 4"/>
+          <p:cNvSpPr txBox="1"/>
+          <p:nvPr/>
+        </p:nvSpPr>
+        <p:spPr>
+          <a:xfrm>
+            <a:off x="8496300" y="6296025"/>
+            <a:ext cx="495300" cy="369332"/>
+          </a:xfrm>
+          <a:prstGeom prst="rect">
+            <a:avLst/>
+          </a:prstGeom>
+          <a:noFill/>
+        </p:spPr>
+        <p:txBody>
+          <a:bodyPr wrap="square" rtlCol="0">
+            <a:spAutoFit/>
+          </a:bodyPr>
+          <a:lstStyle/>
+          <a:p>
+            <a:r>
+              <a:rPr lang="fr-FR" dirty="0" smtClean="0"/>
+              <a:t>10</a:t>
+            </a:r>
+            <a:endParaRPr lang="fr-FR" dirty="0"/>
+          </a:p>
+        </p:txBody>
+      </p:sp>
+    </p:spTree>
+    <p:extLst>
+      <p:ext uri="{BB962C8B-B14F-4D97-AF65-F5344CB8AC3E}">
+        <p14:creationId xmlns:p14="http://schemas.microsoft.com/office/powerpoint/2010/main" val="516164118"/>
+      </p:ext>
+    </p:extLst>
+  </p:cSld>
+  <p:clrMapOvr>
+    <a:masterClrMapping/>
+  </p:clrMapOvr>
+  <mc:AlternateContent xmlns:mc="http://schemas.openxmlformats.org/markup-compatibility/2006" xmlns:p14="http://schemas.microsoft.com/office/powerpoint/2010/main">
+    <mc:Choice Requires="p14">
+      <p:transition spd="med" p14:dur="700">
+        <p:fade/>
+      </p:transition>
+    </mc:Choice>
+    <mc:Fallback xmlns="">
+      <p:transition spd="med">
+        <p:fade/>
+      </p:transition>
+    </mc:Fallback>
+  </mc:AlternateContent>
+</p:sld>
+</file>
+
+<file path=ppt/slides/slide12.xml><?xml version="1.0" encoding="utf-8"?>
+<p:sld xmlns:a="http://schemas.openxmlformats.org/drawingml/2006/main" xmlns:r="http://schemas.openxmlformats.org/officeDocument/2006/relationships" xmlns:p="http://schemas.openxmlformats.org/presentationml/2006/main">
+  <p:cSld>
+    <p:spTree>
+      <p:nvGrpSpPr>
+        <p:cNvPr id="1" name=""/>
+        <p:cNvGrpSpPr/>
+        <p:nvPr/>
+      </p:nvGrpSpPr>
+      <p:grpSpPr>
+        <a:xfrm>
+          <a:off x="0" y="0"/>
+          <a:ext cx="0" cy="0"/>
+          <a:chOff x="0" y="0"/>
+          <a:chExt cx="0" cy="0"/>
+        </a:xfrm>
+      </p:grpSpPr>
+      <p:sp>
+        <p:nvSpPr>
+          <p:cNvPr id="2" name="Titre 1"/>
+          <p:cNvSpPr>
+            <a:spLocks noGrp="1"/>
+          </p:cNvSpPr>
+          <p:nvPr>
+            <p:ph type="title"/>
+          </p:nvPr>
+        </p:nvSpPr>
+        <p:spPr>
+          <a:xfrm>
             <a:off x="3151081" y="387899"/>
             <a:ext cx="2841839" cy="1143000"/>
           </a:xfrm>
@@ -8660,7 +8802,7 @@
 </p:sld>
 </file>
 
-<file path=ppt/slides/slide12.xml><?xml version="1.0" encoding="utf-8"?>
+<file path=ppt/slides/slide13.xml><?xml version="1.0" encoding="utf-8"?>
 <p:sld xmlns:a="http://schemas.openxmlformats.org/drawingml/2006/main" xmlns:r="http://schemas.openxmlformats.org/officeDocument/2006/relationships" xmlns:p="http://schemas.openxmlformats.org/presentationml/2006/main">
   <p:cSld>
     <p:spTree>
@@ -9060,7 +9202,7 @@
 </p:sld>
 </file>
 
-<file path=ppt/slides/slide13.xml><?xml version="1.0" encoding="utf-8"?>
+<file path=ppt/slides/slide14.xml><?xml version="1.0" encoding="utf-8"?>
 <p:sld xmlns:a="http://schemas.openxmlformats.org/drawingml/2006/main" xmlns:r="http://schemas.openxmlformats.org/officeDocument/2006/relationships" xmlns:p="http://schemas.openxmlformats.org/presentationml/2006/main">
   <p:cSld>
     <p:spTree>
@@ -9406,7 +9548,7 @@
 </p:sld>
 </file>
 
-<file path=ppt/slides/slide14.xml><?xml version="1.0" encoding="utf-8"?>
+<file path=ppt/slides/slide15.xml><?xml version="1.0" encoding="utf-8"?>
 <p:sld xmlns:a="http://schemas.openxmlformats.org/drawingml/2006/main" xmlns:r="http://schemas.openxmlformats.org/officeDocument/2006/relationships" xmlns:p="http://schemas.openxmlformats.org/presentationml/2006/main" show="0">
   <p:cSld>
     <p:spTree>
@@ -9578,7 +9720,7 @@
 </p:sld>
 </file>
 
-<file path=ppt/slides/slide15.xml><?xml version="1.0" encoding="utf-8"?>
+<file path=ppt/slides/slide16.xml><?xml version="1.0" encoding="utf-8"?>
 <p:sld xmlns:a="http://schemas.openxmlformats.org/drawingml/2006/main" xmlns:r="http://schemas.openxmlformats.org/officeDocument/2006/relationships" xmlns:p="http://schemas.openxmlformats.org/presentationml/2006/main">
   <p:cSld>
     <p:spTree>
@@ -9618,7 +9760,19 @@
             <a:pPr algn="ctr"/>
             <a:r>
               <a:rPr lang="fr-FR" dirty="0" smtClean="0"/>
-              <a:t>PROTOTYPE</a:t>
+              <a:t>IV. </a:t>
+            </a:r>
+            <a:r>
+              <a:rPr lang="fr-FR" dirty="0" err="1" smtClean="0"/>
+              <a:t>What</a:t>
+            </a:r>
+            <a:r>
+              <a:rPr lang="fr-FR" dirty="0" smtClean="0"/>
+              <a:t> WE HAVE </a:t>
+            </a:r>
+            <a:r>
+              <a:rPr lang="fr-FR" dirty="0" smtClean="0"/>
+              <a:t>DONE</a:t>
             </a:r>
             <a:endParaRPr lang="fr-FR" dirty="0"/>
           </a:p>
@@ -9705,14 +9859,14 @@
       </p:sp>
       <p:pic>
         <p:nvPicPr>
-          <p:cNvPr id="9" name="Image 8"/>
+          <p:cNvPr id="5" name="Image 4"/>
           <p:cNvPicPr>
             <a:picLocks noChangeAspect="1"/>
           </p:cNvPicPr>
           <p:nvPr/>
         </p:nvPicPr>
         <p:blipFill>
-          <a:blip r:embed="rId2">
+          <a:blip r:embed="rId2" cstate="screen">
             <a:extLst>
               <a:ext uri="{28A0092B-C50C-407E-A947-70E740481C1C}">
                 <a14:useLocalDpi xmlns:a14="http://schemas.microsoft.com/office/drawing/2010/main" val="0"/>
@@ -9725,14 +9879,52 @@
         </p:blipFill>
         <p:spPr>
           <a:xfrm>
-            <a:off x="0" y="765036"/>
-            <a:ext cx="9144000" cy="5327928"/>
+            <a:off x="0" y="982665"/>
+            <a:ext cx="9144000" cy="5143500"/>
           </a:xfrm>
           <a:prstGeom prst="rect">
             <a:avLst/>
           </a:prstGeom>
         </p:spPr>
       </p:pic>
+      <p:sp>
+        <p:nvSpPr>
+          <p:cNvPr id="6" name="ZoneTexte 5"/>
+          <p:cNvSpPr txBox="1"/>
+          <p:nvPr/>
+        </p:nvSpPr>
+        <p:spPr>
+          <a:xfrm>
+            <a:off x="1249251" y="5139657"/>
+            <a:ext cx="1790163" cy="461665"/>
+          </a:xfrm>
+          <a:prstGeom prst="rect">
+            <a:avLst/>
+          </a:prstGeom>
+          <a:noFill/>
+        </p:spPr>
+        <p:txBody>
+          <a:bodyPr wrap="square" rtlCol="0">
+            <a:spAutoFit/>
+          </a:bodyPr>
+          <a:lstStyle/>
+          <a:p>
+            <a:r>
+              <a:rPr lang="fr-FR" sz="2400" b="1" dirty="0" smtClean="0">
+                <a:solidFill>
+                  <a:srgbClr val="FF0000"/>
+                </a:solidFill>
+              </a:rPr>
+              <a:t>Prototype</a:t>
+            </a:r>
+            <a:endParaRPr lang="fr-FR" sz="2400" b="1" dirty="0">
+              <a:solidFill>
+                <a:srgbClr val="FF0000"/>
+              </a:solidFill>
+            </a:endParaRPr>
+          </a:p>
+        </p:txBody>
+      </p:sp>
     </p:spTree>
     <p:extLst>
       <p:ext uri="{BB962C8B-B14F-4D97-AF65-F5344CB8AC3E}">
@@ -9765,7 +9957,7 @@
 </p:sld>
 </file>
 
-<file path=ppt/slides/slide16.xml><?xml version="1.0" encoding="utf-8"?>
+<file path=ppt/slides/slide17.xml><?xml version="1.0" encoding="utf-8"?>
 <p:sld xmlns:a="http://schemas.openxmlformats.org/drawingml/2006/main" xmlns:r="http://schemas.openxmlformats.org/officeDocument/2006/relationships" xmlns:p="http://schemas.openxmlformats.org/presentationml/2006/main" show="0">
   <p:cSld>
     <p:spTree>
@@ -10212,220 +10404,6 @@
   <p:transition spd="med">
     <p:fade/>
   </p:transition>
-  <p:timing>
-    <p:tnLst>
-      <p:par>
-        <p:cTn id="1" dur="indefinite" restart="never" nodeType="tmRoot"/>
-      </p:par>
-    </p:tnLst>
-  </p:timing>
-</p:sld>
-</file>
-
-<file path=ppt/slides/slide17.xml><?xml version="1.0" encoding="utf-8"?>
-<p:sld xmlns:a="http://schemas.openxmlformats.org/drawingml/2006/main" xmlns:r="http://schemas.openxmlformats.org/officeDocument/2006/relationships" xmlns:p="http://schemas.openxmlformats.org/presentationml/2006/main">
-  <p:cSld>
-    <p:spTree>
-      <p:nvGrpSpPr>
-        <p:cNvPr id="1" name=""/>
-        <p:cNvGrpSpPr/>
-        <p:nvPr/>
-      </p:nvGrpSpPr>
-      <p:grpSpPr>
-        <a:xfrm>
-          <a:off x="0" y="0"/>
-          <a:ext cx="0" cy="0"/>
-          <a:chOff x="0" y="0"/>
-          <a:chExt cx="0" cy="0"/>
-        </a:xfrm>
-      </p:grpSpPr>
-      <p:sp>
-        <p:nvSpPr>
-          <p:cNvPr id="3" name="Espace réservé du texte 2"/>
-          <p:cNvSpPr>
-            <a:spLocks noGrp="1"/>
-          </p:cNvSpPr>
-          <p:nvPr>
-            <p:ph type="body" sz="quarter" idx="10"/>
-          </p:nvPr>
-        </p:nvSpPr>
-        <p:spPr/>
-        <p:txBody>
-          <a:bodyPr/>
-          <a:lstStyle/>
-          <a:p>
-            <a:r>
-              <a:rPr lang="fr-FR" dirty="0" smtClean="0"/>
-              <a:t>Communication </a:t>
-            </a:r>
-            <a:r>
-              <a:rPr lang="fr-FR" dirty="0" err="1" smtClean="0"/>
-              <a:t>with</a:t>
-            </a:r>
-            <a:r>
-              <a:rPr lang="fr-FR" dirty="0" smtClean="0"/>
-              <a:t> </a:t>
-            </a:r>
-            <a:r>
-              <a:rPr lang="fr-FR" dirty="0" err="1" smtClean="0"/>
-              <a:t>Fibaro</a:t>
-            </a:r>
-            <a:r>
-              <a:rPr lang="fr-FR" dirty="0" smtClean="0"/>
-              <a:t> and the </a:t>
-            </a:r>
-            <a:r>
-              <a:rPr lang="fr-FR" dirty="0" err="1" smtClean="0"/>
-              <a:t>wheelchair</a:t>
-            </a:r>
-            <a:r>
-              <a:rPr lang="fr-FR" dirty="0" smtClean="0"/>
-              <a:t> </a:t>
-            </a:r>
-            <a:endParaRPr lang="fr-FR" dirty="0"/>
-          </a:p>
-        </p:txBody>
-      </p:sp>
-      <p:sp>
-        <p:nvSpPr>
-          <p:cNvPr id="6" name="Titre 1"/>
-          <p:cNvSpPr txBox="1">
-            <a:spLocks/>
-          </p:cNvSpPr>
-          <p:nvPr/>
-        </p:nvSpPr>
-        <p:spPr>
-          <a:xfrm>
-            <a:off x="633806" y="270681"/>
-            <a:ext cx="7876388" cy="1143000"/>
-          </a:xfrm>
-          <a:prstGeom prst="rect">
-            <a:avLst/>
-          </a:prstGeom>
-        </p:spPr>
-        <p:txBody>
-          <a:bodyPr anchor="t">
-            <a:normAutofit/>
-          </a:bodyPr>
-          <a:lstStyle>
-            <a:lvl1pPr algn="l" defTabSz="457200" rtl="0" eaLnBrk="1" latinLnBrk="0" hangingPunct="1">
-              <a:lnSpc>
-                <a:spcPct val="90000"/>
-              </a:lnSpc>
-              <a:spcBef>
-                <a:spcPct val="0"/>
-              </a:spcBef>
-              <a:buNone/>
-              <a:defRPr sz="2700" b="1" i="0" kern="1200" cap="all" baseline="0">
-                <a:solidFill>
-                  <a:schemeClr val="bg2"/>
-                </a:solidFill>
-                <a:latin typeface="+mj-lt"/>
-                <a:ea typeface="+mj-ea"/>
-                <a:cs typeface="HelveticaNeueLT Com 57 Cn" panose="020B0506030502030204" pitchFamily="34" charset="0"/>
-              </a:defRPr>
-            </a:lvl1pPr>
-          </a:lstStyle>
-          <a:p>
-            <a:pPr algn="ctr"/>
-            <a:r>
-              <a:rPr lang="fr-FR" smtClean="0"/>
-              <a:t>V. </a:t>
-            </a:r>
-            <a:r>
-              <a:rPr lang="en-US" smtClean="0"/>
-              <a:t>What’s</a:t>
-            </a:r>
-            <a:r>
-              <a:rPr lang="fr-FR" smtClean="0"/>
-              <a:t> next</a:t>
-            </a:r>
-            <a:endParaRPr lang="fr-FR" dirty="0"/>
-          </a:p>
-        </p:txBody>
-      </p:sp>
-      <p:pic>
-        <p:nvPicPr>
-          <p:cNvPr id="2" name="Image 1"/>
-          <p:cNvPicPr>
-            <a:picLocks noChangeAspect="1"/>
-          </p:cNvPicPr>
-          <p:nvPr/>
-        </p:nvPicPr>
-        <p:blipFill>
-          <a:blip r:embed="rId2">
-            <a:extLst>
-              <a:ext uri="{28A0092B-C50C-407E-A947-70E740481C1C}">
-                <a14:useLocalDpi xmlns:a14="http://schemas.microsoft.com/office/drawing/2010/main" val="0"/>
-              </a:ext>
-            </a:extLst>
-          </a:blip>
-          <a:stretch>
-            <a:fillRect/>
-          </a:stretch>
-        </p:blipFill>
-        <p:spPr>
-          <a:xfrm>
-            <a:off x="1056067" y="1995712"/>
-            <a:ext cx="7031865" cy="4097252"/>
-          </a:xfrm>
-          <a:prstGeom prst="rect">
-            <a:avLst/>
-          </a:prstGeom>
-        </p:spPr>
-      </p:pic>
-      <p:sp>
-        <p:nvSpPr>
-          <p:cNvPr id="5" name="ZoneTexte 4"/>
-          <p:cNvSpPr txBox="1"/>
-          <p:nvPr/>
-        </p:nvSpPr>
-        <p:spPr>
-          <a:xfrm>
-            <a:off x="8496300" y="6296025"/>
-            <a:ext cx="495300" cy="369332"/>
-          </a:xfrm>
-          <a:prstGeom prst="rect">
-            <a:avLst/>
-          </a:prstGeom>
-          <a:noFill/>
-        </p:spPr>
-        <p:txBody>
-          <a:bodyPr wrap="square" rtlCol="0">
-            <a:spAutoFit/>
-          </a:bodyPr>
-          <a:lstStyle/>
-          <a:p>
-            <a:r>
-              <a:rPr lang="fr-FR" dirty="0" smtClean="0"/>
-              <a:t>15</a:t>
-            </a:r>
-            <a:endParaRPr lang="fr-FR" dirty="0"/>
-          </a:p>
-        </p:txBody>
-      </p:sp>
-    </p:spTree>
-    <p:extLst>
-      <p:ext uri="{BB962C8B-B14F-4D97-AF65-F5344CB8AC3E}">
-        <p14:creationId xmlns:p14="http://schemas.microsoft.com/office/powerpoint/2010/main" val="496861004"/>
-      </p:ext>
-    </p:extLst>
-  </p:cSld>
-  <p:clrMapOvr>
-    <a:masterClrMapping/>
-  </p:clrMapOvr>
-  <mc:AlternateContent xmlns:mc="http://schemas.openxmlformats.org/markup-compatibility/2006" xmlns:p14="http://schemas.microsoft.com/office/powerpoint/2010/main">
-    <mc:Choice Requires="p14">
-      <p:transition spd="med" p14:dur="700">
-        <p:fade/>
-      </p:transition>
-    </mc:Choice>
-    <mc:Fallback xmlns="">
-      <p:transition spd="med">
-        <p:fade/>
-      </p:transition>
-    </mc:Fallback>
-  </mc:AlternateContent>
   <p:timing>
     <p:tnLst>
       <p:par>
@@ -10468,98 +10446,41 @@
           <a:bodyPr/>
           <a:lstStyle/>
           <a:p>
-            <a:pPr>
-              <a:buFont typeface="Wingdings" panose="05000000000000000000" pitchFamily="2" charset="2"/>
-              <a:buChar char="§"/>
-            </a:pPr>
-            <a:endParaRPr lang="en-US" dirty="0" smtClean="0"/>
-          </a:p>
-          <a:p>
-            <a:r>
-              <a:rPr lang="en-US" dirty="0" smtClean="0"/>
-              <a:t>Improvements on the interface :</a:t>
-            </a:r>
-          </a:p>
-          <a:p>
-            <a:pPr marL="0" indent="0">
-              <a:buNone/>
-            </a:pPr>
-            <a:endParaRPr lang="en-US" dirty="0" smtClean="0"/>
-          </a:p>
-          <a:p>
-            <a:pPr marL="0" indent="0">
-              <a:buNone/>
-            </a:pPr>
-            <a:r>
-              <a:rPr lang="en-US" dirty="0" smtClean="0"/>
-              <a:t>	Render it usable </a:t>
-            </a:r>
-            <a:r>
-              <a:rPr lang="en-US" b="1" dirty="0" smtClean="0"/>
-              <a:t>by everyone </a:t>
-            </a:r>
-            <a:r>
-              <a:rPr lang="en-US" dirty="0" smtClean="0"/>
-              <a:t>(all types of disabilities)</a:t>
-            </a:r>
-          </a:p>
-          <a:p>
-            <a:pPr marL="0" indent="0">
-              <a:buNone/>
-            </a:pPr>
-            <a:endParaRPr lang="en-US" dirty="0"/>
-          </a:p>
-          <a:p>
-            <a:pPr>
-              <a:buFont typeface="Wingdings" panose="05000000000000000000" pitchFamily="2" charset="2"/>
-              <a:buChar char="§"/>
-            </a:pPr>
-            <a:endParaRPr lang="en-US" dirty="0"/>
-          </a:p>
-          <a:p>
-            <a:pPr marL="0" indent="0">
-              <a:buNone/>
-            </a:pPr>
-            <a:r>
-              <a:rPr lang="en-US" dirty="0" smtClean="0"/>
-              <a:t>	</a:t>
-            </a:r>
-            <a:r>
-              <a:rPr lang="en-US" b="1" dirty="0" smtClean="0"/>
-              <a:t>Aesthetics</a:t>
-            </a:r>
-            <a:r>
-              <a:rPr lang="en-US" dirty="0" smtClean="0"/>
-              <a:t> enhancement</a:t>
-            </a:r>
-          </a:p>
-          <a:p>
-            <a:endParaRPr lang="en-US" dirty="0"/>
-          </a:p>
-          <a:p>
-            <a:r>
-              <a:rPr lang="en-US" dirty="0" smtClean="0"/>
-              <a:t>Make it </a:t>
-            </a:r>
-            <a:r>
-              <a:rPr lang="en-US" dirty="0" smtClean="0"/>
-              <a:t>transferable</a:t>
-            </a:r>
-            <a:r>
-              <a:rPr lang="en-US" dirty="0" smtClean="0"/>
+            <a:r>
+              <a:rPr lang="fr-FR" dirty="0" smtClean="0"/>
+              <a:t>Communication </a:t>
+            </a:r>
+            <a:r>
+              <a:rPr lang="fr-FR" dirty="0" err="1" smtClean="0"/>
+              <a:t>with</a:t>
+            </a:r>
+            <a:r>
+              <a:rPr lang="fr-FR" dirty="0" smtClean="0"/>
               <a:t> </a:t>
             </a:r>
             <a:r>
-              <a:rPr lang="en-US" dirty="0" smtClean="0"/>
-              <a:t>: translate all the algorithm in C++</a:t>
-            </a:r>
-            <a:endParaRPr lang="en-US" dirty="0"/>
+              <a:rPr lang="fr-FR" dirty="0" err="1" smtClean="0"/>
+              <a:t>Fibaro</a:t>
+            </a:r>
+            <a:r>
+              <a:rPr lang="fr-FR" dirty="0" smtClean="0"/>
+              <a:t> and the </a:t>
+            </a:r>
+            <a:r>
+              <a:rPr lang="fr-FR" dirty="0" err="1" smtClean="0"/>
+              <a:t>wheelchair</a:t>
+            </a:r>
+            <a:r>
+              <a:rPr lang="fr-FR" dirty="0" smtClean="0"/>
+              <a:t> </a:t>
+            </a:r>
+            <a:endParaRPr lang="fr-FR" dirty="0"/>
           </a:p>
         </p:txBody>
       </p:sp>
       <p:sp>
         <p:nvSpPr>
-          <p:cNvPr id="4" name="Titre 1"/>
+          <p:cNvPr id="6" name="Titre 1"/>
           <p:cNvSpPr txBox="1">
             <a:spLocks/>
           </p:cNvSpPr>
@@ -10639,16 +10560,46 @@
           <a:p>
             <a:r>
               <a:rPr lang="fr-FR" dirty="0" smtClean="0"/>
-              <a:t>16</a:t>
+              <a:t>15</a:t>
             </a:r>
             <a:endParaRPr lang="fr-FR" dirty="0"/>
           </a:p>
         </p:txBody>
       </p:sp>
+      <p:pic>
+        <p:nvPicPr>
+          <p:cNvPr id="4" name="Image 3"/>
+          <p:cNvPicPr>
+            <a:picLocks noChangeAspect="1"/>
+          </p:cNvPicPr>
+          <p:nvPr/>
+        </p:nvPicPr>
+        <p:blipFill>
+          <a:blip r:embed="rId2" cstate="screen">
+            <a:extLst>
+              <a:ext uri="{28A0092B-C50C-407E-A947-70E740481C1C}">
+                <a14:useLocalDpi xmlns:a14="http://schemas.microsoft.com/office/drawing/2010/main" val="0"/>
+              </a:ext>
+            </a:extLst>
+          </a:blip>
+          <a:stretch>
+            <a:fillRect/>
+          </a:stretch>
+        </p:blipFill>
+        <p:spPr>
+          <a:xfrm>
+            <a:off x="633806" y="1823270"/>
+            <a:ext cx="7800578" cy="4387825"/>
+          </a:xfrm>
+          <a:prstGeom prst="rect">
+            <a:avLst/>
+          </a:prstGeom>
+        </p:spPr>
+      </p:pic>
     </p:spTree>
     <p:extLst>
       <p:ext uri="{BB962C8B-B14F-4D97-AF65-F5344CB8AC3E}">
-        <p14:creationId xmlns:p14="http://schemas.microsoft.com/office/powerpoint/2010/main" val="3554826814"/>
+        <p14:creationId xmlns:p14="http://schemas.microsoft.com/office/powerpoint/2010/main" val="496861004"/>
       </p:ext>
     </p:extLst>
   </p:cSld>
@@ -10709,48 +10660,86 @@
           <a:bodyPr/>
           <a:lstStyle/>
           <a:p>
-            <a:r>
-              <a:rPr lang="fr-FR" dirty="0" err="1" smtClean="0"/>
-              <a:t>What</a:t>
-            </a:r>
-            <a:r>
-              <a:rPr lang="fr-FR" dirty="0" smtClean="0"/>
-              <a:t> </a:t>
-            </a:r>
-            <a:r>
-              <a:rPr lang="fr-FR" dirty="0" err="1" smtClean="0"/>
-              <a:t>we</a:t>
-            </a:r>
-            <a:r>
-              <a:rPr lang="fr-FR" dirty="0" smtClean="0"/>
-              <a:t> </a:t>
-            </a:r>
-            <a:r>
-              <a:rPr lang="fr-FR" dirty="0" err="1" smtClean="0"/>
-              <a:t>learn</a:t>
-            </a:r>
-            <a:endParaRPr lang="fr-FR" dirty="0" smtClean="0"/>
+            <a:pPr>
+              <a:buFont typeface="Wingdings" panose="05000000000000000000" pitchFamily="2" charset="2"/>
+              <a:buChar char="§"/>
+            </a:pPr>
+            <a:endParaRPr lang="en-US" dirty="0" smtClean="0"/>
+          </a:p>
+          <a:p>
+            <a:r>
+              <a:rPr lang="en-US" dirty="0" smtClean="0"/>
+              <a:t>Improvements on the interface :</a:t>
+            </a:r>
           </a:p>
           <a:p>
             <a:pPr marL="0" indent="0">
               <a:buNone/>
             </a:pPr>
-            <a:r>
-              <a:rPr lang="fr-FR" dirty="0"/>
-              <a:t>	</a:t>
-            </a:r>
+            <a:endParaRPr lang="en-US" dirty="0" smtClean="0"/>
           </a:p>
           <a:p>
             <a:pPr marL="0" indent="0">
               <a:buNone/>
             </a:pPr>
-            <a:endParaRPr lang="fr-FR" dirty="0" smtClean="0"/>
+            <a:r>
+              <a:rPr lang="en-US" dirty="0" smtClean="0"/>
+              <a:t>	Render it usable </a:t>
+            </a:r>
+            <a:r>
+              <a:rPr lang="en-US" b="1" dirty="0" smtClean="0"/>
+              <a:t>by everyone </a:t>
+            </a:r>
+            <a:r>
+              <a:rPr lang="en-US" dirty="0" smtClean="0"/>
+              <a:t>(all types of disabilities)</a:t>
+            </a:r>
+          </a:p>
+          <a:p>
+            <a:pPr marL="0" indent="0">
+              <a:buNone/>
+            </a:pPr>
+            <a:endParaRPr lang="en-US" dirty="0"/>
+          </a:p>
+          <a:p>
+            <a:pPr>
+              <a:buFont typeface="Wingdings" panose="05000000000000000000" pitchFamily="2" charset="2"/>
+              <a:buChar char="§"/>
+            </a:pPr>
+            <a:endParaRPr lang="en-US" dirty="0"/>
+          </a:p>
+          <a:p>
+            <a:pPr marL="0" indent="0">
+              <a:buNone/>
+            </a:pPr>
+            <a:r>
+              <a:rPr lang="en-US" dirty="0" smtClean="0"/>
+              <a:t>	</a:t>
+            </a:r>
+            <a:r>
+              <a:rPr lang="en-US" b="1" dirty="0" smtClean="0"/>
+              <a:t>Aesthetics</a:t>
+            </a:r>
+            <a:r>
+              <a:rPr lang="en-US" dirty="0" smtClean="0"/>
+              <a:t> enhancement</a:t>
+            </a:r>
+          </a:p>
+          <a:p>
+            <a:endParaRPr lang="en-US" dirty="0"/>
+          </a:p>
+          <a:p>
+            <a:r>
+              <a:rPr lang="en-US" dirty="0" smtClean="0"/>
+              <a:t>Make it transferable : translate all the algorithm in C++</a:t>
+            </a:r>
+            <a:endParaRPr lang="en-US" dirty="0"/>
           </a:p>
         </p:txBody>
       </p:sp>
       <p:sp>
         <p:nvSpPr>
-          <p:cNvPr id="6" name="Titre 1"/>
+          <p:cNvPr id="4" name="Titre 1"/>
           <p:cNvSpPr txBox="1">
             <a:spLocks/>
           </p:cNvSpPr>
@@ -10791,8 +10780,16 @@
           <a:p>
             <a:pPr algn="ctr"/>
             <a:r>
-              <a:rPr lang="fr-FR" dirty="0" smtClean="0"/>
-              <a:t>conclusion</a:t>
+              <a:rPr lang="fr-FR" smtClean="0"/>
+              <a:t>V. </a:t>
+            </a:r>
+            <a:r>
+              <a:rPr lang="en-US" smtClean="0"/>
+              <a:t>What’s</a:t>
+            </a:r>
+            <a:r>
+              <a:rPr lang="fr-FR" smtClean="0"/>
+              <a:t> next</a:t>
             </a:r>
             <a:endParaRPr lang="fr-FR" dirty="0"/>
           </a:p>
@@ -10800,7 +10797,7 @@
       </p:sp>
       <p:sp>
         <p:nvSpPr>
-          <p:cNvPr id="7" name="ZoneTexte 6"/>
+          <p:cNvPr id="5" name="ZoneTexte 4"/>
           <p:cNvSpPr txBox="1"/>
           <p:nvPr/>
         </p:nvSpPr>
@@ -10822,222 +10819,16 @@
           <a:p>
             <a:r>
               <a:rPr lang="fr-FR" dirty="0" smtClean="0"/>
-              <a:t>17</a:t>
+              <a:t>16</a:t>
             </a:r>
             <a:endParaRPr lang="fr-FR" dirty="0"/>
-          </a:p>
-        </p:txBody>
-      </p:sp>
-      <p:pic>
-        <p:nvPicPr>
-          <p:cNvPr id="2" name="Image 1"/>
-          <p:cNvPicPr>
-            <a:picLocks noChangeAspect="1"/>
-          </p:cNvPicPr>
-          <p:nvPr/>
-        </p:nvPicPr>
-        <p:blipFill>
-          <a:blip r:embed="rId2">
-            <a:extLst>
-              <a:ext uri="{28A0092B-C50C-407E-A947-70E740481C1C}">
-                <a14:useLocalDpi xmlns:a14="http://schemas.microsoft.com/office/drawing/2010/main" val="0"/>
-              </a:ext>
-            </a:extLst>
-          </a:blip>
-          <a:stretch>
-            <a:fillRect/>
-          </a:stretch>
-        </p:blipFill>
-        <p:spPr>
-          <a:xfrm>
-            <a:off x="972350" y="1999473"/>
-            <a:ext cx="1779008" cy="1779008"/>
-          </a:xfrm>
-          <a:prstGeom prst="rect">
-            <a:avLst/>
-          </a:prstGeom>
-        </p:spPr>
-      </p:pic>
-      <p:pic>
-        <p:nvPicPr>
-          <p:cNvPr id="4" name="Image 3"/>
-          <p:cNvPicPr>
-            <a:picLocks noChangeAspect="1"/>
-          </p:cNvPicPr>
-          <p:nvPr/>
-        </p:nvPicPr>
-        <p:blipFill>
-          <a:blip r:embed="rId3" cstate="screen">
-            <a:extLst>
-              <a:ext uri="{28A0092B-C50C-407E-A947-70E740481C1C}">
-                <a14:useLocalDpi xmlns:a14="http://schemas.microsoft.com/office/drawing/2010/main" val="0"/>
-              </a:ext>
-            </a:extLst>
-          </a:blip>
-          <a:stretch>
-            <a:fillRect/>
-          </a:stretch>
-        </p:blipFill>
-        <p:spPr>
-          <a:xfrm>
-            <a:off x="3141816" y="1863757"/>
-            <a:ext cx="2187061" cy="2099579"/>
-          </a:xfrm>
-          <a:prstGeom prst="rect">
-            <a:avLst/>
-          </a:prstGeom>
-        </p:spPr>
-      </p:pic>
-      <p:pic>
-        <p:nvPicPr>
-          <p:cNvPr id="5" name="Image 4"/>
-          <p:cNvPicPr>
-            <a:picLocks noChangeAspect="1"/>
-          </p:cNvPicPr>
-          <p:nvPr/>
-        </p:nvPicPr>
-        <p:blipFill>
-          <a:blip r:embed="rId4">
-            <a:extLst>
-              <a:ext uri="{28A0092B-C50C-407E-A947-70E740481C1C}">
-                <a14:useLocalDpi xmlns:a14="http://schemas.microsoft.com/office/drawing/2010/main" val="0"/>
-              </a:ext>
-            </a:extLst>
-          </a:blip>
-          <a:stretch>
-            <a:fillRect/>
-          </a:stretch>
-        </p:blipFill>
-        <p:spPr>
-          <a:xfrm>
-            <a:off x="5816107" y="1926051"/>
-            <a:ext cx="1925851" cy="1925851"/>
-          </a:xfrm>
-          <a:prstGeom prst="rect">
-            <a:avLst/>
-          </a:prstGeom>
-        </p:spPr>
-      </p:pic>
-      <p:pic>
-        <p:nvPicPr>
-          <p:cNvPr id="8" name="Image 7"/>
-          <p:cNvPicPr>
-            <a:picLocks noChangeAspect="1"/>
-          </p:cNvPicPr>
-          <p:nvPr/>
-        </p:nvPicPr>
-        <p:blipFill>
-          <a:blip r:embed="rId5" cstate="screen">
-            <a:extLst>
-              <a:ext uri="{28A0092B-C50C-407E-A947-70E740481C1C}">
-                <a14:useLocalDpi xmlns:a14="http://schemas.microsoft.com/office/drawing/2010/main" val="0"/>
-              </a:ext>
-            </a:extLst>
-          </a:blip>
-          <a:stretch>
-            <a:fillRect/>
-          </a:stretch>
-        </p:blipFill>
-        <p:spPr>
-          <a:xfrm>
-            <a:off x="633806" y="4086177"/>
-            <a:ext cx="3201692" cy="1810957"/>
-          </a:xfrm>
-          <a:prstGeom prst="rect">
-            <a:avLst/>
-          </a:prstGeom>
-        </p:spPr>
-      </p:pic>
-      <p:sp>
-        <p:nvSpPr>
-          <p:cNvPr id="9" name="Rectangle 8"/>
-          <p:cNvSpPr/>
-          <p:nvPr/>
-        </p:nvSpPr>
-        <p:spPr>
-          <a:xfrm>
-            <a:off x="3727759" y="4604313"/>
-            <a:ext cx="5263841" cy="769441"/>
-          </a:xfrm>
-          <a:prstGeom prst="rect">
-            <a:avLst/>
-          </a:prstGeom>
-          <a:noFill/>
-        </p:spPr>
-        <p:txBody>
-          <a:bodyPr wrap="square" lIns="91440" tIns="45720" rIns="91440" bIns="45720">
-            <a:spAutoFit/>
-          </a:bodyPr>
-          <a:lstStyle/>
-          <a:p>
-            <a:pPr algn="ctr"/>
-            <a:r>
-              <a:rPr lang="fr-FR" sz="4400" b="1" cap="none" spc="0" dirty="0" smtClean="0">
-                <a:ln w="9525">
-                  <a:solidFill>
-                    <a:schemeClr val="bg1"/>
-                  </a:solidFill>
-                  <a:prstDash val="solid"/>
-                </a:ln>
-                <a:solidFill>
-                  <a:schemeClr val="tx1"/>
-                </a:solidFill>
-                <a:effectLst>
-                  <a:outerShdw blurRad="12700" dist="38100" dir="2700000" algn="tl" rotWithShape="0">
-                    <a:schemeClr val="bg1">
-                      <a:lumMod val="50000"/>
-                    </a:schemeClr>
-                  </a:outerShdw>
-                </a:effectLst>
-              </a:rPr>
-              <a:t>HTTP </a:t>
-            </a:r>
-            <a:r>
-              <a:rPr lang="fr-FR" sz="4400" b="1" cap="none" spc="0" dirty="0" err="1" smtClean="0">
-                <a:ln w="9525">
-                  <a:solidFill>
-                    <a:schemeClr val="bg1"/>
-                  </a:solidFill>
-                  <a:prstDash val="solid"/>
-                </a:ln>
-                <a:solidFill>
-                  <a:schemeClr val="tx1"/>
-                </a:solidFill>
-                <a:effectLst>
-                  <a:outerShdw blurRad="12700" dist="38100" dir="2700000" algn="tl" rotWithShape="0">
-                    <a:schemeClr val="bg1">
-                      <a:lumMod val="50000"/>
-                    </a:schemeClr>
-                  </a:outerShdw>
-                </a:effectLst>
-              </a:rPr>
-              <a:t>requests</a:t>
-            </a:r>
-            <a:endParaRPr lang="fr-FR" sz="4400" b="1" cap="none" spc="0" dirty="0">
-              <a:ln w="9525">
-                <a:solidFill>
-                  <a:schemeClr val="bg1"/>
-                </a:solidFill>
-                <a:prstDash val="solid"/>
-              </a:ln>
-              <a:solidFill>
-                <a:schemeClr val="tx1"/>
-              </a:solidFill>
-              <a:effectLst>
-                <a:outerShdw blurRad="12700" dist="38100" dir="2700000" algn="tl" rotWithShape="0">
-                  <a:schemeClr val="bg1">
-                    <a:lumMod val="50000"/>
-                  </a:schemeClr>
-                </a:outerShdw>
-              </a:effectLst>
-            </a:endParaRPr>
           </a:p>
         </p:txBody>
       </p:sp>
     </p:spTree>
     <p:extLst>
       <p:ext uri="{BB962C8B-B14F-4D97-AF65-F5344CB8AC3E}">
-        <p14:creationId xmlns:p14="http://schemas.microsoft.com/office/powerpoint/2010/main" val="2169738315"/>
+        <p14:creationId xmlns:p14="http://schemas.microsoft.com/office/powerpoint/2010/main" val="3554826814"/>
       </p:ext>
     </p:extLst>
   </p:cSld>
@@ -11124,8 +10915,8 @@
         </p:nvSpPr>
         <p:spPr>
           <a:xfrm>
-            <a:off x="2529444" y="1632585"/>
-            <a:ext cx="5719994" cy="4351339"/>
+            <a:off x="1461140" y="1620788"/>
+            <a:ext cx="5679584" cy="4351339"/>
           </a:xfrm>
           <a:prstGeom prst="rect">
             <a:avLst/>
@@ -11133,11 +10924,14 @@
         </p:spPr>
         <p:txBody>
           <a:bodyPr>
-            <a:normAutofit/>
+            <a:normAutofit fontScale="92500" lnSpcReduction="10000"/>
           </a:bodyPr>
           <a:lstStyle/>
           <a:p>
             <a:pPr marL="514350" indent="-514350">
+              <a:lnSpc>
+                <a:spcPct val="150000"/>
+              </a:lnSpc>
               <a:buAutoNum type="romanUcPeriod"/>
             </a:pPr>
             <a:r>
@@ -11148,6 +10942,9 @@
           </a:p>
           <a:p>
             <a:pPr marL="514350" indent="-514350">
+              <a:lnSpc>
+                <a:spcPct val="150000"/>
+              </a:lnSpc>
               <a:buAutoNum type="romanUcPeriod"/>
             </a:pPr>
             <a:r>
@@ -11158,6 +10955,9 @@
           </a:p>
           <a:p>
             <a:pPr marL="514350" indent="-514350">
+              <a:lnSpc>
+                <a:spcPct val="150000"/>
+              </a:lnSpc>
               <a:buAutoNum type="romanUcPeriod"/>
             </a:pPr>
             <a:r>
@@ -11168,6 +10968,9 @@
           </a:p>
           <a:p>
             <a:pPr marL="514350" indent="-514350">
+              <a:lnSpc>
+                <a:spcPct val="150000"/>
+              </a:lnSpc>
               <a:buAutoNum type="romanUcPeriod"/>
             </a:pPr>
             <a:r>
@@ -11178,6 +10981,9 @@
           </a:p>
           <a:p>
             <a:pPr marL="514350" indent="-514350">
+              <a:lnSpc>
+                <a:spcPct val="150000"/>
+              </a:lnSpc>
               <a:buAutoNum type="romanUcPeriod"/>
             </a:pPr>
             <a:r>
@@ -11196,6 +11002,9 @@
           </a:p>
           <a:p>
             <a:pPr marL="514350" indent="-514350">
+              <a:lnSpc>
+                <a:spcPct val="150000"/>
+              </a:lnSpc>
               <a:buAutoNum type="romanUcPeriod"/>
             </a:pPr>
             <a:r>
@@ -11268,6 +11077,395 @@
 </file>
 
 <file path=ppt/slides/slide20.xml><?xml version="1.0" encoding="utf-8"?>
+<p:sld xmlns:a="http://schemas.openxmlformats.org/drawingml/2006/main" xmlns:r="http://schemas.openxmlformats.org/officeDocument/2006/relationships" xmlns:p="http://schemas.openxmlformats.org/presentationml/2006/main">
+  <p:cSld>
+    <p:spTree>
+      <p:nvGrpSpPr>
+        <p:cNvPr id="1" name=""/>
+        <p:cNvGrpSpPr/>
+        <p:nvPr/>
+      </p:nvGrpSpPr>
+      <p:grpSpPr>
+        <a:xfrm>
+          <a:off x="0" y="0"/>
+          <a:ext cx="0" cy="0"/>
+          <a:chOff x="0" y="0"/>
+          <a:chExt cx="0" cy="0"/>
+        </a:xfrm>
+      </p:grpSpPr>
+      <p:sp>
+        <p:nvSpPr>
+          <p:cNvPr id="3" name="Espace réservé du texte 2"/>
+          <p:cNvSpPr>
+            <a:spLocks noGrp="1"/>
+          </p:cNvSpPr>
+          <p:nvPr>
+            <p:ph type="body" sz="quarter" idx="10"/>
+          </p:nvPr>
+        </p:nvSpPr>
+        <p:spPr/>
+        <p:txBody>
+          <a:bodyPr/>
+          <a:lstStyle/>
+          <a:p>
+            <a:r>
+              <a:rPr lang="fr-FR" dirty="0" err="1" smtClean="0"/>
+              <a:t>What</a:t>
+            </a:r>
+            <a:r>
+              <a:rPr lang="fr-FR" dirty="0" smtClean="0"/>
+              <a:t> </a:t>
+            </a:r>
+            <a:r>
+              <a:rPr lang="fr-FR" dirty="0" err="1" smtClean="0"/>
+              <a:t>we</a:t>
+            </a:r>
+            <a:r>
+              <a:rPr lang="fr-FR" dirty="0" smtClean="0"/>
+              <a:t> </a:t>
+            </a:r>
+            <a:r>
+              <a:rPr lang="fr-FR" dirty="0" err="1" smtClean="0"/>
+              <a:t>learn</a:t>
+            </a:r>
+            <a:endParaRPr lang="fr-FR" dirty="0" smtClean="0"/>
+          </a:p>
+          <a:p>
+            <a:pPr marL="0" indent="0">
+              <a:buNone/>
+            </a:pPr>
+            <a:r>
+              <a:rPr lang="fr-FR" dirty="0"/>
+              <a:t>	</a:t>
+            </a:r>
+          </a:p>
+          <a:p>
+            <a:pPr marL="0" indent="0">
+              <a:buNone/>
+            </a:pPr>
+            <a:endParaRPr lang="fr-FR" dirty="0" smtClean="0"/>
+          </a:p>
+        </p:txBody>
+      </p:sp>
+      <p:sp>
+        <p:nvSpPr>
+          <p:cNvPr id="6" name="Titre 1"/>
+          <p:cNvSpPr txBox="1">
+            <a:spLocks/>
+          </p:cNvSpPr>
+          <p:nvPr/>
+        </p:nvSpPr>
+        <p:spPr>
+          <a:xfrm>
+            <a:off x="633806" y="270681"/>
+            <a:ext cx="7876388" cy="1143000"/>
+          </a:xfrm>
+          <a:prstGeom prst="rect">
+            <a:avLst/>
+          </a:prstGeom>
+        </p:spPr>
+        <p:txBody>
+          <a:bodyPr anchor="t">
+            <a:normAutofit/>
+          </a:bodyPr>
+          <a:lstStyle>
+            <a:lvl1pPr algn="l" defTabSz="457200" rtl="0" eaLnBrk="1" latinLnBrk="0" hangingPunct="1">
+              <a:lnSpc>
+                <a:spcPct val="90000"/>
+              </a:lnSpc>
+              <a:spcBef>
+                <a:spcPct val="0"/>
+              </a:spcBef>
+              <a:buNone/>
+              <a:defRPr sz="2700" b="1" i="0" kern="1200" cap="all" baseline="0">
+                <a:solidFill>
+                  <a:schemeClr val="bg2"/>
+                </a:solidFill>
+                <a:latin typeface="+mj-lt"/>
+                <a:ea typeface="+mj-ea"/>
+                <a:cs typeface="HelveticaNeueLT Com 57 Cn" panose="020B0506030502030204" pitchFamily="34" charset="0"/>
+              </a:defRPr>
+            </a:lvl1pPr>
+          </a:lstStyle>
+          <a:p>
+            <a:pPr algn="ctr"/>
+            <a:r>
+              <a:rPr lang="fr-FR" smtClean="0"/>
+              <a:t>VI. conclusion</a:t>
+            </a:r>
+            <a:endParaRPr lang="fr-FR" dirty="0"/>
+          </a:p>
+        </p:txBody>
+      </p:sp>
+      <p:sp>
+        <p:nvSpPr>
+          <p:cNvPr id="7" name="ZoneTexte 6"/>
+          <p:cNvSpPr txBox="1"/>
+          <p:nvPr/>
+        </p:nvSpPr>
+        <p:spPr>
+          <a:xfrm>
+            <a:off x="8496300" y="6296025"/>
+            <a:ext cx="495300" cy="369332"/>
+          </a:xfrm>
+          <a:prstGeom prst="rect">
+            <a:avLst/>
+          </a:prstGeom>
+          <a:noFill/>
+        </p:spPr>
+        <p:txBody>
+          <a:bodyPr wrap="square" rtlCol="0">
+            <a:spAutoFit/>
+          </a:bodyPr>
+          <a:lstStyle/>
+          <a:p>
+            <a:r>
+              <a:rPr lang="fr-FR" dirty="0" smtClean="0"/>
+              <a:t>17</a:t>
+            </a:r>
+            <a:endParaRPr lang="fr-FR" dirty="0"/>
+          </a:p>
+        </p:txBody>
+      </p:sp>
+      <p:pic>
+        <p:nvPicPr>
+          <p:cNvPr id="2" name="Image 1"/>
+          <p:cNvPicPr>
+            <a:picLocks noChangeAspect="1"/>
+          </p:cNvPicPr>
+          <p:nvPr/>
+        </p:nvPicPr>
+        <p:blipFill>
+          <a:blip r:embed="rId2">
+            <a:extLst>
+              <a:ext uri="{28A0092B-C50C-407E-A947-70E740481C1C}">
+                <a14:useLocalDpi xmlns:a14="http://schemas.microsoft.com/office/drawing/2010/main" val="0"/>
+              </a:ext>
+            </a:extLst>
+          </a:blip>
+          <a:stretch>
+            <a:fillRect/>
+          </a:stretch>
+        </p:blipFill>
+        <p:spPr>
+          <a:xfrm>
+            <a:off x="972350" y="1999473"/>
+            <a:ext cx="1779008" cy="1779008"/>
+          </a:xfrm>
+          <a:prstGeom prst="rect">
+            <a:avLst/>
+          </a:prstGeom>
+        </p:spPr>
+      </p:pic>
+      <p:pic>
+        <p:nvPicPr>
+          <p:cNvPr id="4" name="Image 3"/>
+          <p:cNvPicPr>
+            <a:picLocks noChangeAspect="1"/>
+          </p:cNvPicPr>
+          <p:nvPr/>
+        </p:nvPicPr>
+        <p:blipFill>
+          <a:blip r:embed="rId3" cstate="screen">
+            <a:extLst>
+              <a:ext uri="{28A0092B-C50C-407E-A947-70E740481C1C}">
+                <a14:useLocalDpi xmlns:a14="http://schemas.microsoft.com/office/drawing/2010/main" val="0"/>
+              </a:ext>
+            </a:extLst>
+          </a:blip>
+          <a:stretch>
+            <a:fillRect/>
+          </a:stretch>
+        </p:blipFill>
+        <p:spPr>
+          <a:xfrm>
+            <a:off x="3141816" y="1863757"/>
+            <a:ext cx="2187061" cy="2099579"/>
+          </a:xfrm>
+          <a:prstGeom prst="rect">
+            <a:avLst/>
+          </a:prstGeom>
+        </p:spPr>
+      </p:pic>
+      <p:pic>
+        <p:nvPicPr>
+          <p:cNvPr id="5" name="Image 4"/>
+          <p:cNvPicPr>
+            <a:picLocks noChangeAspect="1"/>
+          </p:cNvPicPr>
+          <p:nvPr/>
+        </p:nvPicPr>
+        <p:blipFill>
+          <a:blip r:embed="rId4">
+            <a:extLst>
+              <a:ext uri="{28A0092B-C50C-407E-A947-70E740481C1C}">
+                <a14:useLocalDpi xmlns:a14="http://schemas.microsoft.com/office/drawing/2010/main" val="0"/>
+              </a:ext>
+            </a:extLst>
+          </a:blip>
+          <a:stretch>
+            <a:fillRect/>
+          </a:stretch>
+        </p:blipFill>
+        <p:spPr>
+          <a:xfrm>
+            <a:off x="5816107" y="1926051"/>
+            <a:ext cx="1925851" cy="1925851"/>
+          </a:xfrm>
+          <a:prstGeom prst="rect">
+            <a:avLst/>
+          </a:prstGeom>
+        </p:spPr>
+      </p:pic>
+      <p:pic>
+        <p:nvPicPr>
+          <p:cNvPr id="8" name="Image 7"/>
+          <p:cNvPicPr>
+            <a:picLocks noChangeAspect="1"/>
+          </p:cNvPicPr>
+          <p:nvPr/>
+        </p:nvPicPr>
+        <p:blipFill>
+          <a:blip r:embed="rId5" cstate="screen">
+            <a:extLst>
+              <a:ext uri="{28A0092B-C50C-407E-A947-70E740481C1C}">
+                <a14:useLocalDpi xmlns:a14="http://schemas.microsoft.com/office/drawing/2010/main" val="0"/>
+              </a:ext>
+            </a:extLst>
+          </a:blip>
+          <a:stretch>
+            <a:fillRect/>
+          </a:stretch>
+        </p:blipFill>
+        <p:spPr>
+          <a:xfrm>
+            <a:off x="633806" y="4086177"/>
+            <a:ext cx="3201692" cy="1810957"/>
+          </a:xfrm>
+          <a:prstGeom prst="rect">
+            <a:avLst/>
+          </a:prstGeom>
+        </p:spPr>
+      </p:pic>
+      <p:sp>
+        <p:nvSpPr>
+          <p:cNvPr id="9" name="Rectangle 8"/>
+          <p:cNvSpPr/>
+          <p:nvPr/>
+        </p:nvSpPr>
+        <p:spPr>
+          <a:xfrm>
+            <a:off x="3727759" y="4604313"/>
+            <a:ext cx="5263841" cy="769441"/>
+          </a:xfrm>
+          <a:prstGeom prst="rect">
+            <a:avLst/>
+          </a:prstGeom>
+          <a:noFill/>
+        </p:spPr>
+        <p:txBody>
+          <a:bodyPr wrap="square" lIns="91440" tIns="45720" rIns="91440" bIns="45720">
+            <a:spAutoFit/>
+          </a:bodyPr>
+          <a:lstStyle/>
+          <a:p>
+            <a:pPr algn="ctr"/>
+            <a:r>
+              <a:rPr lang="fr-FR" sz="4400" b="1" cap="none" spc="0" dirty="0" smtClean="0">
+                <a:ln w="9525">
+                  <a:solidFill>
+                    <a:schemeClr val="bg1"/>
+                  </a:solidFill>
+                  <a:prstDash val="solid"/>
+                </a:ln>
+                <a:solidFill>
+                  <a:schemeClr val="tx1"/>
+                </a:solidFill>
+                <a:effectLst>
+                  <a:outerShdw blurRad="12700" dist="38100" dir="2700000" algn="tl" rotWithShape="0">
+                    <a:schemeClr val="bg1">
+                      <a:lumMod val="50000"/>
+                    </a:schemeClr>
+                  </a:outerShdw>
+                </a:effectLst>
+              </a:rPr>
+              <a:t>HTTP </a:t>
+            </a:r>
+            <a:r>
+              <a:rPr lang="fr-FR" sz="4400" b="1" cap="none" spc="0" dirty="0" err="1" smtClean="0">
+                <a:ln w="9525">
+                  <a:solidFill>
+                    <a:schemeClr val="bg1"/>
+                  </a:solidFill>
+                  <a:prstDash val="solid"/>
+                </a:ln>
+                <a:solidFill>
+                  <a:schemeClr val="tx1"/>
+                </a:solidFill>
+                <a:effectLst>
+                  <a:outerShdw blurRad="12700" dist="38100" dir="2700000" algn="tl" rotWithShape="0">
+                    <a:schemeClr val="bg1">
+                      <a:lumMod val="50000"/>
+                    </a:schemeClr>
+                  </a:outerShdw>
+                </a:effectLst>
+              </a:rPr>
+              <a:t>requests</a:t>
+            </a:r>
+            <a:endParaRPr lang="fr-FR" sz="4400" b="1" cap="none" spc="0" dirty="0">
+              <a:ln w="9525">
+                <a:solidFill>
+                  <a:schemeClr val="bg1"/>
+                </a:solidFill>
+                <a:prstDash val="solid"/>
+              </a:ln>
+              <a:solidFill>
+                <a:schemeClr val="tx1"/>
+              </a:solidFill>
+              <a:effectLst>
+                <a:outerShdw blurRad="12700" dist="38100" dir="2700000" algn="tl" rotWithShape="0">
+                  <a:schemeClr val="bg1">
+                    <a:lumMod val="50000"/>
+                  </a:schemeClr>
+                </a:outerShdw>
+              </a:effectLst>
+            </a:endParaRPr>
+          </a:p>
+        </p:txBody>
+      </p:sp>
+    </p:spTree>
+    <p:extLst>
+      <p:ext uri="{BB962C8B-B14F-4D97-AF65-F5344CB8AC3E}">
+        <p14:creationId xmlns:p14="http://schemas.microsoft.com/office/powerpoint/2010/main" val="2169738315"/>
+      </p:ext>
+    </p:extLst>
+  </p:cSld>
+  <p:clrMapOvr>
+    <a:masterClrMapping/>
+  </p:clrMapOvr>
+  <mc:AlternateContent xmlns:mc="http://schemas.openxmlformats.org/markup-compatibility/2006" xmlns:p14="http://schemas.microsoft.com/office/powerpoint/2010/main">
+    <mc:Choice Requires="p14">
+      <p:transition spd="med" p14:dur="700">
+        <p:fade/>
+      </p:transition>
+    </mc:Choice>
+    <mc:Fallback xmlns="">
+      <p:transition spd="med">
+        <p:fade/>
+      </p:transition>
+    </mc:Fallback>
+  </mc:AlternateContent>
+  <p:timing>
+    <p:tnLst>
+      <p:par>
+        <p:cTn id="1" dur="indefinite" restart="never" nodeType="tmRoot"/>
+      </p:par>
+    </p:tnLst>
+  </p:timing>
+</p:sld>
+</file>
+
+<file path=ppt/slides/slide21.xml><?xml version="1.0" encoding="utf-8"?>
 <p:sld xmlns:a="http://schemas.openxmlformats.org/drawingml/2006/main" xmlns:r="http://schemas.openxmlformats.org/officeDocument/2006/relationships" xmlns:p="http://schemas.openxmlformats.org/presentationml/2006/main">
   <p:cSld>
     <p:spTree>
@@ -11692,12 +11890,7 @@
             <p:ph type="body" sz="quarter" idx="10"/>
           </p:nvPr>
         </p:nvSpPr>
-        <p:spPr>
-          <a:xfrm>
-            <a:off x="633806" y="1430798"/>
-            <a:ext cx="7694854" cy="4695367"/>
-          </a:xfrm>
-        </p:spPr>
+        <p:spPr/>
         <p:txBody>
           <a:bodyPr/>
           <a:lstStyle/>
@@ -11987,7 +12180,7 @@
         </p:nvSpPr>
         <p:spPr>
           <a:xfrm>
-            <a:off x="2045672" y="4562363"/>
+            <a:off x="2045672" y="4716909"/>
             <a:ext cx="1096775" cy="707886"/>
           </a:xfrm>
           <a:prstGeom prst="rect">
@@ -12175,7 +12368,7 @@
       </p:sp>
       <p:pic>
         <p:nvPicPr>
-          <p:cNvPr id="2" name="Image 1"/>
+          <p:cNvPr id="3" name="Image 2"/>
           <p:cNvPicPr>
             <a:picLocks noChangeAspect="1"/>
           </p:cNvPicPr>
@@ -12195,7 +12388,7 @@
         </p:blipFill>
         <p:spPr>
           <a:xfrm>
-            <a:off x="0" y="857250"/>
+            <a:off x="0" y="968097"/>
             <a:ext cx="9144000" cy="5143500"/>
           </a:xfrm>
           <a:prstGeom prst="rect">
@@ -12662,7 +12855,7 @@
           <p:nvPr>
             <p:extLst>
               <p:ext uri="{D42A27DB-BD31-4B8C-83A1-F6EECF244321}">
-                <p14:modId xmlns:p14="http://schemas.microsoft.com/office/powerpoint/2010/main" val="4229103733"/>
+                <p14:modId xmlns:p14="http://schemas.microsoft.com/office/powerpoint/2010/main" val="4142040397"/>
               </p:ext>
             </p:extLst>
           </p:nvPr>
@@ -12688,8 +12881,12 @@
                     <a:p>
                       <a:pPr algn="ctr"/>
                       <a:r>
+                        <a:rPr lang="fr-FR" dirty="0" err="1" smtClean="0"/>
+                        <a:t>Graphic</a:t>
+                      </a:r>
+                      <a:r>
                         <a:rPr lang="fr-FR" dirty="0" smtClean="0"/>
-                        <a:t>GUI</a:t>
+                        <a:t> User Interface and Model</a:t>
                       </a:r>
                       <a:endParaRPr lang="fr-FR" dirty="0"/>
                     </a:p>
@@ -12787,10 +12984,34 @@
                     <a:bodyPr/>
                     <a:lstStyle/>
                     <a:p>
+                      <a:pPr marL="0" marR="0" indent="0" algn="l" defTabSz="457200" rtl="0" eaLnBrk="1" fontAlgn="auto" latinLnBrk="0" hangingPunct="1">
+                        <a:lnSpc>
+                          <a:spcPct val="100000"/>
+                        </a:lnSpc>
+                        <a:spcBef>
+                          <a:spcPts val="0"/>
+                        </a:spcBef>
+                        <a:spcAft>
+                          <a:spcPts val="0"/>
+                        </a:spcAft>
+                        <a:buClrTx/>
+                        <a:buSzTx/>
+                        <a:buFontTx/>
+                        <a:buNone/>
+                        <a:tabLst/>
+                        <a:defRPr/>
+                      </a:pPr>
                       <a:r>
-                        <a:rPr lang="fr-FR" dirty="0" err="1" smtClean="0"/>
-                        <a:t>Transferable</a:t>
+                        <a:rPr lang="fr-FR" baseline="0" dirty="0" err="1" smtClean="0"/>
+                        <a:t>Selection</a:t>
                       </a:r>
+                      <a:r>
+                        <a:rPr lang="fr-FR" baseline="0" dirty="0" smtClean="0"/>
+                        <a:t> mode</a:t>
+                      </a:r>
+                      <a:endParaRPr lang="fr-FR" dirty="0" smtClean="0"/>
+                    </a:p>
+                    <a:p>
                       <a:endParaRPr lang="fr-FR" dirty="0"/>
                     </a:p>
                   </a:txBody>
@@ -12821,12 +13042,8 @@
                         <a:defRPr/>
                       </a:pPr>
                       <a:r>
-                        <a:rPr lang="fr-FR" baseline="0" dirty="0" err="1" smtClean="0"/>
-                        <a:t>Selection</a:t>
-                      </a:r>
-                      <a:r>
-                        <a:rPr lang="fr-FR" baseline="0" dirty="0" smtClean="0"/>
-                        <a:t> mode</a:t>
+                        <a:rPr lang="fr-FR" dirty="0" err="1" smtClean="0"/>
+                        <a:t>Transferable</a:t>
                       </a:r>
                       <a:endParaRPr lang="fr-FR" dirty="0" smtClean="0"/>
                     </a:p>
@@ -13320,22 +13537,21 @@
           <a:lstStyle/>
           <a:p>
             <a:r>
-              <a:rPr lang="fr-FR" dirty="0" smtClean="0"/>
-              <a:t>10</a:t>
-            </a:r>
-            <a:endParaRPr lang="fr-FR" dirty="0"/>
+              <a:rPr lang="fr-FR" dirty="0"/>
+              <a:t>9</a:t>
+            </a:r>
           </a:p>
         </p:txBody>
       </p:sp>
       <p:pic>
         <p:nvPicPr>
-          <p:cNvPr id="5" name="Image 4"/>
+          <p:cNvPr id="7" name="Image 6"/>
           <p:cNvPicPr>
             <a:picLocks noChangeAspect="1"/>
           </p:cNvPicPr>
           <p:nvPr/>
         </p:nvPicPr>
-        <p:blipFill>
+        <p:blipFill rotWithShape="1">
           <a:blip r:embed="rId2" cstate="screen">
             <a:extLst>
               <a:ext uri="{28A0092B-C50C-407E-A947-70E740481C1C}">
@@ -13343,14 +13559,13 @@
               </a:ext>
             </a:extLst>
           </a:blip>
-          <a:stretch>
-            <a:fillRect/>
-          </a:stretch>
+          <a:srcRect b="33782"/>
+          <a:stretch/>
         </p:blipFill>
         <p:spPr>
           <a:xfrm>
-            <a:off x="2358041" y="1771167"/>
-            <a:ext cx="4427918" cy="3542334"/>
+            <a:off x="2075914" y="1968607"/>
+            <a:ext cx="4865799" cy="2577635"/>
           </a:xfrm>
           <a:prstGeom prst="rect">
             <a:avLst/>

--- a/Rendu/Diapo_prototype_janvier.pptx
+++ b/Rendu/Diapo_prototype_janvier.pptx
@@ -5,10 +5,10 @@
     <p:sldMasterId id="2147483648" r:id="rId1"/>
   </p:sldMasterIdLst>
   <p:notesMasterIdLst>
-    <p:notesMasterId r:id="rId23"/>
+    <p:notesMasterId r:id="rId21"/>
   </p:notesMasterIdLst>
   <p:handoutMasterIdLst>
-    <p:handoutMasterId r:id="rId24"/>
+    <p:handoutMasterId r:id="rId22"/>
   </p:handoutMasterIdLst>
   <p:sldIdLst>
     <p:sldId id="303" r:id="rId2"/>
@@ -25,13 +25,11 @@
     <p:sldId id="285" r:id="rId13"/>
     <p:sldId id="289" r:id="rId14"/>
     <p:sldId id="296" r:id="rId15"/>
-    <p:sldId id="302" r:id="rId16"/>
-    <p:sldId id="297" r:id="rId17"/>
-    <p:sldId id="286" r:id="rId18"/>
-    <p:sldId id="305" r:id="rId19"/>
-    <p:sldId id="307" r:id="rId20"/>
-    <p:sldId id="299" r:id="rId21"/>
-    <p:sldId id="306" r:id="rId22"/>
+    <p:sldId id="297" r:id="rId16"/>
+    <p:sldId id="305" r:id="rId17"/>
+    <p:sldId id="307" r:id="rId18"/>
+    <p:sldId id="299" r:id="rId19"/>
+    <p:sldId id="306" r:id="rId20"/>
   </p:sldIdLst>
   <p:sldSz cx="9144000" cy="6858000" type="screen4x3"/>
   <p:notesSz cx="6799263" cy="9929813"/>
@@ -267,7 +265,7 @@
             <a:fld id="{1FF860C4-84CC-4ED2-86B7-24C0345B37D5}" type="datetimeFigureOut">
               <a:rPr lang="fr-FR" smtClean="0"/>
               <a:pPr/>
-              <a:t>04/01/2016</a:t>
+              <a:t>05/01/2016</a:t>
             </a:fld>
             <a:endParaRPr lang="fr-FR"/>
           </a:p>
@@ -434,7 +432,7 @@
             <a:fld id="{C2C2714D-4FF2-4E25-9D9C-3A52AC0061D5}" type="datetimeFigureOut">
               <a:rPr lang="fr-FR" smtClean="0"/>
               <a:pPr/>
-              <a:t>04/01/2016</a:t>
+              <a:t>05/01/2016</a:t>
             </a:fld>
             <a:endParaRPr lang="fr-FR"/>
           </a:p>
@@ -9549,7 +9547,7 @@
 </file>
 
 <file path=ppt/slides/slide15.xml><?xml version="1.0" encoding="utf-8"?>
-<p:sld xmlns:a="http://schemas.openxmlformats.org/drawingml/2006/main" xmlns:r="http://schemas.openxmlformats.org/officeDocument/2006/relationships" xmlns:p="http://schemas.openxmlformats.org/presentationml/2006/main" show="0">
+<p:sld xmlns:a="http://schemas.openxmlformats.org/drawingml/2006/main" xmlns:r="http://schemas.openxmlformats.org/officeDocument/2006/relationships" xmlns:p="http://schemas.openxmlformats.org/presentationml/2006/main">
   <p:cSld>
     <p:spTree>
       <p:nvGrpSpPr>
@@ -9577,8 +9575,8 @@
         </p:nvSpPr>
         <p:spPr>
           <a:xfrm>
-            <a:off x="1288453" y="384156"/>
-            <a:ext cx="6567094" cy="844569"/>
+            <a:off x="633806" y="270681"/>
+            <a:ext cx="7876388" cy="1143000"/>
           </a:xfrm>
         </p:spPr>
         <p:txBody>
@@ -9587,8 +9585,16 @@
           <a:p>
             <a:pPr algn="ctr"/>
             <a:r>
-              <a:rPr lang="en-US" dirty="0" smtClean="0"/>
-              <a:t> What we have done</a:t>
+              <a:rPr lang="fr-FR" dirty="0" smtClean="0"/>
+              <a:t>IV. </a:t>
+            </a:r>
+            <a:r>
+              <a:rPr lang="fr-FR" dirty="0" err="1" smtClean="0"/>
+              <a:t>What</a:t>
+            </a:r>
+            <a:r>
+              <a:rPr lang="fr-FR" dirty="0" smtClean="0"/>
+              <a:t> WE HAVE DONE</a:t>
             </a:r>
             <a:endParaRPr lang="fr-FR" dirty="0"/>
           </a:p>
@@ -9609,52 +9615,37 @@
           <a:bodyPr/>
           <a:lstStyle/>
           <a:p>
-            <a:r>
-              <a:rPr lang="en-US" dirty="0" smtClean="0"/>
-              <a:t>Familiarize with the previous code</a:t>
-            </a:r>
-          </a:p>
-          <a:p>
-            <a:endParaRPr lang="en-US" dirty="0" smtClean="0"/>
-          </a:p>
-          <a:p>
-            <a:endParaRPr lang="en-US" dirty="0" smtClean="0"/>
-          </a:p>
-          <a:p>
-            <a:endParaRPr lang="en-US" dirty="0"/>
-          </a:p>
-          <a:p>
-            <a:r>
-              <a:rPr lang="en-US" dirty="0" smtClean="0"/>
-              <a:t>Communication with a Kira, technically usable on every system</a:t>
-            </a:r>
+            <a:endParaRPr lang="fr-FR" dirty="0" smtClean="0"/>
+          </a:p>
+          <a:p>
+            <a:endParaRPr lang="fr-FR" dirty="0"/>
+          </a:p>
+          <a:p>
+            <a:endParaRPr lang="fr-FR" dirty="0" smtClean="0"/>
+          </a:p>
+          <a:p>
+            <a:endParaRPr lang="fr-FR" dirty="0"/>
+          </a:p>
+          <a:p>
+            <a:endParaRPr lang="fr-FR" dirty="0" smtClean="0"/>
+          </a:p>
+          <a:p>
+            <a:endParaRPr lang="fr-FR" dirty="0"/>
+          </a:p>
+          <a:p>
+            <a:endParaRPr lang="fr-FR" dirty="0" smtClean="0"/>
+          </a:p>
+          <a:p>
+            <a:endParaRPr lang="fr-FR" dirty="0"/>
+          </a:p>
+          <a:p>
+            <a:endParaRPr lang="fr-FR" dirty="0" smtClean="0"/>
           </a:p>
           <a:p>
             <a:pPr marL="0" indent="0">
               <a:buNone/>
             </a:pPr>
-            <a:endParaRPr lang="en-US" dirty="0" smtClean="0"/>
-          </a:p>
-          <a:p>
-            <a:endParaRPr lang="en-US" dirty="0"/>
-          </a:p>
-          <a:p>
-            <a:endParaRPr lang="en-US" dirty="0" smtClean="0"/>
-          </a:p>
-          <a:p>
-            <a:endParaRPr lang="en-US" dirty="0" smtClean="0"/>
-          </a:p>
-          <a:p>
-            <a:r>
-              <a:rPr lang="en-US" dirty="0" smtClean="0"/>
-              <a:t>Implemented it in our interface for a prototype</a:t>
-            </a:r>
-          </a:p>
-          <a:p>
-            <a:pPr marL="0" indent="0">
-              <a:buNone/>
-            </a:pPr>
-            <a:endParaRPr lang="en-US" dirty="0"/>
+            <a:endParaRPr lang="fr-FR" dirty="0"/>
           </a:p>
         </p:txBody>
       </p:sp>
@@ -9688,10 +9679,78 @@
           </a:p>
         </p:txBody>
       </p:sp>
+      <p:pic>
+        <p:nvPicPr>
+          <p:cNvPr id="5" name="Image 4"/>
+          <p:cNvPicPr>
+            <a:picLocks noChangeAspect="1"/>
+          </p:cNvPicPr>
+          <p:nvPr/>
+        </p:nvPicPr>
+        <p:blipFill>
+          <a:blip r:embed="rId2" cstate="screen">
+            <a:extLst>
+              <a:ext uri="{28A0092B-C50C-407E-A947-70E740481C1C}">
+                <a14:useLocalDpi xmlns:a14="http://schemas.microsoft.com/office/drawing/2010/main" val="0"/>
+              </a:ext>
+            </a:extLst>
+          </a:blip>
+          <a:stretch>
+            <a:fillRect/>
+          </a:stretch>
+        </p:blipFill>
+        <p:spPr>
+          <a:xfrm>
+            <a:off x="0" y="982665"/>
+            <a:ext cx="9144000" cy="5143500"/>
+          </a:xfrm>
+          <a:prstGeom prst="rect">
+            <a:avLst/>
+          </a:prstGeom>
+        </p:spPr>
+      </p:pic>
+      <p:sp>
+        <p:nvSpPr>
+          <p:cNvPr id="6" name="ZoneTexte 5"/>
+          <p:cNvSpPr txBox="1"/>
+          <p:nvPr/>
+        </p:nvSpPr>
+        <p:spPr>
+          <a:xfrm>
+            <a:off x="1249251" y="5139657"/>
+            <a:ext cx="1790163" cy="461665"/>
+          </a:xfrm>
+          <a:prstGeom prst="rect">
+            <a:avLst/>
+          </a:prstGeom>
+          <a:noFill/>
+        </p:spPr>
+        <p:txBody>
+          <a:bodyPr wrap="square" rtlCol="0">
+            <a:spAutoFit/>
+          </a:bodyPr>
+          <a:lstStyle/>
+          <a:p>
+            <a:r>
+              <a:rPr lang="fr-FR" sz="2400" b="1" dirty="0" smtClean="0">
+                <a:solidFill>
+                  <a:srgbClr val="FF0000"/>
+                </a:solidFill>
+              </a:rPr>
+              <a:t>Prototype</a:t>
+            </a:r>
+            <a:endParaRPr lang="fr-FR" sz="2400" b="1" dirty="0">
+              <a:solidFill>
+                <a:srgbClr val="FF0000"/>
+              </a:solidFill>
+            </a:endParaRPr>
+          </a:p>
+        </p:txBody>
+      </p:sp>
     </p:spTree>
     <p:extLst>
       <p:ext uri="{BB962C8B-B14F-4D97-AF65-F5344CB8AC3E}">
-        <p14:creationId xmlns:p14="http://schemas.microsoft.com/office/powerpoint/2010/main" val="1063828340"/>
+        <p14:creationId xmlns:p14="http://schemas.microsoft.com/office/powerpoint/2010/main" val="1644440659"/>
       </p:ext>
     </p:extLst>
   </p:cSld>
@@ -9739,47 +9798,6 @@
       </p:grpSpPr>
       <p:sp>
         <p:nvSpPr>
-          <p:cNvPr id="2" name="Titre 1"/>
-          <p:cNvSpPr>
-            <a:spLocks noGrp="1"/>
-          </p:cNvSpPr>
-          <p:nvPr>
-            <p:ph type="title"/>
-          </p:nvPr>
-        </p:nvSpPr>
-        <p:spPr>
-          <a:xfrm>
-            <a:off x="633806" y="270681"/>
-            <a:ext cx="7876388" cy="1143000"/>
-          </a:xfrm>
-        </p:spPr>
-        <p:txBody>
-          <a:bodyPr/>
-          <a:lstStyle/>
-          <a:p>
-            <a:pPr algn="ctr"/>
-            <a:r>
-              <a:rPr lang="fr-FR" dirty="0" smtClean="0"/>
-              <a:t>IV. </a:t>
-            </a:r>
-            <a:r>
-              <a:rPr lang="fr-FR" dirty="0" err="1" smtClean="0"/>
-              <a:t>What</a:t>
-            </a:r>
-            <a:r>
-              <a:rPr lang="fr-FR" dirty="0" smtClean="0"/>
-              <a:t> WE HAVE </a:t>
-            </a:r>
-            <a:r>
-              <a:rPr lang="fr-FR" dirty="0" smtClean="0"/>
-              <a:t>DONE</a:t>
-            </a:r>
-            <a:endParaRPr lang="fr-FR" dirty="0"/>
-          </a:p>
-        </p:txBody>
-      </p:sp>
-      <p:sp>
-        <p:nvSpPr>
           <p:cNvPr id="3" name="Espace réservé du texte 2"/>
           <p:cNvSpPr>
             <a:spLocks noGrp="1"/>
@@ -9793,43 +9811,99 @@
           <a:bodyPr/>
           <a:lstStyle/>
           <a:p>
-            <a:endParaRPr lang="fr-FR" dirty="0" smtClean="0"/>
-          </a:p>
-          <a:p>
-            <a:endParaRPr lang="fr-FR" dirty="0"/>
-          </a:p>
-          <a:p>
-            <a:endParaRPr lang="fr-FR" dirty="0" smtClean="0"/>
-          </a:p>
-          <a:p>
-            <a:endParaRPr lang="fr-FR" dirty="0"/>
-          </a:p>
-          <a:p>
-            <a:endParaRPr lang="fr-FR" dirty="0" smtClean="0"/>
-          </a:p>
-          <a:p>
-            <a:endParaRPr lang="fr-FR" dirty="0"/>
-          </a:p>
-          <a:p>
-            <a:endParaRPr lang="fr-FR" dirty="0" smtClean="0"/>
-          </a:p>
-          <a:p>
-            <a:endParaRPr lang="fr-FR" dirty="0"/>
-          </a:p>
-          <a:p>
-            <a:endParaRPr lang="fr-FR" dirty="0" smtClean="0"/>
-          </a:p>
-          <a:p>
-            <a:pPr marL="0" indent="0">
-              <a:buNone/>
-            </a:pPr>
+            <a:r>
+              <a:rPr lang="fr-FR" dirty="0" smtClean="0"/>
+              <a:t>Communication </a:t>
+            </a:r>
+            <a:r>
+              <a:rPr lang="fr-FR" dirty="0" err="1" smtClean="0"/>
+              <a:t>with</a:t>
+            </a:r>
+            <a:r>
+              <a:rPr lang="fr-FR" dirty="0" smtClean="0"/>
+              <a:t> </a:t>
+            </a:r>
+            <a:r>
+              <a:rPr lang="fr-FR" dirty="0" err="1" smtClean="0"/>
+              <a:t>Fibaro</a:t>
+            </a:r>
+            <a:r>
+              <a:rPr lang="fr-FR" dirty="0" smtClean="0"/>
+              <a:t> and the </a:t>
+            </a:r>
+            <a:r>
+              <a:rPr lang="fr-FR" dirty="0" err="1" smtClean="0"/>
+              <a:t>wheelchair</a:t>
+            </a:r>
+            <a:r>
+              <a:rPr lang="fr-FR" dirty="0" smtClean="0"/>
+              <a:t> </a:t>
+            </a:r>
             <a:endParaRPr lang="fr-FR" dirty="0"/>
           </a:p>
         </p:txBody>
       </p:sp>
       <p:sp>
         <p:nvSpPr>
-          <p:cNvPr id="4" name="ZoneTexte 3"/>
+          <p:cNvPr id="6" name="Titre 1"/>
+          <p:cNvSpPr txBox="1">
+            <a:spLocks/>
+          </p:cNvSpPr>
+          <p:nvPr/>
+        </p:nvSpPr>
+        <p:spPr>
+          <a:xfrm>
+            <a:off x="633806" y="270681"/>
+            <a:ext cx="7876388" cy="1143000"/>
+          </a:xfrm>
+          <a:prstGeom prst="rect">
+            <a:avLst/>
+          </a:prstGeom>
+        </p:spPr>
+        <p:txBody>
+          <a:bodyPr anchor="t">
+            <a:normAutofit/>
+          </a:bodyPr>
+          <a:lstStyle>
+            <a:lvl1pPr algn="l" defTabSz="457200" rtl="0" eaLnBrk="1" latinLnBrk="0" hangingPunct="1">
+              <a:lnSpc>
+                <a:spcPct val="90000"/>
+              </a:lnSpc>
+              <a:spcBef>
+                <a:spcPct val="0"/>
+              </a:spcBef>
+              <a:buNone/>
+              <a:defRPr sz="2700" b="1" i="0" kern="1200" cap="all" baseline="0">
+                <a:solidFill>
+                  <a:schemeClr val="bg2"/>
+                </a:solidFill>
+                <a:latin typeface="+mj-lt"/>
+                <a:ea typeface="+mj-ea"/>
+                <a:cs typeface="HelveticaNeueLT Com 57 Cn" panose="020B0506030502030204" pitchFamily="34" charset="0"/>
+              </a:defRPr>
+            </a:lvl1pPr>
+          </a:lstStyle>
+          <a:p>
+            <a:pPr algn="ctr"/>
+            <a:r>
+              <a:rPr lang="fr-FR" smtClean="0"/>
+              <a:t>V. </a:t>
+            </a:r>
+            <a:r>
+              <a:rPr lang="en-US" smtClean="0"/>
+              <a:t>What’s</a:t>
+            </a:r>
+            <a:r>
+              <a:rPr lang="fr-FR" smtClean="0"/>
+              <a:t> next</a:t>
+            </a:r>
+            <a:endParaRPr lang="fr-FR" dirty="0"/>
+          </a:p>
+        </p:txBody>
+      </p:sp>
+      <p:sp>
+        <p:nvSpPr>
+          <p:cNvPr id="5" name="ZoneTexte 4"/>
           <p:cNvSpPr txBox="1"/>
           <p:nvPr/>
         </p:nvSpPr>
@@ -9851,7 +9925,7 @@
           <a:p>
             <a:r>
               <a:rPr lang="fr-FR" dirty="0" smtClean="0"/>
-              <a:t>14</a:t>
+              <a:t>15</a:t>
             </a:r>
             <a:endParaRPr lang="fr-FR" dirty="0"/>
           </a:p>
@@ -9859,7 +9933,7 @@
       </p:sp>
       <p:pic>
         <p:nvPicPr>
-          <p:cNvPr id="5" name="Image 4"/>
+          <p:cNvPr id="4" name="Image 3"/>
           <p:cNvPicPr>
             <a:picLocks noChangeAspect="1"/>
           </p:cNvPicPr>
@@ -9879,56 +9953,18 @@
         </p:blipFill>
         <p:spPr>
           <a:xfrm>
-            <a:off x="0" y="982665"/>
-            <a:ext cx="9144000" cy="5143500"/>
+            <a:off x="633806" y="1823270"/>
+            <a:ext cx="7800578" cy="4387825"/>
           </a:xfrm>
           <a:prstGeom prst="rect">
             <a:avLst/>
           </a:prstGeom>
         </p:spPr>
       </p:pic>
-      <p:sp>
-        <p:nvSpPr>
-          <p:cNvPr id="6" name="ZoneTexte 5"/>
-          <p:cNvSpPr txBox="1"/>
-          <p:nvPr/>
-        </p:nvSpPr>
-        <p:spPr>
-          <a:xfrm>
-            <a:off x="1249251" y="5139657"/>
-            <a:ext cx="1790163" cy="461665"/>
-          </a:xfrm>
-          <a:prstGeom prst="rect">
-            <a:avLst/>
-          </a:prstGeom>
-          <a:noFill/>
-        </p:spPr>
-        <p:txBody>
-          <a:bodyPr wrap="square" rtlCol="0">
-            <a:spAutoFit/>
-          </a:bodyPr>
-          <a:lstStyle/>
-          <a:p>
-            <a:r>
-              <a:rPr lang="fr-FR" sz="2400" b="1" dirty="0" smtClean="0">
-                <a:solidFill>
-                  <a:srgbClr val="FF0000"/>
-                </a:solidFill>
-              </a:rPr>
-              <a:t>Prototype</a:t>
-            </a:r>
-            <a:endParaRPr lang="fr-FR" sz="2400" b="1" dirty="0">
-              <a:solidFill>
-                <a:srgbClr val="FF0000"/>
-              </a:solidFill>
-            </a:endParaRPr>
-          </a:p>
-        </p:txBody>
-      </p:sp>
     </p:spTree>
     <p:extLst>
       <p:ext uri="{BB962C8B-B14F-4D97-AF65-F5344CB8AC3E}">
-        <p14:creationId xmlns:p14="http://schemas.microsoft.com/office/powerpoint/2010/main" val="1644440659"/>
+        <p14:creationId xmlns:p14="http://schemas.microsoft.com/office/powerpoint/2010/main" val="496861004"/>
       </p:ext>
     </p:extLst>
   </p:cSld>
@@ -9958,7 +9994,7 @@
 </file>
 
 <file path=ppt/slides/slide17.xml><?xml version="1.0" encoding="utf-8"?>
-<p:sld xmlns:a="http://schemas.openxmlformats.org/drawingml/2006/main" xmlns:r="http://schemas.openxmlformats.org/officeDocument/2006/relationships" xmlns:p="http://schemas.openxmlformats.org/presentationml/2006/main" show="0">
+<p:sld xmlns:a="http://schemas.openxmlformats.org/drawingml/2006/main" xmlns:r="http://schemas.openxmlformats.org/officeDocument/2006/relationships" xmlns:p="http://schemas.openxmlformats.org/presentationml/2006/main">
   <p:cSld>
     <p:spTree>
       <p:nvGrpSpPr>
@@ -9976,394 +10012,169 @@
       </p:grpSpPr>
       <p:sp>
         <p:nvSpPr>
-          <p:cNvPr id="2" name="Titre 1"/>
+          <p:cNvPr id="3" name="Espace réservé du texte 2"/>
           <p:cNvSpPr>
             <a:spLocks noGrp="1"/>
           </p:cNvSpPr>
           <p:nvPr>
-            <p:ph type="title"/>
+            <p:ph type="body" sz="quarter" idx="10"/>
           </p:nvPr>
         </p:nvSpPr>
-        <p:spPr>
-          <a:xfrm>
-            <a:off x="3178182" y="303804"/>
-            <a:ext cx="7876388" cy="1143000"/>
-          </a:xfrm>
-        </p:spPr>
+        <p:spPr/>
         <p:txBody>
-          <a:bodyPr lIns="68580" tIns="34290" rIns="68580" bIns="34290"/>
+          <a:bodyPr/>
           <a:lstStyle/>
           <a:p>
-            <a:r>
-              <a:rPr lang="fr-FR" dirty="0" smtClean="0"/>
-              <a:t>PROTOTYPE</a:t>
-            </a:r>
-            <a:endParaRPr lang="fr-FR" dirty="0"/>
-          </a:p>
-        </p:txBody>
-      </p:sp>
-      <p:pic>
-        <p:nvPicPr>
-          <p:cNvPr id="4" name="Image 3"/>
-          <p:cNvPicPr>
-            <a:picLocks noChangeAspect="1"/>
-          </p:cNvPicPr>
-          <p:nvPr/>
-        </p:nvPicPr>
-        <p:blipFill>
-          <a:blip r:embed="rId2" cstate="print"/>
-          <a:stretch>
-            <a:fillRect/>
-          </a:stretch>
-        </p:blipFill>
-        <p:spPr>
-          <a:xfrm rot="539182">
-            <a:off x="6429400" y="1575133"/>
-            <a:ext cx="1207416" cy="1456635"/>
-          </a:xfrm>
-          <a:prstGeom prst="rect">
-            <a:avLst/>
-          </a:prstGeom>
-        </p:spPr>
-      </p:pic>
-      <p:pic>
-        <p:nvPicPr>
-          <p:cNvPr id="6" name="Image 5"/>
-          <p:cNvPicPr>
-            <a:picLocks noChangeAspect="1"/>
-          </p:cNvPicPr>
-          <p:nvPr/>
-        </p:nvPicPr>
-        <p:blipFill>
-          <a:blip r:embed="rId3" cstate="print"/>
-          <a:stretch>
-            <a:fillRect/>
-          </a:stretch>
-        </p:blipFill>
-        <p:spPr>
-          <a:xfrm>
-            <a:off x="943659" y="1772856"/>
-            <a:ext cx="1536361" cy="1366813"/>
-          </a:xfrm>
-          <a:prstGeom prst="rect">
-            <a:avLst/>
-          </a:prstGeom>
-        </p:spPr>
-      </p:pic>
-      <p:pic>
-        <p:nvPicPr>
-          <p:cNvPr id="7" name="Image 6"/>
-          <p:cNvPicPr>
-            <a:picLocks noChangeAspect="1"/>
-          </p:cNvPicPr>
-          <p:nvPr/>
-        </p:nvPicPr>
-        <p:blipFill>
-          <a:blip r:embed="rId4" cstate="print"/>
-          <a:stretch>
-            <a:fillRect/>
-          </a:stretch>
-        </p:blipFill>
-        <p:spPr>
-          <a:xfrm>
-            <a:off x="6087392" y="4072825"/>
-            <a:ext cx="1891431" cy="1973780"/>
-          </a:xfrm>
-          <a:prstGeom prst="rect">
-            <a:avLst/>
-          </a:prstGeom>
-        </p:spPr>
-      </p:pic>
-      <p:pic>
-        <p:nvPicPr>
-          <p:cNvPr id="10" name="Image 9"/>
-          <p:cNvPicPr>
-            <a:picLocks noChangeAspect="1"/>
-          </p:cNvPicPr>
-          <p:nvPr/>
-        </p:nvPicPr>
-        <p:blipFill>
-          <a:blip r:embed="rId5" cstate="print"/>
-          <a:stretch>
-            <a:fillRect/>
-          </a:stretch>
-        </p:blipFill>
-        <p:spPr>
-          <a:xfrm>
-            <a:off x="3527312" y="1598610"/>
-            <a:ext cx="1650037" cy="1460047"/>
-          </a:xfrm>
-          <a:prstGeom prst="rect">
-            <a:avLst/>
-          </a:prstGeom>
-        </p:spPr>
-      </p:pic>
-      <p:sp>
-        <p:nvSpPr>
-          <p:cNvPr id="11" name="ZoneTexte 10"/>
-          <p:cNvSpPr txBox="1"/>
-          <p:nvPr/>
-        </p:nvSpPr>
-        <p:spPr>
-          <a:xfrm>
-            <a:off x="1302371" y="3183118"/>
-            <a:ext cx="1127232" cy="323165"/>
-          </a:xfrm>
-          <a:prstGeom prst="rect">
-            <a:avLst/>
-          </a:prstGeom>
-          <a:noFill/>
-        </p:spPr>
-        <p:txBody>
-          <a:bodyPr wrap="none" rtlCol="0">
-            <a:spAutoFit/>
-          </a:bodyPr>
-          <a:lstStyle/>
-          <a:p>
-            <a:r>
-              <a:rPr lang="fr-FR" sz="1500" dirty="0" smtClean="0"/>
-              <a:t>Windows 8</a:t>
-            </a:r>
-            <a:endParaRPr lang="fr-FR" sz="1500" dirty="0"/>
-          </a:p>
-        </p:txBody>
-      </p:sp>
-      <p:pic>
-        <p:nvPicPr>
-          <p:cNvPr id="14" name="Image 13"/>
-          <p:cNvPicPr>
-            <a:picLocks noChangeAspect="1"/>
-          </p:cNvPicPr>
-          <p:nvPr/>
-        </p:nvPicPr>
-        <p:blipFill>
-          <a:blip r:embed="rId6" cstate="print"/>
-          <a:stretch>
-            <a:fillRect/>
-          </a:stretch>
-        </p:blipFill>
-        <p:spPr>
-          <a:xfrm rot="5400000">
-            <a:off x="2684138" y="2212055"/>
-            <a:ext cx="639053" cy="482076"/>
-          </a:xfrm>
-          <a:prstGeom prst="rect">
-            <a:avLst/>
-          </a:prstGeom>
-        </p:spPr>
-      </p:pic>
-      <p:pic>
-        <p:nvPicPr>
-          <p:cNvPr id="17" name="Image 16"/>
-          <p:cNvPicPr>
-            <a:picLocks noChangeAspect="1"/>
-          </p:cNvPicPr>
-          <p:nvPr/>
-        </p:nvPicPr>
-        <p:blipFill>
-          <a:blip r:embed="rId7" cstate="print"/>
-          <a:stretch>
-            <a:fillRect/>
-          </a:stretch>
-        </p:blipFill>
-        <p:spPr>
-          <a:xfrm rot="16200000">
-            <a:off x="6689815" y="3475837"/>
-            <a:ext cx="778640" cy="587374"/>
-          </a:xfrm>
-          <a:prstGeom prst="rect">
-            <a:avLst/>
-          </a:prstGeom>
-        </p:spPr>
-      </p:pic>
-      <p:sp>
-        <p:nvSpPr>
-          <p:cNvPr id="18" name="ZoneTexte 17"/>
-          <p:cNvSpPr txBox="1"/>
-          <p:nvPr/>
-        </p:nvSpPr>
-        <p:spPr>
-          <a:xfrm>
-            <a:off x="6693393" y="2863297"/>
-            <a:ext cx="1043876" cy="369332"/>
-          </a:xfrm>
-          <a:prstGeom prst="rect">
-            <a:avLst/>
-          </a:prstGeom>
-          <a:noFill/>
-        </p:spPr>
-        <p:txBody>
-          <a:bodyPr wrap="none" rtlCol="0">
-            <a:spAutoFit/>
-          </a:bodyPr>
-          <a:lstStyle/>
-          <a:p>
-            <a:r>
-              <a:rPr lang="fr-FR" dirty="0" err="1" smtClean="0"/>
-              <a:t>Kira</a:t>
-            </a:r>
-            <a:r>
-              <a:rPr lang="fr-FR" dirty="0" smtClean="0"/>
-              <a:t> 128</a:t>
-            </a:r>
-            <a:endParaRPr lang="fr-FR" dirty="0"/>
+            <a:pPr>
+              <a:buFont typeface="Wingdings" panose="05000000000000000000" pitchFamily="2" charset="2"/>
+              <a:buChar char="§"/>
+            </a:pPr>
+            <a:endParaRPr lang="en-US" dirty="0" smtClean="0"/>
+          </a:p>
+          <a:p>
+            <a:r>
+              <a:rPr lang="en-US" dirty="0" smtClean="0"/>
+              <a:t>Improvements on the interface :</a:t>
+            </a:r>
+          </a:p>
+          <a:p>
+            <a:pPr marL="0" indent="0">
+              <a:buNone/>
+            </a:pPr>
+            <a:endParaRPr lang="en-US" dirty="0" smtClean="0"/>
+          </a:p>
+          <a:p>
+            <a:pPr marL="0" indent="0">
+              <a:buNone/>
+            </a:pPr>
+            <a:r>
+              <a:rPr lang="en-US" dirty="0" smtClean="0"/>
+              <a:t>	Render it usable </a:t>
+            </a:r>
+            <a:r>
+              <a:rPr lang="en-US" b="1" dirty="0" smtClean="0"/>
+              <a:t>by everyone </a:t>
+            </a:r>
+            <a:r>
+              <a:rPr lang="en-US" dirty="0" smtClean="0"/>
+              <a:t>(all types of disabilities)</a:t>
+            </a:r>
+          </a:p>
+          <a:p>
+            <a:pPr marL="0" indent="0">
+              <a:buNone/>
+            </a:pPr>
+            <a:endParaRPr lang="en-US" dirty="0"/>
+          </a:p>
+          <a:p>
+            <a:pPr>
+              <a:buFont typeface="Wingdings" panose="05000000000000000000" pitchFamily="2" charset="2"/>
+              <a:buChar char="§"/>
+            </a:pPr>
+            <a:endParaRPr lang="en-US" dirty="0"/>
+          </a:p>
+          <a:p>
+            <a:pPr marL="0" indent="0">
+              <a:buNone/>
+            </a:pPr>
+            <a:r>
+              <a:rPr lang="en-US" dirty="0" smtClean="0"/>
+              <a:t>	</a:t>
+            </a:r>
+            <a:r>
+              <a:rPr lang="en-US" b="1" dirty="0" smtClean="0"/>
+              <a:t>Aesthetics</a:t>
+            </a:r>
+            <a:r>
+              <a:rPr lang="en-US" dirty="0" smtClean="0"/>
+              <a:t> enhancement</a:t>
+            </a:r>
+          </a:p>
+          <a:p>
+            <a:endParaRPr lang="en-US" dirty="0"/>
+          </a:p>
+          <a:p>
+            <a:r>
+              <a:rPr lang="en-US" dirty="0" smtClean="0"/>
+              <a:t>Make it </a:t>
+            </a:r>
+            <a:r>
+              <a:rPr lang="en-US" dirty="0" smtClean="0"/>
+              <a:t>portable</a:t>
+            </a:r>
+            <a:r>
+              <a:rPr lang="en-US" dirty="0" smtClean="0"/>
+              <a:t> </a:t>
+            </a:r>
+            <a:r>
+              <a:rPr lang="en-US" dirty="0" smtClean="0"/>
+              <a:t>: translate all the algorithm in C++</a:t>
+            </a:r>
+            <a:endParaRPr lang="en-US" dirty="0"/>
           </a:p>
         </p:txBody>
       </p:sp>
       <p:sp>
         <p:nvSpPr>
-          <p:cNvPr id="19" name="ZoneTexte 18"/>
-          <p:cNvSpPr txBox="1"/>
+          <p:cNvPr id="4" name="Titre 1"/>
+          <p:cNvSpPr txBox="1">
+            <a:spLocks/>
+          </p:cNvSpPr>
           <p:nvPr/>
         </p:nvSpPr>
         <p:spPr>
           <a:xfrm>
-            <a:off x="4074624" y="3139670"/>
-            <a:ext cx="763351" cy="323165"/>
+            <a:off x="633806" y="270681"/>
+            <a:ext cx="7876388" cy="1143000"/>
           </a:xfrm>
           <a:prstGeom prst="rect">
             <a:avLst/>
           </a:prstGeom>
-          <a:noFill/>
         </p:spPr>
         <p:txBody>
-          <a:bodyPr wrap="none" rtlCol="0">
-            <a:spAutoFit/>
+          <a:bodyPr anchor="t">
+            <a:normAutofit/>
           </a:bodyPr>
-          <a:lstStyle/>
-          <a:p>
-            <a:r>
-              <a:rPr lang="fr-FR" sz="1500" dirty="0" smtClean="0"/>
-              <a:t>Router</a:t>
-            </a:r>
+          <a:lstStyle>
+            <a:lvl1pPr algn="l" defTabSz="457200" rtl="0" eaLnBrk="1" latinLnBrk="0" hangingPunct="1">
+              <a:lnSpc>
+                <a:spcPct val="90000"/>
+              </a:lnSpc>
+              <a:spcBef>
+                <a:spcPct val="0"/>
+              </a:spcBef>
+              <a:buNone/>
+              <a:defRPr sz="2700" b="1" i="0" kern="1200" cap="all" baseline="0">
+                <a:solidFill>
+                  <a:schemeClr val="bg2"/>
+                </a:solidFill>
+                <a:latin typeface="+mj-lt"/>
+                <a:ea typeface="+mj-ea"/>
+                <a:cs typeface="HelveticaNeueLT Com 57 Cn" panose="020B0506030502030204" pitchFamily="34" charset="0"/>
+              </a:defRPr>
+            </a:lvl1pPr>
+          </a:lstStyle>
+          <a:p>
+            <a:pPr algn="ctr"/>
+            <a:r>
+              <a:rPr lang="fr-FR" smtClean="0"/>
+              <a:t>V. </a:t>
+            </a:r>
+            <a:r>
+              <a:rPr lang="en-US" smtClean="0"/>
+              <a:t>What’s</a:t>
+            </a:r>
+            <a:r>
+              <a:rPr lang="fr-FR" smtClean="0"/>
+              <a:t> next</a:t>
+            </a:r>
+            <a:endParaRPr lang="fr-FR" dirty="0"/>
           </a:p>
         </p:txBody>
       </p:sp>
       <p:sp>
         <p:nvSpPr>
-          <p:cNvPr id="20" name="ZoneTexte 19"/>
-          <p:cNvSpPr txBox="1"/>
-          <p:nvPr/>
-        </p:nvSpPr>
-        <p:spPr>
-          <a:xfrm>
-            <a:off x="2800724" y="3072801"/>
-            <a:ext cx="505267" cy="323165"/>
-          </a:xfrm>
-          <a:prstGeom prst="rect">
-            <a:avLst/>
-          </a:prstGeom>
-          <a:noFill/>
-        </p:spPr>
-        <p:txBody>
-          <a:bodyPr wrap="none" rtlCol="0">
-            <a:spAutoFit/>
-          </a:bodyPr>
-          <a:lstStyle/>
-          <a:p>
-            <a:r>
-              <a:rPr lang="fr-FR" sz="1500" dirty="0" smtClean="0"/>
-              <a:t>Wifi</a:t>
-            </a:r>
-            <a:endParaRPr lang="fr-FR" sz="1500" dirty="0"/>
-          </a:p>
-        </p:txBody>
-      </p:sp>
-      <p:cxnSp>
-        <p:nvCxnSpPr>
-          <p:cNvPr id="24" name="Connecteur droit 23"/>
-          <p:cNvCxnSpPr>
-            <a:stCxn id="10" idx="3"/>
-          </p:cNvCxnSpPr>
-          <p:nvPr/>
-        </p:nvCxnSpPr>
-        <p:spPr>
-          <a:xfrm>
-            <a:off x="5177349" y="2328633"/>
-            <a:ext cx="1211741" cy="0"/>
-          </a:xfrm>
-          <a:prstGeom prst="line">
-            <a:avLst/>
-          </a:prstGeom>
-        </p:spPr>
-        <p:style>
-          <a:lnRef idx="3">
-            <a:schemeClr val="dk1"/>
-          </a:lnRef>
-          <a:fillRef idx="0">
-            <a:schemeClr val="dk1"/>
-          </a:fillRef>
-          <a:effectRef idx="2">
-            <a:schemeClr val="dk1"/>
-          </a:effectRef>
-          <a:fontRef idx="minor">
-            <a:schemeClr val="tx1"/>
-          </a:fontRef>
-        </p:style>
-      </p:cxnSp>
-      <p:sp>
-        <p:nvSpPr>
-          <p:cNvPr id="31" name="ZoneTexte 30"/>
-          <p:cNvSpPr txBox="1"/>
-          <p:nvPr/>
-        </p:nvSpPr>
-        <p:spPr>
-          <a:xfrm>
-            <a:off x="7526215" y="3503687"/>
-            <a:ext cx="377026" cy="323165"/>
-          </a:xfrm>
-          <a:prstGeom prst="rect">
-            <a:avLst/>
-          </a:prstGeom>
-          <a:noFill/>
-        </p:spPr>
-        <p:txBody>
-          <a:bodyPr wrap="none" rtlCol="0">
-            <a:spAutoFit/>
-          </a:bodyPr>
-          <a:lstStyle/>
-          <a:p>
-            <a:r>
-              <a:rPr lang="fr-FR" sz="1500" dirty="0" smtClean="0"/>
-              <a:t>IR</a:t>
-            </a:r>
-            <a:endParaRPr lang="fr-FR" sz="1500" dirty="0"/>
-          </a:p>
-        </p:txBody>
-      </p:sp>
-      <p:sp>
-        <p:nvSpPr>
-          <p:cNvPr id="32" name="ZoneTexte 31"/>
-          <p:cNvSpPr txBox="1"/>
-          <p:nvPr/>
-        </p:nvSpPr>
-        <p:spPr>
-          <a:xfrm>
-            <a:off x="6901413" y="5994219"/>
-            <a:ext cx="429926" cy="323165"/>
-          </a:xfrm>
-          <a:prstGeom prst="rect">
-            <a:avLst/>
-          </a:prstGeom>
-          <a:noFill/>
-        </p:spPr>
-        <p:txBody>
-          <a:bodyPr wrap="none" rtlCol="0">
-            <a:spAutoFit/>
-          </a:bodyPr>
-          <a:lstStyle/>
-          <a:p>
-            <a:r>
-              <a:rPr lang="fr-FR" sz="1500" dirty="0" smtClean="0"/>
-              <a:t>TV</a:t>
-            </a:r>
-            <a:endParaRPr lang="fr-FR" sz="1500" dirty="0"/>
-          </a:p>
-        </p:txBody>
-      </p:sp>
-      <p:sp>
-        <p:nvSpPr>
-          <p:cNvPr id="22" name="ZoneTexte 21"/>
+          <p:cNvPr id="5" name="ZoneTexte 4"/>
           <p:cNvSpPr txBox="1"/>
           <p:nvPr/>
         </p:nvSpPr>
@@ -10385,7 +10196,7 @@
           <a:p>
             <a:r>
               <a:rPr lang="fr-FR" dirty="0" smtClean="0"/>
-              <a:t>15</a:t>
+              <a:t>16</a:t>
             </a:r>
             <a:endParaRPr lang="fr-FR" dirty="0"/>
           </a:p>
@@ -10394,16 +10205,25 @@
     </p:spTree>
     <p:extLst>
       <p:ext uri="{BB962C8B-B14F-4D97-AF65-F5344CB8AC3E}">
-        <p14:creationId xmlns:p14="http://schemas.microsoft.com/office/powerpoint/2010/main" val="3784822421"/>
+        <p14:creationId xmlns:p14="http://schemas.microsoft.com/office/powerpoint/2010/main" val="3554826814"/>
       </p:ext>
     </p:extLst>
   </p:cSld>
   <p:clrMapOvr>
     <a:masterClrMapping/>
   </p:clrMapOvr>
-  <p:transition spd="med">
-    <p:fade/>
-  </p:transition>
+  <mc:AlternateContent xmlns:mc="http://schemas.openxmlformats.org/markup-compatibility/2006" xmlns:p14="http://schemas.microsoft.com/office/powerpoint/2010/main">
+    <mc:Choice Requires="p14">
+      <p:transition spd="med" p14:dur="700">
+        <p:fade/>
+      </p:transition>
+    </mc:Choice>
+    <mc:Fallback xmlns="">
+      <p:transition spd="med">
+        <p:fade/>
+      </p:transition>
+    </mc:Fallback>
+  </mc:AlternateContent>
   <p:timing>
     <p:tnLst>
       <p:par>
@@ -10447,12 +10267,8 @@
           <a:lstStyle/>
           <a:p>
             <a:r>
-              <a:rPr lang="fr-FR" dirty="0" smtClean="0"/>
-              <a:t>Communication </a:t>
-            </a:r>
-            <a:r>
               <a:rPr lang="fr-FR" dirty="0" err="1" smtClean="0"/>
-              <a:t>with</a:t>
+              <a:t>What</a:t>
             </a:r>
             <a:r>
               <a:rPr lang="fr-FR" dirty="0" smtClean="0"/>
@@ -10460,21 +10276,32 @@
             </a:r>
             <a:r>
               <a:rPr lang="fr-FR" dirty="0" err="1" smtClean="0"/>
-              <a:t>Fibaro</a:t>
+              <a:t>we</a:t>
             </a:r>
             <a:r>
               <a:rPr lang="fr-FR" dirty="0" smtClean="0"/>
-              <a:t> and the </a:t>
+              <a:t> </a:t>
             </a:r>
             <a:r>
               <a:rPr lang="fr-FR" dirty="0" err="1" smtClean="0"/>
-              <a:t>wheelchair</a:t>
-            </a:r>
-            <a:r>
-              <a:rPr lang="fr-FR" dirty="0" smtClean="0"/>
-              <a:t> </a:t>
-            </a:r>
-            <a:endParaRPr lang="fr-FR" dirty="0"/>
+              <a:t>learn</a:t>
+            </a:r>
+            <a:endParaRPr lang="fr-FR" dirty="0" smtClean="0"/>
+          </a:p>
+          <a:p>
+            <a:pPr marL="0" indent="0">
+              <a:buNone/>
+            </a:pPr>
+            <a:r>
+              <a:rPr lang="fr-FR" dirty="0"/>
+              <a:t>	</a:t>
+            </a:r>
+          </a:p>
+          <a:p>
+            <a:pPr marL="0" indent="0">
+              <a:buNone/>
+            </a:pPr>
+            <a:endParaRPr lang="fr-FR" dirty="0" smtClean="0"/>
           </a:p>
         </p:txBody>
       </p:sp>
@@ -10522,15 +10349,7 @@
             <a:pPr algn="ctr"/>
             <a:r>
               <a:rPr lang="fr-FR" smtClean="0"/>
-              <a:t>V. </a:t>
-            </a:r>
-            <a:r>
-              <a:rPr lang="en-US" smtClean="0"/>
-              <a:t>What’s</a:t>
-            </a:r>
-            <a:r>
-              <a:rPr lang="fr-FR" smtClean="0"/>
-              <a:t> next</a:t>
+              <a:t>VI. conclusion</a:t>
             </a:r>
             <a:endParaRPr lang="fr-FR" dirty="0"/>
           </a:p>
@@ -10538,7 +10357,7 @@
       </p:sp>
       <p:sp>
         <p:nvSpPr>
-          <p:cNvPr id="5" name="ZoneTexte 4"/>
+          <p:cNvPr id="7" name="ZoneTexte 6"/>
           <p:cNvSpPr txBox="1"/>
           <p:nvPr/>
         </p:nvSpPr>
@@ -10560,7 +10379,7 @@
           <a:p>
             <a:r>
               <a:rPr lang="fr-FR" dirty="0" smtClean="0"/>
-              <a:t>15</a:t>
+              <a:t>17</a:t>
             </a:r>
             <a:endParaRPr lang="fr-FR" dirty="0"/>
           </a:p>
@@ -10568,14 +10387,14 @@
       </p:sp>
       <p:pic>
         <p:nvPicPr>
-          <p:cNvPr id="4" name="Image 3"/>
+          <p:cNvPr id="2" name="Image 1"/>
           <p:cNvPicPr>
             <a:picLocks noChangeAspect="1"/>
           </p:cNvPicPr>
           <p:nvPr/>
         </p:nvPicPr>
         <p:blipFill>
-          <a:blip r:embed="rId2" cstate="screen">
+          <a:blip r:embed="rId2">
             <a:extLst>
               <a:ext uri="{28A0092B-C50C-407E-A947-70E740481C1C}">
                 <a14:useLocalDpi xmlns:a14="http://schemas.microsoft.com/office/drawing/2010/main" val="0"/>
@@ -10588,18 +10407,194 @@
         </p:blipFill>
         <p:spPr>
           <a:xfrm>
-            <a:off x="633806" y="1823270"/>
-            <a:ext cx="7800578" cy="4387825"/>
+            <a:off x="972350" y="1999473"/>
+            <a:ext cx="1779008" cy="1779008"/>
           </a:xfrm>
           <a:prstGeom prst="rect">
             <a:avLst/>
           </a:prstGeom>
         </p:spPr>
       </p:pic>
+      <p:pic>
+        <p:nvPicPr>
+          <p:cNvPr id="4" name="Image 3"/>
+          <p:cNvPicPr>
+            <a:picLocks noChangeAspect="1"/>
+          </p:cNvPicPr>
+          <p:nvPr/>
+        </p:nvPicPr>
+        <p:blipFill>
+          <a:blip r:embed="rId3" cstate="screen">
+            <a:extLst>
+              <a:ext uri="{28A0092B-C50C-407E-A947-70E740481C1C}">
+                <a14:useLocalDpi xmlns:a14="http://schemas.microsoft.com/office/drawing/2010/main" val="0"/>
+              </a:ext>
+            </a:extLst>
+          </a:blip>
+          <a:stretch>
+            <a:fillRect/>
+          </a:stretch>
+        </p:blipFill>
+        <p:spPr>
+          <a:xfrm>
+            <a:off x="3141816" y="1863757"/>
+            <a:ext cx="2187061" cy="2099579"/>
+          </a:xfrm>
+          <a:prstGeom prst="rect">
+            <a:avLst/>
+          </a:prstGeom>
+        </p:spPr>
+      </p:pic>
+      <p:pic>
+        <p:nvPicPr>
+          <p:cNvPr id="5" name="Image 4"/>
+          <p:cNvPicPr>
+            <a:picLocks noChangeAspect="1"/>
+          </p:cNvPicPr>
+          <p:nvPr/>
+        </p:nvPicPr>
+        <p:blipFill>
+          <a:blip r:embed="rId4">
+            <a:extLst>
+              <a:ext uri="{28A0092B-C50C-407E-A947-70E740481C1C}">
+                <a14:useLocalDpi xmlns:a14="http://schemas.microsoft.com/office/drawing/2010/main" val="0"/>
+              </a:ext>
+            </a:extLst>
+          </a:blip>
+          <a:stretch>
+            <a:fillRect/>
+          </a:stretch>
+        </p:blipFill>
+        <p:spPr>
+          <a:xfrm>
+            <a:off x="5816107" y="1926051"/>
+            <a:ext cx="1925851" cy="1925851"/>
+          </a:xfrm>
+          <a:prstGeom prst="rect">
+            <a:avLst/>
+          </a:prstGeom>
+        </p:spPr>
+      </p:pic>
+      <p:pic>
+        <p:nvPicPr>
+          <p:cNvPr id="8" name="Image 7"/>
+          <p:cNvPicPr>
+            <a:picLocks noChangeAspect="1"/>
+          </p:cNvPicPr>
+          <p:nvPr/>
+        </p:nvPicPr>
+        <p:blipFill>
+          <a:blip r:embed="rId5" cstate="screen">
+            <a:extLst>
+              <a:ext uri="{28A0092B-C50C-407E-A947-70E740481C1C}">
+                <a14:useLocalDpi xmlns:a14="http://schemas.microsoft.com/office/drawing/2010/main" val="0"/>
+              </a:ext>
+            </a:extLst>
+          </a:blip>
+          <a:stretch>
+            <a:fillRect/>
+          </a:stretch>
+        </p:blipFill>
+        <p:spPr>
+          <a:xfrm>
+            <a:off x="633806" y="4086177"/>
+            <a:ext cx="3201692" cy="1810957"/>
+          </a:xfrm>
+          <a:prstGeom prst="rect">
+            <a:avLst/>
+          </a:prstGeom>
+        </p:spPr>
+      </p:pic>
+      <p:sp>
+        <p:nvSpPr>
+          <p:cNvPr id="9" name="Rectangle 8"/>
+          <p:cNvSpPr/>
+          <p:nvPr/>
+        </p:nvSpPr>
+        <p:spPr>
+          <a:xfrm>
+            <a:off x="3727759" y="4604313"/>
+            <a:ext cx="5263841" cy="769441"/>
+          </a:xfrm>
+          <a:prstGeom prst="rect">
+            <a:avLst/>
+          </a:prstGeom>
+          <a:noFill/>
+        </p:spPr>
+        <p:txBody>
+          <a:bodyPr wrap="square" lIns="91440" tIns="45720" rIns="91440" bIns="45720">
+            <a:spAutoFit/>
+          </a:bodyPr>
+          <a:lstStyle/>
+          <a:p>
+            <a:pPr algn="ctr"/>
+            <a:r>
+              <a:rPr lang="fr-FR" sz="4400" b="1" cap="none" spc="0" dirty="0" smtClean="0">
+                <a:ln w="9525">
+                  <a:solidFill>
+                    <a:schemeClr val="bg1"/>
+                  </a:solidFill>
+                  <a:prstDash val="solid"/>
+                </a:ln>
+                <a:solidFill>
+                  <a:schemeClr val="tx1"/>
+                </a:solidFill>
+                <a:effectLst>
+                  <a:outerShdw blurRad="12700" dist="38100" dir="2700000" algn="tl" rotWithShape="0">
+                    <a:schemeClr val="bg1">
+                      <a:lumMod val="50000"/>
+                    </a:schemeClr>
+                  </a:outerShdw>
+                </a:effectLst>
+              </a:rPr>
+              <a:t>HTTP </a:t>
+            </a:r>
+            <a:r>
+              <a:rPr lang="fr-FR" sz="4400" b="1" cap="none" spc="0" dirty="0" err="1" smtClean="0">
+                <a:ln w="9525">
+                  <a:solidFill>
+                    <a:schemeClr val="bg1"/>
+                  </a:solidFill>
+                  <a:prstDash val="solid"/>
+                </a:ln>
+                <a:solidFill>
+                  <a:schemeClr val="tx1"/>
+                </a:solidFill>
+                <a:effectLst>
+                  <a:outerShdw blurRad="12700" dist="38100" dir="2700000" algn="tl" rotWithShape="0">
+                    <a:schemeClr val="bg1">
+                      <a:lumMod val="50000"/>
+                    </a:schemeClr>
+                  </a:outerShdw>
+                </a:effectLst>
+              </a:rPr>
+              <a:t>requests</a:t>
+            </a:r>
+            <a:endParaRPr lang="fr-FR" sz="4400" b="1" cap="none" spc="0" dirty="0">
+              <a:ln w="9525">
+                <a:solidFill>
+                  <a:schemeClr val="bg1"/>
+                </a:solidFill>
+                <a:prstDash val="solid"/>
+              </a:ln>
+              <a:solidFill>
+                <a:schemeClr val="tx1"/>
+              </a:solidFill>
+              <a:effectLst>
+                <a:outerShdw blurRad="12700" dist="38100" dir="2700000" algn="tl" rotWithShape="0">
+                  <a:schemeClr val="bg1">
+                    <a:lumMod val="50000"/>
+                  </a:schemeClr>
+                </a:outerShdw>
+              </a:effectLst>
+            </a:endParaRPr>
+          </a:p>
+        </p:txBody>
+      </p:sp>
     </p:spTree>
     <p:extLst>
       <p:ext uri="{BB962C8B-B14F-4D97-AF65-F5344CB8AC3E}">
-        <p14:creationId xmlns:p14="http://schemas.microsoft.com/office/powerpoint/2010/main" val="496861004"/>
+        <p14:creationId xmlns:p14="http://schemas.microsoft.com/office/powerpoint/2010/main" val="2169738315"/>
       </p:ext>
     </p:extLst>
   </p:cSld>
@@ -10647,157 +10642,62 @@
       </p:grpSpPr>
       <p:sp>
         <p:nvSpPr>
-          <p:cNvPr id="3" name="Espace réservé du texte 2"/>
-          <p:cNvSpPr>
-            <a:spLocks noGrp="1"/>
-          </p:cNvSpPr>
-          <p:nvPr>
-            <p:ph type="body" sz="quarter" idx="10"/>
-          </p:nvPr>
+          <p:cNvPr id="4" name="Rectangle 3"/>
+          <p:cNvSpPr/>
+          <p:nvPr/>
         </p:nvSpPr>
-        <p:spPr/>
+        <p:spPr>
+          <a:xfrm>
+            <a:off x="2443856" y="2967335"/>
+            <a:ext cx="4256293" cy="923330"/>
+          </a:xfrm>
+          <a:prstGeom prst="rect">
+            <a:avLst/>
+          </a:prstGeom>
+          <a:noFill/>
+        </p:spPr>
         <p:txBody>
-          <a:bodyPr/>
+          <a:bodyPr wrap="none" lIns="91440" tIns="45720" rIns="91440" bIns="45720">
+            <a:spAutoFit/>
+          </a:bodyPr>
           <a:lstStyle/>
           <a:p>
-            <a:pPr>
-              <a:buFont typeface="Wingdings" panose="05000000000000000000" pitchFamily="2" charset="2"/>
-              <a:buChar char="§"/>
-            </a:pPr>
-            <a:endParaRPr lang="en-US" dirty="0" smtClean="0"/>
-          </a:p>
-          <a:p>
-            <a:r>
-              <a:rPr lang="en-US" dirty="0" smtClean="0"/>
-              <a:t>Improvements on the interface :</a:t>
-            </a:r>
-          </a:p>
-          <a:p>
-            <a:pPr marL="0" indent="0">
-              <a:buNone/>
-            </a:pPr>
-            <a:endParaRPr lang="en-US" dirty="0" smtClean="0"/>
-          </a:p>
-          <a:p>
-            <a:pPr marL="0" indent="0">
-              <a:buNone/>
-            </a:pPr>
-            <a:r>
-              <a:rPr lang="en-US" dirty="0" smtClean="0"/>
-              <a:t>	Render it usable </a:t>
-            </a:r>
-            <a:r>
-              <a:rPr lang="en-US" b="1" dirty="0" smtClean="0"/>
-              <a:t>by everyone </a:t>
-            </a:r>
-            <a:r>
-              <a:rPr lang="en-US" dirty="0" smtClean="0"/>
-              <a:t>(all types of disabilities)</a:t>
-            </a:r>
-          </a:p>
-          <a:p>
-            <a:pPr marL="0" indent="0">
-              <a:buNone/>
-            </a:pPr>
-            <a:endParaRPr lang="en-US" dirty="0"/>
-          </a:p>
-          <a:p>
-            <a:pPr>
-              <a:buFont typeface="Wingdings" panose="05000000000000000000" pitchFamily="2" charset="2"/>
-              <a:buChar char="§"/>
-            </a:pPr>
-            <a:endParaRPr lang="en-US" dirty="0"/>
-          </a:p>
-          <a:p>
-            <a:pPr marL="0" indent="0">
-              <a:buNone/>
-            </a:pPr>
-            <a:r>
-              <a:rPr lang="en-US" dirty="0" smtClean="0"/>
-              <a:t>	</a:t>
-            </a:r>
-            <a:r>
-              <a:rPr lang="en-US" b="1" dirty="0" smtClean="0"/>
-              <a:t>Aesthetics</a:t>
-            </a:r>
-            <a:r>
-              <a:rPr lang="en-US" dirty="0" smtClean="0"/>
-              <a:t> enhancement</a:t>
-            </a:r>
-          </a:p>
-          <a:p>
-            <a:endParaRPr lang="en-US" dirty="0"/>
-          </a:p>
-          <a:p>
-            <a:r>
-              <a:rPr lang="en-US" dirty="0" smtClean="0"/>
-              <a:t>Make it transferable : translate all the algorithm in C++</a:t>
-            </a:r>
-            <a:endParaRPr lang="en-US" dirty="0"/>
+            <a:pPr algn="ctr"/>
+            <a:r>
+              <a:rPr lang="fr-FR" sz="5400" b="1" cap="none" spc="50" dirty="0" smtClean="0">
+                <a:ln w="0"/>
+                <a:solidFill>
+                  <a:schemeClr val="bg2"/>
+                </a:solidFill>
+                <a:effectLst>
+                  <a:innerShdw blurRad="63500" dist="50800" dir="13500000">
+                    <a:srgbClr val="000000">
+                      <a:alpha val="50000"/>
+                    </a:srgbClr>
+                  </a:innerShdw>
+                </a:effectLst>
+              </a:rPr>
+              <a:t>Questions ?</a:t>
+            </a:r>
+            <a:endParaRPr lang="fr-FR" sz="5400" b="1" cap="none" spc="50" dirty="0">
+              <a:ln w="0"/>
+              <a:solidFill>
+                <a:schemeClr val="bg2"/>
+              </a:solidFill>
+              <a:effectLst>
+                <a:innerShdw blurRad="63500" dist="50800" dir="13500000">
+                  <a:srgbClr val="000000">
+                    <a:alpha val="50000"/>
+                  </a:srgbClr>
+                </a:innerShdw>
+              </a:effectLst>
+            </a:endParaRPr>
           </a:p>
         </p:txBody>
       </p:sp>
       <p:sp>
         <p:nvSpPr>
-          <p:cNvPr id="4" name="Titre 1"/>
-          <p:cNvSpPr txBox="1">
-            <a:spLocks/>
-          </p:cNvSpPr>
-          <p:nvPr/>
-        </p:nvSpPr>
-        <p:spPr>
-          <a:xfrm>
-            <a:off x="633806" y="270681"/>
-            <a:ext cx="7876388" cy="1143000"/>
-          </a:xfrm>
-          <a:prstGeom prst="rect">
-            <a:avLst/>
-          </a:prstGeom>
-        </p:spPr>
-        <p:txBody>
-          <a:bodyPr anchor="t">
-            <a:normAutofit/>
-          </a:bodyPr>
-          <a:lstStyle>
-            <a:lvl1pPr algn="l" defTabSz="457200" rtl="0" eaLnBrk="1" latinLnBrk="0" hangingPunct="1">
-              <a:lnSpc>
-                <a:spcPct val="90000"/>
-              </a:lnSpc>
-              <a:spcBef>
-                <a:spcPct val="0"/>
-              </a:spcBef>
-              <a:buNone/>
-              <a:defRPr sz="2700" b="1" i="0" kern="1200" cap="all" baseline="0">
-                <a:solidFill>
-                  <a:schemeClr val="bg2"/>
-                </a:solidFill>
-                <a:latin typeface="+mj-lt"/>
-                <a:ea typeface="+mj-ea"/>
-                <a:cs typeface="HelveticaNeueLT Com 57 Cn" panose="020B0506030502030204" pitchFamily="34" charset="0"/>
-              </a:defRPr>
-            </a:lvl1pPr>
-          </a:lstStyle>
-          <a:p>
-            <a:pPr algn="ctr"/>
-            <a:r>
-              <a:rPr lang="fr-FR" smtClean="0"/>
-              <a:t>V. </a:t>
-            </a:r>
-            <a:r>
-              <a:rPr lang="en-US" smtClean="0"/>
-              <a:t>What’s</a:t>
-            </a:r>
-            <a:r>
-              <a:rPr lang="fr-FR" smtClean="0"/>
-              <a:t> next</a:t>
-            </a:r>
-            <a:endParaRPr lang="fr-FR" dirty="0"/>
-          </a:p>
-        </p:txBody>
-      </p:sp>
-      <p:sp>
-        <p:nvSpPr>
-          <p:cNvPr id="5" name="ZoneTexte 4"/>
+          <p:cNvPr id="3" name="ZoneTexte 2"/>
           <p:cNvSpPr txBox="1"/>
           <p:nvPr/>
         </p:nvSpPr>
@@ -10819,7 +10719,7 @@
           <a:p>
             <a:r>
               <a:rPr lang="fr-FR" dirty="0" smtClean="0"/>
-              <a:t>16</a:t>
+              <a:t>18</a:t>
             </a:r>
             <a:endParaRPr lang="fr-FR" dirty="0"/>
           </a:p>
@@ -10828,7 +10728,7 @@
     </p:spTree>
     <p:extLst>
       <p:ext uri="{BB962C8B-B14F-4D97-AF65-F5344CB8AC3E}">
-        <p14:creationId xmlns:p14="http://schemas.microsoft.com/office/powerpoint/2010/main" val="3554826814"/>
+        <p14:creationId xmlns:p14="http://schemas.microsoft.com/office/powerpoint/2010/main" val="1828088138"/>
       </p:ext>
     </p:extLst>
   </p:cSld>
@@ -11048,529 +10948,6 @@
     <p:extLst>
       <p:ext uri="{BB962C8B-B14F-4D97-AF65-F5344CB8AC3E}">
         <p14:creationId xmlns:p14="http://schemas.microsoft.com/office/powerpoint/2010/main" val="3396826098"/>
-      </p:ext>
-    </p:extLst>
-  </p:cSld>
-  <p:clrMapOvr>
-    <a:masterClrMapping/>
-  </p:clrMapOvr>
-  <mc:AlternateContent xmlns:mc="http://schemas.openxmlformats.org/markup-compatibility/2006" xmlns:p14="http://schemas.microsoft.com/office/powerpoint/2010/main">
-    <mc:Choice Requires="p14">
-      <p:transition spd="med" p14:dur="700">
-        <p:fade/>
-      </p:transition>
-    </mc:Choice>
-    <mc:Fallback xmlns="">
-      <p:transition spd="med">
-        <p:fade/>
-      </p:transition>
-    </mc:Fallback>
-  </mc:AlternateContent>
-  <p:timing>
-    <p:tnLst>
-      <p:par>
-        <p:cTn id="1" dur="indefinite" restart="never" nodeType="tmRoot"/>
-      </p:par>
-    </p:tnLst>
-  </p:timing>
-</p:sld>
-</file>
-
-<file path=ppt/slides/slide20.xml><?xml version="1.0" encoding="utf-8"?>
-<p:sld xmlns:a="http://schemas.openxmlformats.org/drawingml/2006/main" xmlns:r="http://schemas.openxmlformats.org/officeDocument/2006/relationships" xmlns:p="http://schemas.openxmlformats.org/presentationml/2006/main">
-  <p:cSld>
-    <p:spTree>
-      <p:nvGrpSpPr>
-        <p:cNvPr id="1" name=""/>
-        <p:cNvGrpSpPr/>
-        <p:nvPr/>
-      </p:nvGrpSpPr>
-      <p:grpSpPr>
-        <a:xfrm>
-          <a:off x="0" y="0"/>
-          <a:ext cx="0" cy="0"/>
-          <a:chOff x="0" y="0"/>
-          <a:chExt cx="0" cy="0"/>
-        </a:xfrm>
-      </p:grpSpPr>
-      <p:sp>
-        <p:nvSpPr>
-          <p:cNvPr id="3" name="Espace réservé du texte 2"/>
-          <p:cNvSpPr>
-            <a:spLocks noGrp="1"/>
-          </p:cNvSpPr>
-          <p:nvPr>
-            <p:ph type="body" sz="quarter" idx="10"/>
-          </p:nvPr>
-        </p:nvSpPr>
-        <p:spPr/>
-        <p:txBody>
-          <a:bodyPr/>
-          <a:lstStyle/>
-          <a:p>
-            <a:r>
-              <a:rPr lang="fr-FR" dirty="0" err="1" smtClean="0"/>
-              <a:t>What</a:t>
-            </a:r>
-            <a:r>
-              <a:rPr lang="fr-FR" dirty="0" smtClean="0"/>
-              <a:t> </a:t>
-            </a:r>
-            <a:r>
-              <a:rPr lang="fr-FR" dirty="0" err="1" smtClean="0"/>
-              <a:t>we</a:t>
-            </a:r>
-            <a:r>
-              <a:rPr lang="fr-FR" dirty="0" smtClean="0"/>
-              <a:t> </a:t>
-            </a:r>
-            <a:r>
-              <a:rPr lang="fr-FR" dirty="0" err="1" smtClean="0"/>
-              <a:t>learn</a:t>
-            </a:r>
-            <a:endParaRPr lang="fr-FR" dirty="0" smtClean="0"/>
-          </a:p>
-          <a:p>
-            <a:pPr marL="0" indent="0">
-              <a:buNone/>
-            </a:pPr>
-            <a:r>
-              <a:rPr lang="fr-FR" dirty="0"/>
-              <a:t>	</a:t>
-            </a:r>
-          </a:p>
-          <a:p>
-            <a:pPr marL="0" indent="0">
-              <a:buNone/>
-            </a:pPr>
-            <a:endParaRPr lang="fr-FR" dirty="0" smtClean="0"/>
-          </a:p>
-        </p:txBody>
-      </p:sp>
-      <p:sp>
-        <p:nvSpPr>
-          <p:cNvPr id="6" name="Titre 1"/>
-          <p:cNvSpPr txBox="1">
-            <a:spLocks/>
-          </p:cNvSpPr>
-          <p:nvPr/>
-        </p:nvSpPr>
-        <p:spPr>
-          <a:xfrm>
-            <a:off x="633806" y="270681"/>
-            <a:ext cx="7876388" cy="1143000"/>
-          </a:xfrm>
-          <a:prstGeom prst="rect">
-            <a:avLst/>
-          </a:prstGeom>
-        </p:spPr>
-        <p:txBody>
-          <a:bodyPr anchor="t">
-            <a:normAutofit/>
-          </a:bodyPr>
-          <a:lstStyle>
-            <a:lvl1pPr algn="l" defTabSz="457200" rtl="0" eaLnBrk="1" latinLnBrk="0" hangingPunct="1">
-              <a:lnSpc>
-                <a:spcPct val="90000"/>
-              </a:lnSpc>
-              <a:spcBef>
-                <a:spcPct val="0"/>
-              </a:spcBef>
-              <a:buNone/>
-              <a:defRPr sz="2700" b="1" i="0" kern="1200" cap="all" baseline="0">
-                <a:solidFill>
-                  <a:schemeClr val="bg2"/>
-                </a:solidFill>
-                <a:latin typeface="+mj-lt"/>
-                <a:ea typeface="+mj-ea"/>
-                <a:cs typeface="HelveticaNeueLT Com 57 Cn" panose="020B0506030502030204" pitchFamily="34" charset="0"/>
-              </a:defRPr>
-            </a:lvl1pPr>
-          </a:lstStyle>
-          <a:p>
-            <a:pPr algn="ctr"/>
-            <a:r>
-              <a:rPr lang="fr-FR" smtClean="0"/>
-              <a:t>VI. conclusion</a:t>
-            </a:r>
-            <a:endParaRPr lang="fr-FR" dirty="0"/>
-          </a:p>
-        </p:txBody>
-      </p:sp>
-      <p:sp>
-        <p:nvSpPr>
-          <p:cNvPr id="7" name="ZoneTexte 6"/>
-          <p:cNvSpPr txBox="1"/>
-          <p:nvPr/>
-        </p:nvSpPr>
-        <p:spPr>
-          <a:xfrm>
-            <a:off x="8496300" y="6296025"/>
-            <a:ext cx="495300" cy="369332"/>
-          </a:xfrm>
-          <a:prstGeom prst="rect">
-            <a:avLst/>
-          </a:prstGeom>
-          <a:noFill/>
-        </p:spPr>
-        <p:txBody>
-          <a:bodyPr wrap="square" rtlCol="0">
-            <a:spAutoFit/>
-          </a:bodyPr>
-          <a:lstStyle/>
-          <a:p>
-            <a:r>
-              <a:rPr lang="fr-FR" dirty="0" smtClean="0"/>
-              <a:t>17</a:t>
-            </a:r>
-            <a:endParaRPr lang="fr-FR" dirty="0"/>
-          </a:p>
-        </p:txBody>
-      </p:sp>
-      <p:pic>
-        <p:nvPicPr>
-          <p:cNvPr id="2" name="Image 1"/>
-          <p:cNvPicPr>
-            <a:picLocks noChangeAspect="1"/>
-          </p:cNvPicPr>
-          <p:nvPr/>
-        </p:nvPicPr>
-        <p:blipFill>
-          <a:blip r:embed="rId2">
-            <a:extLst>
-              <a:ext uri="{28A0092B-C50C-407E-A947-70E740481C1C}">
-                <a14:useLocalDpi xmlns:a14="http://schemas.microsoft.com/office/drawing/2010/main" val="0"/>
-              </a:ext>
-            </a:extLst>
-          </a:blip>
-          <a:stretch>
-            <a:fillRect/>
-          </a:stretch>
-        </p:blipFill>
-        <p:spPr>
-          <a:xfrm>
-            <a:off x="972350" y="1999473"/>
-            <a:ext cx="1779008" cy="1779008"/>
-          </a:xfrm>
-          <a:prstGeom prst="rect">
-            <a:avLst/>
-          </a:prstGeom>
-        </p:spPr>
-      </p:pic>
-      <p:pic>
-        <p:nvPicPr>
-          <p:cNvPr id="4" name="Image 3"/>
-          <p:cNvPicPr>
-            <a:picLocks noChangeAspect="1"/>
-          </p:cNvPicPr>
-          <p:nvPr/>
-        </p:nvPicPr>
-        <p:blipFill>
-          <a:blip r:embed="rId3" cstate="screen">
-            <a:extLst>
-              <a:ext uri="{28A0092B-C50C-407E-A947-70E740481C1C}">
-                <a14:useLocalDpi xmlns:a14="http://schemas.microsoft.com/office/drawing/2010/main" val="0"/>
-              </a:ext>
-            </a:extLst>
-          </a:blip>
-          <a:stretch>
-            <a:fillRect/>
-          </a:stretch>
-        </p:blipFill>
-        <p:spPr>
-          <a:xfrm>
-            <a:off x="3141816" y="1863757"/>
-            <a:ext cx="2187061" cy="2099579"/>
-          </a:xfrm>
-          <a:prstGeom prst="rect">
-            <a:avLst/>
-          </a:prstGeom>
-        </p:spPr>
-      </p:pic>
-      <p:pic>
-        <p:nvPicPr>
-          <p:cNvPr id="5" name="Image 4"/>
-          <p:cNvPicPr>
-            <a:picLocks noChangeAspect="1"/>
-          </p:cNvPicPr>
-          <p:nvPr/>
-        </p:nvPicPr>
-        <p:blipFill>
-          <a:blip r:embed="rId4">
-            <a:extLst>
-              <a:ext uri="{28A0092B-C50C-407E-A947-70E740481C1C}">
-                <a14:useLocalDpi xmlns:a14="http://schemas.microsoft.com/office/drawing/2010/main" val="0"/>
-              </a:ext>
-            </a:extLst>
-          </a:blip>
-          <a:stretch>
-            <a:fillRect/>
-          </a:stretch>
-        </p:blipFill>
-        <p:spPr>
-          <a:xfrm>
-            <a:off x="5816107" y="1926051"/>
-            <a:ext cx="1925851" cy="1925851"/>
-          </a:xfrm>
-          <a:prstGeom prst="rect">
-            <a:avLst/>
-          </a:prstGeom>
-        </p:spPr>
-      </p:pic>
-      <p:pic>
-        <p:nvPicPr>
-          <p:cNvPr id="8" name="Image 7"/>
-          <p:cNvPicPr>
-            <a:picLocks noChangeAspect="1"/>
-          </p:cNvPicPr>
-          <p:nvPr/>
-        </p:nvPicPr>
-        <p:blipFill>
-          <a:blip r:embed="rId5" cstate="screen">
-            <a:extLst>
-              <a:ext uri="{28A0092B-C50C-407E-A947-70E740481C1C}">
-                <a14:useLocalDpi xmlns:a14="http://schemas.microsoft.com/office/drawing/2010/main" val="0"/>
-              </a:ext>
-            </a:extLst>
-          </a:blip>
-          <a:stretch>
-            <a:fillRect/>
-          </a:stretch>
-        </p:blipFill>
-        <p:spPr>
-          <a:xfrm>
-            <a:off x="633806" y="4086177"/>
-            <a:ext cx="3201692" cy="1810957"/>
-          </a:xfrm>
-          <a:prstGeom prst="rect">
-            <a:avLst/>
-          </a:prstGeom>
-        </p:spPr>
-      </p:pic>
-      <p:sp>
-        <p:nvSpPr>
-          <p:cNvPr id="9" name="Rectangle 8"/>
-          <p:cNvSpPr/>
-          <p:nvPr/>
-        </p:nvSpPr>
-        <p:spPr>
-          <a:xfrm>
-            <a:off x="3727759" y="4604313"/>
-            <a:ext cx="5263841" cy="769441"/>
-          </a:xfrm>
-          <a:prstGeom prst="rect">
-            <a:avLst/>
-          </a:prstGeom>
-          <a:noFill/>
-        </p:spPr>
-        <p:txBody>
-          <a:bodyPr wrap="square" lIns="91440" tIns="45720" rIns="91440" bIns="45720">
-            <a:spAutoFit/>
-          </a:bodyPr>
-          <a:lstStyle/>
-          <a:p>
-            <a:pPr algn="ctr"/>
-            <a:r>
-              <a:rPr lang="fr-FR" sz="4400" b="1" cap="none" spc="0" dirty="0" smtClean="0">
-                <a:ln w="9525">
-                  <a:solidFill>
-                    <a:schemeClr val="bg1"/>
-                  </a:solidFill>
-                  <a:prstDash val="solid"/>
-                </a:ln>
-                <a:solidFill>
-                  <a:schemeClr val="tx1"/>
-                </a:solidFill>
-                <a:effectLst>
-                  <a:outerShdw blurRad="12700" dist="38100" dir="2700000" algn="tl" rotWithShape="0">
-                    <a:schemeClr val="bg1">
-                      <a:lumMod val="50000"/>
-                    </a:schemeClr>
-                  </a:outerShdw>
-                </a:effectLst>
-              </a:rPr>
-              <a:t>HTTP </a:t>
-            </a:r>
-            <a:r>
-              <a:rPr lang="fr-FR" sz="4400" b="1" cap="none" spc="0" dirty="0" err="1" smtClean="0">
-                <a:ln w="9525">
-                  <a:solidFill>
-                    <a:schemeClr val="bg1"/>
-                  </a:solidFill>
-                  <a:prstDash val="solid"/>
-                </a:ln>
-                <a:solidFill>
-                  <a:schemeClr val="tx1"/>
-                </a:solidFill>
-                <a:effectLst>
-                  <a:outerShdw blurRad="12700" dist="38100" dir="2700000" algn="tl" rotWithShape="0">
-                    <a:schemeClr val="bg1">
-                      <a:lumMod val="50000"/>
-                    </a:schemeClr>
-                  </a:outerShdw>
-                </a:effectLst>
-              </a:rPr>
-              <a:t>requests</a:t>
-            </a:r>
-            <a:endParaRPr lang="fr-FR" sz="4400" b="1" cap="none" spc="0" dirty="0">
-              <a:ln w="9525">
-                <a:solidFill>
-                  <a:schemeClr val="bg1"/>
-                </a:solidFill>
-                <a:prstDash val="solid"/>
-              </a:ln>
-              <a:solidFill>
-                <a:schemeClr val="tx1"/>
-              </a:solidFill>
-              <a:effectLst>
-                <a:outerShdw blurRad="12700" dist="38100" dir="2700000" algn="tl" rotWithShape="0">
-                  <a:schemeClr val="bg1">
-                    <a:lumMod val="50000"/>
-                  </a:schemeClr>
-                </a:outerShdw>
-              </a:effectLst>
-            </a:endParaRPr>
-          </a:p>
-        </p:txBody>
-      </p:sp>
-    </p:spTree>
-    <p:extLst>
-      <p:ext uri="{BB962C8B-B14F-4D97-AF65-F5344CB8AC3E}">
-        <p14:creationId xmlns:p14="http://schemas.microsoft.com/office/powerpoint/2010/main" val="2169738315"/>
-      </p:ext>
-    </p:extLst>
-  </p:cSld>
-  <p:clrMapOvr>
-    <a:masterClrMapping/>
-  </p:clrMapOvr>
-  <mc:AlternateContent xmlns:mc="http://schemas.openxmlformats.org/markup-compatibility/2006" xmlns:p14="http://schemas.microsoft.com/office/powerpoint/2010/main">
-    <mc:Choice Requires="p14">
-      <p:transition spd="med" p14:dur="700">
-        <p:fade/>
-      </p:transition>
-    </mc:Choice>
-    <mc:Fallback xmlns="">
-      <p:transition spd="med">
-        <p:fade/>
-      </p:transition>
-    </mc:Fallback>
-  </mc:AlternateContent>
-  <p:timing>
-    <p:tnLst>
-      <p:par>
-        <p:cTn id="1" dur="indefinite" restart="never" nodeType="tmRoot"/>
-      </p:par>
-    </p:tnLst>
-  </p:timing>
-</p:sld>
-</file>
-
-<file path=ppt/slides/slide21.xml><?xml version="1.0" encoding="utf-8"?>
-<p:sld xmlns:a="http://schemas.openxmlformats.org/drawingml/2006/main" xmlns:r="http://schemas.openxmlformats.org/officeDocument/2006/relationships" xmlns:p="http://schemas.openxmlformats.org/presentationml/2006/main">
-  <p:cSld>
-    <p:spTree>
-      <p:nvGrpSpPr>
-        <p:cNvPr id="1" name=""/>
-        <p:cNvGrpSpPr/>
-        <p:nvPr/>
-      </p:nvGrpSpPr>
-      <p:grpSpPr>
-        <a:xfrm>
-          <a:off x="0" y="0"/>
-          <a:ext cx="0" cy="0"/>
-          <a:chOff x="0" y="0"/>
-          <a:chExt cx="0" cy="0"/>
-        </a:xfrm>
-      </p:grpSpPr>
-      <p:sp>
-        <p:nvSpPr>
-          <p:cNvPr id="4" name="Rectangle 3"/>
-          <p:cNvSpPr/>
-          <p:nvPr/>
-        </p:nvSpPr>
-        <p:spPr>
-          <a:xfrm>
-            <a:off x="2443856" y="2967335"/>
-            <a:ext cx="4256293" cy="923330"/>
-          </a:xfrm>
-          <a:prstGeom prst="rect">
-            <a:avLst/>
-          </a:prstGeom>
-          <a:noFill/>
-        </p:spPr>
-        <p:txBody>
-          <a:bodyPr wrap="none" lIns="91440" tIns="45720" rIns="91440" bIns="45720">
-            <a:spAutoFit/>
-          </a:bodyPr>
-          <a:lstStyle/>
-          <a:p>
-            <a:pPr algn="ctr"/>
-            <a:r>
-              <a:rPr lang="fr-FR" sz="5400" b="1" cap="none" spc="50" dirty="0" smtClean="0">
-                <a:ln w="0"/>
-                <a:solidFill>
-                  <a:schemeClr val="bg2"/>
-                </a:solidFill>
-                <a:effectLst>
-                  <a:innerShdw blurRad="63500" dist="50800" dir="13500000">
-                    <a:srgbClr val="000000">
-                      <a:alpha val="50000"/>
-                    </a:srgbClr>
-                  </a:innerShdw>
-                </a:effectLst>
-              </a:rPr>
-              <a:t>Questions ?</a:t>
-            </a:r>
-            <a:endParaRPr lang="fr-FR" sz="5400" b="1" cap="none" spc="50" dirty="0">
-              <a:ln w="0"/>
-              <a:solidFill>
-                <a:schemeClr val="bg2"/>
-              </a:solidFill>
-              <a:effectLst>
-                <a:innerShdw blurRad="63500" dist="50800" dir="13500000">
-                  <a:srgbClr val="000000">
-                    <a:alpha val="50000"/>
-                  </a:srgbClr>
-                </a:innerShdw>
-              </a:effectLst>
-            </a:endParaRPr>
-          </a:p>
-        </p:txBody>
-      </p:sp>
-      <p:sp>
-        <p:nvSpPr>
-          <p:cNvPr id="3" name="ZoneTexte 2"/>
-          <p:cNvSpPr txBox="1"/>
-          <p:nvPr/>
-        </p:nvSpPr>
-        <p:spPr>
-          <a:xfrm>
-            <a:off x="8496300" y="6296025"/>
-            <a:ext cx="495300" cy="369332"/>
-          </a:xfrm>
-          <a:prstGeom prst="rect">
-            <a:avLst/>
-          </a:prstGeom>
-          <a:noFill/>
-        </p:spPr>
-        <p:txBody>
-          <a:bodyPr wrap="square" rtlCol="0">
-            <a:spAutoFit/>
-          </a:bodyPr>
-          <a:lstStyle/>
-          <a:p>
-            <a:r>
-              <a:rPr lang="fr-FR" dirty="0" smtClean="0"/>
-              <a:t>18</a:t>
-            </a:r>
-            <a:endParaRPr lang="fr-FR" dirty="0"/>
-          </a:p>
-        </p:txBody>
-      </p:sp>
-    </p:spTree>
-    <p:extLst>
-      <p:ext uri="{BB962C8B-B14F-4D97-AF65-F5344CB8AC3E}">
-        <p14:creationId xmlns:p14="http://schemas.microsoft.com/office/powerpoint/2010/main" val="1828088138"/>
       </p:ext>
     </p:extLst>
   </p:cSld>
@@ -12368,7 +11745,7 @@
       </p:sp>
       <p:pic>
         <p:nvPicPr>
-          <p:cNvPr id="3" name="Image 2"/>
+          <p:cNvPr id="2" name="Image 1"/>
           <p:cNvPicPr>
             <a:picLocks noChangeAspect="1"/>
           </p:cNvPicPr>
@@ -12388,7 +11765,7 @@
         </p:blipFill>
         <p:spPr>
           <a:xfrm>
-            <a:off x="0" y="968097"/>
+            <a:off x="0" y="857250"/>
             <a:ext cx="9144000" cy="5143500"/>
           </a:xfrm>
           <a:prstGeom prst="rect">
@@ -12855,7 +12232,7 @@
           <p:nvPr>
             <p:extLst>
               <p:ext uri="{D42A27DB-BD31-4B8C-83A1-F6EECF244321}">
-                <p14:modId xmlns:p14="http://schemas.microsoft.com/office/powerpoint/2010/main" val="4142040397"/>
+                <p14:modId xmlns:p14="http://schemas.microsoft.com/office/powerpoint/2010/main" val="2996511626"/>
               </p:ext>
             </p:extLst>
           </p:nvPr>
@@ -13042,8 +12419,8 @@
                         <a:defRPr/>
                       </a:pPr>
                       <a:r>
-                        <a:rPr lang="fr-FR" dirty="0" err="1" smtClean="0"/>
-                        <a:t>Transferable</a:t>
+                        <a:rPr lang="fr-FR" dirty="0" smtClean="0"/>
+                        <a:t>Portable</a:t>
                       </a:r>
                       <a:endParaRPr lang="fr-FR" dirty="0" smtClean="0"/>
                     </a:p>

--- a/Rendu/Diapo_prototype_janvier.pptx
+++ b/Rendu/Diapo_prototype_janvier.pptx
@@ -7900,6 +7900,13 @@
       </p:transition>
     </mc:Fallback>
   </mc:AlternateContent>
+  <p:timing>
+    <p:tnLst>
+      <p:par>
+        <p:cTn id="1" dur="indefinite" restart="never" nodeType="tmRoot"/>
+      </p:par>
+    </p:tnLst>
+  </p:timing>
 </p:sld>
 </file>
 
@@ -10096,19 +10103,7 @@
           <a:p>
             <a:r>
               <a:rPr lang="en-US" dirty="0" smtClean="0"/>
-              <a:t>Make it </a:t>
-            </a:r>
-            <a:r>
-              <a:rPr lang="en-US" dirty="0" smtClean="0"/>
-              <a:t>portable</a:t>
-            </a:r>
-            <a:r>
-              <a:rPr lang="en-US" dirty="0" smtClean="0"/>
-              <a:t> </a:t>
-            </a:r>
-            <a:r>
-              <a:rPr lang="en-US" dirty="0" smtClean="0"/>
-              <a:t>: translate all the algorithm in C++</a:t>
+              <a:t>Make it portable : translate all the algorithm in C++</a:t>
             </a:r>
             <a:endParaRPr lang="en-US" dirty="0"/>
           </a:p>
@@ -12422,7 +12417,6 @@
                         <a:rPr lang="fr-FR" dirty="0" smtClean="0"/>
                         <a:t>Portable</a:t>
                       </a:r>
-                      <a:endParaRPr lang="fr-FR" dirty="0" smtClean="0"/>
                     </a:p>
                     <a:p>
                       <a:endParaRPr lang="fr-FR" dirty="0"/>
